--- a/ppt_capacitacion_slim.pptx
+++ b/ppt_capacitacion_slim.pptx
@@ -26,6 +26,9 @@
     <p:sldId id="270" r:id="rId21"/>
     <p:sldId id="271" r:id="rId22"/>
     <p:sldId id="272" r:id="rId23"/>
+    <p:sldId id="273" r:id="rId24"/>
+    <p:sldId id="274" r:id="rId25"/>
+    <p:sldId id="275" r:id="rId26"/>
   </p:sldIdLst>
   <p:sldSz cx="9144000" cy="6858000"/>
   <p:notesSz cx="7559675" cy="10691812"/>
@@ -6729,7 +6732,7 @@
         <p:spPr>
           <a:xfrm>
             <a:off x="1793160" y="0"/>
-            <a:ext cx="7349760" cy="6856920"/>
+            <a:ext cx="7349040" cy="6856200"/>
           </a:xfrm>
           <a:prstGeom prst="rect">
             <a:avLst/>
@@ -6748,7 +6751,7 @@
         <p:spPr>
           <a:xfrm>
             <a:off x="0" y="0"/>
-            <a:ext cx="9142920" cy="6856920"/>
+            <a:ext cx="9142200" cy="6856200"/>
           </a:xfrm>
           <a:custGeom>
             <a:avLst/>
@@ -6830,7 +6833,7 @@
         <p:spPr>
           <a:xfrm>
             <a:off x="323640" y="188640"/>
-            <a:ext cx="5110560" cy="143280"/>
+            <a:ext cx="5109840" cy="142560"/>
           </a:xfrm>
           <a:prstGeom prst="rect">
             <a:avLst/>
@@ -6885,7 +6888,7 @@
         <p:spPr>
           <a:xfrm>
             <a:off x="7452360" y="5617080"/>
-            <a:ext cx="1257840" cy="816120"/>
+            <a:ext cx="1257120" cy="815400"/>
           </a:xfrm>
           <a:prstGeom prst="rect">
             <a:avLst/>
@@ -6908,7 +6911,7 @@
         <p:spPr>
           <a:xfrm>
             <a:off x="461520" y="5481720"/>
-            <a:ext cx="1871280" cy="957600"/>
+            <a:ext cx="1870560" cy="956880"/>
           </a:xfrm>
           <a:prstGeom prst="rect">
             <a:avLst/>
@@ -6992,7 +6995,31 @@
               <a:rPr b="0" lang="es-ES" sz="3200" spc="-1" strike="noStrike">
                 <a:latin typeface="Arial"/>
               </a:rPr>
-              <a:t>Pulse para editar el formato de esquema del texto</a:t>
+              <a:t>Pulse para </a:t>
+            </a:r>
+            <a:r>
+              <a:rPr b="0" lang="es-ES" sz="3200" spc="-1" strike="noStrike">
+                <a:latin typeface="Arial"/>
+              </a:rPr>
+              <a:t>editar el </a:t>
+            </a:r>
+            <a:r>
+              <a:rPr b="0" lang="es-ES" sz="3200" spc="-1" strike="noStrike">
+                <a:latin typeface="Arial"/>
+              </a:rPr>
+              <a:t>formato de </a:t>
+            </a:r>
+            <a:r>
+              <a:rPr b="0" lang="es-ES" sz="3200" spc="-1" strike="noStrike">
+                <a:latin typeface="Arial"/>
+              </a:rPr>
+              <a:t>esquema </a:t>
+            </a:r>
+            <a:r>
+              <a:rPr b="0" lang="es-ES" sz="3200" spc="-1" strike="noStrike">
+                <a:latin typeface="Arial"/>
+              </a:rPr>
+              <a:t>del texto</a:t>
             </a:r>
             <a:endParaRPr b="0" lang="es-ES" sz="3200" spc="-1" strike="noStrike">
               <a:latin typeface="Arial"/>
@@ -7014,7 +7041,19 @@
               <a:rPr b="0" lang="es-ES" sz="2800" spc="-1" strike="noStrike">
                 <a:latin typeface="Arial"/>
               </a:rPr>
-              <a:t>Segundo nivel del esquema</a:t>
+              <a:t>Segundo </a:t>
+            </a:r>
+            <a:r>
+              <a:rPr b="0" lang="es-ES" sz="2800" spc="-1" strike="noStrike">
+                <a:latin typeface="Arial"/>
+              </a:rPr>
+              <a:t>nivel del </a:t>
+            </a:r>
+            <a:r>
+              <a:rPr b="0" lang="es-ES" sz="2800" spc="-1" strike="noStrike">
+                <a:latin typeface="Arial"/>
+              </a:rPr>
+              <a:t>esquema</a:t>
             </a:r>
             <a:endParaRPr b="0" lang="es-ES" sz="2800" spc="-1" strike="noStrike">
               <a:latin typeface="Arial"/>
@@ -7036,7 +7075,19 @@
               <a:rPr b="0" lang="es-ES" sz="2400" spc="-1" strike="noStrike">
                 <a:latin typeface="Arial"/>
               </a:rPr>
-              <a:t>Tercer nivel del esquema</a:t>
+              <a:t>Tercer </a:t>
+            </a:r>
+            <a:r>
+              <a:rPr b="0" lang="es-ES" sz="2400" spc="-1" strike="noStrike">
+                <a:latin typeface="Arial"/>
+              </a:rPr>
+              <a:t>nivel del </a:t>
+            </a:r>
+            <a:r>
+              <a:rPr b="0" lang="es-ES" sz="2400" spc="-1" strike="noStrike">
+                <a:latin typeface="Arial"/>
+              </a:rPr>
+              <a:t>esquema</a:t>
             </a:r>
             <a:endParaRPr b="0" lang="es-ES" sz="2400" spc="-1" strike="noStrike">
               <a:latin typeface="Arial"/>
@@ -7058,7 +7109,31 @@
               <a:rPr b="0" lang="es-ES" sz="2000" spc="-1" strike="noStrike">
                 <a:latin typeface="Arial"/>
               </a:rPr>
-              <a:t>Cuarto nivel del esquema</a:t>
+              <a:t>Cuarto </a:t>
+            </a:r>
+            <a:r>
+              <a:rPr b="0" lang="es-ES" sz="2000" spc="-1" strike="noStrike">
+                <a:latin typeface="Arial"/>
+              </a:rPr>
+              <a:t>nivel </a:t>
+            </a:r>
+            <a:r>
+              <a:rPr b="0" lang="es-ES" sz="2000" spc="-1" strike="noStrike">
+                <a:latin typeface="Arial"/>
+              </a:rPr>
+              <a:t>del </a:t>
+            </a:r>
+            <a:r>
+              <a:rPr b="0" lang="es-ES" sz="2000" spc="-1" strike="noStrike">
+                <a:latin typeface="Arial"/>
+              </a:rPr>
+              <a:t>esquem</a:t>
+            </a:r>
+            <a:r>
+              <a:rPr b="0" lang="es-ES" sz="2000" spc="-1" strike="noStrike">
+                <a:latin typeface="Arial"/>
+              </a:rPr>
+              <a:t>a</a:t>
             </a:r>
             <a:endParaRPr b="0" lang="es-ES" sz="2000" spc="-1" strike="noStrike">
               <a:latin typeface="Arial"/>
@@ -7080,7 +7155,43 @@
               <a:rPr b="0" lang="es-ES" sz="2000" spc="-1" strike="noStrike">
                 <a:latin typeface="Arial"/>
               </a:rPr>
-              <a:t>Quinto nivel del esquema</a:t>
+              <a:t>Qui</a:t>
+            </a:r>
+            <a:r>
+              <a:rPr b="0" lang="es-ES" sz="2000" spc="-1" strike="noStrike">
+                <a:latin typeface="Arial"/>
+              </a:rPr>
+              <a:t>nto </a:t>
+            </a:r>
+            <a:r>
+              <a:rPr b="0" lang="es-ES" sz="2000" spc="-1" strike="noStrike">
+                <a:latin typeface="Arial"/>
+              </a:rPr>
+              <a:t>nive</a:t>
+            </a:r>
+            <a:r>
+              <a:rPr b="0" lang="es-ES" sz="2000" spc="-1" strike="noStrike">
+                <a:latin typeface="Arial"/>
+              </a:rPr>
+              <a:t>l del </a:t>
+            </a:r>
+            <a:r>
+              <a:rPr b="0" lang="es-ES" sz="2000" spc="-1" strike="noStrike">
+                <a:latin typeface="Arial"/>
+              </a:rPr>
+              <a:t>esq</a:t>
+            </a:r>
+            <a:r>
+              <a:rPr b="0" lang="es-ES" sz="2000" spc="-1" strike="noStrike">
+                <a:latin typeface="Arial"/>
+              </a:rPr>
+              <a:t>ue</a:t>
+            </a:r>
+            <a:r>
+              <a:rPr b="0" lang="es-ES" sz="2000" spc="-1" strike="noStrike">
+                <a:latin typeface="Arial"/>
+              </a:rPr>
+              <a:t>ma</a:t>
             </a:r>
             <a:endParaRPr b="0" lang="es-ES" sz="2000" spc="-1" strike="noStrike">
               <a:latin typeface="Arial"/>
@@ -7102,7 +7213,127 @@
               <a:rPr b="0" lang="es-ES" sz="2000" spc="-1" strike="noStrike">
                 <a:latin typeface="Arial"/>
               </a:rPr>
-              <a:t>Sexto nivel del esquema</a:t>
+              <a:t>S</a:t>
+            </a:r>
+            <a:r>
+              <a:rPr b="0" lang="es-ES" sz="2000" spc="-1" strike="noStrike">
+                <a:latin typeface="Arial"/>
+              </a:rPr>
+              <a:t>e</a:t>
+            </a:r>
+            <a:r>
+              <a:rPr b="0" lang="es-ES" sz="2000" spc="-1" strike="noStrike">
+                <a:latin typeface="Arial"/>
+              </a:rPr>
+              <a:t>x</a:t>
+            </a:r>
+            <a:r>
+              <a:rPr b="0" lang="es-ES" sz="2000" spc="-1" strike="noStrike">
+                <a:latin typeface="Arial"/>
+              </a:rPr>
+              <a:t>t</a:t>
+            </a:r>
+            <a:r>
+              <a:rPr b="0" lang="es-ES" sz="2000" spc="-1" strike="noStrike">
+                <a:latin typeface="Arial"/>
+              </a:rPr>
+              <a:t>o</a:t>
+            </a:r>
+            <a:r>
+              <a:rPr b="0" lang="es-ES" sz="2000" spc="-1" strike="noStrike">
+                <a:latin typeface="Arial"/>
+              </a:rPr>
+              <a:t> </a:t>
+            </a:r>
+            <a:r>
+              <a:rPr b="0" lang="es-ES" sz="2000" spc="-1" strike="noStrike">
+                <a:latin typeface="Arial"/>
+              </a:rPr>
+              <a:t>n</a:t>
+            </a:r>
+            <a:r>
+              <a:rPr b="0" lang="es-ES" sz="2000" spc="-1" strike="noStrike">
+                <a:latin typeface="Arial"/>
+              </a:rPr>
+              <a:t>i</a:t>
+            </a:r>
+            <a:r>
+              <a:rPr b="0" lang="es-ES" sz="2000" spc="-1" strike="noStrike">
+                <a:latin typeface="Arial"/>
+              </a:rPr>
+              <a:t>v</a:t>
+            </a:r>
+            <a:r>
+              <a:rPr b="0" lang="es-ES" sz="2000" spc="-1" strike="noStrike">
+                <a:latin typeface="Arial"/>
+              </a:rPr>
+              <a:t>e</a:t>
+            </a:r>
+            <a:r>
+              <a:rPr b="0" lang="es-ES" sz="2000" spc="-1" strike="noStrike">
+                <a:latin typeface="Arial"/>
+              </a:rPr>
+              <a:t>l </a:t>
+            </a:r>
+            <a:r>
+              <a:rPr b="0" lang="es-ES" sz="2000" spc="-1" strike="noStrike">
+                <a:latin typeface="Arial"/>
+              </a:rPr>
+              <a:t>d</a:t>
+            </a:r>
+            <a:r>
+              <a:rPr b="0" lang="es-ES" sz="2000" spc="-1" strike="noStrike">
+                <a:latin typeface="Arial"/>
+              </a:rPr>
+              <a:t>e</a:t>
+            </a:r>
+            <a:r>
+              <a:rPr b="0" lang="es-ES" sz="2000" spc="-1" strike="noStrike">
+                <a:latin typeface="Arial"/>
+              </a:rPr>
+              <a:t>l </a:t>
+            </a:r>
+            <a:r>
+              <a:rPr b="0" lang="es-ES" sz="2000" spc="-1" strike="noStrike">
+                <a:latin typeface="Arial"/>
+              </a:rPr>
+              <a:t>e</a:t>
+            </a:r>
+            <a:r>
+              <a:rPr b="0" lang="es-ES" sz="2000" spc="-1" strike="noStrike">
+                <a:latin typeface="Arial"/>
+              </a:rPr>
+              <a:t>s</a:t>
+            </a:r>
+            <a:r>
+              <a:rPr b="0" lang="es-ES" sz="2000" spc="-1" strike="noStrike">
+                <a:latin typeface="Arial"/>
+              </a:rPr>
+              <a:t>q</a:t>
+            </a:r>
+            <a:r>
+              <a:rPr b="0" lang="es-ES" sz="2000" spc="-1" strike="noStrike">
+                <a:latin typeface="Arial"/>
+              </a:rPr>
+              <a:t>u</a:t>
+            </a:r>
+            <a:r>
+              <a:rPr b="0" lang="es-ES" sz="2000" spc="-1" strike="noStrike">
+                <a:latin typeface="Arial"/>
+              </a:rPr>
+              <a:t>e</a:t>
+            </a:r>
+            <a:r>
+              <a:rPr b="0" lang="es-ES" sz="2000" spc="-1" strike="noStrike">
+                <a:latin typeface="Arial"/>
+              </a:rPr>
+              <a:t>m</a:t>
+            </a:r>
+            <a:r>
+              <a:rPr b="0" lang="es-ES" sz="2000" spc="-1" strike="noStrike">
+                <a:latin typeface="Arial"/>
+              </a:rPr>
+              <a:t>a</a:t>
             </a:r>
             <a:endParaRPr b="0" lang="es-ES" sz="2000" spc="-1" strike="noStrike">
               <a:latin typeface="Arial"/>
@@ -7124,7 +7355,151 @@
               <a:rPr b="0" lang="es-ES" sz="2000" spc="-1" strike="noStrike">
                 <a:latin typeface="Arial"/>
               </a:rPr>
-              <a:t>Séptimo nivel del esquema</a:t>
+              <a:t>S</a:t>
+            </a:r>
+            <a:r>
+              <a:rPr b="0" lang="es-ES" sz="2000" spc="-1" strike="noStrike">
+                <a:latin typeface="Arial"/>
+              </a:rPr>
+              <a:t>é</a:t>
+            </a:r>
+            <a:r>
+              <a:rPr b="0" lang="es-ES" sz="2000" spc="-1" strike="noStrike">
+                <a:latin typeface="Arial"/>
+              </a:rPr>
+              <a:t>p</a:t>
+            </a:r>
+            <a:r>
+              <a:rPr b="0" lang="es-ES" sz="2000" spc="-1" strike="noStrike">
+                <a:latin typeface="Arial"/>
+              </a:rPr>
+              <a:t>t</a:t>
+            </a:r>
+            <a:r>
+              <a:rPr b="0" lang="es-ES" sz="2000" spc="-1" strike="noStrike">
+                <a:latin typeface="Arial"/>
+              </a:rPr>
+              <a:t>i</a:t>
+            </a:r>
+            <a:r>
+              <a:rPr b="0" lang="es-ES" sz="2000" spc="-1" strike="noStrike">
+                <a:latin typeface="Arial"/>
+              </a:rPr>
+              <a:t>m</a:t>
+            </a:r>
+            <a:r>
+              <a:rPr b="0" lang="es-ES" sz="2000" spc="-1" strike="noStrike">
+                <a:latin typeface="Arial"/>
+              </a:rPr>
+              <a:t>o</a:t>
+            </a:r>
+            <a:r>
+              <a:rPr b="0" lang="es-ES" sz="2000" spc="-1" strike="noStrike">
+                <a:latin typeface="Arial"/>
+              </a:rPr>
+              <a:t> </a:t>
+            </a:r>
+            <a:r>
+              <a:rPr b="0" lang="es-ES" sz="2000" spc="-1" strike="noStrike">
+                <a:latin typeface="Arial"/>
+              </a:rPr>
+              <a:t>n</a:t>
+            </a:r>
+            <a:r>
+              <a:rPr b="0" lang="es-ES" sz="2000" spc="-1" strike="noStrike">
+                <a:latin typeface="Arial"/>
+              </a:rPr>
+              <a:t>i</a:t>
+            </a:r>
+            <a:r>
+              <a:rPr b="0" lang="es-ES" sz="2000" spc="-1" strike="noStrike">
+                <a:latin typeface="Arial"/>
+              </a:rPr>
+              <a:t>v</a:t>
+            </a:r>
+            <a:r>
+              <a:rPr b="0" lang="es-ES" sz="2000" spc="-1" strike="noStrike">
+                <a:latin typeface="Arial"/>
+              </a:rPr>
+              <a:t>e</a:t>
+            </a:r>
+            <a:r>
+              <a:rPr b="0" lang="es-ES" sz="2000" spc="-1" strike="noStrike">
+                <a:latin typeface="Arial"/>
+              </a:rPr>
+              <a:t>l</a:t>
+            </a:r>
+            <a:r>
+              <a:rPr b="0" lang="es-ES" sz="2000" spc="-1" strike="noStrike">
+                <a:latin typeface="Arial"/>
+              </a:rPr>
+              <a:t> </a:t>
+            </a:r>
+            <a:r>
+              <a:rPr b="0" lang="es-ES" sz="2000" spc="-1" strike="noStrike">
+                <a:latin typeface="Arial"/>
+              </a:rPr>
+              <a:t>d</a:t>
+            </a:r>
+            <a:r>
+              <a:rPr b="0" lang="es-ES" sz="2000" spc="-1" strike="noStrike">
+                <a:latin typeface="Arial"/>
+              </a:rPr>
+              <a:t>e</a:t>
+            </a:r>
+            <a:r>
+              <a:rPr b="0" lang="es-ES" sz="2000" spc="-1" strike="noStrike">
+                <a:latin typeface="Arial"/>
+              </a:rPr>
+              <a:t>l</a:t>
+            </a:r>
+            <a:r>
+              <a:rPr b="0" lang="es-ES" sz="2000" spc="-1" strike="noStrike">
+                <a:latin typeface="Arial"/>
+              </a:rPr>
+              <a:t> </a:t>
+            </a:r>
+            <a:r>
+              <a:rPr b="0" lang="es-ES" sz="2000" spc="-1" strike="noStrike">
+                <a:latin typeface="Arial"/>
+              </a:rPr>
+              <a:t>e</a:t>
+            </a:r>
+            <a:r>
+              <a:rPr b="0" lang="es-ES" sz="2000" spc="-1" strike="noStrike">
+                <a:latin typeface="Arial"/>
+              </a:rPr>
+              <a:t>s</a:t>
+            </a:r>
+            <a:r>
+              <a:rPr b="0" lang="es-ES" sz="2000" spc="-1" strike="noStrike">
+                <a:latin typeface="Arial"/>
+              </a:rPr>
+              <a:t>q</a:t>
+            </a:r>
+            <a:r>
+              <a:rPr b="0" lang="es-ES" sz="2000" spc="-1" strike="noStrike">
+                <a:latin typeface="Arial"/>
+              </a:rPr>
+              <a:t>u</a:t>
+            </a:r>
+            <a:r>
+              <a:rPr b="0" lang="es-ES" sz="2000" spc="-1" strike="noStrike">
+                <a:latin typeface="Arial"/>
+              </a:rPr>
+              <a:t>e</a:t>
+            </a:r>
+            <a:r>
+              <a:rPr b="0" lang="es-ES" sz="2000" spc="-1" strike="noStrike">
+                <a:latin typeface="Arial"/>
+              </a:rPr>
+              <a:t>m</a:t>
+            </a:r>
+            <a:r>
+              <a:rPr b="0" lang="es-ES" sz="2000" spc="-1" strike="noStrike">
+                <a:latin typeface="Arial"/>
+              </a:rPr>
+              <a:t>a</a:t>
             </a:r>
             <a:endParaRPr b="0" lang="es-ES" sz="2000" spc="-1" strike="noStrike">
               <a:latin typeface="Arial"/>
@@ -7185,7 +7560,7 @@
         <p:spPr>
           <a:xfrm>
             <a:off x="0" y="0"/>
-            <a:ext cx="9142920" cy="6856920"/>
+            <a:ext cx="9142200" cy="6856200"/>
           </a:xfrm>
           <a:custGeom>
             <a:avLst/>
@@ -7267,7 +7642,7 @@
         <p:spPr>
           <a:xfrm>
             <a:off x="3708000" y="6525360"/>
-            <a:ext cx="5110560" cy="143280"/>
+            <a:ext cx="5109840" cy="142560"/>
           </a:xfrm>
           <a:prstGeom prst="rect">
             <a:avLst/>
@@ -7321,7 +7696,7 @@
         <p:spPr>
           <a:xfrm>
             <a:off x="6228360" y="620640"/>
-            <a:ext cx="2532240" cy="1078920"/>
+            <a:ext cx="2531520" cy="1078200"/>
           </a:xfrm>
           <a:prstGeom prst="rect">
             <a:avLst/>
@@ -7346,7 +7721,7 @@
         <p:spPr>
           <a:xfrm>
             <a:off x="539640" y="5617080"/>
-            <a:ext cx="1257840" cy="816120"/>
+            <a:ext cx="1257120" cy="815400"/>
           </a:xfrm>
           <a:prstGeom prst="rect">
             <a:avLst/>
@@ -7627,7 +8002,7 @@
         <p:spPr>
           <a:xfrm>
             <a:off x="7812360" y="404640"/>
-            <a:ext cx="1035720" cy="528840"/>
+            <a:ext cx="1035000" cy="528120"/>
           </a:xfrm>
           <a:prstGeom prst="rect">
             <a:avLst/>
@@ -7646,7 +8021,7 @@
         <p:spPr>
           <a:xfrm>
             <a:off x="756360" y="6524640"/>
-            <a:ext cx="5110560" cy="143280"/>
+            <a:ext cx="5109840" cy="142560"/>
           </a:xfrm>
           <a:prstGeom prst="rect">
             <a:avLst/>
@@ -7957,7 +8332,7 @@
         <p:spPr>
           <a:xfrm>
             <a:off x="7812360" y="404640"/>
-            <a:ext cx="1035720" cy="528840"/>
+            <a:ext cx="1035000" cy="528120"/>
           </a:xfrm>
           <a:prstGeom prst="rect">
             <a:avLst/>
@@ -7976,7 +8351,7 @@
         <p:spPr>
           <a:xfrm>
             <a:off x="756360" y="6524640"/>
-            <a:ext cx="5110560" cy="143280"/>
+            <a:ext cx="5109840" cy="142560"/>
           </a:xfrm>
           <a:prstGeom prst="rect">
             <a:avLst/>
@@ -8025,7 +8400,7 @@
         <p:spPr>
           <a:xfrm>
             <a:off x="0" y="2205000"/>
-            <a:ext cx="9142920" cy="2879280"/>
+            <a:ext cx="9142200" cy="2878560"/>
           </a:xfrm>
           <a:prstGeom prst="rect">
             <a:avLst/>
@@ -8336,7 +8711,7 @@
         <p:spPr>
           <a:xfrm>
             <a:off x="0" y="9000"/>
-            <a:ext cx="9142920" cy="6847920"/>
+            <a:ext cx="9142200" cy="6847200"/>
           </a:xfrm>
           <a:prstGeom prst="rect">
             <a:avLst/>
@@ -8355,7 +8730,7 @@
         <p:spPr>
           <a:xfrm>
             <a:off x="107640" y="1917000"/>
-            <a:ext cx="4751280" cy="1918080"/>
+            <a:ext cx="4750560" cy="1917360"/>
           </a:xfrm>
           <a:prstGeom prst="rect">
             <a:avLst/>
@@ -8380,7 +8755,7 @@
               </a:lnSpc>
             </a:pPr>
             <a:r>
-              <a:rPr b="0" lang="es-ES" sz="12000" spc="593" strike="noStrike">
+              <a:rPr b="0" lang="es-ES" sz="12000" spc="588" strike="noStrike">
                 <a:solidFill>
                   <a:srgbClr val="ffffff"/>
                 </a:solidFill>
@@ -8390,7 +8765,7 @@
               <a:t>Q</a:t>
             </a:r>
             <a:r>
-              <a:rPr b="0" lang="es-ES" sz="8000" spc="593" strike="noStrike" baseline="30000">
+              <a:rPr b="0" lang="es-ES" sz="8000" spc="588" strike="noStrike" baseline="30000">
                 <a:solidFill>
                   <a:srgbClr val="ffffff"/>
                 </a:solidFill>
@@ -8400,7 +8775,7 @@
               <a:t>&amp;</a:t>
             </a:r>
             <a:r>
-              <a:rPr b="0" lang="es-ES" sz="12000" spc="593" strike="noStrike">
+              <a:rPr b="0" lang="es-ES" sz="12000" spc="588" strike="noStrike">
                 <a:solidFill>
                   <a:srgbClr val="ffffff"/>
                 </a:solidFill>
@@ -8429,7 +8804,7 @@
         <p:spPr>
           <a:xfrm>
             <a:off x="6228360" y="620640"/>
-            <a:ext cx="2532240" cy="1078920"/>
+            <a:ext cx="2531520" cy="1078200"/>
           </a:xfrm>
           <a:prstGeom prst="rect">
             <a:avLst/>
@@ -8454,7 +8829,7 @@
         <p:spPr>
           <a:xfrm>
             <a:off x="539640" y="5617080"/>
-            <a:ext cx="1257840" cy="816120"/>
+            <a:ext cx="1257120" cy="815400"/>
           </a:xfrm>
           <a:prstGeom prst="rect">
             <a:avLst/>
@@ -8473,7 +8848,7 @@
         <p:spPr>
           <a:xfrm>
             <a:off x="3708000" y="6525360"/>
-            <a:ext cx="5110560" cy="143280"/>
+            <a:ext cx="5109840" cy="142560"/>
           </a:xfrm>
           <a:prstGeom prst="rect">
             <a:avLst/>
@@ -8540,7 +8915,13 @@
               <a:rPr b="0" lang="es-ES" sz="4400" spc="-1" strike="noStrike">
                 <a:latin typeface="Arial"/>
               </a:rPr>
-              <a:t>Pulse para editar el formato del texto de título</a:t>
+              <a:t>Pulse para editar el formato </a:t>
+            </a:r>
+            <a:r>
+              <a:rPr b="0" lang="es-ES" sz="4400" spc="-1" strike="noStrike">
+                <a:latin typeface="Arial"/>
+              </a:rPr>
+              <a:t>del texto de título</a:t>
             </a:r>
             <a:endParaRPr b="0" lang="es-ES" sz="4400" spc="-1" strike="noStrike">
               <a:latin typeface="Arial"/>
@@ -8777,7 +9158,7 @@
         <p:spPr>
           <a:xfrm>
             <a:off x="31680" y="2160360"/>
-            <a:ext cx="5007600" cy="1142640"/>
+            <a:ext cx="5006880" cy="1141920"/>
           </a:xfrm>
           <a:prstGeom prst="rect">
             <a:avLst/>
@@ -8838,14 +9219,14 @@
       </p:grpSpPr>
       <p:sp>
         <p:nvSpPr>
-          <p:cNvPr id="227" name="CustomShape 1"/>
+          <p:cNvPr id="218" name="CustomShape 1"/>
           <p:cNvSpPr/>
           <p:nvPr/>
         </p:nvSpPr>
         <p:spPr>
           <a:xfrm>
             <a:off x="457200" y="1339920"/>
-            <a:ext cx="7243560" cy="4963680"/>
+            <a:ext cx="7990560" cy="4962960"/>
           </a:xfrm>
           <a:prstGeom prst="rect">
             <a:avLst/>
@@ -8864,12 +9245,12 @@
         <p:txBody>
           <a:bodyPr lIns="90000" rIns="90000" tIns="45000" bIns="45000"/>
           <a:p>
-            <a:pPr marL="125640" indent="-178560">
+            <a:pPr marL="125640" indent="-177840">
               <a:lnSpc>
                 <a:spcPct val="100000"/>
               </a:lnSpc>
               <a:spcBef>
-                <a:spcPts val="479"/>
+                <a:spcPts val="641"/>
               </a:spcBef>
               <a:buClr>
                 <a:srgbClr val="5e6264"/>
@@ -8878,52 +9259,26 @@
               <a:buChar char="›"/>
             </a:pPr>
             <a:r>
-              <a:rPr b="0" lang="es-ES" sz="2400" spc="-1" strike="noStrike">
+              <a:rPr b="0" lang="es-ES" sz="3200" spc="-1" strike="noStrike">
                 <a:solidFill>
                   <a:srgbClr val="5e6264"/>
                 </a:solidFill>
                 <a:latin typeface="Arial"/>
                 <a:ea typeface="DejaVu Sans"/>
               </a:rPr>
-              <a:t>Archivo  .env</a:t>
-            </a:r>
-            <a:endParaRPr b="0" lang="es-ES" sz="2400" spc="-1" strike="noStrike">
-              <a:latin typeface="Arial"/>
-            </a:endParaRPr>
-          </a:p>
-          <a:p>
-            <a:pPr>
+              <a:t>Slim Skeleton</a:t>
+            </a:r>
+            <a:endParaRPr b="0" lang="es-ES" sz="3200" spc="-1" strike="noStrike">
+              <a:latin typeface="Arial"/>
+            </a:endParaRPr>
+          </a:p>
+          <a:p>
+            <a:pPr marL="125640" indent="-177840">
               <a:lnSpc>
                 <a:spcPct val="100000"/>
               </a:lnSpc>
               <a:spcBef>
-                <a:spcPts val="360"/>
-              </a:spcBef>
-            </a:pPr>
-            <a:endParaRPr b="0" lang="es-ES" sz="2400" spc="-1" strike="noStrike">
-              <a:latin typeface="Arial"/>
-            </a:endParaRPr>
-          </a:p>
-          <a:p>
-            <a:pPr>
-              <a:lnSpc>
-                <a:spcPct val="100000"/>
-              </a:lnSpc>
-              <a:spcBef>
-                <a:spcPts val="360"/>
-              </a:spcBef>
-            </a:pPr>
-            <a:endParaRPr b="0" lang="es-ES" sz="2400" spc="-1" strike="noStrike">
-              <a:latin typeface="Arial"/>
-            </a:endParaRPr>
-          </a:p>
-          <a:p>
-            <a:pPr marL="125640" indent="-178560">
-              <a:lnSpc>
-                <a:spcPct val="100000"/>
-              </a:lnSpc>
-              <a:spcBef>
-                <a:spcPts val="561"/>
+                <a:spcPts val="641"/>
               </a:spcBef>
               <a:buClr>
                 <a:srgbClr val="5e6264"/>
@@ -8932,39 +9287,26 @@
               <a:buChar char="›"/>
             </a:pPr>
             <a:r>
-              <a:rPr b="1" lang="es-ES" sz="2800" spc="-1" strike="noStrike">
+              <a:rPr b="0" lang="es-ES" sz="3200" spc="-1" strike="noStrike">
                 <a:solidFill>
                   <a:srgbClr val="5e6264"/>
                 </a:solidFill>
                 <a:latin typeface="Arial"/>
                 <a:ea typeface="DejaVu Sans"/>
               </a:rPr>
-              <a:t>ARTISAN CLI</a:t>
-            </a:r>
-            <a:endParaRPr b="0" lang="es-ES" sz="2800" spc="-1" strike="noStrike">
-              <a:latin typeface="Arial"/>
-            </a:endParaRPr>
-          </a:p>
-          <a:p>
-            <a:pPr>
+              <a:t>Composer</a:t>
+            </a:r>
+            <a:endParaRPr b="0" lang="es-ES" sz="3200" spc="-1" strike="noStrike">
+              <a:latin typeface="Arial"/>
+            </a:endParaRPr>
+          </a:p>
+          <a:p>
+            <a:pPr marL="125640" indent="-177840">
               <a:lnSpc>
                 <a:spcPct val="100000"/>
               </a:lnSpc>
               <a:spcBef>
-                <a:spcPts val="479"/>
-              </a:spcBef>
-            </a:pPr>
-            <a:endParaRPr b="0" lang="es-ES" sz="2800" spc="-1" strike="noStrike">
-              <a:latin typeface="Arial"/>
-            </a:endParaRPr>
-          </a:p>
-          <a:p>
-            <a:pPr marL="125640" indent="-178560">
-              <a:lnSpc>
-                <a:spcPct val="100000"/>
-              </a:lnSpc>
-              <a:spcBef>
-                <a:spcPts val="479"/>
+                <a:spcPts val="641"/>
               </a:spcBef>
               <a:buClr>
                 <a:srgbClr val="5e6264"/>
@@ -8973,26 +9315,26 @@
               <a:buChar char="›"/>
             </a:pPr>
             <a:r>
-              <a:rPr b="0" lang="es-ES" sz="2400" spc="-1" strike="noStrike">
+              <a:rPr b="0" lang="es-ES" sz="3200" spc="-1" strike="noStrike">
                 <a:solidFill>
                   <a:srgbClr val="5e6264"/>
                 </a:solidFill>
                 <a:latin typeface="Arial"/>
                 <a:ea typeface="DejaVu Sans"/>
               </a:rPr>
-              <a:t>php artisan down</a:t>
-            </a:r>
-            <a:endParaRPr b="0" lang="es-ES" sz="2400" spc="-1" strike="noStrike">
-              <a:latin typeface="Arial"/>
-            </a:endParaRPr>
-          </a:p>
-          <a:p>
-            <a:pPr marL="125640" indent="-178560">
+              <a:t>PHP 5.5 en adelante</a:t>
+            </a:r>
+            <a:endParaRPr b="0" lang="es-ES" sz="3200" spc="-1" strike="noStrike">
+              <a:latin typeface="Arial"/>
+            </a:endParaRPr>
+          </a:p>
+          <a:p>
+            <a:pPr marL="125640" indent="-177840">
               <a:lnSpc>
                 <a:spcPct val="100000"/>
               </a:lnSpc>
               <a:spcBef>
-                <a:spcPts val="479"/>
+                <a:spcPts val="641"/>
               </a:spcBef>
               <a:buClr>
                 <a:srgbClr val="5e6264"/>
@@ -9001,26 +9343,26 @@
               <a:buChar char="›"/>
             </a:pPr>
             <a:r>
-              <a:rPr b="0" lang="es-ES" sz="2400" spc="-1" strike="noStrike">
+              <a:rPr b="0" lang="es-ES" sz="3200" spc="-1" strike="noStrike">
                 <a:solidFill>
                   <a:srgbClr val="5e6264"/>
                 </a:solidFill>
                 <a:latin typeface="Arial"/>
                 <a:ea typeface="DejaVu Sans"/>
               </a:rPr>
-              <a:t>Php artisan up</a:t>
-            </a:r>
-            <a:endParaRPr b="0" lang="es-ES" sz="2400" spc="-1" strike="noStrike">
-              <a:latin typeface="Arial"/>
-            </a:endParaRPr>
-          </a:p>
-          <a:p>
-            <a:pPr marL="125640" indent="-178560">
+              <a:t>APACHE , IIS, Nginx</a:t>
+            </a:r>
+            <a:endParaRPr b="0" lang="es-ES" sz="3200" spc="-1" strike="noStrike">
+              <a:latin typeface="Arial"/>
+            </a:endParaRPr>
+          </a:p>
+          <a:p>
+            <a:pPr marL="125640" indent="-177840">
               <a:lnSpc>
                 <a:spcPct val="100000"/>
               </a:lnSpc>
               <a:spcBef>
-                <a:spcPts val="479"/>
+                <a:spcPts val="641"/>
               </a:spcBef>
               <a:buClr>
                 <a:srgbClr val="5e6264"/>
@@ -9029,16 +9371,62 @@
               <a:buChar char="›"/>
             </a:pPr>
             <a:r>
-              <a:rPr b="0" lang="es-ES" sz="2400" spc="-1" strike="noStrike">
+              <a:rPr b="0" lang="es-ES" sz="3200" spc="-1" strike="noStrike">
                 <a:solidFill>
                   <a:srgbClr val="5e6264"/>
                 </a:solidFill>
                 <a:latin typeface="Arial"/>
                 <a:ea typeface="DejaVu Sans"/>
               </a:rPr>
-              <a:t>Php artisan serve</a:t>
-            </a:r>
-            <a:endParaRPr b="0" lang="es-ES" sz="2400" spc="-1" strike="noStrike">
+              <a:t>MySQL , Postgres, SQLite, SQL Server</a:t>
+            </a:r>
+            <a:endParaRPr b="0" lang="es-ES" sz="3200" spc="-1" strike="noStrike">
+              <a:latin typeface="Arial"/>
+            </a:endParaRPr>
+          </a:p>
+          <a:p>
+            <a:pPr marL="125640" indent="-177840">
+              <a:lnSpc>
+                <a:spcPct val="100000"/>
+              </a:lnSpc>
+              <a:spcBef>
+                <a:spcPts val="641"/>
+              </a:spcBef>
+              <a:buClr>
+                <a:srgbClr val="5e6264"/>
+              </a:buClr>
+              <a:buFont typeface="Lucida Grande"/>
+              <a:buChar char="›"/>
+            </a:pPr>
+            <a:endParaRPr b="0" lang="es-ES" sz="3200" spc="-1" strike="noStrike">
+              <a:latin typeface="Arial"/>
+            </a:endParaRPr>
+          </a:p>
+          <a:p>
+            <a:pPr marL="125640" indent="-177840">
+              <a:lnSpc>
+                <a:spcPct val="100000"/>
+              </a:lnSpc>
+              <a:spcBef>
+                <a:spcPts val="641"/>
+              </a:spcBef>
+              <a:buClr>
+                <a:srgbClr val="5e6264"/>
+              </a:buClr>
+              <a:buFont typeface="Lucida Grande"/>
+              <a:buChar char="›"/>
+            </a:pPr>
+            <a:r>
+              <a:rPr b="0" lang="es-ES" sz="3200" spc="-1" strike="noStrike">
+                <a:solidFill>
+                  <a:srgbClr val="5e6264"/>
+                </a:solidFill>
+                <a:latin typeface="Arial"/>
+                <a:ea typeface="DejaVu Sans"/>
+              </a:rPr>
+              <a:t>http://www.slimframework.com</a:t>
+            </a:r>
+            <a:endParaRPr b="0" lang="es-ES" sz="3200" spc="-1" strike="noStrike">
               <a:latin typeface="Arial"/>
             </a:endParaRPr>
           </a:p>
@@ -9048,10 +9436,10 @@
                 <a:spcPct val="100000"/>
               </a:lnSpc>
               <a:spcBef>
-                <a:spcPts val="360"/>
+                <a:spcPts val="641"/>
               </a:spcBef>
             </a:pPr>
-            <a:endParaRPr b="0" lang="es-ES" sz="2400" spc="-1" strike="noStrike">
+            <a:endParaRPr b="0" lang="es-ES" sz="3200" spc="-1" strike="noStrike">
               <a:latin typeface="Arial"/>
             </a:endParaRPr>
           </a:p>
@@ -9060,11 +9448,21 @@
               <a:lnSpc>
                 <a:spcPct val="100000"/>
               </a:lnSpc>
+            </a:pPr>
+            <a:endParaRPr b="0" lang="es-ES" sz="3200" spc="-1" strike="noStrike">
+              <a:latin typeface="Arial"/>
+            </a:endParaRPr>
+          </a:p>
+          <a:p>
+            <a:pPr>
+              <a:lnSpc>
+                <a:spcPct val="100000"/>
+              </a:lnSpc>
               <a:spcBef>
-                <a:spcPts val="360"/>
+                <a:spcPts val="641"/>
               </a:spcBef>
             </a:pPr>
-            <a:endParaRPr b="0" lang="es-ES" sz="2400" spc="-1" strike="noStrike">
+            <a:endParaRPr b="0" lang="es-ES" sz="3200" spc="-1" strike="noStrike">
               <a:latin typeface="Arial"/>
             </a:endParaRPr>
           </a:p>
@@ -9074,25 +9472,38 @@
                 <a:spcPct val="100000"/>
               </a:lnSpc>
               <a:spcBef>
-                <a:spcPts val="360"/>
+                <a:spcPts val="641"/>
               </a:spcBef>
             </a:pPr>
-            <a:endParaRPr b="0" lang="es-ES" sz="2400" spc="-1" strike="noStrike">
-              <a:latin typeface="Arial"/>
-            </a:endParaRPr>
-          </a:p>
-        </p:txBody>
-      </p:sp>
-      <p:sp>
-        <p:nvSpPr>
-          <p:cNvPr id="228" name="CustomShape 2"/>
+            <a:endParaRPr b="0" lang="es-ES" sz="3200" spc="-1" strike="noStrike">
+              <a:latin typeface="Arial"/>
+            </a:endParaRPr>
+          </a:p>
+          <a:p>
+            <a:pPr>
+              <a:lnSpc>
+                <a:spcPct val="100000"/>
+              </a:lnSpc>
+              <a:spcBef>
+                <a:spcPts val="641"/>
+              </a:spcBef>
+            </a:pPr>
+            <a:endParaRPr b="0" lang="es-ES" sz="3200" spc="-1" strike="noStrike">
+              <a:latin typeface="Arial"/>
+            </a:endParaRPr>
+          </a:p>
+        </p:txBody>
+      </p:sp>
+      <p:sp>
+        <p:nvSpPr>
+          <p:cNvPr id="219" name="CustomShape 2"/>
           <p:cNvSpPr/>
           <p:nvPr/>
         </p:nvSpPr>
         <p:spPr>
           <a:xfrm>
             <a:off x="457200" y="192240"/>
-            <a:ext cx="7193520" cy="848160"/>
+            <a:ext cx="7192800" cy="847440"/>
           </a:xfrm>
           <a:prstGeom prst="rect">
             <a:avLst/>
@@ -9124,7 +9535,7 @@
                 <a:latin typeface="Arial"/>
                 <a:ea typeface="DejaVu Sans"/>
               </a:rPr>
-              <a:t>Configurar Laravel</a:t>
+              <a:t>¿Qué debo instalar?</a:t>
             </a:r>
             <a:endParaRPr b="0" lang="es-ES" sz="3000" spc="-1" strike="noStrike">
               <a:latin typeface="Arial"/>
@@ -9134,14 +9545,14 @@
       </p:sp>
       <p:sp>
         <p:nvSpPr>
-          <p:cNvPr id="229" name="CustomShape 3"/>
+          <p:cNvPr id="220" name="CustomShape 3"/>
           <p:cNvSpPr/>
           <p:nvPr/>
         </p:nvSpPr>
         <p:spPr>
           <a:xfrm>
             <a:off x="395640" y="6520320"/>
-            <a:ext cx="358920" cy="219960"/>
+            <a:ext cx="358200" cy="219240"/>
           </a:xfrm>
           <a:prstGeom prst="rect">
             <a:avLst/>
@@ -9165,7 +9576,7 @@
                 <a:spcPct val="100000"/>
               </a:lnSpc>
             </a:pPr>
-            <a:fld id="{8E3F2E24-E194-4776-88F9-274FD6BA1A79}" type="slidenum">
+            <a:fld id="{4A46E0FF-5566-4422-A3D6-793A532C8493}" type="slidenum">
               <a:rPr b="1" lang="es-ES" sz="800" spc="-1" strike="noStrike">
                 <a:solidFill>
                   <a:srgbClr val="004569"/>
@@ -9232,20 +9643,20 @@
       </p:grpSpPr>
       <p:sp>
         <p:nvSpPr>
-          <p:cNvPr id="230" name="CustomShape 1"/>
+          <p:cNvPr id="221" name="CustomShape 1"/>
           <p:cNvSpPr/>
           <p:nvPr/>
         </p:nvSpPr>
         <p:spPr>
           <a:xfrm>
-            <a:off x="457200" y="192240"/>
-            <a:ext cx="7193520" cy="848160"/>
+            <a:off x="79920" y="1202760"/>
+            <a:ext cx="8940240" cy="4962960"/>
           </a:xfrm>
           <a:prstGeom prst="rect">
             <a:avLst/>
           </a:prstGeom>
           <a:noFill/>
-          <a:ln w="9360">
+          <a:ln>
             <a:noFill/>
           </a:ln>
         </p:spPr>
@@ -9256,45 +9667,48 @@
           <a:fontRef idx="minor"/>
         </p:style>
         <p:txBody>
-          <a:bodyPr lIns="90000" rIns="90000" tIns="45000" bIns="45000" anchor="b"/>
+          <a:bodyPr lIns="90000" rIns="90000" tIns="45000" bIns="45000"/>
           <a:p>
             <a:pPr>
               <a:lnSpc>
                 <a:spcPct val="100000"/>
               </a:lnSpc>
-            </a:pPr>
-            <a:r>
-              <a:rPr b="0" lang="es-ES" sz="3000" spc="-1" strike="noStrike">
+              <a:spcBef>
+                <a:spcPts val="360"/>
+              </a:spcBef>
+            </a:pPr>
+            <a:r>
+              <a:rPr b="0" lang="es-ES" sz="1800" spc="-1" strike="noStrike">
                 <a:solidFill>
-                  <a:srgbClr val="004569"/>
+                  <a:srgbClr val="5e6264"/>
                 </a:solidFill>
                 <a:latin typeface="Arial"/>
                 <a:ea typeface="DejaVu Sans"/>
               </a:rPr>
-              <a:t>Directorios </a:t>
-            </a:r>
-            <a:endParaRPr b="0" lang="es-ES" sz="3000" spc="-1" strike="noStrike">
-              <a:latin typeface="Arial"/>
-            </a:endParaRPr>
-          </a:p>
-        </p:txBody>
-      </p:sp>
-      <p:sp>
-        <p:nvSpPr>
-          <p:cNvPr id="231" name="CustomShape 2"/>
+              <a:t>                                                                                                                                            </a:t>
+            </a:r>
+            <a:endParaRPr b="0" lang="es-ES" sz="1800" spc="-1" strike="noStrike">
+              <a:latin typeface="Arial"/>
+            </a:endParaRPr>
+          </a:p>
+        </p:txBody>
+      </p:sp>
+      <p:sp>
+        <p:nvSpPr>
+          <p:cNvPr id="222" name="CustomShape 2"/>
           <p:cNvSpPr/>
           <p:nvPr/>
         </p:nvSpPr>
         <p:spPr>
           <a:xfrm>
-            <a:off x="395640" y="6520320"/>
-            <a:ext cx="358920" cy="219960"/>
+            <a:off x="457200" y="192240"/>
+            <a:ext cx="7192800" cy="847440"/>
           </a:xfrm>
           <a:prstGeom prst="rect">
             <a:avLst/>
           </a:prstGeom>
           <a:noFill/>
-          <a:ln>
+          <a:ln w="9360">
             <a:noFill/>
           </a:ln>
         </p:spPr>
@@ -9305,6 +9719,55 @@
           <a:fontRef idx="minor"/>
         </p:style>
         <p:txBody>
+          <a:bodyPr lIns="90000" rIns="90000" tIns="45000" bIns="45000" anchor="b"/>
+          <a:p>
+            <a:pPr>
+              <a:lnSpc>
+                <a:spcPct val="100000"/>
+              </a:lnSpc>
+            </a:pPr>
+            <a:r>
+              <a:rPr b="0" lang="es-ES" sz="3000" spc="-1" strike="noStrike">
+                <a:solidFill>
+                  <a:srgbClr val="004569"/>
+                </a:solidFill>
+                <a:latin typeface="Arial"/>
+                <a:ea typeface="DejaVu Sans"/>
+              </a:rPr>
+              <a:t>Composer</a:t>
+            </a:r>
+            <a:endParaRPr b="0" lang="es-ES" sz="3000" spc="-1" strike="noStrike">
+              <a:latin typeface="Arial"/>
+            </a:endParaRPr>
+          </a:p>
+        </p:txBody>
+      </p:sp>
+      <p:sp>
+        <p:nvSpPr>
+          <p:cNvPr id="223" name="CustomShape 3"/>
+          <p:cNvSpPr/>
+          <p:nvPr/>
+        </p:nvSpPr>
+        <p:spPr>
+          <a:xfrm>
+            <a:off x="395640" y="6520320"/>
+            <a:ext cx="358200" cy="219240"/>
+          </a:xfrm>
+          <a:prstGeom prst="rect">
+            <a:avLst/>
+          </a:prstGeom>
+          <a:noFill/>
+          <a:ln>
+            <a:noFill/>
+          </a:ln>
+        </p:spPr>
+        <p:style>
+          <a:lnRef idx="0"/>
+          <a:fillRef idx="0"/>
+          <a:effectRef idx="0"/>
+          <a:fontRef idx="minor"/>
+        </p:style>
+        <p:txBody>
           <a:bodyPr lIns="90000" rIns="90000" tIns="45000" bIns="45000" anchor="ctr"/>
           <a:p>
             <a:pPr algn="r">
@@ -9312,7 +9775,7 @@
                 <a:spcPct val="100000"/>
               </a:lnSpc>
             </a:pPr>
-            <a:fld id="{73687EF7-F3BE-4379-945B-50C69C1949F3}" type="slidenum">
+            <a:fld id="{B57959F3-7FAC-42C5-B82B-96DB0B672B84}" type="slidenum">
               <a:rPr b="1" lang="es-ES" sz="800" spc="-1" strike="noStrike">
                 <a:solidFill>
                   <a:srgbClr val="004569"/>
@@ -9330,413 +9793,222 @@
       </p:sp>
       <p:sp>
         <p:nvSpPr>
-          <p:cNvPr id="232" name="CustomShape 3"/>
+          <p:cNvPr id="224" name="CustomShape 4"/>
           <p:cNvSpPr/>
           <p:nvPr/>
         </p:nvSpPr>
         <p:spPr>
           <a:xfrm>
-            <a:off x="457200" y="1454760"/>
-            <a:ext cx="8048880" cy="742320"/>
-          </a:xfrm>
-          <a:prstGeom prst="roundRect">
-            <a:avLst>
-              <a:gd name="adj" fmla="val 16667"/>
-            </a:avLst>
-          </a:prstGeom>
-          <a:solidFill>
-            <a:schemeClr val="accent1">
-              <a:hueOff val="0"/>
-              <a:satOff val="0"/>
-              <a:lumOff val="0"/>
-              <a:alphaOff val="0"/>
-            </a:schemeClr>
-          </a:solidFill>
+            <a:off x="2365920" y="2594520"/>
+            <a:ext cx="3369960" cy="364680"/>
+          </a:xfrm>
+          <a:prstGeom prst="rect">
+            <a:avLst/>
+          </a:prstGeom>
+          <a:noFill/>
           <a:ln>
-            <a:solidFill>
-              <a:schemeClr val="lt1">
-                <a:hueOff val="0"/>
-                <a:satOff val="0"/>
-                <a:lumOff val="0"/>
-                <a:alphaOff val="0"/>
-              </a:schemeClr>
-            </a:solidFill>
-            <a:round/>
+            <a:noFill/>
           </a:ln>
         </p:spPr>
         <p:style>
-          <a:lnRef idx="2"/>
+          <a:lnRef idx="0"/>
           <a:fillRef idx="0"/>
           <a:effectRef idx="0"/>
           <a:fontRef idx="minor"/>
         </p:style>
         <p:txBody>
-          <a:bodyPr lIns="154440" rIns="118080" tIns="154440" bIns="154440" anchor="ctr"/>
-          <a:p>
-            <a:pPr>
-              <a:lnSpc>
-                <a:spcPct val="90000"/>
-              </a:lnSpc>
-              <a:spcAft>
-                <a:spcPts val="1086"/>
-              </a:spcAft>
-            </a:pPr>
-            <a:r>
-              <a:rPr b="0" lang="es-ES" sz="3100" spc="-1" strike="noStrike">
+          <a:bodyPr lIns="90000" rIns="90000" tIns="45000" bIns="45000"/>
+          <a:p>
+            <a:pPr algn="ctr">
+              <a:lnSpc>
+                <a:spcPct val="100000"/>
+              </a:lnSpc>
+            </a:pPr>
+            <a:r>
+              <a:rPr b="0" lang="es-ES" sz="1800" spc="-1" strike="noStrike">
                 <a:solidFill>
-                  <a:srgbClr val="ffffff"/>
+                  <a:srgbClr val="2b2d2e"/>
                 </a:solidFill>
-                <a:latin typeface="Calibri"/>
+                <a:latin typeface="Arial"/>
                 <a:ea typeface="DejaVu Sans"/>
               </a:rPr>
-              <a:t>Entorno:    /. env</a:t>
-            </a:r>
-            <a:endParaRPr b="0" lang="es-ES" sz="3100" spc="-1" strike="noStrike">
-              <a:latin typeface="Arial"/>
-            </a:endParaRPr>
-          </a:p>
-        </p:txBody>
-      </p:sp>
-      <p:sp>
-        <p:nvSpPr>
-          <p:cNvPr id="233" name="CustomShape 4"/>
+              <a:t>https://getcomposer.org</a:t>
+            </a:r>
+            <a:endParaRPr b="0" lang="es-ES" sz="1800" spc="-1" strike="noStrike">
+              <a:latin typeface="Arial"/>
+            </a:endParaRPr>
+          </a:p>
+        </p:txBody>
+      </p:sp>
+      <p:pic>
+        <p:nvPicPr>
+          <p:cNvPr id="225" name="Picture 7" descr=""/>
+          <p:cNvPicPr/>
+          <p:nvPr/>
+        </p:nvPicPr>
+        <p:blipFill>
+          <a:blip r:embed="rId1"/>
+          <a:stretch/>
+        </p:blipFill>
+        <p:spPr>
+          <a:xfrm>
+            <a:off x="3166200" y="248040"/>
+            <a:ext cx="1769760" cy="2165400"/>
+          </a:xfrm>
+          <a:prstGeom prst="rect">
+            <a:avLst/>
+          </a:prstGeom>
+          <a:ln>
+            <a:noFill/>
+          </a:ln>
+        </p:spPr>
+      </p:pic>
+      <p:sp>
+        <p:nvSpPr>
+          <p:cNvPr id="226" name="CustomShape 5"/>
           <p:cNvSpPr/>
           <p:nvPr/>
         </p:nvSpPr>
         <p:spPr>
           <a:xfrm>
-            <a:off x="457200" y="2287800"/>
-            <a:ext cx="8048880" cy="742320"/>
-          </a:xfrm>
-          <a:prstGeom prst="roundRect">
-            <a:avLst>
-              <a:gd name="adj" fmla="val 16667"/>
-            </a:avLst>
-          </a:prstGeom>
-          <a:solidFill>
-            <a:schemeClr val="accent1">
-              <a:hueOff val="0"/>
-              <a:satOff val="0"/>
-              <a:lumOff val="0"/>
-              <a:alphaOff val="0"/>
-            </a:schemeClr>
-          </a:solidFill>
+            <a:off x="262800" y="3337560"/>
+            <a:ext cx="8388000" cy="2649960"/>
+          </a:xfrm>
+          <a:prstGeom prst="rect">
+            <a:avLst/>
+          </a:prstGeom>
+          <a:noFill/>
           <a:ln>
-            <a:solidFill>
-              <a:schemeClr val="lt1">
-                <a:hueOff val="0"/>
-                <a:satOff val="0"/>
-                <a:lumOff val="0"/>
-                <a:alphaOff val="0"/>
-              </a:schemeClr>
-            </a:solidFill>
-            <a:round/>
+            <a:noFill/>
           </a:ln>
         </p:spPr>
         <p:style>
-          <a:lnRef idx="2"/>
+          <a:lnRef idx="0"/>
           <a:fillRef idx="0"/>
           <a:effectRef idx="0"/>
           <a:fontRef idx="minor"/>
         </p:style>
         <p:txBody>
-          <a:bodyPr lIns="154440" rIns="118080" tIns="154440" bIns="154440" anchor="ctr"/>
-          <a:p>
-            <a:pPr>
-              <a:lnSpc>
-                <a:spcPct val="90000"/>
-              </a:lnSpc>
-              <a:spcAft>
-                <a:spcPts val="1086"/>
-              </a:spcAft>
-            </a:pPr>
-            <a:r>
-              <a:rPr b="0" lang="es-ES" sz="3100" spc="-1" strike="noStrike">
+          <a:bodyPr lIns="90000" rIns="90000" tIns="45000" bIns="45000"/>
+          <a:p>
+            <a:pPr algn="ctr">
+              <a:lnSpc>
+                <a:spcPct val="100000"/>
+              </a:lnSpc>
+            </a:pPr>
+            <a:r>
+              <a:rPr b="0" lang="es-ES" sz="2400" spc="-1" strike="noStrike">
                 <a:solidFill>
-                  <a:srgbClr val="ffffff"/>
+                  <a:srgbClr val="2b2d2e"/>
                 </a:solidFill>
-                <a:latin typeface="Calibri"/>
+                <a:latin typeface="Arial"/>
                 <a:ea typeface="DejaVu Sans"/>
               </a:rPr>
-              <a:t>Routes:   Routes/web.php  Routes/api.php</a:t>
-            </a:r>
-            <a:endParaRPr b="0" lang="es-ES" sz="3100" spc="-1" strike="noStrike">
-              <a:latin typeface="Arial"/>
-            </a:endParaRPr>
-          </a:p>
-        </p:txBody>
-      </p:sp>
-      <p:sp>
-        <p:nvSpPr>
-          <p:cNvPr id="234" name="CustomShape 5"/>
-          <p:cNvSpPr/>
-          <p:nvPr/>
-        </p:nvSpPr>
-        <p:spPr>
-          <a:xfrm>
-            <a:off x="457200" y="3120480"/>
-            <a:ext cx="8048880" cy="742320"/>
-          </a:xfrm>
-          <a:prstGeom prst="roundRect">
-            <a:avLst>
-              <a:gd name="adj" fmla="val 16667"/>
-            </a:avLst>
-          </a:prstGeom>
-          <a:solidFill>
-            <a:schemeClr val="accent1">
-              <a:hueOff val="0"/>
-              <a:satOff val="0"/>
-              <a:lumOff val="0"/>
-              <a:alphaOff val="0"/>
-            </a:schemeClr>
-          </a:solidFill>
-          <a:ln>
-            <a:solidFill>
-              <a:schemeClr val="lt1">
-                <a:hueOff val="0"/>
-                <a:satOff val="0"/>
-                <a:lumOff val="0"/>
-                <a:alphaOff val="0"/>
-              </a:schemeClr>
-            </a:solidFill>
-            <a:round/>
-          </a:ln>
-        </p:spPr>
-        <p:style>
-          <a:lnRef idx="2"/>
-          <a:fillRef idx="0"/>
-          <a:effectRef idx="0"/>
-          <a:fontRef idx="minor"/>
-        </p:style>
-        <p:txBody>
-          <a:bodyPr lIns="154440" rIns="118080" tIns="154440" bIns="154440" anchor="ctr"/>
-          <a:p>
-            <a:pPr>
-              <a:lnSpc>
-                <a:spcPct val="90000"/>
-              </a:lnSpc>
-              <a:spcAft>
-                <a:spcPts val="1086"/>
-              </a:spcAft>
-            </a:pPr>
-            <a:r>
-              <a:rPr b="0" lang="es-ES" sz="3100" spc="-1" strike="noStrike">
+              <a:t>Ejemplo en Linux – ubuntu</a:t>
+            </a:r>
+            <a:endParaRPr b="0" lang="es-ES" sz="2400" spc="-1" strike="noStrike">
+              <a:latin typeface="Arial"/>
+            </a:endParaRPr>
+          </a:p>
+          <a:p>
+            <a:pPr algn="ctr">
+              <a:lnSpc>
+                <a:spcPct val="100000"/>
+              </a:lnSpc>
+            </a:pPr>
+            <a:endParaRPr b="0" lang="es-ES" sz="2400" spc="-1" strike="noStrike">
+              <a:latin typeface="Arial"/>
+            </a:endParaRPr>
+          </a:p>
+          <a:p>
+            <a:pPr algn="ctr">
+              <a:lnSpc>
+                <a:spcPct val="100000"/>
+              </a:lnSpc>
+            </a:pPr>
+            <a:r>
+              <a:rPr b="0" lang="es-ES" sz="2400" spc="-1" strike="noStrike">
                 <a:solidFill>
-                  <a:srgbClr val="ffffff"/>
+                  <a:srgbClr val="2b2d2e"/>
                 </a:solidFill>
-                <a:latin typeface="Calibri"/>
+                <a:latin typeface="Arial"/>
                 <a:ea typeface="DejaVu Sans"/>
               </a:rPr>
-              <a:t>Controllers:    App/ Http/Controllers/</a:t>
-            </a:r>
-            <a:endParaRPr b="0" lang="es-ES" sz="3100" spc="-1" strike="noStrike">
-              <a:latin typeface="Arial"/>
-            </a:endParaRPr>
-          </a:p>
-        </p:txBody>
-      </p:sp>
-      <p:sp>
-        <p:nvSpPr>
-          <p:cNvPr id="235" name="CustomShape 6"/>
-          <p:cNvSpPr/>
-          <p:nvPr/>
-        </p:nvSpPr>
-        <p:spPr>
-          <a:xfrm>
-            <a:off x="457200" y="3953160"/>
-            <a:ext cx="8048880" cy="742320"/>
-          </a:xfrm>
-          <a:prstGeom prst="roundRect">
-            <a:avLst>
-              <a:gd name="adj" fmla="val 16667"/>
-            </a:avLst>
-          </a:prstGeom>
-          <a:solidFill>
-            <a:schemeClr val="accent1">
-              <a:hueOff val="0"/>
-              <a:satOff val="0"/>
-              <a:lumOff val="0"/>
-              <a:alphaOff val="0"/>
-            </a:schemeClr>
-          </a:solidFill>
-          <a:ln>
-            <a:solidFill>
-              <a:schemeClr val="lt1">
-                <a:hueOff val="0"/>
-                <a:satOff val="0"/>
-                <a:lumOff val="0"/>
-                <a:alphaOff val="0"/>
-              </a:schemeClr>
-            </a:solidFill>
-            <a:round/>
-          </a:ln>
-        </p:spPr>
-        <p:style>
-          <a:lnRef idx="2"/>
-          <a:fillRef idx="0"/>
-          <a:effectRef idx="0"/>
-          <a:fontRef idx="minor"/>
-        </p:style>
-        <p:txBody>
-          <a:bodyPr lIns="154440" rIns="118080" tIns="154440" bIns="154440" anchor="ctr"/>
-          <a:p>
-            <a:pPr>
-              <a:lnSpc>
-                <a:spcPct val="90000"/>
-              </a:lnSpc>
-              <a:spcAft>
-                <a:spcPts val="1086"/>
-              </a:spcAft>
-            </a:pPr>
-            <a:r>
-              <a:rPr b="0" lang="es-ES" sz="3100" spc="-1" strike="noStrike">
+              <a:t>curl -sS </a:t>
+            </a:r>
+            <a:r>
+              <a:rPr b="0" lang="es-ES" sz="2400" spc="-1" strike="noStrike" u="sng">
                 <a:solidFill>
-                  <a:srgbClr val="ffffff"/>
+                  <a:srgbClr val="0000ff"/>
                 </a:solidFill>
-                <a:latin typeface="Calibri"/>
+                <a:uFillTx/>
+                <a:latin typeface="Arial"/>
                 <a:ea typeface="DejaVu Sans"/>
-              </a:rPr>
-              <a:t>Models : App/</a:t>
-            </a:r>
-            <a:endParaRPr b="0" lang="es-ES" sz="3100" spc="-1" strike="noStrike">
-              <a:latin typeface="Arial"/>
-            </a:endParaRPr>
-          </a:p>
-        </p:txBody>
-      </p:sp>
-      <p:sp>
-        <p:nvSpPr>
-          <p:cNvPr id="236" name="CustomShape 7"/>
-          <p:cNvSpPr/>
-          <p:nvPr/>
-        </p:nvSpPr>
-        <p:spPr>
-          <a:xfrm>
-            <a:off x="457200" y="4786200"/>
-            <a:ext cx="8048880" cy="742320"/>
-          </a:xfrm>
-          <a:prstGeom prst="roundRect">
-            <a:avLst>
-              <a:gd name="adj" fmla="val 16667"/>
-            </a:avLst>
-          </a:prstGeom>
-          <a:solidFill>
-            <a:schemeClr val="accent1">
-              <a:hueOff val="0"/>
-              <a:satOff val="0"/>
-              <a:lumOff val="0"/>
-              <a:alphaOff val="0"/>
-            </a:schemeClr>
-          </a:solidFill>
-          <a:ln>
-            <a:solidFill>
-              <a:schemeClr val="lt1">
-                <a:hueOff val="0"/>
-                <a:satOff val="0"/>
-                <a:lumOff val="0"/>
-                <a:alphaOff val="0"/>
-              </a:schemeClr>
-            </a:solidFill>
-            <a:round/>
-          </a:ln>
-        </p:spPr>
-        <p:style>
-          <a:lnRef idx="2"/>
-          <a:fillRef idx="0"/>
-          <a:effectRef idx="0"/>
-          <a:fontRef idx="minor"/>
-        </p:style>
-        <p:txBody>
-          <a:bodyPr lIns="154440" rIns="118080" tIns="154440" bIns="154440" anchor="ctr"/>
-          <a:p>
-            <a:pPr>
-              <a:lnSpc>
-                <a:spcPct val="90000"/>
-              </a:lnSpc>
-              <a:spcAft>
-                <a:spcPts val="1086"/>
-              </a:spcAft>
-            </a:pPr>
-            <a:r>
-              <a:rPr b="0" lang="es-ES" sz="3100" spc="-1" strike="noStrike">
+                <a:hlinkClick r:id="rId2"/>
+              </a:rPr>
+              <a:t>https://getcomposer.org/installer</a:t>
+            </a:r>
+            <a:r>
+              <a:rPr b="0" lang="es-ES" sz="2400" spc="-1" strike="noStrike">
                 <a:solidFill>
-                  <a:srgbClr val="ffffff"/>
+                  <a:srgbClr val="2b2d2e"/>
                 </a:solidFill>
-                <a:latin typeface="Calibri"/>
+                <a:latin typeface="Arial"/>
                 <a:ea typeface="DejaVu Sans"/>
               </a:rPr>
-              <a:t>Views:    Resourses/views/</a:t>
-            </a:r>
-            <a:endParaRPr b="0" lang="es-ES" sz="3100" spc="-1" strike="noStrike">
-              <a:latin typeface="Arial"/>
-            </a:endParaRPr>
-          </a:p>
-        </p:txBody>
-      </p:sp>
-      <p:sp>
-        <p:nvSpPr>
-          <p:cNvPr id="237" name="CustomShape 8"/>
-          <p:cNvSpPr/>
-          <p:nvPr/>
-        </p:nvSpPr>
-        <p:spPr>
-          <a:xfrm>
-            <a:off x="457200" y="5618880"/>
-            <a:ext cx="8048880" cy="742320"/>
-          </a:xfrm>
-          <a:prstGeom prst="roundRect">
-            <a:avLst>
-              <a:gd name="adj" fmla="val 16667"/>
-            </a:avLst>
-          </a:prstGeom>
-          <a:solidFill>
-            <a:schemeClr val="accent1">
-              <a:hueOff val="0"/>
-              <a:satOff val="0"/>
-              <a:lumOff val="0"/>
-              <a:alphaOff val="0"/>
-            </a:schemeClr>
-          </a:solidFill>
-          <a:ln>
-            <a:solidFill>
-              <a:schemeClr val="lt1">
-                <a:hueOff val="0"/>
-                <a:satOff val="0"/>
-                <a:lumOff val="0"/>
-                <a:alphaOff val="0"/>
-              </a:schemeClr>
-            </a:solidFill>
-            <a:round/>
-          </a:ln>
-        </p:spPr>
-        <p:style>
-          <a:lnRef idx="2"/>
-          <a:fillRef idx="0"/>
-          <a:effectRef idx="0"/>
-          <a:fontRef idx="minor"/>
-        </p:style>
-        <p:txBody>
-          <a:bodyPr lIns="154440" rIns="118080" tIns="154440" bIns="154440" anchor="ctr"/>
-          <a:p>
-            <a:pPr>
-              <a:lnSpc>
-                <a:spcPct val="90000"/>
-              </a:lnSpc>
-              <a:spcAft>
-                <a:spcPts val="1086"/>
-              </a:spcAft>
-            </a:pPr>
-            <a:r>
-              <a:rPr b="0" lang="es-ES" sz="3100" spc="-1" strike="noStrike">
+              <a:t> | php</a:t>
+            </a:r>
+            <a:endParaRPr b="0" lang="es-ES" sz="2400" spc="-1" strike="noStrike">
+              <a:latin typeface="Arial"/>
+            </a:endParaRPr>
+          </a:p>
+          <a:p>
+            <a:pPr algn="ctr">
+              <a:lnSpc>
+                <a:spcPct val="100000"/>
+              </a:lnSpc>
+            </a:pPr>
+            <a:endParaRPr b="0" lang="es-ES" sz="2400" spc="-1" strike="noStrike">
+              <a:latin typeface="Arial"/>
+            </a:endParaRPr>
+          </a:p>
+          <a:p>
+            <a:pPr algn="ctr">
+              <a:lnSpc>
+                <a:spcPct val="100000"/>
+              </a:lnSpc>
+            </a:pPr>
+            <a:r>
+              <a:rPr b="0" lang="es-ES" sz="2400" spc="-1" strike="noStrike">
                 <a:solidFill>
-                  <a:srgbClr val="ffffff"/>
+                  <a:srgbClr val="2b2d2e"/>
                 </a:solidFill>
-                <a:latin typeface="Calibri"/>
+                <a:latin typeface="Arial"/>
                 <a:ea typeface="DejaVu Sans"/>
               </a:rPr>
-              <a:t>CSS y JS:     Public/</a:t>
-            </a:r>
-            <a:endParaRPr b="0" lang="es-ES" sz="3100" spc="-1" strike="noStrike">
+              <a:t>sudo mv ~/composer.phar /usr/local/bin/composer</a:t>
+            </a:r>
+            <a:endParaRPr b="0" lang="es-ES" sz="2400" spc="-1" strike="noStrike">
+              <a:latin typeface="Arial"/>
+            </a:endParaRPr>
+          </a:p>
+          <a:p>
+            <a:pPr algn="ctr">
+              <a:lnSpc>
+                <a:spcPct val="100000"/>
+              </a:lnSpc>
+            </a:pPr>
+            <a:endParaRPr b="0" lang="es-ES" sz="2400" spc="-1" strike="noStrike">
+              <a:latin typeface="Arial"/>
+            </a:endParaRPr>
+          </a:p>
+          <a:p>
+            <a:pPr algn="ctr">
+              <a:lnSpc>
+                <a:spcPct val="100000"/>
+              </a:lnSpc>
+            </a:pPr>
+            <a:endParaRPr b="0" lang="es-ES" sz="2400" spc="-1" strike="noStrike">
               <a:latin typeface="Arial"/>
             </a:endParaRPr>
           </a:p>
@@ -9793,14 +10065,14 @@
       </p:grpSpPr>
       <p:sp>
         <p:nvSpPr>
-          <p:cNvPr id="238" name="CustomShape 1"/>
+          <p:cNvPr id="227" name="CustomShape 1"/>
           <p:cNvSpPr/>
           <p:nvPr/>
         </p:nvSpPr>
         <p:spPr>
           <a:xfrm>
-            <a:off x="457200" y="1339920"/>
-            <a:ext cx="7876440" cy="4963680"/>
+            <a:off x="457200" y="1385640"/>
+            <a:ext cx="8208720" cy="4917240"/>
           </a:xfrm>
           <a:prstGeom prst="rect">
             <a:avLst/>
@@ -9819,76 +10091,20 @@
         <p:txBody>
           <a:bodyPr lIns="90000" rIns="90000" tIns="45000" bIns="45000"/>
           <a:p>
-            <a:pPr marL="125640" indent="-178560">
+            <a:pPr>
               <a:lnSpc>
                 <a:spcPct val="100000"/>
               </a:lnSpc>
               <a:spcBef>
                 <a:spcPts val="360"/>
               </a:spcBef>
-              <a:buClr>
-                <a:srgbClr val="5e6264"/>
-              </a:buClr>
-              <a:buFont typeface="Lucida Grande"/>
-              <a:buChar char="›"/>
-            </a:pPr>
-            <a:r>
-              <a:rPr b="0" lang="es-ES" sz="1800" spc="-1" strike="noStrike">
-                <a:solidFill>
-                  <a:srgbClr val="5e6264"/>
-                </a:solidFill>
-                <a:latin typeface="Arial"/>
-                <a:ea typeface="DejaVu Sans"/>
-              </a:rPr>
-              <a:t>Cada tabla de la base de datos se corresponde con un modelo</a:t>
-            </a:r>
+            </a:pPr>
             <a:endParaRPr b="0" lang="es-ES" sz="1800" spc="-1" strike="noStrike">
               <a:latin typeface="Arial"/>
             </a:endParaRPr>
           </a:p>
           <a:p>
-            <a:pPr marL="125640" indent="-178560">
-              <a:lnSpc>
-                <a:spcPct val="100000"/>
-              </a:lnSpc>
-              <a:spcBef>
-                <a:spcPts val="360"/>
-              </a:spcBef>
-              <a:buClr>
-                <a:srgbClr val="5e6264"/>
-              </a:buClr>
-              <a:buFont typeface="Lucida Grande"/>
-              <a:buChar char="›"/>
-            </a:pPr>
-            <a:r>
-              <a:rPr b="0" lang="es-ES" sz="1800" spc="-1" strike="noStrike">
-                <a:solidFill>
-                  <a:srgbClr val="5e6264"/>
-                </a:solidFill>
-                <a:latin typeface="Arial"/>
-                <a:ea typeface="DejaVu Sans"/>
-              </a:rPr>
-              <a:t>Config/database.php</a:t>
-            </a:r>
-            <a:endParaRPr b="0" lang="es-ES" sz="1800" spc="-1" strike="noStrike">
-              <a:latin typeface="Arial"/>
-            </a:endParaRPr>
-          </a:p>
-          <a:p>
-            <a:pPr>
-              <a:lnSpc>
-                <a:spcPct val="100000"/>
-              </a:lnSpc>
-              <a:spcBef>
-                <a:spcPts val="360"/>
-              </a:spcBef>
-            </a:pPr>
-            <a:endParaRPr b="0" lang="es-ES" sz="1800" spc="-1" strike="noStrike">
-              <a:latin typeface="Arial"/>
-            </a:endParaRPr>
-          </a:p>
-          <a:p>
-            <a:pPr marL="125640" indent="-178560">
+            <a:pPr marL="125640" indent="-177840">
               <a:lnSpc>
                 <a:spcPct val="100000"/>
               </a:lnSpc>
@@ -9902,26 +10118,39 @@
               <a:buChar char="›"/>
             </a:pPr>
             <a:r>
-              <a:rPr b="1" lang="es-ES" sz="2400" spc="-1" strike="noStrike">
+              <a:rPr b="0" lang="es-ES" sz="2400" spc="-1" strike="noStrike">
                 <a:solidFill>
                   <a:srgbClr val="5e6264"/>
                 </a:solidFill>
                 <a:latin typeface="Arial"/>
                 <a:ea typeface="DejaVu Sans"/>
               </a:rPr>
-              <a:t>Otras herramientas </a:t>
+              <a:t>composer require slim/slim</a:t>
             </a:r>
             <a:endParaRPr b="0" lang="es-ES" sz="2400" spc="-1" strike="noStrike">
               <a:latin typeface="Arial"/>
             </a:endParaRPr>
           </a:p>
           <a:p>
-            <a:pPr marL="125640" indent="-178560">
+            <a:pPr>
               <a:lnSpc>
                 <a:spcPct val="100000"/>
               </a:lnSpc>
               <a:spcBef>
-                <a:spcPts val="360"/>
+                <a:spcPts val="479"/>
+              </a:spcBef>
+            </a:pPr>
+            <a:endParaRPr b="0" lang="es-ES" sz="2400" spc="-1" strike="noStrike">
+              <a:latin typeface="Arial"/>
+            </a:endParaRPr>
+          </a:p>
+          <a:p>
+            <a:pPr marL="125640" indent="-177840">
+              <a:lnSpc>
+                <a:spcPct val="100000"/>
+              </a:lnSpc>
+              <a:spcBef>
+                <a:spcPts val="400"/>
               </a:spcBef>
               <a:buClr>
                 <a:srgbClr val="5e6264"/>
@@ -9930,26 +10159,26 @@
               <a:buChar char="›"/>
             </a:pPr>
             <a:r>
-              <a:rPr b="0" lang="es-ES" sz="1800" spc="-1" strike="noStrike">
+              <a:rPr b="0" lang="es-ES" sz="2000" spc="-1" strike="noStrike">
                 <a:solidFill>
                   <a:srgbClr val="5e6264"/>
                 </a:solidFill>
                 <a:latin typeface="Arial"/>
                 <a:ea typeface="DejaVu Sans"/>
               </a:rPr>
-              <a:t>Migrations</a:t>
-            </a:r>
-            <a:endParaRPr b="0" lang="es-ES" sz="1800" spc="-1" strike="noStrike">
-              <a:latin typeface="Arial"/>
-            </a:endParaRPr>
-          </a:p>
-          <a:p>
-            <a:pPr marL="125640" indent="-178560">
+              <a:t>Crear una carpeta llamada “public” en el directorio principal</a:t>
+            </a:r>
+            <a:endParaRPr b="0" lang="es-ES" sz="2000" spc="-1" strike="noStrike">
+              <a:latin typeface="Arial"/>
+            </a:endParaRPr>
+          </a:p>
+          <a:p>
+            <a:pPr marL="125640" indent="-177840">
               <a:lnSpc>
                 <a:spcPct val="100000"/>
               </a:lnSpc>
               <a:spcBef>
-                <a:spcPts val="360"/>
+                <a:spcPts val="400"/>
               </a:spcBef>
               <a:buClr>
                 <a:srgbClr val="5e6264"/>
@@ -9957,27 +10186,17 @@
               <a:buFont typeface="Lucida Grande"/>
               <a:buChar char="›"/>
             </a:pPr>
-            <a:r>
-              <a:rPr b="0" lang="es-ES" sz="1800" spc="-1" strike="noStrike">
-                <a:solidFill>
-                  <a:srgbClr val="5e6264"/>
-                </a:solidFill>
-                <a:latin typeface="Arial"/>
-                <a:ea typeface="DejaVu Sans"/>
-              </a:rPr>
-              <a:t>Seeders</a:t>
-            </a:r>
-            <a:endParaRPr b="0" lang="es-ES" sz="1800" spc="-1" strike="noStrike">
-              <a:latin typeface="Arial"/>
-            </a:endParaRPr>
-          </a:p>
-          <a:p>
-            <a:pPr marL="125640" indent="-178560">
+            <a:endParaRPr b="0" lang="es-ES" sz="2000" spc="-1" strike="noStrike">
+              <a:latin typeface="Arial"/>
+            </a:endParaRPr>
+          </a:p>
+          <a:p>
+            <a:pPr marL="125640" indent="-177840">
               <a:lnSpc>
                 <a:spcPct val="100000"/>
               </a:lnSpc>
               <a:spcBef>
-                <a:spcPts val="360"/>
+                <a:spcPts val="400"/>
               </a:spcBef>
               <a:buClr>
                 <a:srgbClr val="5e6264"/>
@@ -9986,16 +10205,16 @@
               <a:buChar char="›"/>
             </a:pPr>
             <a:r>
-              <a:rPr b="0" lang="es-ES" sz="1800" spc="-1" strike="noStrike">
+              <a:rPr b="0" lang="es-ES" sz="2000" spc="-1" strike="noStrike">
                 <a:solidFill>
                   <a:srgbClr val="5e6264"/>
                 </a:solidFill>
                 <a:latin typeface="Arial"/>
                 <a:ea typeface="DejaVu Sans"/>
               </a:rPr>
-              <a:t>Blade</a:t>
-            </a:r>
-            <a:endParaRPr b="0" lang="es-ES" sz="1800" spc="-1" strike="noStrike">
+              <a:t>Ir al directorio “public” y crear un archivo llamado “index.php” y copiarle el código que aparece en la página principal de Slim.</a:t>
+            </a:r>
+            <a:endParaRPr b="0" lang="es-ES" sz="2000" spc="-1" strike="noStrike">
               <a:latin typeface="Arial"/>
             </a:endParaRPr>
           </a:p>
@@ -10005,25 +10224,25 @@
                 <a:spcPct val="100000"/>
               </a:lnSpc>
               <a:spcBef>
-                <a:spcPts val="360"/>
+                <a:spcPts val="400"/>
               </a:spcBef>
             </a:pPr>
-            <a:endParaRPr b="0" lang="es-ES" sz="1800" spc="-1" strike="noStrike">
-              <a:latin typeface="Arial"/>
-            </a:endParaRPr>
-          </a:p>
-        </p:txBody>
-      </p:sp>
-      <p:sp>
-        <p:nvSpPr>
-          <p:cNvPr id="239" name="CustomShape 2"/>
+            <a:endParaRPr b="0" lang="es-ES" sz="2000" spc="-1" strike="noStrike">
+              <a:latin typeface="Arial"/>
+            </a:endParaRPr>
+          </a:p>
+        </p:txBody>
+      </p:sp>
+      <p:sp>
+        <p:nvSpPr>
+          <p:cNvPr id="228" name="CustomShape 2"/>
           <p:cNvSpPr/>
           <p:nvPr/>
         </p:nvSpPr>
         <p:spPr>
           <a:xfrm>
             <a:off x="457200" y="192240"/>
-            <a:ext cx="7193520" cy="848160"/>
+            <a:ext cx="7192800" cy="847440"/>
           </a:xfrm>
           <a:prstGeom prst="rect">
             <a:avLst/>
@@ -10055,7 +10274,7 @@
                 <a:latin typeface="Arial"/>
                 <a:ea typeface="DejaVu Sans"/>
               </a:rPr>
-              <a:t>Eloquent ORM</a:t>
+              <a:t>Instalar Slim</a:t>
             </a:r>
             <a:endParaRPr b="0" lang="es-ES" sz="3000" spc="-1" strike="noStrike">
               <a:latin typeface="Arial"/>
@@ -10065,14 +10284,14 @@
       </p:sp>
       <p:sp>
         <p:nvSpPr>
-          <p:cNvPr id="240" name="CustomShape 3"/>
+          <p:cNvPr id="229" name="CustomShape 3"/>
           <p:cNvSpPr/>
           <p:nvPr/>
         </p:nvSpPr>
         <p:spPr>
           <a:xfrm>
             <a:off x="395640" y="6520320"/>
-            <a:ext cx="358920" cy="219960"/>
+            <a:ext cx="358200" cy="219240"/>
           </a:xfrm>
           <a:prstGeom prst="rect">
             <a:avLst/>
@@ -10096,7 +10315,7 @@
                 <a:spcPct val="100000"/>
               </a:lnSpc>
             </a:pPr>
-            <a:fld id="{21A1869F-7DA7-492D-8F3B-A98976619141}" type="slidenum">
+            <a:fld id="{84653C86-47A3-452D-85D7-B058E57BCE2A}" type="slidenum">
               <a:rPr b="1" lang="es-ES" sz="800" spc="-1" strike="noStrike">
                 <a:solidFill>
                   <a:srgbClr val="004569"/>
@@ -10163,14 +10382,14 @@
       </p:grpSpPr>
       <p:sp>
         <p:nvSpPr>
-          <p:cNvPr id="241" name="CustomShape 1"/>
+          <p:cNvPr id="230" name="CustomShape 1"/>
           <p:cNvSpPr/>
           <p:nvPr/>
         </p:nvSpPr>
         <p:spPr>
           <a:xfrm>
-            <a:off x="457200" y="1339920"/>
-            <a:ext cx="7991280" cy="4963680"/>
+            <a:off x="457200" y="1385640"/>
+            <a:ext cx="8208720" cy="4917240"/>
           </a:xfrm>
           <a:prstGeom prst="rect">
             <a:avLst/>
@@ -10189,30 +10408,25 @@
         <p:txBody>
           <a:bodyPr lIns="90000" rIns="90000" tIns="45000" bIns="45000"/>
           <a:p>
-            <a:pPr marL="125640" indent="-178560">
+            <a:pPr>
               <a:lnSpc>
                 <a:spcPct val="100000"/>
               </a:lnSpc>
               <a:spcBef>
-                <a:spcPts val="360"/>
+                <a:spcPts val="479"/>
               </a:spcBef>
-              <a:buClr>
-                <a:srgbClr val="5e6264"/>
-              </a:buClr>
-              <a:buFont typeface="Lucida Grande"/>
-              <a:buChar char="›"/>
-            </a:pPr>
-            <a:r>
-              <a:rPr b="0" lang="es-ES" sz="1800" spc="-1" strike="noStrike">
+            </a:pPr>
+            <a:r>
+              <a:rPr b="0" lang="es-ES" sz="1600" spc="-1" strike="noStrike">
                 <a:solidFill>
                   <a:srgbClr val="5e6264"/>
                 </a:solidFill>
                 <a:latin typeface="Arial"/>
                 <a:ea typeface="DejaVu Sans"/>
               </a:rPr>
-              <a:t>Php artisan make:controller UserController --resource </a:t>
-            </a:r>
-            <a:endParaRPr b="0" lang="es-ES" sz="1800" spc="-1" strike="noStrike">
+              <a:t>&lt;?php</a:t>
+            </a:r>
+            <a:endParaRPr b="0" lang="es-ES" sz="1600" spc="-1" strike="noStrike">
               <a:latin typeface="Arial"/>
             </a:endParaRPr>
           </a:p>
@@ -10222,38 +10436,20 @@
                 <a:spcPct val="100000"/>
               </a:lnSpc>
               <a:spcBef>
-                <a:spcPts val="360"/>
+                <a:spcPts val="479"/>
               </a:spcBef>
             </a:pPr>
-            <a:endParaRPr b="0" lang="es-ES" sz="1800" spc="-1" strike="noStrike">
-              <a:latin typeface="Arial"/>
-            </a:endParaRPr>
-          </a:p>
-          <a:p>
-            <a:pPr marL="125640" indent="-178560">
-              <a:lnSpc>
-                <a:spcPct val="100000"/>
-              </a:lnSpc>
-              <a:spcBef>
-                <a:spcPts val="360"/>
-              </a:spcBef>
-              <a:buClr>
-                <a:srgbClr val="5e6264"/>
-              </a:buClr>
-              <a:buFont typeface="Lucida Grande"/>
-              <a:buChar char="›"/>
-            </a:pPr>
-            <a:r>
-              <a:rPr b="0" lang="es-ES" sz="1800" spc="-1" strike="noStrike">
+            <a:r>
+              <a:rPr b="0" lang="es-ES" sz="1600" spc="-1" strike="noStrike">
                 <a:solidFill>
                   <a:srgbClr val="5e6264"/>
                 </a:solidFill>
                 <a:latin typeface="Arial"/>
                 <a:ea typeface="DejaVu Sans"/>
               </a:rPr>
-              <a:t>Php artisan make:model User</a:t>
-            </a:r>
-            <a:endParaRPr b="0" lang="es-ES" sz="1800" spc="-1" strike="noStrike">
+              <a:t>use \Psr\Http\Message\ServerRequestInterface as Request;</a:t>
+            </a:r>
+            <a:endParaRPr b="0" lang="es-ES" sz="1600" spc="-1" strike="noStrike">
               <a:latin typeface="Arial"/>
             </a:endParaRPr>
           </a:p>
@@ -10263,38 +10459,20 @@
                 <a:spcPct val="100000"/>
               </a:lnSpc>
               <a:spcBef>
-                <a:spcPts val="360"/>
+                <a:spcPts val="479"/>
               </a:spcBef>
             </a:pPr>
-            <a:endParaRPr b="0" lang="es-ES" sz="1800" spc="-1" strike="noStrike">
-              <a:latin typeface="Arial"/>
-            </a:endParaRPr>
-          </a:p>
-          <a:p>
-            <a:pPr marL="125640" indent="-178560">
-              <a:lnSpc>
-                <a:spcPct val="100000"/>
-              </a:lnSpc>
-              <a:spcBef>
-                <a:spcPts val="360"/>
-              </a:spcBef>
-              <a:buClr>
-                <a:srgbClr val="5e6264"/>
-              </a:buClr>
-              <a:buFont typeface="Lucida Grande"/>
-              <a:buChar char="›"/>
-            </a:pPr>
-            <a:r>
-              <a:rPr b="0" lang="es-ES" sz="1800" spc="-1" strike="noStrike">
+            <a:r>
+              <a:rPr b="0" lang="es-ES" sz="1600" spc="-1" strike="noStrike">
                 <a:solidFill>
                   <a:srgbClr val="5e6264"/>
                 </a:solidFill>
                 <a:latin typeface="Arial"/>
                 <a:ea typeface="DejaVu Sans"/>
               </a:rPr>
-              <a:t>php artisan make:migration create_users_table --create=users</a:t>
-            </a:r>
-            <a:endParaRPr b="0" lang="es-ES" sz="1800" spc="-1" strike="noStrike">
+              <a:t>use \Psr\Http\Message\ResponseInterface as Response;</a:t>
+            </a:r>
+            <a:endParaRPr b="0" lang="es-ES" sz="1600" spc="-1" strike="noStrike">
               <a:latin typeface="Arial"/>
             </a:endParaRPr>
           </a:p>
@@ -10304,38 +10482,33 @@
                 <a:spcPct val="100000"/>
               </a:lnSpc>
               <a:spcBef>
-                <a:spcPts val="360"/>
+                <a:spcPts val="479"/>
               </a:spcBef>
             </a:pPr>
-            <a:endParaRPr b="0" lang="es-ES" sz="1800" spc="-1" strike="noStrike">
-              <a:latin typeface="Arial"/>
-            </a:endParaRPr>
-          </a:p>
-          <a:p>
-            <a:pPr marL="125640" indent="-178560">
+            <a:endParaRPr b="0" lang="es-ES" sz="1600" spc="-1" strike="noStrike">
+              <a:latin typeface="Arial"/>
+            </a:endParaRPr>
+          </a:p>
+          <a:p>
+            <a:pPr>
               <a:lnSpc>
                 <a:spcPct val="100000"/>
               </a:lnSpc>
               <a:spcBef>
-                <a:spcPts val="360"/>
+                <a:spcPts val="479"/>
               </a:spcBef>
-              <a:buClr>
-                <a:srgbClr val="5e6264"/>
-              </a:buClr>
-              <a:buFont typeface="Lucida Grande"/>
-              <a:buChar char="›"/>
-            </a:pPr>
-            <a:r>
-              <a:rPr b="0" lang="es-ES" sz="1800" spc="-1" strike="noStrike">
+            </a:pPr>
+            <a:r>
+              <a:rPr b="0" lang="es-ES" sz="1600" spc="-1" strike="noStrike">
                 <a:solidFill>
                   <a:srgbClr val="5e6264"/>
                 </a:solidFill>
                 <a:latin typeface="Arial"/>
                 <a:ea typeface="DejaVu Sans"/>
               </a:rPr>
-              <a:t>php artisan migrate</a:t>
-            </a:r>
-            <a:endParaRPr b="0" lang="es-ES" sz="1800" spc="-1" strike="noStrike">
+              <a:t>require 'vendor/autoload.php';</a:t>
+            </a:r>
+            <a:endParaRPr b="0" lang="es-ES" sz="1600" spc="-1" strike="noStrike">
               <a:latin typeface="Arial"/>
             </a:endParaRPr>
           </a:p>
@@ -10345,10 +10518,10 @@
                 <a:spcPct val="100000"/>
               </a:lnSpc>
               <a:spcBef>
-                <a:spcPts val="360"/>
+                <a:spcPts val="479"/>
               </a:spcBef>
             </a:pPr>
-            <a:endParaRPr b="0" lang="es-ES" sz="1800" spc="-1" strike="noStrike">
+            <a:endParaRPr b="0" lang="es-ES" sz="1600" spc="-1" strike="noStrike">
               <a:latin typeface="Arial"/>
             </a:endParaRPr>
           </a:p>
@@ -10358,25 +10531,229 @@
                 <a:spcPct val="100000"/>
               </a:lnSpc>
               <a:spcBef>
-                <a:spcPts val="360"/>
+                <a:spcPts val="479"/>
               </a:spcBef>
             </a:pPr>
-            <a:endParaRPr b="0" lang="es-ES" sz="1800" spc="-1" strike="noStrike">
-              <a:latin typeface="Arial"/>
-            </a:endParaRPr>
-          </a:p>
-        </p:txBody>
-      </p:sp>
-      <p:sp>
-        <p:nvSpPr>
-          <p:cNvPr id="242" name="CustomShape 2"/>
+            <a:r>
+              <a:rPr b="0" lang="es-ES" sz="1600" spc="-1" strike="noStrike">
+                <a:solidFill>
+                  <a:srgbClr val="5e6264"/>
+                </a:solidFill>
+                <a:latin typeface="Arial"/>
+                <a:ea typeface="DejaVu Sans"/>
+              </a:rPr>
+              <a:t>$app = new \Slim\App;</a:t>
+            </a:r>
+            <a:endParaRPr b="0" lang="es-ES" sz="1600" spc="-1" strike="noStrike">
+              <a:latin typeface="Arial"/>
+            </a:endParaRPr>
+          </a:p>
+          <a:p>
+            <a:pPr>
+              <a:lnSpc>
+                <a:spcPct val="100000"/>
+              </a:lnSpc>
+              <a:spcBef>
+                <a:spcPts val="479"/>
+              </a:spcBef>
+            </a:pPr>
+            <a:r>
+              <a:rPr b="0" lang="es-ES" sz="1600" spc="-1" strike="noStrike">
+                <a:solidFill>
+                  <a:srgbClr val="5e6264"/>
+                </a:solidFill>
+                <a:latin typeface="Arial"/>
+                <a:ea typeface="DejaVu Sans"/>
+              </a:rPr>
+              <a:t>$app-&gt;get('/hello/{name}', function (Request $request, Response $response, array $args) {</a:t>
+            </a:r>
+            <a:endParaRPr b="0" lang="es-ES" sz="1600" spc="-1" strike="noStrike">
+              <a:latin typeface="Arial"/>
+            </a:endParaRPr>
+          </a:p>
+          <a:p>
+            <a:pPr>
+              <a:lnSpc>
+                <a:spcPct val="100000"/>
+              </a:lnSpc>
+              <a:spcBef>
+                <a:spcPts val="479"/>
+              </a:spcBef>
+            </a:pPr>
+            <a:r>
+              <a:rPr b="0" lang="es-ES" sz="1600" spc="-1" strike="noStrike">
+                <a:solidFill>
+                  <a:srgbClr val="5e6264"/>
+                </a:solidFill>
+                <a:latin typeface="Arial"/>
+                <a:ea typeface="DejaVu Sans"/>
+              </a:rPr>
+              <a:t>    </a:t>
+            </a:r>
+            <a:r>
+              <a:rPr b="0" lang="es-ES" sz="1600" spc="-1" strike="noStrike">
+                <a:solidFill>
+                  <a:srgbClr val="5e6264"/>
+                </a:solidFill>
+                <a:latin typeface="Arial"/>
+                <a:ea typeface="DejaVu Sans"/>
+              </a:rPr>
+              <a:t>$name = $args['name'];</a:t>
+            </a:r>
+            <a:endParaRPr b="0" lang="es-ES" sz="1600" spc="-1" strike="noStrike">
+              <a:latin typeface="Arial"/>
+            </a:endParaRPr>
+          </a:p>
+          <a:p>
+            <a:pPr>
+              <a:lnSpc>
+                <a:spcPct val="100000"/>
+              </a:lnSpc>
+              <a:spcBef>
+                <a:spcPts val="479"/>
+              </a:spcBef>
+            </a:pPr>
+            <a:r>
+              <a:rPr b="0" lang="es-ES" sz="1600" spc="-1" strike="noStrike">
+                <a:solidFill>
+                  <a:srgbClr val="5e6264"/>
+                </a:solidFill>
+                <a:latin typeface="Arial"/>
+                <a:ea typeface="DejaVu Sans"/>
+              </a:rPr>
+              <a:t>    </a:t>
+            </a:r>
+            <a:r>
+              <a:rPr b="0" lang="es-ES" sz="1600" spc="-1" strike="noStrike">
+                <a:solidFill>
+                  <a:srgbClr val="5e6264"/>
+                </a:solidFill>
+                <a:latin typeface="Arial"/>
+                <a:ea typeface="DejaVu Sans"/>
+              </a:rPr>
+              <a:t>$response-&gt;getBody()-&gt;write("Hello, $name");</a:t>
+            </a:r>
+            <a:endParaRPr b="0" lang="es-ES" sz="1600" spc="-1" strike="noStrike">
+              <a:latin typeface="Arial"/>
+            </a:endParaRPr>
+          </a:p>
+          <a:p>
+            <a:pPr>
+              <a:lnSpc>
+                <a:spcPct val="100000"/>
+              </a:lnSpc>
+              <a:spcBef>
+                <a:spcPts val="479"/>
+              </a:spcBef>
+            </a:pPr>
+            <a:endParaRPr b="0" lang="es-ES" sz="1600" spc="-1" strike="noStrike">
+              <a:latin typeface="Arial"/>
+            </a:endParaRPr>
+          </a:p>
+          <a:p>
+            <a:pPr>
+              <a:lnSpc>
+                <a:spcPct val="100000"/>
+              </a:lnSpc>
+              <a:spcBef>
+                <a:spcPts val="479"/>
+              </a:spcBef>
+            </a:pPr>
+            <a:r>
+              <a:rPr b="0" lang="es-ES" sz="1600" spc="-1" strike="noStrike">
+                <a:solidFill>
+                  <a:srgbClr val="5e6264"/>
+                </a:solidFill>
+                <a:latin typeface="Arial"/>
+                <a:ea typeface="DejaVu Sans"/>
+              </a:rPr>
+              <a:t>    </a:t>
+            </a:r>
+            <a:r>
+              <a:rPr b="0" lang="es-ES" sz="1600" spc="-1" strike="noStrike">
+                <a:solidFill>
+                  <a:srgbClr val="5e6264"/>
+                </a:solidFill>
+                <a:latin typeface="Arial"/>
+                <a:ea typeface="DejaVu Sans"/>
+              </a:rPr>
+              <a:t>return $response;</a:t>
+            </a:r>
+            <a:endParaRPr b="0" lang="es-ES" sz="1600" spc="-1" strike="noStrike">
+              <a:latin typeface="Arial"/>
+            </a:endParaRPr>
+          </a:p>
+          <a:p>
+            <a:pPr>
+              <a:lnSpc>
+                <a:spcPct val="100000"/>
+              </a:lnSpc>
+              <a:spcBef>
+                <a:spcPts val="479"/>
+              </a:spcBef>
+            </a:pPr>
+            <a:r>
+              <a:rPr b="0" lang="es-ES" sz="1600" spc="-1" strike="noStrike">
+                <a:solidFill>
+                  <a:srgbClr val="5e6264"/>
+                </a:solidFill>
+                <a:latin typeface="Arial"/>
+                <a:ea typeface="DejaVu Sans"/>
+              </a:rPr>
+              <a:t>});</a:t>
+            </a:r>
+            <a:endParaRPr b="0" lang="es-ES" sz="1600" spc="-1" strike="noStrike">
+              <a:latin typeface="Arial"/>
+            </a:endParaRPr>
+          </a:p>
+          <a:p>
+            <a:pPr>
+              <a:lnSpc>
+                <a:spcPct val="100000"/>
+              </a:lnSpc>
+              <a:spcBef>
+                <a:spcPts val="479"/>
+              </a:spcBef>
+            </a:pPr>
+            <a:r>
+              <a:rPr b="0" lang="es-ES" sz="1600" spc="-1" strike="noStrike">
+                <a:solidFill>
+                  <a:srgbClr val="5e6264"/>
+                </a:solidFill>
+                <a:latin typeface="Arial"/>
+                <a:ea typeface="DejaVu Sans"/>
+              </a:rPr>
+              <a:t>$app-&gt;run();</a:t>
+            </a:r>
+            <a:endParaRPr b="0" lang="es-ES" sz="1600" spc="-1" strike="noStrike">
+              <a:latin typeface="Arial"/>
+            </a:endParaRPr>
+          </a:p>
+          <a:p>
+            <a:pPr>
+              <a:lnSpc>
+                <a:spcPct val="100000"/>
+              </a:lnSpc>
+              <a:spcBef>
+                <a:spcPts val="400"/>
+              </a:spcBef>
+            </a:pPr>
+            <a:endParaRPr b="0" lang="es-ES" sz="1600" spc="-1" strike="noStrike">
+              <a:latin typeface="Arial"/>
+            </a:endParaRPr>
+          </a:p>
+        </p:txBody>
+      </p:sp>
+      <p:sp>
+        <p:nvSpPr>
+          <p:cNvPr id="231" name="CustomShape 2"/>
           <p:cNvSpPr/>
           <p:nvPr/>
         </p:nvSpPr>
         <p:spPr>
           <a:xfrm>
             <a:off x="457200" y="192240"/>
-            <a:ext cx="7193520" cy="848160"/>
+            <a:ext cx="7192800" cy="847440"/>
           </a:xfrm>
           <a:prstGeom prst="rect">
             <a:avLst/>
@@ -10408,7 +10785,7 @@
                 <a:latin typeface="Arial"/>
                 <a:ea typeface="DejaVu Sans"/>
               </a:rPr>
-              <a:t>USO DE ARTISAN </a:t>
+              <a:t>Instalar Slim</a:t>
             </a:r>
             <a:endParaRPr b="0" lang="es-ES" sz="3000" spc="-1" strike="noStrike">
               <a:latin typeface="Arial"/>
@@ -10418,14 +10795,14 @@
       </p:sp>
       <p:sp>
         <p:nvSpPr>
-          <p:cNvPr id="243" name="CustomShape 3"/>
+          <p:cNvPr id="232" name="CustomShape 3"/>
           <p:cNvSpPr/>
           <p:nvPr/>
         </p:nvSpPr>
         <p:spPr>
           <a:xfrm>
             <a:off x="395640" y="6520320"/>
-            <a:ext cx="358920" cy="219960"/>
+            <a:ext cx="358200" cy="219240"/>
           </a:xfrm>
           <a:prstGeom prst="rect">
             <a:avLst/>
@@ -10449,7 +10826,7 @@
                 <a:spcPct val="100000"/>
               </a:lnSpc>
             </a:pPr>
-            <a:fld id="{0C1CCECA-E826-4BD6-A188-B6F794DB8064}" type="slidenum">
+            <a:fld id="{F33D9951-DAE1-46D4-9BDD-4DF92F865314}" type="slidenum">
               <a:rPr b="1" lang="es-ES" sz="800" spc="-1" strike="noStrike">
                 <a:solidFill>
                   <a:srgbClr val="004569"/>
@@ -10516,20 +10893,20 @@
       </p:grpSpPr>
       <p:sp>
         <p:nvSpPr>
-          <p:cNvPr id="244" name="CustomShape 1"/>
+          <p:cNvPr id="233" name="CustomShape 1"/>
           <p:cNvSpPr/>
           <p:nvPr/>
         </p:nvSpPr>
         <p:spPr>
           <a:xfrm>
-            <a:off x="463680" y="2349000"/>
-            <a:ext cx="8215200" cy="2510280"/>
+            <a:off x="457200" y="192240"/>
+            <a:ext cx="7192800" cy="847440"/>
           </a:xfrm>
           <a:prstGeom prst="rect">
             <a:avLst/>
           </a:prstGeom>
           <a:noFill/>
-          <a:ln>
+          <a:ln w="9360">
             <a:noFill/>
           </a:ln>
         </p:spPr>
@@ -10540,42 +10917,39 @@
           <a:fontRef idx="minor"/>
         </p:style>
         <p:txBody>
-          <a:bodyPr lIns="90000" rIns="90000" tIns="45000" bIns="45000" anchor="ctr"/>
-          <a:p>
-            <a:pPr marL="125640" indent="-178560" algn="ctr">
+          <a:bodyPr lIns="90000" rIns="90000" tIns="45000" bIns="45000" anchor="b"/>
+          <a:p>
+            <a:pPr>
               <a:lnSpc>
                 <a:spcPct val="100000"/>
               </a:lnSpc>
-              <a:spcBef>
-                <a:spcPts val="641"/>
-              </a:spcBef>
-            </a:pPr>
-            <a:r>
-              <a:rPr b="0" lang="es-ES" sz="3200" spc="-1" strike="noStrike">
+            </a:pPr>
+            <a:r>
+              <a:rPr b="0" lang="es-ES" sz="3000" spc="-1" strike="noStrike">
                 <a:solidFill>
-                  <a:srgbClr val="ffffff"/>
+                  <a:srgbClr val="004569"/>
                 </a:solidFill>
                 <a:latin typeface="Arial"/>
                 <a:ea typeface="DejaVu Sans"/>
               </a:rPr>
-              <a:t>Muchas Gracias</a:t>
-            </a:r>
-            <a:endParaRPr b="0" lang="es-ES" sz="3200" spc="-1" strike="noStrike">
-              <a:latin typeface="Arial"/>
-            </a:endParaRPr>
-          </a:p>
-        </p:txBody>
-      </p:sp>
-      <p:sp>
-        <p:nvSpPr>
-          <p:cNvPr id="245" name="CustomShape 2"/>
+              <a:t>Directorios </a:t>
+            </a:r>
+            <a:endParaRPr b="0" lang="es-ES" sz="3000" spc="-1" strike="noStrike">
+              <a:latin typeface="Arial"/>
+            </a:endParaRPr>
+          </a:p>
+        </p:txBody>
+      </p:sp>
+      <p:sp>
+        <p:nvSpPr>
+          <p:cNvPr id="234" name="CustomShape 2"/>
           <p:cNvSpPr/>
           <p:nvPr/>
         </p:nvSpPr>
         <p:spPr>
           <a:xfrm>
             <a:off x="395640" y="6520320"/>
-            <a:ext cx="358920" cy="219960"/>
+            <a:ext cx="358200" cy="219240"/>
           </a:xfrm>
           <a:prstGeom prst="rect">
             <a:avLst/>
@@ -10599,7 +10973,7 @@
                 <a:spcPct val="100000"/>
               </a:lnSpc>
             </a:pPr>
-            <a:fld id="{94CCE759-573D-4454-B4C6-A2EB31BF6B34}" type="slidenum">
+            <a:fld id="{FFA5C7DD-429A-4602-9C01-D92F5733E28F}" type="slidenum">
               <a:rPr b="1" lang="es-ES" sz="800" spc="-1" strike="noStrike">
                 <a:solidFill>
                   <a:srgbClr val="004569"/>
@@ -10617,98 +10991,413 @@
       </p:sp>
       <p:sp>
         <p:nvSpPr>
-          <p:cNvPr id="246" name="CustomShape 3"/>
+          <p:cNvPr id="235" name="CustomShape 3"/>
           <p:cNvSpPr/>
           <p:nvPr/>
         </p:nvSpPr>
         <p:spPr>
           <a:xfrm>
-            <a:off x="1906560" y="5105520"/>
-            <a:ext cx="4999320" cy="1644840"/>
-          </a:xfrm>
-          <a:prstGeom prst="rect">
-            <a:avLst/>
-          </a:prstGeom>
-          <a:noFill/>
+            <a:off x="457200" y="1454760"/>
+            <a:ext cx="8048160" cy="741600"/>
+          </a:xfrm>
+          <a:prstGeom prst="roundRect">
+            <a:avLst>
+              <a:gd name="adj" fmla="val 16667"/>
+            </a:avLst>
+          </a:prstGeom>
+          <a:solidFill>
+            <a:schemeClr val="accent1">
+              <a:hueOff val="0"/>
+              <a:satOff val="0"/>
+              <a:lumOff val="0"/>
+              <a:alphaOff val="0"/>
+            </a:schemeClr>
+          </a:solidFill>
           <a:ln>
-            <a:noFill/>
+            <a:solidFill>
+              <a:schemeClr val="lt1">
+                <a:hueOff val="0"/>
+                <a:satOff val="0"/>
+                <a:lumOff val="0"/>
+                <a:alphaOff val="0"/>
+              </a:schemeClr>
+            </a:solidFill>
+            <a:round/>
           </a:ln>
         </p:spPr>
         <p:style>
-          <a:lnRef idx="0"/>
+          <a:lnRef idx="2"/>
           <a:fillRef idx="0"/>
           <a:effectRef idx="0"/>
           <a:fontRef idx="minor"/>
         </p:style>
         <p:txBody>
-          <a:bodyPr lIns="90000" rIns="90000" tIns="45000" bIns="45000"/>
-          <a:p>
-            <a:pPr algn="ctr">
-              <a:lnSpc>
-                <a:spcPct val="100000"/>
-              </a:lnSpc>
-            </a:pPr>
-            <a:r>
-              <a:rPr b="1" lang="es-ES" sz="1800" spc="-1" strike="noStrike">
+          <a:bodyPr lIns="154440" rIns="118080" tIns="154440" bIns="154440" anchor="ctr"/>
+          <a:p>
+            <a:pPr>
+              <a:lnSpc>
+                <a:spcPct val="90000"/>
+              </a:lnSpc>
+              <a:spcAft>
+                <a:spcPts val="1086"/>
+              </a:spcAft>
+            </a:pPr>
+            <a:r>
+              <a:rPr b="0" lang="es-ES" sz="3100" spc="-1" strike="noStrike">
                 <a:solidFill>
-                  <a:srgbClr val="000000"/>
+                  <a:srgbClr val="ffffff"/>
                 </a:solidFill>
-                <a:latin typeface="Arial"/>
+                <a:latin typeface="Calibri"/>
                 <a:ea typeface="DejaVu Sans"/>
               </a:rPr>
-              <a:t>Alejandro V. Avalo | Software Developer </a:t>
-            </a:r>
-            <a:endParaRPr b="0" lang="es-ES" sz="1800" spc="-1" strike="noStrike">
-              <a:latin typeface="Arial"/>
-            </a:endParaRPr>
-          </a:p>
-          <a:p>
-            <a:pPr algn="ctr">
-              <a:lnSpc>
-                <a:spcPct val="100000"/>
-              </a:lnSpc>
-            </a:pPr>
-            <a:r>
-              <a:rPr b="0" lang="es-ES" sz="1800" spc="-1" strike="noStrike">
+              <a:t>Entorno:    /. env</a:t>
+            </a:r>
+            <a:endParaRPr b="0" lang="es-ES" sz="3100" spc="-1" strike="noStrike">
+              <a:latin typeface="Arial"/>
+            </a:endParaRPr>
+          </a:p>
+        </p:txBody>
+      </p:sp>
+      <p:sp>
+        <p:nvSpPr>
+          <p:cNvPr id="236" name="CustomShape 4"/>
+          <p:cNvSpPr/>
+          <p:nvPr/>
+        </p:nvSpPr>
+        <p:spPr>
+          <a:xfrm>
+            <a:off x="457200" y="2287800"/>
+            <a:ext cx="8048160" cy="741600"/>
+          </a:xfrm>
+          <a:prstGeom prst="roundRect">
+            <a:avLst>
+              <a:gd name="adj" fmla="val 16667"/>
+            </a:avLst>
+          </a:prstGeom>
+          <a:solidFill>
+            <a:schemeClr val="accent1">
+              <a:hueOff val="0"/>
+              <a:satOff val="0"/>
+              <a:lumOff val="0"/>
+              <a:alphaOff val="0"/>
+            </a:schemeClr>
+          </a:solidFill>
+          <a:ln>
+            <a:solidFill>
+              <a:schemeClr val="lt1">
+                <a:hueOff val="0"/>
+                <a:satOff val="0"/>
+                <a:lumOff val="0"/>
+                <a:alphaOff val="0"/>
+              </a:schemeClr>
+            </a:solidFill>
+            <a:round/>
+          </a:ln>
+        </p:spPr>
+        <p:style>
+          <a:lnRef idx="2"/>
+          <a:fillRef idx="0"/>
+          <a:effectRef idx="0"/>
+          <a:fontRef idx="minor"/>
+        </p:style>
+        <p:txBody>
+          <a:bodyPr lIns="154440" rIns="118080" tIns="154440" bIns="154440" anchor="ctr"/>
+          <a:p>
+            <a:pPr>
+              <a:lnSpc>
+                <a:spcPct val="90000"/>
+              </a:lnSpc>
+              <a:spcAft>
+                <a:spcPts val="1086"/>
+              </a:spcAft>
+            </a:pPr>
+            <a:r>
+              <a:rPr b="0" lang="es-ES" sz="3100" spc="-1" strike="noStrike">
                 <a:solidFill>
-                  <a:srgbClr val="000000"/>
+                  <a:srgbClr val="ffffff"/>
                 </a:solidFill>
-                <a:latin typeface="Arial"/>
+                <a:latin typeface="Calibri"/>
                 <a:ea typeface="DejaVu Sans"/>
               </a:rPr>
-              <a:t>Softtek | Maipú 942 Piso 5° | Ciudad Autonoma de Buenos Aires </a:t>
-            </a:r>
-            <a:endParaRPr b="0" lang="es-ES" sz="1800" spc="-1" strike="noStrike">
-              <a:latin typeface="Arial"/>
-            </a:endParaRPr>
-          </a:p>
-          <a:p>
-            <a:pPr algn="ctr">
-              <a:lnSpc>
-                <a:spcPct val="100000"/>
-              </a:lnSpc>
-            </a:pPr>
-            <a:r>
-              <a:rPr b="0" lang="es-ES" sz="2400" spc="-1" strike="noStrike">
+              <a:t>Routes:   Routes/web.php  Routes/api.php</a:t>
+            </a:r>
+            <a:endParaRPr b="0" lang="es-ES" sz="3100" spc="-1" strike="noStrike">
+              <a:latin typeface="Arial"/>
+            </a:endParaRPr>
+          </a:p>
+        </p:txBody>
+      </p:sp>
+      <p:sp>
+        <p:nvSpPr>
+          <p:cNvPr id="237" name="CustomShape 5"/>
+          <p:cNvSpPr/>
+          <p:nvPr/>
+        </p:nvSpPr>
+        <p:spPr>
+          <a:xfrm>
+            <a:off x="457200" y="3120480"/>
+            <a:ext cx="8048160" cy="741600"/>
+          </a:xfrm>
+          <a:prstGeom prst="roundRect">
+            <a:avLst>
+              <a:gd name="adj" fmla="val 16667"/>
+            </a:avLst>
+          </a:prstGeom>
+          <a:solidFill>
+            <a:schemeClr val="accent1">
+              <a:hueOff val="0"/>
+              <a:satOff val="0"/>
+              <a:lumOff val="0"/>
+              <a:alphaOff val="0"/>
+            </a:schemeClr>
+          </a:solidFill>
+          <a:ln>
+            <a:solidFill>
+              <a:schemeClr val="lt1">
+                <a:hueOff val="0"/>
+                <a:satOff val="0"/>
+                <a:lumOff val="0"/>
+                <a:alphaOff val="0"/>
+              </a:schemeClr>
+            </a:solidFill>
+            <a:round/>
+          </a:ln>
+        </p:spPr>
+        <p:style>
+          <a:lnRef idx="2"/>
+          <a:fillRef idx="0"/>
+          <a:effectRef idx="0"/>
+          <a:fontRef idx="minor"/>
+        </p:style>
+        <p:txBody>
+          <a:bodyPr lIns="154440" rIns="118080" tIns="154440" bIns="154440" anchor="ctr"/>
+          <a:p>
+            <a:pPr>
+              <a:lnSpc>
+                <a:spcPct val="90000"/>
+              </a:lnSpc>
+              <a:spcAft>
+                <a:spcPts val="1086"/>
+              </a:spcAft>
+            </a:pPr>
+            <a:r>
+              <a:rPr b="0" lang="es-ES" sz="3100" spc="-1" strike="noStrike">
                 <a:solidFill>
-                  <a:srgbClr val="000000"/>
+                  <a:srgbClr val="ffffff"/>
                 </a:solidFill>
-                <a:latin typeface="Arial"/>
+                <a:latin typeface="Calibri"/>
                 <a:ea typeface="DejaVu Sans"/>
               </a:rPr>
-              <a:t>alejandro.avalo@softtek.com</a:t>
-            </a:r>
-            <a:endParaRPr b="0" lang="es-ES" sz="2400" spc="-1" strike="noStrike">
-              <a:latin typeface="Arial"/>
-            </a:endParaRPr>
-          </a:p>
-          <a:p>
-            <a:pPr algn="ctr">
-              <a:lnSpc>
-                <a:spcPct val="100000"/>
-              </a:lnSpc>
-            </a:pPr>
-            <a:endParaRPr b="0" lang="es-ES" sz="2400" spc="-1" strike="noStrike">
+              <a:t>Controllers:    App/ Http/Controllers/</a:t>
+            </a:r>
+            <a:endParaRPr b="0" lang="es-ES" sz="3100" spc="-1" strike="noStrike">
+              <a:latin typeface="Arial"/>
+            </a:endParaRPr>
+          </a:p>
+        </p:txBody>
+      </p:sp>
+      <p:sp>
+        <p:nvSpPr>
+          <p:cNvPr id="238" name="CustomShape 6"/>
+          <p:cNvSpPr/>
+          <p:nvPr/>
+        </p:nvSpPr>
+        <p:spPr>
+          <a:xfrm>
+            <a:off x="457200" y="3953160"/>
+            <a:ext cx="8048160" cy="741600"/>
+          </a:xfrm>
+          <a:prstGeom prst="roundRect">
+            <a:avLst>
+              <a:gd name="adj" fmla="val 16667"/>
+            </a:avLst>
+          </a:prstGeom>
+          <a:solidFill>
+            <a:schemeClr val="accent1">
+              <a:hueOff val="0"/>
+              <a:satOff val="0"/>
+              <a:lumOff val="0"/>
+              <a:alphaOff val="0"/>
+            </a:schemeClr>
+          </a:solidFill>
+          <a:ln>
+            <a:solidFill>
+              <a:schemeClr val="lt1">
+                <a:hueOff val="0"/>
+                <a:satOff val="0"/>
+                <a:lumOff val="0"/>
+                <a:alphaOff val="0"/>
+              </a:schemeClr>
+            </a:solidFill>
+            <a:round/>
+          </a:ln>
+        </p:spPr>
+        <p:style>
+          <a:lnRef idx="2"/>
+          <a:fillRef idx="0"/>
+          <a:effectRef idx="0"/>
+          <a:fontRef idx="minor"/>
+        </p:style>
+        <p:txBody>
+          <a:bodyPr lIns="154440" rIns="118080" tIns="154440" bIns="154440" anchor="ctr"/>
+          <a:p>
+            <a:pPr>
+              <a:lnSpc>
+                <a:spcPct val="90000"/>
+              </a:lnSpc>
+              <a:spcAft>
+                <a:spcPts val="1086"/>
+              </a:spcAft>
+            </a:pPr>
+            <a:r>
+              <a:rPr b="0" lang="es-ES" sz="3100" spc="-1" strike="noStrike">
+                <a:solidFill>
+                  <a:srgbClr val="ffffff"/>
+                </a:solidFill>
+                <a:latin typeface="Calibri"/>
+                <a:ea typeface="DejaVu Sans"/>
+              </a:rPr>
+              <a:t>Models : App/</a:t>
+            </a:r>
+            <a:endParaRPr b="0" lang="es-ES" sz="3100" spc="-1" strike="noStrike">
+              <a:latin typeface="Arial"/>
+            </a:endParaRPr>
+          </a:p>
+        </p:txBody>
+      </p:sp>
+      <p:sp>
+        <p:nvSpPr>
+          <p:cNvPr id="239" name="CustomShape 7"/>
+          <p:cNvSpPr/>
+          <p:nvPr/>
+        </p:nvSpPr>
+        <p:spPr>
+          <a:xfrm>
+            <a:off x="457200" y="4786200"/>
+            <a:ext cx="8048160" cy="741600"/>
+          </a:xfrm>
+          <a:prstGeom prst="roundRect">
+            <a:avLst>
+              <a:gd name="adj" fmla="val 16667"/>
+            </a:avLst>
+          </a:prstGeom>
+          <a:solidFill>
+            <a:schemeClr val="accent1">
+              <a:hueOff val="0"/>
+              <a:satOff val="0"/>
+              <a:lumOff val="0"/>
+              <a:alphaOff val="0"/>
+            </a:schemeClr>
+          </a:solidFill>
+          <a:ln>
+            <a:solidFill>
+              <a:schemeClr val="lt1">
+                <a:hueOff val="0"/>
+                <a:satOff val="0"/>
+                <a:lumOff val="0"/>
+                <a:alphaOff val="0"/>
+              </a:schemeClr>
+            </a:solidFill>
+            <a:round/>
+          </a:ln>
+        </p:spPr>
+        <p:style>
+          <a:lnRef idx="2"/>
+          <a:fillRef idx="0"/>
+          <a:effectRef idx="0"/>
+          <a:fontRef idx="minor"/>
+        </p:style>
+        <p:txBody>
+          <a:bodyPr lIns="154440" rIns="118080" tIns="154440" bIns="154440" anchor="ctr"/>
+          <a:p>
+            <a:pPr>
+              <a:lnSpc>
+                <a:spcPct val="90000"/>
+              </a:lnSpc>
+              <a:spcAft>
+                <a:spcPts val="1086"/>
+              </a:spcAft>
+            </a:pPr>
+            <a:r>
+              <a:rPr b="0" lang="es-ES" sz="3100" spc="-1" strike="noStrike">
+                <a:solidFill>
+                  <a:srgbClr val="ffffff"/>
+                </a:solidFill>
+                <a:latin typeface="Calibri"/>
+                <a:ea typeface="DejaVu Sans"/>
+              </a:rPr>
+              <a:t>Views:    Resourses/views/</a:t>
+            </a:r>
+            <a:endParaRPr b="0" lang="es-ES" sz="3100" spc="-1" strike="noStrike">
+              <a:latin typeface="Arial"/>
+            </a:endParaRPr>
+          </a:p>
+        </p:txBody>
+      </p:sp>
+      <p:sp>
+        <p:nvSpPr>
+          <p:cNvPr id="240" name="CustomShape 8"/>
+          <p:cNvSpPr/>
+          <p:nvPr/>
+        </p:nvSpPr>
+        <p:spPr>
+          <a:xfrm>
+            <a:off x="457200" y="5618880"/>
+            <a:ext cx="8048160" cy="741600"/>
+          </a:xfrm>
+          <a:prstGeom prst="roundRect">
+            <a:avLst>
+              <a:gd name="adj" fmla="val 16667"/>
+            </a:avLst>
+          </a:prstGeom>
+          <a:solidFill>
+            <a:schemeClr val="accent1">
+              <a:hueOff val="0"/>
+              <a:satOff val="0"/>
+              <a:lumOff val="0"/>
+              <a:alphaOff val="0"/>
+            </a:schemeClr>
+          </a:solidFill>
+          <a:ln>
+            <a:solidFill>
+              <a:schemeClr val="lt1">
+                <a:hueOff val="0"/>
+                <a:satOff val="0"/>
+                <a:lumOff val="0"/>
+                <a:alphaOff val="0"/>
+              </a:schemeClr>
+            </a:solidFill>
+            <a:round/>
+          </a:ln>
+        </p:spPr>
+        <p:style>
+          <a:lnRef idx="2"/>
+          <a:fillRef idx="0"/>
+          <a:effectRef idx="0"/>
+          <a:fontRef idx="minor"/>
+        </p:style>
+        <p:txBody>
+          <a:bodyPr lIns="154440" rIns="118080" tIns="154440" bIns="154440" anchor="ctr"/>
+          <a:p>
+            <a:pPr>
+              <a:lnSpc>
+                <a:spcPct val="90000"/>
+              </a:lnSpc>
+              <a:spcAft>
+                <a:spcPts val="1086"/>
+              </a:spcAft>
+            </a:pPr>
+            <a:r>
+              <a:rPr b="0" lang="es-ES" sz="3100" spc="-1" strike="noStrike">
+                <a:solidFill>
+                  <a:srgbClr val="ffffff"/>
+                </a:solidFill>
+                <a:latin typeface="Calibri"/>
+                <a:ea typeface="DejaVu Sans"/>
+              </a:rPr>
+              <a:t>CSS y JS:     Public/</a:t>
+            </a:r>
+            <a:endParaRPr b="0" lang="es-ES" sz="3100" spc="-1" strike="noStrike">
               <a:latin typeface="Arial"/>
             </a:endParaRPr>
           </a:p>
@@ -10763,6 +11452,327 @@
           <a:chExt cx="0" cy="0"/>
         </a:xfrm>
       </p:grpSpPr>
+      <p:sp>
+        <p:nvSpPr>
+          <p:cNvPr id="241" name="CustomShape 1"/>
+          <p:cNvSpPr/>
+          <p:nvPr/>
+        </p:nvSpPr>
+        <p:spPr>
+          <a:xfrm>
+            <a:off x="457200" y="1339920"/>
+            <a:ext cx="7875720" cy="4962960"/>
+          </a:xfrm>
+          <a:prstGeom prst="rect">
+            <a:avLst/>
+          </a:prstGeom>
+          <a:noFill/>
+          <a:ln>
+            <a:noFill/>
+          </a:ln>
+        </p:spPr>
+        <p:style>
+          <a:lnRef idx="0"/>
+          <a:fillRef idx="0"/>
+          <a:effectRef idx="0"/>
+          <a:fontRef idx="minor"/>
+        </p:style>
+        <p:txBody>
+          <a:bodyPr lIns="90000" rIns="90000" tIns="45000" bIns="45000"/>
+          <a:p>
+            <a:pPr marL="125640" indent="-177840">
+              <a:lnSpc>
+                <a:spcPct val="100000"/>
+              </a:lnSpc>
+              <a:spcBef>
+                <a:spcPts val="360"/>
+              </a:spcBef>
+              <a:buClr>
+                <a:srgbClr val="5e6264"/>
+              </a:buClr>
+              <a:buFont typeface="Lucida Grande"/>
+              <a:buChar char="›"/>
+            </a:pPr>
+            <a:r>
+              <a:rPr b="0" lang="es-ES" sz="1800" spc="-1" strike="noStrike">
+                <a:solidFill>
+                  <a:srgbClr val="5e6264"/>
+                </a:solidFill>
+                <a:latin typeface="Arial"/>
+                <a:ea typeface="DejaVu Sans"/>
+              </a:rPr>
+              <a:t>Cada tabla de la base de datos se corresponde con un modelo</a:t>
+            </a:r>
+            <a:endParaRPr b="0" lang="es-ES" sz="1800" spc="-1" strike="noStrike">
+              <a:latin typeface="Arial"/>
+            </a:endParaRPr>
+          </a:p>
+          <a:p>
+            <a:pPr marL="125640" indent="-177840">
+              <a:lnSpc>
+                <a:spcPct val="100000"/>
+              </a:lnSpc>
+              <a:spcBef>
+                <a:spcPts val="360"/>
+              </a:spcBef>
+              <a:buClr>
+                <a:srgbClr val="5e6264"/>
+              </a:buClr>
+              <a:buFont typeface="Lucida Grande"/>
+              <a:buChar char="›"/>
+            </a:pPr>
+            <a:r>
+              <a:rPr b="0" lang="es-ES" sz="1800" spc="-1" strike="noStrike">
+                <a:solidFill>
+                  <a:srgbClr val="5e6264"/>
+                </a:solidFill>
+                <a:latin typeface="Arial"/>
+                <a:ea typeface="DejaVu Sans"/>
+              </a:rPr>
+              <a:t>Config/database.php</a:t>
+            </a:r>
+            <a:endParaRPr b="0" lang="es-ES" sz="1800" spc="-1" strike="noStrike">
+              <a:latin typeface="Arial"/>
+            </a:endParaRPr>
+          </a:p>
+          <a:p>
+            <a:pPr>
+              <a:lnSpc>
+                <a:spcPct val="100000"/>
+              </a:lnSpc>
+              <a:spcBef>
+                <a:spcPts val="360"/>
+              </a:spcBef>
+            </a:pPr>
+            <a:endParaRPr b="0" lang="es-ES" sz="1800" spc="-1" strike="noStrike">
+              <a:latin typeface="Arial"/>
+            </a:endParaRPr>
+          </a:p>
+          <a:p>
+            <a:pPr marL="125640" indent="-177840">
+              <a:lnSpc>
+                <a:spcPct val="100000"/>
+              </a:lnSpc>
+              <a:spcBef>
+                <a:spcPts val="479"/>
+              </a:spcBef>
+              <a:buClr>
+                <a:srgbClr val="5e6264"/>
+              </a:buClr>
+              <a:buFont typeface="Lucida Grande"/>
+              <a:buChar char="›"/>
+            </a:pPr>
+            <a:r>
+              <a:rPr b="1" lang="es-ES" sz="2400" spc="-1" strike="noStrike">
+                <a:solidFill>
+                  <a:srgbClr val="5e6264"/>
+                </a:solidFill>
+                <a:latin typeface="Arial"/>
+                <a:ea typeface="DejaVu Sans"/>
+              </a:rPr>
+              <a:t>Otras herramientas </a:t>
+            </a:r>
+            <a:endParaRPr b="0" lang="es-ES" sz="2400" spc="-1" strike="noStrike">
+              <a:latin typeface="Arial"/>
+            </a:endParaRPr>
+          </a:p>
+          <a:p>
+            <a:pPr marL="125640" indent="-177840">
+              <a:lnSpc>
+                <a:spcPct val="100000"/>
+              </a:lnSpc>
+              <a:spcBef>
+                <a:spcPts val="360"/>
+              </a:spcBef>
+              <a:buClr>
+                <a:srgbClr val="5e6264"/>
+              </a:buClr>
+              <a:buFont typeface="Lucida Grande"/>
+              <a:buChar char="›"/>
+            </a:pPr>
+            <a:r>
+              <a:rPr b="0" lang="es-ES" sz="1800" spc="-1" strike="noStrike">
+                <a:solidFill>
+                  <a:srgbClr val="5e6264"/>
+                </a:solidFill>
+                <a:latin typeface="Arial"/>
+                <a:ea typeface="DejaVu Sans"/>
+              </a:rPr>
+              <a:t>Migrations</a:t>
+            </a:r>
+            <a:endParaRPr b="0" lang="es-ES" sz="1800" spc="-1" strike="noStrike">
+              <a:latin typeface="Arial"/>
+            </a:endParaRPr>
+          </a:p>
+          <a:p>
+            <a:pPr marL="125640" indent="-177840">
+              <a:lnSpc>
+                <a:spcPct val="100000"/>
+              </a:lnSpc>
+              <a:spcBef>
+                <a:spcPts val="360"/>
+              </a:spcBef>
+              <a:buClr>
+                <a:srgbClr val="5e6264"/>
+              </a:buClr>
+              <a:buFont typeface="Lucida Grande"/>
+              <a:buChar char="›"/>
+            </a:pPr>
+            <a:r>
+              <a:rPr b="0" lang="es-ES" sz="1800" spc="-1" strike="noStrike">
+                <a:solidFill>
+                  <a:srgbClr val="5e6264"/>
+                </a:solidFill>
+                <a:latin typeface="Arial"/>
+                <a:ea typeface="DejaVu Sans"/>
+              </a:rPr>
+              <a:t>Seeders</a:t>
+            </a:r>
+            <a:endParaRPr b="0" lang="es-ES" sz="1800" spc="-1" strike="noStrike">
+              <a:latin typeface="Arial"/>
+            </a:endParaRPr>
+          </a:p>
+          <a:p>
+            <a:pPr marL="125640" indent="-177840">
+              <a:lnSpc>
+                <a:spcPct val="100000"/>
+              </a:lnSpc>
+              <a:spcBef>
+                <a:spcPts val="360"/>
+              </a:spcBef>
+              <a:buClr>
+                <a:srgbClr val="5e6264"/>
+              </a:buClr>
+              <a:buFont typeface="Lucida Grande"/>
+              <a:buChar char="›"/>
+            </a:pPr>
+            <a:r>
+              <a:rPr b="0" lang="es-ES" sz="1800" spc="-1" strike="noStrike">
+                <a:solidFill>
+                  <a:srgbClr val="5e6264"/>
+                </a:solidFill>
+                <a:latin typeface="Arial"/>
+                <a:ea typeface="DejaVu Sans"/>
+              </a:rPr>
+              <a:t>Blade</a:t>
+            </a:r>
+            <a:endParaRPr b="0" lang="es-ES" sz="1800" spc="-1" strike="noStrike">
+              <a:latin typeface="Arial"/>
+            </a:endParaRPr>
+          </a:p>
+          <a:p>
+            <a:pPr>
+              <a:lnSpc>
+                <a:spcPct val="100000"/>
+              </a:lnSpc>
+              <a:spcBef>
+                <a:spcPts val="360"/>
+              </a:spcBef>
+            </a:pPr>
+            <a:endParaRPr b="0" lang="es-ES" sz="1800" spc="-1" strike="noStrike">
+              <a:latin typeface="Arial"/>
+            </a:endParaRPr>
+          </a:p>
+        </p:txBody>
+      </p:sp>
+      <p:sp>
+        <p:nvSpPr>
+          <p:cNvPr id="242" name="CustomShape 2"/>
+          <p:cNvSpPr/>
+          <p:nvPr/>
+        </p:nvSpPr>
+        <p:spPr>
+          <a:xfrm>
+            <a:off x="457200" y="192240"/>
+            <a:ext cx="7192800" cy="847440"/>
+          </a:xfrm>
+          <a:prstGeom prst="rect">
+            <a:avLst/>
+          </a:prstGeom>
+          <a:noFill/>
+          <a:ln w="9360">
+            <a:noFill/>
+          </a:ln>
+        </p:spPr>
+        <p:style>
+          <a:lnRef idx="0"/>
+          <a:fillRef idx="0"/>
+          <a:effectRef idx="0"/>
+          <a:fontRef idx="minor"/>
+        </p:style>
+        <p:txBody>
+          <a:bodyPr lIns="90000" rIns="90000" tIns="45000" bIns="45000" anchor="b"/>
+          <a:p>
+            <a:pPr>
+              <a:lnSpc>
+                <a:spcPct val="100000"/>
+              </a:lnSpc>
+            </a:pPr>
+            <a:r>
+              <a:rPr b="0" lang="es-ES" sz="3000" spc="-1" strike="noStrike">
+                <a:solidFill>
+                  <a:srgbClr val="004569"/>
+                </a:solidFill>
+                <a:latin typeface="Arial"/>
+                <a:ea typeface="DejaVu Sans"/>
+              </a:rPr>
+              <a:t>Eloquent ORM</a:t>
+            </a:r>
+            <a:endParaRPr b="0" lang="es-ES" sz="3000" spc="-1" strike="noStrike">
+              <a:latin typeface="Arial"/>
+            </a:endParaRPr>
+          </a:p>
+        </p:txBody>
+      </p:sp>
+      <p:sp>
+        <p:nvSpPr>
+          <p:cNvPr id="243" name="CustomShape 3"/>
+          <p:cNvSpPr/>
+          <p:nvPr/>
+        </p:nvSpPr>
+        <p:spPr>
+          <a:xfrm>
+            <a:off x="395640" y="6520320"/>
+            <a:ext cx="358200" cy="219240"/>
+          </a:xfrm>
+          <a:prstGeom prst="rect">
+            <a:avLst/>
+          </a:prstGeom>
+          <a:noFill/>
+          <a:ln>
+            <a:noFill/>
+          </a:ln>
+        </p:spPr>
+        <p:style>
+          <a:lnRef idx="0"/>
+          <a:fillRef idx="0"/>
+          <a:effectRef idx="0"/>
+          <a:fontRef idx="minor"/>
+        </p:style>
+        <p:txBody>
+          <a:bodyPr lIns="90000" rIns="90000" tIns="45000" bIns="45000" anchor="ctr"/>
+          <a:p>
+            <a:pPr algn="r">
+              <a:lnSpc>
+                <a:spcPct val="100000"/>
+              </a:lnSpc>
+            </a:pPr>
+            <a:fld id="{1128E620-2A82-499D-B2E6-8701EECFF63B}" type="slidenum">
+              <a:rPr b="1" lang="es-ES" sz="800" spc="-1" strike="noStrike">
+                <a:solidFill>
+                  <a:srgbClr val="004569"/>
+                </a:solidFill>
+                <a:latin typeface="Arial"/>
+                <a:ea typeface="DejaVu Sans"/>
+              </a:rPr>
+              <a:t>&lt;número&gt;</a:t>
+            </a:fld>
+            <a:endParaRPr b="0" lang="es-ES" sz="800" spc="-1" strike="noStrike">
+              <a:latin typeface="Arial"/>
+            </a:endParaRPr>
+          </a:p>
+        </p:txBody>
+      </p:sp>
     </p:spTree>
   </p:cSld>
   <p:timing>
@@ -10814,14 +11824,14 @@
       </p:grpSpPr>
       <p:sp>
         <p:nvSpPr>
-          <p:cNvPr id="247" name="CustomShape 1"/>
+          <p:cNvPr id="244" name="CustomShape 1"/>
           <p:cNvSpPr/>
           <p:nvPr/>
         </p:nvSpPr>
         <p:spPr>
           <a:xfrm>
-            <a:off x="467640" y="620640"/>
-            <a:ext cx="4103280" cy="2951280"/>
+            <a:off x="457200" y="1339920"/>
+            <a:ext cx="7990560" cy="4962960"/>
           </a:xfrm>
           <a:prstGeom prst="rect">
             <a:avLst/>
@@ -10840,22 +11850,277 @@
         <p:txBody>
           <a:bodyPr lIns="90000" rIns="90000" tIns="45000" bIns="45000"/>
           <a:p>
+            <a:pPr marL="125640" indent="-177840">
+              <a:lnSpc>
+                <a:spcPct val="100000"/>
+              </a:lnSpc>
+              <a:spcBef>
+                <a:spcPts val="360"/>
+              </a:spcBef>
+              <a:buClr>
+                <a:srgbClr val="5e6264"/>
+              </a:buClr>
+              <a:buFont typeface="Lucida Grande"/>
+              <a:buChar char="›"/>
+            </a:pPr>
+            <a:r>
+              <a:rPr b="0" lang="es-ES" sz="1800" spc="-1" strike="noStrike">
+                <a:solidFill>
+                  <a:srgbClr val="5e6264"/>
+                </a:solidFill>
+                <a:latin typeface="Arial"/>
+                <a:ea typeface="DejaVu Sans"/>
+              </a:rPr>
+              <a:t>Php artisan make:controller UserController --resource </a:t>
+            </a:r>
+            <a:endParaRPr b="0" lang="es-ES" sz="1800" spc="-1" strike="noStrike">
+              <a:latin typeface="Arial"/>
+            </a:endParaRPr>
+          </a:p>
+          <a:p>
             <a:pPr>
               <a:lnSpc>
-                <a:spcPct val="80000"/>
-              </a:lnSpc>
-            </a:pPr>
-            <a:r>
-              <a:rPr b="0" lang="es-ES" sz="4400" spc="-1" strike="noStrike">
+                <a:spcPct val="100000"/>
+              </a:lnSpc>
+              <a:spcBef>
+                <a:spcPts val="360"/>
+              </a:spcBef>
+            </a:pPr>
+            <a:endParaRPr b="0" lang="es-ES" sz="1800" spc="-1" strike="noStrike">
+              <a:latin typeface="Arial"/>
+            </a:endParaRPr>
+          </a:p>
+          <a:p>
+            <a:pPr marL="125640" indent="-177840">
+              <a:lnSpc>
+                <a:spcPct val="100000"/>
+              </a:lnSpc>
+              <a:spcBef>
+                <a:spcPts val="360"/>
+              </a:spcBef>
+              <a:buClr>
+                <a:srgbClr val="5e6264"/>
+              </a:buClr>
+              <a:buFont typeface="Lucida Grande"/>
+              <a:buChar char="›"/>
+            </a:pPr>
+            <a:r>
+              <a:rPr b="0" lang="es-ES" sz="1800" spc="-1" strike="noStrike">
                 <a:solidFill>
-                  <a:srgbClr val="ffffff"/>
+                  <a:srgbClr val="5e6264"/>
                 </a:solidFill>
                 <a:latin typeface="Arial"/>
                 <a:ea typeface="DejaVu Sans"/>
               </a:rPr>
-              <a:t>Examen</a:t>
-            </a:r>
-            <a:endParaRPr b="0" lang="es-ES" sz="4400" spc="-1" strike="noStrike">
+              <a:t>Php artisan make:model User</a:t>
+            </a:r>
+            <a:endParaRPr b="0" lang="es-ES" sz="1800" spc="-1" strike="noStrike">
+              <a:latin typeface="Arial"/>
+            </a:endParaRPr>
+          </a:p>
+          <a:p>
+            <a:pPr>
+              <a:lnSpc>
+                <a:spcPct val="100000"/>
+              </a:lnSpc>
+              <a:spcBef>
+                <a:spcPts val="360"/>
+              </a:spcBef>
+            </a:pPr>
+            <a:endParaRPr b="0" lang="es-ES" sz="1800" spc="-1" strike="noStrike">
+              <a:latin typeface="Arial"/>
+            </a:endParaRPr>
+          </a:p>
+          <a:p>
+            <a:pPr marL="125640" indent="-177840">
+              <a:lnSpc>
+                <a:spcPct val="100000"/>
+              </a:lnSpc>
+              <a:spcBef>
+                <a:spcPts val="360"/>
+              </a:spcBef>
+              <a:buClr>
+                <a:srgbClr val="5e6264"/>
+              </a:buClr>
+              <a:buFont typeface="Lucida Grande"/>
+              <a:buChar char="›"/>
+            </a:pPr>
+            <a:r>
+              <a:rPr b="0" lang="es-ES" sz="1800" spc="-1" strike="noStrike">
+                <a:solidFill>
+                  <a:srgbClr val="5e6264"/>
+                </a:solidFill>
+                <a:latin typeface="Arial"/>
+                <a:ea typeface="DejaVu Sans"/>
+              </a:rPr>
+              <a:t>php artisan make:migration create_users_table --create=users</a:t>
+            </a:r>
+            <a:endParaRPr b="0" lang="es-ES" sz="1800" spc="-1" strike="noStrike">
+              <a:latin typeface="Arial"/>
+            </a:endParaRPr>
+          </a:p>
+          <a:p>
+            <a:pPr>
+              <a:lnSpc>
+                <a:spcPct val="100000"/>
+              </a:lnSpc>
+              <a:spcBef>
+                <a:spcPts val="360"/>
+              </a:spcBef>
+            </a:pPr>
+            <a:endParaRPr b="0" lang="es-ES" sz="1800" spc="-1" strike="noStrike">
+              <a:latin typeface="Arial"/>
+            </a:endParaRPr>
+          </a:p>
+          <a:p>
+            <a:pPr marL="125640" indent="-177840">
+              <a:lnSpc>
+                <a:spcPct val="100000"/>
+              </a:lnSpc>
+              <a:spcBef>
+                <a:spcPts val="360"/>
+              </a:spcBef>
+              <a:buClr>
+                <a:srgbClr val="5e6264"/>
+              </a:buClr>
+              <a:buFont typeface="Lucida Grande"/>
+              <a:buChar char="›"/>
+            </a:pPr>
+            <a:r>
+              <a:rPr b="0" lang="es-ES" sz="1800" spc="-1" strike="noStrike">
+                <a:solidFill>
+                  <a:srgbClr val="5e6264"/>
+                </a:solidFill>
+                <a:latin typeface="Arial"/>
+                <a:ea typeface="DejaVu Sans"/>
+              </a:rPr>
+              <a:t>php artisan migrate</a:t>
+            </a:r>
+            <a:endParaRPr b="0" lang="es-ES" sz="1800" spc="-1" strike="noStrike">
+              <a:latin typeface="Arial"/>
+            </a:endParaRPr>
+          </a:p>
+          <a:p>
+            <a:pPr>
+              <a:lnSpc>
+                <a:spcPct val="100000"/>
+              </a:lnSpc>
+              <a:spcBef>
+                <a:spcPts val="360"/>
+              </a:spcBef>
+            </a:pPr>
+            <a:endParaRPr b="0" lang="es-ES" sz="1800" spc="-1" strike="noStrike">
+              <a:latin typeface="Arial"/>
+            </a:endParaRPr>
+          </a:p>
+          <a:p>
+            <a:pPr>
+              <a:lnSpc>
+                <a:spcPct val="100000"/>
+              </a:lnSpc>
+              <a:spcBef>
+                <a:spcPts val="360"/>
+              </a:spcBef>
+            </a:pPr>
+            <a:endParaRPr b="0" lang="es-ES" sz="1800" spc="-1" strike="noStrike">
+              <a:latin typeface="Arial"/>
+            </a:endParaRPr>
+          </a:p>
+        </p:txBody>
+      </p:sp>
+      <p:sp>
+        <p:nvSpPr>
+          <p:cNvPr id="245" name="CustomShape 2"/>
+          <p:cNvSpPr/>
+          <p:nvPr/>
+        </p:nvSpPr>
+        <p:spPr>
+          <a:xfrm>
+            <a:off x="457200" y="192240"/>
+            <a:ext cx="7192800" cy="847440"/>
+          </a:xfrm>
+          <a:prstGeom prst="rect">
+            <a:avLst/>
+          </a:prstGeom>
+          <a:noFill/>
+          <a:ln w="9360">
+            <a:noFill/>
+          </a:ln>
+        </p:spPr>
+        <p:style>
+          <a:lnRef idx="0"/>
+          <a:fillRef idx="0"/>
+          <a:effectRef idx="0"/>
+          <a:fontRef idx="minor"/>
+        </p:style>
+        <p:txBody>
+          <a:bodyPr lIns="90000" rIns="90000" tIns="45000" bIns="45000" anchor="b"/>
+          <a:p>
+            <a:pPr>
+              <a:lnSpc>
+                <a:spcPct val="100000"/>
+              </a:lnSpc>
+            </a:pPr>
+            <a:r>
+              <a:rPr b="0" lang="es-ES" sz="3000" spc="-1" strike="noStrike">
+                <a:solidFill>
+                  <a:srgbClr val="004569"/>
+                </a:solidFill>
+                <a:latin typeface="Arial"/>
+                <a:ea typeface="DejaVu Sans"/>
+              </a:rPr>
+              <a:t>USO DE ARTISAN </a:t>
+            </a:r>
+            <a:endParaRPr b="0" lang="es-ES" sz="3000" spc="-1" strike="noStrike">
+              <a:latin typeface="Arial"/>
+            </a:endParaRPr>
+          </a:p>
+        </p:txBody>
+      </p:sp>
+      <p:sp>
+        <p:nvSpPr>
+          <p:cNvPr id="246" name="CustomShape 3"/>
+          <p:cNvSpPr/>
+          <p:nvPr/>
+        </p:nvSpPr>
+        <p:spPr>
+          <a:xfrm>
+            <a:off x="395640" y="6520320"/>
+            <a:ext cx="358200" cy="219240"/>
+          </a:xfrm>
+          <a:prstGeom prst="rect">
+            <a:avLst/>
+          </a:prstGeom>
+          <a:noFill/>
+          <a:ln>
+            <a:noFill/>
+          </a:ln>
+        </p:spPr>
+        <p:style>
+          <a:lnRef idx="0"/>
+          <a:fillRef idx="0"/>
+          <a:effectRef idx="0"/>
+          <a:fontRef idx="minor"/>
+        </p:style>
+        <p:txBody>
+          <a:bodyPr lIns="90000" rIns="90000" tIns="45000" bIns="45000" anchor="ctr"/>
+          <a:p>
+            <a:pPr algn="r">
+              <a:lnSpc>
+                <a:spcPct val="100000"/>
+              </a:lnSpc>
+            </a:pPr>
+            <a:fld id="{1ACC89FC-AB48-4DD6-8960-19B06D9A122F}" type="slidenum">
+              <a:rPr b="1" lang="es-ES" sz="800" spc="-1" strike="noStrike">
+                <a:solidFill>
+                  <a:srgbClr val="004569"/>
+                </a:solidFill>
+                <a:latin typeface="Arial"/>
+                <a:ea typeface="DejaVu Sans"/>
+              </a:rPr>
+              <a:t>&lt;número&gt;</a:t>
+            </a:fld>
+            <a:endParaRPr b="0" lang="es-ES" sz="800" spc="-1" strike="noStrike">
               <a:latin typeface="Arial"/>
             </a:endParaRPr>
           </a:p>
@@ -10912,14 +12177,14 @@
       </p:grpSpPr>
       <p:sp>
         <p:nvSpPr>
-          <p:cNvPr id="248" name="CustomShape 1"/>
+          <p:cNvPr id="247" name="CustomShape 1"/>
           <p:cNvSpPr/>
           <p:nvPr/>
         </p:nvSpPr>
         <p:spPr>
           <a:xfrm>
-            <a:off x="311400" y="923040"/>
-            <a:ext cx="8506080" cy="5740200"/>
+            <a:off x="463680" y="2349000"/>
+            <a:ext cx="8214480" cy="2509560"/>
           </a:xfrm>
           <a:prstGeom prst="rect">
             <a:avLst/>
@@ -10936,646 +12201,48 @@
           <a:fontRef idx="minor"/>
         </p:style>
         <p:txBody>
-          <a:bodyPr lIns="90000" rIns="90000" tIns="45000" bIns="45000"/>
-          <a:p>
-            <a:pPr>
+          <a:bodyPr lIns="90000" rIns="90000" tIns="45000" bIns="45000" anchor="ctr"/>
+          <a:p>
+            <a:pPr marL="125640" indent="-177840" algn="ctr">
               <a:lnSpc>
                 <a:spcPct val="100000"/>
               </a:lnSpc>
               <a:spcBef>
-                <a:spcPts val="360"/>
+                <a:spcPts val="641"/>
               </a:spcBef>
             </a:pPr>
             <a:r>
-              <a:rPr b="0" lang="es-ES" sz="1800" spc="-1" strike="noStrike">
+              <a:rPr b="0" lang="es-ES" sz="3200" spc="-1" strike="noStrike">
                 <a:solidFill>
-                  <a:srgbClr val="5e6264"/>
+                  <a:srgbClr val="ffffff"/>
                 </a:solidFill>
                 <a:latin typeface="Arial"/>
                 <a:ea typeface="DejaVu Sans"/>
               </a:rPr>
-              <a:t>Elegir alguna de las siguientes opciones para realizar las preguntas, ejemplos:</a:t>
-            </a:r>
-            <a:endParaRPr b="0" lang="es-ES" sz="1800" spc="-1" strike="noStrike">
-              <a:latin typeface="Arial"/>
-            </a:endParaRPr>
-          </a:p>
-          <a:p>
-            <a:pPr>
-              <a:lnSpc>
-                <a:spcPct val="100000"/>
-              </a:lnSpc>
-              <a:spcBef>
-                <a:spcPts val="320"/>
-              </a:spcBef>
-            </a:pPr>
-            <a:r>
-              <a:rPr b="0" lang="es-ES" sz="1600" spc="-1" strike="noStrike" u="sng">
-                <a:solidFill>
-                  <a:srgbClr val="5e6264"/>
-                </a:solidFill>
-                <a:uFillTx/>
-                <a:latin typeface="Arial"/>
-                <a:ea typeface="DejaVu Sans"/>
-              </a:rPr>
-              <a:t>Pregunta 1</a:t>
-            </a:r>
-            <a:r>
-              <a:rPr b="0" lang="es-ES" sz="1600" spc="-1" strike="noStrike">
-                <a:solidFill>
-                  <a:srgbClr val="5e6264"/>
-                </a:solidFill>
-                <a:latin typeface="Arial"/>
-                <a:ea typeface="DejaVu Sans"/>
-              </a:rPr>
-              <a:t>: ¿Qué es Artisan?, Seleccione la rta correcta</a:t>
-            </a:r>
-            <a:endParaRPr b="0" lang="es-ES" sz="1600" spc="-1" strike="noStrike">
-              <a:latin typeface="Arial"/>
-            </a:endParaRPr>
-          </a:p>
-          <a:p>
-            <a:pPr lvl="1" marL="539640" indent="-178560">
-              <a:lnSpc>
-                <a:spcPct val="100000"/>
-              </a:lnSpc>
-              <a:spcBef>
-                <a:spcPts val="320"/>
-              </a:spcBef>
-              <a:buClr>
-                <a:srgbClr val="5e6264"/>
-              </a:buClr>
-              <a:buFont typeface="Arial Rounded MT Bold"/>
-              <a:buChar char="›"/>
-            </a:pPr>
-            <a:r>
-              <a:rPr b="0" lang="es-ES" sz="1600" spc="-1" strike="noStrike">
-                <a:solidFill>
-                  <a:srgbClr val="5e6264"/>
-                </a:solidFill>
-                <a:latin typeface="Arial"/>
-                <a:ea typeface="DejaVu Sans"/>
-              </a:rPr>
-              <a:t> </a:t>
-            </a:r>
-            <a:r>
-              <a:rPr b="0" lang="es-ES" sz="1600" spc="-1" strike="noStrike">
-                <a:solidFill>
-                  <a:srgbClr val="5e6264"/>
-                </a:solidFill>
-                <a:latin typeface="Arial"/>
-                <a:ea typeface="DejaVu Sans"/>
-              </a:rPr>
-              <a:t>A   -  un framework</a:t>
-            </a:r>
-            <a:endParaRPr b="0" lang="es-ES" sz="1600" spc="-1" strike="noStrike">
-              <a:latin typeface="Arial"/>
-            </a:endParaRPr>
-          </a:p>
-          <a:p>
-            <a:pPr lvl="1" marL="539640" indent="-178560">
-              <a:lnSpc>
-                <a:spcPct val="100000"/>
-              </a:lnSpc>
-              <a:spcBef>
-                <a:spcPts val="320"/>
-              </a:spcBef>
-              <a:buClr>
-                <a:srgbClr val="5e6264"/>
-              </a:buClr>
-              <a:buFont typeface="Arial Rounded MT Bold"/>
-              <a:buChar char="›"/>
-            </a:pPr>
-            <a:r>
-              <a:rPr b="0" lang="es-ES" sz="1600" spc="-1" strike="noStrike">
-                <a:solidFill>
-                  <a:srgbClr val="5e6264"/>
-                </a:solidFill>
-                <a:latin typeface="Arial"/>
-                <a:ea typeface="DejaVu Sans"/>
-              </a:rPr>
-              <a:t> </a:t>
-            </a:r>
-            <a:r>
-              <a:rPr b="0" lang="es-ES" sz="1600" spc="-1" strike="noStrike">
-                <a:solidFill>
-                  <a:srgbClr val="5e6264"/>
-                </a:solidFill>
-                <a:latin typeface="Arial"/>
-                <a:ea typeface="DejaVu Sans"/>
-              </a:rPr>
-              <a:t>B  - una Interfaz de Linea de Comandos (CLI)</a:t>
-            </a:r>
-            <a:endParaRPr b="0" lang="es-ES" sz="1600" spc="-1" strike="noStrike">
-              <a:latin typeface="Arial"/>
-            </a:endParaRPr>
-          </a:p>
-          <a:p>
-            <a:pPr lvl="1" marL="539640" indent="-178560">
-              <a:lnSpc>
-                <a:spcPct val="100000"/>
-              </a:lnSpc>
-              <a:spcBef>
-                <a:spcPts val="320"/>
-              </a:spcBef>
-              <a:buClr>
-                <a:srgbClr val="5e6264"/>
-              </a:buClr>
-              <a:buFont typeface="Arial Rounded MT Bold"/>
-              <a:buChar char="›"/>
-            </a:pPr>
-            <a:r>
-              <a:rPr b="0" lang="es-ES" sz="1600" spc="-1" strike="noStrike">
-                <a:solidFill>
-                  <a:srgbClr val="5e6264"/>
-                </a:solidFill>
-                <a:latin typeface="Arial"/>
-                <a:ea typeface="DejaVu Sans"/>
-              </a:rPr>
-              <a:t> </a:t>
-            </a:r>
-            <a:r>
-              <a:rPr b="0" lang="es-ES" sz="1600" spc="-1" strike="noStrike">
-                <a:solidFill>
-                  <a:srgbClr val="5e6264"/>
-                </a:solidFill>
-                <a:latin typeface="Arial"/>
-                <a:ea typeface="DejaVu Sans"/>
-              </a:rPr>
-              <a:t>C - un lenguaje de programacion</a:t>
-            </a:r>
-            <a:endParaRPr b="0" lang="es-ES" sz="1600" spc="-1" strike="noStrike">
-              <a:latin typeface="Arial"/>
-            </a:endParaRPr>
-          </a:p>
-          <a:p>
-            <a:pPr>
-              <a:lnSpc>
-                <a:spcPct val="100000"/>
-              </a:lnSpc>
-              <a:spcBef>
-                <a:spcPts val="320"/>
-              </a:spcBef>
-            </a:pPr>
-            <a:r>
-              <a:rPr b="0" lang="es-ES" sz="1600" spc="-1" strike="noStrike" u="sng">
-                <a:solidFill>
-                  <a:srgbClr val="5e6264"/>
-                </a:solidFill>
-                <a:uFillTx/>
-                <a:latin typeface="Arial"/>
-                <a:ea typeface="DejaVu Sans"/>
-              </a:rPr>
-              <a:t>Pregunta 2</a:t>
-            </a:r>
-            <a:r>
-              <a:rPr b="0" lang="es-ES" sz="1600" spc="-1" strike="noStrike">
-                <a:solidFill>
-                  <a:srgbClr val="5e6264"/>
-                </a:solidFill>
-                <a:latin typeface="Arial"/>
-                <a:ea typeface="DejaVu Sans"/>
-              </a:rPr>
-              <a:t>: , Verdadero o Falso</a:t>
-            </a:r>
-            <a:endParaRPr b="0" lang="es-ES" sz="1600" spc="-1" strike="noStrike">
-              <a:latin typeface="Arial"/>
-            </a:endParaRPr>
-          </a:p>
-          <a:p>
-            <a:pPr lvl="1" marL="539640" indent="-178560">
-              <a:lnSpc>
-                <a:spcPct val="100000"/>
-              </a:lnSpc>
-              <a:spcBef>
-                <a:spcPts val="320"/>
-              </a:spcBef>
-              <a:buClr>
-                <a:srgbClr val="5e6264"/>
-              </a:buClr>
-              <a:buFont typeface="Arial Rounded MT Bold"/>
-              <a:buChar char="›"/>
-            </a:pPr>
-            <a:r>
-              <a:rPr b="0" lang="es-ES" sz="1600" spc="-1" strike="noStrike">
-                <a:solidFill>
-                  <a:srgbClr val="5e6264"/>
-                </a:solidFill>
-                <a:latin typeface="Arial"/>
-                <a:ea typeface="DejaVu Sans"/>
-              </a:rPr>
-              <a:t> </a:t>
-            </a:r>
-            <a:r>
-              <a:rPr b="0" lang="es-ES" sz="1600" spc="-1" strike="noStrike">
-                <a:solidFill>
-                  <a:srgbClr val="5e6264"/>
-                </a:solidFill>
-                <a:latin typeface="Arial"/>
-                <a:ea typeface="DejaVu Sans"/>
-              </a:rPr>
-              <a:t>A - se puede correr laravel sin PHP instalado</a:t>
-            </a:r>
-            <a:endParaRPr b="0" lang="es-ES" sz="1600" spc="-1" strike="noStrike">
-              <a:latin typeface="Arial"/>
-            </a:endParaRPr>
-          </a:p>
-          <a:p>
-            <a:pPr lvl="1" marL="539640" indent="-178560">
-              <a:lnSpc>
-                <a:spcPct val="100000"/>
-              </a:lnSpc>
-              <a:spcBef>
-                <a:spcPts val="320"/>
-              </a:spcBef>
-              <a:buClr>
-                <a:srgbClr val="5e6264"/>
-              </a:buClr>
-              <a:buFont typeface="Arial Rounded MT Bold"/>
-              <a:buChar char="›"/>
-            </a:pPr>
-            <a:r>
-              <a:rPr b="0" lang="es-ES" sz="1600" spc="-1" strike="noStrike">
-                <a:solidFill>
-                  <a:srgbClr val="5e6264"/>
-                </a:solidFill>
-                <a:latin typeface="Arial"/>
-                <a:ea typeface="DejaVu Sans"/>
-              </a:rPr>
-              <a:t> </a:t>
-            </a:r>
-            <a:r>
-              <a:rPr b="0" lang="es-ES" sz="1600" spc="-1" strike="noStrike">
-                <a:solidFill>
-                  <a:srgbClr val="5e6264"/>
-                </a:solidFill>
-                <a:latin typeface="Arial"/>
-                <a:ea typeface="DejaVu Sans"/>
-              </a:rPr>
-              <a:t>B- Eloquent es un ORM active record</a:t>
-            </a:r>
-            <a:endParaRPr b="0" lang="es-ES" sz="1600" spc="-1" strike="noStrike">
-              <a:latin typeface="Arial"/>
-            </a:endParaRPr>
-          </a:p>
-          <a:p>
-            <a:pPr>
-              <a:lnSpc>
-                <a:spcPct val="100000"/>
-              </a:lnSpc>
-              <a:spcBef>
-                <a:spcPts val="320"/>
-              </a:spcBef>
-            </a:pPr>
-            <a:r>
-              <a:rPr b="0" lang="es-ES" sz="1600" spc="-1" strike="noStrike" u="sng">
-                <a:solidFill>
-                  <a:srgbClr val="5e6264"/>
-                </a:solidFill>
-                <a:uFillTx/>
-                <a:latin typeface="Arial"/>
-                <a:ea typeface="DejaVu Sans"/>
-              </a:rPr>
-              <a:t>Pregunta 3</a:t>
-            </a:r>
-            <a:r>
-              <a:rPr b="0" lang="es-ES" sz="1600" spc="-1" strike="noStrike">
-                <a:solidFill>
-                  <a:srgbClr val="5e6264"/>
-                </a:solidFill>
-                <a:latin typeface="Arial"/>
-                <a:ea typeface="DejaVu Sans"/>
-              </a:rPr>
-              <a:t>: ¿Puedo crear controladores usando composer?</a:t>
-            </a:r>
-            <a:endParaRPr b="0" lang="es-ES" sz="1600" spc="-1" strike="noStrike">
-              <a:latin typeface="Arial"/>
-            </a:endParaRPr>
-          </a:p>
-          <a:p>
-            <a:pPr lvl="1" marL="539640" indent="-178560">
-              <a:lnSpc>
-                <a:spcPct val="100000"/>
-              </a:lnSpc>
-              <a:spcBef>
-                <a:spcPts val="320"/>
-              </a:spcBef>
-              <a:buClr>
-                <a:srgbClr val="5e6264"/>
-              </a:buClr>
-              <a:buFont typeface="Arial Rounded MT Bold"/>
-              <a:buChar char="›"/>
-            </a:pPr>
-            <a:r>
-              <a:rPr b="0" lang="es-ES" sz="1600" spc="-1" strike="noStrike">
-                <a:solidFill>
-                  <a:srgbClr val="5e6264"/>
-                </a:solidFill>
-                <a:latin typeface="Arial"/>
-                <a:ea typeface="DejaVu Sans"/>
-              </a:rPr>
-              <a:t> </a:t>
-            </a:r>
-            <a:r>
-              <a:rPr b="0" lang="es-ES" sz="1600" spc="-1" strike="noStrike">
-                <a:solidFill>
-                  <a:srgbClr val="5e6264"/>
-                </a:solidFill>
-                <a:latin typeface="Arial"/>
-                <a:ea typeface="DejaVu Sans"/>
-              </a:rPr>
-              <a:t>SI</a:t>
-            </a:r>
-            <a:endParaRPr b="0" lang="es-ES" sz="1600" spc="-1" strike="noStrike">
-              <a:latin typeface="Arial"/>
-            </a:endParaRPr>
-          </a:p>
-          <a:p>
-            <a:pPr lvl="1" marL="539640" indent="-178560">
-              <a:lnSpc>
-                <a:spcPct val="100000"/>
-              </a:lnSpc>
-              <a:spcBef>
-                <a:spcPts val="320"/>
-              </a:spcBef>
-              <a:buClr>
-                <a:srgbClr val="5e6264"/>
-              </a:buClr>
-              <a:buFont typeface="Arial Rounded MT Bold"/>
-              <a:buChar char="›"/>
-            </a:pPr>
-            <a:r>
-              <a:rPr b="0" lang="es-ES" sz="1600" spc="-1" strike="noStrike">
-                <a:solidFill>
-                  <a:srgbClr val="5e6264"/>
-                </a:solidFill>
-                <a:latin typeface="Arial"/>
-                <a:ea typeface="DejaVu Sans"/>
-              </a:rPr>
-              <a:t> </a:t>
-            </a:r>
-            <a:r>
-              <a:rPr b="0" lang="es-ES" sz="1600" spc="-1" strike="noStrike">
-                <a:solidFill>
-                  <a:srgbClr val="5e6264"/>
-                </a:solidFill>
-                <a:latin typeface="Arial"/>
-                <a:ea typeface="DejaVu Sans"/>
-              </a:rPr>
-              <a:t>NO</a:t>
-            </a:r>
-            <a:endParaRPr b="0" lang="es-ES" sz="1600" spc="-1" strike="noStrike">
-              <a:latin typeface="Arial"/>
-            </a:endParaRPr>
-          </a:p>
-          <a:p>
-            <a:pPr>
-              <a:lnSpc>
-                <a:spcPct val="100000"/>
-              </a:lnSpc>
-              <a:spcBef>
-                <a:spcPts val="320"/>
-              </a:spcBef>
-            </a:pPr>
-            <a:r>
-              <a:rPr b="0" lang="es-ES" sz="1600" spc="-1" strike="noStrike" u="sng">
-                <a:solidFill>
-                  <a:srgbClr val="5e6264"/>
-                </a:solidFill>
-                <a:uFillTx/>
-                <a:latin typeface="Arial"/>
-                <a:ea typeface="DejaVu Sans"/>
-              </a:rPr>
-              <a:t>Pregunta 4</a:t>
-            </a:r>
-            <a:r>
-              <a:rPr b="0" lang="es-ES" sz="1600" spc="-1" strike="noStrike">
-                <a:solidFill>
-                  <a:srgbClr val="5e6264"/>
-                </a:solidFill>
-                <a:latin typeface="Arial"/>
-                <a:ea typeface="DejaVu Sans"/>
-              </a:rPr>
-              <a:t>: ¿Puedo crear controladores usando artisan?</a:t>
-            </a:r>
-            <a:endParaRPr b="0" lang="es-ES" sz="1600" spc="-1" strike="noStrike">
-              <a:latin typeface="Arial"/>
-            </a:endParaRPr>
-          </a:p>
-          <a:p>
-            <a:pPr lvl="1" marL="539640" indent="-178560">
-              <a:lnSpc>
-                <a:spcPct val="100000"/>
-              </a:lnSpc>
-              <a:spcBef>
-                <a:spcPts val="320"/>
-              </a:spcBef>
-              <a:buClr>
-                <a:srgbClr val="5e6264"/>
-              </a:buClr>
-              <a:buFont typeface="Arial Rounded MT Bold"/>
-              <a:buChar char="›"/>
-            </a:pPr>
-            <a:r>
-              <a:rPr b="0" lang="es-ES" sz="1600" spc="-1" strike="noStrike">
-                <a:solidFill>
-                  <a:srgbClr val="5e6264"/>
-                </a:solidFill>
-                <a:latin typeface="Arial"/>
-                <a:ea typeface="DejaVu Sans"/>
-              </a:rPr>
-              <a:t> </a:t>
-            </a:r>
-            <a:r>
-              <a:rPr b="0" lang="es-ES" sz="1600" spc="-1" strike="noStrike">
-                <a:solidFill>
-                  <a:srgbClr val="5e6264"/>
-                </a:solidFill>
-                <a:latin typeface="Arial"/>
-                <a:ea typeface="DejaVu Sans"/>
-              </a:rPr>
-              <a:t>SI</a:t>
-            </a:r>
-            <a:endParaRPr b="0" lang="es-ES" sz="1600" spc="-1" strike="noStrike">
-              <a:latin typeface="Arial"/>
-            </a:endParaRPr>
-          </a:p>
-          <a:p>
-            <a:pPr lvl="1" marL="539640" indent="-178560">
-              <a:lnSpc>
-                <a:spcPct val="100000"/>
-              </a:lnSpc>
-              <a:spcBef>
-                <a:spcPts val="320"/>
-              </a:spcBef>
-              <a:buClr>
-                <a:srgbClr val="5e6264"/>
-              </a:buClr>
-              <a:buFont typeface="Arial Rounded MT Bold"/>
-              <a:buChar char="›"/>
-            </a:pPr>
-            <a:r>
-              <a:rPr b="0" lang="es-ES" sz="1600" spc="-1" strike="noStrike">
-                <a:solidFill>
-                  <a:srgbClr val="5e6264"/>
-                </a:solidFill>
-                <a:latin typeface="Arial"/>
-                <a:ea typeface="DejaVu Sans"/>
-              </a:rPr>
-              <a:t> </a:t>
-            </a:r>
-            <a:r>
-              <a:rPr b="0" lang="es-ES" sz="1600" spc="-1" strike="noStrike">
-                <a:solidFill>
-                  <a:srgbClr val="5e6264"/>
-                </a:solidFill>
-                <a:latin typeface="Arial"/>
-                <a:ea typeface="DejaVu Sans"/>
-              </a:rPr>
-              <a:t>NO</a:t>
-            </a:r>
-            <a:endParaRPr b="0" lang="es-ES" sz="1600" spc="-1" strike="noStrike">
-              <a:latin typeface="Arial"/>
-            </a:endParaRPr>
-          </a:p>
-          <a:p>
-            <a:pPr>
-              <a:lnSpc>
-                <a:spcPct val="100000"/>
-              </a:lnSpc>
-              <a:spcBef>
-                <a:spcPts val="320"/>
-              </a:spcBef>
-            </a:pPr>
-            <a:r>
-              <a:rPr b="0" lang="es-ES" sz="1600" spc="-1" strike="noStrike" u="sng">
-                <a:solidFill>
-                  <a:srgbClr val="5e6264"/>
-                </a:solidFill>
-                <a:uFillTx/>
-                <a:latin typeface="Arial"/>
-                <a:ea typeface="DejaVu Sans"/>
-              </a:rPr>
-              <a:t>Pregunta 5</a:t>
-            </a:r>
-            <a:r>
-              <a:rPr b="0" lang="es-ES" sz="1600" spc="-1" strike="noStrike">
-                <a:solidFill>
-                  <a:srgbClr val="5e6264"/>
-                </a:solidFill>
-                <a:latin typeface="Arial"/>
-                <a:ea typeface="DejaVu Sans"/>
-              </a:rPr>
-              <a:t>: ¿Se pueden tener conexiones MySql, PosgreSql y Ms-SQL en una misma aplicacion? </a:t>
-            </a:r>
-            <a:endParaRPr b="0" lang="es-ES" sz="1600" spc="-1" strike="noStrike">
-              <a:latin typeface="Arial"/>
-            </a:endParaRPr>
-          </a:p>
-          <a:p>
-            <a:pPr lvl="1" marL="539640" indent="-178560">
-              <a:lnSpc>
-                <a:spcPct val="100000"/>
-              </a:lnSpc>
-              <a:spcBef>
-                <a:spcPts val="320"/>
-              </a:spcBef>
-              <a:buClr>
-                <a:srgbClr val="5e6264"/>
-              </a:buClr>
-              <a:buFont typeface="Arial Rounded MT Bold"/>
-              <a:buChar char="›"/>
-            </a:pPr>
-            <a:r>
-              <a:rPr b="0" lang="es-ES" sz="1600" spc="-1" strike="noStrike">
-                <a:solidFill>
-                  <a:srgbClr val="5e6264"/>
-                </a:solidFill>
-                <a:latin typeface="Arial"/>
-                <a:ea typeface="DejaVu Sans"/>
-              </a:rPr>
-              <a:t> </a:t>
-            </a:r>
-            <a:r>
-              <a:rPr b="0" lang="es-ES" sz="1600" spc="-1" strike="noStrike">
-                <a:solidFill>
-                  <a:srgbClr val="5e6264"/>
-                </a:solidFill>
-                <a:latin typeface="Arial"/>
-                <a:ea typeface="DejaVu Sans"/>
-              </a:rPr>
-              <a:t>SI</a:t>
-            </a:r>
-            <a:endParaRPr b="0" lang="es-ES" sz="1600" spc="-1" strike="noStrike">
-              <a:latin typeface="Arial"/>
-            </a:endParaRPr>
-          </a:p>
-          <a:p>
-            <a:pPr lvl="1" marL="539640" indent="-178560">
-              <a:lnSpc>
-                <a:spcPct val="100000"/>
-              </a:lnSpc>
-              <a:spcBef>
-                <a:spcPts val="320"/>
-              </a:spcBef>
-              <a:buClr>
-                <a:srgbClr val="5e6264"/>
-              </a:buClr>
-              <a:buFont typeface="Arial Rounded MT Bold"/>
-              <a:buChar char="›"/>
-            </a:pPr>
-            <a:r>
-              <a:rPr b="0" lang="es-ES" sz="1600" spc="-1" strike="noStrike">
-                <a:solidFill>
-                  <a:srgbClr val="5e6264"/>
-                </a:solidFill>
-                <a:latin typeface="Arial"/>
-                <a:ea typeface="DejaVu Sans"/>
-              </a:rPr>
-              <a:t> </a:t>
-            </a:r>
-            <a:r>
-              <a:rPr b="0" lang="es-ES" sz="1600" spc="-1" strike="noStrike">
-                <a:solidFill>
-                  <a:srgbClr val="5e6264"/>
-                </a:solidFill>
-                <a:latin typeface="Arial"/>
-                <a:ea typeface="DejaVu Sans"/>
-              </a:rPr>
-              <a:t>NO</a:t>
-            </a:r>
-            <a:endParaRPr b="0" lang="es-ES" sz="1600" spc="-1" strike="noStrike">
-              <a:latin typeface="Arial"/>
-            </a:endParaRPr>
-          </a:p>
-          <a:p>
-            <a:pPr>
-              <a:lnSpc>
-                <a:spcPct val="100000"/>
-              </a:lnSpc>
-            </a:pPr>
-            <a:endParaRPr b="0" lang="es-ES" sz="1600" spc="-1" strike="noStrike">
-              <a:latin typeface="Arial"/>
-            </a:endParaRPr>
-          </a:p>
-        </p:txBody>
-      </p:sp>
-      <p:sp>
-        <p:nvSpPr>
-          <p:cNvPr id="249" name="CustomShape 2"/>
+              <a:t>Muchas Gracias</a:t>
+            </a:r>
+            <a:endParaRPr b="0" lang="es-ES" sz="3200" spc="-1" strike="noStrike">
+              <a:latin typeface="Arial"/>
+            </a:endParaRPr>
+          </a:p>
+        </p:txBody>
+      </p:sp>
+      <p:sp>
+        <p:nvSpPr>
+          <p:cNvPr id="248" name="CustomShape 2"/>
           <p:cNvSpPr/>
           <p:nvPr/>
         </p:nvSpPr>
         <p:spPr>
           <a:xfrm>
-            <a:off x="496080" y="199800"/>
-            <a:ext cx="4361040" cy="492480"/>
+            <a:off x="395640" y="6520320"/>
+            <a:ext cx="358200" cy="219240"/>
           </a:xfrm>
           <a:prstGeom prst="rect">
             <a:avLst/>
           </a:prstGeom>
           <a:noFill/>
-          <a:ln w="9360">
+          <a:ln>
             <a:noFill/>
           </a:ln>
         </p:spPr>
@@ -11586,59 +12253,39 @@
           <a:fontRef idx="minor"/>
         </p:style>
         <p:txBody>
-          <a:bodyPr lIns="90000" rIns="90000" tIns="45000" bIns="45000" anchor="b"/>
-          <a:p>
-            <a:pPr>
+          <a:bodyPr lIns="90000" rIns="90000" tIns="45000" bIns="45000" anchor="ctr"/>
+          <a:p>
+            <a:pPr algn="r">
               <a:lnSpc>
                 <a:spcPct val="100000"/>
               </a:lnSpc>
             </a:pPr>
-            <a:r>
-              <a:rPr b="0" lang="es-ES" sz="2800" spc="-1" strike="noStrike">
+            <a:fld id="{C578F77E-F4AE-451D-97FB-E62FDE9A7A3D}" type="slidenum">
+              <a:rPr b="1" lang="es-ES" sz="800" spc="-1" strike="noStrike">
                 <a:solidFill>
                   <a:srgbClr val="004569"/>
                 </a:solidFill>
                 <a:latin typeface="Arial"/>
                 <a:ea typeface="DejaVu Sans"/>
               </a:rPr>
-              <a:t>Multiple </a:t>
-            </a:r>
-            <a:r>
-              <a:rPr b="0" lang="es-ES" sz="2400" spc="-1" strike="noStrike">
-                <a:solidFill>
-                  <a:srgbClr val="004569"/>
-                </a:solidFill>
-                <a:latin typeface="Arial"/>
-                <a:ea typeface="DejaVu Sans"/>
-              </a:rPr>
-              <a:t>Choice</a:t>
-            </a:r>
-            <a:r>
-              <a:rPr b="0" lang="es-ES" sz="2800" spc="-1" strike="noStrike">
-                <a:solidFill>
-                  <a:srgbClr val="004569"/>
-                </a:solidFill>
-                <a:latin typeface="Arial"/>
-                <a:ea typeface="DejaVu Sans"/>
-              </a:rPr>
-              <a:t>:</a:t>
-            </a:r>
-            <a:endParaRPr b="0" lang="es-ES" sz="2800" spc="-1" strike="noStrike">
-              <a:latin typeface="Arial"/>
-            </a:endParaRPr>
-          </a:p>
-        </p:txBody>
-      </p:sp>
-      <p:sp>
-        <p:nvSpPr>
-          <p:cNvPr id="250" name="CustomShape 3"/>
+              <a:t>&lt;número&gt;</a:t>
+            </a:fld>
+            <a:endParaRPr b="0" lang="es-ES" sz="800" spc="-1" strike="noStrike">
+              <a:latin typeface="Arial"/>
+            </a:endParaRPr>
+          </a:p>
+        </p:txBody>
+      </p:sp>
+      <p:sp>
+        <p:nvSpPr>
+          <p:cNvPr id="249" name="CustomShape 3"/>
           <p:cNvSpPr/>
           <p:nvPr/>
         </p:nvSpPr>
         <p:spPr>
           <a:xfrm>
-            <a:off x="395640" y="6520320"/>
-            <a:ext cx="358920" cy="219960"/>
+            <a:off x="1906560" y="5105520"/>
+            <a:ext cx="4998600" cy="1644120"/>
           </a:xfrm>
           <a:prstGeom prst="rect">
             <a:avLst/>
@@ -11655,24 +12302,74 @@
           <a:fontRef idx="minor"/>
         </p:style>
         <p:txBody>
-          <a:bodyPr lIns="90000" rIns="90000" tIns="45000" bIns="45000" anchor="ctr"/>
-          <a:p>
-            <a:pPr algn="r">
+          <a:bodyPr lIns="90000" rIns="90000" tIns="45000" bIns="45000"/>
+          <a:p>
+            <a:pPr algn="ctr">
               <a:lnSpc>
                 <a:spcPct val="100000"/>
               </a:lnSpc>
             </a:pPr>
-            <a:fld id="{822E0A1D-B8BD-4DFC-9BFD-BAE8FDDA0D62}" type="slidenum">
-              <a:rPr b="1" lang="es-ES" sz="800" spc="-1" strike="noStrike">
+            <a:r>
+              <a:rPr b="1" lang="es-ES" sz="1800" spc="-1" strike="noStrike">
                 <a:solidFill>
-                  <a:srgbClr val="004569"/>
+                  <a:srgbClr val="000000"/>
                 </a:solidFill>
                 <a:latin typeface="Arial"/>
                 <a:ea typeface="DejaVu Sans"/>
               </a:rPr>
-              <a:t>&lt;número&gt;</a:t>
-            </a:fld>
-            <a:endParaRPr b="0" lang="es-ES" sz="800" spc="-1" strike="noStrike">
+              <a:t>Alejandro V. Avalo | Software Developer </a:t>
+            </a:r>
+            <a:endParaRPr b="0" lang="es-ES" sz="1800" spc="-1" strike="noStrike">
+              <a:latin typeface="Arial"/>
+            </a:endParaRPr>
+          </a:p>
+          <a:p>
+            <a:pPr algn="ctr">
+              <a:lnSpc>
+                <a:spcPct val="100000"/>
+              </a:lnSpc>
+            </a:pPr>
+            <a:r>
+              <a:rPr b="0" lang="es-ES" sz="1800" spc="-1" strike="noStrike">
+                <a:solidFill>
+                  <a:srgbClr val="000000"/>
+                </a:solidFill>
+                <a:latin typeface="Arial"/>
+                <a:ea typeface="DejaVu Sans"/>
+              </a:rPr>
+              <a:t>Softtek | Maipú 942 Piso 5° | Ciudad Autonoma de Buenos Aires </a:t>
+            </a:r>
+            <a:endParaRPr b="0" lang="es-ES" sz="1800" spc="-1" strike="noStrike">
+              <a:latin typeface="Arial"/>
+            </a:endParaRPr>
+          </a:p>
+          <a:p>
+            <a:pPr algn="ctr">
+              <a:lnSpc>
+                <a:spcPct val="100000"/>
+              </a:lnSpc>
+            </a:pPr>
+            <a:r>
+              <a:rPr b="0" lang="es-ES" sz="2400" spc="-1" strike="noStrike">
+                <a:solidFill>
+                  <a:srgbClr val="000000"/>
+                </a:solidFill>
+                <a:latin typeface="Arial"/>
+                <a:ea typeface="DejaVu Sans"/>
+              </a:rPr>
+              <a:t>alejandro.avalo@softtek.com</a:t>
+            </a:r>
+            <a:endParaRPr b="0" lang="es-ES" sz="2400" spc="-1" strike="noStrike">
+              <a:latin typeface="Arial"/>
+            </a:endParaRPr>
+          </a:p>
+          <a:p>
+            <a:pPr algn="ctr">
+              <a:lnSpc>
+                <a:spcPct val="100000"/>
+              </a:lnSpc>
+            </a:pPr>
+            <a:endParaRPr b="0" lang="es-ES" sz="2400" spc="-1" strike="noStrike">
               <a:latin typeface="Arial"/>
             </a:endParaRPr>
           </a:p>
@@ -11687,6 +12384,153 @@
           <p:childTnLst>
             <p:seq>
               <p:cTn id="34" nodeType="mainSeq"/>
+              <p:prevCondLst>
+                <p:cond delay="0" evt="onPrev">
+                  <p:tgtEl>
+                    <p:sldTgt/>
+                  </p:tgtEl>
+                </p:cond>
+              </p:prevCondLst>
+              <p:nextCondLst>
+                <p:cond delay="0" evt="onNext">
+                  <p:tgtEl>
+                    <p:sldTgt/>
+                  </p:tgtEl>
+                </p:cond>
+              </p:nextCondLst>
+            </p:seq>
+          </p:childTnLst>
+        </p:cTn>
+      </p:par>
+    </p:tnLst>
+  </p:timing>
+</p:sld>
+</file>
+
+<file path=ppt/slides/slide18.xml><?xml version="1.0" encoding="utf-8"?>
+<p:sld xmlns:a="http://schemas.openxmlformats.org/drawingml/2006/main" xmlns:p="http://schemas.openxmlformats.org/presentationml/2006/main" xmlns:r="http://schemas.openxmlformats.org/officeDocument/2006/relationships" xmlns:p14="http://schemas.microsoft.com/office/powerpoint/2010/main" xmlns:p15="http://schemas.microsoft.com/office/powerpoint/2012/main" xmlns:mc="http://schemas.openxmlformats.org/markup-compatibility/2006">
+  <p:cSld>
+    <p:spTree>
+      <p:nvGrpSpPr>
+        <p:cNvPr id="1" name=""/>
+        <p:cNvGrpSpPr/>
+        <p:nvPr/>
+      </p:nvGrpSpPr>
+      <p:grpSpPr>
+        <a:xfrm>
+          <a:off x="0" y="0"/>
+          <a:ext cx="0" cy="0"/>
+          <a:chOff x="0" y="0"/>
+          <a:chExt cx="0" cy="0"/>
+        </a:xfrm>
+      </p:grpSpPr>
+    </p:spTree>
+  </p:cSld>
+  <p:timing>
+    <p:tnLst>
+      <p:par>
+        <p:cTn id="35" dur="indefinite" restart="never" nodeType="tmRoot">
+          <p:childTnLst>
+            <p:seq>
+              <p:cTn id="36" nodeType="mainSeq"/>
+              <p:prevCondLst>
+                <p:cond delay="0" evt="onPrev">
+                  <p:tgtEl>
+                    <p:sldTgt/>
+                  </p:tgtEl>
+                </p:cond>
+              </p:prevCondLst>
+              <p:nextCondLst>
+                <p:cond delay="0" evt="onNext">
+                  <p:tgtEl>
+                    <p:sldTgt/>
+                  </p:tgtEl>
+                </p:cond>
+              </p:nextCondLst>
+            </p:seq>
+          </p:childTnLst>
+        </p:cTn>
+      </p:par>
+    </p:tnLst>
+  </p:timing>
+</p:sld>
+</file>
+
+<file path=ppt/slides/slide19.xml><?xml version="1.0" encoding="utf-8"?>
+<p:sld xmlns:a="http://schemas.openxmlformats.org/drawingml/2006/main" xmlns:p="http://schemas.openxmlformats.org/presentationml/2006/main" xmlns:r="http://schemas.openxmlformats.org/officeDocument/2006/relationships" xmlns:p14="http://schemas.microsoft.com/office/powerpoint/2010/main" xmlns:p15="http://schemas.microsoft.com/office/powerpoint/2012/main" xmlns:mc="http://schemas.openxmlformats.org/markup-compatibility/2006">
+  <p:cSld>
+    <p:spTree>
+      <p:nvGrpSpPr>
+        <p:cNvPr id="1" name=""/>
+        <p:cNvGrpSpPr/>
+        <p:nvPr/>
+      </p:nvGrpSpPr>
+      <p:grpSpPr>
+        <a:xfrm>
+          <a:off x="0" y="0"/>
+          <a:ext cx="0" cy="0"/>
+          <a:chOff x="0" y="0"/>
+          <a:chExt cx="0" cy="0"/>
+        </a:xfrm>
+      </p:grpSpPr>
+      <p:sp>
+        <p:nvSpPr>
+          <p:cNvPr id="250" name="CustomShape 1"/>
+          <p:cNvSpPr/>
+          <p:nvPr/>
+        </p:nvSpPr>
+        <p:spPr>
+          <a:xfrm>
+            <a:off x="467640" y="620640"/>
+            <a:ext cx="4102560" cy="2950560"/>
+          </a:xfrm>
+          <a:prstGeom prst="rect">
+            <a:avLst/>
+          </a:prstGeom>
+          <a:noFill/>
+          <a:ln>
+            <a:noFill/>
+          </a:ln>
+        </p:spPr>
+        <p:style>
+          <a:lnRef idx="0"/>
+          <a:fillRef idx="0"/>
+          <a:effectRef idx="0"/>
+          <a:fontRef idx="minor"/>
+        </p:style>
+        <p:txBody>
+          <a:bodyPr lIns="90000" rIns="90000" tIns="45000" bIns="45000"/>
+          <a:p>
+            <a:pPr>
+              <a:lnSpc>
+                <a:spcPct val="80000"/>
+              </a:lnSpc>
+            </a:pPr>
+            <a:r>
+              <a:rPr b="0" lang="es-ES" sz="4400" spc="-1" strike="noStrike">
+                <a:solidFill>
+                  <a:srgbClr val="ffffff"/>
+                </a:solidFill>
+                <a:latin typeface="Arial"/>
+                <a:ea typeface="DejaVu Sans"/>
+              </a:rPr>
+              <a:t>Examen</a:t>
+            </a:r>
+            <a:endParaRPr b="0" lang="es-ES" sz="4400" spc="-1" strike="noStrike">
+              <a:latin typeface="Arial"/>
+            </a:endParaRPr>
+          </a:p>
+        </p:txBody>
+      </p:sp>
+    </p:spTree>
+  </p:cSld>
+  <p:timing>
+    <p:tnLst>
+      <p:par>
+        <p:cTn id="37" dur="indefinite" restart="never" nodeType="tmRoot">
+          <p:childTnLst>
+            <p:seq>
+              <p:cTn id="38" nodeType="mainSeq"/>
               <p:prevCondLst>
                 <p:cond delay="0" evt="onPrev">
                   <p:tgtEl>
@@ -11735,8 +12579,8 @@
         </p:nvSpPr>
         <p:spPr>
           <a:xfrm>
-            <a:off x="371160" y="1287000"/>
-            <a:ext cx="8402040" cy="5571000"/>
+            <a:off x="526320" y="1152000"/>
+            <a:ext cx="8401320" cy="3827520"/>
           </a:xfrm>
           <a:prstGeom prst="rect">
             <a:avLst/>
@@ -11770,7 +12614,7 @@
                 <a:latin typeface="Arial"/>
                 <a:ea typeface="DejaVu Sans"/>
               </a:rPr>
-              <a:t>Qué es una API? </a:t>
+              <a:t>Temas</a:t>
             </a:r>
             <a:endParaRPr b="0" lang="es-ES" sz="4400" spc="-1" strike="noStrike">
               <a:latin typeface="Arial"/>
@@ -11782,52 +12626,52 @@
                 <a:spcPct val="80000"/>
               </a:lnSpc>
             </a:pPr>
+            <a:br/>
             <a:endParaRPr b="0" lang="es-ES" sz="4400" spc="-1" strike="noStrike">
               <a:latin typeface="Arial"/>
             </a:endParaRPr>
           </a:p>
           <a:p>
-            <a:pPr algn="just">
-              <a:lnSpc>
-                <a:spcPct val="100000"/>
-              </a:lnSpc>
-            </a:pPr>
-            <a:endParaRPr b="0" lang="es-ES" sz="4400" spc="-1" strike="noStrike">
-              <a:latin typeface="Arial"/>
-            </a:endParaRPr>
-          </a:p>
-          <a:p>
-            <a:pPr algn="just">
-              <a:lnSpc>
-                <a:spcPct val="100000"/>
-              </a:lnSpc>
-            </a:pPr>
-            <a:r>
-              <a:rPr b="0" lang="es-ES" sz="2800" spc="-1" strike="noStrike">
+            <a:pPr>
+              <a:lnSpc>
+                <a:spcPct val="80000"/>
+              </a:lnSpc>
+            </a:pPr>
+            <a:r>
+              <a:rPr b="0" lang="es-ES" sz="4400" spc="-1" strike="noStrike">
                 <a:solidFill>
                   <a:srgbClr val="2b2d2e"/>
                 </a:solidFill>
                 <a:latin typeface="Arial"/>
                 <a:ea typeface="DejaVu Sans"/>
               </a:rPr>
-              <a:t>Una API (‘Application Programming Interface’) es un conjunto de reglas y especificaciones que permiten la comunicación entre sistemas. Muchas veces la comunicación es entre humano-software.</a:t>
-            </a:r>
-            <a:endParaRPr b="0" lang="es-ES" sz="2800" spc="-1" strike="noStrike">
-              <a:latin typeface="Arial"/>
-            </a:endParaRPr>
-          </a:p>
-          <a:p>
-            <a:pPr>
-              <a:lnSpc>
-                <a:spcPct val="80000"/>
-              </a:lnSpc>
-            </a:pPr>
+              <a:t>¿Que es API REST?</a:t>
+            </a:r>
             <a:br/>
             <a:br/>
+            <a:r>
+              <a:rPr b="0" lang="es-ES" sz="4400" spc="-1" strike="noStrike">
+                <a:solidFill>
+                  <a:srgbClr val="2b2d2e"/>
+                </a:solidFill>
+                <a:latin typeface="Arial"/>
+                <a:ea typeface="DejaVu Sans"/>
+              </a:rPr>
+              <a:t>¿Qué es Slim Framework?</a:t>
+            </a:r>
             <a:br/>
             <a:br/>
-            <a:br/>
-            <a:endParaRPr b="0" lang="es-ES" sz="2800" spc="-1" strike="noStrike">
+            <a:r>
+              <a:rPr b="0" lang="es-ES" sz="4400" spc="-1" strike="noStrike">
+                <a:solidFill>
+                  <a:srgbClr val="2b2d2e"/>
+                </a:solidFill>
+                <a:latin typeface="Arial"/>
+                <a:ea typeface="DejaVu Sans"/>
+              </a:rPr>
+              <a:t>Ejemplo de API REST con Slim</a:t>
+            </a:r>
+            <a:endParaRPr b="0" lang="es-ES" sz="4400" spc="-1" strike="noStrike">
               <a:latin typeface="Arial"/>
             </a:endParaRPr>
           </a:p>
@@ -11842,6 +12686,823 @@
           <p:childTnLst>
             <p:seq>
               <p:cTn id="4" nodeType="mainSeq"/>
+              <p:prevCondLst>
+                <p:cond delay="0" evt="onPrev">
+                  <p:tgtEl>
+                    <p:sldTgt/>
+                  </p:tgtEl>
+                </p:cond>
+              </p:prevCondLst>
+              <p:nextCondLst>
+                <p:cond delay="0" evt="onNext">
+                  <p:tgtEl>
+                    <p:sldTgt/>
+                  </p:tgtEl>
+                </p:cond>
+              </p:nextCondLst>
+            </p:seq>
+          </p:childTnLst>
+        </p:cTn>
+      </p:par>
+    </p:tnLst>
+  </p:timing>
+</p:sld>
+</file>
+
+<file path=ppt/slides/slide20.xml><?xml version="1.0" encoding="utf-8"?>
+<p:sld xmlns:a="http://schemas.openxmlformats.org/drawingml/2006/main" xmlns:p="http://schemas.openxmlformats.org/presentationml/2006/main" xmlns:r="http://schemas.openxmlformats.org/officeDocument/2006/relationships" xmlns:p14="http://schemas.microsoft.com/office/powerpoint/2010/main" xmlns:p15="http://schemas.microsoft.com/office/powerpoint/2012/main" xmlns:mc="http://schemas.openxmlformats.org/markup-compatibility/2006">
+  <p:cSld>
+    <p:spTree>
+      <p:nvGrpSpPr>
+        <p:cNvPr id="1" name=""/>
+        <p:cNvGrpSpPr/>
+        <p:nvPr/>
+      </p:nvGrpSpPr>
+      <p:grpSpPr>
+        <a:xfrm>
+          <a:off x="0" y="0"/>
+          <a:ext cx="0" cy="0"/>
+          <a:chOff x="0" y="0"/>
+          <a:chExt cx="0" cy="0"/>
+        </a:xfrm>
+      </p:grpSpPr>
+      <p:sp>
+        <p:nvSpPr>
+          <p:cNvPr id="251" name="CustomShape 1"/>
+          <p:cNvSpPr/>
+          <p:nvPr/>
+        </p:nvSpPr>
+        <p:spPr>
+          <a:xfrm>
+            <a:off x="311400" y="923040"/>
+            <a:ext cx="8505360" cy="5739480"/>
+          </a:xfrm>
+          <a:prstGeom prst="rect">
+            <a:avLst/>
+          </a:prstGeom>
+          <a:noFill/>
+          <a:ln>
+            <a:noFill/>
+          </a:ln>
+        </p:spPr>
+        <p:style>
+          <a:lnRef idx="0"/>
+          <a:fillRef idx="0"/>
+          <a:effectRef idx="0"/>
+          <a:fontRef idx="minor"/>
+        </p:style>
+        <p:txBody>
+          <a:bodyPr lIns="90000" rIns="90000" tIns="45000" bIns="45000"/>
+          <a:p>
+            <a:pPr>
+              <a:lnSpc>
+                <a:spcPct val="100000"/>
+              </a:lnSpc>
+              <a:spcBef>
+                <a:spcPts val="360"/>
+              </a:spcBef>
+            </a:pPr>
+            <a:r>
+              <a:rPr b="0" lang="es-ES" sz="1800" spc="-1" strike="noStrike">
+                <a:solidFill>
+                  <a:srgbClr val="5e6264"/>
+                </a:solidFill>
+                <a:latin typeface="Arial"/>
+                <a:ea typeface="DejaVu Sans"/>
+              </a:rPr>
+              <a:t>Elegir alguna de las siguientes opciones para realizar las preguntas, ejemplos:</a:t>
+            </a:r>
+            <a:endParaRPr b="0" lang="es-ES" sz="1800" spc="-1" strike="noStrike">
+              <a:latin typeface="Arial"/>
+            </a:endParaRPr>
+          </a:p>
+          <a:p>
+            <a:pPr>
+              <a:lnSpc>
+                <a:spcPct val="100000"/>
+              </a:lnSpc>
+              <a:spcBef>
+                <a:spcPts val="320"/>
+              </a:spcBef>
+            </a:pPr>
+            <a:r>
+              <a:rPr b="0" lang="es-ES" sz="1600" spc="-1" strike="noStrike" u="sng">
+                <a:solidFill>
+                  <a:srgbClr val="5e6264"/>
+                </a:solidFill>
+                <a:uFillTx/>
+                <a:latin typeface="Arial"/>
+                <a:ea typeface="DejaVu Sans"/>
+              </a:rPr>
+              <a:t>Pregunta 1</a:t>
+            </a:r>
+            <a:r>
+              <a:rPr b="0" lang="es-ES" sz="1600" spc="-1" strike="noStrike">
+                <a:solidFill>
+                  <a:srgbClr val="5e6264"/>
+                </a:solidFill>
+                <a:latin typeface="Arial"/>
+                <a:ea typeface="DejaVu Sans"/>
+              </a:rPr>
+              <a:t>: ¿Qué es Artisan?, Seleccione la rta correcta</a:t>
+            </a:r>
+            <a:endParaRPr b="0" lang="es-ES" sz="1600" spc="-1" strike="noStrike">
+              <a:latin typeface="Arial"/>
+            </a:endParaRPr>
+          </a:p>
+          <a:p>
+            <a:pPr lvl="1" marL="539640" indent="-177840">
+              <a:lnSpc>
+                <a:spcPct val="100000"/>
+              </a:lnSpc>
+              <a:spcBef>
+                <a:spcPts val="320"/>
+              </a:spcBef>
+              <a:buClr>
+                <a:srgbClr val="5e6264"/>
+              </a:buClr>
+              <a:buFont typeface="Arial Rounded MT Bold"/>
+              <a:buChar char="›"/>
+            </a:pPr>
+            <a:r>
+              <a:rPr b="0" lang="es-ES" sz="1600" spc="-1" strike="noStrike">
+                <a:solidFill>
+                  <a:srgbClr val="5e6264"/>
+                </a:solidFill>
+                <a:latin typeface="Arial"/>
+                <a:ea typeface="DejaVu Sans"/>
+              </a:rPr>
+              <a:t> </a:t>
+            </a:r>
+            <a:r>
+              <a:rPr b="0" lang="es-ES" sz="1600" spc="-1" strike="noStrike">
+                <a:solidFill>
+                  <a:srgbClr val="5e6264"/>
+                </a:solidFill>
+                <a:latin typeface="Arial"/>
+                <a:ea typeface="DejaVu Sans"/>
+              </a:rPr>
+              <a:t>A   -  un framework</a:t>
+            </a:r>
+            <a:endParaRPr b="0" lang="es-ES" sz="1600" spc="-1" strike="noStrike">
+              <a:latin typeface="Arial"/>
+            </a:endParaRPr>
+          </a:p>
+          <a:p>
+            <a:pPr lvl="1" marL="539640" indent="-177840">
+              <a:lnSpc>
+                <a:spcPct val="100000"/>
+              </a:lnSpc>
+              <a:spcBef>
+                <a:spcPts val="320"/>
+              </a:spcBef>
+              <a:buClr>
+                <a:srgbClr val="5e6264"/>
+              </a:buClr>
+              <a:buFont typeface="Arial Rounded MT Bold"/>
+              <a:buChar char="›"/>
+            </a:pPr>
+            <a:r>
+              <a:rPr b="0" lang="es-ES" sz="1600" spc="-1" strike="noStrike">
+                <a:solidFill>
+                  <a:srgbClr val="5e6264"/>
+                </a:solidFill>
+                <a:latin typeface="Arial"/>
+                <a:ea typeface="DejaVu Sans"/>
+              </a:rPr>
+              <a:t> </a:t>
+            </a:r>
+            <a:r>
+              <a:rPr b="0" lang="es-ES" sz="1600" spc="-1" strike="noStrike">
+                <a:solidFill>
+                  <a:srgbClr val="5e6264"/>
+                </a:solidFill>
+                <a:latin typeface="Arial"/>
+                <a:ea typeface="DejaVu Sans"/>
+              </a:rPr>
+              <a:t>B  - una Interfaz de Linea de Comandos (CLI)</a:t>
+            </a:r>
+            <a:endParaRPr b="0" lang="es-ES" sz="1600" spc="-1" strike="noStrike">
+              <a:latin typeface="Arial"/>
+            </a:endParaRPr>
+          </a:p>
+          <a:p>
+            <a:pPr lvl="1" marL="539640" indent="-177840">
+              <a:lnSpc>
+                <a:spcPct val="100000"/>
+              </a:lnSpc>
+              <a:spcBef>
+                <a:spcPts val="320"/>
+              </a:spcBef>
+              <a:buClr>
+                <a:srgbClr val="5e6264"/>
+              </a:buClr>
+              <a:buFont typeface="Arial Rounded MT Bold"/>
+              <a:buChar char="›"/>
+            </a:pPr>
+            <a:r>
+              <a:rPr b="0" lang="es-ES" sz="1600" spc="-1" strike="noStrike">
+                <a:solidFill>
+                  <a:srgbClr val="5e6264"/>
+                </a:solidFill>
+                <a:latin typeface="Arial"/>
+                <a:ea typeface="DejaVu Sans"/>
+              </a:rPr>
+              <a:t> </a:t>
+            </a:r>
+            <a:r>
+              <a:rPr b="0" lang="es-ES" sz="1600" spc="-1" strike="noStrike">
+                <a:solidFill>
+                  <a:srgbClr val="5e6264"/>
+                </a:solidFill>
+                <a:latin typeface="Arial"/>
+                <a:ea typeface="DejaVu Sans"/>
+              </a:rPr>
+              <a:t>C - un lenguaje de programacion</a:t>
+            </a:r>
+            <a:endParaRPr b="0" lang="es-ES" sz="1600" spc="-1" strike="noStrike">
+              <a:latin typeface="Arial"/>
+            </a:endParaRPr>
+          </a:p>
+          <a:p>
+            <a:pPr>
+              <a:lnSpc>
+                <a:spcPct val="100000"/>
+              </a:lnSpc>
+              <a:spcBef>
+                <a:spcPts val="320"/>
+              </a:spcBef>
+            </a:pPr>
+            <a:r>
+              <a:rPr b="0" lang="es-ES" sz="1600" spc="-1" strike="noStrike" u="sng">
+                <a:solidFill>
+                  <a:srgbClr val="5e6264"/>
+                </a:solidFill>
+                <a:uFillTx/>
+                <a:latin typeface="Arial"/>
+                <a:ea typeface="DejaVu Sans"/>
+              </a:rPr>
+              <a:t>Pregunta 2</a:t>
+            </a:r>
+            <a:r>
+              <a:rPr b="0" lang="es-ES" sz="1600" spc="-1" strike="noStrike">
+                <a:solidFill>
+                  <a:srgbClr val="5e6264"/>
+                </a:solidFill>
+                <a:latin typeface="Arial"/>
+                <a:ea typeface="DejaVu Sans"/>
+              </a:rPr>
+              <a:t>: , Verdadero o Falso</a:t>
+            </a:r>
+            <a:endParaRPr b="0" lang="es-ES" sz="1600" spc="-1" strike="noStrike">
+              <a:latin typeface="Arial"/>
+            </a:endParaRPr>
+          </a:p>
+          <a:p>
+            <a:pPr lvl="1" marL="539640" indent="-177840">
+              <a:lnSpc>
+                <a:spcPct val="100000"/>
+              </a:lnSpc>
+              <a:spcBef>
+                <a:spcPts val="320"/>
+              </a:spcBef>
+              <a:buClr>
+                <a:srgbClr val="5e6264"/>
+              </a:buClr>
+              <a:buFont typeface="Arial Rounded MT Bold"/>
+              <a:buChar char="›"/>
+            </a:pPr>
+            <a:r>
+              <a:rPr b="0" lang="es-ES" sz="1600" spc="-1" strike="noStrike">
+                <a:solidFill>
+                  <a:srgbClr val="5e6264"/>
+                </a:solidFill>
+                <a:latin typeface="Arial"/>
+                <a:ea typeface="DejaVu Sans"/>
+              </a:rPr>
+              <a:t> </a:t>
+            </a:r>
+            <a:r>
+              <a:rPr b="0" lang="es-ES" sz="1600" spc="-1" strike="noStrike">
+                <a:solidFill>
+                  <a:srgbClr val="5e6264"/>
+                </a:solidFill>
+                <a:latin typeface="Arial"/>
+                <a:ea typeface="DejaVu Sans"/>
+              </a:rPr>
+              <a:t>A - se puede correr laravel sin PHP instalado</a:t>
+            </a:r>
+            <a:endParaRPr b="0" lang="es-ES" sz="1600" spc="-1" strike="noStrike">
+              <a:latin typeface="Arial"/>
+            </a:endParaRPr>
+          </a:p>
+          <a:p>
+            <a:pPr lvl="1" marL="539640" indent="-177840">
+              <a:lnSpc>
+                <a:spcPct val="100000"/>
+              </a:lnSpc>
+              <a:spcBef>
+                <a:spcPts val="320"/>
+              </a:spcBef>
+              <a:buClr>
+                <a:srgbClr val="5e6264"/>
+              </a:buClr>
+              <a:buFont typeface="Arial Rounded MT Bold"/>
+              <a:buChar char="›"/>
+            </a:pPr>
+            <a:r>
+              <a:rPr b="0" lang="es-ES" sz="1600" spc="-1" strike="noStrike">
+                <a:solidFill>
+                  <a:srgbClr val="5e6264"/>
+                </a:solidFill>
+                <a:latin typeface="Arial"/>
+                <a:ea typeface="DejaVu Sans"/>
+              </a:rPr>
+              <a:t> </a:t>
+            </a:r>
+            <a:r>
+              <a:rPr b="0" lang="es-ES" sz="1600" spc="-1" strike="noStrike">
+                <a:solidFill>
+                  <a:srgbClr val="5e6264"/>
+                </a:solidFill>
+                <a:latin typeface="Arial"/>
+                <a:ea typeface="DejaVu Sans"/>
+              </a:rPr>
+              <a:t>B- Eloquent es un ORM active record</a:t>
+            </a:r>
+            <a:endParaRPr b="0" lang="es-ES" sz="1600" spc="-1" strike="noStrike">
+              <a:latin typeface="Arial"/>
+            </a:endParaRPr>
+          </a:p>
+          <a:p>
+            <a:pPr>
+              <a:lnSpc>
+                <a:spcPct val="100000"/>
+              </a:lnSpc>
+              <a:spcBef>
+                <a:spcPts val="320"/>
+              </a:spcBef>
+            </a:pPr>
+            <a:r>
+              <a:rPr b="0" lang="es-ES" sz="1600" spc="-1" strike="noStrike" u="sng">
+                <a:solidFill>
+                  <a:srgbClr val="5e6264"/>
+                </a:solidFill>
+                <a:uFillTx/>
+                <a:latin typeface="Arial"/>
+                <a:ea typeface="DejaVu Sans"/>
+              </a:rPr>
+              <a:t>Pregunta 3</a:t>
+            </a:r>
+            <a:r>
+              <a:rPr b="0" lang="es-ES" sz="1600" spc="-1" strike="noStrike">
+                <a:solidFill>
+                  <a:srgbClr val="5e6264"/>
+                </a:solidFill>
+                <a:latin typeface="Arial"/>
+                <a:ea typeface="DejaVu Sans"/>
+              </a:rPr>
+              <a:t>: ¿Puedo crear controladores usando composer?</a:t>
+            </a:r>
+            <a:endParaRPr b="0" lang="es-ES" sz="1600" spc="-1" strike="noStrike">
+              <a:latin typeface="Arial"/>
+            </a:endParaRPr>
+          </a:p>
+          <a:p>
+            <a:pPr lvl="1" marL="539640" indent="-177840">
+              <a:lnSpc>
+                <a:spcPct val="100000"/>
+              </a:lnSpc>
+              <a:spcBef>
+                <a:spcPts val="320"/>
+              </a:spcBef>
+              <a:buClr>
+                <a:srgbClr val="5e6264"/>
+              </a:buClr>
+              <a:buFont typeface="Arial Rounded MT Bold"/>
+              <a:buChar char="›"/>
+            </a:pPr>
+            <a:r>
+              <a:rPr b="0" lang="es-ES" sz="1600" spc="-1" strike="noStrike">
+                <a:solidFill>
+                  <a:srgbClr val="5e6264"/>
+                </a:solidFill>
+                <a:latin typeface="Arial"/>
+                <a:ea typeface="DejaVu Sans"/>
+              </a:rPr>
+              <a:t> </a:t>
+            </a:r>
+            <a:r>
+              <a:rPr b="0" lang="es-ES" sz="1600" spc="-1" strike="noStrike">
+                <a:solidFill>
+                  <a:srgbClr val="5e6264"/>
+                </a:solidFill>
+                <a:latin typeface="Arial"/>
+                <a:ea typeface="DejaVu Sans"/>
+              </a:rPr>
+              <a:t>SI</a:t>
+            </a:r>
+            <a:endParaRPr b="0" lang="es-ES" sz="1600" spc="-1" strike="noStrike">
+              <a:latin typeface="Arial"/>
+            </a:endParaRPr>
+          </a:p>
+          <a:p>
+            <a:pPr lvl="1" marL="539640" indent="-177840">
+              <a:lnSpc>
+                <a:spcPct val="100000"/>
+              </a:lnSpc>
+              <a:spcBef>
+                <a:spcPts val="320"/>
+              </a:spcBef>
+              <a:buClr>
+                <a:srgbClr val="5e6264"/>
+              </a:buClr>
+              <a:buFont typeface="Arial Rounded MT Bold"/>
+              <a:buChar char="›"/>
+            </a:pPr>
+            <a:r>
+              <a:rPr b="0" lang="es-ES" sz="1600" spc="-1" strike="noStrike">
+                <a:solidFill>
+                  <a:srgbClr val="5e6264"/>
+                </a:solidFill>
+                <a:latin typeface="Arial"/>
+                <a:ea typeface="DejaVu Sans"/>
+              </a:rPr>
+              <a:t> </a:t>
+            </a:r>
+            <a:r>
+              <a:rPr b="0" lang="es-ES" sz="1600" spc="-1" strike="noStrike">
+                <a:solidFill>
+                  <a:srgbClr val="5e6264"/>
+                </a:solidFill>
+                <a:latin typeface="Arial"/>
+                <a:ea typeface="DejaVu Sans"/>
+              </a:rPr>
+              <a:t>NO</a:t>
+            </a:r>
+            <a:endParaRPr b="0" lang="es-ES" sz="1600" spc="-1" strike="noStrike">
+              <a:latin typeface="Arial"/>
+            </a:endParaRPr>
+          </a:p>
+          <a:p>
+            <a:pPr>
+              <a:lnSpc>
+                <a:spcPct val="100000"/>
+              </a:lnSpc>
+              <a:spcBef>
+                <a:spcPts val="320"/>
+              </a:spcBef>
+            </a:pPr>
+            <a:r>
+              <a:rPr b="0" lang="es-ES" sz="1600" spc="-1" strike="noStrike" u="sng">
+                <a:solidFill>
+                  <a:srgbClr val="5e6264"/>
+                </a:solidFill>
+                <a:uFillTx/>
+                <a:latin typeface="Arial"/>
+                <a:ea typeface="DejaVu Sans"/>
+              </a:rPr>
+              <a:t>Pregunta 4</a:t>
+            </a:r>
+            <a:r>
+              <a:rPr b="0" lang="es-ES" sz="1600" spc="-1" strike="noStrike">
+                <a:solidFill>
+                  <a:srgbClr val="5e6264"/>
+                </a:solidFill>
+                <a:latin typeface="Arial"/>
+                <a:ea typeface="DejaVu Sans"/>
+              </a:rPr>
+              <a:t>: ¿Puedo crear controladores usando artisan?</a:t>
+            </a:r>
+            <a:endParaRPr b="0" lang="es-ES" sz="1600" spc="-1" strike="noStrike">
+              <a:latin typeface="Arial"/>
+            </a:endParaRPr>
+          </a:p>
+          <a:p>
+            <a:pPr lvl="1" marL="539640" indent="-177840">
+              <a:lnSpc>
+                <a:spcPct val="100000"/>
+              </a:lnSpc>
+              <a:spcBef>
+                <a:spcPts val="320"/>
+              </a:spcBef>
+              <a:buClr>
+                <a:srgbClr val="5e6264"/>
+              </a:buClr>
+              <a:buFont typeface="Arial Rounded MT Bold"/>
+              <a:buChar char="›"/>
+            </a:pPr>
+            <a:r>
+              <a:rPr b="0" lang="es-ES" sz="1600" spc="-1" strike="noStrike">
+                <a:solidFill>
+                  <a:srgbClr val="5e6264"/>
+                </a:solidFill>
+                <a:latin typeface="Arial"/>
+                <a:ea typeface="DejaVu Sans"/>
+              </a:rPr>
+              <a:t> </a:t>
+            </a:r>
+            <a:r>
+              <a:rPr b="0" lang="es-ES" sz="1600" spc="-1" strike="noStrike">
+                <a:solidFill>
+                  <a:srgbClr val="5e6264"/>
+                </a:solidFill>
+                <a:latin typeface="Arial"/>
+                <a:ea typeface="DejaVu Sans"/>
+              </a:rPr>
+              <a:t>SI</a:t>
+            </a:r>
+            <a:endParaRPr b="0" lang="es-ES" sz="1600" spc="-1" strike="noStrike">
+              <a:latin typeface="Arial"/>
+            </a:endParaRPr>
+          </a:p>
+          <a:p>
+            <a:pPr lvl="1" marL="539640" indent="-177840">
+              <a:lnSpc>
+                <a:spcPct val="100000"/>
+              </a:lnSpc>
+              <a:spcBef>
+                <a:spcPts val="320"/>
+              </a:spcBef>
+              <a:buClr>
+                <a:srgbClr val="5e6264"/>
+              </a:buClr>
+              <a:buFont typeface="Arial Rounded MT Bold"/>
+              <a:buChar char="›"/>
+            </a:pPr>
+            <a:r>
+              <a:rPr b="0" lang="es-ES" sz="1600" spc="-1" strike="noStrike">
+                <a:solidFill>
+                  <a:srgbClr val="5e6264"/>
+                </a:solidFill>
+                <a:latin typeface="Arial"/>
+                <a:ea typeface="DejaVu Sans"/>
+              </a:rPr>
+              <a:t> </a:t>
+            </a:r>
+            <a:r>
+              <a:rPr b="0" lang="es-ES" sz="1600" spc="-1" strike="noStrike">
+                <a:solidFill>
+                  <a:srgbClr val="5e6264"/>
+                </a:solidFill>
+                <a:latin typeface="Arial"/>
+                <a:ea typeface="DejaVu Sans"/>
+              </a:rPr>
+              <a:t>NO</a:t>
+            </a:r>
+            <a:endParaRPr b="0" lang="es-ES" sz="1600" spc="-1" strike="noStrike">
+              <a:latin typeface="Arial"/>
+            </a:endParaRPr>
+          </a:p>
+          <a:p>
+            <a:pPr>
+              <a:lnSpc>
+                <a:spcPct val="100000"/>
+              </a:lnSpc>
+              <a:spcBef>
+                <a:spcPts val="320"/>
+              </a:spcBef>
+            </a:pPr>
+            <a:r>
+              <a:rPr b="0" lang="es-ES" sz="1600" spc="-1" strike="noStrike" u="sng">
+                <a:solidFill>
+                  <a:srgbClr val="5e6264"/>
+                </a:solidFill>
+                <a:uFillTx/>
+                <a:latin typeface="Arial"/>
+                <a:ea typeface="DejaVu Sans"/>
+              </a:rPr>
+              <a:t>Pregunta 5</a:t>
+            </a:r>
+            <a:r>
+              <a:rPr b="0" lang="es-ES" sz="1600" spc="-1" strike="noStrike">
+                <a:solidFill>
+                  <a:srgbClr val="5e6264"/>
+                </a:solidFill>
+                <a:latin typeface="Arial"/>
+                <a:ea typeface="DejaVu Sans"/>
+              </a:rPr>
+              <a:t>: ¿Se pueden tener conexiones MySql, PosgreSql y Ms-SQL en una misma aplicacion? </a:t>
+            </a:r>
+            <a:endParaRPr b="0" lang="es-ES" sz="1600" spc="-1" strike="noStrike">
+              <a:latin typeface="Arial"/>
+            </a:endParaRPr>
+          </a:p>
+          <a:p>
+            <a:pPr lvl="1" marL="539640" indent="-177840">
+              <a:lnSpc>
+                <a:spcPct val="100000"/>
+              </a:lnSpc>
+              <a:spcBef>
+                <a:spcPts val="320"/>
+              </a:spcBef>
+              <a:buClr>
+                <a:srgbClr val="5e6264"/>
+              </a:buClr>
+              <a:buFont typeface="Arial Rounded MT Bold"/>
+              <a:buChar char="›"/>
+            </a:pPr>
+            <a:r>
+              <a:rPr b="0" lang="es-ES" sz="1600" spc="-1" strike="noStrike">
+                <a:solidFill>
+                  <a:srgbClr val="5e6264"/>
+                </a:solidFill>
+                <a:latin typeface="Arial"/>
+                <a:ea typeface="DejaVu Sans"/>
+              </a:rPr>
+              <a:t> </a:t>
+            </a:r>
+            <a:r>
+              <a:rPr b="0" lang="es-ES" sz="1600" spc="-1" strike="noStrike">
+                <a:solidFill>
+                  <a:srgbClr val="5e6264"/>
+                </a:solidFill>
+                <a:latin typeface="Arial"/>
+                <a:ea typeface="DejaVu Sans"/>
+              </a:rPr>
+              <a:t>SI</a:t>
+            </a:r>
+            <a:endParaRPr b="0" lang="es-ES" sz="1600" spc="-1" strike="noStrike">
+              <a:latin typeface="Arial"/>
+            </a:endParaRPr>
+          </a:p>
+          <a:p>
+            <a:pPr lvl="1" marL="539640" indent="-177840">
+              <a:lnSpc>
+                <a:spcPct val="100000"/>
+              </a:lnSpc>
+              <a:spcBef>
+                <a:spcPts val="320"/>
+              </a:spcBef>
+              <a:buClr>
+                <a:srgbClr val="5e6264"/>
+              </a:buClr>
+              <a:buFont typeface="Arial Rounded MT Bold"/>
+              <a:buChar char="›"/>
+            </a:pPr>
+            <a:r>
+              <a:rPr b="0" lang="es-ES" sz="1600" spc="-1" strike="noStrike">
+                <a:solidFill>
+                  <a:srgbClr val="5e6264"/>
+                </a:solidFill>
+                <a:latin typeface="Arial"/>
+                <a:ea typeface="DejaVu Sans"/>
+              </a:rPr>
+              <a:t> </a:t>
+            </a:r>
+            <a:r>
+              <a:rPr b="0" lang="es-ES" sz="1600" spc="-1" strike="noStrike">
+                <a:solidFill>
+                  <a:srgbClr val="5e6264"/>
+                </a:solidFill>
+                <a:latin typeface="Arial"/>
+                <a:ea typeface="DejaVu Sans"/>
+              </a:rPr>
+              <a:t>NO</a:t>
+            </a:r>
+            <a:endParaRPr b="0" lang="es-ES" sz="1600" spc="-1" strike="noStrike">
+              <a:latin typeface="Arial"/>
+            </a:endParaRPr>
+          </a:p>
+          <a:p>
+            <a:pPr>
+              <a:lnSpc>
+                <a:spcPct val="100000"/>
+              </a:lnSpc>
+            </a:pPr>
+            <a:endParaRPr b="0" lang="es-ES" sz="1600" spc="-1" strike="noStrike">
+              <a:latin typeface="Arial"/>
+            </a:endParaRPr>
+          </a:p>
+        </p:txBody>
+      </p:sp>
+      <p:sp>
+        <p:nvSpPr>
+          <p:cNvPr id="252" name="CustomShape 2"/>
+          <p:cNvSpPr/>
+          <p:nvPr/>
+        </p:nvSpPr>
+        <p:spPr>
+          <a:xfrm>
+            <a:off x="496080" y="199800"/>
+            <a:ext cx="4360320" cy="491760"/>
+          </a:xfrm>
+          <a:prstGeom prst="rect">
+            <a:avLst/>
+          </a:prstGeom>
+          <a:noFill/>
+          <a:ln w="9360">
+            <a:noFill/>
+          </a:ln>
+        </p:spPr>
+        <p:style>
+          <a:lnRef idx="0"/>
+          <a:fillRef idx="0"/>
+          <a:effectRef idx="0"/>
+          <a:fontRef idx="minor"/>
+        </p:style>
+        <p:txBody>
+          <a:bodyPr lIns="90000" rIns="90000" tIns="45000" bIns="45000" anchor="b"/>
+          <a:p>
+            <a:pPr>
+              <a:lnSpc>
+                <a:spcPct val="100000"/>
+              </a:lnSpc>
+            </a:pPr>
+            <a:r>
+              <a:rPr b="0" lang="es-ES" sz="2800" spc="-1" strike="noStrike">
+                <a:solidFill>
+                  <a:srgbClr val="004569"/>
+                </a:solidFill>
+                <a:latin typeface="Arial"/>
+                <a:ea typeface="DejaVu Sans"/>
+              </a:rPr>
+              <a:t>Multiple </a:t>
+            </a:r>
+            <a:r>
+              <a:rPr b="0" lang="es-ES" sz="2400" spc="-1" strike="noStrike">
+                <a:solidFill>
+                  <a:srgbClr val="004569"/>
+                </a:solidFill>
+                <a:latin typeface="Arial"/>
+                <a:ea typeface="DejaVu Sans"/>
+              </a:rPr>
+              <a:t>Choice</a:t>
+            </a:r>
+            <a:r>
+              <a:rPr b="0" lang="es-ES" sz="2800" spc="-1" strike="noStrike">
+                <a:solidFill>
+                  <a:srgbClr val="004569"/>
+                </a:solidFill>
+                <a:latin typeface="Arial"/>
+                <a:ea typeface="DejaVu Sans"/>
+              </a:rPr>
+              <a:t>:</a:t>
+            </a:r>
+            <a:endParaRPr b="0" lang="es-ES" sz="2800" spc="-1" strike="noStrike">
+              <a:latin typeface="Arial"/>
+            </a:endParaRPr>
+          </a:p>
+        </p:txBody>
+      </p:sp>
+      <p:sp>
+        <p:nvSpPr>
+          <p:cNvPr id="253" name="CustomShape 3"/>
+          <p:cNvSpPr/>
+          <p:nvPr/>
+        </p:nvSpPr>
+        <p:spPr>
+          <a:xfrm>
+            <a:off x="395640" y="6520320"/>
+            <a:ext cx="358200" cy="219240"/>
+          </a:xfrm>
+          <a:prstGeom prst="rect">
+            <a:avLst/>
+          </a:prstGeom>
+          <a:noFill/>
+          <a:ln>
+            <a:noFill/>
+          </a:ln>
+        </p:spPr>
+        <p:style>
+          <a:lnRef idx="0"/>
+          <a:fillRef idx="0"/>
+          <a:effectRef idx="0"/>
+          <a:fontRef idx="minor"/>
+        </p:style>
+        <p:txBody>
+          <a:bodyPr lIns="90000" rIns="90000" tIns="45000" bIns="45000" anchor="ctr"/>
+          <a:p>
+            <a:pPr algn="r">
+              <a:lnSpc>
+                <a:spcPct val="100000"/>
+              </a:lnSpc>
+            </a:pPr>
+            <a:fld id="{81E47A0A-D316-4309-AEA9-02974419AEAA}" type="slidenum">
+              <a:rPr b="1" lang="es-ES" sz="800" spc="-1" strike="noStrike">
+                <a:solidFill>
+                  <a:srgbClr val="004569"/>
+                </a:solidFill>
+                <a:latin typeface="Arial"/>
+                <a:ea typeface="DejaVu Sans"/>
+              </a:rPr>
+              <a:t>&lt;número&gt;</a:t>
+            </a:fld>
+            <a:endParaRPr b="0" lang="es-ES" sz="800" spc="-1" strike="noStrike">
+              <a:latin typeface="Arial"/>
+            </a:endParaRPr>
+          </a:p>
+        </p:txBody>
+      </p:sp>
+    </p:spTree>
+  </p:cSld>
+  <p:timing>
+    <p:tnLst>
+      <p:par>
+        <p:cTn id="39" dur="indefinite" restart="never" nodeType="tmRoot">
+          <p:childTnLst>
+            <p:seq>
+              <p:cTn id="40" nodeType="mainSeq"/>
               <p:prevCondLst>
                 <p:cond delay="0" evt="onPrev">
                   <p:tgtEl>
@@ -11890,8 +13551,8 @@
         </p:nvSpPr>
         <p:spPr>
           <a:xfrm>
-            <a:off x="371160" y="643680"/>
-            <a:ext cx="8402040" cy="5571000"/>
+            <a:off x="371160" y="994680"/>
+            <a:ext cx="8401320" cy="5570280"/>
           </a:xfrm>
           <a:prstGeom prst="rect">
             <a:avLst/>
@@ -11908,19 +13569,9 @@
           <a:fontRef idx="minor"/>
         </p:style>
         <p:txBody>
-          <a:bodyPr lIns="90000" rIns="90000" tIns="45000" bIns="45000">
+          <a:bodyPr lIns="90000" rIns="90000" tIns="45000" bIns="45000" anchor="ctr">
             <a:normAutofit/>
           </a:bodyPr>
-          <a:p>
-            <a:pPr>
-              <a:lnSpc>
-                <a:spcPct val="80000"/>
-              </a:lnSpc>
-            </a:pPr>
-            <a:endParaRPr b="0" lang="es-ES" sz="1800" spc="-1" strike="noStrike">
-              <a:latin typeface="Arial"/>
-            </a:endParaRPr>
-          </a:p>
           <a:p>
             <a:pPr>
               <a:lnSpc>
@@ -11935,7 +13586,7 @@
                 <a:latin typeface="Arial"/>
                 <a:ea typeface="DejaVu Sans"/>
               </a:rPr>
-              <a:t>Características </a:t>
+              <a:t>Qué es una API? </a:t>
             </a:r>
             <a:endParaRPr b="0" lang="es-ES" sz="4400" spc="-1" strike="noStrike">
               <a:latin typeface="Arial"/>
@@ -11944,19 +13595,9 @@
           <a:p>
             <a:pPr>
               <a:lnSpc>
-                <a:spcPct val="80000"/>
-              </a:lnSpc>
-            </a:pPr>
-            <a:r>
-              <a:rPr b="0" lang="es-ES" sz="4400" spc="-1" strike="noStrike">
-                <a:solidFill>
-                  <a:srgbClr val="ffffff"/>
-                </a:solidFill>
-                <a:latin typeface="Arial"/>
-                <a:ea typeface="DejaVu Sans"/>
-              </a:rPr>
-              <a:t>API REST</a:t>
-            </a:r>
+                <a:spcPct val="100000"/>
+              </a:lnSpc>
+            </a:pPr>
             <a:endParaRPr b="0" lang="es-ES" sz="4400" spc="-1" strike="noStrike">
               <a:latin typeface="Arial"/>
             </a:endParaRPr>
@@ -11964,180 +13605,20 @@
           <a:p>
             <a:pPr>
               <a:lnSpc>
-                <a:spcPct val="80000"/>
-              </a:lnSpc>
-            </a:pPr>
-            <a:endParaRPr b="0" lang="es-ES" sz="4400" spc="-1" strike="noStrike">
-              <a:latin typeface="Arial"/>
-            </a:endParaRPr>
-          </a:p>
-          <a:p>
-            <a:pPr>
-              <a:lnSpc>
-                <a:spcPct val="80000"/>
-              </a:lnSpc>
-            </a:pPr>
-            <a:r>
-              <a:rPr b="0" lang="es-ES" sz="2800" spc="-1" strike="noStrike">
+                <a:spcPct val="100000"/>
+              </a:lnSpc>
+            </a:pPr>
+            <a:r>
+              <a:rPr b="0" lang="es-ES" sz="3200" spc="-1" strike="noStrike">
                 <a:solidFill>
                   <a:srgbClr val="2b2d2e"/>
                 </a:solidFill>
                 <a:latin typeface="Arial"/>
                 <a:ea typeface="DejaVu Sans"/>
               </a:rPr>
-              <a:t>&gt; Se basa en los métodos GET,POST,PUT , DELETE y PATCH</a:t>
-            </a:r>
-            <a:endParaRPr b="0" lang="es-ES" sz="2800" spc="-1" strike="noStrike">
-              <a:latin typeface="Arial"/>
-            </a:endParaRPr>
-          </a:p>
-          <a:p>
-            <a:pPr>
-              <a:lnSpc>
-                <a:spcPct val="80000"/>
-              </a:lnSpc>
-            </a:pPr>
-            <a:endParaRPr b="0" lang="es-ES" sz="2800" spc="-1" strike="noStrike">
-              <a:latin typeface="Arial"/>
-            </a:endParaRPr>
-          </a:p>
-          <a:p>
-            <a:pPr>
-              <a:lnSpc>
-                <a:spcPct val="80000"/>
-              </a:lnSpc>
-            </a:pPr>
-            <a:r>
-              <a:rPr b="0" lang="es-ES" sz="2800" spc="-1" strike="noStrike">
-                <a:solidFill>
-                  <a:srgbClr val="2b2d2e"/>
-                </a:solidFill>
-                <a:latin typeface="Arial"/>
-                <a:ea typeface="DejaVu Sans"/>
-              </a:rPr>
-              <a:t>GET: consulta la información de un recurso.</a:t>
-            </a:r>
-            <a:endParaRPr b="0" lang="es-ES" sz="2800" spc="-1" strike="noStrike">
-              <a:latin typeface="Arial"/>
-            </a:endParaRPr>
-          </a:p>
-          <a:p>
-            <a:pPr>
-              <a:lnSpc>
-                <a:spcPct val="80000"/>
-              </a:lnSpc>
-            </a:pPr>
-            <a:endParaRPr b="0" lang="es-ES" sz="2800" spc="-1" strike="noStrike">
-              <a:latin typeface="Arial"/>
-            </a:endParaRPr>
-          </a:p>
-          <a:p>
-            <a:pPr>
-              <a:lnSpc>
-                <a:spcPct val="80000"/>
-              </a:lnSpc>
-            </a:pPr>
-            <a:r>
-              <a:rPr b="0" lang="es-ES" sz="2800" spc="-1" strike="noStrike">
-                <a:solidFill>
-                  <a:srgbClr val="2b2d2e"/>
-                </a:solidFill>
-                <a:latin typeface="Arial"/>
-                <a:ea typeface="DejaVu Sans"/>
-              </a:rPr>
-              <a:t>POST: crea un nuevo recurso.</a:t>
-            </a:r>
-            <a:endParaRPr b="0" lang="es-ES" sz="2800" spc="-1" strike="noStrike">
-              <a:latin typeface="Arial"/>
-            </a:endParaRPr>
-          </a:p>
-          <a:p>
-            <a:pPr>
-              <a:lnSpc>
-                <a:spcPct val="80000"/>
-              </a:lnSpc>
-            </a:pPr>
-            <a:endParaRPr b="0" lang="es-ES" sz="2800" spc="-1" strike="noStrike">
-              <a:latin typeface="Arial"/>
-            </a:endParaRPr>
-          </a:p>
-          <a:p>
-            <a:pPr>
-              <a:lnSpc>
-                <a:spcPct val="80000"/>
-              </a:lnSpc>
-            </a:pPr>
-            <a:r>
-              <a:rPr b="0" lang="es-ES" sz="2800" spc="-1" strike="noStrike">
-                <a:solidFill>
-                  <a:srgbClr val="2b2d2e"/>
-                </a:solidFill>
-                <a:latin typeface="Arial"/>
-                <a:ea typeface="DejaVu Sans"/>
-              </a:rPr>
-              <a:t>PUT: modifica un recurso existente.</a:t>
-            </a:r>
-            <a:endParaRPr b="0" lang="es-ES" sz="2800" spc="-1" strike="noStrike">
-              <a:latin typeface="Arial"/>
-            </a:endParaRPr>
-          </a:p>
-          <a:p>
-            <a:pPr>
-              <a:lnSpc>
-                <a:spcPct val="80000"/>
-              </a:lnSpc>
-            </a:pPr>
-            <a:endParaRPr b="0" lang="es-ES" sz="2800" spc="-1" strike="noStrike">
-              <a:latin typeface="Arial"/>
-            </a:endParaRPr>
-          </a:p>
-          <a:p>
-            <a:pPr>
-              <a:lnSpc>
-                <a:spcPct val="80000"/>
-              </a:lnSpc>
-            </a:pPr>
-            <a:r>
-              <a:rPr b="0" lang="es-ES" sz="2800" spc="-1" strike="noStrike">
-                <a:solidFill>
-                  <a:srgbClr val="2b2d2e"/>
-                </a:solidFill>
-                <a:latin typeface="Arial"/>
-                <a:ea typeface="DejaVu Sans"/>
-              </a:rPr>
-              <a:t>DELETE: elimina un recurso existente.</a:t>
-            </a:r>
-            <a:endParaRPr b="0" lang="es-ES" sz="2800" spc="-1" strike="noStrike">
-              <a:latin typeface="Arial"/>
-            </a:endParaRPr>
-          </a:p>
-          <a:p>
-            <a:pPr>
-              <a:lnSpc>
-                <a:spcPct val="80000"/>
-              </a:lnSpc>
-            </a:pPr>
-            <a:endParaRPr b="0" lang="es-ES" sz="2800" spc="-1" strike="noStrike">
-              <a:latin typeface="Arial"/>
-            </a:endParaRPr>
-          </a:p>
-          <a:p>
-            <a:pPr>
-              <a:lnSpc>
-                <a:spcPct val="80000"/>
-              </a:lnSpc>
-            </a:pPr>
-            <a:r>
-              <a:rPr b="0" lang="es-ES" sz="2800" spc="-1" strike="noStrike">
-                <a:solidFill>
-                  <a:srgbClr val="2b2d2e"/>
-                </a:solidFill>
-                <a:latin typeface="Arial"/>
-                <a:ea typeface="DejaVu Sans"/>
-              </a:rPr>
-              <a:t>PATCH: aplica modificaciones parciales a un recurso.</a:t>
-            </a:r>
-            <a:endParaRPr b="0" lang="es-ES" sz="2800" spc="-1" strike="noStrike">
+              <a:t>Una API (‘Application Programming Interface’) es un conjunto de reglas y especificaciones que permiten la comunicación entre distintos  sistemas. Muchas veces la comunicación es entre humano-software.</a:t>
+            </a:r>
+            <a:endParaRPr b="0" lang="es-ES" sz="3200" spc="-1" strike="noStrike">
               <a:latin typeface="Arial"/>
             </a:endParaRPr>
           </a:p>
@@ -12152,7 +13633,7 @@
             <a:br/>
             <a:br/>
             <a:br/>
-            <a:endParaRPr b="0" lang="es-ES" sz="2800" spc="-1" strike="noStrike">
+            <a:endParaRPr b="0" lang="es-ES" sz="3200" spc="-1" strike="noStrike">
               <a:latin typeface="Arial"/>
             </a:endParaRPr>
           </a:p>
@@ -12215,8 +13696,8 @@
         </p:nvSpPr>
         <p:spPr>
           <a:xfrm>
-            <a:off x="467640" y="620640"/>
-            <a:ext cx="8402040" cy="5571000"/>
+            <a:off x="216000" y="1008000"/>
+            <a:ext cx="8207640" cy="5111640"/>
           </a:xfrm>
           <a:prstGeom prst="rect">
             <a:avLst/>
@@ -12233,7 +13714,7 @@
           <a:fontRef idx="minor"/>
         </p:style>
         <p:txBody>
-          <a:bodyPr lIns="90000" rIns="90000" tIns="45000" bIns="45000">
+          <a:bodyPr lIns="90000" rIns="90000" tIns="45000" bIns="45000" anchor="ctr">
             <a:normAutofit/>
           </a:bodyPr>
           <a:p>
@@ -12250,141 +13731,49 @@
                 <a:latin typeface="Arial"/>
                 <a:ea typeface="DejaVu Sans"/>
               </a:rPr>
-              <a:t>Introducción</a:t>
-            </a:r>
-            <a:br/>
-            <a:br/>
-            <a:r>
-              <a:rPr b="0" lang="es-ES" sz="4400" spc="-1" strike="noStrike">
+              <a:t>Qué es REST?</a:t>
+            </a:r>
+            <a:r>
+              <a:rPr b="0" lang="es-ES" sz="4000" spc="-1" strike="noStrike">
                 <a:solidFill>
                   <a:srgbClr val="ffffff"/>
                 </a:solidFill>
                 <a:latin typeface="Arial"/>
                 <a:ea typeface="DejaVu Sans"/>
               </a:rPr>
-              <a:t>¿Qué es API REST?</a:t>
-            </a:r>
-            <a:endParaRPr b="0" lang="es-ES" sz="4400" spc="-1" strike="noStrike">
+              <a:t> </a:t>
+            </a:r>
+            <a:endParaRPr b="0" lang="es-ES" sz="4000" spc="-1" strike="noStrike">
               <a:latin typeface="Arial"/>
             </a:endParaRPr>
           </a:p>
           <a:p>
             <a:pPr>
               <a:lnSpc>
-                <a:spcPct val="80000"/>
-              </a:lnSpc>
-            </a:pPr>
-            <a:endParaRPr b="0" lang="es-ES" sz="4400" spc="-1" strike="noStrike">
+                <a:spcPct val="100000"/>
+              </a:lnSpc>
+            </a:pPr>
+            <a:endParaRPr b="0" lang="es-ES" sz="4000" spc="-1" strike="noStrike">
               <a:latin typeface="Arial"/>
             </a:endParaRPr>
           </a:p>
           <a:p>
             <a:pPr>
               <a:lnSpc>
-                <a:spcPct val="80000"/>
-              </a:lnSpc>
-            </a:pPr>
-            <a:r>
-              <a:rPr b="0" lang="es-ES" sz="2800" spc="-1" strike="noStrike">
+                <a:spcPct val="100000"/>
+              </a:lnSpc>
+            </a:pPr>
+            <a:r>
+              <a:rPr b="0" lang="es-ES" sz="3200" spc="-1" strike="noStrike">
                 <a:solidFill>
                   <a:srgbClr val="2b2d2e"/>
                 </a:solidFill>
                 <a:latin typeface="Arial"/>
                 <a:ea typeface="DejaVu Sans"/>
               </a:rPr>
-              <a:t>Es un servicio que permite la comunicación entre </a:t>
-            </a:r>
-            <a:endParaRPr b="0" lang="es-ES" sz="2800" spc="-1" strike="noStrike">
-              <a:latin typeface="Arial"/>
-            </a:endParaRPr>
-          </a:p>
-          <a:p>
-            <a:pPr>
-              <a:lnSpc>
-                <a:spcPct val="80000"/>
-              </a:lnSpc>
-            </a:pPr>
-            <a:endParaRPr b="0" lang="es-ES" sz="2800" spc="-1" strike="noStrike">
-              <a:latin typeface="Arial"/>
-            </a:endParaRPr>
-          </a:p>
-          <a:p>
-            <a:pPr>
-              <a:lnSpc>
-                <a:spcPct val="80000"/>
-              </a:lnSpc>
-            </a:pPr>
-            <a:r>
-              <a:rPr b="0" lang="es-ES" sz="2800" spc="-1" strike="noStrike">
-                <a:solidFill>
-                  <a:srgbClr val="2b2d2e"/>
-                </a:solidFill>
-                <a:latin typeface="Arial"/>
-                <a:ea typeface="DejaVu Sans"/>
-              </a:rPr>
-              <a:t>distintos sistemas sin que nos importe como están </a:t>
-            </a:r>
-            <a:endParaRPr b="0" lang="es-ES" sz="2800" spc="-1" strike="noStrike">
-              <a:latin typeface="Arial"/>
-            </a:endParaRPr>
-          </a:p>
-          <a:p>
-            <a:pPr>
-              <a:lnSpc>
-                <a:spcPct val="80000"/>
-              </a:lnSpc>
-            </a:pPr>
-            <a:endParaRPr b="0" lang="es-ES" sz="2800" spc="-1" strike="noStrike">
-              <a:latin typeface="Arial"/>
-            </a:endParaRPr>
-          </a:p>
-          <a:p>
-            <a:pPr>
-              <a:lnSpc>
-                <a:spcPct val="80000"/>
-              </a:lnSpc>
-            </a:pPr>
-            <a:r>
-              <a:rPr b="0" lang="es-ES" sz="2800" spc="-1" strike="noStrike">
-                <a:solidFill>
-                  <a:srgbClr val="2b2d2e"/>
-                </a:solidFill>
-                <a:latin typeface="Arial"/>
-                <a:ea typeface="DejaVu Sans"/>
-              </a:rPr>
-              <a:t>hechos ni en que lenguaje de programación están </a:t>
-            </a:r>
-            <a:endParaRPr b="0" lang="es-ES" sz="2800" spc="-1" strike="noStrike">
-              <a:latin typeface="Arial"/>
-            </a:endParaRPr>
-          </a:p>
-          <a:p>
-            <a:pPr>
-              <a:lnSpc>
-                <a:spcPct val="80000"/>
-              </a:lnSpc>
-            </a:pPr>
-            <a:endParaRPr b="0" lang="es-ES" sz="2800" spc="-1" strike="noStrike">
-              <a:latin typeface="Arial"/>
-            </a:endParaRPr>
-          </a:p>
-          <a:p>
-            <a:pPr>
-              <a:lnSpc>
-                <a:spcPct val="80000"/>
-              </a:lnSpc>
-            </a:pPr>
-            <a:r>
-              <a:rPr b="0" lang="es-ES" sz="2800" spc="-1" strike="noStrike">
-                <a:solidFill>
-                  <a:srgbClr val="2b2d2e"/>
-                </a:solidFill>
-                <a:latin typeface="Arial"/>
-                <a:ea typeface="DejaVu Sans"/>
-              </a:rPr>
-              <a:t>diseñados.Se basa en el protocolo HTTP.</a:t>
-            </a:r>
-            <a:endParaRPr b="0" lang="es-ES" sz="2800" spc="-1" strike="noStrike">
+              <a:t>REST (Representational State Transfer) es un tipo de arquitectura definida por ciertas reglas.REST se usa para crear/consumir servicios web.</a:t>
+            </a:r>
+            <a:endParaRPr b="0" lang="es-ES" sz="3200" spc="-1" strike="noStrike">
               <a:latin typeface="Arial"/>
             </a:endParaRPr>
           </a:p>
@@ -12399,7 +13788,7 @@
             <a:br/>
             <a:br/>
             <a:br/>
-            <a:endParaRPr b="0" lang="es-ES" sz="2800" spc="-1" strike="noStrike">
+            <a:endParaRPr b="0" lang="es-ES" sz="3200" spc="-1" strike="noStrike">
               <a:latin typeface="Arial"/>
             </a:endParaRPr>
           </a:p>
@@ -12463,7 +13852,7 @@
         <p:spPr>
           <a:xfrm>
             <a:off x="467640" y="620640"/>
-            <a:ext cx="8402040" cy="3828240"/>
+            <a:ext cx="8401320" cy="5570280"/>
           </a:xfrm>
           <a:prstGeom prst="rect">
             <a:avLst/>
@@ -12499,14 +13888,164 @@
                 <a:latin typeface="Arial"/>
                 <a:ea typeface="DejaVu Sans"/>
               </a:rPr>
-              <a:t>¿Características de una API REST?</a:t>
-            </a:r>
+              <a:t>Entonces…</a:t>
+            </a:r>
+            <a:endParaRPr b="0" lang="es-ES" sz="4400" spc="-1" strike="noStrike">
+              <a:latin typeface="Arial"/>
+            </a:endParaRPr>
+          </a:p>
+          <a:p>
+            <a:pPr>
+              <a:lnSpc>
+                <a:spcPct val="80000"/>
+              </a:lnSpc>
+            </a:pPr>
+            <a:r>
+              <a:rPr b="0" lang="es-ES" sz="4400" spc="-1" strike="noStrike">
+                <a:solidFill>
+                  <a:srgbClr val="ffffff"/>
+                </a:solidFill>
+                <a:latin typeface="Arial"/>
+                <a:ea typeface="DejaVu Sans"/>
+              </a:rPr>
+              <a:t>¿Qué es API REST?</a:t>
+            </a:r>
+            <a:endParaRPr b="0" lang="es-ES" sz="4400" spc="-1" strike="noStrike">
+              <a:latin typeface="Arial"/>
+            </a:endParaRPr>
+          </a:p>
+          <a:p>
+            <a:pPr>
+              <a:lnSpc>
+                <a:spcPct val="80000"/>
+              </a:lnSpc>
+            </a:pPr>
+            <a:endParaRPr b="0" lang="es-ES" sz="4400" spc="-1" strike="noStrike">
+              <a:latin typeface="Arial"/>
+            </a:endParaRPr>
+          </a:p>
+          <a:p>
+            <a:pPr>
+              <a:lnSpc>
+                <a:spcPct val="80000"/>
+              </a:lnSpc>
+            </a:pPr>
+            <a:r>
+              <a:rPr b="0" lang="es-ES" sz="2800" spc="-1" strike="noStrike">
+                <a:solidFill>
+                  <a:srgbClr val="2b2d2e"/>
+                </a:solidFill>
+                <a:latin typeface="Arial"/>
+                <a:ea typeface="DejaVu Sans"/>
+              </a:rPr>
+              <a:t>Es un servicio que permite la comunicación entre </a:t>
+            </a:r>
+            <a:endParaRPr b="0" lang="es-ES" sz="2800" spc="-1" strike="noStrike">
+              <a:latin typeface="Arial"/>
+            </a:endParaRPr>
+          </a:p>
+          <a:p>
+            <a:pPr>
+              <a:lnSpc>
+                <a:spcPct val="80000"/>
+              </a:lnSpc>
+            </a:pPr>
+            <a:endParaRPr b="0" lang="es-ES" sz="2800" spc="-1" strike="noStrike">
+              <a:latin typeface="Arial"/>
+            </a:endParaRPr>
+          </a:p>
+          <a:p>
+            <a:pPr>
+              <a:lnSpc>
+                <a:spcPct val="80000"/>
+              </a:lnSpc>
+            </a:pPr>
+            <a:r>
+              <a:rPr b="0" lang="es-ES" sz="2800" spc="-1" strike="noStrike">
+                <a:solidFill>
+                  <a:srgbClr val="2b2d2e"/>
+                </a:solidFill>
+                <a:latin typeface="Arial"/>
+                <a:ea typeface="DejaVu Sans"/>
+              </a:rPr>
+              <a:t>distintos sistemas sin que nos importe como están </a:t>
+            </a:r>
+            <a:endParaRPr b="0" lang="es-ES" sz="2800" spc="-1" strike="noStrike">
+              <a:latin typeface="Arial"/>
+            </a:endParaRPr>
+          </a:p>
+          <a:p>
+            <a:pPr>
+              <a:lnSpc>
+                <a:spcPct val="80000"/>
+              </a:lnSpc>
+            </a:pPr>
+            <a:endParaRPr b="0" lang="es-ES" sz="2800" spc="-1" strike="noStrike">
+              <a:latin typeface="Arial"/>
+            </a:endParaRPr>
+          </a:p>
+          <a:p>
+            <a:pPr>
+              <a:lnSpc>
+                <a:spcPct val="80000"/>
+              </a:lnSpc>
+            </a:pPr>
+            <a:r>
+              <a:rPr b="0" lang="es-ES" sz="2800" spc="-1" strike="noStrike">
+                <a:solidFill>
+                  <a:srgbClr val="2b2d2e"/>
+                </a:solidFill>
+                <a:latin typeface="Arial"/>
+                <a:ea typeface="DejaVu Sans"/>
+              </a:rPr>
+              <a:t>hechos ni en que lenguaje de programación están </a:t>
+            </a:r>
+            <a:endParaRPr b="0" lang="es-ES" sz="2800" spc="-1" strike="noStrike">
+              <a:latin typeface="Arial"/>
+            </a:endParaRPr>
+          </a:p>
+          <a:p>
+            <a:pPr>
+              <a:lnSpc>
+                <a:spcPct val="80000"/>
+              </a:lnSpc>
+            </a:pPr>
+            <a:endParaRPr b="0" lang="es-ES" sz="2800" spc="-1" strike="noStrike">
+              <a:latin typeface="Arial"/>
+            </a:endParaRPr>
+          </a:p>
+          <a:p>
+            <a:pPr>
+              <a:lnSpc>
+                <a:spcPct val="80000"/>
+              </a:lnSpc>
+            </a:pPr>
+            <a:r>
+              <a:rPr b="0" lang="es-ES" sz="2800" spc="-1" strike="noStrike">
+                <a:solidFill>
+                  <a:srgbClr val="2b2d2e"/>
+                </a:solidFill>
+                <a:latin typeface="Arial"/>
+                <a:ea typeface="DejaVu Sans"/>
+              </a:rPr>
+              <a:t>diseñados que se basa en el protocolo HTTP.</a:t>
+            </a:r>
+            <a:endParaRPr b="0" lang="es-ES" sz="2800" spc="-1" strike="noStrike">
+              <a:latin typeface="Arial"/>
+            </a:endParaRPr>
+          </a:p>
+          <a:p>
+            <a:pPr>
+              <a:lnSpc>
+                <a:spcPct val="80000"/>
+              </a:lnSpc>
+            </a:pPr>
             <a:br/>
             <a:br/>
             <a:br/>
             <a:br/>
             <a:br/>
-            <a:endParaRPr b="0" lang="es-ES" sz="4400" spc="-1" strike="noStrike">
+            <a:endParaRPr b="0" lang="es-ES" sz="2800" spc="-1" strike="noStrike">
               <a:latin typeface="Arial"/>
             </a:endParaRPr>
           </a:p>
@@ -12569,8 +14108,8 @@
         </p:nvSpPr>
         <p:spPr>
           <a:xfrm>
-            <a:off x="467640" y="620640"/>
-            <a:ext cx="8402040" cy="3828240"/>
+            <a:off x="443160" y="913680"/>
+            <a:ext cx="8340480" cy="5421960"/>
           </a:xfrm>
           <a:prstGeom prst="rect">
             <a:avLst/>
@@ -12596,54 +14135,252 @@
                 <a:spcPct val="80000"/>
               </a:lnSpc>
             </a:pPr>
-            <a:r>
-              <a:rPr b="0" lang="es-ES" sz="4400" spc="-1" strike="noStrike">
+            <a:endParaRPr b="0" lang="es-ES" sz="1800" spc="-1" strike="noStrike">
+              <a:latin typeface="Arial"/>
+            </a:endParaRPr>
+          </a:p>
+          <a:p>
+            <a:pPr>
+              <a:lnSpc>
+                <a:spcPct val="80000"/>
+              </a:lnSpc>
+            </a:pPr>
+            <a:r>
+              <a:rPr b="0" lang="es-ES" sz="5400" spc="-1" strike="noStrike">
                 <a:solidFill>
                   <a:srgbClr val="ffffff"/>
                 </a:solidFill>
                 <a:latin typeface="Arial"/>
                 <a:ea typeface="DejaVu Sans"/>
               </a:rPr>
-              <a:t>Introducción</a:t>
-            </a:r>
-            <a:br/>
-            <a:br/>
-            <a:r>
-              <a:rPr b="0" lang="es-ES" sz="4400" spc="-1" strike="noStrike">
+              <a:t>Características</a:t>
+            </a:r>
+            <a:endParaRPr b="0" lang="es-ES" sz="5400" spc="-1" strike="noStrike">
+              <a:latin typeface="Arial"/>
+            </a:endParaRPr>
+          </a:p>
+          <a:p>
+            <a:pPr>
+              <a:lnSpc>
+                <a:spcPct val="80000"/>
+              </a:lnSpc>
+            </a:pPr>
+            <a:r>
+              <a:rPr b="0" lang="es-ES" sz="5400" spc="-1" strike="noStrike">
+                <a:solidFill>
+                  <a:srgbClr val="ffffff"/>
+                </a:solidFill>
+                <a:latin typeface="Arial"/>
+                <a:ea typeface="DejaVu Sans"/>
+              </a:rPr>
+              <a:t>API REST</a:t>
+            </a:r>
+            <a:r>
+              <a:rPr b="0" lang="es-ES" sz="4000" spc="-1" strike="noStrike">
+                <a:solidFill>
+                  <a:srgbClr val="ffffff"/>
+                </a:solidFill>
+                <a:latin typeface="Arial"/>
+                <a:ea typeface="DejaVu Sans"/>
+              </a:rPr>
+              <a:t> </a:t>
+            </a:r>
+            <a:endParaRPr b="0" lang="es-ES" sz="4000" spc="-1" strike="noStrike">
+              <a:latin typeface="Arial"/>
+            </a:endParaRPr>
+          </a:p>
+          <a:p>
+            <a:pPr>
+              <a:lnSpc>
+                <a:spcPct val="80000"/>
+              </a:lnSpc>
+            </a:pPr>
+            <a:endParaRPr b="0" lang="es-ES" sz="4000" spc="-1" strike="noStrike">
+              <a:latin typeface="Arial"/>
+            </a:endParaRPr>
+          </a:p>
+          <a:p>
+            <a:pPr>
+              <a:lnSpc>
+                <a:spcPct val="80000"/>
+              </a:lnSpc>
+            </a:pPr>
+            <a:r>
+              <a:rPr b="0" lang="es-ES" sz="2800" spc="-1" strike="noStrike">
                 <a:solidFill>
                   <a:srgbClr val="2b2d2e"/>
                 </a:solidFill>
                 <a:latin typeface="Arial"/>
                 <a:ea typeface="DejaVu Sans"/>
               </a:rPr>
-              <a:t>¿Necesito saber PHP?</a:t>
-            </a:r>
-            <a:br/>
-            <a:br/>
-            <a:r>
-              <a:rPr b="0" lang="es-ES" sz="4400" spc="-1" strike="noStrike">
+              <a:t>&gt; Se basa en los métodos GET,POST,PUT , DELETE y PATCH</a:t>
+            </a:r>
+            <a:endParaRPr b="0" lang="es-ES" sz="2800" spc="-1" strike="noStrike">
+              <a:latin typeface="Arial"/>
+            </a:endParaRPr>
+          </a:p>
+          <a:p>
+            <a:pPr>
+              <a:lnSpc>
+                <a:spcPct val="80000"/>
+              </a:lnSpc>
+            </a:pPr>
+            <a:endParaRPr b="0" lang="es-ES" sz="2800" spc="-1" strike="noStrike">
+              <a:latin typeface="Arial"/>
+            </a:endParaRPr>
+          </a:p>
+          <a:p>
+            <a:pPr>
+              <a:lnSpc>
+                <a:spcPct val="80000"/>
+              </a:lnSpc>
+            </a:pPr>
+            <a:r>
+              <a:rPr b="0" lang="es-ES" sz="2800" spc="-1" strike="noStrike">
                 <a:solidFill>
                   <a:srgbClr val="2b2d2e"/>
                 </a:solidFill>
                 <a:latin typeface="Arial"/>
                 <a:ea typeface="DejaVu Sans"/>
               </a:rPr>
-              <a:t>¿Qué debo instalar?</a:t>
-            </a:r>
-            <a:br/>
-            <a:br/>
-            <a:r>
-              <a:rPr b="0" lang="es-ES" sz="4400" spc="-1" strike="noStrike">
+              <a:t>GET: consulta la información de un recurso.</a:t>
+            </a:r>
+            <a:endParaRPr b="0" lang="es-ES" sz="2800" spc="-1" strike="noStrike">
+              <a:latin typeface="Arial"/>
+            </a:endParaRPr>
+          </a:p>
+          <a:p>
+            <a:pPr>
+              <a:lnSpc>
+                <a:spcPct val="80000"/>
+              </a:lnSpc>
+            </a:pPr>
+            <a:endParaRPr b="0" lang="es-ES" sz="2800" spc="-1" strike="noStrike">
+              <a:latin typeface="Arial"/>
+            </a:endParaRPr>
+          </a:p>
+          <a:p>
+            <a:pPr>
+              <a:lnSpc>
+                <a:spcPct val="80000"/>
+              </a:lnSpc>
+            </a:pPr>
+            <a:r>
+              <a:rPr b="0" lang="es-ES" sz="2800" spc="-1" strike="noStrike">
                 <a:solidFill>
                   <a:srgbClr val="2b2d2e"/>
                 </a:solidFill>
                 <a:latin typeface="Arial"/>
                 <a:ea typeface="DejaVu Sans"/>
               </a:rPr>
-              <a:t>¿Qué voy a aprender?</a:t>
-            </a:r>
+              <a:t>POST: crea un nuevo recurso.</a:t>
+            </a:r>
+            <a:endParaRPr b="0" lang="es-ES" sz="2800" spc="-1" strike="noStrike">
+              <a:latin typeface="Arial"/>
+            </a:endParaRPr>
+          </a:p>
+          <a:p>
+            <a:pPr>
+              <a:lnSpc>
+                <a:spcPct val="80000"/>
+              </a:lnSpc>
+            </a:pPr>
+            <a:endParaRPr b="0" lang="es-ES" sz="2800" spc="-1" strike="noStrike">
+              <a:latin typeface="Arial"/>
+            </a:endParaRPr>
+          </a:p>
+          <a:p>
+            <a:pPr>
+              <a:lnSpc>
+                <a:spcPct val="80000"/>
+              </a:lnSpc>
+            </a:pPr>
+            <a:r>
+              <a:rPr b="0" lang="es-ES" sz="2800" spc="-1" strike="noStrike">
+                <a:solidFill>
+                  <a:srgbClr val="2b2d2e"/>
+                </a:solidFill>
+                <a:latin typeface="Arial"/>
+                <a:ea typeface="DejaVu Sans"/>
+              </a:rPr>
+              <a:t>PUT: modifica un recurso existente.</a:t>
+            </a:r>
+            <a:endParaRPr b="0" lang="es-ES" sz="2800" spc="-1" strike="noStrike">
+              <a:latin typeface="Arial"/>
+            </a:endParaRPr>
+          </a:p>
+          <a:p>
+            <a:pPr>
+              <a:lnSpc>
+                <a:spcPct val="80000"/>
+              </a:lnSpc>
+            </a:pPr>
+            <a:endParaRPr b="0" lang="es-ES" sz="2800" spc="-1" strike="noStrike">
+              <a:latin typeface="Arial"/>
+            </a:endParaRPr>
+          </a:p>
+          <a:p>
+            <a:pPr>
+              <a:lnSpc>
+                <a:spcPct val="80000"/>
+              </a:lnSpc>
+            </a:pPr>
+            <a:r>
+              <a:rPr b="0" lang="es-ES" sz="2800" spc="-1" strike="noStrike">
+                <a:solidFill>
+                  <a:srgbClr val="2b2d2e"/>
+                </a:solidFill>
+                <a:latin typeface="Arial"/>
+                <a:ea typeface="DejaVu Sans"/>
+              </a:rPr>
+              <a:t>DELETE: elimina un recurso existente.</a:t>
+            </a:r>
+            <a:endParaRPr b="0" lang="es-ES" sz="2800" spc="-1" strike="noStrike">
+              <a:latin typeface="Arial"/>
+            </a:endParaRPr>
+          </a:p>
+          <a:p>
+            <a:pPr>
+              <a:lnSpc>
+                <a:spcPct val="80000"/>
+              </a:lnSpc>
+            </a:pPr>
+            <a:endParaRPr b="0" lang="es-ES" sz="2800" spc="-1" strike="noStrike">
+              <a:latin typeface="Arial"/>
+            </a:endParaRPr>
+          </a:p>
+          <a:p>
+            <a:pPr>
+              <a:lnSpc>
+                <a:spcPct val="80000"/>
+              </a:lnSpc>
+            </a:pPr>
+            <a:r>
+              <a:rPr b="0" lang="es-ES" sz="2800" spc="-1" strike="noStrike">
+                <a:solidFill>
+                  <a:srgbClr val="2b2d2e"/>
+                </a:solidFill>
+                <a:latin typeface="Arial"/>
+                <a:ea typeface="DejaVu Sans"/>
+              </a:rPr>
+              <a:t>PATCH: aplica modificaciones parciales a un recurso.</a:t>
+            </a:r>
+            <a:endParaRPr b="0" lang="es-ES" sz="2800" spc="-1" strike="noStrike">
+              <a:latin typeface="Arial"/>
+            </a:endParaRPr>
+          </a:p>
+          <a:p>
+            <a:pPr>
+              <a:lnSpc>
+                <a:spcPct val="80000"/>
+              </a:lnSpc>
+            </a:pPr>
             <a:br/>
-            <a:endParaRPr b="0" lang="es-ES" sz="4400" spc="-1" strike="noStrike">
+            <a:br/>
+            <a:br/>
+            <a:br/>
+            <a:br/>
+            <a:endParaRPr b="0" lang="es-ES" sz="2800" spc="-1" strike="noStrike">
               <a:latin typeface="Arial"/>
             </a:endParaRPr>
           </a:p>
@@ -12706,8 +14443,8 @@
         </p:nvSpPr>
         <p:spPr>
           <a:xfrm>
-            <a:off x="457200" y="1339920"/>
-            <a:ext cx="7991280" cy="4963680"/>
+            <a:off x="443160" y="913680"/>
+            <a:ext cx="8340480" cy="5421960"/>
           </a:xfrm>
           <a:prstGeom prst="rect">
             <a:avLst/>
@@ -12724,322 +14461,331 @@
           <a:fontRef idx="minor"/>
         </p:style>
         <p:txBody>
-          <a:bodyPr lIns="90000" rIns="90000" tIns="45000" bIns="45000"/>
-          <a:p>
-            <a:pPr marL="125640" indent="-178560">
-              <a:lnSpc>
-                <a:spcPct val="100000"/>
+          <a:bodyPr lIns="90000" rIns="90000" tIns="45000" bIns="45000">
+            <a:normAutofit/>
+          </a:bodyPr>
+          <a:p>
+            <a:pPr>
+              <a:lnSpc>
+                <a:spcPct val="80000"/>
+              </a:lnSpc>
+            </a:pPr>
+            <a:endParaRPr b="0" lang="es-ES" sz="1800" spc="-1" strike="noStrike">
+              <a:latin typeface="Arial"/>
+            </a:endParaRPr>
+          </a:p>
+          <a:p>
+            <a:pPr>
+              <a:lnSpc>
+                <a:spcPct val="80000"/>
+              </a:lnSpc>
+            </a:pPr>
+            <a:r>
+              <a:rPr b="0" lang="es-ES" sz="8000" spc="-1" strike="noStrike">
+                <a:solidFill>
+                  <a:srgbClr val="ffffff"/>
+                </a:solidFill>
+                <a:latin typeface="Arial"/>
+                <a:ea typeface="DejaVu Sans"/>
+              </a:rPr>
+              <a:t>Características</a:t>
+            </a:r>
+            <a:endParaRPr b="0" lang="es-ES" sz="8000" spc="-1" strike="noStrike">
+              <a:latin typeface="Arial"/>
+            </a:endParaRPr>
+          </a:p>
+          <a:p>
+            <a:pPr>
+              <a:lnSpc>
+                <a:spcPct val="80000"/>
+              </a:lnSpc>
+            </a:pPr>
+            <a:r>
+              <a:rPr b="0" lang="es-ES" sz="8000" spc="-1" strike="noStrike">
+                <a:solidFill>
+                  <a:srgbClr val="ffffff"/>
+                </a:solidFill>
+                <a:latin typeface="Arial"/>
+                <a:ea typeface="DejaVu Sans"/>
+              </a:rPr>
+              <a:t>API REST</a:t>
+            </a:r>
+            <a:r>
+              <a:rPr b="0" lang="es-ES" sz="4400" spc="-1" strike="noStrike">
+                <a:solidFill>
+                  <a:srgbClr val="ffffff"/>
+                </a:solidFill>
+                <a:latin typeface="Arial"/>
+                <a:ea typeface="DejaVu Sans"/>
+              </a:rPr>
+              <a:t> </a:t>
+            </a:r>
+            <a:endParaRPr b="0" lang="es-ES" sz="4400" spc="-1" strike="noStrike">
+              <a:latin typeface="Arial"/>
+            </a:endParaRPr>
+          </a:p>
+          <a:p>
+            <a:pPr>
+              <a:lnSpc>
+                <a:spcPct val="80000"/>
+              </a:lnSpc>
+            </a:pPr>
+            <a:endParaRPr b="0" lang="es-ES" sz="4400" spc="-1" strike="noStrike">
+              <a:latin typeface="Arial"/>
+            </a:endParaRPr>
+          </a:p>
+          <a:p>
+            <a:pPr>
+              <a:lnSpc>
+                <a:spcPct val="80000"/>
               </a:lnSpc>
               <a:spcBef>
-                <a:spcPts val="641"/>
+                <a:spcPts val="283"/>
               </a:spcBef>
-              <a:buClr>
-                <a:srgbClr val="5e6264"/>
-              </a:buClr>
-              <a:buFont typeface="Lucida Grande"/>
-              <a:buChar char="›"/>
-            </a:pPr>
-            <a:r>
-              <a:rPr b="0" lang="es-ES" sz="3200" spc="-1" strike="noStrike">
+              <a:spcAft>
+                <a:spcPts val="283"/>
+              </a:spcAft>
+            </a:pPr>
+            <a:r>
+              <a:rPr b="0" lang="es-ES" sz="3600" spc="-1" strike="noStrike">
                 <a:solidFill>
-                  <a:srgbClr val="5e6264"/>
+                  <a:srgbClr val="2b2d2e"/>
                 </a:solidFill>
                 <a:latin typeface="Arial"/>
                 <a:ea typeface="DejaVu Sans"/>
               </a:rPr>
-              <a:t>Ejemplo para Laravel 5.6</a:t>
-            </a:r>
-            <a:endParaRPr b="0" lang="es-ES" sz="3200" spc="-1" strike="noStrike">
-              <a:latin typeface="Arial"/>
-            </a:endParaRPr>
-          </a:p>
-          <a:p>
-            <a:pPr marL="125640" indent="-178560">
-              <a:lnSpc>
-                <a:spcPct val="100000"/>
+              <a:t>&gt; Utiliza los estados de error/éxito para saber el estado de las peticiones realizadas.Los más comunes son :</a:t>
+            </a:r>
+            <a:endParaRPr b="0" lang="es-ES" sz="3600" spc="-1" strike="noStrike">
+              <a:latin typeface="Arial"/>
+              <a:ea typeface="Noto Sans CJK SC Regular"/>
+            </a:endParaRPr>
+          </a:p>
+          <a:p>
+            <a:pPr>
+              <a:lnSpc>
+                <a:spcPct val="80000"/>
               </a:lnSpc>
               <a:spcBef>
-                <a:spcPts val="641"/>
+                <a:spcPts val="283"/>
               </a:spcBef>
-              <a:buClr>
-                <a:srgbClr val="5e6264"/>
-              </a:buClr>
-              <a:buFont typeface="Lucida Grande"/>
-              <a:buChar char="›"/>
-            </a:pPr>
-            <a:r>
-              <a:rPr b="0" lang="es-ES" sz="3200" spc="-1" strike="noStrike">
+              <a:spcAft>
+                <a:spcPts val="283"/>
+              </a:spcAft>
+            </a:pPr>
+            <a:endParaRPr b="0" lang="es-ES" sz="3600" spc="-1" strike="noStrike">
+              <a:latin typeface="Arial"/>
+              <a:ea typeface="Noto Sans CJK SC Regular"/>
+            </a:endParaRPr>
+          </a:p>
+          <a:p>
+            <a:pPr>
+              <a:lnSpc>
+                <a:spcPct val="80000"/>
+              </a:lnSpc>
+              <a:spcBef>
+                <a:spcPts val="850"/>
+              </a:spcBef>
+              <a:spcAft>
+                <a:spcPts val="850"/>
+              </a:spcAft>
+            </a:pPr>
+            <a:r>
+              <a:rPr b="0" lang="es-ES" sz="3600" spc="-1" strike="noStrike">
                 <a:solidFill>
-                  <a:srgbClr val="5e6264"/>
+                  <a:srgbClr val="2b2d2e"/>
                 </a:solidFill>
                 <a:latin typeface="Arial"/>
                 <a:ea typeface="DejaVu Sans"/>
               </a:rPr>
-              <a:t>Composer</a:t>
-            </a:r>
-            <a:endParaRPr b="0" lang="es-ES" sz="3200" spc="-1" strike="noStrike">
-              <a:latin typeface="Arial"/>
-            </a:endParaRPr>
-          </a:p>
-          <a:p>
-            <a:pPr marL="125640" indent="-178560">
-              <a:lnSpc>
-                <a:spcPct val="100000"/>
+              <a:t>-200 Ok</a:t>
+            </a:r>
+            <a:endParaRPr b="0" lang="es-ES" sz="3600" spc="-1" strike="noStrike">
+              <a:latin typeface="Arial"/>
+              <a:ea typeface="Noto Sans CJK SC Regular"/>
+            </a:endParaRPr>
+          </a:p>
+          <a:p>
+            <a:pPr>
+              <a:lnSpc>
+                <a:spcPct val="80000"/>
               </a:lnSpc>
               <a:spcBef>
-                <a:spcPts val="641"/>
+                <a:spcPts val="850"/>
               </a:spcBef>
-              <a:buClr>
-                <a:srgbClr val="5e6264"/>
-              </a:buClr>
-              <a:buFont typeface="Lucida Grande"/>
-              <a:buChar char="›"/>
-            </a:pPr>
-            <a:r>
-              <a:rPr b="0" lang="es-ES" sz="3200" spc="-1" strike="noStrike">
+              <a:spcAft>
+                <a:spcPts val="850"/>
+              </a:spcAft>
+            </a:pPr>
+            <a:r>
+              <a:rPr b="0" lang="es-ES" sz="3600" spc="-1" strike="noStrike">
                 <a:solidFill>
-                  <a:srgbClr val="5e6264"/>
+                  <a:srgbClr val="2b2d2e"/>
                 </a:solidFill>
                 <a:latin typeface="Arial"/>
                 <a:ea typeface="DejaVu Sans"/>
               </a:rPr>
-              <a:t>PHP 7.1 </a:t>
-            </a:r>
-            <a:endParaRPr b="0" lang="es-ES" sz="3200" spc="-1" strike="noStrike">
-              <a:latin typeface="Arial"/>
-            </a:endParaRPr>
-          </a:p>
-          <a:p>
-            <a:pPr marL="125640" indent="-178560">
-              <a:lnSpc>
-                <a:spcPct val="100000"/>
+              <a:t>-201 Created. La petición ha sido completada y ha resultado en la creación de un nuevo recurso.</a:t>
+            </a:r>
+            <a:endParaRPr b="0" lang="es-ES" sz="3600" spc="-1" strike="noStrike">
+              <a:latin typeface="Arial"/>
+              <a:ea typeface="Noto Sans CJK SC Regular"/>
+            </a:endParaRPr>
+          </a:p>
+          <a:p>
+            <a:pPr>
+              <a:lnSpc>
+                <a:spcPct val="80000"/>
               </a:lnSpc>
               <a:spcBef>
-                <a:spcPts val="641"/>
+                <a:spcPts val="850"/>
               </a:spcBef>
-              <a:buClr>
-                <a:srgbClr val="5e6264"/>
-              </a:buClr>
-              <a:buFont typeface="Lucida Grande"/>
-              <a:buChar char="›"/>
-            </a:pPr>
-            <a:r>
-              <a:rPr b="0" lang="es-ES" sz="3200" spc="-1" strike="noStrike">
+              <a:spcAft>
+                <a:spcPts val="850"/>
+              </a:spcAft>
+            </a:pPr>
+            <a:r>
+              <a:rPr b="0" lang="es-ES" sz="3600" spc="-1" strike="noStrike">
                 <a:solidFill>
-                  <a:srgbClr val="5e6264"/>
+                  <a:srgbClr val="2b2d2e"/>
                 </a:solidFill>
                 <a:latin typeface="Arial"/>
                 <a:ea typeface="DejaVu Sans"/>
               </a:rPr>
-              <a:t>APACHE , IIS, Nginx</a:t>
-            </a:r>
-            <a:endParaRPr b="0" lang="es-ES" sz="3200" spc="-1" strike="noStrike">
-              <a:latin typeface="Arial"/>
-            </a:endParaRPr>
-          </a:p>
-          <a:p>
-            <a:pPr marL="125640" indent="-178560">
-              <a:lnSpc>
-                <a:spcPct val="100000"/>
+              <a:t>-400 Bad Request. La solicitud contiene sintaxis errónea.</a:t>
+            </a:r>
+            <a:endParaRPr b="0" lang="es-ES" sz="3600" spc="-1" strike="noStrike">
+              <a:latin typeface="Arial"/>
+              <a:ea typeface="Noto Sans CJK SC Regular"/>
+            </a:endParaRPr>
+          </a:p>
+          <a:p>
+            <a:pPr>
+              <a:lnSpc>
+                <a:spcPct val="80000"/>
               </a:lnSpc>
               <a:spcBef>
-                <a:spcPts val="641"/>
+                <a:spcPts val="850"/>
               </a:spcBef>
-              <a:buClr>
-                <a:srgbClr val="5e6264"/>
-              </a:buClr>
-              <a:buFont typeface="Lucida Grande"/>
-              <a:buChar char="›"/>
-            </a:pPr>
-            <a:r>
-              <a:rPr b="0" lang="es-ES" sz="3200" spc="-1" strike="noStrike">
+              <a:spcAft>
+                <a:spcPts val="850"/>
+              </a:spcAft>
+            </a:pPr>
+            <a:r>
+              <a:rPr b="0" lang="es-ES" sz="3600" spc="-1" strike="noStrike">
                 <a:solidFill>
-                  <a:srgbClr val="5e6264"/>
+                  <a:srgbClr val="2b2d2e"/>
                 </a:solidFill>
                 <a:latin typeface="Arial"/>
                 <a:ea typeface="DejaVu Sans"/>
               </a:rPr>
-              <a:t>MySQL , Postgres, SQLite, SQL Server</a:t>
-            </a:r>
-            <a:endParaRPr b="0" lang="es-ES" sz="3200" spc="-1" strike="noStrike">
-              <a:latin typeface="Arial"/>
+              <a:t>-403 Forbidden. Falta de privilegios de usuario.</a:t>
+            </a:r>
+            <a:endParaRPr b="0" lang="es-ES" sz="3600" spc="-1" strike="noStrike">
+              <a:latin typeface="Arial"/>
+              <a:ea typeface="Noto Sans CJK SC Regular"/>
             </a:endParaRPr>
           </a:p>
           <a:p>
             <a:pPr>
               <a:lnSpc>
-                <a:spcPct val="100000"/>
+                <a:spcPct val="80000"/>
               </a:lnSpc>
               <a:spcBef>
-                <a:spcPts val="641"/>
+                <a:spcPts val="850"/>
               </a:spcBef>
-            </a:pPr>
-            <a:endParaRPr b="0" lang="es-ES" sz="3200" spc="-1" strike="noStrike">
-              <a:latin typeface="Arial"/>
-            </a:endParaRPr>
-          </a:p>
-          <a:p>
-            <a:pPr marL="125640" indent="-178560">
-              <a:lnSpc>
-                <a:spcPct val="100000"/>
+              <a:spcAft>
+                <a:spcPts val="850"/>
+              </a:spcAft>
+            </a:pPr>
+            <a:r>
+              <a:rPr b="0" lang="es-ES" sz="3600" spc="-1" strike="noStrike">
+                <a:solidFill>
+                  <a:srgbClr val="2b2d2e"/>
+                </a:solidFill>
+                <a:latin typeface="Arial"/>
+                <a:ea typeface="DejaVu Sans"/>
+              </a:rPr>
+              <a:t>-404 Not Found. Recurso no encontrado.</a:t>
+            </a:r>
+            <a:endParaRPr b="0" lang="es-ES" sz="3600" spc="-1" strike="noStrike">
+              <a:latin typeface="Arial"/>
+              <a:ea typeface="Noto Sans CJK SC Regular"/>
+            </a:endParaRPr>
+          </a:p>
+          <a:p>
+            <a:pPr>
+              <a:lnSpc>
+                <a:spcPct val="80000"/>
               </a:lnSpc>
               <a:spcBef>
-                <a:spcPts val="641"/>
+                <a:spcPts val="850"/>
               </a:spcBef>
-              <a:buClr>
-                <a:srgbClr val="5e6264"/>
-              </a:buClr>
-              <a:buFont typeface="Lucida Grande"/>
-              <a:buChar char="›"/>
-            </a:pPr>
-            <a:r>
-              <a:rPr b="0" lang="es-ES" sz="3200" spc="-1" strike="noStrike">
+              <a:spcAft>
+                <a:spcPts val="850"/>
+              </a:spcAft>
+            </a:pPr>
+            <a:r>
+              <a:rPr b="0" lang="es-ES" sz="3600" spc="-1" strike="noStrike">
                 <a:solidFill>
-                  <a:srgbClr val="5e6264"/>
+                  <a:srgbClr val="2b2d2e"/>
                 </a:solidFill>
                 <a:latin typeface="Arial"/>
                 <a:ea typeface="DejaVu Sans"/>
               </a:rPr>
-              <a:t>https://laravel.com</a:t>
-            </a:r>
-            <a:endParaRPr b="0" lang="es-ES" sz="3200" spc="-1" strike="noStrike">
-              <a:latin typeface="Arial"/>
+              <a:t>-500 Error interno del servidor.</a:t>
+            </a:r>
+            <a:endParaRPr b="0" lang="es-ES" sz="3600" spc="-1" strike="noStrike">
+              <a:latin typeface="Arial"/>
+              <a:ea typeface="Noto Sans CJK SC Regular"/>
             </a:endParaRPr>
           </a:p>
           <a:p>
             <a:pPr>
               <a:lnSpc>
-                <a:spcPct val="100000"/>
+                <a:spcPct val="80000"/>
               </a:lnSpc>
               <a:spcBef>
-                <a:spcPts val="641"/>
+                <a:spcPts val="567"/>
               </a:spcBef>
-            </a:pPr>
-            <a:endParaRPr b="0" lang="es-ES" sz="3200" spc="-1" strike="noStrike">
-              <a:latin typeface="Arial"/>
+              <a:spcAft>
+                <a:spcPts val="567"/>
+              </a:spcAft>
+            </a:pPr>
+            <a:endParaRPr b="0" lang="es-ES" sz="3600" spc="-1" strike="noStrike">
+              <a:latin typeface="Arial"/>
+              <a:ea typeface="Noto Sans CJK SC Regular"/>
             </a:endParaRPr>
           </a:p>
           <a:p>
             <a:pPr>
               <a:lnSpc>
-                <a:spcPct val="100000"/>
+                <a:spcPct val="80000"/>
               </a:lnSpc>
               <a:spcBef>
-                <a:spcPts val="641"/>
+                <a:spcPts val="567"/>
               </a:spcBef>
-            </a:pPr>
-            <a:endParaRPr b="0" lang="es-ES" sz="3200" spc="-1" strike="noStrike">
-              <a:latin typeface="Arial"/>
+              <a:spcAft>
+                <a:spcPts val="567"/>
+              </a:spcAft>
+            </a:pPr>
+            <a:endParaRPr b="0" lang="es-ES" sz="3600" spc="-1" strike="noStrike">
+              <a:latin typeface="Arial"/>
+              <a:ea typeface="Noto Sans CJK SC Regular"/>
             </a:endParaRPr>
           </a:p>
           <a:p>
             <a:pPr>
               <a:lnSpc>
-                <a:spcPct val="100000"/>
-              </a:lnSpc>
-              <a:spcBef>
-                <a:spcPts val="641"/>
-              </a:spcBef>
-            </a:pPr>
-            <a:endParaRPr b="0" lang="es-ES" sz="3200" spc="-1" strike="noStrike">
-              <a:latin typeface="Arial"/>
-            </a:endParaRPr>
-          </a:p>
-        </p:txBody>
-      </p:sp>
-      <p:sp>
-        <p:nvSpPr>
-          <p:cNvPr id="216" name="CustomShape 2"/>
-          <p:cNvSpPr/>
-          <p:nvPr/>
-        </p:nvSpPr>
-        <p:spPr>
-          <a:xfrm>
-            <a:off x="457200" y="192240"/>
-            <a:ext cx="7193520" cy="848160"/>
-          </a:xfrm>
-          <a:prstGeom prst="rect">
-            <a:avLst/>
-          </a:prstGeom>
-          <a:noFill/>
-          <a:ln w="9360">
-            <a:noFill/>
-          </a:ln>
-        </p:spPr>
-        <p:style>
-          <a:lnRef idx="0"/>
-          <a:fillRef idx="0"/>
-          <a:effectRef idx="0"/>
-          <a:fontRef idx="minor"/>
-        </p:style>
-        <p:txBody>
-          <a:bodyPr lIns="90000" rIns="90000" tIns="45000" bIns="45000" anchor="b"/>
-          <a:p>
-            <a:pPr>
-              <a:lnSpc>
-                <a:spcPct val="100000"/>
-              </a:lnSpc>
-            </a:pPr>
-            <a:r>
-              <a:rPr b="0" lang="es-ES" sz="3000" spc="-1" strike="noStrike">
-                <a:solidFill>
-                  <a:srgbClr val="004569"/>
-                </a:solidFill>
-                <a:latin typeface="Arial"/>
-                <a:ea typeface="DejaVu Sans"/>
-              </a:rPr>
-              <a:t>¿Qué debo instalar?</a:t>
-            </a:r>
-            <a:endParaRPr b="0" lang="es-ES" sz="3000" spc="-1" strike="noStrike">
-              <a:latin typeface="Arial"/>
-            </a:endParaRPr>
-          </a:p>
-        </p:txBody>
-      </p:sp>
-      <p:sp>
-        <p:nvSpPr>
-          <p:cNvPr id="217" name="CustomShape 3"/>
-          <p:cNvSpPr/>
-          <p:nvPr/>
-        </p:nvSpPr>
-        <p:spPr>
-          <a:xfrm>
-            <a:off x="395640" y="6520320"/>
-            <a:ext cx="358920" cy="219960"/>
-          </a:xfrm>
-          <a:prstGeom prst="rect">
-            <a:avLst/>
-          </a:prstGeom>
-          <a:noFill/>
-          <a:ln>
-            <a:noFill/>
-          </a:ln>
-        </p:spPr>
-        <p:style>
-          <a:lnRef idx="0"/>
-          <a:fillRef idx="0"/>
-          <a:effectRef idx="0"/>
-          <a:fontRef idx="minor"/>
-        </p:style>
-        <p:txBody>
-          <a:bodyPr lIns="90000" rIns="90000" tIns="45000" bIns="45000" anchor="ctr"/>
-          <a:p>
-            <a:pPr algn="r">
-              <a:lnSpc>
-                <a:spcPct val="100000"/>
-              </a:lnSpc>
-            </a:pPr>
-            <a:fld id="{4E646F3A-8AE2-4DA1-B878-89D3A1EE2F43}" type="slidenum">
-              <a:rPr b="1" lang="es-ES" sz="800" spc="-1" strike="noStrike">
-                <a:solidFill>
-                  <a:srgbClr val="004569"/>
-                </a:solidFill>
-                <a:latin typeface="Arial"/>
-                <a:ea typeface="DejaVu Sans"/>
-              </a:rPr>
-              <a:t>&lt;número&gt;</a:t>
-            </a:fld>
-            <a:endParaRPr b="0" lang="es-ES" sz="800" spc="-1" strike="noStrike">
+                <a:spcPct val="80000"/>
+              </a:lnSpc>
+            </a:pPr>
+            <a:br/>
+            <a:br/>
+            <a:br/>
+            <a:br/>
+            <a:br/>
+            <a:endParaRPr b="0" lang="es-ES" sz="3600" spc="-1" strike="noStrike">
               <a:latin typeface="Arial"/>
             </a:endParaRPr>
           </a:p>
@@ -13096,14 +14842,14 @@
       </p:grpSpPr>
       <p:sp>
         <p:nvSpPr>
-          <p:cNvPr id="218" name="CustomShape 1"/>
+          <p:cNvPr id="216" name="CustomShape 1"/>
           <p:cNvSpPr/>
           <p:nvPr/>
         </p:nvSpPr>
         <p:spPr>
           <a:xfrm>
-            <a:off x="79920" y="1202760"/>
-            <a:ext cx="8940960" cy="4963680"/>
+            <a:off x="360000" y="864000"/>
+            <a:ext cx="8340480" cy="5421960"/>
           </a:xfrm>
           <a:prstGeom prst="rect">
             <a:avLst/>
@@ -13120,233 +14866,83 @@
           <a:fontRef idx="minor"/>
         </p:style>
         <p:txBody>
-          <a:bodyPr lIns="90000" rIns="90000" tIns="45000" bIns="45000"/>
+          <a:bodyPr lIns="90000" rIns="90000" tIns="45000" bIns="45000">
+            <a:normAutofit/>
+          </a:bodyPr>
           <a:p>
             <a:pPr>
               <a:lnSpc>
-                <a:spcPct val="100000"/>
-              </a:lnSpc>
-              <a:spcBef>
-                <a:spcPts val="360"/>
-              </a:spcBef>
-            </a:pPr>
-            <a:r>
-              <a:rPr b="0" lang="es-ES" sz="1800" spc="-1" strike="noStrike">
+                <a:spcPct val="80000"/>
+              </a:lnSpc>
+            </a:pPr>
+            <a:endParaRPr b="0" lang="es-ES" sz="1800" spc="-1" strike="noStrike">
+              <a:latin typeface="Arial"/>
+            </a:endParaRPr>
+          </a:p>
+          <a:p>
+            <a:pPr>
+              <a:lnSpc>
+                <a:spcPct val="80000"/>
+              </a:lnSpc>
+            </a:pPr>
+            <a:r>
+              <a:rPr b="0" lang="es-ES" sz="4800" spc="-1" strike="noStrike">
                 <a:solidFill>
-                  <a:srgbClr val="5e6264"/>
+                  <a:srgbClr val="ffffff"/>
                 </a:solidFill>
                 <a:latin typeface="Arial"/>
                 <a:ea typeface="DejaVu Sans"/>
               </a:rPr>
-              <a:t>                                                                                                                                            </a:t>
-            </a:r>
-            <a:endParaRPr b="0" lang="es-ES" sz="1800" spc="-1" strike="noStrike">
-              <a:latin typeface="Arial"/>
-            </a:endParaRPr>
-          </a:p>
-        </p:txBody>
-      </p:sp>
-      <p:sp>
-        <p:nvSpPr>
-          <p:cNvPr id="219" name="CustomShape 2"/>
-          <p:cNvSpPr/>
-          <p:nvPr/>
-        </p:nvSpPr>
-        <p:spPr>
-          <a:xfrm>
-            <a:off x="457200" y="192240"/>
-            <a:ext cx="7193520" cy="848160"/>
-          </a:xfrm>
-          <a:prstGeom prst="rect">
-            <a:avLst/>
-          </a:prstGeom>
-          <a:noFill/>
-          <a:ln w="9360">
-            <a:noFill/>
-          </a:ln>
-        </p:spPr>
-        <p:style>
-          <a:lnRef idx="0"/>
-          <a:fillRef idx="0"/>
-          <a:effectRef idx="0"/>
-          <a:fontRef idx="minor"/>
-        </p:style>
-        <p:txBody>
-          <a:bodyPr lIns="90000" rIns="90000" tIns="45000" bIns="45000" anchor="b"/>
+              <a:t>Características</a:t>
+            </a:r>
+            <a:endParaRPr b="0" lang="es-ES" sz="4800" spc="-1" strike="noStrike">
+              <a:latin typeface="Arial"/>
+            </a:endParaRPr>
+          </a:p>
           <a:p>
             <a:pPr>
               <a:lnSpc>
-                <a:spcPct val="100000"/>
-              </a:lnSpc>
-            </a:pPr>
-            <a:r>
-              <a:rPr b="0" lang="es-ES" sz="3000" spc="-1" strike="noStrike">
+                <a:spcPct val="80000"/>
+              </a:lnSpc>
+            </a:pPr>
+            <a:r>
+              <a:rPr b="0" lang="es-ES" sz="4800" spc="-1" strike="noStrike">
                 <a:solidFill>
-                  <a:srgbClr val="004569"/>
+                  <a:srgbClr val="ffffff"/>
                 </a:solidFill>
                 <a:latin typeface="Arial"/>
                 <a:ea typeface="DejaVu Sans"/>
               </a:rPr>
-              <a:t>Composer</a:t>
-            </a:r>
-            <a:endParaRPr b="0" lang="es-ES" sz="3000" spc="-1" strike="noStrike">
-              <a:latin typeface="Arial"/>
-            </a:endParaRPr>
-          </a:p>
-        </p:txBody>
-      </p:sp>
-      <p:sp>
-        <p:nvSpPr>
-          <p:cNvPr id="220" name="CustomShape 3"/>
-          <p:cNvSpPr/>
-          <p:nvPr/>
-        </p:nvSpPr>
-        <p:spPr>
-          <a:xfrm>
-            <a:off x="395640" y="6520320"/>
-            <a:ext cx="358920" cy="219960"/>
-          </a:xfrm>
-          <a:prstGeom prst="rect">
-            <a:avLst/>
-          </a:prstGeom>
-          <a:noFill/>
-          <a:ln>
-            <a:noFill/>
-          </a:ln>
-        </p:spPr>
-        <p:style>
-          <a:lnRef idx="0"/>
-          <a:fillRef idx="0"/>
-          <a:effectRef idx="0"/>
-          <a:fontRef idx="minor"/>
-        </p:style>
-        <p:txBody>
-          <a:bodyPr lIns="90000" rIns="90000" tIns="45000" bIns="45000" anchor="ctr"/>
-          <a:p>
-            <a:pPr algn="r">
-              <a:lnSpc>
-                <a:spcPct val="100000"/>
-              </a:lnSpc>
-            </a:pPr>
-            <a:fld id="{985C55AE-D65C-4E75-BA79-A0C297C89ED4}" type="slidenum">
-              <a:rPr b="1" lang="es-ES" sz="800" spc="-1" strike="noStrike">
+              <a:t>API REST</a:t>
+            </a:r>
+            <a:r>
+              <a:rPr b="0" lang="es-ES" sz="3600" spc="-1" strike="noStrike">
                 <a:solidFill>
-                  <a:srgbClr val="004569"/>
+                  <a:srgbClr val="ffffff"/>
                 </a:solidFill>
                 <a:latin typeface="Arial"/>
                 <a:ea typeface="DejaVu Sans"/>
               </a:rPr>
-              <a:t>&lt;número&gt;</a:t>
-            </a:fld>
-            <a:endParaRPr b="0" lang="es-ES" sz="800" spc="-1" strike="noStrike">
-              <a:latin typeface="Arial"/>
-            </a:endParaRPr>
-          </a:p>
-        </p:txBody>
-      </p:sp>
-      <p:sp>
-        <p:nvSpPr>
-          <p:cNvPr id="221" name="CustomShape 4"/>
-          <p:cNvSpPr/>
-          <p:nvPr/>
-        </p:nvSpPr>
-        <p:spPr>
-          <a:xfrm>
-            <a:off x="2365920" y="2594520"/>
-            <a:ext cx="3370680" cy="365400"/>
-          </a:xfrm>
-          <a:prstGeom prst="rect">
-            <a:avLst/>
-          </a:prstGeom>
-          <a:noFill/>
-          <a:ln>
-            <a:noFill/>
-          </a:ln>
-        </p:spPr>
-        <p:style>
-          <a:lnRef idx="0"/>
-          <a:fillRef idx="0"/>
-          <a:effectRef idx="0"/>
-          <a:fontRef idx="minor"/>
-        </p:style>
-        <p:txBody>
-          <a:bodyPr lIns="90000" rIns="90000" tIns="45000" bIns="45000"/>
-          <a:p>
-            <a:pPr algn="ctr">
-              <a:lnSpc>
-                <a:spcPct val="100000"/>
-              </a:lnSpc>
-            </a:pPr>
-            <a:r>
-              <a:rPr b="0" lang="es-ES" sz="1800" spc="-1" strike="noStrike">
-                <a:solidFill>
-                  <a:srgbClr val="2b2d2e"/>
-                </a:solidFill>
-                <a:latin typeface="Arial"/>
-                <a:ea typeface="DejaVu Sans"/>
-              </a:rPr>
-              <a:t>https://getcomposer.org</a:t>
-            </a:r>
-            <a:endParaRPr b="0" lang="es-ES" sz="1800" spc="-1" strike="noStrike">
-              <a:latin typeface="Arial"/>
-            </a:endParaRPr>
-          </a:p>
-        </p:txBody>
-      </p:sp>
-      <p:pic>
-        <p:nvPicPr>
-          <p:cNvPr id="222" name="Picture 7" descr=""/>
-          <p:cNvPicPr/>
-          <p:nvPr/>
-        </p:nvPicPr>
-        <p:blipFill>
-          <a:blip r:embed="rId1"/>
-          <a:stretch/>
-        </p:blipFill>
-        <p:spPr>
-          <a:xfrm>
-            <a:off x="3166200" y="248040"/>
-            <a:ext cx="1770480" cy="2166120"/>
-          </a:xfrm>
-          <a:prstGeom prst="rect">
-            <a:avLst/>
-          </a:prstGeom>
-          <a:ln>
-            <a:noFill/>
-          </a:ln>
-        </p:spPr>
-      </p:pic>
-      <p:sp>
-        <p:nvSpPr>
-          <p:cNvPr id="223" name="CustomShape 5"/>
-          <p:cNvSpPr/>
-          <p:nvPr/>
-        </p:nvSpPr>
-        <p:spPr>
-          <a:xfrm>
-            <a:off x="262800" y="3337560"/>
-            <a:ext cx="8388720" cy="2650680"/>
-          </a:xfrm>
-          <a:prstGeom prst="rect">
-            <a:avLst/>
-          </a:prstGeom>
-          <a:noFill/>
-          <a:ln>
-            <a:noFill/>
-          </a:ln>
-        </p:spPr>
-        <p:style>
-          <a:lnRef idx="0"/>
-          <a:fillRef idx="0"/>
-          <a:effectRef idx="0"/>
-          <a:fontRef idx="minor"/>
-        </p:style>
-        <p:txBody>
-          <a:bodyPr lIns="90000" rIns="90000" tIns="45000" bIns="45000"/>
-          <a:p>
-            <a:pPr algn="ctr">
-              <a:lnSpc>
-                <a:spcPct val="100000"/>
+              <a:t> </a:t>
+            </a:r>
+            <a:endParaRPr b="0" lang="es-ES" sz="3600" spc="-1" strike="noStrike">
+              <a:latin typeface="Arial"/>
+            </a:endParaRPr>
+          </a:p>
+          <a:p>
+            <a:pPr>
+              <a:lnSpc>
+                <a:spcPct val="80000"/>
+              </a:lnSpc>
+            </a:pPr>
+            <a:endParaRPr b="0" lang="es-ES" sz="3600" spc="-1" strike="noStrike">
+              <a:latin typeface="Arial"/>
+            </a:endParaRPr>
+          </a:p>
+          <a:p>
+            <a:pPr>
+              <a:lnSpc>
+                <a:spcPct val="80000"/>
               </a:lnSpc>
             </a:pPr>
             <a:r>
@@ -13357,16 +14953,16 @@
                 <a:latin typeface="Arial"/>
                 <a:ea typeface="DejaVu Sans"/>
               </a:rPr>
-              <a:t>Ejemplo en Linux – ubuntu</a:t>
+              <a:t>&gt; Es “stateless”.Lo que significa que ninguno de los 2 sistemas que se comunican guardan información</a:t>
             </a:r>
             <a:endParaRPr b="0" lang="es-ES" sz="2400" spc="-1" strike="noStrike">
               <a:latin typeface="Arial"/>
             </a:endParaRPr>
           </a:p>
           <a:p>
-            <a:pPr algn="ctr">
-              <a:lnSpc>
-                <a:spcPct val="100000"/>
+            <a:pPr>
+              <a:lnSpc>
+                <a:spcPct val="80000"/>
               </a:lnSpc>
             </a:pPr>
             <a:endParaRPr b="0" lang="es-ES" sz="2400" spc="-1" strike="noStrike">
@@ -13374,9 +14970,9 @@
             </a:endParaRPr>
           </a:p>
           <a:p>
-            <a:pPr algn="ctr">
-              <a:lnSpc>
-                <a:spcPct val="100000"/>
+            <a:pPr>
+              <a:lnSpc>
+                <a:spcPct val="80000"/>
               </a:lnSpc>
             </a:pPr>
             <a:r>
@@ -13387,80 +14983,23 @@
                 <a:latin typeface="Arial"/>
                 <a:ea typeface="DejaVu Sans"/>
               </a:rPr>
-              <a:t>curl -sS </a:t>
-            </a:r>
-            <a:r>
-              <a:rPr b="0" lang="es-ES" sz="2400" spc="-1" strike="noStrike" u="sng">
-                <a:solidFill>
-                  <a:srgbClr val="0000ff"/>
-                </a:solidFill>
-                <a:uFillTx/>
-                <a:latin typeface="Arial"/>
-                <a:ea typeface="DejaVu Sans"/>
-                <a:hlinkClick r:id="rId2"/>
-              </a:rPr>
-              <a:t>https://getcomposer.org/installer</a:t>
-            </a:r>
-            <a:r>
-              <a:rPr b="0" lang="es-ES" sz="2400" spc="-1" strike="noStrike">
-                <a:solidFill>
-                  <a:srgbClr val="2b2d2e"/>
-                </a:solidFill>
-                <a:latin typeface="Arial"/>
-                <a:ea typeface="DejaVu Sans"/>
-              </a:rPr>
-              <a:t> | php</a:t>
+              <a:t>&gt; No nos importa en que lenguaje está programada programada la API con la que nos queremos comunicar.</a:t>
             </a:r>
             <a:endParaRPr b="0" lang="es-ES" sz="2400" spc="-1" strike="noStrike">
               <a:latin typeface="Arial"/>
             </a:endParaRPr>
           </a:p>
           <a:p>
-            <a:pPr algn="ctr">
-              <a:lnSpc>
-                <a:spcPct val="100000"/>
-              </a:lnSpc>
-            </a:pPr>
-            <a:endParaRPr b="0" lang="es-ES" sz="2400" spc="-1" strike="noStrike">
-              <a:latin typeface="Arial"/>
-            </a:endParaRPr>
-          </a:p>
-          <a:p>
-            <a:pPr algn="ctr">
-              <a:lnSpc>
-                <a:spcPct val="100000"/>
-              </a:lnSpc>
-            </a:pPr>
-            <a:r>
-              <a:rPr b="0" lang="es-ES" sz="2400" spc="-1" strike="noStrike">
-                <a:solidFill>
-                  <a:srgbClr val="2b2d2e"/>
-                </a:solidFill>
-                <a:latin typeface="Arial"/>
-                <a:ea typeface="DejaVu Sans"/>
-              </a:rPr>
-              <a:t>sudo mv ~/composer.phar /usr/local/bin/composer</a:t>
-            </a:r>
-            <a:endParaRPr b="0" lang="es-ES" sz="2400" spc="-1" strike="noStrike">
-              <a:latin typeface="Arial"/>
-            </a:endParaRPr>
-          </a:p>
-          <a:p>
-            <a:pPr algn="ctr">
-              <a:lnSpc>
-                <a:spcPct val="100000"/>
-              </a:lnSpc>
-            </a:pPr>
-            <a:endParaRPr b="0" lang="es-ES" sz="2400" spc="-1" strike="noStrike">
-              <a:latin typeface="Arial"/>
-            </a:endParaRPr>
-          </a:p>
-          <a:p>
-            <a:pPr algn="ctr">
-              <a:lnSpc>
-                <a:spcPct val="100000"/>
-              </a:lnSpc>
-            </a:pPr>
+            <a:pPr>
+              <a:lnSpc>
+                <a:spcPct val="80000"/>
+              </a:lnSpc>
+            </a:pPr>
+            <a:br/>
+            <a:br/>
+            <a:br/>
+            <a:br/>
+            <a:br/>
             <a:endParaRPr b="0" lang="es-ES" sz="2400" spc="-1" strike="noStrike">
               <a:latin typeface="Arial"/>
             </a:endParaRPr>
@@ -13518,14 +15057,14 @@
       </p:grpSpPr>
       <p:sp>
         <p:nvSpPr>
-          <p:cNvPr id="224" name="CustomShape 1"/>
+          <p:cNvPr id="217" name="CustomShape 1"/>
           <p:cNvSpPr/>
           <p:nvPr/>
         </p:nvSpPr>
         <p:spPr>
           <a:xfrm>
-            <a:off x="457200" y="1385640"/>
-            <a:ext cx="8209440" cy="4917960"/>
+            <a:off x="371160" y="994680"/>
+            <a:ext cx="8401320" cy="5570280"/>
           </a:xfrm>
           <a:prstGeom prst="rect">
             <a:avLst/>
@@ -13542,45 +15081,76 @@
           <a:fontRef idx="minor"/>
         </p:style>
         <p:txBody>
-          <a:bodyPr lIns="90000" rIns="90000" tIns="45000" bIns="45000"/>
+          <a:bodyPr lIns="90000" rIns="90000" tIns="45000" bIns="45000" anchor="ctr">
+            <a:normAutofit/>
+          </a:bodyPr>
           <a:p>
             <a:pPr>
               <a:lnSpc>
+                <a:spcPct val="80000"/>
+              </a:lnSpc>
+            </a:pPr>
+            <a:r>
+              <a:rPr b="0" lang="es-ES" sz="3600" spc="-1" strike="noStrike">
+                <a:solidFill>
+                  <a:srgbClr val="ffffff"/>
+                </a:solidFill>
+                <a:latin typeface="Arial"/>
+                <a:ea typeface="DejaVu Sans"/>
+              </a:rPr>
+              <a:t>Qué es Slim Framework</a:t>
+            </a:r>
+            <a:r>
+              <a:rPr b="0" lang="es-ES" sz="4000" spc="-1" strike="noStrike">
+                <a:solidFill>
+                  <a:srgbClr val="ffffff"/>
+                </a:solidFill>
+                <a:latin typeface="Arial"/>
+                <a:ea typeface="DejaVu Sans"/>
+              </a:rPr>
+              <a:t>?</a:t>
+            </a:r>
+            <a:r>
+              <a:rPr b="0" lang="es-ES" sz="4400" spc="-1" strike="noStrike">
+                <a:solidFill>
+                  <a:srgbClr val="ffffff"/>
+                </a:solidFill>
+                <a:latin typeface="Arial"/>
+                <a:ea typeface="DejaVu Sans"/>
+              </a:rPr>
+              <a:t> </a:t>
+            </a:r>
+            <a:endParaRPr b="0" lang="es-ES" sz="4400" spc="-1" strike="noStrike">
+              <a:latin typeface="Arial"/>
+            </a:endParaRPr>
+          </a:p>
+          <a:p>
+            <a:pPr>
+              <a:lnSpc>
                 <a:spcPct val="100000"/>
               </a:lnSpc>
-              <a:spcBef>
-                <a:spcPts val="360"/>
-              </a:spcBef>
-            </a:pPr>
-            <a:endParaRPr b="0" lang="es-ES" sz="1800" spc="-1" strike="noStrike">
-              <a:latin typeface="Arial"/>
-            </a:endParaRPr>
-          </a:p>
-          <a:p>
-            <a:pPr marL="125640" indent="-178560">
+            </a:pPr>
+            <a:endParaRPr b="0" lang="es-ES" sz="4400" spc="-1" strike="noStrike">
+              <a:latin typeface="Arial"/>
+            </a:endParaRPr>
+          </a:p>
+          <a:p>
+            <a:pPr>
               <a:lnSpc>
                 <a:spcPct val="100000"/>
               </a:lnSpc>
-              <a:spcBef>
-                <a:spcPts val="479"/>
-              </a:spcBef>
-              <a:buClr>
-                <a:srgbClr val="5e6264"/>
-              </a:buClr>
-              <a:buFont typeface="Lucida Grande"/>
-              <a:buChar char="›"/>
-            </a:pPr>
-            <a:r>
-              <a:rPr b="0" lang="es-ES" sz="2400" spc="-1" strike="noStrike">
+            </a:pPr>
+            <a:r>
+              <a:rPr b="0" lang="es-ES" sz="3200" spc="-1" strike="noStrike">
                 <a:solidFill>
-                  <a:srgbClr val="5e6264"/>
+                  <a:srgbClr val="2b2d2e"/>
                 </a:solidFill>
                 <a:latin typeface="Arial"/>
                 <a:ea typeface="DejaVu Sans"/>
               </a:rPr>
-              <a:t>composer global require "laravel/installer=~1.1"</a:t>
-            </a:r>
-            <a:endParaRPr b="0" lang="es-ES" sz="2400" spc="-1" strike="noStrike">
+              <a:t>Slim es un micro framework que permite la creación tanto de aplicaciones web como de API REST. </a:t>
+            </a:r>
+            <a:endParaRPr b="0" lang="es-ES" sz="3200" spc="-1" strike="noStrike">
               <a:latin typeface="Arial"/>
             </a:endParaRPr>
           </a:p>
@@ -13589,257 +15159,23 @@
               <a:lnSpc>
                 <a:spcPct val="100000"/>
               </a:lnSpc>
-              <a:spcBef>
-                <a:spcPts val="479"/>
-              </a:spcBef>
-            </a:pPr>
-            <a:endParaRPr b="0" lang="es-ES" sz="2400" spc="-1" strike="noStrike">
-              <a:latin typeface="Arial"/>
-            </a:endParaRPr>
-          </a:p>
-          <a:p>
-            <a:pPr marL="125640" indent="-178560">
+            </a:pPr>
+            <a:endParaRPr b="0" lang="es-ES" sz="3200" spc="-1" strike="noStrike">
+              <a:latin typeface="Arial"/>
+            </a:endParaRPr>
+          </a:p>
+          <a:p>
+            <a:pPr>
               <a:lnSpc>
                 <a:spcPct val="100000"/>
               </a:lnSpc>
-              <a:spcBef>
-                <a:spcPts val="479"/>
-              </a:spcBef>
-              <a:buClr>
-                <a:srgbClr val="5e6264"/>
-              </a:buClr>
-              <a:buFont typeface="Lucida Grande"/>
-              <a:buChar char="›"/>
-            </a:pPr>
-            <a:r>
-              <a:rPr b="0" lang="es-ES" sz="2400" spc="-1" strike="noStrike">
-                <a:solidFill>
-                  <a:srgbClr val="5e6264"/>
-                </a:solidFill>
-                <a:latin typeface="Arial"/>
-                <a:ea typeface="DejaVu Sans"/>
-              </a:rPr>
-              <a:t>Configurar variable de entorno segun SO, ej Linux</a:t>
-            </a:r>
-            <a:endParaRPr b="0" lang="es-ES" sz="2400" spc="-1" strike="noStrike">
-              <a:latin typeface="Arial"/>
-            </a:endParaRPr>
-          </a:p>
-          <a:p>
-            <a:pPr>
-              <a:lnSpc>
-                <a:spcPct val="100000"/>
-              </a:lnSpc>
-              <a:spcBef>
-                <a:spcPts val="479"/>
-              </a:spcBef>
-            </a:pPr>
-            <a:r>
-              <a:rPr b="0" lang="es-ES" sz="2400" spc="-1" strike="noStrike">
-                <a:solidFill>
-                  <a:srgbClr val="5e6264"/>
-                </a:solidFill>
-                <a:latin typeface="Arial"/>
-                <a:ea typeface="DejaVu Sans"/>
-              </a:rPr>
-              <a:t>  </a:t>
-            </a:r>
-            <a:r>
-              <a:rPr b="0" lang="es-ES" sz="2400" spc="-1" strike="noStrike">
-                <a:solidFill>
-                  <a:srgbClr val="5e6264"/>
-                </a:solidFill>
-                <a:latin typeface="Arial"/>
-                <a:ea typeface="DejaVu Sans"/>
-              </a:rPr>
-              <a:t>Editar  ~/.profile y agregar la linea:  </a:t>
-            </a:r>
-            <a:endParaRPr b="0" lang="es-ES" sz="2400" spc="-1" strike="noStrike">
-              <a:latin typeface="Arial"/>
-            </a:endParaRPr>
-          </a:p>
-          <a:p>
-            <a:pPr>
-              <a:lnSpc>
-                <a:spcPct val="100000"/>
-              </a:lnSpc>
-              <a:spcBef>
-                <a:spcPts val="479"/>
-              </a:spcBef>
-            </a:pPr>
-            <a:r>
-              <a:rPr b="0" lang="es-ES" sz="2400" spc="-1" strike="noStrike">
-                <a:solidFill>
-                  <a:srgbClr val="5e6264"/>
-                </a:solidFill>
-                <a:latin typeface="Arial"/>
-                <a:ea typeface="DejaVu Sans"/>
-              </a:rPr>
-              <a:t>  </a:t>
-            </a:r>
-            <a:r>
-              <a:rPr b="0" lang="es-ES" sz="2400" spc="-1" strike="noStrike">
-                <a:solidFill>
-                  <a:srgbClr val="5e6264"/>
-                </a:solidFill>
-                <a:latin typeface="Arial"/>
-                <a:ea typeface="DejaVu Sans"/>
-              </a:rPr>
-              <a:t>PATH="$PATH:/usr/local/bin"</a:t>
-            </a:r>
-            <a:endParaRPr b="0" lang="es-ES" sz="2400" spc="-1" strike="noStrike">
-              <a:latin typeface="Arial"/>
-            </a:endParaRPr>
-          </a:p>
-          <a:p>
-            <a:pPr>
-              <a:lnSpc>
-                <a:spcPct val="100000"/>
-              </a:lnSpc>
-              <a:spcBef>
-                <a:spcPts val="479"/>
-              </a:spcBef>
-            </a:pPr>
-            <a:endParaRPr b="0" lang="es-ES" sz="2400" spc="-1" strike="noStrike">
-              <a:latin typeface="Arial"/>
-            </a:endParaRPr>
-          </a:p>
-          <a:p>
-            <a:pPr marL="125640" indent="-178560">
-              <a:lnSpc>
-                <a:spcPct val="100000"/>
-              </a:lnSpc>
-              <a:spcBef>
-                <a:spcPts val="400"/>
-              </a:spcBef>
-              <a:buClr>
-                <a:srgbClr val="5e6264"/>
-              </a:buClr>
-              <a:buFont typeface="Lucida Grande"/>
-              <a:buChar char="›"/>
-            </a:pPr>
-            <a:r>
-              <a:rPr b="0" lang="es-ES" sz="2000" spc="-1" strike="noStrike">
-                <a:solidFill>
-                  <a:srgbClr val="5e6264"/>
-                </a:solidFill>
-                <a:latin typeface="Arial"/>
-                <a:ea typeface="DejaVu Sans"/>
-              </a:rPr>
-              <a:t>composer create-project laravel/laravel MiProyecto --prefer-dist</a:t>
-            </a:r>
-            <a:endParaRPr b="0" lang="es-ES" sz="2000" spc="-1" strike="noStrike">
-              <a:latin typeface="Arial"/>
-            </a:endParaRPr>
-          </a:p>
-          <a:p>
-            <a:pPr>
-              <a:lnSpc>
-                <a:spcPct val="100000"/>
-              </a:lnSpc>
-              <a:spcBef>
-                <a:spcPts val="400"/>
-              </a:spcBef>
-            </a:pPr>
-            <a:endParaRPr b="0" lang="es-ES" sz="2000" spc="-1" strike="noStrike">
-              <a:latin typeface="Arial"/>
-            </a:endParaRPr>
-          </a:p>
-        </p:txBody>
-      </p:sp>
-      <p:sp>
-        <p:nvSpPr>
-          <p:cNvPr id="225" name="CustomShape 2"/>
-          <p:cNvSpPr/>
-          <p:nvPr/>
-        </p:nvSpPr>
-        <p:spPr>
-          <a:xfrm>
-            <a:off x="457200" y="192240"/>
-            <a:ext cx="7193520" cy="848160"/>
-          </a:xfrm>
-          <a:prstGeom prst="rect">
-            <a:avLst/>
-          </a:prstGeom>
-          <a:noFill/>
-          <a:ln w="9360">
-            <a:noFill/>
-          </a:ln>
-        </p:spPr>
-        <p:style>
-          <a:lnRef idx="0"/>
-          <a:fillRef idx="0"/>
-          <a:effectRef idx="0"/>
-          <a:fontRef idx="minor"/>
-        </p:style>
-        <p:txBody>
-          <a:bodyPr lIns="90000" rIns="90000" tIns="45000" bIns="45000" anchor="b"/>
-          <a:p>
-            <a:pPr>
-              <a:lnSpc>
-                <a:spcPct val="100000"/>
-              </a:lnSpc>
-            </a:pPr>
-            <a:r>
-              <a:rPr b="0" lang="es-ES" sz="3000" spc="-1" strike="noStrike">
-                <a:solidFill>
-                  <a:srgbClr val="004569"/>
-                </a:solidFill>
-                <a:latin typeface="Arial"/>
-                <a:ea typeface="DejaVu Sans"/>
-              </a:rPr>
-              <a:t>Instalar Laravel</a:t>
-            </a:r>
-            <a:endParaRPr b="0" lang="es-ES" sz="3000" spc="-1" strike="noStrike">
-              <a:latin typeface="Arial"/>
-            </a:endParaRPr>
-          </a:p>
-        </p:txBody>
-      </p:sp>
-      <p:sp>
-        <p:nvSpPr>
-          <p:cNvPr id="226" name="CustomShape 3"/>
-          <p:cNvSpPr/>
-          <p:nvPr/>
-        </p:nvSpPr>
-        <p:spPr>
-          <a:xfrm>
-            <a:off x="395640" y="6520320"/>
-            <a:ext cx="358920" cy="219960"/>
-          </a:xfrm>
-          <a:prstGeom prst="rect">
-            <a:avLst/>
-          </a:prstGeom>
-          <a:noFill/>
-          <a:ln>
-            <a:noFill/>
-          </a:ln>
-        </p:spPr>
-        <p:style>
-          <a:lnRef idx="0"/>
-          <a:fillRef idx="0"/>
-          <a:effectRef idx="0"/>
-          <a:fontRef idx="minor"/>
-        </p:style>
-        <p:txBody>
-          <a:bodyPr lIns="90000" rIns="90000" tIns="45000" bIns="45000" anchor="ctr"/>
-          <a:p>
-            <a:pPr algn="r">
-              <a:lnSpc>
-                <a:spcPct val="100000"/>
-              </a:lnSpc>
-            </a:pPr>
-            <a:fld id="{3762B6D9-EEA3-4364-91FB-CA7C46B652FB}" type="slidenum">
-              <a:rPr b="1" lang="es-ES" sz="800" spc="-1" strike="noStrike">
-                <a:solidFill>
-                  <a:srgbClr val="004569"/>
-                </a:solidFill>
-                <a:latin typeface="Arial"/>
-                <a:ea typeface="DejaVu Sans"/>
-              </a:rPr>
-              <a:t>&lt;número&gt;</a:t>
-            </a:fld>
-            <a:endParaRPr b="0" lang="es-ES" sz="800" spc="-1" strike="noStrike">
+            </a:pPr>
+            <a:br/>
+            <a:br/>
+            <a:br/>
+            <a:br/>
+            <a:br/>
+            <a:endParaRPr b="0" lang="es-ES" sz="3200" spc="-1" strike="noStrike">
               <a:latin typeface="Arial"/>
             </a:endParaRPr>
           </a:p>

--- a/ppt_capacitacion_slim.pptx
+++ b/ppt_capacitacion_slim.pptx
@@ -29,6 +29,7 @@
     <p:sldId id="273" r:id="rId24"/>
     <p:sldId id="274" r:id="rId25"/>
     <p:sldId id="275" r:id="rId26"/>
+    <p:sldId id="276" r:id="rId27"/>
   </p:sldIdLst>
   <p:sldSz cx="9144000" cy="6858000"/>
   <p:notesSz cx="7559675" cy="10691812"/>
@@ -6732,7 +6733,7 @@
         <p:spPr>
           <a:xfrm>
             <a:off x="1793160" y="0"/>
-            <a:ext cx="7349040" cy="6856200"/>
+            <a:ext cx="7348320" cy="6855480"/>
           </a:xfrm>
           <a:prstGeom prst="rect">
             <a:avLst/>
@@ -6751,7 +6752,7 @@
         <p:spPr>
           <a:xfrm>
             <a:off x="0" y="0"/>
-            <a:ext cx="9142200" cy="6856200"/>
+            <a:ext cx="9141480" cy="6855480"/>
           </a:xfrm>
           <a:custGeom>
             <a:avLst/>
@@ -6833,7 +6834,7 @@
         <p:spPr>
           <a:xfrm>
             <a:off x="323640" y="188640"/>
-            <a:ext cx="5109840" cy="142560"/>
+            <a:ext cx="5109120" cy="141840"/>
           </a:xfrm>
           <a:prstGeom prst="rect">
             <a:avLst/>
@@ -6888,7 +6889,7 @@
         <p:spPr>
           <a:xfrm>
             <a:off x="7452360" y="5617080"/>
-            <a:ext cx="1257120" cy="815400"/>
+            <a:ext cx="1256400" cy="814680"/>
           </a:xfrm>
           <a:prstGeom prst="rect">
             <a:avLst/>
@@ -6911,7 +6912,7 @@
         <p:spPr>
           <a:xfrm>
             <a:off x="461520" y="5481720"/>
-            <a:ext cx="1870560" cy="956880"/>
+            <a:ext cx="1869840" cy="956160"/>
           </a:xfrm>
           <a:prstGeom prst="rect">
             <a:avLst/>
@@ -6948,7 +6949,13 @@
               <a:rPr b="0" lang="es-ES" sz="4400" spc="-1" strike="noStrike">
                 <a:latin typeface="Arial"/>
               </a:rPr>
-              <a:t>Pulse para editar el formato del texto de título</a:t>
+              <a:t>Pulse para editar el formato </a:t>
+            </a:r>
+            <a:r>
+              <a:rPr b="0" lang="es-ES" sz="4400" spc="-1" strike="noStrike">
+                <a:latin typeface="Arial"/>
+              </a:rPr>
+              <a:t>del texto de título</a:t>
             </a:r>
             <a:endParaRPr b="0" lang="es-ES" sz="4400" spc="-1" strike="noStrike">
               <a:latin typeface="Arial"/>
@@ -6995,31 +7002,7 @@
               <a:rPr b="0" lang="es-ES" sz="3200" spc="-1" strike="noStrike">
                 <a:latin typeface="Arial"/>
               </a:rPr>
-              <a:t>Pulse para </a:t>
-            </a:r>
-            <a:r>
-              <a:rPr b="0" lang="es-ES" sz="3200" spc="-1" strike="noStrike">
-                <a:latin typeface="Arial"/>
-              </a:rPr>
-              <a:t>editar el </a:t>
-            </a:r>
-            <a:r>
-              <a:rPr b="0" lang="es-ES" sz="3200" spc="-1" strike="noStrike">
-                <a:latin typeface="Arial"/>
-              </a:rPr>
-              <a:t>formato de </a:t>
-            </a:r>
-            <a:r>
-              <a:rPr b="0" lang="es-ES" sz="3200" spc="-1" strike="noStrike">
-                <a:latin typeface="Arial"/>
-              </a:rPr>
-              <a:t>esquema </a:t>
-            </a:r>
-            <a:r>
-              <a:rPr b="0" lang="es-ES" sz="3200" spc="-1" strike="noStrike">
-                <a:latin typeface="Arial"/>
-              </a:rPr>
-              <a:t>del texto</a:t>
+              <a:t>Pulse para editar el formato de esquema del texto</a:t>
             </a:r>
             <a:endParaRPr b="0" lang="es-ES" sz="3200" spc="-1" strike="noStrike">
               <a:latin typeface="Arial"/>
@@ -7041,19 +7024,7 @@
               <a:rPr b="0" lang="es-ES" sz="2800" spc="-1" strike="noStrike">
                 <a:latin typeface="Arial"/>
               </a:rPr>
-              <a:t>Segundo </a:t>
-            </a:r>
-            <a:r>
-              <a:rPr b="0" lang="es-ES" sz="2800" spc="-1" strike="noStrike">
-                <a:latin typeface="Arial"/>
-              </a:rPr>
-              <a:t>nivel del </a:t>
-            </a:r>
-            <a:r>
-              <a:rPr b="0" lang="es-ES" sz="2800" spc="-1" strike="noStrike">
-                <a:latin typeface="Arial"/>
-              </a:rPr>
-              <a:t>esquema</a:t>
+              <a:t>Segundo nivel del esquema</a:t>
             </a:r>
             <a:endParaRPr b="0" lang="es-ES" sz="2800" spc="-1" strike="noStrike">
               <a:latin typeface="Arial"/>
@@ -7075,19 +7046,7 @@
               <a:rPr b="0" lang="es-ES" sz="2400" spc="-1" strike="noStrike">
                 <a:latin typeface="Arial"/>
               </a:rPr>
-              <a:t>Tercer </a:t>
-            </a:r>
-            <a:r>
-              <a:rPr b="0" lang="es-ES" sz="2400" spc="-1" strike="noStrike">
-                <a:latin typeface="Arial"/>
-              </a:rPr>
-              <a:t>nivel del </a:t>
-            </a:r>
-            <a:r>
-              <a:rPr b="0" lang="es-ES" sz="2400" spc="-1" strike="noStrike">
-                <a:latin typeface="Arial"/>
-              </a:rPr>
-              <a:t>esquema</a:t>
+              <a:t>Tercer nivel del esquema</a:t>
             </a:r>
             <a:endParaRPr b="0" lang="es-ES" sz="2400" spc="-1" strike="noStrike">
               <a:latin typeface="Arial"/>
@@ -7109,31 +7068,7 @@
               <a:rPr b="0" lang="es-ES" sz="2000" spc="-1" strike="noStrike">
                 <a:latin typeface="Arial"/>
               </a:rPr>
-              <a:t>Cuarto </a:t>
-            </a:r>
-            <a:r>
-              <a:rPr b="0" lang="es-ES" sz="2000" spc="-1" strike="noStrike">
-                <a:latin typeface="Arial"/>
-              </a:rPr>
-              <a:t>nivel </a:t>
-            </a:r>
-            <a:r>
-              <a:rPr b="0" lang="es-ES" sz="2000" spc="-1" strike="noStrike">
-                <a:latin typeface="Arial"/>
-              </a:rPr>
-              <a:t>del </a:t>
-            </a:r>
-            <a:r>
-              <a:rPr b="0" lang="es-ES" sz="2000" spc="-1" strike="noStrike">
-                <a:latin typeface="Arial"/>
-              </a:rPr>
-              <a:t>esquem</a:t>
-            </a:r>
-            <a:r>
-              <a:rPr b="0" lang="es-ES" sz="2000" spc="-1" strike="noStrike">
-                <a:latin typeface="Arial"/>
-              </a:rPr>
-              <a:t>a</a:t>
+              <a:t>Cuarto nivel del esquema</a:t>
             </a:r>
             <a:endParaRPr b="0" lang="es-ES" sz="2000" spc="-1" strike="noStrike">
               <a:latin typeface="Arial"/>
@@ -7155,43 +7090,7 @@
               <a:rPr b="0" lang="es-ES" sz="2000" spc="-1" strike="noStrike">
                 <a:latin typeface="Arial"/>
               </a:rPr>
-              <a:t>Qui</a:t>
-            </a:r>
-            <a:r>
-              <a:rPr b="0" lang="es-ES" sz="2000" spc="-1" strike="noStrike">
-                <a:latin typeface="Arial"/>
-              </a:rPr>
-              <a:t>nto </a:t>
-            </a:r>
-            <a:r>
-              <a:rPr b="0" lang="es-ES" sz="2000" spc="-1" strike="noStrike">
-                <a:latin typeface="Arial"/>
-              </a:rPr>
-              <a:t>nive</a:t>
-            </a:r>
-            <a:r>
-              <a:rPr b="0" lang="es-ES" sz="2000" spc="-1" strike="noStrike">
-                <a:latin typeface="Arial"/>
-              </a:rPr>
-              <a:t>l del </a:t>
-            </a:r>
-            <a:r>
-              <a:rPr b="0" lang="es-ES" sz="2000" spc="-1" strike="noStrike">
-                <a:latin typeface="Arial"/>
-              </a:rPr>
-              <a:t>esq</a:t>
-            </a:r>
-            <a:r>
-              <a:rPr b="0" lang="es-ES" sz="2000" spc="-1" strike="noStrike">
-                <a:latin typeface="Arial"/>
-              </a:rPr>
-              <a:t>ue</a:t>
-            </a:r>
-            <a:r>
-              <a:rPr b="0" lang="es-ES" sz="2000" spc="-1" strike="noStrike">
-                <a:latin typeface="Arial"/>
-              </a:rPr>
-              <a:t>ma</a:t>
+              <a:t>Quinto nivel del esquema</a:t>
             </a:r>
             <a:endParaRPr b="0" lang="es-ES" sz="2000" spc="-1" strike="noStrike">
               <a:latin typeface="Arial"/>
@@ -7213,127 +7112,7 @@
               <a:rPr b="0" lang="es-ES" sz="2000" spc="-1" strike="noStrike">
                 <a:latin typeface="Arial"/>
               </a:rPr>
-              <a:t>S</a:t>
-            </a:r>
-            <a:r>
-              <a:rPr b="0" lang="es-ES" sz="2000" spc="-1" strike="noStrike">
-                <a:latin typeface="Arial"/>
-              </a:rPr>
-              <a:t>e</a:t>
-            </a:r>
-            <a:r>
-              <a:rPr b="0" lang="es-ES" sz="2000" spc="-1" strike="noStrike">
-                <a:latin typeface="Arial"/>
-              </a:rPr>
-              <a:t>x</a:t>
-            </a:r>
-            <a:r>
-              <a:rPr b="0" lang="es-ES" sz="2000" spc="-1" strike="noStrike">
-                <a:latin typeface="Arial"/>
-              </a:rPr>
-              <a:t>t</a:t>
-            </a:r>
-            <a:r>
-              <a:rPr b="0" lang="es-ES" sz="2000" spc="-1" strike="noStrike">
-                <a:latin typeface="Arial"/>
-              </a:rPr>
-              <a:t>o</a:t>
-            </a:r>
-            <a:r>
-              <a:rPr b="0" lang="es-ES" sz="2000" spc="-1" strike="noStrike">
-                <a:latin typeface="Arial"/>
-              </a:rPr>
-              <a:t> </a:t>
-            </a:r>
-            <a:r>
-              <a:rPr b="0" lang="es-ES" sz="2000" spc="-1" strike="noStrike">
-                <a:latin typeface="Arial"/>
-              </a:rPr>
-              <a:t>n</a:t>
-            </a:r>
-            <a:r>
-              <a:rPr b="0" lang="es-ES" sz="2000" spc="-1" strike="noStrike">
-                <a:latin typeface="Arial"/>
-              </a:rPr>
-              <a:t>i</a:t>
-            </a:r>
-            <a:r>
-              <a:rPr b="0" lang="es-ES" sz="2000" spc="-1" strike="noStrike">
-                <a:latin typeface="Arial"/>
-              </a:rPr>
-              <a:t>v</a:t>
-            </a:r>
-            <a:r>
-              <a:rPr b="0" lang="es-ES" sz="2000" spc="-1" strike="noStrike">
-                <a:latin typeface="Arial"/>
-              </a:rPr>
-              <a:t>e</a:t>
-            </a:r>
-            <a:r>
-              <a:rPr b="0" lang="es-ES" sz="2000" spc="-1" strike="noStrike">
-                <a:latin typeface="Arial"/>
-              </a:rPr>
-              <a:t>l </a:t>
-            </a:r>
-            <a:r>
-              <a:rPr b="0" lang="es-ES" sz="2000" spc="-1" strike="noStrike">
-                <a:latin typeface="Arial"/>
-              </a:rPr>
-              <a:t>d</a:t>
-            </a:r>
-            <a:r>
-              <a:rPr b="0" lang="es-ES" sz="2000" spc="-1" strike="noStrike">
-                <a:latin typeface="Arial"/>
-              </a:rPr>
-              <a:t>e</a:t>
-            </a:r>
-            <a:r>
-              <a:rPr b="0" lang="es-ES" sz="2000" spc="-1" strike="noStrike">
-                <a:latin typeface="Arial"/>
-              </a:rPr>
-              <a:t>l </a:t>
-            </a:r>
-            <a:r>
-              <a:rPr b="0" lang="es-ES" sz="2000" spc="-1" strike="noStrike">
-                <a:latin typeface="Arial"/>
-              </a:rPr>
-              <a:t>e</a:t>
-            </a:r>
-            <a:r>
-              <a:rPr b="0" lang="es-ES" sz="2000" spc="-1" strike="noStrike">
-                <a:latin typeface="Arial"/>
-              </a:rPr>
-              <a:t>s</a:t>
-            </a:r>
-            <a:r>
-              <a:rPr b="0" lang="es-ES" sz="2000" spc="-1" strike="noStrike">
-                <a:latin typeface="Arial"/>
-              </a:rPr>
-              <a:t>q</a:t>
-            </a:r>
-            <a:r>
-              <a:rPr b="0" lang="es-ES" sz="2000" spc="-1" strike="noStrike">
-                <a:latin typeface="Arial"/>
-              </a:rPr>
-              <a:t>u</a:t>
-            </a:r>
-            <a:r>
-              <a:rPr b="0" lang="es-ES" sz="2000" spc="-1" strike="noStrike">
-                <a:latin typeface="Arial"/>
-              </a:rPr>
-              <a:t>e</a:t>
-            </a:r>
-            <a:r>
-              <a:rPr b="0" lang="es-ES" sz="2000" spc="-1" strike="noStrike">
-                <a:latin typeface="Arial"/>
-              </a:rPr>
-              <a:t>m</a:t>
-            </a:r>
-            <a:r>
-              <a:rPr b="0" lang="es-ES" sz="2000" spc="-1" strike="noStrike">
-                <a:latin typeface="Arial"/>
-              </a:rPr>
-              <a:t>a</a:t>
+              <a:t>Sexto nivel del esquema</a:t>
             </a:r>
             <a:endParaRPr b="0" lang="es-ES" sz="2000" spc="-1" strike="noStrike">
               <a:latin typeface="Arial"/>
@@ -7355,151 +7134,7 @@
               <a:rPr b="0" lang="es-ES" sz="2000" spc="-1" strike="noStrike">
                 <a:latin typeface="Arial"/>
               </a:rPr>
-              <a:t>S</a:t>
-            </a:r>
-            <a:r>
-              <a:rPr b="0" lang="es-ES" sz="2000" spc="-1" strike="noStrike">
-                <a:latin typeface="Arial"/>
-              </a:rPr>
-              <a:t>é</a:t>
-            </a:r>
-            <a:r>
-              <a:rPr b="0" lang="es-ES" sz="2000" spc="-1" strike="noStrike">
-                <a:latin typeface="Arial"/>
-              </a:rPr>
-              <a:t>p</a:t>
-            </a:r>
-            <a:r>
-              <a:rPr b="0" lang="es-ES" sz="2000" spc="-1" strike="noStrike">
-                <a:latin typeface="Arial"/>
-              </a:rPr>
-              <a:t>t</a:t>
-            </a:r>
-            <a:r>
-              <a:rPr b="0" lang="es-ES" sz="2000" spc="-1" strike="noStrike">
-                <a:latin typeface="Arial"/>
-              </a:rPr>
-              <a:t>i</a:t>
-            </a:r>
-            <a:r>
-              <a:rPr b="0" lang="es-ES" sz="2000" spc="-1" strike="noStrike">
-                <a:latin typeface="Arial"/>
-              </a:rPr>
-              <a:t>m</a:t>
-            </a:r>
-            <a:r>
-              <a:rPr b="0" lang="es-ES" sz="2000" spc="-1" strike="noStrike">
-                <a:latin typeface="Arial"/>
-              </a:rPr>
-              <a:t>o</a:t>
-            </a:r>
-            <a:r>
-              <a:rPr b="0" lang="es-ES" sz="2000" spc="-1" strike="noStrike">
-                <a:latin typeface="Arial"/>
-              </a:rPr>
-              <a:t> </a:t>
-            </a:r>
-            <a:r>
-              <a:rPr b="0" lang="es-ES" sz="2000" spc="-1" strike="noStrike">
-                <a:latin typeface="Arial"/>
-              </a:rPr>
-              <a:t>n</a:t>
-            </a:r>
-            <a:r>
-              <a:rPr b="0" lang="es-ES" sz="2000" spc="-1" strike="noStrike">
-                <a:latin typeface="Arial"/>
-              </a:rPr>
-              <a:t>i</a:t>
-            </a:r>
-            <a:r>
-              <a:rPr b="0" lang="es-ES" sz="2000" spc="-1" strike="noStrike">
-                <a:latin typeface="Arial"/>
-              </a:rPr>
-              <a:t>v</a:t>
-            </a:r>
-            <a:r>
-              <a:rPr b="0" lang="es-ES" sz="2000" spc="-1" strike="noStrike">
-                <a:latin typeface="Arial"/>
-              </a:rPr>
-              <a:t>e</a:t>
-            </a:r>
-            <a:r>
-              <a:rPr b="0" lang="es-ES" sz="2000" spc="-1" strike="noStrike">
-                <a:latin typeface="Arial"/>
-              </a:rPr>
-              <a:t>l</a:t>
-            </a:r>
-            <a:r>
-              <a:rPr b="0" lang="es-ES" sz="2000" spc="-1" strike="noStrike">
-                <a:latin typeface="Arial"/>
-              </a:rPr>
-              <a:t> </a:t>
-            </a:r>
-            <a:r>
-              <a:rPr b="0" lang="es-ES" sz="2000" spc="-1" strike="noStrike">
-                <a:latin typeface="Arial"/>
-              </a:rPr>
-              <a:t>d</a:t>
-            </a:r>
-            <a:r>
-              <a:rPr b="0" lang="es-ES" sz="2000" spc="-1" strike="noStrike">
-                <a:latin typeface="Arial"/>
-              </a:rPr>
-              <a:t>e</a:t>
-            </a:r>
-            <a:r>
-              <a:rPr b="0" lang="es-ES" sz="2000" spc="-1" strike="noStrike">
-                <a:latin typeface="Arial"/>
-              </a:rPr>
-              <a:t>l</a:t>
-            </a:r>
-            <a:r>
-              <a:rPr b="0" lang="es-ES" sz="2000" spc="-1" strike="noStrike">
-                <a:latin typeface="Arial"/>
-              </a:rPr>
-              <a:t> </a:t>
-            </a:r>
-            <a:r>
-              <a:rPr b="0" lang="es-ES" sz="2000" spc="-1" strike="noStrike">
-                <a:latin typeface="Arial"/>
-              </a:rPr>
-              <a:t>e</a:t>
-            </a:r>
-            <a:r>
-              <a:rPr b="0" lang="es-ES" sz="2000" spc="-1" strike="noStrike">
-                <a:latin typeface="Arial"/>
-              </a:rPr>
-              <a:t>s</a:t>
-            </a:r>
-            <a:r>
-              <a:rPr b="0" lang="es-ES" sz="2000" spc="-1" strike="noStrike">
-                <a:latin typeface="Arial"/>
-              </a:rPr>
-              <a:t>q</a:t>
-            </a:r>
-            <a:r>
-              <a:rPr b="0" lang="es-ES" sz="2000" spc="-1" strike="noStrike">
-                <a:latin typeface="Arial"/>
-              </a:rPr>
-              <a:t>u</a:t>
-            </a:r>
-            <a:r>
-              <a:rPr b="0" lang="es-ES" sz="2000" spc="-1" strike="noStrike">
-                <a:latin typeface="Arial"/>
-              </a:rPr>
-              <a:t>e</a:t>
-            </a:r>
-            <a:r>
-              <a:rPr b="0" lang="es-ES" sz="2000" spc="-1" strike="noStrike">
-                <a:latin typeface="Arial"/>
-              </a:rPr>
-              <a:t>m</a:t>
-            </a:r>
-            <a:r>
-              <a:rPr b="0" lang="es-ES" sz="2000" spc="-1" strike="noStrike">
-                <a:latin typeface="Arial"/>
-              </a:rPr>
-              <a:t>a</a:t>
+              <a:t>Séptimo nivel del esquema</a:t>
             </a:r>
             <a:endParaRPr b="0" lang="es-ES" sz="2000" spc="-1" strike="noStrike">
               <a:latin typeface="Arial"/>
@@ -7560,7 +7195,7 @@
         <p:spPr>
           <a:xfrm>
             <a:off x="0" y="0"/>
-            <a:ext cx="9142200" cy="6856200"/>
+            <a:ext cx="9141480" cy="6855480"/>
           </a:xfrm>
           <a:custGeom>
             <a:avLst/>
@@ -7642,7 +7277,7 @@
         <p:spPr>
           <a:xfrm>
             <a:off x="3708000" y="6525360"/>
-            <a:ext cx="5109840" cy="142560"/>
+            <a:ext cx="5109120" cy="141840"/>
           </a:xfrm>
           <a:prstGeom prst="rect">
             <a:avLst/>
@@ -7696,7 +7331,7 @@
         <p:spPr>
           <a:xfrm>
             <a:off x="6228360" y="620640"/>
-            <a:ext cx="2531520" cy="1078200"/>
+            <a:ext cx="2530800" cy="1077480"/>
           </a:xfrm>
           <a:prstGeom prst="rect">
             <a:avLst/>
@@ -7721,7 +7356,7 @@
         <p:spPr>
           <a:xfrm>
             <a:off x="539640" y="5617080"/>
-            <a:ext cx="1257120" cy="815400"/>
+            <a:ext cx="1256400" cy="814680"/>
           </a:xfrm>
           <a:prstGeom prst="rect">
             <a:avLst/>
@@ -7758,7 +7393,13 @@
               <a:rPr b="0" lang="es-ES" sz="4400" spc="-1" strike="noStrike">
                 <a:latin typeface="Arial"/>
               </a:rPr>
-              <a:t>Pulse para editar el formato del texto de título</a:t>
+              <a:t>Pulse para editar el formato </a:t>
+            </a:r>
+            <a:r>
+              <a:rPr b="0" lang="es-ES" sz="4400" spc="-1" strike="noStrike">
+                <a:latin typeface="Arial"/>
+              </a:rPr>
+              <a:t>del texto de título</a:t>
             </a:r>
             <a:endParaRPr b="0" lang="es-ES" sz="4400" spc="-1" strike="noStrike">
               <a:latin typeface="Arial"/>
@@ -8002,7 +7643,7 @@
         <p:spPr>
           <a:xfrm>
             <a:off x="7812360" y="404640"/>
-            <a:ext cx="1035000" cy="528120"/>
+            <a:ext cx="1034280" cy="527400"/>
           </a:xfrm>
           <a:prstGeom prst="rect">
             <a:avLst/>
@@ -8021,7 +7662,7 @@
         <p:spPr>
           <a:xfrm>
             <a:off x="756360" y="6524640"/>
-            <a:ext cx="5109840" cy="142560"/>
+            <a:ext cx="5109120" cy="141840"/>
           </a:xfrm>
           <a:prstGeom prst="rect">
             <a:avLst/>
@@ -8332,7 +7973,7 @@
         <p:spPr>
           <a:xfrm>
             <a:off x="7812360" y="404640"/>
-            <a:ext cx="1035000" cy="528120"/>
+            <a:ext cx="1034280" cy="527400"/>
           </a:xfrm>
           <a:prstGeom prst="rect">
             <a:avLst/>
@@ -8351,7 +7992,7 @@
         <p:spPr>
           <a:xfrm>
             <a:off x="756360" y="6524640"/>
-            <a:ext cx="5109840" cy="142560"/>
+            <a:ext cx="5109120" cy="141840"/>
           </a:xfrm>
           <a:prstGeom prst="rect">
             <a:avLst/>
@@ -8400,7 +8041,7 @@
         <p:spPr>
           <a:xfrm>
             <a:off x="0" y="2205000"/>
-            <a:ext cx="9142200" cy="2878560"/>
+            <a:ext cx="9141480" cy="2877840"/>
           </a:xfrm>
           <a:prstGeom prst="rect">
             <a:avLst/>
@@ -8711,7 +8352,7 @@
         <p:spPr>
           <a:xfrm>
             <a:off x="0" y="9000"/>
-            <a:ext cx="9142200" cy="6847200"/>
+            <a:ext cx="9141480" cy="6846480"/>
           </a:xfrm>
           <a:prstGeom prst="rect">
             <a:avLst/>
@@ -8730,7 +8371,7 @@
         <p:spPr>
           <a:xfrm>
             <a:off x="107640" y="1917000"/>
-            <a:ext cx="4750560" cy="1917360"/>
+            <a:ext cx="4749840" cy="1916640"/>
           </a:xfrm>
           <a:prstGeom prst="rect">
             <a:avLst/>
@@ -8755,7 +8396,7 @@
               </a:lnSpc>
             </a:pPr>
             <a:r>
-              <a:rPr b="0" lang="es-ES" sz="12000" spc="588" strike="noStrike">
+              <a:rPr b="0" lang="es-ES" sz="12000" spc="582" strike="noStrike">
                 <a:solidFill>
                   <a:srgbClr val="ffffff"/>
                 </a:solidFill>
@@ -8765,7 +8406,7 @@
               <a:t>Q</a:t>
             </a:r>
             <a:r>
-              <a:rPr b="0" lang="es-ES" sz="8000" spc="588" strike="noStrike" baseline="30000">
+              <a:rPr b="0" lang="es-ES" sz="8000" spc="582" strike="noStrike" baseline="30000">
                 <a:solidFill>
                   <a:srgbClr val="ffffff"/>
                 </a:solidFill>
@@ -8775,7 +8416,7 @@
               <a:t>&amp;</a:t>
             </a:r>
             <a:r>
-              <a:rPr b="0" lang="es-ES" sz="12000" spc="588" strike="noStrike">
+              <a:rPr b="0" lang="es-ES" sz="12000" spc="582" strike="noStrike">
                 <a:solidFill>
                   <a:srgbClr val="ffffff"/>
                 </a:solidFill>
@@ -8804,7 +8445,7 @@
         <p:spPr>
           <a:xfrm>
             <a:off x="6228360" y="620640"/>
-            <a:ext cx="2531520" cy="1078200"/>
+            <a:ext cx="2530800" cy="1077480"/>
           </a:xfrm>
           <a:prstGeom prst="rect">
             <a:avLst/>
@@ -8829,7 +8470,7 @@
         <p:spPr>
           <a:xfrm>
             <a:off x="539640" y="5617080"/>
-            <a:ext cx="1257120" cy="815400"/>
+            <a:ext cx="1256400" cy="814680"/>
           </a:xfrm>
           <a:prstGeom prst="rect">
             <a:avLst/>
@@ -8848,7 +8489,7 @@
         <p:spPr>
           <a:xfrm>
             <a:off x="3708000" y="6525360"/>
-            <a:ext cx="5109840" cy="142560"/>
+            <a:ext cx="5109120" cy="141840"/>
           </a:xfrm>
           <a:prstGeom prst="rect">
             <a:avLst/>
@@ -8915,13 +8556,7 @@
               <a:rPr b="0" lang="es-ES" sz="4400" spc="-1" strike="noStrike">
                 <a:latin typeface="Arial"/>
               </a:rPr>
-              <a:t>Pulse para editar el formato </a:t>
-            </a:r>
-            <a:r>
-              <a:rPr b="0" lang="es-ES" sz="4400" spc="-1" strike="noStrike">
-                <a:latin typeface="Arial"/>
-              </a:rPr>
-              <a:t>del texto de título</a:t>
+              <a:t>Pulse para editar el formato del texto de título</a:t>
             </a:r>
             <a:endParaRPr b="0" lang="es-ES" sz="4400" spc="-1" strike="noStrike">
               <a:latin typeface="Arial"/>
@@ -9158,7 +8793,7 @@
         <p:spPr>
           <a:xfrm>
             <a:off x="31680" y="2160360"/>
-            <a:ext cx="5006880" cy="1141920"/>
+            <a:ext cx="5006160" cy="1141200"/>
           </a:xfrm>
           <a:prstGeom prst="rect">
             <a:avLst/>
@@ -9226,7 +8861,7 @@
         <p:spPr>
           <a:xfrm>
             <a:off x="457200" y="1339920"/>
-            <a:ext cx="7990560" cy="4962960"/>
+            <a:ext cx="7989840" cy="4962240"/>
           </a:xfrm>
           <a:prstGeom prst="rect">
             <a:avLst/>
@@ -9245,7 +8880,7 @@
         <p:txBody>
           <a:bodyPr lIns="90000" rIns="90000" tIns="45000" bIns="45000"/>
           <a:p>
-            <a:pPr marL="125640" indent="-177840">
+            <a:pPr marL="125640" indent="-177120">
               <a:lnSpc>
                 <a:spcPct val="100000"/>
               </a:lnSpc>
@@ -9273,7 +8908,7 @@
             </a:endParaRPr>
           </a:p>
           <a:p>
-            <a:pPr marL="125640" indent="-177840">
+            <a:pPr marL="125640" indent="-177120">
               <a:lnSpc>
                 <a:spcPct val="100000"/>
               </a:lnSpc>
@@ -9301,7 +8936,7 @@
             </a:endParaRPr>
           </a:p>
           <a:p>
-            <a:pPr marL="125640" indent="-177840">
+            <a:pPr marL="125640" indent="-177120">
               <a:lnSpc>
                 <a:spcPct val="100000"/>
               </a:lnSpc>
@@ -9322,14 +8957,14 @@
                 <a:latin typeface="Arial"/>
                 <a:ea typeface="DejaVu Sans"/>
               </a:rPr>
-              <a:t>PHP 5.5 en adelante</a:t>
+              <a:t>Postman</a:t>
             </a:r>
             <a:endParaRPr b="0" lang="es-ES" sz="3200" spc="-1" strike="noStrike">
               <a:latin typeface="Arial"/>
             </a:endParaRPr>
           </a:p>
           <a:p>
-            <a:pPr marL="125640" indent="-177840">
+            <a:pPr marL="125640" indent="-177120">
               <a:lnSpc>
                 <a:spcPct val="100000"/>
               </a:lnSpc>
@@ -9350,14 +8985,14 @@
                 <a:latin typeface="Arial"/>
                 <a:ea typeface="DejaVu Sans"/>
               </a:rPr>
-              <a:t>APACHE , IIS, Nginx</a:t>
+              <a:t>PHP 5.5 en adelante</a:t>
             </a:r>
             <a:endParaRPr b="0" lang="es-ES" sz="3200" spc="-1" strike="noStrike">
               <a:latin typeface="Arial"/>
             </a:endParaRPr>
           </a:p>
           <a:p>
-            <a:pPr marL="125640" indent="-177840">
+            <a:pPr marL="125640" indent="-177120">
               <a:lnSpc>
                 <a:spcPct val="100000"/>
               </a:lnSpc>
@@ -9378,14 +9013,14 @@
                 <a:latin typeface="Arial"/>
                 <a:ea typeface="DejaVu Sans"/>
               </a:rPr>
-              <a:t>MySQL , Postgres, SQLite, SQL Server</a:t>
+              <a:t>APACHE , IIS, Nginx</a:t>
             </a:r>
             <a:endParaRPr b="0" lang="es-ES" sz="3200" spc="-1" strike="noStrike">
               <a:latin typeface="Arial"/>
             </a:endParaRPr>
           </a:p>
           <a:p>
-            <a:pPr marL="125640" indent="-177840">
+            <a:pPr marL="125640" indent="-177120">
               <a:lnSpc>
                 <a:spcPct val="100000"/>
               </a:lnSpc>
@@ -9398,12 +9033,35 @@
               <a:buFont typeface="Lucida Grande"/>
               <a:buChar char="›"/>
             </a:pPr>
+            <a:r>
+              <a:rPr b="0" lang="es-ES" sz="3200" spc="-1" strike="noStrike">
+                <a:solidFill>
+                  <a:srgbClr val="5e6264"/>
+                </a:solidFill>
+                <a:latin typeface="Arial"/>
+                <a:ea typeface="DejaVu Sans"/>
+              </a:rPr>
+              <a:t>MySQL , Postgres, SQLite, SQL Server</a:t>
+            </a:r>
             <a:endParaRPr b="0" lang="es-ES" sz="3200" spc="-1" strike="noStrike">
               <a:latin typeface="Arial"/>
             </a:endParaRPr>
           </a:p>
           <a:p>
-            <a:pPr marL="125640" indent="-177840">
+            <a:pPr>
+              <a:lnSpc>
+                <a:spcPct val="100000"/>
+              </a:lnSpc>
+              <a:spcBef>
+                <a:spcPts val="641"/>
+              </a:spcBef>
+            </a:pPr>
+            <a:endParaRPr b="0" lang="es-ES" sz="3200" spc="-1" strike="noStrike">
+              <a:latin typeface="Arial"/>
+            </a:endParaRPr>
+          </a:p>
+          <a:p>
+            <a:pPr marL="125640" indent="-177120">
               <a:lnSpc>
                 <a:spcPct val="100000"/>
               </a:lnSpc>
@@ -9503,7 +9161,7 @@
         <p:spPr>
           <a:xfrm>
             <a:off x="457200" y="192240"/>
-            <a:ext cx="7192800" cy="847440"/>
+            <a:ext cx="7192080" cy="846720"/>
           </a:xfrm>
           <a:prstGeom prst="rect">
             <a:avLst/>
@@ -9552,7 +9210,7 @@
         <p:spPr>
           <a:xfrm>
             <a:off x="395640" y="6520320"/>
-            <a:ext cx="358200" cy="219240"/>
+            <a:ext cx="357480" cy="218520"/>
           </a:xfrm>
           <a:prstGeom prst="rect">
             <a:avLst/>
@@ -9576,7 +9234,7 @@
                 <a:spcPct val="100000"/>
               </a:lnSpc>
             </a:pPr>
-            <a:fld id="{4A46E0FF-5566-4422-A3D6-793A532C8493}" type="slidenum">
+            <a:fld id="{5F338CBF-DCA6-4591-80A9-CEEF33F07D58}" type="slidenum">
               <a:rPr b="1" lang="es-ES" sz="800" spc="-1" strike="noStrike">
                 <a:solidFill>
                   <a:srgbClr val="004569"/>
@@ -9650,7 +9308,7 @@
         <p:spPr>
           <a:xfrm>
             <a:off x="79920" y="1202760"/>
-            <a:ext cx="8940240" cy="4962960"/>
+            <a:ext cx="8939520" cy="4962240"/>
           </a:xfrm>
           <a:prstGeom prst="rect">
             <a:avLst/>
@@ -9702,7 +9360,7 @@
         <p:spPr>
           <a:xfrm>
             <a:off x="457200" y="192240"/>
-            <a:ext cx="7192800" cy="847440"/>
+            <a:ext cx="7192080" cy="846720"/>
           </a:xfrm>
           <a:prstGeom prst="rect">
             <a:avLst/>
@@ -9751,7 +9409,7 @@
         <p:spPr>
           <a:xfrm>
             <a:off x="395640" y="6520320"/>
-            <a:ext cx="358200" cy="219240"/>
+            <a:ext cx="357480" cy="218520"/>
           </a:xfrm>
           <a:prstGeom prst="rect">
             <a:avLst/>
@@ -9775,7 +9433,7 @@
                 <a:spcPct val="100000"/>
               </a:lnSpc>
             </a:pPr>
-            <a:fld id="{B57959F3-7FAC-42C5-B82B-96DB0B672B84}" type="slidenum">
+            <a:fld id="{77C04E94-A347-4EF0-BA0B-58078E405332}" type="slidenum">
               <a:rPr b="1" lang="es-ES" sz="800" spc="-1" strike="noStrike">
                 <a:solidFill>
                   <a:srgbClr val="004569"/>
@@ -9800,7 +9458,7 @@
         <p:spPr>
           <a:xfrm>
             <a:off x="2365920" y="2594520"/>
-            <a:ext cx="3369960" cy="364680"/>
+            <a:ext cx="3369240" cy="363960"/>
           </a:xfrm>
           <a:prstGeom prst="rect">
             <a:avLst/>
@@ -9853,7 +9511,7 @@
         <p:spPr>
           <a:xfrm>
             <a:off x="3166200" y="248040"/>
-            <a:ext cx="1769760" cy="2165400"/>
+            <a:ext cx="1769040" cy="2164680"/>
           </a:xfrm>
           <a:prstGeom prst="rect">
             <a:avLst/>
@@ -9872,7 +9530,7 @@
         <p:spPr>
           <a:xfrm>
             <a:off x="262800" y="3337560"/>
-            <a:ext cx="8388000" cy="2649960"/>
+            <a:ext cx="8387280" cy="2649240"/>
           </a:xfrm>
           <a:prstGeom prst="rect">
             <a:avLst/>
@@ -10072,7 +9730,7 @@
         <p:spPr>
           <a:xfrm>
             <a:off x="457200" y="1385640"/>
-            <a:ext cx="8208720" cy="4917240"/>
+            <a:ext cx="8208000" cy="4916520"/>
           </a:xfrm>
           <a:prstGeom prst="rect">
             <a:avLst/>
@@ -10104,128 +9762,72 @@
             </a:endParaRPr>
           </a:p>
           <a:p>
-            <a:pPr marL="125640" indent="-177840">
+            <a:pPr>
               <a:lnSpc>
                 <a:spcPct val="100000"/>
               </a:lnSpc>
               <a:spcBef>
                 <a:spcPts val="479"/>
               </a:spcBef>
-              <a:buClr>
-                <a:srgbClr val="5e6264"/>
-              </a:buClr>
-              <a:buFont typeface="Lucida Grande"/>
-              <a:buChar char="›"/>
-            </a:pPr>
-            <a:r>
-              <a:rPr b="0" lang="es-ES" sz="2400" spc="-1" strike="noStrike">
+            </a:pPr>
+            <a:r>
+              <a:rPr b="0" lang="es-ES" sz="2000" spc="-1" strike="noStrike">
                 <a:solidFill>
                   <a:srgbClr val="5e6264"/>
                 </a:solidFill>
                 <a:latin typeface="Arial"/>
                 <a:ea typeface="DejaVu Sans"/>
               </a:rPr>
-              <a:t>composer require slim/slim</a:t>
-            </a:r>
-            <a:endParaRPr b="0" lang="es-ES" sz="2400" spc="-1" strike="noStrike">
+              <a:t>&gt;composer create-project slim/slim-skeleton [app-name]</a:t>
+            </a:r>
+            <a:endParaRPr b="0" lang="es-ES" sz="2000" spc="-1" strike="noStrike">
               <a:latin typeface="Arial"/>
             </a:endParaRPr>
           </a:p>
           <a:p>
             <a:pPr>
-              <a:lnSpc>
-                <a:spcPct val="100000"/>
-              </a:lnSpc>
-              <a:spcBef>
-                <a:spcPts val="479"/>
-              </a:spcBef>
-            </a:pPr>
-            <a:endParaRPr b="0" lang="es-ES" sz="2400" spc="-1" strike="noStrike">
-              <a:latin typeface="Arial"/>
-            </a:endParaRPr>
-          </a:p>
-          <a:p>
-            <a:pPr marL="125640" indent="-177840">
               <a:lnSpc>
                 <a:spcPct val="100000"/>
               </a:lnSpc>
               <a:spcBef>
                 <a:spcPts val="400"/>
               </a:spcBef>
-              <a:buClr>
-                <a:srgbClr val="5e6264"/>
-              </a:buClr>
-              <a:buFont typeface="Lucida Grande"/>
-              <a:buChar char="›"/>
-            </a:pPr>
-            <a:r>
-              <a:rPr b="0" lang="es-ES" sz="2000" spc="-1" strike="noStrike">
-                <a:solidFill>
-                  <a:srgbClr val="5e6264"/>
-                </a:solidFill>
-                <a:latin typeface="Arial"/>
-                <a:ea typeface="DejaVu Sans"/>
-              </a:rPr>
-              <a:t>Crear una carpeta llamada “public” en el directorio principal</a:t>
-            </a:r>
+            </a:pPr>
             <a:endParaRPr b="0" lang="es-ES" sz="2000" spc="-1" strike="noStrike">
               <a:latin typeface="Arial"/>
             </a:endParaRPr>
           </a:p>
           <a:p>
-            <a:pPr marL="125640" indent="-177840">
+            <a:pPr>
               <a:lnSpc>
                 <a:spcPct val="100000"/>
               </a:lnSpc>
               <a:spcBef>
                 <a:spcPts val="400"/>
               </a:spcBef>
-              <a:buClr>
-                <a:srgbClr val="5e6264"/>
-              </a:buClr>
-              <a:buFont typeface="Lucida Grande"/>
-              <a:buChar char="›"/>
-            </a:pPr>
+            </a:pPr>
+            <a:r>
+              <a:rPr b="0" lang="es-ES" sz="2000" spc="-1" strike="noStrike">
+                <a:solidFill>
+                  <a:srgbClr val="5e6264"/>
+                </a:solidFill>
+                <a:latin typeface="Arial"/>
+                <a:ea typeface="DejaVu Sans"/>
+              </a:rPr>
+              <a:t>&gt;composer start</a:t>
+            </a:r>
             <a:endParaRPr b="0" lang="es-ES" sz="2000" spc="-1" strike="noStrike">
               <a:latin typeface="Arial"/>
             </a:endParaRPr>
           </a:p>
           <a:p>
-            <a:pPr marL="125640" indent="-177840">
+            <a:pPr>
               <a:lnSpc>
                 <a:spcPct val="100000"/>
               </a:lnSpc>
               <a:spcBef>
                 <a:spcPts val="400"/>
               </a:spcBef>
-              <a:buClr>
-                <a:srgbClr val="5e6264"/>
-              </a:buClr>
-              <a:buFont typeface="Lucida Grande"/>
-              <a:buChar char="›"/>
-            </a:pPr>
-            <a:r>
-              <a:rPr b="0" lang="es-ES" sz="2000" spc="-1" strike="noStrike">
-                <a:solidFill>
-                  <a:srgbClr val="5e6264"/>
-                </a:solidFill>
-                <a:latin typeface="Arial"/>
-                <a:ea typeface="DejaVu Sans"/>
-              </a:rPr>
-              <a:t>Ir al directorio “public” y crear un archivo llamado “index.php” y copiarle el código que aparece en la página principal de Slim.</a:t>
-            </a:r>
-            <a:endParaRPr b="0" lang="es-ES" sz="2000" spc="-1" strike="noStrike">
-              <a:latin typeface="Arial"/>
-            </a:endParaRPr>
-          </a:p>
-          <a:p>
-            <a:pPr>
-              <a:lnSpc>
-                <a:spcPct val="100000"/>
-              </a:lnSpc>
-              <a:spcBef>
-                <a:spcPts val="400"/>
-              </a:spcBef>
             </a:pPr>
             <a:endParaRPr b="0" lang="es-ES" sz="2000" spc="-1" strike="noStrike">
               <a:latin typeface="Arial"/>
@@ -10242,7 +9844,7 @@
         <p:spPr>
           <a:xfrm>
             <a:off x="457200" y="192240"/>
-            <a:ext cx="7192800" cy="847440"/>
+            <a:ext cx="7192080" cy="846720"/>
           </a:xfrm>
           <a:prstGeom prst="rect">
             <a:avLst/>
@@ -10274,7 +9876,7 @@
                 <a:latin typeface="Arial"/>
                 <a:ea typeface="DejaVu Sans"/>
               </a:rPr>
-              <a:t>Instalar Slim</a:t>
+              <a:t>Instalar Slim Skeleton</a:t>
             </a:r>
             <a:endParaRPr b="0" lang="es-ES" sz="3000" spc="-1" strike="noStrike">
               <a:latin typeface="Arial"/>
@@ -10291,7 +9893,7 @@
         <p:spPr>
           <a:xfrm>
             <a:off x="395640" y="6520320"/>
-            <a:ext cx="358200" cy="219240"/>
+            <a:ext cx="357480" cy="218520"/>
           </a:xfrm>
           <a:prstGeom prst="rect">
             <a:avLst/>
@@ -10315,7 +9917,7 @@
                 <a:spcPct val="100000"/>
               </a:lnSpc>
             </a:pPr>
-            <a:fld id="{84653C86-47A3-452D-85D7-B058E57BCE2A}" type="slidenum">
+            <a:fld id="{5C8A483E-AEE3-4C76-B3C6-463842272F51}" type="slidenum">
               <a:rPr b="1" lang="es-ES" sz="800" spc="-1" strike="noStrike">
                 <a:solidFill>
                   <a:srgbClr val="004569"/>
@@ -10389,7 +9991,7 @@
         <p:spPr>
           <a:xfrm>
             <a:off x="457200" y="1385640"/>
-            <a:ext cx="8208720" cy="4917240"/>
+            <a:ext cx="8208000" cy="4916520"/>
           </a:xfrm>
           <a:prstGeom prst="rect">
             <a:avLst/>
@@ -10413,20 +10015,10 @@
                 <a:spcPct val="100000"/>
               </a:lnSpc>
               <a:spcBef>
-                <a:spcPts val="479"/>
+                <a:spcPts val="360"/>
               </a:spcBef>
             </a:pPr>
-            <a:r>
-              <a:rPr b="0" lang="es-ES" sz="1600" spc="-1" strike="noStrike">
-                <a:solidFill>
-                  <a:srgbClr val="5e6264"/>
-                </a:solidFill>
-                <a:latin typeface="Arial"/>
-                <a:ea typeface="DejaVu Sans"/>
-              </a:rPr>
-              <a:t>&lt;?php</a:t>
-            </a:r>
-            <a:endParaRPr b="0" lang="es-ES" sz="1600" spc="-1" strike="noStrike">
+            <a:endParaRPr b="0" lang="es-ES" sz="1800" spc="-1" strike="noStrike">
               <a:latin typeface="Arial"/>
             </a:endParaRPr>
           </a:p>
@@ -10440,292 +10032,16 @@
               </a:spcBef>
             </a:pPr>
             <a:r>
-              <a:rPr b="0" lang="es-ES" sz="1600" spc="-1" strike="noStrike">
+              <a:rPr b="0" lang="es-ES" sz="2000" spc="-1" strike="noStrike">
                 <a:solidFill>
                   <a:srgbClr val="5e6264"/>
                 </a:solidFill>
                 <a:latin typeface="Arial"/>
                 <a:ea typeface="DejaVu Sans"/>
               </a:rPr>
-              <a:t>use \Psr\Http\Message\ServerRequestInterface as Request;</a:t>
-            </a:r>
-            <a:endParaRPr b="0" lang="es-ES" sz="1600" spc="-1" strike="noStrike">
-              <a:latin typeface="Arial"/>
-            </a:endParaRPr>
-          </a:p>
-          <a:p>
-            <a:pPr>
-              <a:lnSpc>
-                <a:spcPct val="100000"/>
-              </a:lnSpc>
-              <a:spcBef>
-                <a:spcPts val="479"/>
-              </a:spcBef>
-            </a:pPr>
-            <a:r>
-              <a:rPr b="0" lang="es-ES" sz="1600" spc="-1" strike="noStrike">
-                <a:solidFill>
-                  <a:srgbClr val="5e6264"/>
-                </a:solidFill>
-                <a:latin typeface="Arial"/>
-                <a:ea typeface="DejaVu Sans"/>
-              </a:rPr>
-              <a:t>use \Psr\Http\Message\ResponseInterface as Response;</a:t>
-            </a:r>
-            <a:endParaRPr b="0" lang="es-ES" sz="1600" spc="-1" strike="noStrike">
-              <a:latin typeface="Arial"/>
-            </a:endParaRPr>
-          </a:p>
-          <a:p>
-            <a:pPr>
-              <a:lnSpc>
-                <a:spcPct val="100000"/>
-              </a:lnSpc>
-              <a:spcBef>
-                <a:spcPts val="479"/>
-              </a:spcBef>
-            </a:pPr>
-            <a:endParaRPr b="0" lang="es-ES" sz="1600" spc="-1" strike="noStrike">
-              <a:latin typeface="Arial"/>
-            </a:endParaRPr>
-          </a:p>
-          <a:p>
-            <a:pPr>
-              <a:lnSpc>
-                <a:spcPct val="100000"/>
-              </a:lnSpc>
-              <a:spcBef>
-                <a:spcPts val="479"/>
-              </a:spcBef>
-            </a:pPr>
-            <a:r>
-              <a:rPr b="0" lang="es-ES" sz="1600" spc="-1" strike="noStrike">
-                <a:solidFill>
-                  <a:srgbClr val="5e6264"/>
-                </a:solidFill>
-                <a:latin typeface="Arial"/>
-                <a:ea typeface="DejaVu Sans"/>
-              </a:rPr>
-              <a:t>require 'vendor/autoload.php';</a:t>
-            </a:r>
-            <a:endParaRPr b="0" lang="es-ES" sz="1600" spc="-1" strike="noStrike">
-              <a:latin typeface="Arial"/>
-            </a:endParaRPr>
-          </a:p>
-          <a:p>
-            <a:pPr>
-              <a:lnSpc>
-                <a:spcPct val="100000"/>
-              </a:lnSpc>
-              <a:spcBef>
-                <a:spcPts val="479"/>
-              </a:spcBef>
-            </a:pPr>
-            <a:endParaRPr b="0" lang="es-ES" sz="1600" spc="-1" strike="noStrike">
-              <a:latin typeface="Arial"/>
-            </a:endParaRPr>
-          </a:p>
-          <a:p>
-            <a:pPr>
-              <a:lnSpc>
-                <a:spcPct val="100000"/>
-              </a:lnSpc>
-              <a:spcBef>
-                <a:spcPts val="479"/>
-              </a:spcBef>
-            </a:pPr>
-            <a:r>
-              <a:rPr b="0" lang="es-ES" sz="1600" spc="-1" strike="noStrike">
-                <a:solidFill>
-                  <a:srgbClr val="5e6264"/>
-                </a:solidFill>
-                <a:latin typeface="Arial"/>
-                <a:ea typeface="DejaVu Sans"/>
-              </a:rPr>
-              <a:t>$app = new \Slim\App;</a:t>
-            </a:r>
-            <a:endParaRPr b="0" lang="es-ES" sz="1600" spc="-1" strike="noStrike">
-              <a:latin typeface="Arial"/>
-            </a:endParaRPr>
-          </a:p>
-          <a:p>
-            <a:pPr>
-              <a:lnSpc>
-                <a:spcPct val="100000"/>
-              </a:lnSpc>
-              <a:spcBef>
-                <a:spcPts val="479"/>
-              </a:spcBef>
-            </a:pPr>
-            <a:r>
-              <a:rPr b="0" lang="es-ES" sz="1600" spc="-1" strike="noStrike">
-                <a:solidFill>
-                  <a:srgbClr val="5e6264"/>
-                </a:solidFill>
-                <a:latin typeface="Arial"/>
-                <a:ea typeface="DejaVu Sans"/>
-              </a:rPr>
-              <a:t>$app-&gt;get('/hello/{name}', function (Request $request, Response $response, array $args) {</a:t>
-            </a:r>
-            <a:endParaRPr b="0" lang="es-ES" sz="1600" spc="-1" strike="noStrike">
-              <a:latin typeface="Arial"/>
-            </a:endParaRPr>
-          </a:p>
-          <a:p>
-            <a:pPr>
-              <a:lnSpc>
-                <a:spcPct val="100000"/>
-              </a:lnSpc>
-              <a:spcBef>
-                <a:spcPts val="479"/>
-              </a:spcBef>
-            </a:pPr>
-            <a:r>
-              <a:rPr b="0" lang="es-ES" sz="1600" spc="-1" strike="noStrike">
-                <a:solidFill>
-                  <a:srgbClr val="5e6264"/>
-                </a:solidFill>
-                <a:latin typeface="Arial"/>
-                <a:ea typeface="DejaVu Sans"/>
-              </a:rPr>
-              <a:t>    </a:t>
-            </a:r>
-            <a:r>
-              <a:rPr b="0" lang="es-ES" sz="1600" spc="-1" strike="noStrike">
-                <a:solidFill>
-                  <a:srgbClr val="5e6264"/>
-                </a:solidFill>
-                <a:latin typeface="Arial"/>
-                <a:ea typeface="DejaVu Sans"/>
-              </a:rPr>
-              <a:t>$name = $args['name'];</a:t>
-            </a:r>
-            <a:endParaRPr b="0" lang="es-ES" sz="1600" spc="-1" strike="noStrike">
-              <a:latin typeface="Arial"/>
-            </a:endParaRPr>
-          </a:p>
-          <a:p>
-            <a:pPr>
-              <a:lnSpc>
-                <a:spcPct val="100000"/>
-              </a:lnSpc>
-              <a:spcBef>
-                <a:spcPts val="479"/>
-              </a:spcBef>
-            </a:pPr>
-            <a:r>
-              <a:rPr b="0" lang="es-ES" sz="1600" spc="-1" strike="noStrike">
-                <a:solidFill>
-                  <a:srgbClr val="5e6264"/>
-                </a:solidFill>
-                <a:latin typeface="Arial"/>
-                <a:ea typeface="DejaVu Sans"/>
-              </a:rPr>
-              <a:t>    </a:t>
-            </a:r>
-            <a:r>
-              <a:rPr b="0" lang="es-ES" sz="1600" spc="-1" strike="noStrike">
-                <a:solidFill>
-                  <a:srgbClr val="5e6264"/>
-                </a:solidFill>
-                <a:latin typeface="Arial"/>
-                <a:ea typeface="DejaVu Sans"/>
-              </a:rPr>
-              <a:t>$response-&gt;getBody()-&gt;write("Hello, $name");</a:t>
-            </a:r>
-            <a:endParaRPr b="0" lang="es-ES" sz="1600" spc="-1" strike="noStrike">
-              <a:latin typeface="Arial"/>
-            </a:endParaRPr>
-          </a:p>
-          <a:p>
-            <a:pPr>
-              <a:lnSpc>
-                <a:spcPct val="100000"/>
-              </a:lnSpc>
-              <a:spcBef>
-                <a:spcPts val="479"/>
-              </a:spcBef>
-            </a:pPr>
-            <a:endParaRPr b="0" lang="es-ES" sz="1600" spc="-1" strike="noStrike">
-              <a:latin typeface="Arial"/>
-            </a:endParaRPr>
-          </a:p>
-          <a:p>
-            <a:pPr>
-              <a:lnSpc>
-                <a:spcPct val="100000"/>
-              </a:lnSpc>
-              <a:spcBef>
-                <a:spcPts val="479"/>
-              </a:spcBef>
-            </a:pPr>
-            <a:r>
-              <a:rPr b="0" lang="es-ES" sz="1600" spc="-1" strike="noStrike">
-                <a:solidFill>
-                  <a:srgbClr val="5e6264"/>
-                </a:solidFill>
-                <a:latin typeface="Arial"/>
-                <a:ea typeface="DejaVu Sans"/>
-              </a:rPr>
-              <a:t>    </a:t>
-            </a:r>
-            <a:r>
-              <a:rPr b="0" lang="es-ES" sz="1600" spc="-1" strike="noStrike">
-                <a:solidFill>
-                  <a:srgbClr val="5e6264"/>
-                </a:solidFill>
-                <a:latin typeface="Arial"/>
-                <a:ea typeface="DejaVu Sans"/>
-              </a:rPr>
-              <a:t>return $response;</a:t>
-            </a:r>
-            <a:endParaRPr b="0" lang="es-ES" sz="1600" spc="-1" strike="noStrike">
-              <a:latin typeface="Arial"/>
-            </a:endParaRPr>
-          </a:p>
-          <a:p>
-            <a:pPr>
-              <a:lnSpc>
-                <a:spcPct val="100000"/>
-              </a:lnSpc>
-              <a:spcBef>
-                <a:spcPts val="479"/>
-              </a:spcBef>
-            </a:pPr>
-            <a:r>
-              <a:rPr b="0" lang="es-ES" sz="1600" spc="-1" strike="noStrike">
-                <a:solidFill>
-                  <a:srgbClr val="5e6264"/>
-                </a:solidFill>
-                <a:latin typeface="Arial"/>
-                <a:ea typeface="DejaVu Sans"/>
-              </a:rPr>
-              <a:t>});</a:t>
-            </a:r>
-            <a:endParaRPr b="0" lang="es-ES" sz="1600" spc="-1" strike="noStrike">
-              <a:latin typeface="Arial"/>
-            </a:endParaRPr>
-          </a:p>
-          <a:p>
-            <a:pPr>
-              <a:lnSpc>
-                <a:spcPct val="100000"/>
-              </a:lnSpc>
-              <a:spcBef>
-                <a:spcPts val="479"/>
-              </a:spcBef>
-            </a:pPr>
-            <a:r>
-              <a:rPr b="0" lang="es-ES" sz="1600" spc="-1" strike="noStrike">
-                <a:solidFill>
-                  <a:srgbClr val="5e6264"/>
-                </a:solidFill>
-                <a:latin typeface="Arial"/>
-                <a:ea typeface="DejaVu Sans"/>
-              </a:rPr>
-              <a:t>$app-&gt;run();</a:t>
-            </a:r>
-            <a:endParaRPr b="0" lang="es-ES" sz="1600" spc="-1" strike="noStrike">
+              <a:t>&gt;composer require illuminate/database</a:t>
+            </a:r>
+            <a:endParaRPr b="0" lang="es-ES" sz="2000" spc="-1" strike="noStrike">
               <a:latin typeface="Arial"/>
             </a:endParaRPr>
           </a:p>
@@ -10738,6 +10054,408 @@
                 <a:spcPts val="400"/>
               </a:spcBef>
             </a:pPr>
+            <a:endParaRPr b="0" lang="es-ES" sz="2000" spc="-1" strike="noStrike">
+              <a:latin typeface="Arial"/>
+            </a:endParaRPr>
+          </a:p>
+          <a:p>
+            <a:pPr>
+              <a:lnSpc>
+                <a:spcPct val="100000"/>
+              </a:lnSpc>
+              <a:spcBef>
+                <a:spcPts val="400"/>
+              </a:spcBef>
+            </a:pPr>
+            <a:r>
+              <a:rPr b="0" lang="es-ES" sz="2000" spc="-1" strike="noStrike">
+                <a:solidFill>
+                  <a:srgbClr val="5e6264"/>
+                </a:solidFill>
+                <a:latin typeface="Arial"/>
+                <a:ea typeface="DejaVu Sans"/>
+              </a:rPr>
+              <a:t>&gt;agregar en src/settings.php</a:t>
+            </a:r>
+            <a:endParaRPr b="0" lang="es-ES" sz="2000" spc="-1" strike="noStrike">
+              <a:latin typeface="Arial"/>
+            </a:endParaRPr>
+          </a:p>
+          <a:p>
+            <a:pPr>
+              <a:lnSpc>
+                <a:spcPct val="100000"/>
+              </a:lnSpc>
+              <a:spcBef>
+                <a:spcPts val="400"/>
+              </a:spcBef>
+            </a:pPr>
+            <a:endParaRPr b="0" lang="es-ES" sz="2000" spc="-1" strike="noStrike">
+              <a:latin typeface="Arial"/>
+            </a:endParaRPr>
+          </a:p>
+          <a:p>
+            <a:pPr>
+              <a:lnSpc>
+                <a:spcPct val="100000"/>
+              </a:lnSpc>
+              <a:spcBef>
+                <a:spcPts val="400"/>
+              </a:spcBef>
+            </a:pPr>
+            <a:r>
+              <a:rPr b="0" lang="es-ES" sz="1600" spc="-1" strike="noStrike">
+                <a:solidFill>
+                  <a:srgbClr val="5e6264"/>
+                </a:solidFill>
+                <a:latin typeface="Arial"/>
+                <a:ea typeface="DejaVu Sans"/>
+              </a:rPr>
+              <a:t>// Database connection settings</a:t>
+            </a:r>
+            <a:endParaRPr b="0" lang="es-ES" sz="1600" spc="-1" strike="noStrike">
+              <a:latin typeface="Arial"/>
+            </a:endParaRPr>
+          </a:p>
+          <a:p>
+            <a:pPr>
+              <a:lnSpc>
+                <a:spcPct val="100000"/>
+              </a:lnSpc>
+              <a:spcBef>
+                <a:spcPts val="400"/>
+              </a:spcBef>
+            </a:pPr>
+            <a:r>
+              <a:rPr b="0" lang="es-ES" sz="1600" spc="-1" strike="noStrike">
+                <a:solidFill>
+                  <a:srgbClr val="5e6264"/>
+                </a:solidFill>
+                <a:latin typeface="Arial"/>
+                <a:ea typeface="DejaVu Sans"/>
+              </a:rPr>
+              <a:t>         </a:t>
+            </a:r>
+            <a:r>
+              <a:rPr b="0" lang="es-ES" sz="1600" spc="-1" strike="noStrike">
+                <a:solidFill>
+                  <a:srgbClr val="5e6264"/>
+                </a:solidFill>
+                <a:latin typeface="Arial"/>
+                <a:ea typeface="DejaVu Sans"/>
+              </a:rPr>
+              <a:t>"db" =&gt; [</a:t>
+            </a:r>
+            <a:endParaRPr b="0" lang="es-ES" sz="1600" spc="-1" strike="noStrike">
+              <a:latin typeface="Arial"/>
+            </a:endParaRPr>
+          </a:p>
+          <a:p>
+            <a:pPr>
+              <a:lnSpc>
+                <a:spcPct val="100000"/>
+              </a:lnSpc>
+              <a:spcBef>
+                <a:spcPts val="400"/>
+              </a:spcBef>
+            </a:pPr>
+            <a:r>
+              <a:rPr b="0" lang="es-ES" sz="1600" spc="-1" strike="noStrike">
+                <a:solidFill>
+                  <a:srgbClr val="5e6264"/>
+                </a:solidFill>
+                <a:latin typeface="Arial"/>
+                <a:ea typeface="DejaVu Sans"/>
+              </a:rPr>
+              <a:t>            </a:t>
+            </a:r>
+            <a:r>
+              <a:rPr b="0" lang="es-ES" sz="1600" spc="-1" strike="noStrike">
+                <a:solidFill>
+                  <a:srgbClr val="5e6264"/>
+                </a:solidFill>
+                <a:latin typeface="Arial"/>
+                <a:ea typeface="DejaVu Sans"/>
+              </a:rPr>
+              <a:t>'driver' =&gt; 'mysql',</a:t>
+            </a:r>
+            <a:endParaRPr b="0" lang="es-ES" sz="1600" spc="-1" strike="noStrike">
+              <a:latin typeface="Arial"/>
+            </a:endParaRPr>
+          </a:p>
+          <a:p>
+            <a:pPr>
+              <a:lnSpc>
+                <a:spcPct val="100000"/>
+              </a:lnSpc>
+              <a:spcBef>
+                <a:spcPts val="400"/>
+              </a:spcBef>
+            </a:pPr>
+            <a:r>
+              <a:rPr b="0" lang="es-ES" sz="1600" spc="-1" strike="noStrike">
+                <a:solidFill>
+                  <a:srgbClr val="5e6264"/>
+                </a:solidFill>
+                <a:latin typeface="Arial"/>
+                <a:ea typeface="DejaVu Sans"/>
+              </a:rPr>
+              <a:t>            </a:t>
+            </a:r>
+            <a:r>
+              <a:rPr b="0" lang="es-ES" sz="1600" spc="-1" strike="noStrike">
+                <a:solidFill>
+                  <a:srgbClr val="5e6264"/>
+                </a:solidFill>
+                <a:latin typeface="Arial"/>
+                <a:ea typeface="DejaVu Sans"/>
+              </a:rPr>
+              <a:t>'host' =&gt; '127.0.0.1',</a:t>
+            </a:r>
+            <a:endParaRPr b="0" lang="es-ES" sz="1600" spc="-1" strike="noStrike">
+              <a:latin typeface="Arial"/>
+            </a:endParaRPr>
+          </a:p>
+          <a:p>
+            <a:pPr>
+              <a:lnSpc>
+                <a:spcPct val="100000"/>
+              </a:lnSpc>
+              <a:spcBef>
+                <a:spcPts val="400"/>
+              </a:spcBef>
+            </a:pPr>
+            <a:r>
+              <a:rPr b="0" lang="es-ES" sz="1600" spc="-1" strike="noStrike">
+                <a:solidFill>
+                  <a:srgbClr val="5e6264"/>
+                </a:solidFill>
+                <a:latin typeface="Arial"/>
+                <a:ea typeface="DejaVu Sans"/>
+              </a:rPr>
+              <a:t>            </a:t>
+            </a:r>
+            <a:r>
+              <a:rPr b="0" lang="es-ES" sz="1600" spc="-1" strike="noStrike">
+                <a:solidFill>
+                  <a:srgbClr val="5e6264"/>
+                </a:solidFill>
+                <a:latin typeface="Arial"/>
+                <a:ea typeface="DejaVu Sans"/>
+              </a:rPr>
+              <a:t>'database' =&gt; 'nombre_db',</a:t>
+            </a:r>
+            <a:endParaRPr b="0" lang="es-ES" sz="1600" spc="-1" strike="noStrike">
+              <a:latin typeface="Arial"/>
+            </a:endParaRPr>
+          </a:p>
+          <a:p>
+            <a:pPr>
+              <a:lnSpc>
+                <a:spcPct val="100000"/>
+              </a:lnSpc>
+              <a:spcBef>
+                <a:spcPts val="400"/>
+              </a:spcBef>
+            </a:pPr>
+            <a:r>
+              <a:rPr b="0" lang="es-ES" sz="1600" spc="-1" strike="noStrike">
+                <a:solidFill>
+                  <a:srgbClr val="5e6264"/>
+                </a:solidFill>
+                <a:latin typeface="Arial"/>
+                <a:ea typeface="DejaVu Sans"/>
+              </a:rPr>
+              <a:t>            </a:t>
+            </a:r>
+            <a:r>
+              <a:rPr b="0" lang="es-ES" sz="1600" spc="-1" strike="noStrike">
+                <a:solidFill>
+                  <a:srgbClr val="5e6264"/>
+                </a:solidFill>
+                <a:latin typeface="Arial"/>
+                <a:ea typeface="DejaVu Sans"/>
+              </a:rPr>
+              <a:t>'username' =&gt; 'root',</a:t>
+            </a:r>
+            <a:endParaRPr b="0" lang="es-ES" sz="1600" spc="-1" strike="noStrike">
+              <a:latin typeface="Arial"/>
+            </a:endParaRPr>
+          </a:p>
+          <a:p>
+            <a:pPr>
+              <a:lnSpc>
+                <a:spcPct val="100000"/>
+              </a:lnSpc>
+              <a:spcBef>
+                <a:spcPts val="400"/>
+              </a:spcBef>
+            </a:pPr>
+            <a:r>
+              <a:rPr b="0" lang="es-ES" sz="1600" spc="-1" strike="noStrike">
+                <a:solidFill>
+                  <a:srgbClr val="5e6264"/>
+                </a:solidFill>
+                <a:latin typeface="Arial"/>
+                <a:ea typeface="DejaVu Sans"/>
+              </a:rPr>
+              <a:t>            </a:t>
+            </a:r>
+            <a:r>
+              <a:rPr b="0" lang="es-ES" sz="1600" spc="-1" strike="noStrike">
+                <a:solidFill>
+                  <a:srgbClr val="5e6264"/>
+                </a:solidFill>
+                <a:latin typeface="Arial"/>
+                <a:ea typeface="DejaVu Sans"/>
+              </a:rPr>
+              <a:t>'password' =&gt; '',</a:t>
+            </a:r>
+            <a:endParaRPr b="0" lang="es-ES" sz="1600" spc="-1" strike="noStrike">
+              <a:latin typeface="Arial"/>
+            </a:endParaRPr>
+          </a:p>
+          <a:p>
+            <a:pPr>
+              <a:lnSpc>
+                <a:spcPct val="100000"/>
+              </a:lnSpc>
+              <a:spcBef>
+                <a:spcPts val="400"/>
+              </a:spcBef>
+            </a:pPr>
+            <a:r>
+              <a:rPr b="0" lang="es-ES" sz="1600" spc="-1" strike="noStrike">
+                <a:solidFill>
+                  <a:srgbClr val="5e6264"/>
+                </a:solidFill>
+                <a:latin typeface="Arial"/>
+                <a:ea typeface="DejaVu Sans"/>
+              </a:rPr>
+              <a:t>            </a:t>
+            </a:r>
+            <a:r>
+              <a:rPr b="0" lang="es-ES" sz="1600" spc="-1" strike="noStrike">
+                <a:solidFill>
+                  <a:srgbClr val="5e6264"/>
+                </a:solidFill>
+                <a:latin typeface="Arial"/>
+                <a:ea typeface="DejaVu Sans"/>
+              </a:rPr>
+              <a:t>'collation' =&gt; 'utf8_general_ci',</a:t>
+            </a:r>
+            <a:endParaRPr b="0" lang="es-ES" sz="1600" spc="-1" strike="noStrike">
+              <a:latin typeface="Arial"/>
+            </a:endParaRPr>
+          </a:p>
+          <a:p>
+            <a:pPr>
+              <a:lnSpc>
+                <a:spcPct val="100000"/>
+              </a:lnSpc>
+              <a:spcBef>
+                <a:spcPts val="400"/>
+              </a:spcBef>
+            </a:pPr>
+            <a:r>
+              <a:rPr b="0" lang="es-ES" sz="1600" spc="-1" strike="noStrike">
+                <a:solidFill>
+                  <a:srgbClr val="5e6264"/>
+                </a:solidFill>
+                <a:latin typeface="Arial"/>
+                <a:ea typeface="DejaVu Sans"/>
+              </a:rPr>
+              <a:t>            </a:t>
+            </a:r>
+            <a:r>
+              <a:rPr b="0" lang="es-ES" sz="1600" spc="-1" strike="noStrike">
+                <a:solidFill>
+                  <a:srgbClr val="5e6264"/>
+                </a:solidFill>
+                <a:latin typeface="Arial"/>
+                <a:ea typeface="DejaVu Sans"/>
+              </a:rPr>
+              <a:t>'charset' =&gt; 'utf8',</a:t>
+            </a:r>
+            <a:endParaRPr b="0" lang="es-ES" sz="1600" spc="-1" strike="noStrike">
+              <a:latin typeface="Arial"/>
+            </a:endParaRPr>
+          </a:p>
+          <a:p>
+            <a:pPr>
+              <a:lnSpc>
+                <a:spcPct val="100000"/>
+              </a:lnSpc>
+              <a:spcBef>
+                <a:spcPts val="400"/>
+              </a:spcBef>
+            </a:pPr>
+            <a:r>
+              <a:rPr b="0" lang="es-ES" sz="1600" spc="-1" strike="noStrike">
+                <a:solidFill>
+                  <a:srgbClr val="5e6264"/>
+                </a:solidFill>
+                <a:latin typeface="Arial"/>
+                <a:ea typeface="DejaVu Sans"/>
+              </a:rPr>
+              <a:t>            </a:t>
+            </a:r>
+            <a:r>
+              <a:rPr b="0" lang="es-ES" sz="1600" spc="-1" strike="noStrike">
+                <a:solidFill>
+                  <a:srgbClr val="5e6264"/>
+                </a:solidFill>
+                <a:latin typeface="Arial"/>
+                <a:ea typeface="DejaVu Sans"/>
+              </a:rPr>
+              <a:t>'prefix' =&gt; ''</a:t>
+            </a:r>
+            <a:endParaRPr b="0" lang="es-ES" sz="1600" spc="-1" strike="noStrike">
+              <a:latin typeface="Arial"/>
+            </a:endParaRPr>
+          </a:p>
+          <a:p>
+            <a:pPr>
+              <a:lnSpc>
+                <a:spcPct val="100000"/>
+              </a:lnSpc>
+              <a:spcBef>
+                <a:spcPts val="400"/>
+              </a:spcBef>
+            </a:pPr>
+            <a:r>
+              <a:rPr b="0" lang="es-ES" sz="1600" spc="-1" strike="noStrike">
+                <a:solidFill>
+                  <a:srgbClr val="5e6264"/>
+                </a:solidFill>
+                <a:latin typeface="Arial"/>
+                <a:ea typeface="DejaVu Sans"/>
+              </a:rPr>
+              <a:t>        </a:t>
+            </a:r>
+            <a:r>
+              <a:rPr b="0" lang="es-ES" sz="1600" spc="-1" strike="noStrike">
+                <a:solidFill>
+                  <a:srgbClr val="5e6264"/>
+                </a:solidFill>
+                <a:latin typeface="Arial"/>
+                <a:ea typeface="DejaVu Sans"/>
+              </a:rPr>
+              <a:t>],</a:t>
+            </a:r>
+            <a:endParaRPr b="0" lang="es-ES" sz="1600" spc="-1" strike="noStrike">
+              <a:latin typeface="Arial"/>
+            </a:endParaRPr>
+          </a:p>
+          <a:p>
+            <a:pPr>
+              <a:lnSpc>
+                <a:spcPct val="100000"/>
+              </a:lnSpc>
+              <a:spcBef>
+                <a:spcPts val="400"/>
+              </a:spcBef>
+            </a:pPr>
             <a:endParaRPr b="0" lang="es-ES" sz="1600" spc="-1" strike="noStrike">
               <a:latin typeface="Arial"/>
             </a:endParaRPr>
@@ -10753,7 +10471,7 @@
         <p:spPr>
           <a:xfrm>
             <a:off x="457200" y="192240"/>
-            <a:ext cx="7192800" cy="847440"/>
+            <a:ext cx="7192080" cy="846720"/>
           </a:xfrm>
           <a:prstGeom prst="rect">
             <a:avLst/>
@@ -10785,7 +10503,7 @@
                 <a:latin typeface="Arial"/>
                 <a:ea typeface="DejaVu Sans"/>
               </a:rPr>
-              <a:t>Instalar Slim</a:t>
+              <a:t>Instalar Eloquent</a:t>
             </a:r>
             <a:endParaRPr b="0" lang="es-ES" sz="3000" spc="-1" strike="noStrike">
               <a:latin typeface="Arial"/>
@@ -10802,7 +10520,7 @@
         <p:spPr>
           <a:xfrm>
             <a:off x="395640" y="6520320"/>
-            <a:ext cx="358200" cy="219240"/>
+            <a:ext cx="357480" cy="218520"/>
           </a:xfrm>
           <a:prstGeom prst="rect">
             <a:avLst/>
@@ -10826,7 +10544,7 @@
                 <a:spcPct val="100000"/>
               </a:lnSpc>
             </a:pPr>
-            <a:fld id="{F33D9951-DAE1-46D4-9BDD-4DF92F865314}" type="slidenum">
+            <a:fld id="{74ECE1FD-6472-45BA-9737-4557C1E5954A}" type="slidenum">
               <a:rPr b="1" lang="es-ES" sz="800" spc="-1" strike="noStrike">
                 <a:solidFill>
                   <a:srgbClr val="004569"/>
@@ -10899,14 +10617,14 @@
         </p:nvSpPr>
         <p:spPr>
           <a:xfrm>
-            <a:off x="457200" y="192240"/>
-            <a:ext cx="7192800" cy="847440"/>
+            <a:off x="457200" y="1385640"/>
+            <a:ext cx="8208000" cy="4916520"/>
           </a:xfrm>
           <a:prstGeom prst="rect">
             <a:avLst/>
           </a:prstGeom>
           <a:noFill/>
-          <a:ln w="9360">
+          <a:ln>
             <a:noFill/>
           </a:ln>
         </p:spPr>
@@ -10917,24 +10635,329 @@
           <a:fontRef idx="minor"/>
         </p:style>
         <p:txBody>
-          <a:bodyPr lIns="90000" rIns="90000" tIns="45000" bIns="45000" anchor="b"/>
+          <a:bodyPr lIns="90000" rIns="90000" tIns="45000" bIns="45000"/>
           <a:p>
             <a:pPr>
               <a:lnSpc>
                 <a:spcPct val="100000"/>
               </a:lnSpc>
-            </a:pPr>
-            <a:r>
-              <a:rPr b="0" lang="es-ES" sz="3000" spc="-1" strike="noStrike">
-                <a:solidFill>
-                  <a:srgbClr val="004569"/>
-                </a:solidFill>
-                <a:latin typeface="Arial"/>
-                <a:ea typeface="DejaVu Sans"/>
-              </a:rPr>
-              <a:t>Directorios </a:t>
-            </a:r>
-            <a:endParaRPr b="0" lang="es-ES" sz="3000" spc="-1" strike="noStrike">
+              <a:spcBef>
+                <a:spcPts val="400"/>
+              </a:spcBef>
+            </a:pPr>
+            <a:endParaRPr b="0" lang="es-ES" sz="1800" spc="-1" strike="noStrike">
+              <a:latin typeface="Arial"/>
+            </a:endParaRPr>
+          </a:p>
+          <a:p>
+            <a:pPr>
+              <a:lnSpc>
+                <a:spcPct val="100000"/>
+              </a:lnSpc>
+              <a:spcBef>
+                <a:spcPts val="400"/>
+              </a:spcBef>
+            </a:pPr>
+            <a:r>
+              <a:rPr b="0" lang="es-ES" sz="2000" spc="-1" strike="noStrike">
+                <a:solidFill>
+                  <a:srgbClr val="5e6264"/>
+                </a:solidFill>
+                <a:latin typeface="Arial"/>
+                <a:ea typeface="DejaVu Sans"/>
+              </a:rPr>
+              <a:t>&gt;agregar en public/index.php</a:t>
+            </a:r>
+            <a:endParaRPr b="0" lang="es-ES" sz="2000" spc="-1" strike="noStrike">
+              <a:latin typeface="Arial"/>
+            </a:endParaRPr>
+          </a:p>
+          <a:p>
+            <a:pPr>
+              <a:lnSpc>
+                <a:spcPct val="100000"/>
+              </a:lnSpc>
+              <a:spcBef>
+                <a:spcPts val="400"/>
+              </a:spcBef>
+            </a:pPr>
+            <a:endParaRPr b="0" lang="es-ES" sz="2000" spc="-1" strike="noStrike">
+              <a:latin typeface="Arial"/>
+            </a:endParaRPr>
+          </a:p>
+          <a:p>
+            <a:pPr>
+              <a:lnSpc>
+                <a:spcPct val="100000"/>
+              </a:lnSpc>
+              <a:spcBef>
+                <a:spcPts val="400"/>
+              </a:spcBef>
+            </a:pPr>
+            <a:r>
+              <a:rPr b="0" lang="es-ES" sz="1600" spc="-1" strike="noStrike">
+                <a:solidFill>
+                  <a:srgbClr val="5e6264"/>
+                </a:solidFill>
+                <a:latin typeface="Arial"/>
+                <a:ea typeface="DejaVu Sans"/>
+              </a:rPr>
+              <a:t>// Register routes</a:t>
+            </a:r>
+            <a:endParaRPr b="0" lang="es-ES" sz="1600" spc="-1" strike="noStrike">
+              <a:latin typeface="Arial"/>
+            </a:endParaRPr>
+          </a:p>
+          <a:p>
+            <a:pPr>
+              <a:lnSpc>
+                <a:spcPct val="100000"/>
+              </a:lnSpc>
+              <a:spcBef>
+                <a:spcPts val="400"/>
+              </a:spcBef>
+            </a:pPr>
+            <a:r>
+              <a:rPr b="0" lang="es-ES" sz="1600" spc="-1" strike="noStrike">
+                <a:solidFill>
+                  <a:srgbClr val="5e6264"/>
+                </a:solidFill>
+                <a:latin typeface="Arial"/>
+                <a:ea typeface="DejaVu Sans"/>
+              </a:rPr>
+              <a:t>require __DIR__ . '/../src/routes.php';</a:t>
+            </a:r>
+            <a:endParaRPr b="0" lang="es-ES" sz="1600" spc="-1" strike="noStrike">
+              <a:latin typeface="Arial"/>
+            </a:endParaRPr>
+          </a:p>
+          <a:p>
+            <a:pPr>
+              <a:lnSpc>
+                <a:spcPct val="100000"/>
+              </a:lnSpc>
+              <a:spcBef>
+                <a:spcPts val="400"/>
+              </a:spcBef>
+            </a:pPr>
+            <a:r>
+              <a:rPr b="0" lang="es-ES" sz="1600" spc="-1" strike="noStrike">
+                <a:solidFill>
+                  <a:srgbClr val="5e6264"/>
+                </a:solidFill>
+                <a:latin typeface="Arial"/>
+                <a:ea typeface="DejaVu Sans"/>
+              </a:rPr>
+              <a:t>//desde acá</a:t>
+            </a:r>
+            <a:endParaRPr b="0" lang="es-ES" sz="1600" spc="-1" strike="noStrike">
+              <a:latin typeface="Arial"/>
+            </a:endParaRPr>
+          </a:p>
+          <a:p>
+            <a:pPr>
+              <a:lnSpc>
+                <a:spcPct val="100000"/>
+              </a:lnSpc>
+              <a:spcBef>
+                <a:spcPts val="400"/>
+              </a:spcBef>
+            </a:pPr>
+            <a:r>
+              <a:rPr b="0" lang="es-ES" sz="1600" spc="-1" strike="noStrike">
+                <a:solidFill>
+                  <a:srgbClr val="5e6264"/>
+                </a:solidFill>
+                <a:latin typeface="Arial"/>
+                <a:ea typeface="DejaVu Sans"/>
+              </a:rPr>
+              <a:t>$container = $app-&gt;getContainer();</a:t>
+            </a:r>
+            <a:endParaRPr b="0" lang="es-ES" sz="1600" spc="-1" strike="noStrike">
+              <a:latin typeface="Arial"/>
+            </a:endParaRPr>
+          </a:p>
+          <a:p>
+            <a:pPr>
+              <a:lnSpc>
+                <a:spcPct val="100000"/>
+              </a:lnSpc>
+              <a:spcBef>
+                <a:spcPts val="400"/>
+              </a:spcBef>
+            </a:pPr>
+            <a:r>
+              <a:rPr b="0" lang="es-ES" sz="1600" spc="-1" strike="noStrike">
+                <a:solidFill>
+                  <a:srgbClr val="5e6264"/>
+                </a:solidFill>
+                <a:latin typeface="Arial"/>
+                <a:ea typeface="DejaVu Sans"/>
+              </a:rPr>
+              <a:t>$dbSettings = $container-&gt;get('settings')['db'];</a:t>
+            </a:r>
+            <a:endParaRPr b="0" lang="es-ES" sz="1600" spc="-1" strike="noStrike">
+              <a:latin typeface="Arial"/>
+            </a:endParaRPr>
+          </a:p>
+          <a:p>
+            <a:pPr>
+              <a:lnSpc>
+                <a:spcPct val="100000"/>
+              </a:lnSpc>
+              <a:spcBef>
+                <a:spcPts val="400"/>
+              </a:spcBef>
+            </a:pPr>
+            <a:r>
+              <a:rPr b="0" lang="es-ES" sz="1600" spc="-1" strike="noStrike">
+                <a:solidFill>
+                  <a:srgbClr val="5e6264"/>
+                </a:solidFill>
+                <a:latin typeface="Arial"/>
+                <a:ea typeface="DejaVu Sans"/>
+              </a:rPr>
+              <a:t>$capsule = new Illuminate\Database\Capsule\Manager;</a:t>
+            </a:r>
+            <a:endParaRPr b="0" lang="es-ES" sz="1600" spc="-1" strike="noStrike">
+              <a:latin typeface="Arial"/>
+            </a:endParaRPr>
+          </a:p>
+          <a:p>
+            <a:pPr>
+              <a:lnSpc>
+                <a:spcPct val="100000"/>
+              </a:lnSpc>
+              <a:spcBef>
+                <a:spcPts val="400"/>
+              </a:spcBef>
+            </a:pPr>
+            <a:r>
+              <a:rPr b="0" lang="es-ES" sz="1600" spc="-1" strike="noStrike">
+                <a:solidFill>
+                  <a:srgbClr val="5e6264"/>
+                </a:solidFill>
+                <a:latin typeface="Arial"/>
+                <a:ea typeface="DejaVu Sans"/>
+              </a:rPr>
+              <a:t>$capsule-&gt;addConnection($dbSettings);</a:t>
+            </a:r>
+            <a:endParaRPr b="0" lang="es-ES" sz="1600" spc="-1" strike="noStrike">
+              <a:latin typeface="Arial"/>
+            </a:endParaRPr>
+          </a:p>
+          <a:p>
+            <a:pPr>
+              <a:lnSpc>
+                <a:spcPct val="100000"/>
+              </a:lnSpc>
+              <a:spcBef>
+                <a:spcPts val="400"/>
+              </a:spcBef>
+            </a:pPr>
+            <a:r>
+              <a:rPr b="0" lang="es-ES" sz="1600" spc="-1" strike="noStrike">
+                <a:solidFill>
+                  <a:srgbClr val="5e6264"/>
+                </a:solidFill>
+                <a:latin typeface="Arial"/>
+                <a:ea typeface="DejaVu Sans"/>
+              </a:rPr>
+              <a:t>$capsule-&gt;bootEloquent();</a:t>
+            </a:r>
+            <a:endParaRPr b="0" lang="es-ES" sz="1600" spc="-1" strike="noStrike">
+              <a:latin typeface="Arial"/>
+            </a:endParaRPr>
+          </a:p>
+          <a:p>
+            <a:pPr>
+              <a:lnSpc>
+                <a:spcPct val="100000"/>
+              </a:lnSpc>
+              <a:spcBef>
+                <a:spcPts val="400"/>
+              </a:spcBef>
+            </a:pPr>
+            <a:r>
+              <a:rPr b="0" lang="es-ES" sz="1600" spc="-1" strike="noStrike">
+                <a:solidFill>
+                  <a:srgbClr val="5e6264"/>
+                </a:solidFill>
+                <a:latin typeface="Arial"/>
+                <a:ea typeface="DejaVu Sans"/>
+              </a:rPr>
+              <a:t>$capsule-&gt;setAsGlobal();</a:t>
+            </a:r>
+            <a:endParaRPr b="0" lang="es-ES" sz="1600" spc="-1" strike="noStrike">
+              <a:latin typeface="Arial"/>
+            </a:endParaRPr>
+          </a:p>
+          <a:p>
+            <a:pPr>
+              <a:lnSpc>
+                <a:spcPct val="100000"/>
+              </a:lnSpc>
+              <a:spcBef>
+                <a:spcPts val="400"/>
+              </a:spcBef>
+            </a:pPr>
+            <a:r>
+              <a:rPr b="0" lang="es-ES" sz="1600" spc="-1" strike="noStrike">
+                <a:solidFill>
+                  <a:srgbClr val="5e6264"/>
+                </a:solidFill>
+                <a:latin typeface="Arial"/>
+                <a:ea typeface="DejaVu Sans"/>
+              </a:rPr>
+              <a:t>//hasta acá </a:t>
+            </a:r>
+            <a:endParaRPr b="0" lang="es-ES" sz="1600" spc="-1" strike="noStrike">
+              <a:latin typeface="Arial"/>
+            </a:endParaRPr>
+          </a:p>
+          <a:p>
+            <a:pPr>
+              <a:lnSpc>
+                <a:spcPct val="100000"/>
+              </a:lnSpc>
+              <a:spcBef>
+                <a:spcPts val="400"/>
+              </a:spcBef>
+            </a:pPr>
+            <a:r>
+              <a:rPr b="0" lang="es-ES" sz="1600" spc="-1" strike="noStrike">
+                <a:solidFill>
+                  <a:srgbClr val="5e6264"/>
+                </a:solidFill>
+                <a:latin typeface="Arial"/>
+                <a:ea typeface="DejaVu Sans"/>
+              </a:rPr>
+              <a:t>// Run app</a:t>
+            </a:r>
+            <a:endParaRPr b="0" lang="es-ES" sz="1600" spc="-1" strike="noStrike">
+              <a:latin typeface="Arial"/>
+            </a:endParaRPr>
+          </a:p>
+          <a:p>
+            <a:pPr>
+              <a:lnSpc>
+                <a:spcPct val="100000"/>
+              </a:lnSpc>
+              <a:spcBef>
+                <a:spcPts val="400"/>
+              </a:spcBef>
+            </a:pPr>
+            <a:r>
+              <a:rPr b="0" lang="es-ES" sz="1600" spc="-1" strike="noStrike">
+                <a:solidFill>
+                  <a:srgbClr val="5e6264"/>
+                </a:solidFill>
+                <a:latin typeface="Arial"/>
+                <a:ea typeface="DejaVu Sans"/>
+              </a:rPr>
+              <a:t>$app-&gt;run();</a:t>
+            </a:r>
+            <a:endParaRPr b="0" lang="es-ES" sz="1600" spc="-1" strike="noStrike">
               <a:latin typeface="Arial"/>
             </a:endParaRPr>
           </a:p>
@@ -10948,14 +10971,14 @@
         </p:nvSpPr>
         <p:spPr>
           <a:xfrm>
-            <a:off x="395640" y="6520320"/>
-            <a:ext cx="358200" cy="219240"/>
+            <a:off x="457200" y="192240"/>
+            <a:ext cx="7192080" cy="846720"/>
           </a:xfrm>
           <a:prstGeom prst="rect">
             <a:avLst/>
           </a:prstGeom>
           <a:noFill/>
-          <a:ln>
+          <a:ln w="9360">
             <a:noFill/>
           </a:ln>
         </p:spPr>
@@ -10966,24 +10989,24 @@
           <a:fontRef idx="minor"/>
         </p:style>
         <p:txBody>
-          <a:bodyPr lIns="90000" rIns="90000" tIns="45000" bIns="45000" anchor="ctr"/>
-          <a:p>
-            <a:pPr algn="r">
+          <a:bodyPr lIns="90000" rIns="90000" tIns="45000" bIns="45000" anchor="b"/>
+          <a:p>
+            <a:pPr>
               <a:lnSpc>
                 <a:spcPct val="100000"/>
               </a:lnSpc>
             </a:pPr>
-            <a:fld id="{FFA5C7DD-429A-4602-9C01-D92F5733E28F}" type="slidenum">
-              <a:rPr b="1" lang="es-ES" sz="800" spc="-1" strike="noStrike">
+            <a:r>
+              <a:rPr b="0" lang="es-ES" sz="3000" spc="-1" strike="noStrike">
                 <a:solidFill>
                   <a:srgbClr val="004569"/>
                 </a:solidFill>
                 <a:latin typeface="Arial"/>
                 <a:ea typeface="DejaVu Sans"/>
               </a:rPr>
-              <a:t>&lt;número&gt;</a:t>
-            </a:fld>
-            <a:endParaRPr b="0" lang="es-ES" sz="800" spc="-1" strike="noStrike">
+              <a:t>Instalar Eloquent</a:t>
+            </a:r>
+            <a:endParaRPr b="0" lang="es-ES" sz="3000" spc="-1" strike="noStrike">
               <a:latin typeface="Arial"/>
             </a:endParaRPr>
           </a:p>
@@ -10997,407 +11020,42 @@
         </p:nvSpPr>
         <p:spPr>
           <a:xfrm>
-            <a:off x="457200" y="1454760"/>
-            <a:ext cx="8048160" cy="741600"/>
-          </a:xfrm>
-          <a:prstGeom prst="roundRect">
-            <a:avLst>
-              <a:gd name="adj" fmla="val 16667"/>
-            </a:avLst>
-          </a:prstGeom>
-          <a:solidFill>
-            <a:schemeClr val="accent1">
-              <a:hueOff val="0"/>
-              <a:satOff val="0"/>
-              <a:lumOff val="0"/>
-              <a:alphaOff val="0"/>
-            </a:schemeClr>
-          </a:solidFill>
+            <a:off x="395640" y="6520320"/>
+            <a:ext cx="357480" cy="218520"/>
+          </a:xfrm>
+          <a:prstGeom prst="rect">
+            <a:avLst/>
+          </a:prstGeom>
+          <a:noFill/>
           <a:ln>
-            <a:solidFill>
-              <a:schemeClr val="lt1">
-                <a:hueOff val="0"/>
-                <a:satOff val="0"/>
-                <a:lumOff val="0"/>
-                <a:alphaOff val="0"/>
-              </a:schemeClr>
-            </a:solidFill>
-            <a:round/>
+            <a:noFill/>
           </a:ln>
         </p:spPr>
         <p:style>
-          <a:lnRef idx="2"/>
+          <a:lnRef idx="0"/>
           <a:fillRef idx="0"/>
           <a:effectRef idx="0"/>
           <a:fontRef idx="minor"/>
         </p:style>
         <p:txBody>
-          <a:bodyPr lIns="154440" rIns="118080" tIns="154440" bIns="154440" anchor="ctr"/>
-          <a:p>
-            <a:pPr>
-              <a:lnSpc>
-                <a:spcPct val="90000"/>
-              </a:lnSpc>
-              <a:spcAft>
-                <a:spcPts val="1086"/>
-              </a:spcAft>
-            </a:pPr>
-            <a:r>
-              <a:rPr b="0" lang="es-ES" sz="3100" spc="-1" strike="noStrike">
-                <a:solidFill>
-                  <a:srgbClr val="ffffff"/>
-                </a:solidFill>
-                <a:latin typeface="Calibri"/>
-                <a:ea typeface="DejaVu Sans"/>
-              </a:rPr>
-              <a:t>Entorno:    /. env</a:t>
-            </a:r>
-            <a:endParaRPr b="0" lang="es-ES" sz="3100" spc="-1" strike="noStrike">
-              <a:latin typeface="Arial"/>
-            </a:endParaRPr>
-          </a:p>
-        </p:txBody>
-      </p:sp>
-      <p:sp>
-        <p:nvSpPr>
-          <p:cNvPr id="236" name="CustomShape 4"/>
-          <p:cNvSpPr/>
-          <p:nvPr/>
-        </p:nvSpPr>
-        <p:spPr>
-          <a:xfrm>
-            <a:off x="457200" y="2287800"/>
-            <a:ext cx="8048160" cy="741600"/>
-          </a:xfrm>
-          <a:prstGeom prst="roundRect">
-            <a:avLst>
-              <a:gd name="adj" fmla="val 16667"/>
-            </a:avLst>
-          </a:prstGeom>
-          <a:solidFill>
-            <a:schemeClr val="accent1">
-              <a:hueOff val="0"/>
-              <a:satOff val="0"/>
-              <a:lumOff val="0"/>
-              <a:alphaOff val="0"/>
-            </a:schemeClr>
-          </a:solidFill>
-          <a:ln>
-            <a:solidFill>
-              <a:schemeClr val="lt1">
-                <a:hueOff val="0"/>
-                <a:satOff val="0"/>
-                <a:lumOff val="0"/>
-                <a:alphaOff val="0"/>
-              </a:schemeClr>
-            </a:solidFill>
-            <a:round/>
-          </a:ln>
-        </p:spPr>
-        <p:style>
-          <a:lnRef idx="2"/>
-          <a:fillRef idx="0"/>
-          <a:effectRef idx="0"/>
-          <a:fontRef idx="minor"/>
-        </p:style>
-        <p:txBody>
-          <a:bodyPr lIns="154440" rIns="118080" tIns="154440" bIns="154440" anchor="ctr"/>
-          <a:p>
-            <a:pPr>
-              <a:lnSpc>
-                <a:spcPct val="90000"/>
-              </a:lnSpc>
-              <a:spcAft>
-                <a:spcPts val="1086"/>
-              </a:spcAft>
-            </a:pPr>
-            <a:r>
-              <a:rPr b="0" lang="es-ES" sz="3100" spc="-1" strike="noStrike">
-                <a:solidFill>
-                  <a:srgbClr val="ffffff"/>
-                </a:solidFill>
-                <a:latin typeface="Calibri"/>
-                <a:ea typeface="DejaVu Sans"/>
-              </a:rPr>
-              <a:t>Routes:   Routes/web.php  Routes/api.php</a:t>
-            </a:r>
-            <a:endParaRPr b="0" lang="es-ES" sz="3100" spc="-1" strike="noStrike">
-              <a:latin typeface="Arial"/>
-            </a:endParaRPr>
-          </a:p>
-        </p:txBody>
-      </p:sp>
-      <p:sp>
-        <p:nvSpPr>
-          <p:cNvPr id="237" name="CustomShape 5"/>
-          <p:cNvSpPr/>
-          <p:nvPr/>
-        </p:nvSpPr>
-        <p:spPr>
-          <a:xfrm>
-            <a:off x="457200" y="3120480"/>
-            <a:ext cx="8048160" cy="741600"/>
-          </a:xfrm>
-          <a:prstGeom prst="roundRect">
-            <a:avLst>
-              <a:gd name="adj" fmla="val 16667"/>
-            </a:avLst>
-          </a:prstGeom>
-          <a:solidFill>
-            <a:schemeClr val="accent1">
-              <a:hueOff val="0"/>
-              <a:satOff val="0"/>
-              <a:lumOff val="0"/>
-              <a:alphaOff val="0"/>
-            </a:schemeClr>
-          </a:solidFill>
-          <a:ln>
-            <a:solidFill>
-              <a:schemeClr val="lt1">
-                <a:hueOff val="0"/>
-                <a:satOff val="0"/>
-                <a:lumOff val="0"/>
-                <a:alphaOff val="0"/>
-              </a:schemeClr>
-            </a:solidFill>
-            <a:round/>
-          </a:ln>
-        </p:spPr>
-        <p:style>
-          <a:lnRef idx="2"/>
-          <a:fillRef idx="0"/>
-          <a:effectRef idx="0"/>
-          <a:fontRef idx="minor"/>
-        </p:style>
-        <p:txBody>
-          <a:bodyPr lIns="154440" rIns="118080" tIns="154440" bIns="154440" anchor="ctr"/>
-          <a:p>
-            <a:pPr>
-              <a:lnSpc>
-                <a:spcPct val="90000"/>
-              </a:lnSpc>
-              <a:spcAft>
-                <a:spcPts val="1086"/>
-              </a:spcAft>
-            </a:pPr>
-            <a:r>
-              <a:rPr b="0" lang="es-ES" sz="3100" spc="-1" strike="noStrike">
-                <a:solidFill>
-                  <a:srgbClr val="ffffff"/>
-                </a:solidFill>
-                <a:latin typeface="Calibri"/>
-                <a:ea typeface="DejaVu Sans"/>
-              </a:rPr>
-              <a:t>Controllers:    App/ Http/Controllers/</a:t>
-            </a:r>
-            <a:endParaRPr b="0" lang="es-ES" sz="3100" spc="-1" strike="noStrike">
-              <a:latin typeface="Arial"/>
-            </a:endParaRPr>
-          </a:p>
-        </p:txBody>
-      </p:sp>
-      <p:sp>
-        <p:nvSpPr>
-          <p:cNvPr id="238" name="CustomShape 6"/>
-          <p:cNvSpPr/>
-          <p:nvPr/>
-        </p:nvSpPr>
-        <p:spPr>
-          <a:xfrm>
-            <a:off x="457200" y="3953160"/>
-            <a:ext cx="8048160" cy="741600"/>
-          </a:xfrm>
-          <a:prstGeom prst="roundRect">
-            <a:avLst>
-              <a:gd name="adj" fmla="val 16667"/>
-            </a:avLst>
-          </a:prstGeom>
-          <a:solidFill>
-            <a:schemeClr val="accent1">
-              <a:hueOff val="0"/>
-              <a:satOff val="0"/>
-              <a:lumOff val="0"/>
-              <a:alphaOff val="0"/>
-            </a:schemeClr>
-          </a:solidFill>
-          <a:ln>
-            <a:solidFill>
-              <a:schemeClr val="lt1">
-                <a:hueOff val="0"/>
-                <a:satOff val="0"/>
-                <a:lumOff val="0"/>
-                <a:alphaOff val="0"/>
-              </a:schemeClr>
-            </a:solidFill>
-            <a:round/>
-          </a:ln>
-        </p:spPr>
-        <p:style>
-          <a:lnRef idx="2"/>
-          <a:fillRef idx="0"/>
-          <a:effectRef idx="0"/>
-          <a:fontRef idx="minor"/>
-        </p:style>
-        <p:txBody>
-          <a:bodyPr lIns="154440" rIns="118080" tIns="154440" bIns="154440" anchor="ctr"/>
-          <a:p>
-            <a:pPr>
-              <a:lnSpc>
-                <a:spcPct val="90000"/>
-              </a:lnSpc>
-              <a:spcAft>
-                <a:spcPts val="1086"/>
-              </a:spcAft>
-            </a:pPr>
-            <a:r>
-              <a:rPr b="0" lang="es-ES" sz="3100" spc="-1" strike="noStrike">
-                <a:solidFill>
-                  <a:srgbClr val="ffffff"/>
-                </a:solidFill>
-                <a:latin typeface="Calibri"/>
-                <a:ea typeface="DejaVu Sans"/>
-              </a:rPr>
-              <a:t>Models : App/</a:t>
-            </a:r>
-            <a:endParaRPr b="0" lang="es-ES" sz="3100" spc="-1" strike="noStrike">
-              <a:latin typeface="Arial"/>
-            </a:endParaRPr>
-          </a:p>
-        </p:txBody>
-      </p:sp>
-      <p:sp>
-        <p:nvSpPr>
-          <p:cNvPr id="239" name="CustomShape 7"/>
-          <p:cNvSpPr/>
-          <p:nvPr/>
-        </p:nvSpPr>
-        <p:spPr>
-          <a:xfrm>
-            <a:off x="457200" y="4786200"/>
-            <a:ext cx="8048160" cy="741600"/>
-          </a:xfrm>
-          <a:prstGeom prst="roundRect">
-            <a:avLst>
-              <a:gd name="adj" fmla="val 16667"/>
-            </a:avLst>
-          </a:prstGeom>
-          <a:solidFill>
-            <a:schemeClr val="accent1">
-              <a:hueOff val="0"/>
-              <a:satOff val="0"/>
-              <a:lumOff val="0"/>
-              <a:alphaOff val="0"/>
-            </a:schemeClr>
-          </a:solidFill>
-          <a:ln>
-            <a:solidFill>
-              <a:schemeClr val="lt1">
-                <a:hueOff val="0"/>
-                <a:satOff val="0"/>
-                <a:lumOff val="0"/>
-                <a:alphaOff val="0"/>
-              </a:schemeClr>
-            </a:solidFill>
-            <a:round/>
-          </a:ln>
-        </p:spPr>
-        <p:style>
-          <a:lnRef idx="2"/>
-          <a:fillRef idx="0"/>
-          <a:effectRef idx="0"/>
-          <a:fontRef idx="minor"/>
-        </p:style>
-        <p:txBody>
-          <a:bodyPr lIns="154440" rIns="118080" tIns="154440" bIns="154440" anchor="ctr"/>
-          <a:p>
-            <a:pPr>
-              <a:lnSpc>
-                <a:spcPct val="90000"/>
-              </a:lnSpc>
-              <a:spcAft>
-                <a:spcPts val="1086"/>
-              </a:spcAft>
-            </a:pPr>
-            <a:r>
-              <a:rPr b="0" lang="es-ES" sz="3100" spc="-1" strike="noStrike">
-                <a:solidFill>
-                  <a:srgbClr val="ffffff"/>
-                </a:solidFill>
-                <a:latin typeface="Calibri"/>
-                <a:ea typeface="DejaVu Sans"/>
-              </a:rPr>
-              <a:t>Views:    Resourses/views/</a:t>
-            </a:r>
-            <a:endParaRPr b="0" lang="es-ES" sz="3100" spc="-1" strike="noStrike">
-              <a:latin typeface="Arial"/>
-            </a:endParaRPr>
-          </a:p>
-        </p:txBody>
-      </p:sp>
-      <p:sp>
-        <p:nvSpPr>
-          <p:cNvPr id="240" name="CustomShape 8"/>
-          <p:cNvSpPr/>
-          <p:nvPr/>
-        </p:nvSpPr>
-        <p:spPr>
-          <a:xfrm>
-            <a:off x="457200" y="5618880"/>
-            <a:ext cx="8048160" cy="741600"/>
-          </a:xfrm>
-          <a:prstGeom prst="roundRect">
-            <a:avLst>
-              <a:gd name="adj" fmla="val 16667"/>
-            </a:avLst>
-          </a:prstGeom>
-          <a:solidFill>
-            <a:schemeClr val="accent1">
-              <a:hueOff val="0"/>
-              <a:satOff val="0"/>
-              <a:lumOff val="0"/>
-              <a:alphaOff val="0"/>
-            </a:schemeClr>
-          </a:solidFill>
-          <a:ln>
-            <a:solidFill>
-              <a:schemeClr val="lt1">
-                <a:hueOff val="0"/>
-                <a:satOff val="0"/>
-                <a:lumOff val="0"/>
-                <a:alphaOff val="0"/>
-              </a:schemeClr>
-            </a:solidFill>
-            <a:round/>
-          </a:ln>
-        </p:spPr>
-        <p:style>
-          <a:lnRef idx="2"/>
-          <a:fillRef idx="0"/>
-          <a:effectRef idx="0"/>
-          <a:fontRef idx="minor"/>
-        </p:style>
-        <p:txBody>
-          <a:bodyPr lIns="154440" rIns="118080" tIns="154440" bIns="154440" anchor="ctr"/>
-          <a:p>
-            <a:pPr>
-              <a:lnSpc>
-                <a:spcPct val="90000"/>
-              </a:lnSpc>
-              <a:spcAft>
-                <a:spcPts val="1086"/>
-              </a:spcAft>
-            </a:pPr>
-            <a:r>
-              <a:rPr b="0" lang="es-ES" sz="3100" spc="-1" strike="noStrike">
-                <a:solidFill>
-                  <a:srgbClr val="ffffff"/>
-                </a:solidFill>
-                <a:latin typeface="Calibri"/>
-                <a:ea typeface="DejaVu Sans"/>
-              </a:rPr>
-              <a:t>CSS y JS:     Public/</a:t>
-            </a:r>
-            <a:endParaRPr b="0" lang="es-ES" sz="3100" spc="-1" strike="noStrike">
+          <a:bodyPr lIns="90000" rIns="90000" tIns="45000" bIns="45000" anchor="ctr"/>
+          <a:p>
+            <a:pPr algn="r">
+              <a:lnSpc>
+                <a:spcPct val="100000"/>
+              </a:lnSpc>
+            </a:pPr>
+            <a:fld id="{42136537-A30F-4177-9361-80233ACAA4FD}" type="slidenum">
+              <a:rPr b="1" lang="es-ES" sz="800" spc="-1" strike="noStrike">
+                <a:solidFill>
+                  <a:srgbClr val="004569"/>
+                </a:solidFill>
+                <a:latin typeface="Arial"/>
+                <a:ea typeface="DejaVu Sans"/>
+              </a:rPr>
+              <a:t>&lt;número&gt;</a:t>
+            </a:fld>
+            <a:endParaRPr b="0" lang="es-ES" sz="800" spc="-1" strike="noStrike">
               <a:latin typeface="Arial"/>
             </a:endParaRPr>
           </a:p>
@@ -11454,14 +11112,14 @@
       </p:grpSpPr>
       <p:sp>
         <p:nvSpPr>
-          <p:cNvPr id="241" name="CustomShape 1"/>
+          <p:cNvPr id="236" name="CustomShape 1"/>
           <p:cNvSpPr/>
           <p:nvPr/>
         </p:nvSpPr>
         <p:spPr>
           <a:xfrm>
-            <a:off x="457200" y="1339920"/>
-            <a:ext cx="7875720" cy="4962960"/>
+            <a:off x="457200" y="1385640"/>
+            <a:ext cx="8208000" cy="4916520"/>
           </a:xfrm>
           <a:prstGeom prst="rect">
             <a:avLst/>
@@ -11480,211 +11138,66 @@
         <p:txBody>
           <a:bodyPr lIns="90000" rIns="90000" tIns="45000" bIns="45000"/>
           <a:p>
-            <a:pPr marL="125640" indent="-177840">
+            <a:pPr>
               <a:lnSpc>
                 <a:spcPct val="100000"/>
               </a:lnSpc>
               <a:spcBef>
                 <a:spcPts val="360"/>
               </a:spcBef>
-              <a:buClr>
-                <a:srgbClr val="5e6264"/>
-              </a:buClr>
-              <a:buFont typeface="Lucida Grande"/>
-              <a:buChar char="›"/>
-            </a:pPr>
-            <a:r>
-              <a:rPr b="0" lang="es-ES" sz="1800" spc="-1" strike="noStrike">
+            </a:pPr>
+            <a:endParaRPr b="0" lang="es-ES" sz="1800" spc="-1" strike="noStrike">
+              <a:latin typeface="Arial"/>
+            </a:endParaRPr>
+          </a:p>
+          <a:p>
+            <a:pPr>
+              <a:lnSpc>
+                <a:spcPct val="100000"/>
+              </a:lnSpc>
+              <a:spcBef>
+                <a:spcPts val="400"/>
+              </a:spcBef>
+            </a:pPr>
+            <a:r>
+              <a:rPr b="0" lang="es-ES" sz="2000" spc="-1" strike="noStrike">
                 <a:solidFill>
                   <a:srgbClr val="5e6264"/>
                 </a:solidFill>
                 <a:latin typeface="Arial"/>
                 <a:ea typeface="DejaVu Sans"/>
               </a:rPr>
-              <a:t>Cada tabla de la base de datos se corresponde con un modelo</a:t>
-            </a:r>
-            <a:endParaRPr b="0" lang="es-ES" sz="1800" spc="-1" strike="noStrike">
-              <a:latin typeface="Arial"/>
-            </a:endParaRPr>
-          </a:p>
-          <a:p>
-            <a:pPr marL="125640" indent="-177840">
+              <a:t>&gt;https://www.getpostman.com/docs/v6/postman/launching_postman/installation_and_updates</a:t>
+            </a:r>
+            <a:endParaRPr b="0" lang="es-ES" sz="2000" spc="-1" strike="noStrike">
+              <a:latin typeface="Arial"/>
+            </a:endParaRPr>
+          </a:p>
+          <a:p>
+            <a:pPr>
               <a:lnSpc>
                 <a:spcPct val="100000"/>
               </a:lnSpc>
               <a:spcBef>
-                <a:spcPts val="360"/>
+                <a:spcPts val="400"/>
               </a:spcBef>
-              <a:buClr>
-                <a:srgbClr val="5e6264"/>
-              </a:buClr>
-              <a:buFont typeface="Lucida Grande"/>
-              <a:buChar char="›"/>
-            </a:pPr>
-            <a:r>
-              <a:rPr b="0" lang="es-ES" sz="1800" spc="-1" strike="noStrike">
-                <a:solidFill>
-                  <a:srgbClr val="5e6264"/>
-                </a:solidFill>
-                <a:latin typeface="Arial"/>
-                <a:ea typeface="DejaVu Sans"/>
-              </a:rPr>
-              <a:t>Config/database.php</a:t>
-            </a:r>
-            <a:endParaRPr b="0" lang="es-ES" sz="1800" spc="-1" strike="noStrike">
-              <a:latin typeface="Arial"/>
-            </a:endParaRPr>
-          </a:p>
-          <a:p>
-            <a:pPr>
-              <a:lnSpc>
-                <a:spcPct val="100000"/>
-              </a:lnSpc>
-              <a:spcBef>
-                <a:spcPts val="360"/>
-              </a:spcBef>
-            </a:pPr>
-            <a:endParaRPr b="0" lang="es-ES" sz="1800" spc="-1" strike="noStrike">
-              <a:latin typeface="Arial"/>
-            </a:endParaRPr>
-          </a:p>
-          <a:p>
-            <a:pPr marL="125640" indent="-177840">
-              <a:lnSpc>
-                <a:spcPct val="100000"/>
-              </a:lnSpc>
-              <a:spcBef>
-                <a:spcPts val="479"/>
-              </a:spcBef>
-              <a:buClr>
-                <a:srgbClr val="5e6264"/>
-              </a:buClr>
-              <a:buFont typeface="Lucida Grande"/>
-              <a:buChar char="›"/>
-            </a:pPr>
-            <a:r>
-              <a:rPr b="1" lang="es-ES" sz="2400" spc="-1" strike="noStrike">
-                <a:solidFill>
-                  <a:srgbClr val="5e6264"/>
-                </a:solidFill>
-                <a:latin typeface="Arial"/>
-                <a:ea typeface="DejaVu Sans"/>
-              </a:rPr>
-              <a:t>Otras herramientas </a:t>
-            </a:r>
-            <a:endParaRPr b="0" lang="es-ES" sz="2400" spc="-1" strike="noStrike">
-              <a:latin typeface="Arial"/>
-            </a:endParaRPr>
-          </a:p>
-          <a:p>
-            <a:pPr marL="125640" indent="-177840">
-              <a:lnSpc>
-                <a:spcPct val="100000"/>
-              </a:lnSpc>
-              <a:spcBef>
-                <a:spcPts val="360"/>
-              </a:spcBef>
-              <a:buClr>
-                <a:srgbClr val="5e6264"/>
-              </a:buClr>
-              <a:buFont typeface="Lucida Grande"/>
-              <a:buChar char="›"/>
-            </a:pPr>
-            <a:r>
-              <a:rPr b="0" lang="es-ES" sz="1800" spc="-1" strike="noStrike">
-                <a:solidFill>
-                  <a:srgbClr val="5e6264"/>
-                </a:solidFill>
-                <a:latin typeface="Arial"/>
-                <a:ea typeface="DejaVu Sans"/>
-              </a:rPr>
-              <a:t>Migrations</a:t>
-            </a:r>
-            <a:endParaRPr b="0" lang="es-ES" sz="1800" spc="-1" strike="noStrike">
-              <a:latin typeface="Arial"/>
-            </a:endParaRPr>
-          </a:p>
-          <a:p>
-            <a:pPr marL="125640" indent="-177840">
-              <a:lnSpc>
-                <a:spcPct val="100000"/>
-              </a:lnSpc>
-              <a:spcBef>
-                <a:spcPts val="360"/>
-              </a:spcBef>
-              <a:buClr>
-                <a:srgbClr val="5e6264"/>
-              </a:buClr>
-              <a:buFont typeface="Lucida Grande"/>
-              <a:buChar char="›"/>
-            </a:pPr>
-            <a:r>
-              <a:rPr b="0" lang="es-ES" sz="1800" spc="-1" strike="noStrike">
-                <a:solidFill>
-                  <a:srgbClr val="5e6264"/>
-                </a:solidFill>
-                <a:latin typeface="Arial"/>
-                <a:ea typeface="DejaVu Sans"/>
-              </a:rPr>
-              <a:t>Seeders</a:t>
-            </a:r>
-            <a:endParaRPr b="0" lang="es-ES" sz="1800" spc="-1" strike="noStrike">
-              <a:latin typeface="Arial"/>
-            </a:endParaRPr>
-          </a:p>
-          <a:p>
-            <a:pPr marL="125640" indent="-177840">
-              <a:lnSpc>
-                <a:spcPct val="100000"/>
-              </a:lnSpc>
-              <a:spcBef>
-                <a:spcPts val="360"/>
-              </a:spcBef>
-              <a:buClr>
-                <a:srgbClr val="5e6264"/>
-              </a:buClr>
-              <a:buFont typeface="Lucida Grande"/>
-              <a:buChar char="›"/>
-            </a:pPr>
-            <a:r>
-              <a:rPr b="0" lang="es-ES" sz="1800" spc="-1" strike="noStrike">
-                <a:solidFill>
-                  <a:srgbClr val="5e6264"/>
-                </a:solidFill>
-                <a:latin typeface="Arial"/>
-                <a:ea typeface="DejaVu Sans"/>
-              </a:rPr>
-              <a:t>Blade</a:t>
-            </a:r>
-            <a:endParaRPr b="0" lang="es-ES" sz="1800" spc="-1" strike="noStrike">
-              <a:latin typeface="Arial"/>
-            </a:endParaRPr>
-          </a:p>
-          <a:p>
-            <a:pPr>
-              <a:lnSpc>
-                <a:spcPct val="100000"/>
-              </a:lnSpc>
-              <a:spcBef>
-                <a:spcPts val="360"/>
-              </a:spcBef>
-            </a:pPr>
-            <a:endParaRPr b="0" lang="es-ES" sz="1800" spc="-1" strike="noStrike">
-              <a:latin typeface="Arial"/>
-            </a:endParaRPr>
-          </a:p>
-        </p:txBody>
-      </p:sp>
-      <p:sp>
-        <p:nvSpPr>
-          <p:cNvPr id="242" name="CustomShape 2"/>
+            </a:pPr>
+            <a:endParaRPr b="0" lang="es-ES" sz="2000" spc="-1" strike="noStrike">
+              <a:latin typeface="Arial"/>
+            </a:endParaRPr>
+          </a:p>
+        </p:txBody>
+      </p:sp>
+      <p:sp>
+        <p:nvSpPr>
+          <p:cNvPr id="237" name="CustomShape 2"/>
           <p:cNvSpPr/>
           <p:nvPr/>
         </p:nvSpPr>
         <p:spPr>
           <a:xfrm>
             <a:off x="457200" y="192240"/>
-            <a:ext cx="7192800" cy="847440"/>
+            <a:ext cx="7192080" cy="846720"/>
           </a:xfrm>
           <a:prstGeom prst="rect">
             <a:avLst/>
@@ -11716,7 +11229,7 @@
                 <a:latin typeface="Arial"/>
                 <a:ea typeface="DejaVu Sans"/>
               </a:rPr>
-              <a:t>Eloquent ORM</a:t>
+              <a:t>Instalar Postman</a:t>
             </a:r>
             <a:endParaRPr b="0" lang="es-ES" sz="3000" spc="-1" strike="noStrike">
               <a:latin typeface="Arial"/>
@@ -11726,14 +11239,14 @@
       </p:sp>
       <p:sp>
         <p:nvSpPr>
-          <p:cNvPr id="243" name="CustomShape 3"/>
+          <p:cNvPr id="238" name="CustomShape 3"/>
           <p:cNvSpPr/>
           <p:nvPr/>
         </p:nvSpPr>
         <p:spPr>
           <a:xfrm>
             <a:off x="395640" y="6520320"/>
-            <a:ext cx="358200" cy="219240"/>
+            <a:ext cx="357480" cy="218520"/>
           </a:xfrm>
           <a:prstGeom prst="rect">
             <a:avLst/>
@@ -11757,7 +11270,7 @@
                 <a:spcPct val="100000"/>
               </a:lnSpc>
             </a:pPr>
-            <a:fld id="{1128E620-2A82-499D-B2E6-8701EECFF63B}" type="slidenum">
+            <a:fld id="{597563F0-9265-401C-B208-53591FB72C6F}" type="slidenum">
               <a:rPr b="1" lang="es-ES" sz="800" spc="-1" strike="noStrike">
                 <a:solidFill>
                   <a:srgbClr val="004569"/>
@@ -11824,20 +11337,20 @@
       </p:grpSpPr>
       <p:sp>
         <p:nvSpPr>
-          <p:cNvPr id="244" name="CustomShape 1"/>
+          <p:cNvPr id="239" name="CustomShape 1"/>
           <p:cNvSpPr/>
           <p:nvPr/>
         </p:nvSpPr>
         <p:spPr>
           <a:xfrm>
-            <a:off x="457200" y="1339920"/>
-            <a:ext cx="7990560" cy="4962960"/>
+            <a:off x="457200" y="192240"/>
+            <a:ext cx="7192080" cy="846720"/>
           </a:xfrm>
           <a:prstGeom prst="rect">
             <a:avLst/>
           </a:prstGeom>
           <a:noFill/>
-          <a:ln>
+          <a:ln w="9360">
             <a:noFill/>
           </a:ln>
         </p:spPr>
@@ -11848,202 +11361,45 @@
           <a:fontRef idx="minor"/>
         </p:style>
         <p:txBody>
-          <a:bodyPr lIns="90000" rIns="90000" tIns="45000" bIns="45000"/>
-          <a:p>
-            <a:pPr marL="125640" indent="-177840">
+          <a:bodyPr lIns="90000" rIns="90000" tIns="45000" bIns="45000" anchor="b"/>
+          <a:p>
+            <a:pPr>
               <a:lnSpc>
                 <a:spcPct val="100000"/>
               </a:lnSpc>
-              <a:spcBef>
-                <a:spcPts val="360"/>
-              </a:spcBef>
-              <a:buClr>
-                <a:srgbClr val="5e6264"/>
-              </a:buClr>
-              <a:buFont typeface="Lucida Grande"/>
-              <a:buChar char="›"/>
-            </a:pPr>
-            <a:r>
-              <a:rPr b="0" lang="es-ES" sz="1800" spc="-1" strike="noStrike">
-                <a:solidFill>
-                  <a:srgbClr val="5e6264"/>
-                </a:solidFill>
-                <a:latin typeface="Arial"/>
-                <a:ea typeface="DejaVu Sans"/>
-              </a:rPr>
-              <a:t>Php artisan make:controller UserController --resource </a:t>
-            </a:r>
-            <a:endParaRPr b="0" lang="es-ES" sz="1800" spc="-1" strike="noStrike">
-              <a:latin typeface="Arial"/>
-            </a:endParaRPr>
-          </a:p>
-          <a:p>
-            <a:pPr>
-              <a:lnSpc>
-                <a:spcPct val="100000"/>
-              </a:lnSpc>
-              <a:spcBef>
-                <a:spcPts val="360"/>
-              </a:spcBef>
-            </a:pPr>
-            <a:endParaRPr b="0" lang="es-ES" sz="1800" spc="-1" strike="noStrike">
-              <a:latin typeface="Arial"/>
-            </a:endParaRPr>
-          </a:p>
-          <a:p>
-            <a:pPr marL="125640" indent="-177840">
-              <a:lnSpc>
-                <a:spcPct val="100000"/>
-              </a:lnSpc>
-              <a:spcBef>
-                <a:spcPts val="360"/>
-              </a:spcBef>
-              <a:buClr>
-                <a:srgbClr val="5e6264"/>
-              </a:buClr>
-              <a:buFont typeface="Lucida Grande"/>
-              <a:buChar char="›"/>
-            </a:pPr>
-            <a:r>
-              <a:rPr b="0" lang="es-ES" sz="1800" spc="-1" strike="noStrike">
-                <a:solidFill>
-                  <a:srgbClr val="5e6264"/>
-                </a:solidFill>
-                <a:latin typeface="Arial"/>
-                <a:ea typeface="DejaVu Sans"/>
-              </a:rPr>
-              <a:t>Php artisan make:model User</a:t>
-            </a:r>
-            <a:endParaRPr b="0" lang="es-ES" sz="1800" spc="-1" strike="noStrike">
-              <a:latin typeface="Arial"/>
-            </a:endParaRPr>
-          </a:p>
-          <a:p>
-            <a:pPr>
-              <a:lnSpc>
-                <a:spcPct val="100000"/>
-              </a:lnSpc>
-              <a:spcBef>
-                <a:spcPts val="360"/>
-              </a:spcBef>
-            </a:pPr>
-            <a:endParaRPr b="0" lang="es-ES" sz="1800" spc="-1" strike="noStrike">
-              <a:latin typeface="Arial"/>
-            </a:endParaRPr>
-          </a:p>
-          <a:p>
-            <a:pPr marL="125640" indent="-177840">
-              <a:lnSpc>
-                <a:spcPct val="100000"/>
-              </a:lnSpc>
-              <a:spcBef>
-                <a:spcPts val="360"/>
-              </a:spcBef>
-              <a:buClr>
-                <a:srgbClr val="5e6264"/>
-              </a:buClr>
-              <a:buFont typeface="Lucida Grande"/>
-              <a:buChar char="›"/>
-            </a:pPr>
-            <a:r>
-              <a:rPr b="0" lang="es-ES" sz="1800" spc="-1" strike="noStrike">
-                <a:solidFill>
-                  <a:srgbClr val="5e6264"/>
-                </a:solidFill>
-                <a:latin typeface="Arial"/>
-                <a:ea typeface="DejaVu Sans"/>
-              </a:rPr>
-              <a:t>php artisan make:migration create_users_table --create=users</a:t>
-            </a:r>
-            <a:endParaRPr b="0" lang="es-ES" sz="1800" spc="-1" strike="noStrike">
-              <a:latin typeface="Arial"/>
-            </a:endParaRPr>
-          </a:p>
-          <a:p>
-            <a:pPr>
-              <a:lnSpc>
-                <a:spcPct val="100000"/>
-              </a:lnSpc>
-              <a:spcBef>
-                <a:spcPts val="360"/>
-              </a:spcBef>
-            </a:pPr>
-            <a:endParaRPr b="0" lang="es-ES" sz="1800" spc="-1" strike="noStrike">
-              <a:latin typeface="Arial"/>
-            </a:endParaRPr>
-          </a:p>
-          <a:p>
-            <a:pPr marL="125640" indent="-177840">
-              <a:lnSpc>
-                <a:spcPct val="100000"/>
-              </a:lnSpc>
-              <a:spcBef>
-                <a:spcPts val="360"/>
-              </a:spcBef>
-              <a:buClr>
-                <a:srgbClr val="5e6264"/>
-              </a:buClr>
-              <a:buFont typeface="Lucida Grande"/>
-              <a:buChar char="›"/>
-            </a:pPr>
-            <a:r>
-              <a:rPr b="0" lang="es-ES" sz="1800" spc="-1" strike="noStrike">
-                <a:solidFill>
-                  <a:srgbClr val="5e6264"/>
-                </a:solidFill>
-                <a:latin typeface="Arial"/>
-                <a:ea typeface="DejaVu Sans"/>
-              </a:rPr>
-              <a:t>php artisan migrate</a:t>
-            </a:r>
-            <a:endParaRPr b="0" lang="es-ES" sz="1800" spc="-1" strike="noStrike">
-              <a:latin typeface="Arial"/>
-            </a:endParaRPr>
-          </a:p>
-          <a:p>
-            <a:pPr>
-              <a:lnSpc>
-                <a:spcPct val="100000"/>
-              </a:lnSpc>
-              <a:spcBef>
-                <a:spcPts val="360"/>
-              </a:spcBef>
-            </a:pPr>
-            <a:endParaRPr b="0" lang="es-ES" sz="1800" spc="-1" strike="noStrike">
-              <a:latin typeface="Arial"/>
-            </a:endParaRPr>
-          </a:p>
-          <a:p>
-            <a:pPr>
-              <a:lnSpc>
-                <a:spcPct val="100000"/>
-              </a:lnSpc>
-              <a:spcBef>
-                <a:spcPts val="360"/>
-              </a:spcBef>
-            </a:pPr>
-            <a:endParaRPr b="0" lang="es-ES" sz="1800" spc="-1" strike="noStrike">
-              <a:latin typeface="Arial"/>
-            </a:endParaRPr>
-          </a:p>
-        </p:txBody>
-      </p:sp>
-      <p:sp>
-        <p:nvSpPr>
-          <p:cNvPr id="245" name="CustomShape 2"/>
+            </a:pPr>
+            <a:r>
+              <a:rPr b="0" lang="es-ES" sz="3000" spc="-1" strike="noStrike">
+                <a:solidFill>
+                  <a:srgbClr val="004569"/>
+                </a:solidFill>
+                <a:latin typeface="Arial"/>
+                <a:ea typeface="DejaVu Sans"/>
+              </a:rPr>
+              <a:t>Directorios </a:t>
+            </a:r>
+            <a:endParaRPr b="0" lang="es-ES" sz="3000" spc="-1" strike="noStrike">
+              <a:latin typeface="Arial"/>
+            </a:endParaRPr>
+          </a:p>
+        </p:txBody>
+      </p:sp>
+      <p:sp>
+        <p:nvSpPr>
+          <p:cNvPr id="240" name="CustomShape 2"/>
           <p:cNvSpPr/>
           <p:nvPr/>
         </p:nvSpPr>
         <p:spPr>
           <a:xfrm>
-            <a:off x="457200" y="192240"/>
-            <a:ext cx="7192800" cy="847440"/>
+            <a:off x="395640" y="6520320"/>
+            <a:ext cx="357480" cy="218520"/>
           </a:xfrm>
           <a:prstGeom prst="rect">
             <a:avLst/>
           </a:prstGeom>
           <a:noFill/>
-          <a:ln w="9360">
+          <a:ln>
             <a:noFill/>
           </a:ln>
         </p:spPr>
@@ -12054,78 +11410,52 @@
           <a:fontRef idx="minor"/>
         </p:style>
         <p:txBody>
-          <a:bodyPr lIns="90000" rIns="90000" tIns="45000" bIns="45000" anchor="b"/>
-          <a:p>
-            <a:pPr>
+          <a:bodyPr lIns="90000" rIns="90000" tIns="45000" bIns="45000" anchor="ctr"/>
+          <a:p>
+            <a:pPr algn="r">
               <a:lnSpc>
                 <a:spcPct val="100000"/>
               </a:lnSpc>
             </a:pPr>
-            <a:r>
-              <a:rPr b="0" lang="es-ES" sz="3000" spc="-1" strike="noStrike">
+            <a:fld id="{ACE7F807-194A-45CB-AC15-D62241BAC8EA}" type="slidenum">
+              <a:rPr b="1" lang="es-ES" sz="800" spc="-1" strike="noStrike">
                 <a:solidFill>
                   <a:srgbClr val="004569"/>
                 </a:solidFill>
                 <a:latin typeface="Arial"/>
                 <a:ea typeface="DejaVu Sans"/>
               </a:rPr>
-              <a:t>USO DE ARTISAN </a:t>
-            </a:r>
-            <a:endParaRPr b="0" lang="es-ES" sz="3000" spc="-1" strike="noStrike">
-              <a:latin typeface="Arial"/>
-            </a:endParaRPr>
-          </a:p>
-        </p:txBody>
-      </p:sp>
-      <p:sp>
-        <p:nvSpPr>
-          <p:cNvPr id="246" name="CustomShape 3"/>
-          <p:cNvSpPr/>
+              <a:t>&lt;número&gt;</a:t>
+            </a:fld>
+            <a:endParaRPr b="0" lang="es-ES" sz="800" spc="-1" strike="noStrike">
+              <a:latin typeface="Arial"/>
+            </a:endParaRPr>
+          </a:p>
+        </p:txBody>
+      </p:sp>
+      <p:pic>
+        <p:nvPicPr>
+          <p:cNvPr id="241" name="" descr=""/>
+          <p:cNvPicPr/>
           <p:nvPr/>
-        </p:nvSpPr>
-        <p:spPr>
-          <a:xfrm>
-            <a:off x="395640" y="6520320"/>
-            <a:ext cx="358200" cy="219240"/>
-          </a:xfrm>
-          <a:prstGeom prst="rect">
-            <a:avLst/>
-          </a:prstGeom>
-          <a:noFill/>
+        </p:nvPicPr>
+        <p:blipFill>
+          <a:blip r:embed="rId1"/>
+          <a:stretch/>
+        </p:blipFill>
+        <p:spPr>
+          <a:xfrm>
+            <a:off x="2664000" y="1296000"/>
+            <a:ext cx="4127760" cy="4824000"/>
+          </a:xfrm>
+          <a:prstGeom prst="rect">
+            <a:avLst/>
+          </a:prstGeom>
           <a:ln>
             <a:noFill/>
           </a:ln>
         </p:spPr>
-        <p:style>
-          <a:lnRef idx="0"/>
-          <a:fillRef idx="0"/>
-          <a:effectRef idx="0"/>
-          <a:fontRef idx="minor"/>
-        </p:style>
-        <p:txBody>
-          <a:bodyPr lIns="90000" rIns="90000" tIns="45000" bIns="45000" anchor="ctr"/>
-          <a:p>
-            <a:pPr algn="r">
-              <a:lnSpc>
-                <a:spcPct val="100000"/>
-              </a:lnSpc>
-            </a:pPr>
-            <a:fld id="{1ACC89FC-AB48-4DD6-8960-19B06D9A122F}" type="slidenum">
-              <a:rPr b="1" lang="es-ES" sz="800" spc="-1" strike="noStrike">
-                <a:solidFill>
-                  <a:srgbClr val="004569"/>
-                </a:solidFill>
-                <a:latin typeface="Arial"/>
-                <a:ea typeface="DejaVu Sans"/>
-              </a:rPr>
-              <a:t>&lt;número&gt;</a:t>
-            </a:fld>
-            <a:endParaRPr b="0" lang="es-ES" sz="800" spc="-1" strike="noStrike">
-              <a:latin typeface="Arial"/>
-            </a:endParaRPr>
-          </a:p>
-        </p:txBody>
-      </p:sp>
+      </p:pic>
     </p:spTree>
   </p:cSld>
   <p:timing>
@@ -12177,14 +11507,14 @@
       </p:grpSpPr>
       <p:sp>
         <p:nvSpPr>
-          <p:cNvPr id="247" name="CustomShape 1"/>
+          <p:cNvPr id="242" name="CustomShape 1"/>
           <p:cNvSpPr/>
           <p:nvPr/>
         </p:nvSpPr>
         <p:spPr>
           <a:xfrm>
-            <a:off x="463680" y="2349000"/>
-            <a:ext cx="8214480" cy="2509560"/>
+            <a:off x="457200" y="1385640"/>
+            <a:ext cx="8208000" cy="4916520"/>
           </a:xfrm>
           <a:prstGeom prst="rect">
             <a:avLst/>
@@ -12201,48 +11531,108 @@
           <a:fontRef idx="minor"/>
         </p:style>
         <p:txBody>
-          <a:bodyPr lIns="90000" rIns="90000" tIns="45000" bIns="45000" anchor="ctr"/>
-          <a:p>
-            <a:pPr marL="125640" indent="-177840" algn="ctr">
+          <a:bodyPr lIns="90000" rIns="90000" tIns="45000" bIns="45000"/>
+          <a:p>
+            <a:pPr>
               <a:lnSpc>
                 <a:spcPct val="100000"/>
               </a:lnSpc>
               <a:spcBef>
-                <a:spcPts val="641"/>
+                <a:spcPts val="360"/>
               </a:spcBef>
             </a:pPr>
-            <a:r>
-              <a:rPr b="0" lang="es-ES" sz="3200" spc="-1" strike="noStrike">
-                <a:solidFill>
-                  <a:srgbClr val="ffffff"/>
-                </a:solidFill>
-                <a:latin typeface="Arial"/>
-                <a:ea typeface="DejaVu Sans"/>
-              </a:rPr>
-              <a:t>Muchas Gracias</a:t>
-            </a:r>
-            <a:endParaRPr b="0" lang="es-ES" sz="3200" spc="-1" strike="noStrike">
-              <a:latin typeface="Arial"/>
-            </a:endParaRPr>
-          </a:p>
-        </p:txBody>
-      </p:sp>
-      <p:sp>
-        <p:nvSpPr>
-          <p:cNvPr id="248" name="CustomShape 2"/>
+            <a:endParaRPr b="0" lang="es-ES" sz="1800" spc="-1" strike="noStrike">
+              <a:latin typeface="Arial"/>
+            </a:endParaRPr>
+          </a:p>
+          <a:p>
+            <a:pPr>
+              <a:lnSpc>
+                <a:spcPct val="100000"/>
+              </a:lnSpc>
+              <a:spcBef>
+                <a:spcPts val="400"/>
+              </a:spcBef>
+            </a:pPr>
+            <a:r>
+              <a:rPr b="0" lang="es-ES" sz="2000" spc="-1" strike="noStrike">
+                <a:solidFill>
+                  <a:srgbClr val="5e6264"/>
+                </a:solidFill>
+                <a:latin typeface="Arial"/>
+                <a:ea typeface="DejaVu Sans"/>
+              </a:rPr>
+              <a:t>&gt;Validación: </a:t>
+            </a:r>
+            <a:r>
+              <a:rPr b="0" lang="es-ES" sz="2000" spc="-1" strike="noStrike">
+                <a:solidFill>
+                  <a:srgbClr val="5e6264"/>
+                </a:solidFill>
+                <a:latin typeface="Arial"/>
+                <a:ea typeface="DejaVu Sans"/>
+                <a:hlinkClick r:id="rId1"/>
+              </a:rPr>
+              <a:t>https://github.com/DavidePastore/Slim-Validation</a:t>
+            </a:r>
+            <a:endParaRPr b="0" lang="es-ES" sz="2000" spc="-1" strike="noStrike">
+              <a:latin typeface="Arial"/>
+            </a:endParaRPr>
+          </a:p>
+          <a:p>
+            <a:pPr>
+              <a:lnSpc>
+                <a:spcPct val="100000"/>
+              </a:lnSpc>
+              <a:spcBef>
+                <a:spcPts val="400"/>
+              </a:spcBef>
+            </a:pPr>
+            <a:r>
+              <a:rPr b="0" lang="es-ES" sz="2000" spc="-1" strike="noStrike">
+                <a:solidFill>
+                  <a:srgbClr val="5e6264"/>
+                </a:solidFill>
+                <a:latin typeface="Arial"/>
+                <a:ea typeface="DejaVu Sans"/>
+              </a:rPr>
+              <a:t>&gt;Eloquent cheat sheet: http://laragems.com/post/eloquent-cheat-sheet</a:t>
+            </a:r>
+            <a:endParaRPr b="0" lang="es-ES" sz="2000" spc="-1" strike="noStrike">
+              <a:latin typeface="Arial"/>
+            </a:endParaRPr>
+          </a:p>
+          <a:p>
+            <a:pPr>
+              <a:lnSpc>
+                <a:spcPct val="100000"/>
+              </a:lnSpc>
+              <a:spcBef>
+                <a:spcPts val="400"/>
+              </a:spcBef>
+            </a:pPr>
+            <a:endParaRPr b="0" lang="es-ES" sz="2000" spc="-1" strike="noStrike">
+              <a:latin typeface="Arial"/>
+            </a:endParaRPr>
+          </a:p>
+        </p:txBody>
+      </p:sp>
+      <p:sp>
+        <p:nvSpPr>
+          <p:cNvPr id="243" name="CustomShape 2"/>
           <p:cNvSpPr/>
           <p:nvPr/>
         </p:nvSpPr>
         <p:spPr>
           <a:xfrm>
-            <a:off x="395640" y="6520320"/>
-            <a:ext cx="358200" cy="219240"/>
+            <a:off x="457200" y="192240"/>
+            <a:ext cx="7192080" cy="846720"/>
           </a:xfrm>
           <a:prstGeom prst="rect">
             <a:avLst/>
           </a:prstGeom>
           <a:noFill/>
-          <a:ln>
+          <a:ln w="9360">
             <a:noFill/>
           </a:ln>
         </p:spPr>
@@ -12253,39 +11643,39 @@
           <a:fontRef idx="minor"/>
         </p:style>
         <p:txBody>
-          <a:bodyPr lIns="90000" rIns="90000" tIns="45000" bIns="45000" anchor="ctr"/>
-          <a:p>
-            <a:pPr algn="r">
+          <a:bodyPr lIns="90000" rIns="90000" tIns="45000" bIns="45000" anchor="b"/>
+          <a:p>
+            <a:pPr>
               <a:lnSpc>
                 <a:spcPct val="100000"/>
               </a:lnSpc>
             </a:pPr>
-            <a:fld id="{C578F77E-F4AE-451D-97FB-E62FDE9A7A3D}" type="slidenum">
-              <a:rPr b="1" lang="es-ES" sz="800" spc="-1" strike="noStrike">
+            <a:r>
+              <a:rPr b="0" lang="es-ES" sz="3000" spc="-1" strike="noStrike">
                 <a:solidFill>
                   <a:srgbClr val="004569"/>
                 </a:solidFill>
                 <a:latin typeface="Arial"/>
                 <a:ea typeface="DejaVu Sans"/>
               </a:rPr>
-              <a:t>&lt;número&gt;</a:t>
-            </a:fld>
-            <a:endParaRPr b="0" lang="es-ES" sz="800" spc="-1" strike="noStrike">
-              <a:latin typeface="Arial"/>
-            </a:endParaRPr>
-          </a:p>
-        </p:txBody>
-      </p:sp>
-      <p:sp>
-        <p:nvSpPr>
-          <p:cNvPr id="249" name="CustomShape 3"/>
+              <a:t>Más sobre Slim/Eloquent</a:t>
+            </a:r>
+            <a:endParaRPr b="0" lang="es-ES" sz="3000" spc="-1" strike="noStrike">
+              <a:latin typeface="Arial"/>
+            </a:endParaRPr>
+          </a:p>
+        </p:txBody>
+      </p:sp>
+      <p:sp>
+        <p:nvSpPr>
+          <p:cNvPr id="244" name="CustomShape 3"/>
           <p:cNvSpPr/>
           <p:nvPr/>
         </p:nvSpPr>
         <p:spPr>
           <a:xfrm>
-            <a:off x="1906560" y="5105520"/>
-            <a:ext cx="4998600" cy="1644120"/>
+            <a:off x="395640" y="6520320"/>
+            <a:ext cx="357480" cy="218520"/>
           </a:xfrm>
           <a:prstGeom prst="rect">
             <a:avLst/>
@@ -12302,74 +11692,24 @@
           <a:fontRef idx="minor"/>
         </p:style>
         <p:txBody>
-          <a:bodyPr lIns="90000" rIns="90000" tIns="45000" bIns="45000"/>
-          <a:p>
-            <a:pPr algn="ctr">
+          <a:bodyPr lIns="90000" rIns="90000" tIns="45000" bIns="45000" anchor="ctr"/>
+          <a:p>
+            <a:pPr algn="r">
               <a:lnSpc>
                 <a:spcPct val="100000"/>
               </a:lnSpc>
             </a:pPr>
-            <a:r>
-              <a:rPr b="1" lang="es-ES" sz="1800" spc="-1" strike="noStrike">
-                <a:solidFill>
-                  <a:srgbClr val="000000"/>
-                </a:solidFill>
-                <a:latin typeface="Arial"/>
-                <a:ea typeface="DejaVu Sans"/>
-              </a:rPr>
-              <a:t>Alejandro V. Avalo | Software Developer </a:t>
-            </a:r>
-            <a:endParaRPr b="0" lang="es-ES" sz="1800" spc="-1" strike="noStrike">
-              <a:latin typeface="Arial"/>
-            </a:endParaRPr>
-          </a:p>
-          <a:p>
-            <a:pPr algn="ctr">
-              <a:lnSpc>
-                <a:spcPct val="100000"/>
-              </a:lnSpc>
-            </a:pPr>
-            <a:r>
-              <a:rPr b="0" lang="es-ES" sz="1800" spc="-1" strike="noStrike">
-                <a:solidFill>
-                  <a:srgbClr val="000000"/>
-                </a:solidFill>
-                <a:latin typeface="Arial"/>
-                <a:ea typeface="DejaVu Sans"/>
-              </a:rPr>
-              <a:t>Softtek | Maipú 942 Piso 5° | Ciudad Autonoma de Buenos Aires </a:t>
-            </a:r>
-            <a:endParaRPr b="0" lang="es-ES" sz="1800" spc="-1" strike="noStrike">
-              <a:latin typeface="Arial"/>
-            </a:endParaRPr>
-          </a:p>
-          <a:p>
-            <a:pPr algn="ctr">
-              <a:lnSpc>
-                <a:spcPct val="100000"/>
-              </a:lnSpc>
-            </a:pPr>
-            <a:r>
-              <a:rPr b="0" lang="es-ES" sz="2400" spc="-1" strike="noStrike">
-                <a:solidFill>
-                  <a:srgbClr val="000000"/>
-                </a:solidFill>
-                <a:latin typeface="Arial"/>
-                <a:ea typeface="DejaVu Sans"/>
-              </a:rPr>
-              <a:t>alejandro.avalo@softtek.com</a:t>
-            </a:r>
-            <a:endParaRPr b="0" lang="es-ES" sz="2400" spc="-1" strike="noStrike">
-              <a:latin typeface="Arial"/>
-            </a:endParaRPr>
-          </a:p>
-          <a:p>
-            <a:pPr algn="ctr">
-              <a:lnSpc>
-                <a:spcPct val="100000"/>
-              </a:lnSpc>
-            </a:pPr>
-            <a:endParaRPr b="0" lang="es-ES" sz="2400" spc="-1" strike="noStrike">
+            <a:fld id="{EAF4B779-79D0-4075-A054-9DC1308B3B62}" type="slidenum">
+              <a:rPr b="1" lang="es-ES" sz="800" spc="-1" strike="noStrike">
+                <a:solidFill>
+                  <a:srgbClr val="004569"/>
+                </a:solidFill>
+                <a:latin typeface="Arial"/>
+                <a:ea typeface="DejaVu Sans"/>
+              </a:rPr>
+              <a:t>&lt;número&gt;</a:t>
+            </a:fld>
+            <a:endParaRPr b="0" lang="es-ES" sz="800" spc="-1" strike="noStrike">
               <a:latin typeface="Arial"/>
             </a:endParaRPr>
           </a:p>
@@ -12424,6 +11764,206 @@
           <a:chExt cx="0" cy="0"/>
         </a:xfrm>
       </p:grpSpPr>
+      <p:sp>
+        <p:nvSpPr>
+          <p:cNvPr id="245" name="CustomShape 1"/>
+          <p:cNvSpPr/>
+          <p:nvPr/>
+        </p:nvSpPr>
+        <p:spPr>
+          <a:xfrm>
+            <a:off x="463680" y="2349000"/>
+            <a:ext cx="8213760" cy="2508840"/>
+          </a:xfrm>
+          <a:prstGeom prst="rect">
+            <a:avLst/>
+          </a:prstGeom>
+          <a:noFill/>
+          <a:ln>
+            <a:noFill/>
+          </a:ln>
+        </p:spPr>
+        <p:style>
+          <a:lnRef idx="0"/>
+          <a:fillRef idx="0"/>
+          <a:effectRef idx="0"/>
+          <a:fontRef idx="minor"/>
+        </p:style>
+        <p:txBody>
+          <a:bodyPr lIns="90000" rIns="90000" tIns="45000" bIns="45000" anchor="ctr"/>
+          <a:p>
+            <a:pPr marL="125640" indent="-177120" algn="ctr">
+              <a:lnSpc>
+                <a:spcPct val="100000"/>
+              </a:lnSpc>
+              <a:spcBef>
+                <a:spcPts val="641"/>
+              </a:spcBef>
+            </a:pPr>
+            <a:r>
+              <a:rPr b="0" lang="es-ES" sz="3200" spc="-1" strike="noStrike">
+                <a:solidFill>
+                  <a:srgbClr val="ffffff"/>
+                </a:solidFill>
+                <a:latin typeface="Arial"/>
+                <a:ea typeface="DejaVu Sans"/>
+              </a:rPr>
+              <a:t>Muchas Gracias</a:t>
+            </a:r>
+            <a:endParaRPr b="0" lang="es-ES" sz="3200" spc="-1" strike="noStrike">
+              <a:latin typeface="Arial"/>
+            </a:endParaRPr>
+          </a:p>
+        </p:txBody>
+      </p:sp>
+      <p:sp>
+        <p:nvSpPr>
+          <p:cNvPr id="246" name="CustomShape 2"/>
+          <p:cNvSpPr/>
+          <p:nvPr/>
+        </p:nvSpPr>
+        <p:spPr>
+          <a:xfrm>
+            <a:off x="395640" y="6520320"/>
+            <a:ext cx="357480" cy="218520"/>
+          </a:xfrm>
+          <a:prstGeom prst="rect">
+            <a:avLst/>
+          </a:prstGeom>
+          <a:noFill/>
+          <a:ln>
+            <a:noFill/>
+          </a:ln>
+        </p:spPr>
+        <p:style>
+          <a:lnRef idx="0"/>
+          <a:fillRef idx="0"/>
+          <a:effectRef idx="0"/>
+          <a:fontRef idx="minor"/>
+        </p:style>
+        <p:txBody>
+          <a:bodyPr lIns="90000" rIns="90000" tIns="45000" bIns="45000" anchor="ctr"/>
+          <a:p>
+            <a:pPr algn="r">
+              <a:lnSpc>
+                <a:spcPct val="100000"/>
+              </a:lnSpc>
+            </a:pPr>
+            <a:fld id="{6DEEA5F7-A6F4-4B03-A4A0-495F0E6CB1C0}" type="slidenum">
+              <a:rPr b="1" lang="es-ES" sz="800" spc="-1" strike="noStrike">
+                <a:solidFill>
+                  <a:srgbClr val="004569"/>
+                </a:solidFill>
+                <a:latin typeface="Arial"/>
+                <a:ea typeface="DejaVu Sans"/>
+              </a:rPr>
+              <a:t>&lt;número&gt;</a:t>
+            </a:fld>
+            <a:endParaRPr b="0" lang="es-ES" sz="800" spc="-1" strike="noStrike">
+              <a:latin typeface="Arial"/>
+            </a:endParaRPr>
+          </a:p>
+        </p:txBody>
+      </p:sp>
+      <p:sp>
+        <p:nvSpPr>
+          <p:cNvPr id="247" name="CustomShape 3"/>
+          <p:cNvSpPr/>
+          <p:nvPr/>
+        </p:nvSpPr>
+        <p:spPr>
+          <a:xfrm>
+            <a:off x="1906560" y="5105520"/>
+            <a:ext cx="4997880" cy="1643400"/>
+          </a:xfrm>
+          <a:prstGeom prst="rect">
+            <a:avLst/>
+          </a:prstGeom>
+          <a:noFill/>
+          <a:ln>
+            <a:noFill/>
+          </a:ln>
+        </p:spPr>
+        <p:style>
+          <a:lnRef idx="0"/>
+          <a:fillRef idx="0"/>
+          <a:effectRef idx="0"/>
+          <a:fontRef idx="minor"/>
+        </p:style>
+        <p:txBody>
+          <a:bodyPr lIns="90000" rIns="90000" tIns="45000" bIns="45000"/>
+          <a:p>
+            <a:pPr algn="ctr">
+              <a:lnSpc>
+                <a:spcPct val="100000"/>
+              </a:lnSpc>
+            </a:pPr>
+            <a:r>
+              <a:rPr b="1" lang="es-ES" sz="1800" spc="-1" strike="noStrike">
+                <a:solidFill>
+                  <a:srgbClr val="000000"/>
+                </a:solidFill>
+                <a:latin typeface="Arial"/>
+                <a:ea typeface="DejaVu Sans"/>
+              </a:rPr>
+              <a:t>Pablo E. Santiago Recagno| Desarrollador web </a:t>
+            </a:r>
+            <a:endParaRPr b="0" lang="es-ES" sz="1800" spc="-1" strike="noStrike">
+              <a:latin typeface="Arial"/>
+            </a:endParaRPr>
+          </a:p>
+          <a:p>
+            <a:pPr algn="ctr">
+              <a:lnSpc>
+                <a:spcPct val="100000"/>
+              </a:lnSpc>
+            </a:pPr>
+            <a:r>
+              <a:rPr b="0" lang="es-ES" sz="1800" spc="-1" strike="noStrike">
+                <a:solidFill>
+                  <a:srgbClr val="000000"/>
+                </a:solidFill>
+                <a:latin typeface="Arial"/>
+                <a:ea typeface="DejaVu Sans"/>
+              </a:rPr>
+              <a:t>Softtek | Maipú 942 Piso 5° | Ciudad Autonoma de Buenos Aires </a:t>
+            </a:r>
+            <a:endParaRPr b="0" lang="es-ES" sz="1800" spc="-1" strike="noStrike">
+              <a:latin typeface="Arial"/>
+            </a:endParaRPr>
+          </a:p>
+          <a:p>
+            <a:pPr algn="ctr">
+              <a:lnSpc>
+                <a:spcPct val="100000"/>
+              </a:lnSpc>
+            </a:pPr>
+            <a:r>
+              <a:rPr b="0" lang="es-ES" sz="2200" spc="-1" strike="noStrike">
+                <a:solidFill>
+                  <a:srgbClr val="000000"/>
+                </a:solidFill>
+                <a:latin typeface="Arial"/>
+                <a:ea typeface="DejaVu Sans"/>
+              </a:rPr>
+              <a:t>pablo.santiago@softtek.com</a:t>
+            </a:r>
+            <a:endParaRPr b="0" lang="es-ES" sz="2200" spc="-1" strike="noStrike">
+              <a:latin typeface="Arial"/>
+            </a:endParaRPr>
+          </a:p>
+          <a:p>
+            <a:pPr algn="ctr">
+              <a:lnSpc>
+                <a:spcPct val="100000"/>
+              </a:lnSpc>
+            </a:pPr>
+            <a:endParaRPr b="0" lang="es-ES" sz="2200" spc="-1" strike="noStrike">
+              <a:latin typeface="Arial"/>
+            </a:endParaRPr>
+          </a:p>
+        </p:txBody>
+      </p:sp>
     </p:spTree>
   </p:cSld>
   <p:timing>
@@ -12473,55 +12013,6 @@
           <a:chExt cx="0" cy="0"/>
         </a:xfrm>
       </p:grpSpPr>
-      <p:sp>
-        <p:nvSpPr>
-          <p:cNvPr id="250" name="CustomShape 1"/>
-          <p:cNvSpPr/>
-          <p:nvPr/>
-        </p:nvSpPr>
-        <p:spPr>
-          <a:xfrm>
-            <a:off x="467640" y="620640"/>
-            <a:ext cx="4102560" cy="2950560"/>
-          </a:xfrm>
-          <a:prstGeom prst="rect">
-            <a:avLst/>
-          </a:prstGeom>
-          <a:noFill/>
-          <a:ln>
-            <a:noFill/>
-          </a:ln>
-        </p:spPr>
-        <p:style>
-          <a:lnRef idx="0"/>
-          <a:fillRef idx="0"/>
-          <a:effectRef idx="0"/>
-          <a:fontRef idx="minor"/>
-        </p:style>
-        <p:txBody>
-          <a:bodyPr lIns="90000" rIns="90000" tIns="45000" bIns="45000"/>
-          <a:p>
-            <a:pPr>
-              <a:lnSpc>
-                <a:spcPct val="80000"/>
-              </a:lnSpc>
-            </a:pPr>
-            <a:r>
-              <a:rPr b="0" lang="es-ES" sz="4400" spc="-1" strike="noStrike">
-                <a:solidFill>
-                  <a:srgbClr val="ffffff"/>
-                </a:solidFill>
-                <a:latin typeface="Arial"/>
-                <a:ea typeface="DejaVu Sans"/>
-              </a:rPr>
-              <a:t>Examen</a:t>
-            </a:r>
-            <a:endParaRPr b="0" lang="es-ES" sz="4400" spc="-1" strike="noStrike">
-              <a:latin typeface="Arial"/>
-            </a:endParaRPr>
-          </a:p>
-        </p:txBody>
-      </p:sp>
     </p:spTree>
   </p:cSld>
   <p:timing>
@@ -12580,7 +12071,7 @@
         <p:spPr>
           <a:xfrm>
             <a:off x="526320" y="1152000"/>
-            <a:ext cx="8401320" cy="3827520"/>
+            <a:ext cx="8400600" cy="3826800"/>
           </a:xfrm>
           <a:prstGeom prst="rect">
             <a:avLst/>
@@ -12728,14 +12219,14 @@
       </p:grpSpPr>
       <p:sp>
         <p:nvSpPr>
-          <p:cNvPr id="251" name="CustomShape 1"/>
+          <p:cNvPr id="248" name="CustomShape 1"/>
           <p:cNvSpPr/>
           <p:nvPr/>
         </p:nvSpPr>
         <p:spPr>
           <a:xfrm>
-            <a:off x="311400" y="923040"/>
-            <a:ext cx="8505360" cy="5739480"/>
+            <a:off x="467640" y="620640"/>
+            <a:ext cx="4101840" cy="2949840"/>
           </a:xfrm>
           <a:prstGeom prst="rect">
             <a:avLst/>
@@ -12756,739 +12247,20 @@
           <a:p>
             <a:pPr>
               <a:lnSpc>
-                <a:spcPct val="100000"/>
-              </a:lnSpc>
-              <a:spcBef>
-                <a:spcPts val="360"/>
-              </a:spcBef>
-            </a:pPr>
-            <a:r>
-              <a:rPr b="0" lang="es-ES" sz="1800" spc="-1" strike="noStrike">
-                <a:solidFill>
-                  <a:srgbClr val="5e6264"/>
-                </a:solidFill>
-                <a:latin typeface="Arial"/>
-                <a:ea typeface="DejaVu Sans"/>
-              </a:rPr>
-              <a:t>Elegir alguna de las siguientes opciones para realizar las preguntas, ejemplos:</a:t>
-            </a:r>
-            <a:endParaRPr b="0" lang="es-ES" sz="1800" spc="-1" strike="noStrike">
-              <a:latin typeface="Arial"/>
-            </a:endParaRPr>
-          </a:p>
-          <a:p>
-            <a:pPr>
-              <a:lnSpc>
-                <a:spcPct val="100000"/>
-              </a:lnSpc>
-              <a:spcBef>
-                <a:spcPts val="320"/>
-              </a:spcBef>
-            </a:pPr>
-            <a:r>
-              <a:rPr b="0" lang="es-ES" sz="1600" spc="-1" strike="noStrike" u="sng">
-                <a:solidFill>
-                  <a:srgbClr val="5e6264"/>
-                </a:solidFill>
-                <a:uFillTx/>
-                <a:latin typeface="Arial"/>
-                <a:ea typeface="DejaVu Sans"/>
-              </a:rPr>
-              <a:t>Pregunta 1</a:t>
-            </a:r>
-            <a:r>
-              <a:rPr b="0" lang="es-ES" sz="1600" spc="-1" strike="noStrike">
-                <a:solidFill>
-                  <a:srgbClr val="5e6264"/>
-                </a:solidFill>
-                <a:latin typeface="Arial"/>
-                <a:ea typeface="DejaVu Sans"/>
-              </a:rPr>
-              <a:t>: ¿Qué es Artisan?, Seleccione la rta correcta</a:t>
-            </a:r>
-            <a:endParaRPr b="0" lang="es-ES" sz="1600" spc="-1" strike="noStrike">
-              <a:latin typeface="Arial"/>
-            </a:endParaRPr>
-          </a:p>
-          <a:p>
-            <a:pPr lvl="1" marL="539640" indent="-177840">
-              <a:lnSpc>
-                <a:spcPct val="100000"/>
-              </a:lnSpc>
-              <a:spcBef>
-                <a:spcPts val="320"/>
-              </a:spcBef>
-              <a:buClr>
-                <a:srgbClr val="5e6264"/>
-              </a:buClr>
-              <a:buFont typeface="Arial Rounded MT Bold"/>
-              <a:buChar char="›"/>
-            </a:pPr>
-            <a:r>
-              <a:rPr b="0" lang="es-ES" sz="1600" spc="-1" strike="noStrike">
-                <a:solidFill>
-                  <a:srgbClr val="5e6264"/>
-                </a:solidFill>
-                <a:latin typeface="Arial"/>
-                <a:ea typeface="DejaVu Sans"/>
-              </a:rPr>
-              <a:t> </a:t>
-            </a:r>
-            <a:r>
-              <a:rPr b="0" lang="es-ES" sz="1600" spc="-1" strike="noStrike">
-                <a:solidFill>
-                  <a:srgbClr val="5e6264"/>
-                </a:solidFill>
-                <a:latin typeface="Arial"/>
-                <a:ea typeface="DejaVu Sans"/>
-              </a:rPr>
-              <a:t>A   -  un framework</a:t>
-            </a:r>
-            <a:endParaRPr b="0" lang="es-ES" sz="1600" spc="-1" strike="noStrike">
-              <a:latin typeface="Arial"/>
-            </a:endParaRPr>
-          </a:p>
-          <a:p>
-            <a:pPr lvl="1" marL="539640" indent="-177840">
-              <a:lnSpc>
-                <a:spcPct val="100000"/>
-              </a:lnSpc>
-              <a:spcBef>
-                <a:spcPts val="320"/>
-              </a:spcBef>
-              <a:buClr>
-                <a:srgbClr val="5e6264"/>
-              </a:buClr>
-              <a:buFont typeface="Arial Rounded MT Bold"/>
-              <a:buChar char="›"/>
-            </a:pPr>
-            <a:r>
-              <a:rPr b="0" lang="es-ES" sz="1600" spc="-1" strike="noStrike">
-                <a:solidFill>
-                  <a:srgbClr val="5e6264"/>
-                </a:solidFill>
-                <a:latin typeface="Arial"/>
-                <a:ea typeface="DejaVu Sans"/>
-              </a:rPr>
-              <a:t> </a:t>
-            </a:r>
-            <a:r>
-              <a:rPr b="0" lang="es-ES" sz="1600" spc="-1" strike="noStrike">
-                <a:solidFill>
-                  <a:srgbClr val="5e6264"/>
-                </a:solidFill>
-                <a:latin typeface="Arial"/>
-                <a:ea typeface="DejaVu Sans"/>
-              </a:rPr>
-              <a:t>B  - una Interfaz de Linea de Comandos (CLI)</a:t>
-            </a:r>
-            <a:endParaRPr b="0" lang="es-ES" sz="1600" spc="-1" strike="noStrike">
-              <a:latin typeface="Arial"/>
-            </a:endParaRPr>
-          </a:p>
-          <a:p>
-            <a:pPr lvl="1" marL="539640" indent="-177840">
-              <a:lnSpc>
-                <a:spcPct val="100000"/>
-              </a:lnSpc>
-              <a:spcBef>
-                <a:spcPts val="320"/>
-              </a:spcBef>
-              <a:buClr>
-                <a:srgbClr val="5e6264"/>
-              </a:buClr>
-              <a:buFont typeface="Arial Rounded MT Bold"/>
-              <a:buChar char="›"/>
-            </a:pPr>
-            <a:r>
-              <a:rPr b="0" lang="es-ES" sz="1600" spc="-1" strike="noStrike">
-                <a:solidFill>
-                  <a:srgbClr val="5e6264"/>
-                </a:solidFill>
-                <a:latin typeface="Arial"/>
-                <a:ea typeface="DejaVu Sans"/>
-              </a:rPr>
-              <a:t> </a:t>
-            </a:r>
-            <a:r>
-              <a:rPr b="0" lang="es-ES" sz="1600" spc="-1" strike="noStrike">
-                <a:solidFill>
-                  <a:srgbClr val="5e6264"/>
-                </a:solidFill>
-                <a:latin typeface="Arial"/>
-                <a:ea typeface="DejaVu Sans"/>
-              </a:rPr>
-              <a:t>C - un lenguaje de programacion</a:t>
-            </a:r>
-            <a:endParaRPr b="0" lang="es-ES" sz="1600" spc="-1" strike="noStrike">
-              <a:latin typeface="Arial"/>
-            </a:endParaRPr>
-          </a:p>
-          <a:p>
-            <a:pPr>
-              <a:lnSpc>
-                <a:spcPct val="100000"/>
-              </a:lnSpc>
-              <a:spcBef>
-                <a:spcPts val="320"/>
-              </a:spcBef>
-            </a:pPr>
-            <a:r>
-              <a:rPr b="0" lang="es-ES" sz="1600" spc="-1" strike="noStrike" u="sng">
-                <a:solidFill>
-                  <a:srgbClr val="5e6264"/>
-                </a:solidFill>
-                <a:uFillTx/>
-                <a:latin typeface="Arial"/>
-                <a:ea typeface="DejaVu Sans"/>
-              </a:rPr>
-              <a:t>Pregunta 2</a:t>
-            </a:r>
-            <a:r>
-              <a:rPr b="0" lang="es-ES" sz="1600" spc="-1" strike="noStrike">
-                <a:solidFill>
-                  <a:srgbClr val="5e6264"/>
-                </a:solidFill>
-                <a:latin typeface="Arial"/>
-                <a:ea typeface="DejaVu Sans"/>
-              </a:rPr>
-              <a:t>: , Verdadero o Falso</a:t>
-            </a:r>
-            <a:endParaRPr b="0" lang="es-ES" sz="1600" spc="-1" strike="noStrike">
-              <a:latin typeface="Arial"/>
-            </a:endParaRPr>
-          </a:p>
-          <a:p>
-            <a:pPr lvl="1" marL="539640" indent="-177840">
-              <a:lnSpc>
-                <a:spcPct val="100000"/>
-              </a:lnSpc>
-              <a:spcBef>
-                <a:spcPts val="320"/>
-              </a:spcBef>
-              <a:buClr>
-                <a:srgbClr val="5e6264"/>
-              </a:buClr>
-              <a:buFont typeface="Arial Rounded MT Bold"/>
-              <a:buChar char="›"/>
-            </a:pPr>
-            <a:r>
-              <a:rPr b="0" lang="es-ES" sz="1600" spc="-1" strike="noStrike">
-                <a:solidFill>
-                  <a:srgbClr val="5e6264"/>
-                </a:solidFill>
-                <a:latin typeface="Arial"/>
-                <a:ea typeface="DejaVu Sans"/>
-              </a:rPr>
-              <a:t> </a:t>
-            </a:r>
-            <a:r>
-              <a:rPr b="0" lang="es-ES" sz="1600" spc="-1" strike="noStrike">
-                <a:solidFill>
-                  <a:srgbClr val="5e6264"/>
-                </a:solidFill>
-                <a:latin typeface="Arial"/>
-                <a:ea typeface="DejaVu Sans"/>
-              </a:rPr>
-              <a:t>A - se puede correr laravel sin PHP instalado</a:t>
-            </a:r>
-            <a:endParaRPr b="0" lang="es-ES" sz="1600" spc="-1" strike="noStrike">
-              <a:latin typeface="Arial"/>
-            </a:endParaRPr>
-          </a:p>
-          <a:p>
-            <a:pPr lvl="1" marL="539640" indent="-177840">
-              <a:lnSpc>
-                <a:spcPct val="100000"/>
-              </a:lnSpc>
-              <a:spcBef>
-                <a:spcPts val="320"/>
-              </a:spcBef>
-              <a:buClr>
-                <a:srgbClr val="5e6264"/>
-              </a:buClr>
-              <a:buFont typeface="Arial Rounded MT Bold"/>
-              <a:buChar char="›"/>
-            </a:pPr>
-            <a:r>
-              <a:rPr b="0" lang="es-ES" sz="1600" spc="-1" strike="noStrike">
-                <a:solidFill>
-                  <a:srgbClr val="5e6264"/>
-                </a:solidFill>
-                <a:latin typeface="Arial"/>
-                <a:ea typeface="DejaVu Sans"/>
-              </a:rPr>
-              <a:t> </a:t>
-            </a:r>
-            <a:r>
-              <a:rPr b="0" lang="es-ES" sz="1600" spc="-1" strike="noStrike">
-                <a:solidFill>
-                  <a:srgbClr val="5e6264"/>
-                </a:solidFill>
-                <a:latin typeface="Arial"/>
-                <a:ea typeface="DejaVu Sans"/>
-              </a:rPr>
-              <a:t>B- Eloquent es un ORM active record</a:t>
-            </a:r>
-            <a:endParaRPr b="0" lang="es-ES" sz="1600" spc="-1" strike="noStrike">
-              <a:latin typeface="Arial"/>
-            </a:endParaRPr>
-          </a:p>
-          <a:p>
-            <a:pPr>
-              <a:lnSpc>
-                <a:spcPct val="100000"/>
-              </a:lnSpc>
-              <a:spcBef>
-                <a:spcPts val="320"/>
-              </a:spcBef>
-            </a:pPr>
-            <a:r>
-              <a:rPr b="0" lang="es-ES" sz="1600" spc="-1" strike="noStrike" u="sng">
-                <a:solidFill>
-                  <a:srgbClr val="5e6264"/>
-                </a:solidFill>
-                <a:uFillTx/>
-                <a:latin typeface="Arial"/>
-                <a:ea typeface="DejaVu Sans"/>
-              </a:rPr>
-              <a:t>Pregunta 3</a:t>
-            </a:r>
-            <a:r>
-              <a:rPr b="0" lang="es-ES" sz="1600" spc="-1" strike="noStrike">
-                <a:solidFill>
-                  <a:srgbClr val="5e6264"/>
-                </a:solidFill>
-                <a:latin typeface="Arial"/>
-                <a:ea typeface="DejaVu Sans"/>
-              </a:rPr>
-              <a:t>: ¿Puedo crear controladores usando composer?</a:t>
-            </a:r>
-            <a:endParaRPr b="0" lang="es-ES" sz="1600" spc="-1" strike="noStrike">
-              <a:latin typeface="Arial"/>
-            </a:endParaRPr>
-          </a:p>
-          <a:p>
-            <a:pPr lvl="1" marL="539640" indent="-177840">
-              <a:lnSpc>
-                <a:spcPct val="100000"/>
-              </a:lnSpc>
-              <a:spcBef>
-                <a:spcPts val="320"/>
-              </a:spcBef>
-              <a:buClr>
-                <a:srgbClr val="5e6264"/>
-              </a:buClr>
-              <a:buFont typeface="Arial Rounded MT Bold"/>
-              <a:buChar char="›"/>
-            </a:pPr>
-            <a:r>
-              <a:rPr b="0" lang="es-ES" sz="1600" spc="-1" strike="noStrike">
-                <a:solidFill>
-                  <a:srgbClr val="5e6264"/>
-                </a:solidFill>
-                <a:latin typeface="Arial"/>
-                <a:ea typeface="DejaVu Sans"/>
-              </a:rPr>
-              <a:t> </a:t>
-            </a:r>
-            <a:r>
-              <a:rPr b="0" lang="es-ES" sz="1600" spc="-1" strike="noStrike">
-                <a:solidFill>
-                  <a:srgbClr val="5e6264"/>
-                </a:solidFill>
-                <a:latin typeface="Arial"/>
-                <a:ea typeface="DejaVu Sans"/>
-              </a:rPr>
-              <a:t>SI</a:t>
-            </a:r>
-            <a:endParaRPr b="0" lang="es-ES" sz="1600" spc="-1" strike="noStrike">
-              <a:latin typeface="Arial"/>
-            </a:endParaRPr>
-          </a:p>
-          <a:p>
-            <a:pPr lvl="1" marL="539640" indent="-177840">
-              <a:lnSpc>
-                <a:spcPct val="100000"/>
-              </a:lnSpc>
-              <a:spcBef>
-                <a:spcPts val="320"/>
-              </a:spcBef>
-              <a:buClr>
-                <a:srgbClr val="5e6264"/>
-              </a:buClr>
-              <a:buFont typeface="Arial Rounded MT Bold"/>
-              <a:buChar char="›"/>
-            </a:pPr>
-            <a:r>
-              <a:rPr b="0" lang="es-ES" sz="1600" spc="-1" strike="noStrike">
-                <a:solidFill>
-                  <a:srgbClr val="5e6264"/>
-                </a:solidFill>
-                <a:latin typeface="Arial"/>
-                <a:ea typeface="DejaVu Sans"/>
-              </a:rPr>
-              <a:t> </a:t>
-            </a:r>
-            <a:r>
-              <a:rPr b="0" lang="es-ES" sz="1600" spc="-1" strike="noStrike">
-                <a:solidFill>
-                  <a:srgbClr val="5e6264"/>
-                </a:solidFill>
-                <a:latin typeface="Arial"/>
-                <a:ea typeface="DejaVu Sans"/>
-              </a:rPr>
-              <a:t>NO</a:t>
-            </a:r>
-            <a:endParaRPr b="0" lang="es-ES" sz="1600" spc="-1" strike="noStrike">
-              <a:latin typeface="Arial"/>
-            </a:endParaRPr>
-          </a:p>
-          <a:p>
-            <a:pPr>
-              <a:lnSpc>
-                <a:spcPct val="100000"/>
-              </a:lnSpc>
-              <a:spcBef>
-                <a:spcPts val="320"/>
-              </a:spcBef>
-            </a:pPr>
-            <a:r>
-              <a:rPr b="0" lang="es-ES" sz="1600" spc="-1" strike="noStrike" u="sng">
-                <a:solidFill>
-                  <a:srgbClr val="5e6264"/>
-                </a:solidFill>
-                <a:uFillTx/>
-                <a:latin typeface="Arial"/>
-                <a:ea typeface="DejaVu Sans"/>
-              </a:rPr>
-              <a:t>Pregunta 4</a:t>
-            </a:r>
-            <a:r>
-              <a:rPr b="0" lang="es-ES" sz="1600" spc="-1" strike="noStrike">
-                <a:solidFill>
-                  <a:srgbClr val="5e6264"/>
-                </a:solidFill>
-                <a:latin typeface="Arial"/>
-                <a:ea typeface="DejaVu Sans"/>
-              </a:rPr>
-              <a:t>: ¿Puedo crear controladores usando artisan?</a:t>
-            </a:r>
-            <a:endParaRPr b="0" lang="es-ES" sz="1600" spc="-1" strike="noStrike">
-              <a:latin typeface="Arial"/>
-            </a:endParaRPr>
-          </a:p>
-          <a:p>
-            <a:pPr lvl="1" marL="539640" indent="-177840">
-              <a:lnSpc>
-                <a:spcPct val="100000"/>
-              </a:lnSpc>
-              <a:spcBef>
-                <a:spcPts val="320"/>
-              </a:spcBef>
-              <a:buClr>
-                <a:srgbClr val="5e6264"/>
-              </a:buClr>
-              <a:buFont typeface="Arial Rounded MT Bold"/>
-              <a:buChar char="›"/>
-            </a:pPr>
-            <a:r>
-              <a:rPr b="0" lang="es-ES" sz="1600" spc="-1" strike="noStrike">
-                <a:solidFill>
-                  <a:srgbClr val="5e6264"/>
-                </a:solidFill>
-                <a:latin typeface="Arial"/>
-                <a:ea typeface="DejaVu Sans"/>
-              </a:rPr>
-              <a:t> </a:t>
-            </a:r>
-            <a:r>
-              <a:rPr b="0" lang="es-ES" sz="1600" spc="-1" strike="noStrike">
-                <a:solidFill>
-                  <a:srgbClr val="5e6264"/>
-                </a:solidFill>
-                <a:latin typeface="Arial"/>
-                <a:ea typeface="DejaVu Sans"/>
-              </a:rPr>
-              <a:t>SI</a:t>
-            </a:r>
-            <a:endParaRPr b="0" lang="es-ES" sz="1600" spc="-1" strike="noStrike">
-              <a:latin typeface="Arial"/>
-            </a:endParaRPr>
-          </a:p>
-          <a:p>
-            <a:pPr lvl="1" marL="539640" indent="-177840">
-              <a:lnSpc>
-                <a:spcPct val="100000"/>
-              </a:lnSpc>
-              <a:spcBef>
-                <a:spcPts val="320"/>
-              </a:spcBef>
-              <a:buClr>
-                <a:srgbClr val="5e6264"/>
-              </a:buClr>
-              <a:buFont typeface="Arial Rounded MT Bold"/>
-              <a:buChar char="›"/>
-            </a:pPr>
-            <a:r>
-              <a:rPr b="0" lang="es-ES" sz="1600" spc="-1" strike="noStrike">
-                <a:solidFill>
-                  <a:srgbClr val="5e6264"/>
-                </a:solidFill>
-                <a:latin typeface="Arial"/>
-                <a:ea typeface="DejaVu Sans"/>
-              </a:rPr>
-              <a:t> </a:t>
-            </a:r>
-            <a:r>
-              <a:rPr b="0" lang="es-ES" sz="1600" spc="-1" strike="noStrike">
-                <a:solidFill>
-                  <a:srgbClr val="5e6264"/>
-                </a:solidFill>
-                <a:latin typeface="Arial"/>
-                <a:ea typeface="DejaVu Sans"/>
-              </a:rPr>
-              <a:t>NO</a:t>
-            </a:r>
-            <a:endParaRPr b="0" lang="es-ES" sz="1600" spc="-1" strike="noStrike">
-              <a:latin typeface="Arial"/>
-            </a:endParaRPr>
-          </a:p>
-          <a:p>
-            <a:pPr>
-              <a:lnSpc>
-                <a:spcPct val="100000"/>
-              </a:lnSpc>
-              <a:spcBef>
-                <a:spcPts val="320"/>
-              </a:spcBef>
-            </a:pPr>
-            <a:r>
-              <a:rPr b="0" lang="es-ES" sz="1600" spc="-1" strike="noStrike" u="sng">
-                <a:solidFill>
-                  <a:srgbClr val="5e6264"/>
-                </a:solidFill>
-                <a:uFillTx/>
-                <a:latin typeface="Arial"/>
-                <a:ea typeface="DejaVu Sans"/>
-              </a:rPr>
-              <a:t>Pregunta 5</a:t>
-            </a:r>
-            <a:r>
-              <a:rPr b="0" lang="es-ES" sz="1600" spc="-1" strike="noStrike">
-                <a:solidFill>
-                  <a:srgbClr val="5e6264"/>
-                </a:solidFill>
-                <a:latin typeface="Arial"/>
-                <a:ea typeface="DejaVu Sans"/>
-              </a:rPr>
-              <a:t>: ¿Se pueden tener conexiones MySql, PosgreSql y Ms-SQL en una misma aplicacion? </a:t>
-            </a:r>
-            <a:endParaRPr b="0" lang="es-ES" sz="1600" spc="-1" strike="noStrike">
-              <a:latin typeface="Arial"/>
-            </a:endParaRPr>
-          </a:p>
-          <a:p>
-            <a:pPr lvl="1" marL="539640" indent="-177840">
-              <a:lnSpc>
-                <a:spcPct val="100000"/>
-              </a:lnSpc>
-              <a:spcBef>
-                <a:spcPts val="320"/>
-              </a:spcBef>
-              <a:buClr>
-                <a:srgbClr val="5e6264"/>
-              </a:buClr>
-              <a:buFont typeface="Arial Rounded MT Bold"/>
-              <a:buChar char="›"/>
-            </a:pPr>
-            <a:r>
-              <a:rPr b="0" lang="es-ES" sz="1600" spc="-1" strike="noStrike">
-                <a:solidFill>
-                  <a:srgbClr val="5e6264"/>
-                </a:solidFill>
-                <a:latin typeface="Arial"/>
-                <a:ea typeface="DejaVu Sans"/>
-              </a:rPr>
-              <a:t> </a:t>
-            </a:r>
-            <a:r>
-              <a:rPr b="0" lang="es-ES" sz="1600" spc="-1" strike="noStrike">
-                <a:solidFill>
-                  <a:srgbClr val="5e6264"/>
-                </a:solidFill>
-                <a:latin typeface="Arial"/>
-                <a:ea typeface="DejaVu Sans"/>
-              </a:rPr>
-              <a:t>SI</a:t>
-            </a:r>
-            <a:endParaRPr b="0" lang="es-ES" sz="1600" spc="-1" strike="noStrike">
-              <a:latin typeface="Arial"/>
-            </a:endParaRPr>
-          </a:p>
-          <a:p>
-            <a:pPr lvl="1" marL="539640" indent="-177840">
-              <a:lnSpc>
-                <a:spcPct val="100000"/>
-              </a:lnSpc>
-              <a:spcBef>
-                <a:spcPts val="320"/>
-              </a:spcBef>
-              <a:buClr>
-                <a:srgbClr val="5e6264"/>
-              </a:buClr>
-              <a:buFont typeface="Arial Rounded MT Bold"/>
-              <a:buChar char="›"/>
-            </a:pPr>
-            <a:r>
-              <a:rPr b="0" lang="es-ES" sz="1600" spc="-1" strike="noStrike">
-                <a:solidFill>
-                  <a:srgbClr val="5e6264"/>
-                </a:solidFill>
-                <a:latin typeface="Arial"/>
-                <a:ea typeface="DejaVu Sans"/>
-              </a:rPr>
-              <a:t> </a:t>
-            </a:r>
-            <a:r>
-              <a:rPr b="0" lang="es-ES" sz="1600" spc="-1" strike="noStrike">
-                <a:solidFill>
-                  <a:srgbClr val="5e6264"/>
-                </a:solidFill>
-                <a:latin typeface="Arial"/>
-                <a:ea typeface="DejaVu Sans"/>
-              </a:rPr>
-              <a:t>NO</a:t>
-            </a:r>
-            <a:endParaRPr b="0" lang="es-ES" sz="1600" spc="-1" strike="noStrike">
-              <a:latin typeface="Arial"/>
-            </a:endParaRPr>
-          </a:p>
-          <a:p>
-            <a:pPr>
-              <a:lnSpc>
-                <a:spcPct val="100000"/>
-              </a:lnSpc>
-            </a:pPr>
-            <a:endParaRPr b="0" lang="es-ES" sz="1600" spc="-1" strike="noStrike">
-              <a:latin typeface="Arial"/>
-            </a:endParaRPr>
-          </a:p>
-        </p:txBody>
-      </p:sp>
-      <p:sp>
-        <p:nvSpPr>
-          <p:cNvPr id="252" name="CustomShape 2"/>
-          <p:cNvSpPr/>
-          <p:nvPr/>
-        </p:nvSpPr>
-        <p:spPr>
-          <a:xfrm>
-            <a:off x="496080" y="199800"/>
-            <a:ext cx="4360320" cy="491760"/>
-          </a:xfrm>
-          <a:prstGeom prst="rect">
-            <a:avLst/>
-          </a:prstGeom>
-          <a:noFill/>
-          <a:ln w="9360">
-            <a:noFill/>
-          </a:ln>
-        </p:spPr>
-        <p:style>
-          <a:lnRef idx="0"/>
-          <a:fillRef idx="0"/>
-          <a:effectRef idx="0"/>
-          <a:fontRef idx="minor"/>
-        </p:style>
-        <p:txBody>
-          <a:bodyPr lIns="90000" rIns="90000" tIns="45000" bIns="45000" anchor="b"/>
-          <a:p>
-            <a:pPr>
-              <a:lnSpc>
-                <a:spcPct val="100000"/>
-              </a:lnSpc>
-            </a:pPr>
-            <a:r>
-              <a:rPr b="0" lang="es-ES" sz="2800" spc="-1" strike="noStrike">
-                <a:solidFill>
-                  <a:srgbClr val="004569"/>
-                </a:solidFill>
-                <a:latin typeface="Arial"/>
-                <a:ea typeface="DejaVu Sans"/>
-              </a:rPr>
-              <a:t>Multiple </a:t>
-            </a:r>
-            <a:r>
-              <a:rPr b="0" lang="es-ES" sz="2400" spc="-1" strike="noStrike">
-                <a:solidFill>
-                  <a:srgbClr val="004569"/>
-                </a:solidFill>
-                <a:latin typeface="Arial"/>
-                <a:ea typeface="DejaVu Sans"/>
-              </a:rPr>
-              <a:t>Choice</a:t>
-            </a:r>
-            <a:r>
-              <a:rPr b="0" lang="es-ES" sz="2800" spc="-1" strike="noStrike">
-                <a:solidFill>
-                  <a:srgbClr val="004569"/>
-                </a:solidFill>
-                <a:latin typeface="Arial"/>
-                <a:ea typeface="DejaVu Sans"/>
-              </a:rPr>
-              <a:t>:</a:t>
-            </a:r>
-            <a:endParaRPr b="0" lang="es-ES" sz="2800" spc="-1" strike="noStrike">
-              <a:latin typeface="Arial"/>
-            </a:endParaRPr>
-          </a:p>
-        </p:txBody>
-      </p:sp>
-      <p:sp>
-        <p:nvSpPr>
-          <p:cNvPr id="253" name="CustomShape 3"/>
-          <p:cNvSpPr/>
-          <p:nvPr/>
-        </p:nvSpPr>
-        <p:spPr>
-          <a:xfrm>
-            <a:off x="395640" y="6520320"/>
-            <a:ext cx="358200" cy="219240"/>
-          </a:xfrm>
-          <a:prstGeom prst="rect">
-            <a:avLst/>
-          </a:prstGeom>
-          <a:noFill/>
-          <a:ln>
-            <a:noFill/>
-          </a:ln>
-        </p:spPr>
-        <p:style>
-          <a:lnRef idx="0"/>
-          <a:fillRef idx="0"/>
-          <a:effectRef idx="0"/>
-          <a:fontRef idx="minor"/>
-        </p:style>
-        <p:txBody>
-          <a:bodyPr lIns="90000" rIns="90000" tIns="45000" bIns="45000" anchor="ctr"/>
-          <a:p>
-            <a:pPr algn="r">
-              <a:lnSpc>
-                <a:spcPct val="100000"/>
-              </a:lnSpc>
-            </a:pPr>
-            <a:fld id="{81E47A0A-D316-4309-AEA9-02974419AEAA}" type="slidenum">
-              <a:rPr b="1" lang="es-ES" sz="800" spc="-1" strike="noStrike">
-                <a:solidFill>
-                  <a:srgbClr val="004569"/>
-                </a:solidFill>
-                <a:latin typeface="Arial"/>
-                <a:ea typeface="DejaVu Sans"/>
-              </a:rPr>
-              <a:t>&lt;número&gt;</a:t>
-            </a:fld>
-            <a:endParaRPr b="0" lang="es-ES" sz="800" spc="-1" strike="noStrike">
+                <a:spcPct val="80000"/>
+              </a:lnSpc>
+            </a:pPr>
+            <a:r>
+              <a:rPr b="0" lang="es-ES" sz="4400" spc="-1" strike="noStrike">
+                <a:solidFill>
+                  <a:srgbClr val="ffffff"/>
+                </a:solidFill>
+                <a:latin typeface="Arial"/>
+                <a:ea typeface="DejaVu Sans"/>
+              </a:rPr>
+              <a:t>Examen</a:t>
+            </a:r>
+            <a:endParaRPr b="0" lang="es-ES" sz="4400" spc="-1" strike="noStrike">
               <a:latin typeface="Arial"/>
             </a:endParaRPr>
           </a:p>
@@ -13503,6 +12275,823 @@
           <p:childTnLst>
             <p:seq>
               <p:cTn id="40" nodeType="mainSeq"/>
+              <p:prevCondLst>
+                <p:cond delay="0" evt="onPrev">
+                  <p:tgtEl>
+                    <p:sldTgt/>
+                  </p:tgtEl>
+                </p:cond>
+              </p:prevCondLst>
+              <p:nextCondLst>
+                <p:cond delay="0" evt="onNext">
+                  <p:tgtEl>
+                    <p:sldTgt/>
+                  </p:tgtEl>
+                </p:cond>
+              </p:nextCondLst>
+            </p:seq>
+          </p:childTnLst>
+        </p:cTn>
+      </p:par>
+    </p:tnLst>
+  </p:timing>
+</p:sld>
+</file>
+
+<file path=ppt/slides/slide21.xml><?xml version="1.0" encoding="utf-8"?>
+<p:sld xmlns:a="http://schemas.openxmlformats.org/drawingml/2006/main" xmlns:p="http://schemas.openxmlformats.org/presentationml/2006/main" xmlns:r="http://schemas.openxmlformats.org/officeDocument/2006/relationships" xmlns:p14="http://schemas.microsoft.com/office/powerpoint/2010/main" xmlns:p15="http://schemas.microsoft.com/office/powerpoint/2012/main" xmlns:mc="http://schemas.openxmlformats.org/markup-compatibility/2006">
+  <p:cSld>
+    <p:spTree>
+      <p:nvGrpSpPr>
+        <p:cNvPr id="1" name=""/>
+        <p:cNvGrpSpPr/>
+        <p:nvPr/>
+      </p:nvGrpSpPr>
+      <p:grpSpPr>
+        <a:xfrm>
+          <a:off x="0" y="0"/>
+          <a:ext cx="0" cy="0"/>
+          <a:chOff x="0" y="0"/>
+          <a:chExt cx="0" cy="0"/>
+        </a:xfrm>
+      </p:grpSpPr>
+      <p:sp>
+        <p:nvSpPr>
+          <p:cNvPr id="249" name="CustomShape 1"/>
+          <p:cNvSpPr/>
+          <p:nvPr/>
+        </p:nvSpPr>
+        <p:spPr>
+          <a:xfrm>
+            <a:off x="311400" y="923040"/>
+            <a:ext cx="8504640" cy="5738760"/>
+          </a:xfrm>
+          <a:prstGeom prst="rect">
+            <a:avLst/>
+          </a:prstGeom>
+          <a:noFill/>
+          <a:ln>
+            <a:noFill/>
+          </a:ln>
+        </p:spPr>
+        <p:style>
+          <a:lnRef idx="0"/>
+          <a:fillRef idx="0"/>
+          <a:effectRef idx="0"/>
+          <a:fontRef idx="minor"/>
+        </p:style>
+        <p:txBody>
+          <a:bodyPr lIns="90000" rIns="90000" tIns="45000" bIns="45000"/>
+          <a:p>
+            <a:pPr>
+              <a:lnSpc>
+                <a:spcPct val="100000"/>
+              </a:lnSpc>
+              <a:spcBef>
+                <a:spcPts val="360"/>
+              </a:spcBef>
+            </a:pPr>
+            <a:r>
+              <a:rPr b="0" lang="es-ES" sz="1800" spc="-1" strike="noStrike">
+                <a:solidFill>
+                  <a:srgbClr val="5e6264"/>
+                </a:solidFill>
+                <a:latin typeface="Arial"/>
+                <a:ea typeface="DejaVu Sans"/>
+              </a:rPr>
+              <a:t>Elegir alguna de las siguientes opciones para realizar las preguntas, ejemplos:</a:t>
+            </a:r>
+            <a:endParaRPr b="0" lang="es-ES" sz="1800" spc="-1" strike="noStrike">
+              <a:latin typeface="Arial"/>
+            </a:endParaRPr>
+          </a:p>
+          <a:p>
+            <a:pPr>
+              <a:lnSpc>
+                <a:spcPct val="100000"/>
+              </a:lnSpc>
+              <a:spcBef>
+                <a:spcPts val="320"/>
+              </a:spcBef>
+            </a:pPr>
+            <a:r>
+              <a:rPr b="0" lang="es-ES" sz="1600" spc="-1" strike="noStrike" u="sng">
+                <a:solidFill>
+                  <a:srgbClr val="5e6264"/>
+                </a:solidFill>
+                <a:uFillTx/>
+                <a:latin typeface="Arial"/>
+                <a:ea typeface="DejaVu Sans"/>
+              </a:rPr>
+              <a:t>Pregunta 1</a:t>
+            </a:r>
+            <a:r>
+              <a:rPr b="0" lang="es-ES" sz="1600" spc="-1" strike="noStrike">
+                <a:solidFill>
+                  <a:srgbClr val="5e6264"/>
+                </a:solidFill>
+                <a:latin typeface="Arial"/>
+                <a:ea typeface="DejaVu Sans"/>
+              </a:rPr>
+              <a:t>: ¿Qué es Artisan?, Seleccione la rta correcta</a:t>
+            </a:r>
+            <a:endParaRPr b="0" lang="es-ES" sz="1600" spc="-1" strike="noStrike">
+              <a:latin typeface="Arial"/>
+            </a:endParaRPr>
+          </a:p>
+          <a:p>
+            <a:pPr lvl="1" marL="539640" indent="-177120">
+              <a:lnSpc>
+                <a:spcPct val="100000"/>
+              </a:lnSpc>
+              <a:spcBef>
+                <a:spcPts val="320"/>
+              </a:spcBef>
+              <a:buClr>
+                <a:srgbClr val="5e6264"/>
+              </a:buClr>
+              <a:buFont typeface="Arial Rounded MT Bold"/>
+              <a:buChar char="›"/>
+            </a:pPr>
+            <a:r>
+              <a:rPr b="0" lang="es-ES" sz="1600" spc="-1" strike="noStrike">
+                <a:solidFill>
+                  <a:srgbClr val="5e6264"/>
+                </a:solidFill>
+                <a:latin typeface="Arial"/>
+                <a:ea typeface="DejaVu Sans"/>
+              </a:rPr>
+              <a:t> </a:t>
+            </a:r>
+            <a:r>
+              <a:rPr b="0" lang="es-ES" sz="1600" spc="-1" strike="noStrike">
+                <a:solidFill>
+                  <a:srgbClr val="5e6264"/>
+                </a:solidFill>
+                <a:latin typeface="Arial"/>
+                <a:ea typeface="DejaVu Sans"/>
+              </a:rPr>
+              <a:t>A   -  un framework</a:t>
+            </a:r>
+            <a:endParaRPr b="0" lang="es-ES" sz="1600" spc="-1" strike="noStrike">
+              <a:latin typeface="Arial"/>
+            </a:endParaRPr>
+          </a:p>
+          <a:p>
+            <a:pPr lvl="1" marL="539640" indent="-177120">
+              <a:lnSpc>
+                <a:spcPct val="100000"/>
+              </a:lnSpc>
+              <a:spcBef>
+                <a:spcPts val="320"/>
+              </a:spcBef>
+              <a:buClr>
+                <a:srgbClr val="5e6264"/>
+              </a:buClr>
+              <a:buFont typeface="Arial Rounded MT Bold"/>
+              <a:buChar char="›"/>
+            </a:pPr>
+            <a:r>
+              <a:rPr b="0" lang="es-ES" sz="1600" spc="-1" strike="noStrike">
+                <a:solidFill>
+                  <a:srgbClr val="5e6264"/>
+                </a:solidFill>
+                <a:latin typeface="Arial"/>
+                <a:ea typeface="DejaVu Sans"/>
+              </a:rPr>
+              <a:t> </a:t>
+            </a:r>
+            <a:r>
+              <a:rPr b="0" lang="es-ES" sz="1600" spc="-1" strike="noStrike">
+                <a:solidFill>
+                  <a:srgbClr val="5e6264"/>
+                </a:solidFill>
+                <a:latin typeface="Arial"/>
+                <a:ea typeface="DejaVu Sans"/>
+              </a:rPr>
+              <a:t>B  - una Interfaz de Linea de Comandos (CLI)</a:t>
+            </a:r>
+            <a:endParaRPr b="0" lang="es-ES" sz="1600" spc="-1" strike="noStrike">
+              <a:latin typeface="Arial"/>
+            </a:endParaRPr>
+          </a:p>
+          <a:p>
+            <a:pPr lvl="1" marL="539640" indent="-177120">
+              <a:lnSpc>
+                <a:spcPct val="100000"/>
+              </a:lnSpc>
+              <a:spcBef>
+                <a:spcPts val="320"/>
+              </a:spcBef>
+              <a:buClr>
+                <a:srgbClr val="5e6264"/>
+              </a:buClr>
+              <a:buFont typeface="Arial Rounded MT Bold"/>
+              <a:buChar char="›"/>
+            </a:pPr>
+            <a:r>
+              <a:rPr b="0" lang="es-ES" sz="1600" spc="-1" strike="noStrike">
+                <a:solidFill>
+                  <a:srgbClr val="5e6264"/>
+                </a:solidFill>
+                <a:latin typeface="Arial"/>
+                <a:ea typeface="DejaVu Sans"/>
+              </a:rPr>
+              <a:t> </a:t>
+            </a:r>
+            <a:r>
+              <a:rPr b="0" lang="es-ES" sz="1600" spc="-1" strike="noStrike">
+                <a:solidFill>
+                  <a:srgbClr val="5e6264"/>
+                </a:solidFill>
+                <a:latin typeface="Arial"/>
+                <a:ea typeface="DejaVu Sans"/>
+              </a:rPr>
+              <a:t>C - un lenguaje de programacion</a:t>
+            </a:r>
+            <a:endParaRPr b="0" lang="es-ES" sz="1600" spc="-1" strike="noStrike">
+              <a:latin typeface="Arial"/>
+            </a:endParaRPr>
+          </a:p>
+          <a:p>
+            <a:pPr>
+              <a:lnSpc>
+                <a:spcPct val="100000"/>
+              </a:lnSpc>
+              <a:spcBef>
+                <a:spcPts val="320"/>
+              </a:spcBef>
+            </a:pPr>
+            <a:r>
+              <a:rPr b="0" lang="es-ES" sz="1600" spc="-1" strike="noStrike" u="sng">
+                <a:solidFill>
+                  <a:srgbClr val="5e6264"/>
+                </a:solidFill>
+                <a:uFillTx/>
+                <a:latin typeface="Arial"/>
+                <a:ea typeface="DejaVu Sans"/>
+              </a:rPr>
+              <a:t>Pregunta 2</a:t>
+            </a:r>
+            <a:r>
+              <a:rPr b="0" lang="es-ES" sz="1600" spc="-1" strike="noStrike">
+                <a:solidFill>
+                  <a:srgbClr val="5e6264"/>
+                </a:solidFill>
+                <a:latin typeface="Arial"/>
+                <a:ea typeface="DejaVu Sans"/>
+              </a:rPr>
+              <a:t>: , Verdadero o Falso</a:t>
+            </a:r>
+            <a:endParaRPr b="0" lang="es-ES" sz="1600" spc="-1" strike="noStrike">
+              <a:latin typeface="Arial"/>
+            </a:endParaRPr>
+          </a:p>
+          <a:p>
+            <a:pPr lvl="1" marL="539640" indent="-177120">
+              <a:lnSpc>
+                <a:spcPct val="100000"/>
+              </a:lnSpc>
+              <a:spcBef>
+                <a:spcPts val="320"/>
+              </a:spcBef>
+              <a:buClr>
+                <a:srgbClr val="5e6264"/>
+              </a:buClr>
+              <a:buFont typeface="Arial Rounded MT Bold"/>
+              <a:buChar char="›"/>
+            </a:pPr>
+            <a:r>
+              <a:rPr b="0" lang="es-ES" sz="1600" spc="-1" strike="noStrike">
+                <a:solidFill>
+                  <a:srgbClr val="5e6264"/>
+                </a:solidFill>
+                <a:latin typeface="Arial"/>
+                <a:ea typeface="DejaVu Sans"/>
+              </a:rPr>
+              <a:t> </a:t>
+            </a:r>
+            <a:r>
+              <a:rPr b="0" lang="es-ES" sz="1600" spc="-1" strike="noStrike">
+                <a:solidFill>
+                  <a:srgbClr val="5e6264"/>
+                </a:solidFill>
+                <a:latin typeface="Arial"/>
+                <a:ea typeface="DejaVu Sans"/>
+              </a:rPr>
+              <a:t>A - se puede correr laravel sin PHP instalado</a:t>
+            </a:r>
+            <a:endParaRPr b="0" lang="es-ES" sz="1600" spc="-1" strike="noStrike">
+              <a:latin typeface="Arial"/>
+            </a:endParaRPr>
+          </a:p>
+          <a:p>
+            <a:pPr lvl="1" marL="539640" indent="-177120">
+              <a:lnSpc>
+                <a:spcPct val="100000"/>
+              </a:lnSpc>
+              <a:spcBef>
+                <a:spcPts val="320"/>
+              </a:spcBef>
+              <a:buClr>
+                <a:srgbClr val="5e6264"/>
+              </a:buClr>
+              <a:buFont typeface="Arial Rounded MT Bold"/>
+              <a:buChar char="›"/>
+            </a:pPr>
+            <a:r>
+              <a:rPr b="0" lang="es-ES" sz="1600" spc="-1" strike="noStrike">
+                <a:solidFill>
+                  <a:srgbClr val="5e6264"/>
+                </a:solidFill>
+                <a:latin typeface="Arial"/>
+                <a:ea typeface="DejaVu Sans"/>
+              </a:rPr>
+              <a:t> </a:t>
+            </a:r>
+            <a:r>
+              <a:rPr b="0" lang="es-ES" sz="1600" spc="-1" strike="noStrike">
+                <a:solidFill>
+                  <a:srgbClr val="5e6264"/>
+                </a:solidFill>
+                <a:latin typeface="Arial"/>
+                <a:ea typeface="DejaVu Sans"/>
+              </a:rPr>
+              <a:t>B- Eloquent es un ORM active record</a:t>
+            </a:r>
+            <a:endParaRPr b="0" lang="es-ES" sz="1600" spc="-1" strike="noStrike">
+              <a:latin typeface="Arial"/>
+            </a:endParaRPr>
+          </a:p>
+          <a:p>
+            <a:pPr>
+              <a:lnSpc>
+                <a:spcPct val="100000"/>
+              </a:lnSpc>
+              <a:spcBef>
+                <a:spcPts val="320"/>
+              </a:spcBef>
+            </a:pPr>
+            <a:r>
+              <a:rPr b="0" lang="es-ES" sz="1600" spc="-1" strike="noStrike" u="sng">
+                <a:solidFill>
+                  <a:srgbClr val="5e6264"/>
+                </a:solidFill>
+                <a:uFillTx/>
+                <a:latin typeface="Arial"/>
+                <a:ea typeface="DejaVu Sans"/>
+              </a:rPr>
+              <a:t>Pregunta 3</a:t>
+            </a:r>
+            <a:r>
+              <a:rPr b="0" lang="es-ES" sz="1600" spc="-1" strike="noStrike">
+                <a:solidFill>
+                  <a:srgbClr val="5e6264"/>
+                </a:solidFill>
+                <a:latin typeface="Arial"/>
+                <a:ea typeface="DejaVu Sans"/>
+              </a:rPr>
+              <a:t>: ¿Puedo crear controladores usando composer?</a:t>
+            </a:r>
+            <a:endParaRPr b="0" lang="es-ES" sz="1600" spc="-1" strike="noStrike">
+              <a:latin typeface="Arial"/>
+            </a:endParaRPr>
+          </a:p>
+          <a:p>
+            <a:pPr lvl="1" marL="539640" indent="-177120">
+              <a:lnSpc>
+                <a:spcPct val="100000"/>
+              </a:lnSpc>
+              <a:spcBef>
+                <a:spcPts val="320"/>
+              </a:spcBef>
+              <a:buClr>
+                <a:srgbClr val="5e6264"/>
+              </a:buClr>
+              <a:buFont typeface="Arial Rounded MT Bold"/>
+              <a:buChar char="›"/>
+            </a:pPr>
+            <a:r>
+              <a:rPr b="0" lang="es-ES" sz="1600" spc="-1" strike="noStrike">
+                <a:solidFill>
+                  <a:srgbClr val="5e6264"/>
+                </a:solidFill>
+                <a:latin typeface="Arial"/>
+                <a:ea typeface="DejaVu Sans"/>
+              </a:rPr>
+              <a:t> </a:t>
+            </a:r>
+            <a:r>
+              <a:rPr b="0" lang="es-ES" sz="1600" spc="-1" strike="noStrike">
+                <a:solidFill>
+                  <a:srgbClr val="5e6264"/>
+                </a:solidFill>
+                <a:latin typeface="Arial"/>
+                <a:ea typeface="DejaVu Sans"/>
+              </a:rPr>
+              <a:t>SI</a:t>
+            </a:r>
+            <a:endParaRPr b="0" lang="es-ES" sz="1600" spc="-1" strike="noStrike">
+              <a:latin typeface="Arial"/>
+            </a:endParaRPr>
+          </a:p>
+          <a:p>
+            <a:pPr lvl="1" marL="539640" indent="-177120">
+              <a:lnSpc>
+                <a:spcPct val="100000"/>
+              </a:lnSpc>
+              <a:spcBef>
+                <a:spcPts val="320"/>
+              </a:spcBef>
+              <a:buClr>
+                <a:srgbClr val="5e6264"/>
+              </a:buClr>
+              <a:buFont typeface="Arial Rounded MT Bold"/>
+              <a:buChar char="›"/>
+            </a:pPr>
+            <a:r>
+              <a:rPr b="0" lang="es-ES" sz="1600" spc="-1" strike="noStrike">
+                <a:solidFill>
+                  <a:srgbClr val="5e6264"/>
+                </a:solidFill>
+                <a:latin typeface="Arial"/>
+                <a:ea typeface="DejaVu Sans"/>
+              </a:rPr>
+              <a:t> </a:t>
+            </a:r>
+            <a:r>
+              <a:rPr b="0" lang="es-ES" sz="1600" spc="-1" strike="noStrike">
+                <a:solidFill>
+                  <a:srgbClr val="5e6264"/>
+                </a:solidFill>
+                <a:latin typeface="Arial"/>
+                <a:ea typeface="DejaVu Sans"/>
+              </a:rPr>
+              <a:t>NO</a:t>
+            </a:r>
+            <a:endParaRPr b="0" lang="es-ES" sz="1600" spc="-1" strike="noStrike">
+              <a:latin typeface="Arial"/>
+            </a:endParaRPr>
+          </a:p>
+          <a:p>
+            <a:pPr>
+              <a:lnSpc>
+                <a:spcPct val="100000"/>
+              </a:lnSpc>
+              <a:spcBef>
+                <a:spcPts val="320"/>
+              </a:spcBef>
+            </a:pPr>
+            <a:r>
+              <a:rPr b="0" lang="es-ES" sz="1600" spc="-1" strike="noStrike" u="sng">
+                <a:solidFill>
+                  <a:srgbClr val="5e6264"/>
+                </a:solidFill>
+                <a:uFillTx/>
+                <a:latin typeface="Arial"/>
+                <a:ea typeface="DejaVu Sans"/>
+              </a:rPr>
+              <a:t>Pregunta 4</a:t>
+            </a:r>
+            <a:r>
+              <a:rPr b="0" lang="es-ES" sz="1600" spc="-1" strike="noStrike">
+                <a:solidFill>
+                  <a:srgbClr val="5e6264"/>
+                </a:solidFill>
+                <a:latin typeface="Arial"/>
+                <a:ea typeface="DejaVu Sans"/>
+              </a:rPr>
+              <a:t>: ¿Puedo crear controladores usando artisan?</a:t>
+            </a:r>
+            <a:endParaRPr b="0" lang="es-ES" sz="1600" spc="-1" strike="noStrike">
+              <a:latin typeface="Arial"/>
+            </a:endParaRPr>
+          </a:p>
+          <a:p>
+            <a:pPr lvl="1" marL="539640" indent="-177120">
+              <a:lnSpc>
+                <a:spcPct val="100000"/>
+              </a:lnSpc>
+              <a:spcBef>
+                <a:spcPts val="320"/>
+              </a:spcBef>
+              <a:buClr>
+                <a:srgbClr val="5e6264"/>
+              </a:buClr>
+              <a:buFont typeface="Arial Rounded MT Bold"/>
+              <a:buChar char="›"/>
+            </a:pPr>
+            <a:r>
+              <a:rPr b="0" lang="es-ES" sz="1600" spc="-1" strike="noStrike">
+                <a:solidFill>
+                  <a:srgbClr val="5e6264"/>
+                </a:solidFill>
+                <a:latin typeface="Arial"/>
+                <a:ea typeface="DejaVu Sans"/>
+              </a:rPr>
+              <a:t> </a:t>
+            </a:r>
+            <a:r>
+              <a:rPr b="0" lang="es-ES" sz="1600" spc="-1" strike="noStrike">
+                <a:solidFill>
+                  <a:srgbClr val="5e6264"/>
+                </a:solidFill>
+                <a:latin typeface="Arial"/>
+                <a:ea typeface="DejaVu Sans"/>
+              </a:rPr>
+              <a:t>SI</a:t>
+            </a:r>
+            <a:endParaRPr b="0" lang="es-ES" sz="1600" spc="-1" strike="noStrike">
+              <a:latin typeface="Arial"/>
+            </a:endParaRPr>
+          </a:p>
+          <a:p>
+            <a:pPr lvl="1" marL="539640" indent="-177120">
+              <a:lnSpc>
+                <a:spcPct val="100000"/>
+              </a:lnSpc>
+              <a:spcBef>
+                <a:spcPts val="320"/>
+              </a:spcBef>
+              <a:buClr>
+                <a:srgbClr val="5e6264"/>
+              </a:buClr>
+              <a:buFont typeface="Arial Rounded MT Bold"/>
+              <a:buChar char="›"/>
+            </a:pPr>
+            <a:r>
+              <a:rPr b="0" lang="es-ES" sz="1600" spc="-1" strike="noStrike">
+                <a:solidFill>
+                  <a:srgbClr val="5e6264"/>
+                </a:solidFill>
+                <a:latin typeface="Arial"/>
+                <a:ea typeface="DejaVu Sans"/>
+              </a:rPr>
+              <a:t> </a:t>
+            </a:r>
+            <a:r>
+              <a:rPr b="0" lang="es-ES" sz="1600" spc="-1" strike="noStrike">
+                <a:solidFill>
+                  <a:srgbClr val="5e6264"/>
+                </a:solidFill>
+                <a:latin typeface="Arial"/>
+                <a:ea typeface="DejaVu Sans"/>
+              </a:rPr>
+              <a:t>NO</a:t>
+            </a:r>
+            <a:endParaRPr b="0" lang="es-ES" sz="1600" spc="-1" strike="noStrike">
+              <a:latin typeface="Arial"/>
+            </a:endParaRPr>
+          </a:p>
+          <a:p>
+            <a:pPr>
+              <a:lnSpc>
+                <a:spcPct val="100000"/>
+              </a:lnSpc>
+              <a:spcBef>
+                <a:spcPts val="320"/>
+              </a:spcBef>
+            </a:pPr>
+            <a:r>
+              <a:rPr b="0" lang="es-ES" sz="1600" spc="-1" strike="noStrike" u="sng">
+                <a:solidFill>
+                  <a:srgbClr val="5e6264"/>
+                </a:solidFill>
+                <a:uFillTx/>
+                <a:latin typeface="Arial"/>
+                <a:ea typeface="DejaVu Sans"/>
+              </a:rPr>
+              <a:t>Pregunta 5</a:t>
+            </a:r>
+            <a:r>
+              <a:rPr b="0" lang="es-ES" sz="1600" spc="-1" strike="noStrike">
+                <a:solidFill>
+                  <a:srgbClr val="5e6264"/>
+                </a:solidFill>
+                <a:latin typeface="Arial"/>
+                <a:ea typeface="DejaVu Sans"/>
+              </a:rPr>
+              <a:t>: ¿Se pueden tener conexiones MySql, PosgreSql y Ms-SQL en una misma aplicacion? </a:t>
+            </a:r>
+            <a:endParaRPr b="0" lang="es-ES" sz="1600" spc="-1" strike="noStrike">
+              <a:latin typeface="Arial"/>
+            </a:endParaRPr>
+          </a:p>
+          <a:p>
+            <a:pPr lvl="1" marL="539640" indent="-177120">
+              <a:lnSpc>
+                <a:spcPct val="100000"/>
+              </a:lnSpc>
+              <a:spcBef>
+                <a:spcPts val="320"/>
+              </a:spcBef>
+              <a:buClr>
+                <a:srgbClr val="5e6264"/>
+              </a:buClr>
+              <a:buFont typeface="Arial Rounded MT Bold"/>
+              <a:buChar char="›"/>
+            </a:pPr>
+            <a:r>
+              <a:rPr b="0" lang="es-ES" sz="1600" spc="-1" strike="noStrike">
+                <a:solidFill>
+                  <a:srgbClr val="5e6264"/>
+                </a:solidFill>
+                <a:latin typeface="Arial"/>
+                <a:ea typeface="DejaVu Sans"/>
+              </a:rPr>
+              <a:t> </a:t>
+            </a:r>
+            <a:r>
+              <a:rPr b="0" lang="es-ES" sz="1600" spc="-1" strike="noStrike">
+                <a:solidFill>
+                  <a:srgbClr val="5e6264"/>
+                </a:solidFill>
+                <a:latin typeface="Arial"/>
+                <a:ea typeface="DejaVu Sans"/>
+              </a:rPr>
+              <a:t>SI</a:t>
+            </a:r>
+            <a:endParaRPr b="0" lang="es-ES" sz="1600" spc="-1" strike="noStrike">
+              <a:latin typeface="Arial"/>
+            </a:endParaRPr>
+          </a:p>
+          <a:p>
+            <a:pPr lvl="1" marL="539640" indent="-177120">
+              <a:lnSpc>
+                <a:spcPct val="100000"/>
+              </a:lnSpc>
+              <a:spcBef>
+                <a:spcPts val="320"/>
+              </a:spcBef>
+              <a:buClr>
+                <a:srgbClr val="5e6264"/>
+              </a:buClr>
+              <a:buFont typeface="Arial Rounded MT Bold"/>
+              <a:buChar char="›"/>
+            </a:pPr>
+            <a:r>
+              <a:rPr b="0" lang="es-ES" sz="1600" spc="-1" strike="noStrike">
+                <a:solidFill>
+                  <a:srgbClr val="5e6264"/>
+                </a:solidFill>
+                <a:latin typeface="Arial"/>
+                <a:ea typeface="DejaVu Sans"/>
+              </a:rPr>
+              <a:t> </a:t>
+            </a:r>
+            <a:r>
+              <a:rPr b="0" lang="es-ES" sz="1600" spc="-1" strike="noStrike">
+                <a:solidFill>
+                  <a:srgbClr val="5e6264"/>
+                </a:solidFill>
+                <a:latin typeface="Arial"/>
+                <a:ea typeface="DejaVu Sans"/>
+              </a:rPr>
+              <a:t>NO</a:t>
+            </a:r>
+            <a:endParaRPr b="0" lang="es-ES" sz="1600" spc="-1" strike="noStrike">
+              <a:latin typeface="Arial"/>
+            </a:endParaRPr>
+          </a:p>
+          <a:p>
+            <a:pPr>
+              <a:lnSpc>
+                <a:spcPct val="100000"/>
+              </a:lnSpc>
+            </a:pPr>
+            <a:endParaRPr b="0" lang="es-ES" sz="1600" spc="-1" strike="noStrike">
+              <a:latin typeface="Arial"/>
+            </a:endParaRPr>
+          </a:p>
+        </p:txBody>
+      </p:sp>
+      <p:sp>
+        <p:nvSpPr>
+          <p:cNvPr id="250" name="CustomShape 2"/>
+          <p:cNvSpPr/>
+          <p:nvPr/>
+        </p:nvSpPr>
+        <p:spPr>
+          <a:xfrm>
+            <a:off x="496080" y="199800"/>
+            <a:ext cx="4359600" cy="491040"/>
+          </a:xfrm>
+          <a:prstGeom prst="rect">
+            <a:avLst/>
+          </a:prstGeom>
+          <a:noFill/>
+          <a:ln w="9360">
+            <a:noFill/>
+          </a:ln>
+        </p:spPr>
+        <p:style>
+          <a:lnRef idx="0"/>
+          <a:fillRef idx="0"/>
+          <a:effectRef idx="0"/>
+          <a:fontRef idx="minor"/>
+        </p:style>
+        <p:txBody>
+          <a:bodyPr lIns="90000" rIns="90000" tIns="45000" bIns="45000" anchor="b"/>
+          <a:p>
+            <a:pPr>
+              <a:lnSpc>
+                <a:spcPct val="100000"/>
+              </a:lnSpc>
+            </a:pPr>
+            <a:r>
+              <a:rPr b="0" lang="es-ES" sz="2800" spc="-1" strike="noStrike">
+                <a:solidFill>
+                  <a:srgbClr val="004569"/>
+                </a:solidFill>
+                <a:latin typeface="Arial"/>
+                <a:ea typeface="DejaVu Sans"/>
+              </a:rPr>
+              <a:t>Multiple </a:t>
+            </a:r>
+            <a:r>
+              <a:rPr b="0" lang="es-ES" sz="2400" spc="-1" strike="noStrike">
+                <a:solidFill>
+                  <a:srgbClr val="004569"/>
+                </a:solidFill>
+                <a:latin typeface="Arial"/>
+                <a:ea typeface="DejaVu Sans"/>
+              </a:rPr>
+              <a:t>Choice</a:t>
+            </a:r>
+            <a:r>
+              <a:rPr b="0" lang="es-ES" sz="2800" spc="-1" strike="noStrike">
+                <a:solidFill>
+                  <a:srgbClr val="004569"/>
+                </a:solidFill>
+                <a:latin typeface="Arial"/>
+                <a:ea typeface="DejaVu Sans"/>
+              </a:rPr>
+              <a:t>:</a:t>
+            </a:r>
+            <a:endParaRPr b="0" lang="es-ES" sz="2800" spc="-1" strike="noStrike">
+              <a:latin typeface="Arial"/>
+            </a:endParaRPr>
+          </a:p>
+        </p:txBody>
+      </p:sp>
+      <p:sp>
+        <p:nvSpPr>
+          <p:cNvPr id="251" name="CustomShape 3"/>
+          <p:cNvSpPr/>
+          <p:nvPr/>
+        </p:nvSpPr>
+        <p:spPr>
+          <a:xfrm>
+            <a:off x="395640" y="6520320"/>
+            <a:ext cx="357480" cy="218520"/>
+          </a:xfrm>
+          <a:prstGeom prst="rect">
+            <a:avLst/>
+          </a:prstGeom>
+          <a:noFill/>
+          <a:ln>
+            <a:noFill/>
+          </a:ln>
+        </p:spPr>
+        <p:style>
+          <a:lnRef idx="0"/>
+          <a:fillRef idx="0"/>
+          <a:effectRef idx="0"/>
+          <a:fontRef idx="minor"/>
+        </p:style>
+        <p:txBody>
+          <a:bodyPr lIns="90000" rIns="90000" tIns="45000" bIns="45000" anchor="ctr"/>
+          <a:p>
+            <a:pPr algn="r">
+              <a:lnSpc>
+                <a:spcPct val="100000"/>
+              </a:lnSpc>
+            </a:pPr>
+            <a:fld id="{5FC6636D-1986-4329-99B1-57F92F37E588}" type="slidenum">
+              <a:rPr b="1" lang="es-ES" sz="800" spc="-1" strike="noStrike">
+                <a:solidFill>
+                  <a:srgbClr val="004569"/>
+                </a:solidFill>
+                <a:latin typeface="Arial"/>
+                <a:ea typeface="DejaVu Sans"/>
+              </a:rPr>
+              <a:t>&lt;número&gt;</a:t>
+            </a:fld>
+            <a:endParaRPr b="0" lang="es-ES" sz="800" spc="-1" strike="noStrike">
+              <a:latin typeface="Arial"/>
+            </a:endParaRPr>
+          </a:p>
+        </p:txBody>
+      </p:sp>
+    </p:spTree>
+  </p:cSld>
+  <p:timing>
+    <p:tnLst>
+      <p:par>
+        <p:cTn id="41" dur="indefinite" restart="never" nodeType="tmRoot">
+          <p:childTnLst>
+            <p:seq>
+              <p:cTn id="42" nodeType="mainSeq"/>
               <p:prevCondLst>
                 <p:cond delay="0" evt="onPrev">
                   <p:tgtEl>
@@ -13552,7 +13141,7 @@
         <p:spPr>
           <a:xfrm>
             <a:off x="371160" y="994680"/>
-            <a:ext cx="8401320" cy="5570280"/>
+            <a:ext cx="8400600" cy="5569560"/>
           </a:xfrm>
           <a:prstGeom prst="rect">
             <a:avLst/>
@@ -13697,7 +13286,7 @@
         <p:spPr>
           <a:xfrm>
             <a:off x="216000" y="1008000"/>
-            <a:ext cx="8207640" cy="5111640"/>
+            <a:ext cx="8206920" cy="5110920"/>
           </a:xfrm>
           <a:prstGeom prst="rect">
             <a:avLst/>
@@ -13852,7 +13441,7 @@
         <p:spPr>
           <a:xfrm>
             <a:off x="467640" y="620640"/>
-            <a:ext cx="8401320" cy="5570280"/>
+            <a:ext cx="8400600" cy="5569560"/>
           </a:xfrm>
           <a:prstGeom prst="rect">
             <a:avLst/>
@@ -14109,7 +13698,7 @@
         <p:spPr>
           <a:xfrm>
             <a:off x="443160" y="913680"/>
-            <a:ext cx="8340480" cy="5421960"/>
+            <a:ext cx="8339760" cy="5421240"/>
           </a:xfrm>
           <a:prstGeom prst="rect">
             <a:avLst/>
@@ -14444,7 +14033,7 @@
         <p:spPr>
           <a:xfrm>
             <a:off x="443160" y="913680"/>
-            <a:ext cx="8340480" cy="5421960"/>
+            <a:ext cx="8339760" cy="5421240"/>
           </a:xfrm>
           <a:prstGeom prst="rect">
             <a:avLst/>
@@ -14558,7 +14147,6 @@
             </a:r>
             <a:endParaRPr b="0" lang="es-ES" sz="3600" spc="-1" strike="noStrike">
               <a:latin typeface="Arial"/>
-              <a:ea typeface="Noto Sans CJK SC Regular"/>
             </a:endParaRPr>
           </a:p>
           <a:p>
@@ -14575,7 +14163,6 @@
             </a:pPr>
             <a:endParaRPr b="0" lang="es-ES" sz="3600" spc="-1" strike="noStrike">
               <a:latin typeface="Arial"/>
-              <a:ea typeface="Noto Sans CJK SC Regular"/>
             </a:endParaRPr>
           </a:p>
           <a:p>
@@ -14602,7 +14189,6 @@
             </a:r>
             <a:endParaRPr b="0" lang="es-ES" sz="3600" spc="-1" strike="noStrike">
               <a:latin typeface="Arial"/>
-              <a:ea typeface="Noto Sans CJK SC Regular"/>
             </a:endParaRPr>
           </a:p>
           <a:p>
@@ -14629,7 +14215,6 @@
             </a:r>
             <a:endParaRPr b="0" lang="es-ES" sz="3600" spc="-1" strike="noStrike">
               <a:latin typeface="Arial"/>
-              <a:ea typeface="Noto Sans CJK SC Regular"/>
             </a:endParaRPr>
           </a:p>
           <a:p>
@@ -14656,7 +14241,6 @@
             </a:r>
             <a:endParaRPr b="0" lang="es-ES" sz="3600" spc="-1" strike="noStrike">
               <a:latin typeface="Arial"/>
-              <a:ea typeface="Noto Sans CJK SC Regular"/>
             </a:endParaRPr>
           </a:p>
           <a:p>
@@ -14683,7 +14267,6 @@
             </a:r>
             <a:endParaRPr b="0" lang="es-ES" sz="3600" spc="-1" strike="noStrike">
               <a:latin typeface="Arial"/>
-              <a:ea typeface="Noto Sans CJK SC Regular"/>
             </a:endParaRPr>
           </a:p>
           <a:p>
@@ -14710,7 +14293,6 @@
             </a:r>
             <a:endParaRPr b="0" lang="es-ES" sz="3600" spc="-1" strike="noStrike">
               <a:latin typeface="Arial"/>
-              <a:ea typeface="Noto Sans CJK SC Regular"/>
             </a:endParaRPr>
           </a:p>
           <a:p>
@@ -14737,7 +14319,6 @@
             </a:r>
             <a:endParaRPr b="0" lang="es-ES" sz="3600" spc="-1" strike="noStrike">
               <a:latin typeface="Arial"/>
-              <a:ea typeface="Noto Sans CJK SC Regular"/>
             </a:endParaRPr>
           </a:p>
           <a:p>
@@ -14754,7 +14335,6 @@
             </a:pPr>
             <a:endParaRPr b="0" lang="es-ES" sz="3600" spc="-1" strike="noStrike">
               <a:latin typeface="Arial"/>
-              <a:ea typeface="Noto Sans CJK SC Regular"/>
             </a:endParaRPr>
           </a:p>
           <a:p>
@@ -14771,7 +14351,6 @@
             </a:pPr>
             <a:endParaRPr b="0" lang="es-ES" sz="3600" spc="-1" strike="noStrike">
               <a:latin typeface="Arial"/>
-              <a:ea typeface="Noto Sans CJK SC Regular"/>
             </a:endParaRPr>
           </a:p>
           <a:p>
@@ -14849,7 +14428,7 @@
         <p:spPr>
           <a:xfrm>
             <a:off x="360000" y="864000"/>
-            <a:ext cx="8340480" cy="5421960"/>
+            <a:ext cx="8339760" cy="5421240"/>
           </a:xfrm>
           <a:prstGeom prst="rect">
             <a:avLst/>
@@ -14953,7 +14532,7 @@
                 <a:latin typeface="Arial"/>
                 <a:ea typeface="DejaVu Sans"/>
               </a:rPr>
-              <a:t>&gt; Es “stateless”.Lo que significa que ninguno de los 2 sistemas que se comunican guardan información</a:t>
+              <a:t>&gt; Es “stateless”.Lo que significa que ninguno de los 2 sistemas que se comunican guardan información.</a:t>
             </a:r>
             <a:endParaRPr b="0" lang="es-ES" sz="2400" spc="-1" strike="noStrike">
               <a:latin typeface="Arial"/>
@@ -15064,7 +14643,7 @@
         <p:spPr>
           <a:xfrm>
             <a:off x="371160" y="994680"/>
-            <a:ext cx="8401320" cy="5570280"/>
+            <a:ext cx="8400600" cy="5569560"/>
           </a:xfrm>
           <a:prstGeom prst="rect">
             <a:avLst/>

--- a/ppt_capacitacion_slim.pptx
+++ b/ppt_capacitacion_slim.pptx
@@ -30,6 +30,10 @@
     <p:sldId id="274" r:id="rId25"/>
     <p:sldId id="275" r:id="rId26"/>
     <p:sldId id="276" r:id="rId27"/>
+    <p:sldId id="277" r:id="rId28"/>
+    <p:sldId id="278" r:id="rId29"/>
+    <p:sldId id="279" r:id="rId30"/>
+    <p:sldId id="280" r:id="rId31"/>
   </p:sldIdLst>
   <p:sldSz cx="9144000" cy="6858000"/>
   <p:notesSz cx="7559675" cy="10691812"/>
@@ -6733,7 +6737,7 @@
         <p:spPr>
           <a:xfrm>
             <a:off x="1793160" y="0"/>
-            <a:ext cx="7348320" cy="6855480"/>
+            <a:ext cx="7347960" cy="6855120"/>
           </a:xfrm>
           <a:prstGeom prst="rect">
             <a:avLst/>
@@ -6752,7 +6756,7 @@
         <p:spPr>
           <a:xfrm>
             <a:off x="0" y="0"/>
-            <a:ext cx="9141480" cy="6855480"/>
+            <a:ext cx="9141120" cy="6855120"/>
           </a:xfrm>
           <a:custGeom>
             <a:avLst/>
@@ -6834,7 +6838,7 @@
         <p:spPr>
           <a:xfrm>
             <a:off x="323640" y="188640"/>
-            <a:ext cx="5109120" cy="141840"/>
+            <a:ext cx="5108760" cy="141480"/>
           </a:xfrm>
           <a:prstGeom prst="rect">
             <a:avLst/>
@@ -6889,7 +6893,7 @@
         <p:spPr>
           <a:xfrm>
             <a:off x="7452360" y="5617080"/>
-            <a:ext cx="1256400" cy="814680"/>
+            <a:ext cx="1256040" cy="814320"/>
           </a:xfrm>
           <a:prstGeom prst="rect">
             <a:avLst/>
@@ -6912,7 +6916,7 @@
         <p:spPr>
           <a:xfrm>
             <a:off x="461520" y="5481720"/>
-            <a:ext cx="1869840" cy="956160"/>
+            <a:ext cx="1869480" cy="955800"/>
           </a:xfrm>
           <a:prstGeom prst="rect">
             <a:avLst/>
@@ -6949,13 +6953,7 @@
               <a:rPr b="0" lang="es-ES" sz="4400" spc="-1" strike="noStrike">
                 <a:latin typeface="Arial"/>
               </a:rPr>
-              <a:t>Pulse para editar el formato </a:t>
-            </a:r>
-            <a:r>
-              <a:rPr b="0" lang="es-ES" sz="4400" spc="-1" strike="noStrike">
-                <a:latin typeface="Arial"/>
-              </a:rPr>
-              <a:t>del texto de título</a:t>
+              <a:t>Pulse para editar el formato del texto de título</a:t>
             </a:r>
             <a:endParaRPr b="0" lang="es-ES" sz="4400" spc="-1" strike="noStrike">
               <a:latin typeface="Arial"/>
@@ -7195,7 +7193,7 @@
         <p:spPr>
           <a:xfrm>
             <a:off x="0" y="0"/>
-            <a:ext cx="9141480" cy="6855480"/>
+            <a:ext cx="9141120" cy="6855120"/>
           </a:xfrm>
           <a:custGeom>
             <a:avLst/>
@@ -7277,7 +7275,7 @@
         <p:spPr>
           <a:xfrm>
             <a:off x="3708000" y="6525360"/>
-            <a:ext cx="5109120" cy="141840"/>
+            <a:ext cx="5108760" cy="141480"/>
           </a:xfrm>
           <a:prstGeom prst="rect">
             <a:avLst/>
@@ -7331,7 +7329,7 @@
         <p:spPr>
           <a:xfrm>
             <a:off x="6228360" y="620640"/>
-            <a:ext cx="2530800" cy="1077480"/>
+            <a:ext cx="2530440" cy="1077120"/>
           </a:xfrm>
           <a:prstGeom prst="rect">
             <a:avLst/>
@@ -7356,7 +7354,7 @@
         <p:spPr>
           <a:xfrm>
             <a:off x="539640" y="5617080"/>
-            <a:ext cx="1256400" cy="814680"/>
+            <a:ext cx="1256040" cy="814320"/>
           </a:xfrm>
           <a:prstGeom prst="rect">
             <a:avLst/>
@@ -7393,13 +7391,7 @@
               <a:rPr b="0" lang="es-ES" sz="4400" spc="-1" strike="noStrike">
                 <a:latin typeface="Arial"/>
               </a:rPr>
-              <a:t>Pulse para editar el formato </a:t>
-            </a:r>
-            <a:r>
-              <a:rPr b="0" lang="es-ES" sz="4400" spc="-1" strike="noStrike">
-                <a:latin typeface="Arial"/>
-              </a:rPr>
-              <a:t>del texto de título</a:t>
+              <a:t>Pulse para editar el formato del texto de título</a:t>
             </a:r>
             <a:endParaRPr b="0" lang="es-ES" sz="4400" spc="-1" strike="noStrike">
               <a:latin typeface="Arial"/>
@@ -7643,7 +7635,7 @@
         <p:spPr>
           <a:xfrm>
             <a:off x="7812360" y="404640"/>
-            <a:ext cx="1034280" cy="527400"/>
+            <a:ext cx="1033920" cy="527040"/>
           </a:xfrm>
           <a:prstGeom prst="rect">
             <a:avLst/>
@@ -7662,7 +7654,7 @@
         <p:spPr>
           <a:xfrm>
             <a:off x="756360" y="6524640"/>
-            <a:ext cx="5109120" cy="141840"/>
+            <a:ext cx="5108760" cy="141480"/>
           </a:xfrm>
           <a:prstGeom prst="rect">
             <a:avLst/>
@@ -7973,7 +7965,7 @@
         <p:spPr>
           <a:xfrm>
             <a:off x="7812360" y="404640"/>
-            <a:ext cx="1034280" cy="527400"/>
+            <a:ext cx="1033920" cy="527040"/>
           </a:xfrm>
           <a:prstGeom prst="rect">
             <a:avLst/>
@@ -7992,7 +7984,7 @@
         <p:spPr>
           <a:xfrm>
             <a:off x="756360" y="6524640"/>
-            <a:ext cx="5109120" cy="141840"/>
+            <a:ext cx="5108760" cy="141480"/>
           </a:xfrm>
           <a:prstGeom prst="rect">
             <a:avLst/>
@@ -8041,7 +8033,7 @@
         <p:spPr>
           <a:xfrm>
             <a:off x="0" y="2205000"/>
-            <a:ext cx="9141480" cy="2877840"/>
+            <a:ext cx="9141120" cy="2877480"/>
           </a:xfrm>
           <a:prstGeom prst="rect">
             <a:avLst/>
@@ -8352,7 +8344,7 @@
         <p:spPr>
           <a:xfrm>
             <a:off x="0" y="9000"/>
-            <a:ext cx="9141480" cy="6846480"/>
+            <a:ext cx="9141120" cy="6846120"/>
           </a:xfrm>
           <a:prstGeom prst="rect">
             <a:avLst/>
@@ -8371,7 +8363,7 @@
         <p:spPr>
           <a:xfrm>
             <a:off x="107640" y="1917000"/>
-            <a:ext cx="4749840" cy="1916640"/>
+            <a:ext cx="4749480" cy="1916280"/>
           </a:xfrm>
           <a:prstGeom prst="rect">
             <a:avLst/>
@@ -8396,7 +8388,7 @@
               </a:lnSpc>
             </a:pPr>
             <a:r>
-              <a:rPr b="0" lang="es-ES" sz="12000" spc="582" strike="noStrike">
+              <a:rPr b="0" lang="es-ES" sz="12000" spc="579" strike="noStrike">
                 <a:solidFill>
                   <a:srgbClr val="ffffff"/>
                 </a:solidFill>
@@ -8406,7 +8398,7 @@
               <a:t>Q</a:t>
             </a:r>
             <a:r>
-              <a:rPr b="0" lang="es-ES" sz="8000" spc="582" strike="noStrike" baseline="30000">
+              <a:rPr b="0" lang="es-ES" sz="8000" spc="579" strike="noStrike" baseline="30000">
                 <a:solidFill>
                   <a:srgbClr val="ffffff"/>
                 </a:solidFill>
@@ -8416,7 +8408,7 @@
               <a:t>&amp;</a:t>
             </a:r>
             <a:r>
-              <a:rPr b="0" lang="es-ES" sz="12000" spc="582" strike="noStrike">
+              <a:rPr b="0" lang="es-ES" sz="12000" spc="579" strike="noStrike">
                 <a:solidFill>
                   <a:srgbClr val="ffffff"/>
                 </a:solidFill>
@@ -8445,7 +8437,7 @@
         <p:spPr>
           <a:xfrm>
             <a:off x="6228360" y="620640"/>
-            <a:ext cx="2530800" cy="1077480"/>
+            <a:ext cx="2530440" cy="1077120"/>
           </a:xfrm>
           <a:prstGeom prst="rect">
             <a:avLst/>
@@ -8470,7 +8462,7 @@
         <p:spPr>
           <a:xfrm>
             <a:off x="539640" y="5617080"/>
-            <a:ext cx="1256400" cy="814680"/>
+            <a:ext cx="1256040" cy="814320"/>
           </a:xfrm>
           <a:prstGeom prst="rect">
             <a:avLst/>
@@ -8489,7 +8481,7 @@
         <p:spPr>
           <a:xfrm>
             <a:off x="3708000" y="6525360"/>
-            <a:ext cx="5109120" cy="141840"/>
+            <a:ext cx="5108760" cy="141480"/>
           </a:xfrm>
           <a:prstGeom prst="rect">
             <a:avLst/>
@@ -8793,7 +8785,7 @@
         <p:spPr>
           <a:xfrm>
             <a:off x="31680" y="2160360"/>
-            <a:ext cx="5006160" cy="1141200"/>
+            <a:ext cx="5005800" cy="1140840"/>
           </a:xfrm>
           <a:prstGeom prst="rect">
             <a:avLst/>
@@ -8854,14 +8846,14 @@
       </p:grpSpPr>
       <p:sp>
         <p:nvSpPr>
-          <p:cNvPr id="218" name="CustomShape 1"/>
+          <p:cNvPr id="219" name="CustomShape 1"/>
           <p:cNvSpPr/>
           <p:nvPr/>
         </p:nvSpPr>
         <p:spPr>
           <a:xfrm>
-            <a:off x="457200" y="1339920"/>
-            <a:ext cx="7989840" cy="4962240"/>
+            <a:off x="360000" y="864000"/>
+            <a:ext cx="8339400" cy="5420880"/>
           </a:xfrm>
           <a:prstGeom prst="rect">
             <a:avLst/>
@@ -8878,373 +8870,151 @@
           <a:fontRef idx="minor"/>
         </p:style>
         <p:txBody>
-          <a:bodyPr lIns="90000" rIns="90000" tIns="45000" bIns="45000"/>
-          <a:p>
-            <a:pPr marL="125640" indent="-177120">
-              <a:lnSpc>
-                <a:spcPct val="100000"/>
-              </a:lnSpc>
-              <a:spcBef>
-                <a:spcPts val="641"/>
-              </a:spcBef>
-              <a:buClr>
-                <a:srgbClr val="5e6264"/>
-              </a:buClr>
-              <a:buFont typeface="Lucida Grande"/>
-              <a:buChar char="›"/>
-            </a:pPr>
-            <a:r>
-              <a:rPr b="0" lang="es-ES" sz="3200" spc="-1" strike="noStrike">
-                <a:solidFill>
-                  <a:srgbClr val="5e6264"/>
-                </a:solidFill>
-                <a:latin typeface="Arial"/>
-                <a:ea typeface="DejaVu Sans"/>
-              </a:rPr>
-              <a:t>Slim Skeleton</a:t>
-            </a:r>
-            <a:endParaRPr b="0" lang="es-ES" sz="3200" spc="-1" strike="noStrike">
-              <a:latin typeface="Arial"/>
-            </a:endParaRPr>
-          </a:p>
-          <a:p>
-            <a:pPr marL="125640" indent="-177120">
-              <a:lnSpc>
-                <a:spcPct val="100000"/>
-              </a:lnSpc>
-              <a:spcBef>
-                <a:spcPts val="641"/>
-              </a:spcBef>
-              <a:buClr>
-                <a:srgbClr val="5e6264"/>
-              </a:buClr>
-              <a:buFont typeface="Lucida Grande"/>
-              <a:buChar char="›"/>
-            </a:pPr>
-            <a:r>
-              <a:rPr b="0" lang="es-ES" sz="3200" spc="-1" strike="noStrike">
-                <a:solidFill>
-                  <a:srgbClr val="5e6264"/>
-                </a:solidFill>
-                <a:latin typeface="Arial"/>
-                <a:ea typeface="DejaVu Sans"/>
-              </a:rPr>
-              <a:t>Composer</a:t>
-            </a:r>
-            <a:endParaRPr b="0" lang="es-ES" sz="3200" spc="-1" strike="noStrike">
-              <a:latin typeface="Arial"/>
-            </a:endParaRPr>
-          </a:p>
-          <a:p>
-            <a:pPr marL="125640" indent="-177120">
-              <a:lnSpc>
-                <a:spcPct val="100000"/>
-              </a:lnSpc>
-              <a:spcBef>
-                <a:spcPts val="641"/>
-              </a:spcBef>
-              <a:buClr>
-                <a:srgbClr val="5e6264"/>
-              </a:buClr>
-              <a:buFont typeface="Lucida Grande"/>
-              <a:buChar char="›"/>
-            </a:pPr>
-            <a:r>
-              <a:rPr b="0" lang="es-ES" sz="3200" spc="-1" strike="noStrike">
-                <a:solidFill>
-                  <a:srgbClr val="5e6264"/>
-                </a:solidFill>
-                <a:latin typeface="Arial"/>
-                <a:ea typeface="DejaVu Sans"/>
-              </a:rPr>
-              <a:t>Postman</a:t>
-            </a:r>
-            <a:endParaRPr b="0" lang="es-ES" sz="3200" spc="-1" strike="noStrike">
-              <a:latin typeface="Arial"/>
-            </a:endParaRPr>
-          </a:p>
-          <a:p>
-            <a:pPr marL="125640" indent="-177120">
-              <a:lnSpc>
-                <a:spcPct val="100000"/>
-              </a:lnSpc>
-              <a:spcBef>
-                <a:spcPts val="641"/>
-              </a:spcBef>
-              <a:buClr>
-                <a:srgbClr val="5e6264"/>
-              </a:buClr>
-              <a:buFont typeface="Lucida Grande"/>
-              <a:buChar char="›"/>
-            </a:pPr>
-            <a:r>
-              <a:rPr b="0" lang="es-ES" sz="3200" spc="-1" strike="noStrike">
-                <a:solidFill>
-                  <a:srgbClr val="5e6264"/>
-                </a:solidFill>
-                <a:latin typeface="Arial"/>
-                <a:ea typeface="DejaVu Sans"/>
-              </a:rPr>
-              <a:t>PHP 5.5 en adelante</a:t>
-            </a:r>
-            <a:endParaRPr b="0" lang="es-ES" sz="3200" spc="-1" strike="noStrike">
-              <a:latin typeface="Arial"/>
-            </a:endParaRPr>
-          </a:p>
-          <a:p>
-            <a:pPr marL="125640" indent="-177120">
-              <a:lnSpc>
-                <a:spcPct val="100000"/>
-              </a:lnSpc>
-              <a:spcBef>
-                <a:spcPts val="641"/>
-              </a:spcBef>
-              <a:buClr>
-                <a:srgbClr val="5e6264"/>
-              </a:buClr>
-              <a:buFont typeface="Lucida Grande"/>
-              <a:buChar char="›"/>
-            </a:pPr>
-            <a:r>
-              <a:rPr b="0" lang="es-ES" sz="3200" spc="-1" strike="noStrike">
-                <a:solidFill>
-                  <a:srgbClr val="5e6264"/>
-                </a:solidFill>
-                <a:latin typeface="Arial"/>
-                <a:ea typeface="DejaVu Sans"/>
-              </a:rPr>
-              <a:t>APACHE , IIS, Nginx</a:t>
-            </a:r>
-            <a:endParaRPr b="0" lang="es-ES" sz="3200" spc="-1" strike="noStrike">
-              <a:latin typeface="Arial"/>
-            </a:endParaRPr>
-          </a:p>
-          <a:p>
-            <a:pPr marL="125640" indent="-177120">
-              <a:lnSpc>
-                <a:spcPct val="100000"/>
-              </a:lnSpc>
-              <a:spcBef>
-                <a:spcPts val="641"/>
-              </a:spcBef>
-              <a:buClr>
-                <a:srgbClr val="5e6264"/>
-              </a:buClr>
-              <a:buFont typeface="Lucida Grande"/>
-              <a:buChar char="›"/>
-            </a:pPr>
-            <a:r>
-              <a:rPr b="0" lang="es-ES" sz="3200" spc="-1" strike="noStrike">
-                <a:solidFill>
-                  <a:srgbClr val="5e6264"/>
-                </a:solidFill>
-                <a:latin typeface="Arial"/>
-                <a:ea typeface="DejaVu Sans"/>
-              </a:rPr>
-              <a:t>MySQL , Postgres, SQLite, SQL Server</a:t>
-            </a:r>
-            <a:endParaRPr b="0" lang="es-ES" sz="3200" spc="-1" strike="noStrike">
-              <a:latin typeface="Arial"/>
-            </a:endParaRPr>
-          </a:p>
+          <a:bodyPr lIns="90000" rIns="90000" tIns="45000" bIns="45000">
+            <a:normAutofit/>
+          </a:bodyPr>
           <a:p>
             <a:pPr>
               <a:lnSpc>
-                <a:spcPct val="100000"/>
-              </a:lnSpc>
-              <a:spcBef>
-                <a:spcPts val="641"/>
-              </a:spcBef>
-            </a:pPr>
-            <a:endParaRPr b="0" lang="es-ES" sz="3200" spc="-1" strike="noStrike">
-              <a:latin typeface="Arial"/>
-            </a:endParaRPr>
-          </a:p>
-          <a:p>
-            <a:pPr marL="125640" indent="-177120">
-              <a:lnSpc>
-                <a:spcPct val="100000"/>
-              </a:lnSpc>
-              <a:spcBef>
-                <a:spcPts val="641"/>
-              </a:spcBef>
-              <a:buClr>
-                <a:srgbClr val="5e6264"/>
-              </a:buClr>
-              <a:buFont typeface="Lucida Grande"/>
-              <a:buChar char="›"/>
-            </a:pPr>
-            <a:r>
-              <a:rPr b="0" lang="es-ES" sz="3200" spc="-1" strike="noStrike">
-                <a:solidFill>
-                  <a:srgbClr val="5e6264"/>
-                </a:solidFill>
-                <a:latin typeface="Arial"/>
-                <a:ea typeface="DejaVu Sans"/>
-              </a:rPr>
-              <a:t>http://www.slimframework.com</a:t>
-            </a:r>
-            <a:endParaRPr b="0" lang="es-ES" sz="3200" spc="-1" strike="noStrike">
+                <a:spcPct val="80000"/>
+              </a:lnSpc>
+            </a:pPr>
+            <a:endParaRPr b="0" lang="es-ES" sz="1800" spc="-1" strike="noStrike">
               <a:latin typeface="Arial"/>
             </a:endParaRPr>
           </a:p>
           <a:p>
             <a:pPr>
               <a:lnSpc>
-                <a:spcPct val="100000"/>
-              </a:lnSpc>
-              <a:spcBef>
-                <a:spcPts val="641"/>
-              </a:spcBef>
-            </a:pPr>
-            <a:endParaRPr b="0" lang="es-ES" sz="3200" spc="-1" strike="noStrike">
+                <a:spcPct val="80000"/>
+              </a:lnSpc>
+            </a:pPr>
+            <a:r>
+              <a:rPr b="0" lang="es-ES" sz="4800" spc="-1" strike="noStrike">
+                <a:solidFill>
+                  <a:srgbClr val="ffffff"/>
+                </a:solidFill>
+                <a:latin typeface="Arial"/>
+                <a:ea typeface="DejaVu Sans"/>
+              </a:rPr>
+              <a:t>Características</a:t>
+            </a:r>
+            <a:endParaRPr b="0" lang="es-ES" sz="4800" spc="-1" strike="noStrike">
               <a:latin typeface="Arial"/>
             </a:endParaRPr>
           </a:p>
           <a:p>
             <a:pPr>
               <a:lnSpc>
-                <a:spcPct val="100000"/>
-              </a:lnSpc>
-            </a:pPr>
-            <a:endParaRPr b="0" lang="es-ES" sz="3200" spc="-1" strike="noStrike">
+                <a:spcPct val="80000"/>
+              </a:lnSpc>
+            </a:pPr>
+            <a:r>
+              <a:rPr b="0" lang="es-ES" sz="4800" spc="-1" strike="noStrike">
+                <a:solidFill>
+                  <a:srgbClr val="ffffff"/>
+                </a:solidFill>
+                <a:latin typeface="Arial"/>
+                <a:ea typeface="DejaVu Sans"/>
+              </a:rPr>
+              <a:t>API REST</a:t>
+            </a:r>
+            <a:r>
+              <a:rPr b="0" lang="es-ES" sz="3600" spc="-1" strike="noStrike">
+                <a:solidFill>
+                  <a:srgbClr val="ffffff"/>
+                </a:solidFill>
+                <a:latin typeface="Arial"/>
+                <a:ea typeface="DejaVu Sans"/>
+              </a:rPr>
+              <a:t> </a:t>
+            </a:r>
+            <a:endParaRPr b="0" lang="es-ES" sz="3600" spc="-1" strike="noStrike">
               <a:latin typeface="Arial"/>
             </a:endParaRPr>
           </a:p>
           <a:p>
             <a:pPr>
               <a:lnSpc>
-                <a:spcPct val="100000"/>
-              </a:lnSpc>
-              <a:spcBef>
-                <a:spcPts val="641"/>
-              </a:spcBef>
-            </a:pPr>
-            <a:endParaRPr b="0" lang="es-ES" sz="3200" spc="-1" strike="noStrike">
+                <a:spcPct val="80000"/>
+              </a:lnSpc>
+            </a:pPr>
+            <a:endParaRPr b="0" lang="es-ES" sz="3600" spc="-1" strike="noStrike">
+              <a:latin typeface="Arial"/>
+            </a:endParaRPr>
+          </a:p>
+          <a:p>
+            <a:pPr algn="just">
+              <a:lnSpc>
+                <a:spcPct val="80000"/>
+              </a:lnSpc>
+            </a:pPr>
+            <a:r>
+              <a:rPr b="0" lang="es-ES" sz="2400" spc="-1" strike="noStrike">
+                <a:solidFill>
+                  <a:srgbClr val="2b2d2e"/>
+                </a:solidFill>
+                <a:latin typeface="Arial"/>
+                <a:ea typeface="DejaVu Sans"/>
+              </a:rPr>
+              <a:t>&gt;Es “stateless”.Lo que significa que ninguno de los 2 sistemas que se comunican guardan información.Le permite ser escalable.</a:t>
+            </a:r>
+            <a:endParaRPr b="0" lang="es-ES" sz="2400" spc="-1" strike="noStrike">
               <a:latin typeface="Arial"/>
             </a:endParaRPr>
           </a:p>
           <a:p>
             <a:pPr>
               <a:lnSpc>
-                <a:spcPct val="100000"/>
-              </a:lnSpc>
-              <a:spcBef>
-                <a:spcPts val="641"/>
-              </a:spcBef>
-            </a:pPr>
-            <a:endParaRPr b="0" lang="es-ES" sz="3200" spc="-1" strike="noStrike">
+                <a:spcPct val="80000"/>
+              </a:lnSpc>
+            </a:pPr>
+            <a:endParaRPr b="0" lang="es-ES" sz="2400" spc="-1" strike="noStrike">
               <a:latin typeface="Arial"/>
             </a:endParaRPr>
           </a:p>
           <a:p>
             <a:pPr>
               <a:lnSpc>
-                <a:spcPct val="100000"/>
-              </a:lnSpc>
-              <a:spcBef>
-                <a:spcPts val="641"/>
-              </a:spcBef>
-            </a:pPr>
-            <a:endParaRPr b="0" lang="es-ES" sz="3200" spc="-1" strike="noStrike">
-              <a:latin typeface="Arial"/>
-            </a:endParaRPr>
-          </a:p>
-        </p:txBody>
-      </p:sp>
-      <p:sp>
-        <p:nvSpPr>
-          <p:cNvPr id="219" name="CustomShape 2"/>
-          <p:cNvSpPr/>
-          <p:nvPr/>
-        </p:nvSpPr>
-        <p:spPr>
-          <a:xfrm>
-            <a:off x="457200" y="192240"/>
-            <a:ext cx="7192080" cy="846720"/>
-          </a:xfrm>
-          <a:prstGeom prst="rect">
-            <a:avLst/>
-          </a:prstGeom>
-          <a:noFill/>
-          <a:ln w="9360">
-            <a:noFill/>
-          </a:ln>
-        </p:spPr>
-        <p:style>
-          <a:lnRef idx="0"/>
-          <a:fillRef idx="0"/>
-          <a:effectRef idx="0"/>
-          <a:fontRef idx="minor"/>
-        </p:style>
-        <p:txBody>
-          <a:bodyPr lIns="90000" rIns="90000" tIns="45000" bIns="45000" anchor="b"/>
+                <a:spcPct val="80000"/>
+              </a:lnSpc>
+            </a:pPr>
+            <a:r>
+              <a:rPr b="0" lang="es-ES" sz="2400" spc="-1" strike="noStrike">
+                <a:solidFill>
+                  <a:srgbClr val="2b2d2e"/>
+                </a:solidFill>
+                <a:latin typeface="Arial"/>
+                <a:ea typeface="DejaVu Sans"/>
+              </a:rPr>
+              <a:t>&gt;</a:t>
+            </a:r>
+            <a:r>
+              <a:rPr b="0" lang="es-ES" sz="2200" spc="-1" strike="noStrike">
+                <a:solidFill>
+                  <a:srgbClr val="2b2d2e"/>
+                </a:solidFill>
+                <a:latin typeface="Arial"/>
+                <a:ea typeface="DejaVu Sans"/>
+              </a:rPr>
+              <a:t>No nos importa en que lenguaje está programada programada la API con la que nos queremos comunicar.</a:t>
+            </a:r>
+            <a:endParaRPr b="0" lang="es-ES" sz="2200" spc="-1" strike="noStrike">
+              <a:latin typeface="Arial"/>
+            </a:endParaRPr>
+          </a:p>
           <a:p>
             <a:pPr>
               <a:lnSpc>
-                <a:spcPct val="100000"/>
-              </a:lnSpc>
-            </a:pPr>
-            <a:r>
-              <a:rPr b="0" lang="es-ES" sz="3000" spc="-1" strike="noStrike">
-                <a:solidFill>
-                  <a:srgbClr val="004569"/>
-                </a:solidFill>
-                <a:latin typeface="Arial"/>
-                <a:ea typeface="DejaVu Sans"/>
-              </a:rPr>
-              <a:t>¿Qué debo instalar?</a:t>
-            </a:r>
-            <a:endParaRPr b="0" lang="es-ES" sz="3000" spc="-1" strike="noStrike">
-              <a:latin typeface="Arial"/>
-            </a:endParaRPr>
-          </a:p>
-        </p:txBody>
-      </p:sp>
-      <p:sp>
-        <p:nvSpPr>
-          <p:cNvPr id="220" name="CustomShape 3"/>
-          <p:cNvSpPr/>
-          <p:nvPr/>
-        </p:nvSpPr>
-        <p:spPr>
-          <a:xfrm>
-            <a:off x="395640" y="6520320"/>
-            <a:ext cx="357480" cy="218520"/>
-          </a:xfrm>
-          <a:prstGeom prst="rect">
-            <a:avLst/>
-          </a:prstGeom>
-          <a:noFill/>
-          <a:ln>
-            <a:noFill/>
-          </a:ln>
-        </p:spPr>
-        <p:style>
-          <a:lnRef idx="0"/>
-          <a:fillRef idx="0"/>
-          <a:effectRef idx="0"/>
-          <a:fontRef idx="minor"/>
-        </p:style>
-        <p:txBody>
-          <a:bodyPr lIns="90000" rIns="90000" tIns="45000" bIns="45000" anchor="ctr"/>
-          <a:p>
-            <a:pPr algn="r">
-              <a:lnSpc>
-                <a:spcPct val="100000"/>
-              </a:lnSpc>
-            </a:pPr>
-            <a:fld id="{5F338CBF-DCA6-4591-80A9-CEEF33F07D58}" type="slidenum">
-              <a:rPr b="1" lang="es-ES" sz="800" spc="-1" strike="noStrike">
-                <a:solidFill>
-                  <a:srgbClr val="004569"/>
-                </a:solidFill>
-                <a:latin typeface="Arial"/>
-                <a:ea typeface="DejaVu Sans"/>
-              </a:rPr>
-              <a:t>&lt;número&gt;</a:t>
-            </a:fld>
-            <a:endParaRPr b="0" lang="es-ES" sz="800" spc="-1" strike="noStrike">
+                <a:spcPct val="80000"/>
+              </a:lnSpc>
+            </a:pPr>
+            <a:br/>
+            <a:br/>
+            <a:br/>
+            <a:br/>
+            <a:br/>
+            <a:endParaRPr b="0" lang="es-ES" sz="2200" spc="-1" strike="noStrike">
               <a:latin typeface="Arial"/>
             </a:endParaRPr>
           </a:p>
@@ -9301,14 +9071,14 @@
       </p:grpSpPr>
       <p:sp>
         <p:nvSpPr>
-          <p:cNvPr id="221" name="CustomShape 1"/>
+          <p:cNvPr id="220" name="CustomShape 1"/>
           <p:cNvSpPr/>
           <p:nvPr/>
         </p:nvSpPr>
         <p:spPr>
           <a:xfrm>
-            <a:off x="79920" y="1202760"/>
-            <a:ext cx="8939520" cy="4962240"/>
+            <a:off x="371160" y="994680"/>
+            <a:ext cx="8400240" cy="5569200"/>
           </a:xfrm>
           <a:prstGeom prst="rect">
             <a:avLst/>
@@ -9325,59 +9095,59 @@
           <a:fontRef idx="minor"/>
         </p:style>
         <p:txBody>
-          <a:bodyPr lIns="90000" rIns="90000" tIns="45000" bIns="45000"/>
+          <a:bodyPr lIns="90000" rIns="90000" tIns="45000" bIns="45000" anchor="ctr">
+            <a:normAutofit/>
+          </a:bodyPr>
           <a:p>
             <a:pPr>
               <a:lnSpc>
+                <a:spcPct val="80000"/>
+              </a:lnSpc>
+            </a:pPr>
+            <a:r>
+              <a:rPr b="0" lang="es-ES" sz="3600" spc="-1" strike="noStrike">
+                <a:solidFill>
+                  <a:srgbClr val="ffffff"/>
+                </a:solidFill>
+                <a:latin typeface="Arial"/>
+                <a:ea typeface="DejaVu Sans"/>
+              </a:rPr>
+              <a:t>Qué es Slim Framework</a:t>
+            </a:r>
+            <a:r>
+              <a:rPr b="0" lang="es-ES" sz="4000" spc="-1" strike="noStrike">
+                <a:solidFill>
+                  <a:srgbClr val="ffffff"/>
+                </a:solidFill>
+                <a:latin typeface="Arial"/>
+                <a:ea typeface="DejaVu Sans"/>
+              </a:rPr>
+              <a:t>?</a:t>
+            </a:r>
+            <a:r>
+              <a:rPr b="0" lang="es-ES" sz="4400" spc="-1" strike="noStrike">
+                <a:solidFill>
+                  <a:srgbClr val="ffffff"/>
+                </a:solidFill>
+                <a:latin typeface="Arial"/>
+                <a:ea typeface="DejaVu Sans"/>
+              </a:rPr>
+              <a:t> </a:t>
+            </a:r>
+            <a:endParaRPr b="0" lang="es-ES" sz="4400" spc="-1" strike="noStrike">
+              <a:latin typeface="Arial"/>
+            </a:endParaRPr>
+          </a:p>
+          <a:p>
+            <a:pPr>
+              <a:lnSpc>
                 <a:spcPct val="100000"/>
               </a:lnSpc>
-              <a:spcBef>
-                <a:spcPts val="360"/>
-              </a:spcBef>
-            </a:pPr>
-            <a:r>
-              <a:rPr b="0" lang="es-ES" sz="1800" spc="-1" strike="noStrike">
-                <a:solidFill>
-                  <a:srgbClr val="5e6264"/>
-                </a:solidFill>
-                <a:latin typeface="Arial"/>
-                <a:ea typeface="DejaVu Sans"/>
-              </a:rPr>
-              <a:t>                                                                                                                                            </a:t>
-            </a:r>
-            <a:endParaRPr b="0" lang="es-ES" sz="1800" spc="-1" strike="noStrike">
-              <a:latin typeface="Arial"/>
-            </a:endParaRPr>
-          </a:p>
-        </p:txBody>
-      </p:sp>
-      <p:sp>
-        <p:nvSpPr>
-          <p:cNvPr id="222" name="CustomShape 2"/>
-          <p:cNvSpPr/>
-          <p:nvPr/>
-        </p:nvSpPr>
-        <p:spPr>
-          <a:xfrm>
-            <a:off x="457200" y="192240"/>
-            <a:ext cx="7192080" cy="846720"/>
-          </a:xfrm>
-          <a:prstGeom prst="rect">
-            <a:avLst/>
-          </a:prstGeom>
-          <a:noFill/>
-          <a:ln w="9360">
-            <a:noFill/>
-          </a:ln>
-        </p:spPr>
-        <p:style>
-          <a:lnRef idx="0"/>
-          <a:fillRef idx="0"/>
-          <a:effectRef idx="0"/>
-          <a:fontRef idx="minor"/>
-        </p:style>
-        <p:txBody>
-          <a:bodyPr lIns="90000" rIns="90000" tIns="45000" bIns="45000" anchor="b"/>
+            </a:pPr>
+            <a:endParaRPr b="0" lang="es-ES" sz="4400" spc="-1" strike="noStrike">
+              <a:latin typeface="Arial"/>
+            </a:endParaRPr>
+          </a:p>
           <a:p>
             <a:pPr>
               <a:lnSpc>
@@ -9385,288 +9155,41 @@
               </a:lnSpc>
             </a:pPr>
             <a:r>
-              <a:rPr b="0" lang="es-ES" sz="3000" spc="-1" strike="noStrike">
-                <a:solidFill>
-                  <a:srgbClr val="004569"/>
-                </a:solidFill>
-                <a:latin typeface="Arial"/>
-                <a:ea typeface="DejaVu Sans"/>
-              </a:rPr>
-              <a:t>Composer</a:t>
-            </a:r>
-            <a:endParaRPr b="0" lang="es-ES" sz="3000" spc="-1" strike="noStrike">
-              <a:latin typeface="Arial"/>
-            </a:endParaRPr>
-          </a:p>
-        </p:txBody>
-      </p:sp>
-      <p:sp>
-        <p:nvSpPr>
-          <p:cNvPr id="223" name="CustomShape 3"/>
-          <p:cNvSpPr/>
-          <p:nvPr/>
-        </p:nvSpPr>
-        <p:spPr>
-          <a:xfrm>
-            <a:off x="395640" y="6520320"/>
-            <a:ext cx="357480" cy="218520"/>
-          </a:xfrm>
-          <a:prstGeom prst="rect">
-            <a:avLst/>
-          </a:prstGeom>
-          <a:noFill/>
-          <a:ln>
-            <a:noFill/>
-          </a:ln>
-        </p:spPr>
-        <p:style>
-          <a:lnRef idx="0"/>
-          <a:fillRef idx="0"/>
-          <a:effectRef idx="0"/>
-          <a:fontRef idx="minor"/>
-        </p:style>
-        <p:txBody>
-          <a:bodyPr lIns="90000" rIns="90000" tIns="45000" bIns="45000" anchor="ctr"/>
-          <a:p>
-            <a:pPr algn="r">
+              <a:rPr b="0" lang="es-ES" sz="3200" spc="-1" strike="noStrike">
+                <a:solidFill>
+                  <a:srgbClr val="2b2d2e"/>
+                </a:solidFill>
+                <a:latin typeface="Arial"/>
+                <a:ea typeface="DejaVu Sans"/>
+              </a:rPr>
+              <a:t>Slim es un micro framework que permite la creación tanto de aplicaciones web como de API REST. </a:t>
+            </a:r>
+            <a:endParaRPr b="0" lang="es-ES" sz="3200" spc="-1" strike="noStrike">
+              <a:latin typeface="Arial"/>
+            </a:endParaRPr>
+          </a:p>
+          <a:p>
+            <a:pPr>
               <a:lnSpc>
                 <a:spcPct val="100000"/>
               </a:lnSpc>
             </a:pPr>
-            <a:fld id="{77C04E94-A347-4EF0-BA0B-58078E405332}" type="slidenum">
-              <a:rPr b="1" lang="es-ES" sz="800" spc="-1" strike="noStrike">
-                <a:solidFill>
-                  <a:srgbClr val="004569"/>
-                </a:solidFill>
-                <a:latin typeface="Arial"/>
-                <a:ea typeface="DejaVu Sans"/>
-              </a:rPr>
-              <a:t>&lt;número&gt;</a:t>
-            </a:fld>
-            <a:endParaRPr b="0" lang="es-ES" sz="800" spc="-1" strike="noStrike">
-              <a:latin typeface="Arial"/>
-            </a:endParaRPr>
-          </a:p>
-        </p:txBody>
-      </p:sp>
-      <p:sp>
-        <p:nvSpPr>
-          <p:cNvPr id="224" name="CustomShape 4"/>
-          <p:cNvSpPr/>
-          <p:nvPr/>
-        </p:nvSpPr>
-        <p:spPr>
-          <a:xfrm>
-            <a:off x="2365920" y="2594520"/>
-            <a:ext cx="3369240" cy="363960"/>
-          </a:xfrm>
-          <a:prstGeom prst="rect">
-            <a:avLst/>
-          </a:prstGeom>
-          <a:noFill/>
-          <a:ln>
-            <a:noFill/>
-          </a:ln>
-        </p:spPr>
-        <p:style>
-          <a:lnRef idx="0"/>
-          <a:fillRef idx="0"/>
-          <a:effectRef idx="0"/>
-          <a:fontRef idx="minor"/>
-        </p:style>
-        <p:txBody>
-          <a:bodyPr lIns="90000" rIns="90000" tIns="45000" bIns="45000"/>
-          <a:p>
-            <a:pPr algn="ctr">
+            <a:endParaRPr b="0" lang="es-ES" sz="3200" spc="-1" strike="noStrike">
+              <a:latin typeface="Arial"/>
+            </a:endParaRPr>
+          </a:p>
+          <a:p>
+            <a:pPr>
               <a:lnSpc>
                 <a:spcPct val="100000"/>
               </a:lnSpc>
             </a:pPr>
-            <a:r>
-              <a:rPr b="0" lang="es-ES" sz="1800" spc="-1" strike="noStrike">
-                <a:solidFill>
-                  <a:srgbClr val="2b2d2e"/>
-                </a:solidFill>
-                <a:latin typeface="Arial"/>
-                <a:ea typeface="DejaVu Sans"/>
-              </a:rPr>
-              <a:t>https://getcomposer.org</a:t>
-            </a:r>
-            <a:endParaRPr b="0" lang="es-ES" sz="1800" spc="-1" strike="noStrike">
-              <a:latin typeface="Arial"/>
-            </a:endParaRPr>
-          </a:p>
-        </p:txBody>
-      </p:sp>
-      <p:pic>
-        <p:nvPicPr>
-          <p:cNvPr id="225" name="Picture 7" descr=""/>
-          <p:cNvPicPr/>
-          <p:nvPr/>
-        </p:nvPicPr>
-        <p:blipFill>
-          <a:blip r:embed="rId1"/>
-          <a:stretch/>
-        </p:blipFill>
-        <p:spPr>
-          <a:xfrm>
-            <a:off x="3166200" y="248040"/>
-            <a:ext cx="1769040" cy="2164680"/>
-          </a:xfrm>
-          <a:prstGeom prst="rect">
-            <a:avLst/>
-          </a:prstGeom>
-          <a:ln>
-            <a:noFill/>
-          </a:ln>
-        </p:spPr>
-      </p:pic>
-      <p:sp>
-        <p:nvSpPr>
-          <p:cNvPr id="226" name="CustomShape 5"/>
-          <p:cNvSpPr/>
-          <p:nvPr/>
-        </p:nvSpPr>
-        <p:spPr>
-          <a:xfrm>
-            <a:off x="262800" y="3337560"/>
-            <a:ext cx="8387280" cy="2649240"/>
-          </a:xfrm>
-          <a:prstGeom prst="rect">
-            <a:avLst/>
-          </a:prstGeom>
-          <a:noFill/>
-          <a:ln>
-            <a:noFill/>
-          </a:ln>
-        </p:spPr>
-        <p:style>
-          <a:lnRef idx="0"/>
-          <a:fillRef idx="0"/>
-          <a:effectRef idx="0"/>
-          <a:fontRef idx="minor"/>
-        </p:style>
-        <p:txBody>
-          <a:bodyPr lIns="90000" rIns="90000" tIns="45000" bIns="45000"/>
-          <a:p>
-            <a:pPr algn="ctr">
-              <a:lnSpc>
-                <a:spcPct val="100000"/>
-              </a:lnSpc>
-            </a:pPr>
-            <a:r>
-              <a:rPr b="0" lang="es-ES" sz="2400" spc="-1" strike="noStrike">
-                <a:solidFill>
-                  <a:srgbClr val="2b2d2e"/>
-                </a:solidFill>
-                <a:latin typeface="Arial"/>
-                <a:ea typeface="DejaVu Sans"/>
-              </a:rPr>
-              <a:t>Ejemplo en Linux – ubuntu</a:t>
-            </a:r>
-            <a:endParaRPr b="0" lang="es-ES" sz="2400" spc="-1" strike="noStrike">
-              <a:latin typeface="Arial"/>
-            </a:endParaRPr>
-          </a:p>
-          <a:p>
-            <a:pPr algn="ctr">
-              <a:lnSpc>
-                <a:spcPct val="100000"/>
-              </a:lnSpc>
-            </a:pPr>
-            <a:endParaRPr b="0" lang="es-ES" sz="2400" spc="-1" strike="noStrike">
-              <a:latin typeface="Arial"/>
-            </a:endParaRPr>
-          </a:p>
-          <a:p>
-            <a:pPr algn="ctr">
-              <a:lnSpc>
-                <a:spcPct val="100000"/>
-              </a:lnSpc>
-            </a:pPr>
-            <a:r>
-              <a:rPr b="0" lang="es-ES" sz="2400" spc="-1" strike="noStrike">
-                <a:solidFill>
-                  <a:srgbClr val="2b2d2e"/>
-                </a:solidFill>
-                <a:latin typeface="Arial"/>
-                <a:ea typeface="DejaVu Sans"/>
-              </a:rPr>
-              <a:t>curl -sS </a:t>
-            </a:r>
-            <a:r>
-              <a:rPr b="0" lang="es-ES" sz="2400" spc="-1" strike="noStrike" u="sng">
-                <a:solidFill>
-                  <a:srgbClr val="0000ff"/>
-                </a:solidFill>
-                <a:uFillTx/>
-                <a:latin typeface="Arial"/>
-                <a:ea typeface="DejaVu Sans"/>
-                <a:hlinkClick r:id="rId2"/>
-              </a:rPr>
-              <a:t>https://getcomposer.org/installer</a:t>
-            </a:r>
-            <a:r>
-              <a:rPr b="0" lang="es-ES" sz="2400" spc="-1" strike="noStrike">
-                <a:solidFill>
-                  <a:srgbClr val="2b2d2e"/>
-                </a:solidFill>
-                <a:latin typeface="Arial"/>
-                <a:ea typeface="DejaVu Sans"/>
-              </a:rPr>
-              <a:t> | php</a:t>
-            </a:r>
-            <a:endParaRPr b="0" lang="es-ES" sz="2400" spc="-1" strike="noStrike">
-              <a:latin typeface="Arial"/>
-            </a:endParaRPr>
-          </a:p>
-          <a:p>
-            <a:pPr algn="ctr">
-              <a:lnSpc>
-                <a:spcPct val="100000"/>
-              </a:lnSpc>
-            </a:pPr>
-            <a:endParaRPr b="0" lang="es-ES" sz="2400" spc="-1" strike="noStrike">
-              <a:latin typeface="Arial"/>
-            </a:endParaRPr>
-          </a:p>
-          <a:p>
-            <a:pPr algn="ctr">
-              <a:lnSpc>
-                <a:spcPct val="100000"/>
-              </a:lnSpc>
-            </a:pPr>
-            <a:r>
-              <a:rPr b="0" lang="es-ES" sz="2400" spc="-1" strike="noStrike">
-                <a:solidFill>
-                  <a:srgbClr val="2b2d2e"/>
-                </a:solidFill>
-                <a:latin typeface="Arial"/>
-                <a:ea typeface="DejaVu Sans"/>
-              </a:rPr>
-              <a:t>sudo mv ~/composer.phar /usr/local/bin/composer</a:t>
-            </a:r>
-            <a:endParaRPr b="0" lang="es-ES" sz="2400" spc="-1" strike="noStrike">
-              <a:latin typeface="Arial"/>
-            </a:endParaRPr>
-          </a:p>
-          <a:p>
-            <a:pPr algn="ctr">
-              <a:lnSpc>
-                <a:spcPct val="100000"/>
-              </a:lnSpc>
-            </a:pPr>
-            <a:endParaRPr b="0" lang="es-ES" sz="2400" spc="-1" strike="noStrike">
-              <a:latin typeface="Arial"/>
-            </a:endParaRPr>
-          </a:p>
-          <a:p>
-            <a:pPr algn="ctr">
-              <a:lnSpc>
-                <a:spcPct val="100000"/>
-              </a:lnSpc>
-            </a:pPr>
-            <a:endParaRPr b="0" lang="es-ES" sz="2400" spc="-1" strike="noStrike">
+            <a:br/>
+            <a:br/>
+            <a:br/>
+            <a:br/>
+            <a:br/>
+            <a:endParaRPr b="0" lang="es-ES" sz="3200" spc="-1" strike="noStrike">
               <a:latin typeface="Arial"/>
             </a:endParaRPr>
           </a:p>
@@ -9723,14 +9246,14 @@
       </p:grpSpPr>
       <p:sp>
         <p:nvSpPr>
-          <p:cNvPr id="227" name="CustomShape 1"/>
+          <p:cNvPr id="221" name="CustomShape 1"/>
           <p:cNvSpPr/>
           <p:nvPr/>
         </p:nvSpPr>
         <p:spPr>
           <a:xfrm>
-            <a:off x="457200" y="1385640"/>
-            <a:ext cx="8208000" cy="4916520"/>
+            <a:off x="288000" y="720000"/>
+            <a:ext cx="8400240" cy="5569200"/>
           </a:xfrm>
           <a:prstGeom prst="rect">
             <a:avLst/>
@@ -9747,17 +9270,46 @@
           <a:fontRef idx="minor"/>
         </p:style>
         <p:txBody>
-          <a:bodyPr lIns="90000" rIns="90000" tIns="45000" bIns="45000"/>
+          <a:bodyPr lIns="90000" rIns="90000" tIns="45000" bIns="45000" anchor="ctr">
+            <a:normAutofit/>
+          </a:bodyPr>
           <a:p>
             <a:pPr>
               <a:lnSpc>
+                <a:spcPct val="80000"/>
+              </a:lnSpc>
+            </a:pPr>
+            <a:r>
+              <a:rPr b="0" lang="es-ES" sz="3600" spc="-1" strike="noStrike">
+                <a:solidFill>
+                  <a:srgbClr val="ffffff"/>
+                </a:solidFill>
+                <a:latin typeface="Arial"/>
+                <a:ea typeface="DejaVu Sans"/>
+              </a:rPr>
+              <a:t>Características</a:t>
+            </a:r>
+            <a:r>
+              <a:rPr b="0" lang="es-ES" sz="4400" spc="-1" strike="noStrike">
+                <a:solidFill>
+                  <a:srgbClr val="ffffff"/>
+                </a:solidFill>
+                <a:latin typeface="Arial"/>
+                <a:ea typeface="DejaVu Sans"/>
+              </a:rPr>
+              <a:t> </a:t>
+            </a:r>
+            <a:endParaRPr b="0" lang="es-ES" sz="4400" spc="-1" strike="noStrike">
+              <a:latin typeface="Arial"/>
+            </a:endParaRPr>
+          </a:p>
+          <a:p>
+            <a:pPr>
+              <a:lnSpc>
                 <a:spcPct val="100000"/>
               </a:lnSpc>
-              <a:spcBef>
-                <a:spcPts val="360"/>
-              </a:spcBef>
-            </a:pPr>
-            <a:endParaRPr b="0" lang="es-ES" sz="1800" spc="-1" strike="noStrike">
+            </a:pPr>
+            <a:endParaRPr b="0" lang="es-ES" sz="4400" spc="-1" strike="noStrike">
               <a:latin typeface="Arial"/>
             </a:endParaRPr>
           </a:p>
@@ -9766,21 +9318,18 @@
               <a:lnSpc>
                 <a:spcPct val="100000"/>
               </a:lnSpc>
-              <a:spcBef>
-                <a:spcPts val="479"/>
-              </a:spcBef>
-            </a:pPr>
-            <a:r>
-              <a:rPr b="0" lang="es-ES" sz="2000" spc="-1" strike="noStrike">
-                <a:solidFill>
-                  <a:srgbClr val="5e6264"/>
-                </a:solidFill>
-                <a:latin typeface="Arial"/>
-                <a:ea typeface="DejaVu Sans"/>
-              </a:rPr>
-              <a:t>&gt;composer create-project slim/slim-skeleton [app-name]</a:t>
-            </a:r>
-            <a:endParaRPr b="0" lang="es-ES" sz="2000" spc="-1" strike="noStrike">
+            </a:pPr>
+            <a:r>
+              <a:rPr b="0" lang="es-ES" sz="3200" spc="-1" strike="noStrike">
+                <a:solidFill>
+                  <a:srgbClr val="2b2d2e"/>
+                </a:solidFill>
+                <a:latin typeface="Arial"/>
+                <a:ea typeface="DejaVu Sans"/>
+              </a:rPr>
+              <a:t>&gt;Inyección de dependencias</a:t>
+            </a:r>
+            <a:endParaRPr b="0" lang="es-ES" sz="3200" spc="-1" strike="noStrike">
               <a:latin typeface="Arial"/>
             </a:endParaRPr>
           </a:p>
@@ -9789,11 +9338,18 @@
               <a:lnSpc>
                 <a:spcPct val="100000"/>
               </a:lnSpc>
-              <a:spcBef>
-                <a:spcPts val="400"/>
-              </a:spcBef>
-            </a:pPr>
-            <a:endParaRPr b="0" lang="es-ES" sz="2000" spc="-1" strike="noStrike">
+            </a:pPr>
+            <a:r>
+              <a:rPr b="0" lang="es-ES" sz="3200" spc="-1" strike="noStrike">
+                <a:solidFill>
+                  <a:srgbClr val="2b2d2e"/>
+                </a:solidFill>
+                <a:latin typeface="Arial"/>
+                <a:ea typeface="DejaVu Sans"/>
+              </a:rPr>
+              <a:t>&gt;Routeo HTTP</a:t>
+            </a:r>
+            <a:endParaRPr b="0" lang="es-ES" sz="3200" spc="-1" strike="noStrike">
               <a:latin typeface="Arial"/>
             </a:endParaRPr>
           </a:p>
@@ -9802,21 +9358,18 @@
               <a:lnSpc>
                 <a:spcPct val="100000"/>
               </a:lnSpc>
-              <a:spcBef>
-                <a:spcPts val="400"/>
-              </a:spcBef>
-            </a:pPr>
-            <a:r>
-              <a:rPr b="0" lang="es-ES" sz="2000" spc="-1" strike="noStrike">
-                <a:solidFill>
-                  <a:srgbClr val="5e6264"/>
-                </a:solidFill>
-                <a:latin typeface="Arial"/>
-                <a:ea typeface="DejaVu Sans"/>
-              </a:rPr>
-              <a:t>&gt;composer start</a:t>
-            </a:r>
-            <a:endParaRPr b="0" lang="es-ES" sz="2000" spc="-1" strike="noStrike">
+            </a:pPr>
+            <a:r>
+              <a:rPr b="0" lang="es-ES" sz="3200" spc="-1" strike="noStrike">
+                <a:solidFill>
+                  <a:srgbClr val="2b2d2e"/>
+                </a:solidFill>
+                <a:latin typeface="Arial"/>
+                <a:ea typeface="DejaVu Sans"/>
+              </a:rPr>
+              <a:t>&gt;Middleware</a:t>
+            </a:r>
+            <a:endParaRPr b="0" lang="es-ES" sz="3200" spc="-1" strike="noStrike">
               <a:latin typeface="Arial"/>
             </a:endParaRPr>
           </a:p>
@@ -9825,109 +9378,23 @@
               <a:lnSpc>
                 <a:spcPct val="100000"/>
               </a:lnSpc>
-              <a:spcBef>
-                <a:spcPts val="400"/>
-              </a:spcBef>
-            </a:pPr>
-            <a:endParaRPr b="0" lang="es-ES" sz="2000" spc="-1" strike="noStrike">
-              <a:latin typeface="Arial"/>
-            </a:endParaRPr>
-          </a:p>
-        </p:txBody>
-      </p:sp>
-      <p:sp>
-        <p:nvSpPr>
-          <p:cNvPr id="228" name="CustomShape 2"/>
-          <p:cNvSpPr/>
-          <p:nvPr/>
-        </p:nvSpPr>
-        <p:spPr>
-          <a:xfrm>
-            <a:off x="457200" y="192240"/>
-            <a:ext cx="7192080" cy="846720"/>
-          </a:xfrm>
-          <a:prstGeom prst="rect">
-            <a:avLst/>
-          </a:prstGeom>
-          <a:noFill/>
-          <a:ln w="9360">
-            <a:noFill/>
-          </a:ln>
-        </p:spPr>
-        <p:style>
-          <a:lnRef idx="0"/>
-          <a:fillRef idx="0"/>
-          <a:effectRef idx="0"/>
-          <a:fontRef idx="minor"/>
-        </p:style>
-        <p:txBody>
-          <a:bodyPr lIns="90000" rIns="90000" tIns="45000" bIns="45000" anchor="b"/>
+            </a:pPr>
+            <a:endParaRPr b="0" lang="es-ES" sz="3200" spc="-1" strike="noStrike">
+              <a:latin typeface="Arial"/>
+            </a:endParaRPr>
+          </a:p>
           <a:p>
             <a:pPr>
               <a:lnSpc>
                 <a:spcPct val="100000"/>
               </a:lnSpc>
             </a:pPr>
-            <a:r>
-              <a:rPr b="0" lang="es-ES" sz="3000" spc="-1" strike="noStrike">
-                <a:solidFill>
-                  <a:srgbClr val="004569"/>
-                </a:solidFill>
-                <a:latin typeface="Arial"/>
-                <a:ea typeface="DejaVu Sans"/>
-              </a:rPr>
-              <a:t>Instalar Slim Skeleton</a:t>
-            </a:r>
-            <a:endParaRPr b="0" lang="es-ES" sz="3000" spc="-1" strike="noStrike">
-              <a:latin typeface="Arial"/>
-            </a:endParaRPr>
-          </a:p>
-        </p:txBody>
-      </p:sp>
-      <p:sp>
-        <p:nvSpPr>
-          <p:cNvPr id="229" name="CustomShape 3"/>
-          <p:cNvSpPr/>
-          <p:nvPr/>
-        </p:nvSpPr>
-        <p:spPr>
-          <a:xfrm>
-            <a:off x="395640" y="6520320"/>
-            <a:ext cx="357480" cy="218520"/>
-          </a:xfrm>
-          <a:prstGeom prst="rect">
-            <a:avLst/>
-          </a:prstGeom>
-          <a:noFill/>
-          <a:ln>
-            <a:noFill/>
-          </a:ln>
-        </p:spPr>
-        <p:style>
-          <a:lnRef idx="0"/>
-          <a:fillRef idx="0"/>
-          <a:effectRef idx="0"/>
-          <a:fontRef idx="minor"/>
-        </p:style>
-        <p:txBody>
-          <a:bodyPr lIns="90000" rIns="90000" tIns="45000" bIns="45000" anchor="ctr"/>
-          <a:p>
-            <a:pPr algn="r">
-              <a:lnSpc>
-                <a:spcPct val="100000"/>
-              </a:lnSpc>
-            </a:pPr>
-            <a:fld id="{5C8A483E-AEE3-4C76-B3C6-463842272F51}" type="slidenum">
-              <a:rPr b="1" lang="es-ES" sz="800" spc="-1" strike="noStrike">
-                <a:solidFill>
-                  <a:srgbClr val="004569"/>
-                </a:solidFill>
-                <a:latin typeface="Arial"/>
-                <a:ea typeface="DejaVu Sans"/>
-              </a:rPr>
-              <a:t>&lt;número&gt;</a:t>
-            </a:fld>
-            <a:endParaRPr b="0" lang="es-ES" sz="800" spc="-1" strike="noStrike">
+            <a:br/>
+            <a:br/>
+            <a:br/>
+            <a:br/>
+            <a:br/>
+            <a:endParaRPr b="0" lang="es-ES" sz="3200" spc="-1" strike="noStrike">
               <a:latin typeface="Arial"/>
             </a:endParaRPr>
           </a:p>
@@ -9984,14 +9451,14 @@
       </p:grpSpPr>
       <p:sp>
         <p:nvSpPr>
-          <p:cNvPr id="230" name="CustomShape 1"/>
+          <p:cNvPr id="222" name="CustomShape 1"/>
           <p:cNvSpPr/>
           <p:nvPr/>
         </p:nvSpPr>
         <p:spPr>
           <a:xfrm>
-            <a:off x="457200" y="1385640"/>
-            <a:ext cx="8208000" cy="4916520"/>
+            <a:off x="288000" y="720000"/>
+            <a:ext cx="8400240" cy="5569200"/>
           </a:xfrm>
           <a:prstGeom prst="rect">
             <a:avLst/>
@@ -10008,17 +9475,46 @@
           <a:fontRef idx="minor"/>
         </p:style>
         <p:txBody>
-          <a:bodyPr lIns="90000" rIns="90000" tIns="45000" bIns="45000"/>
+          <a:bodyPr lIns="90000" rIns="90000" tIns="45000" bIns="45000" anchor="ctr">
+            <a:normAutofit/>
+          </a:bodyPr>
           <a:p>
             <a:pPr>
               <a:lnSpc>
+                <a:spcPct val="80000"/>
+              </a:lnSpc>
+            </a:pPr>
+            <a:r>
+              <a:rPr b="0" lang="es-ES" sz="4400" spc="-1" strike="noStrike">
+                <a:solidFill>
+                  <a:srgbClr val="ffffff"/>
+                </a:solidFill>
+                <a:latin typeface="Arial"/>
+                <a:ea typeface="DejaVu Sans"/>
+              </a:rPr>
+              <a:t>Ejemplo API</a:t>
+            </a:r>
+            <a:r>
+              <a:rPr b="0" lang="es-ES" sz="4400" spc="-1" strike="noStrike">
+                <a:solidFill>
+                  <a:srgbClr val="ffffff"/>
+                </a:solidFill>
+                <a:latin typeface="Arial"/>
+                <a:ea typeface="DejaVu Sans"/>
+              </a:rPr>
+              <a:t> </a:t>
+            </a:r>
+            <a:endParaRPr b="0" lang="es-ES" sz="4400" spc="-1" strike="noStrike">
+              <a:latin typeface="Arial"/>
+            </a:endParaRPr>
+          </a:p>
+          <a:p>
+            <a:pPr>
+              <a:lnSpc>
                 <a:spcPct val="100000"/>
               </a:lnSpc>
-              <a:spcBef>
-                <a:spcPts val="360"/>
-              </a:spcBef>
-            </a:pPr>
-            <a:endParaRPr b="0" lang="es-ES" sz="1800" spc="-1" strike="noStrike">
+            </a:pPr>
+            <a:endParaRPr b="0" lang="es-ES" sz="4400" spc="-1" strike="noStrike">
               <a:latin typeface="Arial"/>
             </a:endParaRPr>
           </a:p>
@@ -10027,21 +9523,18 @@
               <a:lnSpc>
                 <a:spcPct val="100000"/>
               </a:lnSpc>
-              <a:spcBef>
-                <a:spcPts val="479"/>
-              </a:spcBef>
-            </a:pPr>
-            <a:r>
-              <a:rPr b="0" lang="es-ES" sz="2000" spc="-1" strike="noStrike">
-                <a:solidFill>
-                  <a:srgbClr val="5e6264"/>
-                </a:solidFill>
-                <a:latin typeface="Arial"/>
-                <a:ea typeface="DejaVu Sans"/>
-              </a:rPr>
-              <a:t>&gt;composer require illuminate/database</a:t>
-            </a:r>
-            <a:endParaRPr b="0" lang="es-ES" sz="2000" spc="-1" strike="noStrike">
+            </a:pPr>
+            <a:r>
+              <a:rPr b="0" lang="es-ES" sz="3200" spc="-1" strike="noStrike">
+                <a:solidFill>
+                  <a:srgbClr val="2b2d2e"/>
+                </a:solidFill>
+                <a:latin typeface="Arial"/>
+                <a:ea typeface="DejaVu Sans"/>
+              </a:rPr>
+              <a:t>&gt;https://developer.github.com/v3/repos/contents/</a:t>
+            </a:r>
+            <a:endParaRPr b="0" lang="es-ES" sz="3200" spc="-1" strike="noStrike">
               <a:latin typeface="Arial"/>
             </a:endParaRPr>
           </a:p>
@@ -10050,11 +9543,8 @@
               <a:lnSpc>
                 <a:spcPct val="100000"/>
               </a:lnSpc>
-              <a:spcBef>
-                <a:spcPts val="400"/>
-              </a:spcBef>
-            </a:pPr>
-            <a:endParaRPr b="0" lang="es-ES" sz="2000" spc="-1" strike="noStrike">
+            </a:pPr>
+            <a:endParaRPr b="0" lang="es-ES" sz="3200" spc="-1" strike="noStrike">
               <a:latin typeface="Arial"/>
             </a:endParaRPr>
           </a:p>
@@ -10063,498 +9553,13 @@
               <a:lnSpc>
                 <a:spcPct val="100000"/>
               </a:lnSpc>
-              <a:spcBef>
-                <a:spcPts val="400"/>
-              </a:spcBef>
-            </a:pPr>
-            <a:r>
-              <a:rPr b="0" lang="es-ES" sz="2000" spc="-1" strike="noStrike">
-                <a:solidFill>
-                  <a:srgbClr val="5e6264"/>
-                </a:solidFill>
-                <a:latin typeface="Arial"/>
-                <a:ea typeface="DejaVu Sans"/>
-              </a:rPr>
-              <a:t>&gt;agregar en src/settings.php</a:t>
-            </a:r>
-            <a:endParaRPr b="0" lang="es-ES" sz="2000" spc="-1" strike="noStrike">
-              <a:latin typeface="Arial"/>
-            </a:endParaRPr>
-          </a:p>
-          <a:p>
-            <a:pPr>
-              <a:lnSpc>
-                <a:spcPct val="100000"/>
-              </a:lnSpc>
-              <a:spcBef>
-                <a:spcPts val="400"/>
-              </a:spcBef>
-            </a:pPr>
-            <a:endParaRPr b="0" lang="es-ES" sz="2000" spc="-1" strike="noStrike">
-              <a:latin typeface="Arial"/>
-            </a:endParaRPr>
-          </a:p>
-          <a:p>
-            <a:pPr>
-              <a:lnSpc>
-                <a:spcPct val="100000"/>
-              </a:lnSpc>
-              <a:spcBef>
-                <a:spcPts val="400"/>
-              </a:spcBef>
-            </a:pPr>
-            <a:r>
-              <a:rPr b="0" lang="es-ES" sz="1600" spc="-1" strike="noStrike">
-                <a:solidFill>
-                  <a:srgbClr val="5e6264"/>
-                </a:solidFill>
-                <a:latin typeface="Arial"/>
-                <a:ea typeface="DejaVu Sans"/>
-              </a:rPr>
-              <a:t>// Database connection settings</a:t>
-            </a:r>
-            <a:endParaRPr b="0" lang="es-ES" sz="1600" spc="-1" strike="noStrike">
-              <a:latin typeface="Arial"/>
-            </a:endParaRPr>
-          </a:p>
-          <a:p>
-            <a:pPr>
-              <a:lnSpc>
-                <a:spcPct val="100000"/>
-              </a:lnSpc>
-              <a:spcBef>
-                <a:spcPts val="400"/>
-              </a:spcBef>
-            </a:pPr>
-            <a:r>
-              <a:rPr b="0" lang="es-ES" sz="1600" spc="-1" strike="noStrike">
-                <a:solidFill>
-                  <a:srgbClr val="5e6264"/>
-                </a:solidFill>
-                <a:latin typeface="Arial"/>
-                <a:ea typeface="DejaVu Sans"/>
-              </a:rPr>
-              <a:t>         </a:t>
-            </a:r>
-            <a:r>
-              <a:rPr b="0" lang="es-ES" sz="1600" spc="-1" strike="noStrike">
-                <a:solidFill>
-                  <a:srgbClr val="5e6264"/>
-                </a:solidFill>
-                <a:latin typeface="Arial"/>
-                <a:ea typeface="DejaVu Sans"/>
-              </a:rPr>
-              <a:t>"db" =&gt; [</a:t>
-            </a:r>
-            <a:endParaRPr b="0" lang="es-ES" sz="1600" spc="-1" strike="noStrike">
-              <a:latin typeface="Arial"/>
-            </a:endParaRPr>
-          </a:p>
-          <a:p>
-            <a:pPr>
-              <a:lnSpc>
-                <a:spcPct val="100000"/>
-              </a:lnSpc>
-              <a:spcBef>
-                <a:spcPts val="400"/>
-              </a:spcBef>
-            </a:pPr>
-            <a:r>
-              <a:rPr b="0" lang="es-ES" sz="1600" spc="-1" strike="noStrike">
-                <a:solidFill>
-                  <a:srgbClr val="5e6264"/>
-                </a:solidFill>
-                <a:latin typeface="Arial"/>
-                <a:ea typeface="DejaVu Sans"/>
-              </a:rPr>
-              <a:t>            </a:t>
-            </a:r>
-            <a:r>
-              <a:rPr b="0" lang="es-ES" sz="1600" spc="-1" strike="noStrike">
-                <a:solidFill>
-                  <a:srgbClr val="5e6264"/>
-                </a:solidFill>
-                <a:latin typeface="Arial"/>
-                <a:ea typeface="DejaVu Sans"/>
-              </a:rPr>
-              <a:t>'driver' =&gt; 'mysql',</a:t>
-            </a:r>
-            <a:endParaRPr b="0" lang="es-ES" sz="1600" spc="-1" strike="noStrike">
-              <a:latin typeface="Arial"/>
-            </a:endParaRPr>
-          </a:p>
-          <a:p>
-            <a:pPr>
-              <a:lnSpc>
-                <a:spcPct val="100000"/>
-              </a:lnSpc>
-              <a:spcBef>
-                <a:spcPts val="400"/>
-              </a:spcBef>
-            </a:pPr>
-            <a:r>
-              <a:rPr b="0" lang="es-ES" sz="1600" spc="-1" strike="noStrike">
-                <a:solidFill>
-                  <a:srgbClr val="5e6264"/>
-                </a:solidFill>
-                <a:latin typeface="Arial"/>
-                <a:ea typeface="DejaVu Sans"/>
-              </a:rPr>
-              <a:t>            </a:t>
-            </a:r>
-            <a:r>
-              <a:rPr b="0" lang="es-ES" sz="1600" spc="-1" strike="noStrike">
-                <a:solidFill>
-                  <a:srgbClr val="5e6264"/>
-                </a:solidFill>
-                <a:latin typeface="Arial"/>
-                <a:ea typeface="DejaVu Sans"/>
-              </a:rPr>
-              <a:t>'host' =&gt; '127.0.0.1',</a:t>
-            </a:r>
-            <a:endParaRPr b="0" lang="es-ES" sz="1600" spc="-1" strike="noStrike">
-              <a:latin typeface="Arial"/>
-            </a:endParaRPr>
-          </a:p>
-          <a:p>
-            <a:pPr>
-              <a:lnSpc>
-                <a:spcPct val="100000"/>
-              </a:lnSpc>
-              <a:spcBef>
-                <a:spcPts val="400"/>
-              </a:spcBef>
-            </a:pPr>
-            <a:r>
-              <a:rPr b="0" lang="es-ES" sz="1600" spc="-1" strike="noStrike">
-                <a:solidFill>
-                  <a:srgbClr val="5e6264"/>
-                </a:solidFill>
-                <a:latin typeface="Arial"/>
-                <a:ea typeface="DejaVu Sans"/>
-              </a:rPr>
-              <a:t>            </a:t>
-            </a:r>
-            <a:r>
-              <a:rPr b="0" lang="es-ES" sz="1600" spc="-1" strike="noStrike">
-                <a:solidFill>
-                  <a:srgbClr val="5e6264"/>
-                </a:solidFill>
-                <a:latin typeface="Arial"/>
-                <a:ea typeface="DejaVu Sans"/>
-              </a:rPr>
-              <a:t>'database' =&gt; 'nombre_db',</a:t>
-            </a:r>
-            <a:endParaRPr b="0" lang="es-ES" sz="1600" spc="-1" strike="noStrike">
-              <a:latin typeface="Arial"/>
-            </a:endParaRPr>
-          </a:p>
-          <a:p>
-            <a:pPr>
-              <a:lnSpc>
-                <a:spcPct val="100000"/>
-              </a:lnSpc>
-              <a:spcBef>
-                <a:spcPts val="400"/>
-              </a:spcBef>
-            </a:pPr>
-            <a:r>
-              <a:rPr b="0" lang="es-ES" sz="1600" spc="-1" strike="noStrike">
-                <a:solidFill>
-                  <a:srgbClr val="5e6264"/>
-                </a:solidFill>
-                <a:latin typeface="Arial"/>
-                <a:ea typeface="DejaVu Sans"/>
-              </a:rPr>
-              <a:t>            </a:t>
-            </a:r>
-            <a:r>
-              <a:rPr b="0" lang="es-ES" sz="1600" spc="-1" strike="noStrike">
-                <a:solidFill>
-                  <a:srgbClr val="5e6264"/>
-                </a:solidFill>
-                <a:latin typeface="Arial"/>
-                <a:ea typeface="DejaVu Sans"/>
-              </a:rPr>
-              <a:t>'username' =&gt; 'root',</a:t>
-            </a:r>
-            <a:endParaRPr b="0" lang="es-ES" sz="1600" spc="-1" strike="noStrike">
-              <a:latin typeface="Arial"/>
-            </a:endParaRPr>
-          </a:p>
-          <a:p>
-            <a:pPr>
-              <a:lnSpc>
-                <a:spcPct val="100000"/>
-              </a:lnSpc>
-              <a:spcBef>
-                <a:spcPts val="400"/>
-              </a:spcBef>
-            </a:pPr>
-            <a:r>
-              <a:rPr b="0" lang="es-ES" sz="1600" spc="-1" strike="noStrike">
-                <a:solidFill>
-                  <a:srgbClr val="5e6264"/>
-                </a:solidFill>
-                <a:latin typeface="Arial"/>
-                <a:ea typeface="DejaVu Sans"/>
-              </a:rPr>
-              <a:t>            </a:t>
-            </a:r>
-            <a:r>
-              <a:rPr b="0" lang="es-ES" sz="1600" spc="-1" strike="noStrike">
-                <a:solidFill>
-                  <a:srgbClr val="5e6264"/>
-                </a:solidFill>
-                <a:latin typeface="Arial"/>
-                <a:ea typeface="DejaVu Sans"/>
-              </a:rPr>
-              <a:t>'password' =&gt; '',</a:t>
-            </a:r>
-            <a:endParaRPr b="0" lang="es-ES" sz="1600" spc="-1" strike="noStrike">
-              <a:latin typeface="Arial"/>
-            </a:endParaRPr>
-          </a:p>
-          <a:p>
-            <a:pPr>
-              <a:lnSpc>
-                <a:spcPct val="100000"/>
-              </a:lnSpc>
-              <a:spcBef>
-                <a:spcPts val="400"/>
-              </a:spcBef>
-            </a:pPr>
-            <a:r>
-              <a:rPr b="0" lang="es-ES" sz="1600" spc="-1" strike="noStrike">
-                <a:solidFill>
-                  <a:srgbClr val="5e6264"/>
-                </a:solidFill>
-                <a:latin typeface="Arial"/>
-                <a:ea typeface="DejaVu Sans"/>
-              </a:rPr>
-              <a:t>            </a:t>
-            </a:r>
-            <a:r>
-              <a:rPr b="0" lang="es-ES" sz="1600" spc="-1" strike="noStrike">
-                <a:solidFill>
-                  <a:srgbClr val="5e6264"/>
-                </a:solidFill>
-                <a:latin typeface="Arial"/>
-                <a:ea typeface="DejaVu Sans"/>
-              </a:rPr>
-              <a:t>'collation' =&gt; 'utf8_general_ci',</a:t>
-            </a:r>
-            <a:endParaRPr b="0" lang="es-ES" sz="1600" spc="-1" strike="noStrike">
-              <a:latin typeface="Arial"/>
-            </a:endParaRPr>
-          </a:p>
-          <a:p>
-            <a:pPr>
-              <a:lnSpc>
-                <a:spcPct val="100000"/>
-              </a:lnSpc>
-              <a:spcBef>
-                <a:spcPts val="400"/>
-              </a:spcBef>
-            </a:pPr>
-            <a:r>
-              <a:rPr b="0" lang="es-ES" sz="1600" spc="-1" strike="noStrike">
-                <a:solidFill>
-                  <a:srgbClr val="5e6264"/>
-                </a:solidFill>
-                <a:latin typeface="Arial"/>
-                <a:ea typeface="DejaVu Sans"/>
-              </a:rPr>
-              <a:t>            </a:t>
-            </a:r>
-            <a:r>
-              <a:rPr b="0" lang="es-ES" sz="1600" spc="-1" strike="noStrike">
-                <a:solidFill>
-                  <a:srgbClr val="5e6264"/>
-                </a:solidFill>
-                <a:latin typeface="Arial"/>
-                <a:ea typeface="DejaVu Sans"/>
-              </a:rPr>
-              <a:t>'charset' =&gt; 'utf8',</a:t>
-            </a:r>
-            <a:endParaRPr b="0" lang="es-ES" sz="1600" spc="-1" strike="noStrike">
-              <a:latin typeface="Arial"/>
-            </a:endParaRPr>
-          </a:p>
-          <a:p>
-            <a:pPr>
-              <a:lnSpc>
-                <a:spcPct val="100000"/>
-              </a:lnSpc>
-              <a:spcBef>
-                <a:spcPts val="400"/>
-              </a:spcBef>
-            </a:pPr>
-            <a:r>
-              <a:rPr b="0" lang="es-ES" sz="1600" spc="-1" strike="noStrike">
-                <a:solidFill>
-                  <a:srgbClr val="5e6264"/>
-                </a:solidFill>
-                <a:latin typeface="Arial"/>
-                <a:ea typeface="DejaVu Sans"/>
-              </a:rPr>
-              <a:t>            </a:t>
-            </a:r>
-            <a:r>
-              <a:rPr b="0" lang="es-ES" sz="1600" spc="-1" strike="noStrike">
-                <a:solidFill>
-                  <a:srgbClr val="5e6264"/>
-                </a:solidFill>
-                <a:latin typeface="Arial"/>
-                <a:ea typeface="DejaVu Sans"/>
-              </a:rPr>
-              <a:t>'prefix' =&gt; ''</a:t>
-            </a:r>
-            <a:endParaRPr b="0" lang="es-ES" sz="1600" spc="-1" strike="noStrike">
-              <a:latin typeface="Arial"/>
-            </a:endParaRPr>
-          </a:p>
-          <a:p>
-            <a:pPr>
-              <a:lnSpc>
-                <a:spcPct val="100000"/>
-              </a:lnSpc>
-              <a:spcBef>
-                <a:spcPts val="400"/>
-              </a:spcBef>
-            </a:pPr>
-            <a:r>
-              <a:rPr b="0" lang="es-ES" sz="1600" spc="-1" strike="noStrike">
-                <a:solidFill>
-                  <a:srgbClr val="5e6264"/>
-                </a:solidFill>
-                <a:latin typeface="Arial"/>
-                <a:ea typeface="DejaVu Sans"/>
-              </a:rPr>
-              <a:t>        </a:t>
-            </a:r>
-            <a:r>
-              <a:rPr b="0" lang="es-ES" sz="1600" spc="-1" strike="noStrike">
-                <a:solidFill>
-                  <a:srgbClr val="5e6264"/>
-                </a:solidFill>
-                <a:latin typeface="Arial"/>
-                <a:ea typeface="DejaVu Sans"/>
-              </a:rPr>
-              <a:t>],</a:t>
-            </a:r>
-            <a:endParaRPr b="0" lang="es-ES" sz="1600" spc="-1" strike="noStrike">
-              <a:latin typeface="Arial"/>
-            </a:endParaRPr>
-          </a:p>
-          <a:p>
-            <a:pPr>
-              <a:lnSpc>
-                <a:spcPct val="100000"/>
-              </a:lnSpc>
-              <a:spcBef>
-                <a:spcPts val="400"/>
-              </a:spcBef>
-            </a:pPr>
-            <a:endParaRPr b="0" lang="es-ES" sz="1600" spc="-1" strike="noStrike">
-              <a:latin typeface="Arial"/>
-            </a:endParaRPr>
-          </a:p>
-        </p:txBody>
-      </p:sp>
-      <p:sp>
-        <p:nvSpPr>
-          <p:cNvPr id="231" name="CustomShape 2"/>
-          <p:cNvSpPr/>
-          <p:nvPr/>
-        </p:nvSpPr>
-        <p:spPr>
-          <a:xfrm>
-            <a:off x="457200" y="192240"/>
-            <a:ext cx="7192080" cy="846720"/>
-          </a:xfrm>
-          <a:prstGeom prst="rect">
-            <a:avLst/>
-          </a:prstGeom>
-          <a:noFill/>
-          <a:ln w="9360">
-            <a:noFill/>
-          </a:ln>
-        </p:spPr>
-        <p:style>
-          <a:lnRef idx="0"/>
-          <a:fillRef idx="0"/>
-          <a:effectRef idx="0"/>
-          <a:fontRef idx="minor"/>
-        </p:style>
-        <p:txBody>
-          <a:bodyPr lIns="90000" rIns="90000" tIns="45000" bIns="45000" anchor="b"/>
-          <a:p>
-            <a:pPr>
-              <a:lnSpc>
-                <a:spcPct val="100000"/>
-              </a:lnSpc>
-            </a:pPr>
-            <a:r>
-              <a:rPr b="0" lang="es-ES" sz="3000" spc="-1" strike="noStrike">
-                <a:solidFill>
-                  <a:srgbClr val="004569"/>
-                </a:solidFill>
-                <a:latin typeface="Arial"/>
-                <a:ea typeface="DejaVu Sans"/>
-              </a:rPr>
-              <a:t>Instalar Eloquent</a:t>
-            </a:r>
-            <a:endParaRPr b="0" lang="es-ES" sz="3000" spc="-1" strike="noStrike">
-              <a:latin typeface="Arial"/>
-            </a:endParaRPr>
-          </a:p>
-        </p:txBody>
-      </p:sp>
-      <p:sp>
-        <p:nvSpPr>
-          <p:cNvPr id="232" name="CustomShape 3"/>
-          <p:cNvSpPr/>
-          <p:nvPr/>
-        </p:nvSpPr>
-        <p:spPr>
-          <a:xfrm>
-            <a:off x="395640" y="6520320"/>
-            <a:ext cx="357480" cy="218520"/>
-          </a:xfrm>
-          <a:prstGeom prst="rect">
-            <a:avLst/>
-          </a:prstGeom>
-          <a:noFill/>
-          <a:ln>
-            <a:noFill/>
-          </a:ln>
-        </p:spPr>
-        <p:style>
-          <a:lnRef idx="0"/>
-          <a:fillRef idx="0"/>
-          <a:effectRef idx="0"/>
-          <a:fontRef idx="minor"/>
-        </p:style>
-        <p:txBody>
-          <a:bodyPr lIns="90000" rIns="90000" tIns="45000" bIns="45000" anchor="ctr"/>
-          <a:p>
-            <a:pPr algn="r">
-              <a:lnSpc>
-                <a:spcPct val="100000"/>
-              </a:lnSpc>
-            </a:pPr>
-            <a:fld id="{74ECE1FD-6472-45BA-9737-4557C1E5954A}" type="slidenum">
-              <a:rPr b="1" lang="es-ES" sz="800" spc="-1" strike="noStrike">
-                <a:solidFill>
-                  <a:srgbClr val="004569"/>
-                </a:solidFill>
-                <a:latin typeface="Arial"/>
-                <a:ea typeface="DejaVu Sans"/>
-              </a:rPr>
-              <a:t>&lt;número&gt;</a:t>
-            </a:fld>
-            <a:endParaRPr b="0" lang="es-ES" sz="800" spc="-1" strike="noStrike">
+            </a:pPr>
+            <a:br/>
+            <a:br/>
+            <a:br/>
+            <a:br/>
+            <a:br/>
+            <a:endParaRPr b="0" lang="es-ES" sz="3200" spc="-1" strike="noStrike">
               <a:latin typeface="Arial"/>
             </a:endParaRPr>
           </a:p>
@@ -10611,14 +9616,14 @@
       </p:grpSpPr>
       <p:sp>
         <p:nvSpPr>
-          <p:cNvPr id="233" name="CustomShape 1"/>
+          <p:cNvPr id="223" name="CustomShape 1"/>
           <p:cNvSpPr/>
           <p:nvPr/>
         </p:nvSpPr>
         <p:spPr>
           <a:xfrm>
-            <a:off x="457200" y="1385640"/>
-            <a:ext cx="8208000" cy="4916520"/>
+            <a:off x="457200" y="1339920"/>
+            <a:ext cx="7989480" cy="4961880"/>
           </a:xfrm>
           <a:prstGeom prst="rect">
             <a:avLst/>
@@ -10637,15 +9642,211 @@
         <p:txBody>
           <a:bodyPr lIns="90000" rIns="90000" tIns="45000" bIns="45000"/>
           <a:p>
+            <a:pPr marL="125640" indent="-176760">
+              <a:lnSpc>
+                <a:spcPct val="100000"/>
+              </a:lnSpc>
+              <a:spcBef>
+                <a:spcPts val="641"/>
+              </a:spcBef>
+              <a:buClr>
+                <a:srgbClr val="5e6264"/>
+              </a:buClr>
+              <a:buFont typeface="Lucida Grande"/>
+              <a:buChar char="›"/>
+            </a:pPr>
+            <a:r>
+              <a:rPr b="0" lang="es-ES" sz="3200" spc="-1" strike="noStrike">
+                <a:solidFill>
+                  <a:srgbClr val="5e6264"/>
+                </a:solidFill>
+                <a:latin typeface="Arial"/>
+                <a:ea typeface="DejaVu Sans"/>
+              </a:rPr>
+              <a:t>Slim Skeleton</a:t>
+            </a:r>
+            <a:endParaRPr b="0" lang="es-ES" sz="3200" spc="-1" strike="noStrike">
+              <a:latin typeface="Arial"/>
+            </a:endParaRPr>
+          </a:p>
+          <a:p>
+            <a:pPr marL="125640" indent="-176760">
+              <a:lnSpc>
+                <a:spcPct val="100000"/>
+              </a:lnSpc>
+              <a:spcBef>
+                <a:spcPts val="641"/>
+              </a:spcBef>
+              <a:buClr>
+                <a:srgbClr val="5e6264"/>
+              </a:buClr>
+              <a:buFont typeface="Lucida Grande"/>
+              <a:buChar char="›"/>
+            </a:pPr>
+            <a:r>
+              <a:rPr b="0" lang="es-ES" sz="3200" spc="-1" strike="noStrike">
+                <a:solidFill>
+                  <a:srgbClr val="5e6264"/>
+                </a:solidFill>
+                <a:latin typeface="Arial"/>
+                <a:ea typeface="DejaVu Sans"/>
+              </a:rPr>
+              <a:t>Composer</a:t>
+            </a:r>
+            <a:endParaRPr b="0" lang="es-ES" sz="3200" spc="-1" strike="noStrike">
+              <a:latin typeface="Arial"/>
+            </a:endParaRPr>
+          </a:p>
+          <a:p>
+            <a:pPr marL="125640" indent="-176760">
+              <a:lnSpc>
+                <a:spcPct val="100000"/>
+              </a:lnSpc>
+              <a:spcBef>
+                <a:spcPts val="641"/>
+              </a:spcBef>
+              <a:buClr>
+                <a:srgbClr val="5e6264"/>
+              </a:buClr>
+              <a:buFont typeface="Lucida Grande"/>
+              <a:buChar char="›"/>
+            </a:pPr>
+            <a:r>
+              <a:rPr b="0" lang="es-ES" sz="3200" spc="-1" strike="noStrike">
+                <a:solidFill>
+                  <a:srgbClr val="5e6264"/>
+                </a:solidFill>
+                <a:latin typeface="Arial"/>
+                <a:ea typeface="DejaVu Sans"/>
+              </a:rPr>
+              <a:t>Postman</a:t>
+            </a:r>
+            <a:endParaRPr b="0" lang="es-ES" sz="3200" spc="-1" strike="noStrike">
+              <a:latin typeface="Arial"/>
+            </a:endParaRPr>
+          </a:p>
+          <a:p>
+            <a:pPr marL="125640" indent="-176760">
+              <a:lnSpc>
+                <a:spcPct val="100000"/>
+              </a:lnSpc>
+              <a:spcBef>
+                <a:spcPts val="641"/>
+              </a:spcBef>
+              <a:buClr>
+                <a:srgbClr val="5e6264"/>
+              </a:buClr>
+              <a:buFont typeface="Lucida Grande"/>
+              <a:buChar char="›"/>
+            </a:pPr>
+            <a:r>
+              <a:rPr b="0" lang="es-ES" sz="3200" spc="-1" strike="noStrike">
+                <a:solidFill>
+                  <a:srgbClr val="5e6264"/>
+                </a:solidFill>
+                <a:latin typeface="Arial"/>
+                <a:ea typeface="DejaVu Sans"/>
+              </a:rPr>
+              <a:t>PHP 5.5 en adelante</a:t>
+            </a:r>
+            <a:endParaRPr b="0" lang="es-ES" sz="3200" spc="-1" strike="noStrike">
+              <a:latin typeface="Arial"/>
+            </a:endParaRPr>
+          </a:p>
+          <a:p>
+            <a:pPr marL="125640" indent="-176760">
+              <a:lnSpc>
+                <a:spcPct val="100000"/>
+              </a:lnSpc>
+              <a:spcBef>
+                <a:spcPts val="641"/>
+              </a:spcBef>
+              <a:buClr>
+                <a:srgbClr val="5e6264"/>
+              </a:buClr>
+              <a:buFont typeface="Lucida Grande"/>
+              <a:buChar char="›"/>
+            </a:pPr>
+            <a:r>
+              <a:rPr b="0" lang="es-ES" sz="3200" spc="-1" strike="noStrike">
+                <a:solidFill>
+                  <a:srgbClr val="5e6264"/>
+                </a:solidFill>
+                <a:latin typeface="Arial"/>
+                <a:ea typeface="DejaVu Sans"/>
+              </a:rPr>
+              <a:t>APACHE , IIS, Nginx</a:t>
+            </a:r>
+            <a:endParaRPr b="0" lang="es-ES" sz="3200" spc="-1" strike="noStrike">
+              <a:latin typeface="Arial"/>
+            </a:endParaRPr>
+          </a:p>
+          <a:p>
+            <a:pPr marL="125640" indent="-176760">
+              <a:lnSpc>
+                <a:spcPct val="100000"/>
+              </a:lnSpc>
+              <a:spcBef>
+                <a:spcPts val="641"/>
+              </a:spcBef>
+              <a:buClr>
+                <a:srgbClr val="5e6264"/>
+              </a:buClr>
+              <a:buFont typeface="Lucida Grande"/>
+              <a:buChar char="›"/>
+            </a:pPr>
+            <a:r>
+              <a:rPr b="0" lang="es-ES" sz="3200" spc="-1" strike="noStrike">
+                <a:solidFill>
+                  <a:srgbClr val="5e6264"/>
+                </a:solidFill>
+                <a:latin typeface="Arial"/>
+                <a:ea typeface="DejaVu Sans"/>
+              </a:rPr>
+              <a:t>MySQL , Postgres, SQLite, SQL Server</a:t>
+            </a:r>
+            <a:endParaRPr b="0" lang="es-ES" sz="3200" spc="-1" strike="noStrike">
+              <a:latin typeface="Arial"/>
+            </a:endParaRPr>
+          </a:p>
+          <a:p>
             <a:pPr>
               <a:lnSpc>
                 <a:spcPct val="100000"/>
               </a:lnSpc>
               <a:spcBef>
-                <a:spcPts val="400"/>
+                <a:spcPts val="641"/>
               </a:spcBef>
             </a:pPr>
-            <a:endParaRPr b="0" lang="es-ES" sz="1800" spc="-1" strike="noStrike">
+            <a:endParaRPr b="0" lang="es-ES" sz="3200" spc="-1" strike="noStrike">
+              <a:latin typeface="Arial"/>
+            </a:endParaRPr>
+          </a:p>
+          <a:p>
+            <a:pPr marL="125640" indent="-176760">
+              <a:lnSpc>
+                <a:spcPct val="100000"/>
+              </a:lnSpc>
+              <a:spcBef>
+                <a:spcPts val="641"/>
+              </a:spcBef>
+              <a:buClr>
+                <a:srgbClr val="5e6264"/>
+              </a:buClr>
+              <a:buFont typeface="Lucida Grande"/>
+              <a:buChar char="›"/>
+            </a:pPr>
+            <a:r>
+              <a:rPr b="0" lang="es-ES" sz="3200" spc="-1" strike="noStrike">
+                <a:solidFill>
+                  <a:srgbClr val="5e6264"/>
+                </a:solidFill>
+                <a:latin typeface="Arial"/>
+                <a:ea typeface="DejaVu Sans"/>
+              </a:rPr>
+              <a:t>http://www.slimframework.com</a:t>
+            </a:r>
+            <a:endParaRPr b="0" lang="es-ES" sz="3200" spc="-1" strike="noStrike">
               <a:latin typeface="Arial"/>
             </a:endParaRPr>
           </a:p>
@@ -10655,20 +9856,10 @@
                 <a:spcPct val="100000"/>
               </a:lnSpc>
               <a:spcBef>
-                <a:spcPts val="400"/>
+                <a:spcPts val="641"/>
               </a:spcBef>
             </a:pPr>
-            <a:r>
-              <a:rPr b="0" lang="es-ES" sz="2000" spc="-1" strike="noStrike">
-                <a:solidFill>
-                  <a:srgbClr val="5e6264"/>
-                </a:solidFill>
-                <a:latin typeface="Arial"/>
-                <a:ea typeface="DejaVu Sans"/>
-              </a:rPr>
-              <a:t>&gt;agregar en public/index.php</a:t>
-            </a:r>
-            <a:endParaRPr b="0" lang="es-ES" sz="2000" spc="-1" strike="noStrike">
+            <a:endParaRPr b="0" lang="es-ES" sz="3200" spc="-1" strike="noStrike">
               <a:latin typeface="Arial"/>
             </a:endParaRPr>
           </a:p>
@@ -10677,11 +9868,21 @@
               <a:lnSpc>
                 <a:spcPct val="100000"/>
               </a:lnSpc>
+            </a:pPr>
+            <a:endParaRPr b="0" lang="es-ES" sz="3200" spc="-1" strike="noStrike">
+              <a:latin typeface="Arial"/>
+            </a:endParaRPr>
+          </a:p>
+          <a:p>
+            <a:pPr>
+              <a:lnSpc>
+                <a:spcPct val="100000"/>
+              </a:lnSpc>
               <a:spcBef>
-                <a:spcPts val="400"/>
+                <a:spcPts val="641"/>
               </a:spcBef>
             </a:pPr>
-            <a:endParaRPr b="0" lang="es-ES" sz="2000" spc="-1" strike="noStrike">
+            <a:endParaRPr b="0" lang="es-ES" sz="3200" spc="-1" strike="noStrike">
               <a:latin typeface="Arial"/>
             </a:endParaRPr>
           </a:p>
@@ -10691,20 +9892,10 @@
                 <a:spcPct val="100000"/>
               </a:lnSpc>
               <a:spcBef>
-                <a:spcPts val="400"/>
+                <a:spcPts val="641"/>
               </a:spcBef>
             </a:pPr>
-            <a:r>
-              <a:rPr b="0" lang="es-ES" sz="1600" spc="-1" strike="noStrike">
-                <a:solidFill>
-                  <a:srgbClr val="5e6264"/>
-                </a:solidFill>
-                <a:latin typeface="Arial"/>
-                <a:ea typeface="DejaVu Sans"/>
-              </a:rPr>
-              <a:t>// Register routes</a:t>
-            </a:r>
-            <a:endParaRPr b="0" lang="es-ES" sz="1600" spc="-1" strike="noStrike">
+            <a:endParaRPr b="0" lang="es-ES" sz="3200" spc="-1" strike="noStrike">
               <a:latin typeface="Arial"/>
             </a:endParaRPr>
           </a:p>
@@ -10714,265 +9905,25 @@
                 <a:spcPct val="100000"/>
               </a:lnSpc>
               <a:spcBef>
-                <a:spcPts val="400"/>
+                <a:spcPts val="641"/>
               </a:spcBef>
             </a:pPr>
-            <a:r>
-              <a:rPr b="0" lang="es-ES" sz="1600" spc="-1" strike="noStrike">
-                <a:solidFill>
-                  <a:srgbClr val="5e6264"/>
-                </a:solidFill>
-                <a:latin typeface="Arial"/>
-                <a:ea typeface="DejaVu Sans"/>
-              </a:rPr>
-              <a:t>require __DIR__ . '/../src/routes.php';</a:t>
-            </a:r>
-            <a:endParaRPr b="0" lang="es-ES" sz="1600" spc="-1" strike="noStrike">
-              <a:latin typeface="Arial"/>
-            </a:endParaRPr>
-          </a:p>
-          <a:p>
-            <a:pPr>
-              <a:lnSpc>
-                <a:spcPct val="100000"/>
-              </a:lnSpc>
-              <a:spcBef>
-                <a:spcPts val="400"/>
-              </a:spcBef>
-            </a:pPr>
-            <a:r>
-              <a:rPr b="0" lang="es-ES" sz="1600" spc="-1" strike="noStrike">
-                <a:solidFill>
-                  <a:srgbClr val="5e6264"/>
-                </a:solidFill>
-                <a:latin typeface="Arial"/>
-                <a:ea typeface="DejaVu Sans"/>
-              </a:rPr>
-              <a:t>//desde acá</a:t>
-            </a:r>
-            <a:endParaRPr b="0" lang="es-ES" sz="1600" spc="-1" strike="noStrike">
-              <a:latin typeface="Arial"/>
-            </a:endParaRPr>
-          </a:p>
-          <a:p>
-            <a:pPr>
-              <a:lnSpc>
-                <a:spcPct val="100000"/>
-              </a:lnSpc>
-              <a:spcBef>
-                <a:spcPts val="400"/>
-              </a:spcBef>
-            </a:pPr>
-            <a:r>
-              <a:rPr b="0" lang="es-ES" sz="1600" spc="-1" strike="noStrike">
-                <a:solidFill>
-                  <a:srgbClr val="5e6264"/>
-                </a:solidFill>
-                <a:latin typeface="Arial"/>
-                <a:ea typeface="DejaVu Sans"/>
-              </a:rPr>
-              <a:t>$container = $app-&gt;getContainer();</a:t>
-            </a:r>
-            <a:endParaRPr b="0" lang="es-ES" sz="1600" spc="-1" strike="noStrike">
-              <a:latin typeface="Arial"/>
-            </a:endParaRPr>
-          </a:p>
-          <a:p>
-            <a:pPr>
-              <a:lnSpc>
-                <a:spcPct val="100000"/>
-              </a:lnSpc>
-              <a:spcBef>
-                <a:spcPts val="400"/>
-              </a:spcBef>
-            </a:pPr>
-            <a:r>
-              <a:rPr b="0" lang="es-ES" sz="1600" spc="-1" strike="noStrike">
-                <a:solidFill>
-                  <a:srgbClr val="5e6264"/>
-                </a:solidFill>
-                <a:latin typeface="Arial"/>
-                <a:ea typeface="DejaVu Sans"/>
-              </a:rPr>
-              <a:t>$dbSettings = $container-&gt;get('settings')['db'];</a:t>
-            </a:r>
-            <a:endParaRPr b="0" lang="es-ES" sz="1600" spc="-1" strike="noStrike">
-              <a:latin typeface="Arial"/>
-            </a:endParaRPr>
-          </a:p>
-          <a:p>
-            <a:pPr>
-              <a:lnSpc>
-                <a:spcPct val="100000"/>
-              </a:lnSpc>
-              <a:spcBef>
-                <a:spcPts val="400"/>
-              </a:spcBef>
-            </a:pPr>
-            <a:r>
-              <a:rPr b="0" lang="es-ES" sz="1600" spc="-1" strike="noStrike">
-                <a:solidFill>
-                  <a:srgbClr val="5e6264"/>
-                </a:solidFill>
-                <a:latin typeface="Arial"/>
-                <a:ea typeface="DejaVu Sans"/>
-              </a:rPr>
-              <a:t>$capsule = new Illuminate\Database\Capsule\Manager;</a:t>
-            </a:r>
-            <a:endParaRPr b="0" lang="es-ES" sz="1600" spc="-1" strike="noStrike">
-              <a:latin typeface="Arial"/>
-            </a:endParaRPr>
-          </a:p>
-          <a:p>
-            <a:pPr>
-              <a:lnSpc>
-                <a:spcPct val="100000"/>
-              </a:lnSpc>
-              <a:spcBef>
-                <a:spcPts val="400"/>
-              </a:spcBef>
-            </a:pPr>
-            <a:r>
-              <a:rPr b="0" lang="es-ES" sz="1600" spc="-1" strike="noStrike">
-                <a:solidFill>
-                  <a:srgbClr val="5e6264"/>
-                </a:solidFill>
-                <a:latin typeface="Arial"/>
-                <a:ea typeface="DejaVu Sans"/>
-              </a:rPr>
-              <a:t>$capsule-&gt;addConnection($dbSettings);</a:t>
-            </a:r>
-            <a:endParaRPr b="0" lang="es-ES" sz="1600" spc="-1" strike="noStrike">
-              <a:latin typeface="Arial"/>
-            </a:endParaRPr>
-          </a:p>
-          <a:p>
-            <a:pPr>
-              <a:lnSpc>
-                <a:spcPct val="100000"/>
-              </a:lnSpc>
-              <a:spcBef>
-                <a:spcPts val="400"/>
-              </a:spcBef>
-            </a:pPr>
-            <a:r>
-              <a:rPr b="0" lang="es-ES" sz="1600" spc="-1" strike="noStrike">
-                <a:solidFill>
-                  <a:srgbClr val="5e6264"/>
-                </a:solidFill>
-                <a:latin typeface="Arial"/>
-                <a:ea typeface="DejaVu Sans"/>
-              </a:rPr>
-              <a:t>$capsule-&gt;bootEloquent();</a:t>
-            </a:r>
-            <a:endParaRPr b="0" lang="es-ES" sz="1600" spc="-1" strike="noStrike">
-              <a:latin typeface="Arial"/>
-            </a:endParaRPr>
-          </a:p>
-          <a:p>
-            <a:pPr>
-              <a:lnSpc>
-                <a:spcPct val="100000"/>
-              </a:lnSpc>
-              <a:spcBef>
-                <a:spcPts val="400"/>
-              </a:spcBef>
-            </a:pPr>
-            <a:r>
-              <a:rPr b="0" lang="es-ES" sz="1600" spc="-1" strike="noStrike">
-                <a:solidFill>
-                  <a:srgbClr val="5e6264"/>
-                </a:solidFill>
-                <a:latin typeface="Arial"/>
-                <a:ea typeface="DejaVu Sans"/>
-              </a:rPr>
-              <a:t>$capsule-&gt;setAsGlobal();</a:t>
-            </a:r>
-            <a:endParaRPr b="0" lang="es-ES" sz="1600" spc="-1" strike="noStrike">
-              <a:latin typeface="Arial"/>
-            </a:endParaRPr>
-          </a:p>
-          <a:p>
-            <a:pPr>
-              <a:lnSpc>
-                <a:spcPct val="100000"/>
-              </a:lnSpc>
-              <a:spcBef>
-                <a:spcPts val="400"/>
-              </a:spcBef>
-            </a:pPr>
-            <a:r>
-              <a:rPr b="0" lang="es-ES" sz="1600" spc="-1" strike="noStrike">
-                <a:solidFill>
-                  <a:srgbClr val="5e6264"/>
-                </a:solidFill>
-                <a:latin typeface="Arial"/>
-                <a:ea typeface="DejaVu Sans"/>
-              </a:rPr>
-              <a:t>//hasta acá </a:t>
-            </a:r>
-            <a:endParaRPr b="0" lang="es-ES" sz="1600" spc="-1" strike="noStrike">
-              <a:latin typeface="Arial"/>
-            </a:endParaRPr>
-          </a:p>
-          <a:p>
-            <a:pPr>
-              <a:lnSpc>
-                <a:spcPct val="100000"/>
-              </a:lnSpc>
-              <a:spcBef>
-                <a:spcPts val="400"/>
-              </a:spcBef>
-            </a:pPr>
-            <a:r>
-              <a:rPr b="0" lang="es-ES" sz="1600" spc="-1" strike="noStrike">
-                <a:solidFill>
-                  <a:srgbClr val="5e6264"/>
-                </a:solidFill>
-                <a:latin typeface="Arial"/>
-                <a:ea typeface="DejaVu Sans"/>
-              </a:rPr>
-              <a:t>// Run app</a:t>
-            </a:r>
-            <a:endParaRPr b="0" lang="es-ES" sz="1600" spc="-1" strike="noStrike">
-              <a:latin typeface="Arial"/>
-            </a:endParaRPr>
-          </a:p>
-          <a:p>
-            <a:pPr>
-              <a:lnSpc>
-                <a:spcPct val="100000"/>
-              </a:lnSpc>
-              <a:spcBef>
-                <a:spcPts val="400"/>
-              </a:spcBef>
-            </a:pPr>
-            <a:r>
-              <a:rPr b="0" lang="es-ES" sz="1600" spc="-1" strike="noStrike">
-                <a:solidFill>
-                  <a:srgbClr val="5e6264"/>
-                </a:solidFill>
-                <a:latin typeface="Arial"/>
-                <a:ea typeface="DejaVu Sans"/>
-              </a:rPr>
-              <a:t>$app-&gt;run();</a:t>
-            </a:r>
-            <a:endParaRPr b="0" lang="es-ES" sz="1600" spc="-1" strike="noStrike">
-              <a:latin typeface="Arial"/>
-            </a:endParaRPr>
-          </a:p>
-        </p:txBody>
-      </p:sp>
-      <p:sp>
-        <p:nvSpPr>
-          <p:cNvPr id="234" name="CustomShape 2"/>
+            <a:endParaRPr b="0" lang="es-ES" sz="3200" spc="-1" strike="noStrike">
+              <a:latin typeface="Arial"/>
+            </a:endParaRPr>
+          </a:p>
+        </p:txBody>
+      </p:sp>
+      <p:sp>
+        <p:nvSpPr>
+          <p:cNvPr id="224" name="CustomShape 2"/>
           <p:cNvSpPr/>
           <p:nvPr/>
         </p:nvSpPr>
         <p:spPr>
           <a:xfrm>
             <a:off x="457200" y="192240"/>
-            <a:ext cx="7192080" cy="846720"/>
+            <a:ext cx="7191720" cy="846360"/>
           </a:xfrm>
           <a:prstGeom prst="rect">
             <a:avLst/>
@@ -11004,7 +9955,7 @@
                 <a:latin typeface="Arial"/>
                 <a:ea typeface="DejaVu Sans"/>
               </a:rPr>
-              <a:t>Instalar Eloquent</a:t>
+              <a:t>¿Qué debo instalar?</a:t>
             </a:r>
             <a:endParaRPr b="0" lang="es-ES" sz="3000" spc="-1" strike="noStrike">
               <a:latin typeface="Arial"/>
@@ -11014,14 +9965,14 @@
       </p:sp>
       <p:sp>
         <p:nvSpPr>
-          <p:cNvPr id="235" name="CustomShape 3"/>
+          <p:cNvPr id="225" name="CustomShape 3"/>
           <p:cNvSpPr/>
           <p:nvPr/>
         </p:nvSpPr>
         <p:spPr>
           <a:xfrm>
             <a:off x="395640" y="6520320"/>
-            <a:ext cx="357480" cy="218520"/>
+            <a:ext cx="357120" cy="218160"/>
           </a:xfrm>
           <a:prstGeom prst="rect">
             <a:avLst/>
@@ -11045,7 +9996,7 @@
                 <a:spcPct val="100000"/>
               </a:lnSpc>
             </a:pPr>
-            <a:fld id="{42136537-A30F-4177-9361-80233ACAA4FD}" type="slidenum">
+            <a:fld id="{4447B292-0FA0-4EBB-9D2A-1A7DA4DB60D4}" type="slidenum">
               <a:rPr b="1" lang="es-ES" sz="800" spc="-1" strike="noStrike">
                 <a:solidFill>
                   <a:srgbClr val="004569"/>
@@ -11112,14 +10063,14 @@
       </p:grpSpPr>
       <p:sp>
         <p:nvSpPr>
-          <p:cNvPr id="236" name="CustomShape 1"/>
+          <p:cNvPr id="226" name="CustomShape 1"/>
           <p:cNvSpPr/>
           <p:nvPr/>
         </p:nvSpPr>
         <p:spPr>
           <a:xfrm>
-            <a:off x="457200" y="1385640"/>
-            <a:ext cx="8208000" cy="4916520"/>
+            <a:off x="79920" y="1202760"/>
+            <a:ext cx="8939160" cy="4961880"/>
           </a:xfrm>
           <a:prstGeom prst="rect">
             <a:avLst/>
@@ -11146,58 +10097,32 @@
                 <a:spcPts val="360"/>
               </a:spcBef>
             </a:pPr>
+            <a:r>
+              <a:rPr b="0" lang="es-ES" sz="1800" spc="-1" strike="noStrike">
+                <a:solidFill>
+                  <a:srgbClr val="5e6264"/>
+                </a:solidFill>
+                <a:latin typeface="Arial"/>
+                <a:ea typeface="DejaVu Sans"/>
+              </a:rPr>
+              <a:t>                                                                                                                                            </a:t>
+            </a:r>
             <a:endParaRPr b="0" lang="es-ES" sz="1800" spc="-1" strike="noStrike">
               <a:latin typeface="Arial"/>
             </a:endParaRPr>
           </a:p>
-          <a:p>
-            <a:pPr>
-              <a:lnSpc>
-                <a:spcPct val="100000"/>
-              </a:lnSpc>
-              <a:spcBef>
-                <a:spcPts val="400"/>
-              </a:spcBef>
-            </a:pPr>
-            <a:r>
-              <a:rPr b="0" lang="es-ES" sz="2000" spc="-1" strike="noStrike">
-                <a:solidFill>
-                  <a:srgbClr val="5e6264"/>
-                </a:solidFill>
-                <a:latin typeface="Arial"/>
-                <a:ea typeface="DejaVu Sans"/>
-              </a:rPr>
-              <a:t>&gt;https://www.getpostman.com/docs/v6/postman/launching_postman/installation_and_updates</a:t>
-            </a:r>
-            <a:endParaRPr b="0" lang="es-ES" sz="2000" spc="-1" strike="noStrike">
-              <a:latin typeface="Arial"/>
-            </a:endParaRPr>
-          </a:p>
-          <a:p>
-            <a:pPr>
-              <a:lnSpc>
-                <a:spcPct val="100000"/>
-              </a:lnSpc>
-              <a:spcBef>
-                <a:spcPts val="400"/>
-              </a:spcBef>
-            </a:pPr>
-            <a:endParaRPr b="0" lang="es-ES" sz="2000" spc="-1" strike="noStrike">
-              <a:latin typeface="Arial"/>
-            </a:endParaRPr>
-          </a:p>
-        </p:txBody>
-      </p:sp>
-      <p:sp>
-        <p:nvSpPr>
-          <p:cNvPr id="237" name="CustomShape 2"/>
+        </p:txBody>
+      </p:sp>
+      <p:sp>
+        <p:nvSpPr>
+          <p:cNvPr id="227" name="CustomShape 2"/>
           <p:cNvSpPr/>
           <p:nvPr/>
         </p:nvSpPr>
         <p:spPr>
           <a:xfrm>
             <a:off x="457200" y="192240"/>
-            <a:ext cx="7192080" cy="846720"/>
+            <a:ext cx="7191720" cy="846360"/>
           </a:xfrm>
           <a:prstGeom prst="rect">
             <a:avLst/>
@@ -11229,7 +10154,7 @@
                 <a:latin typeface="Arial"/>
                 <a:ea typeface="DejaVu Sans"/>
               </a:rPr>
-              <a:t>Instalar Postman</a:t>
+              <a:t>Composer</a:t>
             </a:r>
             <a:endParaRPr b="0" lang="es-ES" sz="3000" spc="-1" strike="noStrike">
               <a:latin typeface="Arial"/>
@@ -11239,14 +10164,14 @@
       </p:sp>
       <p:sp>
         <p:nvSpPr>
-          <p:cNvPr id="238" name="CustomShape 3"/>
+          <p:cNvPr id="228" name="CustomShape 3"/>
           <p:cNvSpPr/>
           <p:nvPr/>
         </p:nvSpPr>
         <p:spPr>
           <a:xfrm>
             <a:off x="395640" y="6520320"/>
-            <a:ext cx="357480" cy="218520"/>
+            <a:ext cx="357120" cy="218160"/>
           </a:xfrm>
           <a:prstGeom prst="rect">
             <a:avLst/>
@@ -11270,7 +10195,7 @@
                 <a:spcPct val="100000"/>
               </a:lnSpc>
             </a:pPr>
-            <a:fld id="{597563F0-9265-401C-B208-53591FB72C6F}" type="slidenum">
+            <a:fld id="{89D5FD03-5AAF-43FB-8D6E-43E09EB39D33}" type="slidenum">
               <a:rPr b="1" lang="es-ES" sz="800" spc="-1" strike="noStrike">
                 <a:solidFill>
                   <a:srgbClr val="004569"/>
@@ -11281,6 +10206,229 @@
               <a:t>&lt;número&gt;</a:t>
             </a:fld>
             <a:endParaRPr b="0" lang="es-ES" sz="800" spc="-1" strike="noStrike">
+              <a:latin typeface="Arial"/>
+            </a:endParaRPr>
+          </a:p>
+        </p:txBody>
+      </p:sp>
+      <p:sp>
+        <p:nvSpPr>
+          <p:cNvPr id="229" name="CustomShape 4"/>
+          <p:cNvSpPr/>
+          <p:nvPr/>
+        </p:nvSpPr>
+        <p:spPr>
+          <a:xfrm>
+            <a:off x="2365920" y="2594520"/>
+            <a:ext cx="3368880" cy="363600"/>
+          </a:xfrm>
+          <a:prstGeom prst="rect">
+            <a:avLst/>
+          </a:prstGeom>
+          <a:noFill/>
+          <a:ln>
+            <a:noFill/>
+          </a:ln>
+        </p:spPr>
+        <p:style>
+          <a:lnRef idx="0"/>
+          <a:fillRef idx="0"/>
+          <a:effectRef idx="0"/>
+          <a:fontRef idx="minor"/>
+        </p:style>
+        <p:txBody>
+          <a:bodyPr lIns="90000" rIns="90000" tIns="45000" bIns="45000"/>
+          <a:p>
+            <a:pPr algn="ctr">
+              <a:lnSpc>
+                <a:spcPct val="100000"/>
+              </a:lnSpc>
+            </a:pPr>
+            <a:r>
+              <a:rPr b="0" lang="es-ES" sz="1800" spc="-1" strike="noStrike">
+                <a:solidFill>
+                  <a:srgbClr val="2b2d2e"/>
+                </a:solidFill>
+                <a:latin typeface="Arial"/>
+                <a:ea typeface="DejaVu Sans"/>
+              </a:rPr>
+              <a:t>https://getcomposer.org</a:t>
+            </a:r>
+            <a:endParaRPr b="0" lang="es-ES" sz="1800" spc="-1" strike="noStrike">
+              <a:latin typeface="Arial"/>
+            </a:endParaRPr>
+          </a:p>
+        </p:txBody>
+      </p:sp>
+      <p:pic>
+        <p:nvPicPr>
+          <p:cNvPr id="230" name="Picture 7" descr=""/>
+          <p:cNvPicPr/>
+          <p:nvPr/>
+        </p:nvPicPr>
+        <p:blipFill>
+          <a:blip r:embed="rId1"/>
+          <a:stretch/>
+        </p:blipFill>
+        <p:spPr>
+          <a:xfrm>
+            <a:off x="3166200" y="248040"/>
+            <a:ext cx="1768680" cy="2164320"/>
+          </a:xfrm>
+          <a:prstGeom prst="rect">
+            <a:avLst/>
+          </a:prstGeom>
+          <a:ln>
+            <a:noFill/>
+          </a:ln>
+        </p:spPr>
+      </p:pic>
+      <p:sp>
+        <p:nvSpPr>
+          <p:cNvPr id="231" name="CustomShape 5"/>
+          <p:cNvSpPr/>
+          <p:nvPr/>
+        </p:nvSpPr>
+        <p:spPr>
+          <a:xfrm>
+            <a:off x="262800" y="3337560"/>
+            <a:ext cx="8386920" cy="2648880"/>
+          </a:xfrm>
+          <a:prstGeom prst="rect">
+            <a:avLst/>
+          </a:prstGeom>
+          <a:noFill/>
+          <a:ln>
+            <a:noFill/>
+          </a:ln>
+        </p:spPr>
+        <p:style>
+          <a:lnRef idx="0"/>
+          <a:fillRef idx="0"/>
+          <a:effectRef idx="0"/>
+          <a:fontRef idx="minor"/>
+        </p:style>
+        <p:txBody>
+          <a:bodyPr lIns="90000" rIns="90000" tIns="45000" bIns="45000"/>
+          <a:p>
+            <a:pPr algn="ctr">
+              <a:lnSpc>
+                <a:spcPct val="100000"/>
+              </a:lnSpc>
+            </a:pPr>
+            <a:r>
+              <a:rPr b="0" lang="es-ES" sz="2400" spc="-1" strike="noStrike">
+                <a:solidFill>
+                  <a:srgbClr val="2b2d2e"/>
+                </a:solidFill>
+                <a:latin typeface="Arial"/>
+                <a:ea typeface="DejaVu Sans"/>
+              </a:rPr>
+              <a:t>Ejemplo en Linux – ubuntu</a:t>
+            </a:r>
+            <a:endParaRPr b="0" lang="es-ES" sz="2400" spc="-1" strike="noStrike">
+              <a:latin typeface="Arial"/>
+            </a:endParaRPr>
+          </a:p>
+          <a:p>
+            <a:pPr algn="ctr">
+              <a:lnSpc>
+                <a:spcPct val="100000"/>
+              </a:lnSpc>
+            </a:pPr>
+            <a:endParaRPr b="0" lang="es-ES" sz="2400" spc="-1" strike="noStrike">
+              <a:latin typeface="Arial"/>
+            </a:endParaRPr>
+          </a:p>
+          <a:p>
+            <a:pPr algn="ctr">
+              <a:lnSpc>
+                <a:spcPct val="100000"/>
+              </a:lnSpc>
+            </a:pPr>
+            <a:r>
+              <a:rPr b="0" lang="es-ES" sz="2400" spc="-1" strike="noStrike">
+                <a:solidFill>
+                  <a:srgbClr val="2b2d2e"/>
+                </a:solidFill>
+                <a:latin typeface="Arial"/>
+                <a:ea typeface="DejaVu Sans"/>
+              </a:rPr>
+              <a:t>curl -sS </a:t>
+            </a:r>
+            <a:r>
+              <a:rPr b="0" lang="es-ES" sz="2400" spc="-1" strike="noStrike" u="sng">
+                <a:solidFill>
+                  <a:srgbClr val="0000ff"/>
+                </a:solidFill>
+                <a:uFillTx/>
+                <a:latin typeface="Arial"/>
+                <a:ea typeface="DejaVu Sans"/>
+                <a:hlinkClick r:id="rId2"/>
+              </a:rPr>
+              <a:t>https://getcomposer.org/installer</a:t>
+            </a:r>
+            <a:r>
+              <a:rPr b="0" lang="es-ES" sz="2400" spc="-1" strike="noStrike">
+                <a:solidFill>
+                  <a:srgbClr val="2b2d2e"/>
+                </a:solidFill>
+                <a:latin typeface="Arial"/>
+                <a:ea typeface="DejaVu Sans"/>
+              </a:rPr>
+              <a:t> | php</a:t>
+            </a:r>
+            <a:endParaRPr b="0" lang="es-ES" sz="2400" spc="-1" strike="noStrike">
+              <a:latin typeface="Arial"/>
+            </a:endParaRPr>
+          </a:p>
+          <a:p>
+            <a:pPr algn="ctr">
+              <a:lnSpc>
+                <a:spcPct val="100000"/>
+              </a:lnSpc>
+            </a:pPr>
+            <a:endParaRPr b="0" lang="es-ES" sz="2400" spc="-1" strike="noStrike">
+              <a:latin typeface="Arial"/>
+            </a:endParaRPr>
+          </a:p>
+          <a:p>
+            <a:pPr algn="ctr">
+              <a:lnSpc>
+                <a:spcPct val="100000"/>
+              </a:lnSpc>
+            </a:pPr>
+            <a:r>
+              <a:rPr b="0" lang="es-ES" sz="2400" spc="-1" strike="noStrike">
+                <a:solidFill>
+                  <a:srgbClr val="2b2d2e"/>
+                </a:solidFill>
+                <a:latin typeface="Arial"/>
+                <a:ea typeface="DejaVu Sans"/>
+              </a:rPr>
+              <a:t>sudo mv ~/composer.phar /usr/local/bin/composer</a:t>
+            </a:r>
+            <a:endParaRPr b="0" lang="es-ES" sz="2400" spc="-1" strike="noStrike">
+              <a:latin typeface="Arial"/>
+            </a:endParaRPr>
+          </a:p>
+          <a:p>
+            <a:pPr algn="ctr">
+              <a:lnSpc>
+                <a:spcPct val="100000"/>
+              </a:lnSpc>
+            </a:pPr>
+            <a:endParaRPr b="0" lang="es-ES" sz="2400" spc="-1" strike="noStrike">
+              <a:latin typeface="Arial"/>
+            </a:endParaRPr>
+          </a:p>
+          <a:p>
+            <a:pPr algn="ctr">
+              <a:lnSpc>
+                <a:spcPct val="100000"/>
+              </a:lnSpc>
+            </a:pPr>
+            <a:endParaRPr b="0" lang="es-ES" sz="2400" spc="-1" strike="noStrike">
               <a:latin typeface="Arial"/>
             </a:endParaRPr>
           </a:p>
@@ -11337,20 +10485,20 @@
       </p:grpSpPr>
       <p:sp>
         <p:nvSpPr>
-          <p:cNvPr id="239" name="CustomShape 1"/>
+          <p:cNvPr id="232" name="CustomShape 1"/>
           <p:cNvSpPr/>
           <p:nvPr/>
         </p:nvSpPr>
         <p:spPr>
           <a:xfrm>
-            <a:off x="457200" y="192240"/>
-            <a:ext cx="7192080" cy="846720"/>
+            <a:off x="457200" y="1385640"/>
+            <a:ext cx="8207640" cy="4916160"/>
           </a:xfrm>
           <a:prstGeom prst="rect">
             <a:avLst/>
           </a:prstGeom>
           <a:noFill/>
-          <a:ln w="9360">
+          <a:ln>
             <a:noFill/>
           </a:ln>
         </p:spPr>
@@ -11361,45 +10509,110 @@
           <a:fontRef idx="minor"/>
         </p:style>
         <p:txBody>
-          <a:bodyPr lIns="90000" rIns="90000" tIns="45000" bIns="45000" anchor="b"/>
+          <a:bodyPr lIns="90000" rIns="90000" tIns="45000" bIns="45000"/>
           <a:p>
             <a:pPr>
               <a:lnSpc>
                 <a:spcPct val="100000"/>
               </a:lnSpc>
-            </a:pPr>
-            <a:r>
-              <a:rPr b="0" lang="es-ES" sz="3000" spc="-1" strike="noStrike">
-                <a:solidFill>
-                  <a:srgbClr val="004569"/>
-                </a:solidFill>
-                <a:latin typeface="Arial"/>
-                <a:ea typeface="DejaVu Sans"/>
-              </a:rPr>
-              <a:t>Directorios </a:t>
-            </a:r>
-            <a:endParaRPr b="0" lang="es-ES" sz="3000" spc="-1" strike="noStrike">
-              <a:latin typeface="Arial"/>
-            </a:endParaRPr>
-          </a:p>
-        </p:txBody>
-      </p:sp>
-      <p:sp>
-        <p:nvSpPr>
-          <p:cNvPr id="240" name="CustomShape 2"/>
+              <a:spcBef>
+                <a:spcPts val="360"/>
+              </a:spcBef>
+            </a:pPr>
+            <a:endParaRPr b="0" lang="es-ES" sz="1800" spc="-1" strike="noStrike">
+              <a:latin typeface="Arial"/>
+            </a:endParaRPr>
+          </a:p>
+          <a:p>
+            <a:pPr>
+              <a:lnSpc>
+                <a:spcPct val="100000"/>
+              </a:lnSpc>
+              <a:spcBef>
+                <a:spcPts val="479"/>
+              </a:spcBef>
+            </a:pPr>
+            <a:r>
+              <a:rPr b="0" lang="es-ES" sz="2000" spc="-1" strike="noStrike">
+                <a:solidFill>
+                  <a:srgbClr val="5e6264"/>
+                </a:solidFill>
+                <a:latin typeface="Arial"/>
+                <a:ea typeface="DejaVu Sans"/>
+              </a:rPr>
+              <a:t>&gt;composer create-project slim/slim-skeleton [app-name]</a:t>
+            </a:r>
+            <a:endParaRPr b="0" lang="es-ES" sz="2000" spc="-1" strike="noStrike">
+              <a:latin typeface="Arial"/>
+            </a:endParaRPr>
+          </a:p>
+          <a:p>
+            <a:pPr>
+              <a:lnSpc>
+                <a:spcPct val="100000"/>
+              </a:lnSpc>
+              <a:spcBef>
+                <a:spcPts val="400"/>
+              </a:spcBef>
+            </a:pPr>
+            <a:endParaRPr b="0" lang="es-ES" sz="2000" spc="-1" strike="noStrike">
+              <a:latin typeface="Arial"/>
+            </a:endParaRPr>
+          </a:p>
+          <a:p>
+            <a:pPr>
+              <a:lnSpc>
+                <a:spcPct val="100000"/>
+              </a:lnSpc>
+              <a:spcBef>
+                <a:spcPts val="400"/>
+              </a:spcBef>
+            </a:pPr>
+            <a:r>
+              <a:rPr b="0" lang="es-ES" sz="2000" spc="-1" strike="noStrike">
+                <a:solidFill>
+                  <a:srgbClr val="5e6264"/>
+                </a:solidFill>
+                <a:latin typeface="Arial"/>
+                <a:ea typeface="DejaVu Sans"/>
+              </a:rPr>
+              <a:t>&gt;composer start</a:t>
+            </a:r>
+            <a:endParaRPr b="0" lang="es-ES" sz="2000" spc="-1" strike="noStrike">
+              <a:latin typeface="Arial"/>
+            </a:endParaRPr>
+          </a:p>
+          <a:p>
+            <a:pPr>
+              <a:lnSpc>
+                <a:spcPct val="100000"/>
+              </a:lnSpc>
+              <a:spcBef>
+                <a:spcPts val="400"/>
+              </a:spcBef>
+            </a:pPr>
+            <a:endParaRPr b="0" lang="es-ES" sz="2000" spc="-1" strike="noStrike">
+              <a:latin typeface="Arial"/>
+            </a:endParaRPr>
+          </a:p>
+        </p:txBody>
+      </p:sp>
+      <p:sp>
+        <p:nvSpPr>
+          <p:cNvPr id="233" name="CustomShape 2"/>
           <p:cNvSpPr/>
           <p:nvPr/>
         </p:nvSpPr>
         <p:spPr>
           <a:xfrm>
-            <a:off x="395640" y="6520320"/>
-            <a:ext cx="357480" cy="218520"/>
+            <a:off x="457200" y="192240"/>
+            <a:ext cx="7191720" cy="846360"/>
           </a:xfrm>
           <a:prstGeom prst="rect">
             <a:avLst/>
           </a:prstGeom>
           <a:noFill/>
-          <a:ln>
+          <a:ln w="9360">
             <a:noFill/>
           </a:ln>
         </p:spPr>
@@ -11410,6 +10623,55 @@
           <a:fontRef idx="minor"/>
         </p:style>
         <p:txBody>
+          <a:bodyPr lIns="90000" rIns="90000" tIns="45000" bIns="45000" anchor="b"/>
+          <a:p>
+            <a:pPr>
+              <a:lnSpc>
+                <a:spcPct val="100000"/>
+              </a:lnSpc>
+            </a:pPr>
+            <a:r>
+              <a:rPr b="0" lang="es-ES" sz="3000" spc="-1" strike="noStrike">
+                <a:solidFill>
+                  <a:srgbClr val="004569"/>
+                </a:solidFill>
+                <a:latin typeface="Arial"/>
+                <a:ea typeface="DejaVu Sans"/>
+              </a:rPr>
+              <a:t>Instalar Slim Skeleton</a:t>
+            </a:r>
+            <a:endParaRPr b="0" lang="es-ES" sz="3000" spc="-1" strike="noStrike">
+              <a:latin typeface="Arial"/>
+            </a:endParaRPr>
+          </a:p>
+        </p:txBody>
+      </p:sp>
+      <p:sp>
+        <p:nvSpPr>
+          <p:cNvPr id="234" name="CustomShape 3"/>
+          <p:cNvSpPr/>
+          <p:nvPr/>
+        </p:nvSpPr>
+        <p:spPr>
+          <a:xfrm>
+            <a:off x="395640" y="6520320"/>
+            <a:ext cx="357120" cy="218160"/>
+          </a:xfrm>
+          <a:prstGeom prst="rect">
+            <a:avLst/>
+          </a:prstGeom>
+          <a:noFill/>
+          <a:ln>
+            <a:noFill/>
+          </a:ln>
+        </p:spPr>
+        <p:style>
+          <a:lnRef idx="0"/>
+          <a:fillRef idx="0"/>
+          <a:effectRef idx="0"/>
+          <a:fontRef idx="minor"/>
+        </p:style>
+        <p:txBody>
           <a:bodyPr lIns="90000" rIns="90000" tIns="45000" bIns="45000" anchor="ctr"/>
           <a:p>
             <a:pPr algn="r">
@@ -11417,7 +10679,7 @@
                 <a:spcPct val="100000"/>
               </a:lnSpc>
             </a:pPr>
-            <a:fld id="{ACE7F807-194A-45CB-AC15-D62241BAC8EA}" type="slidenum">
+            <a:fld id="{B6B3D6B3-7A95-497F-A3EC-7AFEB4D2F119}" type="slidenum">
               <a:rPr b="1" lang="es-ES" sz="800" spc="-1" strike="noStrike">
                 <a:solidFill>
                   <a:srgbClr val="004569"/>
@@ -11433,29 +10695,6 @@
           </a:p>
         </p:txBody>
       </p:sp>
-      <p:pic>
-        <p:nvPicPr>
-          <p:cNvPr id="241" name="" descr=""/>
-          <p:cNvPicPr/>
-          <p:nvPr/>
-        </p:nvPicPr>
-        <p:blipFill>
-          <a:blip r:embed="rId1"/>
-          <a:stretch/>
-        </p:blipFill>
-        <p:spPr>
-          <a:xfrm>
-            <a:off x="2664000" y="1296000"/>
-            <a:ext cx="4127760" cy="4824000"/>
-          </a:xfrm>
-          <a:prstGeom prst="rect">
-            <a:avLst/>
-          </a:prstGeom>
-          <a:ln>
-            <a:noFill/>
-          </a:ln>
-        </p:spPr>
-      </p:pic>
     </p:spTree>
   </p:cSld>
   <p:timing>
@@ -11507,14 +10746,14 @@
       </p:grpSpPr>
       <p:sp>
         <p:nvSpPr>
-          <p:cNvPr id="242" name="CustomShape 1"/>
+          <p:cNvPr id="235" name="CustomShape 1"/>
           <p:cNvSpPr/>
           <p:nvPr/>
         </p:nvSpPr>
         <p:spPr>
           <a:xfrm>
             <a:off x="457200" y="1385640"/>
-            <a:ext cx="8208000" cy="4916520"/>
+            <a:ext cx="8207640" cy="4916160"/>
           </a:xfrm>
           <a:prstGeom prst="rect">
             <a:avLst/>
@@ -11551,7 +10790,7 @@
                 <a:spcPct val="100000"/>
               </a:lnSpc>
               <a:spcBef>
-                <a:spcPts val="400"/>
+                <a:spcPts val="479"/>
               </a:spcBef>
             </a:pPr>
             <a:r>
@@ -11562,18 +10801,7 @@
                 <a:latin typeface="Arial"/>
                 <a:ea typeface="DejaVu Sans"/>
               </a:rPr>
-              <a:t>&gt;Validación: </a:t>
-            </a:r>
-            <a:r>
-              <a:rPr b="0" lang="es-ES" sz="2000" spc="-1" strike="noStrike">
-                <a:solidFill>
-                  <a:srgbClr val="5e6264"/>
-                </a:solidFill>
-                <a:latin typeface="Arial"/>
-                <a:ea typeface="DejaVu Sans"/>
-                <a:hlinkClick r:id="rId1"/>
-              </a:rPr>
-              <a:t>https://github.com/DavidePastore/Slim-Validation</a:t>
+              <a:t>&gt;composer require illuminate/database</a:t>
             </a:r>
             <a:endParaRPr b="0" lang="es-ES" sz="2000" spc="-1" strike="noStrike">
               <a:latin typeface="Arial"/>
@@ -11588,16 +10816,6 @@
                 <a:spcPts val="400"/>
               </a:spcBef>
             </a:pPr>
-            <a:r>
-              <a:rPr b="0" lang="es-ES" sz="2000" spc="-1" strike="noStrike">
-                <a:solidFill>
-                  <a:srgbClr val="5e6264"/>
-                </a:solidFill>
-                <a:latin typeface="Arial"/>
-                <a:ea typeface="DejaVu Sans"/>
-              </a:rPr>
-              <a:t>&gt;Eloquent cheat sheet: http://laragems.com/post/eloquent-cheat-sheet</a:t>
-            </a:r>
             <a:endParaRPr b="0" lang="es-ES" sz="2000" spc="-1" strike="noStrike">
               <a:latin typeface="Arial"/>
             </a:endParaRPr>
@@ -11611,22 +10829,411 @@
                 <a:spcPts val="400"/>
               </a:spcBef>
             </a:pPr>
+            <a:r>
+              <a:rPr b="0" lang="es-ES" sz="2000" spc="-1" strike="noStrike">
+                <a:solidFill>
+                  <a:srgbClr val="5e6264"/>
+                </a:solidFill>
+                <a:latin typeface="Arial"/>
+                <a:ea typeface="DejaVu Sans"/>
+              </a:rPr>
+              <a:t>&gt;agregar en src/settings.php</a:t>
+            </a:r>
             <a:endParaRPr b="0" lang="es-ES" sz="2000" spc="-1" strike="noStrike">
               <a:latin typeface="Arial"/>
             </a:endParaRPr>
           </a:p>
-        </p:txBody>
-      </p:sp>
-      <p:sp>
-        <p:nvSpPr>
-          <p:cNvPr id="243" name="CustomShape 2"/>
+          <a:p>
+            <a:pPr>
+              <a:lnSpc>
+                <a:spcPct val="100000"/>
+              </a:lnSpc>
+              <a:spcBef>
+                <a:spcPts val="400"/>
+              </a:spcBef>
+            </a:pPr>
+            <a:endParaRPr b="0" lang="es-ES" sz="2000" spc="-1" strike="noStrike">
+              <a:latin typeface="Arial"/>
+            </a:endParaRPr>
+          </a:p>
+          <a:p>
+            <a:pPr>
+              <a:lnSpc>
+                <a:spcPct val="100000"/>
+              </a:lnSpc>
+              <a:spcBef>
+                <a:spcPts val="400"/>
+              </a:spcBef>
+            </a:pPr>
+            <a:r>
+              <a:rPr b="0" lang="es-ES" sz="1600" spc="-1" strike="noStrike">
+                <a:solidFill>
+                  <a:srgbClr val="5e6264"/>
+                </a:solidFill>
+                <a:latin typeface="Arial"/>
+                <a:ea typeface="DejaVu Sans"/>
+              </a:rPr>
+              <a:t>// Database connection settings</a:t>
+            </a:r>
+            <a:endParaRPr b="0" lang="es-ES" sz="1600" spc="-1" strike="noStrike">
+              <a:latin typeface="Arial"/>
+            </a:endParaRPr>
+          </a:p>
+          <a:p>
+            <a:pPr>
+              <a:lnSpc>
+                <a:spcPct val="100000"/>
+              </a:lnSpc>
+              <a:spcBef>
+                <a:spcPts val="400"/>
+              </a:spcBef>
+            </a:pPr>
+            <a:r>
+              <a:rPr b="0" lang="es-ES" sz="1600" spc="-1" strike="noStrike">
+                <a:solidFill>
+                  <a:srgbClr val="5e6264"/>
+                </a:solidFill>
+                <a:latin typeface="Arial"/>
+                <a:ea typeface="DejaVu Sans"/>
+              </a:rPr>
+              <a:t>         </a:t>
+            </a:r>
+            <a:r>
+              <a:rPr b="0" lang="es-ES" sz="1600" spc="-1" strike="noStrike">
+                <a:solidFill>
+                  <a:srgbClr val="5e6264"/>
+                </a:solidFill>
+                <a:latin typeface="Arial"/>
+                <a:ea typeface="DejaVu Sans"/>
+              </a:rPr>
+              <a:t>"db" =&gt; [</a:t>
+            </a:r>
+            <a:endParaRPr b="0" lang="es-ES" sz="1600" spc="-1" strike="noStrike">
+              <a:latin typeface="Arial"/>
+            </a:endParaRPr>
+          </a:p>
+          <a:p>
+            <a:pPr>
+              <a:lnSpc>
+                <a:spcPct val="100000"/>
+              </a:lnSpc>
+              <a:spcBef>
+                <a:spcPts val="400"/>
+              </a:spcBef>
+            </a:pPr>
+            <a:r>
+              <a:rPr b="0" lang="es-ES" sz="1600" spc="-1" strike="noStrike">
+                <a:solidFill>
+                  <a:srgbClr val="5e6264"/>
+                </a:solidFill>
+                <a:latin typeface="Arial"/>
+                <a:ea typeface="DejaVu Sans"/>
+              </a:rPr>
+              <a:t>            </a:t>
+            </a:r>
+            <a:r>
+              <a:rPr b="0" lang="es-ES" sz="1600" spc="-1" strike="noStrike">
+                <a:solidFill>
+                  <a:srgbClr val="5e6264"/>
+                </a:solidFill>
+                <a:latin typeface="Arial"/>
+                <a:ea typeface="DejaVu Sans"/>
+              </a:rPr>
+              <a:t>'driver' =&gt; 'mysql',</a:t>
+            </a:r>
+            <a:endParaRPr b="0" lang="es-ES" sz="1600" spc="-1" strike="noStrike">
+              <a:latin typeface="Arial"/>
+            </a:endParaRPr>
+          </a:p>
+          <a:p>
+            <a:pPr>
+              <a:lnSpc>
+                <a:spcPct val="100000"/>
+              </a:lnSpc>
+              <a:spcBef>
+                <a:spcPts val="400"/>
+              </a:spcBef>
+            </a:pPr>
+            <a:r>
+              <a:rPr b="0" lang="es-ES" sz="1600" spc="-1" strike="noStrike">
+                <a:solidFill>
+                  <a:srgbClr val="5e6264"/>
+                </a:solidFill>
+                <a:latin typeface="Arial"/>
+                <a:ea typeface="DejaVu Sans"/>
+              </a:rPr>
+              <a:t>            </a:t>
+            </a:r>
+            <a:r>
+              <a:rPr b="0" lang="es-ES" sz="1600" spc="-1" strike="noStrike">
+                <a:solidFill>
+                  <a:srgbClr val="5e6264"/>
+                </a:solidFill>
+                <a:latin typeface="Arial"/>
+                <a:ea typeface="DejaVu Sans"/>
+              </a:rPr>
+              <a:t>'host' =&gt; '127.0.0.1',</a:t>
+            </a:r>
+            <a:endParaRPr b="0" lang="es-ES" sz="1600" spc="-1" strike="noStrike">
+              <a:latin typeface="Arial"/>
+            </a:endParaRPr>
+          </a:p>
+          <a:p>
+            <a:pPr>
+              <a:lnSpc>
+                <a:spcPct val="100000"/>
+              </a:lnSpc>
+              <a:spcBef>
+                <a:spcPts val="400"/>
+              </a:spcBef>
+            </a:pPr>
+            <a:r>
+              <a:rPr b="0" lang="es-ES" sz="1600" spc="-1" strike="noStrike">
+                <a:solidFill>
+                  <a:srgbClr val="5e6264"/>
+                </a:solidFill>
+                <a:latin typeface="Arial"/>
+                <a:ea typeface="DejaVu Sans"/>
+              </a:rPr>
+              <a:t>            </a:t>
+            </a:r>
+            <a:r>
+              <a:rPr b="0" lang="es-ES" sz="1600" spc="-1" strike="noStrike">
+                <a:solidFill>
+                  <a:srgbClr val="5e6264"/>
+                </a:solidFill>
+                <a:latin typeface="Arial"/>
+                <a:ea typeface="DejaVu Sans"/>
+              </a:rPr>
+              <a:t>'database' =&gt; 'nombre_db',</a:t>
+            </a:r>
+            <a:endParaRPr b="0" lang="es-ES" sz="1600" spc="-1" strike="noStrike">
+              <a:latin typeface="Arial"/>
+            </a:endParaRPr>
+          </a:p>
+          <a:p>
+            <a:pPr>
+              <a:lnSpc>
+                <a:spcPct val="100000"/>
+              </a:lnSpc>
+              <a:spcBef>
+                <a:spcPts val="400"/>
+              </a:spcBef>
+            </a:pPr>
+            <a:r>
+              <a:rPr b="0" lang="es-ES" sz="1600" spc="-1" strike="noStrike">
+                <a:solidFill>
+                  <a:srgbClr val="5e6264"/>
+                </a:solidFill>
+                <a:latin typeface="Arial"/>
+                <a:ea typeface="DejaVu Sans"/>
+              </a:rPr>
+              <a:t>            </a:t>
+            </a:r>
+            <a:r>
+              <a:rPr b="0" lang="es-ES" sz="1600" spc="-1" strike="noStrike">
+                <a:solidFill>
+                  <a:srgbClr val="5e6264"/>
+                </a:solidFill>
+                <a:latin typeface="Arial"/>
+                <a:ea typeface="DejaVu Sans"/>
+              </a:rPr>
+              <a:t>'username' =&gt; 'root',</a:t>
+            </a:r>
+            <a:endParaRPr b="0" lang="es-ES" sz="1600" spc="-1" strike="noStrike">
+              <a:latin typeface="Arial"/>
+            </a:endParaRPr>
+          </a:p>
+          <a:p>
+            <a:pPr>
+              <a:lnSpc>
+                <a:spcPct val="100000"/>
+              </a:lnSpc>
+              <a:spcBef>
+                <a:spcPts val="400"/>
+              </a:spcBef>
+            </a:pPr>
+            <a:r>
+              <a:rPr b="0" lang="es-ES" sz="1600" spc="-1" strike="noStrike">
+                <a:solidFill>
+                  <a:srgbClr val="5e6264"/>
+                </a:solidFill>
+                <a:latin typeface="Arial"/>
+                <a:ea typeface="DejaVu Sans"/>
+              </a:rPr>
+              <a:t>            </a:t>
+            </a:r>
+            <a:r>
+              <a:rPr b="0" lang="es-ES" sz="1600" spc="-1" strike="noStrike">
+                <a:solidFill>
+                  <a:srgbClr val="5e6264"/>
+                </a:solidFill>
+                <a:latin typeface="Arial"/>
+                <a:ea typeface="DejaVu Sans"/>
+              </a:rPr>
+              <a:t>'password' =&gt; '',</a:t>
+            </a:r>
+            <a:endParaRPr b="0" lang="es-ES" sz="1600" spc="-1" strike="noStrike">
+              <a:latin typeface="Arial"/>
+            </a:endParaRPr>
+          </a:p>
+          <a:p>
+            <a:pPr>
+              <a:lnSpc>
+                <a:spcPct val="100000"/>
+              </a:lnSpc>
+              <a:spcBef>
+                <a:spcPts val="400"/>
+              </a:spcBef>
+            </a:pPr>
+            <a:r>
+              <a:rPr b="0" lang="es-ES" sz="1600" spc="-1" strike="noStrike">
+                <a:solidFill>
+                  <a:srgbClr val="5e6264"/>
+                </a:solidFill>
+                <a:latin typeface="Arial"/>
+                <a:ea typeface="DejaVu Sans"/>
+              </a:rPr>
+              <a:t>            </a:t>
+            </a:r>
+            <a:r>
+              <a:rPr b="0" lang="es-ES" sz="1600" spc="-1" strike="noStrike">
+                <a:solidFill>
+                  <a:srgbClr val="5e6264"/>
+                </a:solidFill>
+                <a:latin typeface="Arial"/>
+                <a:ea typeface="DejaVu Sans"/>
+              </a:rPr>
+              <a:t>'collation' =&gt; 'utf8_general_ci',</a:t>
+            </a:r>
+            <a:endParaRPr b="0" lang="es-ES" sz="1600" spc="-1" strike="noStrike">
+              <a:latin typeface="Arial"/>
+            </a:endParaRPr>
+          </a:p>
+          <a:p>
+            <a:pPr>
+              <a:lnSpc>
+                <a:spcPct val="100000"/>
+              </a:lnSpc>
+              <a:spcBef>
+                <a:spcPts val="400"/>
+              </a:spcBef>
+            </a:pPr>
+            <a:r>
+              <a:rPr b="0" lang="es-ES" sz="1600" spc="-1" strike="noStrike">
+                <a:solidFill>
+                  <a:srgbClr val="5e6264"/>
+                </a:solidFill>
+                <a:latin typeface="Arial"/>
+                <a:ea typeface="DejaVu Sans"/>
+              </a:rPr>
+              <a:t>            </a:t>
+            </a:r>
+            <a:r>
+              <a:rPr b="0" lang="es-ES" sz="1600" spc="-1" strike="noStrike">
+                <a:solidFill>
+                  <a:srgbClr val="5e6264"/>
+                </a:solidFill>
+                <a:latin typeface="Arial"/>
+                <a:ea typeface="DejaVu Sans"/>
+              </a:rPr>
+              <a:t>'charset' =&gt; 'utf8',</a:t>
+            </a:r>
+            <a:endParaRPr b="0" lang="es-ES" sz="1600" spc="-1" strike="noStrike">
+              <a:latin typeface="Arial"/>
+            </a:endParaRPr>
+          </a:p>
+          <a:p>
+            <a:pPr>
+              <a:lnSpc>
+                <a:spcPct val="100000"/>
+              </a:lnSpc>
+              <a:spcBef>
+                <a:spcPts val="400"/>
+              </a:spcBef>
+            </a:pPr>
+            <a:r>
+              <a:rPr b="0" lang="es-ES" sz="1600" spc="-1" strike="noStrike">
+                <a:solidFill>
+                  <a:srgbClr val="5e6264"/>
+                </a:solidFill>
+                <a:latin typeface="Arial"/>
+                <a:ea typeface="DejaVu Sans"/>
+              </a:rPr>
+              <a:t>            </a:t>
+            </a:r>
+            <a:r>
+              <a:rPr b="0" lang="es-ES" sz="1600" spc="-1" strike="noStrike">
+                <a:solidFill>
+                  <a:srgbClr val="5e6264"/>
+                </a:solidFill>
+                <a:latin typeface="Arial"/>
+                <a:ea typeface="DejaVu Sans"/>
+              </a:rPr>
+              <a:t>'prefix' =&gt; ''</a:t>
+            </a:r>
+            <a:endParaRPr b="0" lang="es-ES" sz="1600" spc="-1" strike="noStrike">
+              <a:latin typeface="Arial"/>
+            </a:endParaRPr>
+          </a:p>
+          <a:p>
+            <a:pPr>
+              <a:lnSpc>
+                <a:spcPct val="100000"/>
+              </a:lnSpc>
+              <a:spcBef>
+                <a:spcPts val="400"/>
+              </a:spcBef>
+            </a:pPr>
+            <a:r>
+              <a:rPr b="0" lang="es-ES" sz="1600" spc="-1" strike="noStrike">
+                <a:solidFill>
+                  <a:srgbClr val="5e6264"/>
+                </a:solidFill>
+                <a:latin typeface="Arial"/>
+                <a:ea typeface="DejaVu Sans"/>
+              </a:rPr>
+              <a:t>        </a:t>
+            </a:r>
+            <a:r>
+              <a:rPr b="0" lang="es-ES" sz="1600" spc="-1" strike="noStrike">
+                <a:solidFill>
+                  <a:srgbClr val="5e6264"/>
+                </a:solidFill>
+                <a:latin typeface="Arial"/>
+                <a:ea typeface="DejaVu Sans"/>
+              </a:rPr>
+              <a:t>],</a:t>
+            </a:r>
+            <a:endParaRPr b="0" lang="es-ES" sz="1600" spc="-1" strike="noStrike">
+              <a:latin typeface="Arial"/>
+            </a:endParaRPr>
+          </a:p>
+          <a:p>
+            <a:pPr>
+              <a:lnSpc>
+                <a:spcPct val="100000"/>
+              </a:lnSpc>
+              <a:spcBef>
+                <a:spcPts val="400"/>
+              </a:spcBef>
+            </a:pPr>
+            <a:endParaRPr b="0" lang="es-ES" sz="1600" spc="-1" strike="noStrike">
+              <a:latin typeface="Arial"/>
+            </a:endParaRPr>
+          </a:p>
+        </p:txBody>
+      </p:sp>
+      <p:sp>
+        <p:nvSpPr>
+          <p:cNvPr id="236" name="CustomShape 2"/>
           <p:cNvSpPr/>
           <p:nvPr/>
         </p:nvSpPr>
         <p:spPr>
           <a:xfrm>
             <a:off x="457200" y="192240"/>
-            <a:ext cx="7192080" cy="846720"/>
+            <a:ext cx="7191720" cy="846360"/>
           </a:xfrm>
           <a:prstGeom prst="rect">
             <a:avLst/>
@@ -11658,7 +11265,7 @@
                 <a:latin typeface="Arial"/>
                 <a:ea typeface="DejaVu Sans"/>
               </a:rPr>
-              <a:t>Más sobre Slim/Eloquent</a:t>
+              <a:t>Instalar Eloquent</a:t>
             </a:r>
             <a:endParaRPr b="0" lang="es-ES" sz="3000" spc="-1" strike="noStrike">
               <a:latin typeface="Arial"/>
@@ -11668,14 +11275,14 @@
       </p:sp>
       <p:sp>
         <p:nvSpPr>
-          <p:cNvPr id="244" name="CustomShape 3"/>
+          <p:cNvPr id="237" name="CustomShape 3"/>
           <p:cNvSpPr/>
           <p:nvPr/>
         </p:nvSpPr>
         <p:spPr>
           <a:xfrm>
             <a:off x="395640" y="6520320"/>
-            <a:ext cx="357480" cy="218520"/>
+            <a:ext cx="357120" cy="218160"/>
           </a:xfrm>
           <a:prstGeom prst="rect">
             <a:avLst/>
@@ -11699,7 +11306,7 @@
                 <a:spcPct val="100000"/>
               </a:lnSpc>
             </a:pPr>
-            <a:fld id="{EAF4B779-79D0-4075-A054-9DC1308B3B62}" type="slidenum">
+            <a:fld id="{06C761C1-6BDB-4717-A3AE-0F38C85ADE67}" type="slidenum">
               <a:rPr b="1" lang="es-ES" sz="800" spc="-1" strike="noStrike">
                 <a:solidFill>
                   <a:srgbClr val="004569"/>
@@ -11766,14 +11373,14 @@
       </p:grpSpPr>
       <p:sp>
         <p:nvSpPr>
-          <p:cNvPr id="245" name="CustomShape 1"/>
+          <p:cNvPr id="238" name="CustomShape 1"/>
           <p:cNvSpPr/>
           <p:nvPr/>
         </p:nvSpPr>
         <p:spPr>
           <a:xfrm>
-            <a:off x="463680" y="2349000"/>
-            <a:ext cx="8213760" cy="2508840"/>
+            <a:off x="457200" y="1385640"/>
+            <a:ext cx="8207640" cy="4916160"/>
           </a:xfrm>
           <a:prstGeom prst="rect">
             <a:avLst/>
@@ -11790,48 +11397,350 @@
           <a:fontRef idx="minor"/>
         </p:style>
         <p:txBody>
-          <a:bodyPr lIns="90000" rIns="90000" tIns="45000" bIns="45000" anchor="ctr"/>
-          <a:p>
-            <a:pPr marL="125640" indent="-177120" algn="ctr">
+          <a:bodyPr lIns="90000" rIns="90000" tIns="45000" bIns="45000"/>
+          <a:p>
+            <a:pPr>
               <a:lnSpc>
                 <a:spcPct val="100000"/>
               </a:lnSpc>
               <a:spcBef>
-                <a:spcPts val="641"/>
+                <a:spcPts val="400"/>
               </a:spcBef>
             </a:pPr>
-            <a:r>
-              <a:rPr b="0" lang="es-ES" sz="3200" spc="-1" strike="noStrike">
-                <a:solidFill>
-                  <a:srgbClr val="ffffff"/>
-                </a:solidFill>
-                <a:latin typeface="Arial"/>
-                <a:ea typeface="DejaVu Sans"/>
-              </a:rPr>
-              <a:t>Muchas Gracias</a:t>
-            </a:r>
-            <a:endParaRPr b="0" lang="es-ES" sz="3200" spc="-1" strike="noStrike">
-              <a:latin typeface="Arial"/>
-            </a:endParaRPr>
-          </a:p>
-        </p:txBody>
-      </p:sp>
-      <p:sp>
-        <p:nvSpPr>
-          <p:cNvPr id="246" name="CustomShape 2"/>
+            <a:endParaRPr b="0" lang="es-ES" sz="1800" spc="-1" strike="noStrike">
+              <a:latin typeface="Arial"/>
+            </a:endParaRPr>
+          </a:p>
+          <a:p>
+            <a:pPr>
+              <a:lnSpc>
+                <a:spcPct val="100000"/>
+              </a:lnSpc>
+              <a:spcBef>
+                <a:spcPts val="400"/>
+              </a:spcBef>
+            </a:pPr>
+            <a:r>
+              <a:rPr b="0" lang="es-ES" sz="2000" spc="-1" strike="noStrike">
+                <a:solidFill>
+                  <a:srgbClr val="5e6264"/>
+                </a:solidFill>
+                <a:latin typeface="Arial"/>
+                <a:ea typeface="DejaVu Sans"/>
+              </a:rPr>
+              <a:t>&gt;agregar en public/index.php</a:t>
+            </a:r>
+            <a:endParaRPr b="0" lang="es-ES" sz="2000" spc="-1" strike="noStrike">
+              <a:latin typeface="Arial"/>
+            </a:endParaRPr>
+          </a:p>
+          <a:p>
+            <a:pPr>
+              <a:lnSpc>
+                <a:spcPct val="100000"/>
+              </a:lnSpc>
+              <a:spcBef>
+                <a:spcPts val="400"/>
+              </a:spcBef>
+            </a:pPr>
+            <a:endParaRPr b="0" lang="es-ES" sz="2000" spc="-1" strike="noStrike">
+              <a:latin typeface="Arial"/>
+            </a:endParaRPr>
+          </a:p>
+          <a:p>
+            <a:pPr>
+              <a:lnSpc>
+                <a:spcPct val="100000"/>
+              </a:lnSpc>
+              <a:spcBef>
+                <a:spcPts val="400"/>
+              </a:spcBef>
+            </a:pPr>
+            <a:r>
+              <a:rPr b="0" lang="es-ES" sz="1600" spc="-1" strike="noStrike">
+                <a:solidFill>
+                  <a:srgbClr val="5e6264"/>
+                </a:solidFill>
+                <a:latin typeface="Arial"/>
+                <a:ea typeface="DejaVu Sans"/>
+              </a:rPr>
+              <a:t>// Register routes</a:t>
+            </a:r>
+            <a:endParaRPr b="0" lang="es-ES" sz="1600" spc="-1" strike="noStrike">
+              <a:latin typeface="Arial"/>
+            </a:endParaRPr>
+          </a:p>
+          <a:p>
+            <a:pPr>
+              <a:lnSpc>
+                <a:spcPct val="100000"/>
+              </a:lnSpc>
+              <a:spcBef>
+                <a:spcPts val="400"/>
+              </a:spcBef>
+            </a:pPr>
+            <a:r>
+              <a:rPr b="0" lang="es-ES" sz="1600" spc="-1" strike="noStrike">
+                <a:solidFill>
+                  <a:srgbClr val="5e6264"/>
+                </a:solidFill>
+                <a:latin typeface="Arial"/>
+                <a:ea typeface="DejaVu Sans"/>
+              </a:rPr>
+              <a:t>require __DIR__ . '/../src/routes.php';</a:t>
+            </a:r>
+            <a:endParaRPr b="0" lang="es-ES" sz="1600" spc="-1" strike="noStrike">
+              <a:latin typeface="Arial"/>
+            </a:endParaRPr>
+          </a:p>
+          <a:p>
+            <a:pPr>
+              <a:lnSpc>
+                <a:spcPct val="100000"/>
+              </a:lnSpc>
+              <a:spcBef>
+                <a:spcPts val="400"/>
+              </a:spcBef>
+            </a:pPr>
+            <a:r>
+              <a:rPr b="0" lang="es-ES" sz="1600" spc="-1" strike="noStrike">
+                <a:solidFill>
+                  <a:srgbClr val="5e6264"/>
+                </a:solidFill>
+                <a:latin typeface="Arial"/>
+                <a:ea typeface="DejaVu Sans"/>
+              </a:rPr>
+              <a:t>//desde acá</a:t>
+            </a:r>
+            <a:endParaRPr b="0" lang="es-ES" sz="1600" spc="-1" strike="noStrike">
+              <a:latin typeface="Arial"/>
+            </a:endParaRPr>
+          </a:p>
+          <a:p>
+            <a:pPr>
+              <a:lnSpc>
+                <a:spcPct val="100000"/>
+              </a:lnSpc>
+              <a:spcBef>
+                <a:spcPts val="400"/>
+              </a:spcBef>
+            </a:pPr>
+            <a:r>
+              <a:rPr b="0" lang="es-ES" sz="1600" spc="-1" strike="noStrike">
+                <a:solidFill>
+                  <a:srgbClr val="5e6264"/>
+                </a:solidFill>
+                <a:latin typeface="Arial"/>
+                <a:ea typeface="DejaVu Sans"/>
+              </a:rPr>
+              <a:t>$container = $app-&gt;getContainer();</a:t>
+            </a:r>
+            <a:endParaRPr b="0" lang="es-ES" sz="1600" spc="-1" strike="noStrike">
+              <a:latin typeface="Arial"/>
+            </a:endParaRPr>
+          </a:p>
+          <a:p>
+            <a:pPr>
+              <a:lnSpc>
+                <a:spcPct val="100000"/>
+              </a:lnSpc>
+              <a:spcBef>
+                <a:spcPts val="400"/>
+              </a:spcBef>
+            </a:pPr>
+            <a:r>
+              <a:rPr b="0" lang="es-ES" sz="1600" spc="-1" strike="noStrike">
+                <a:solidFill>
+                  <a:srgbClr val="5e6264"/>
+                </a:solidFill>
+                <a:latin typeface="Arial"/>
+                <a:ea typeface="DejaVu Sans"/>
+              </a:rPr>
+              <a:t>$dbSettings = $container-&gt;get('settings')['db'];</a:t>
+            </a:r>
+            <a:endParaRPr b="0" lang="es-ES" sz="1600" spc="-1" strike="noStrike">
+              <a:latin typeface="Arial"/>
+            </a:endParaRPr>
+          </a:p>
+          <a:p>
+            <a:pPr>
+              <a:lnSpc>
+                <a:spcPct val="100000"/>
+              </a:lnSpc>
+              <a:spcBef>
+                <a:spcPts val="400"/>
+              </a:spcBef>
+            </a:pPr>
+            <a:r>
+              <a:rPr b="0" lang="es-ES" sz="1600" spc="-1" strike="noStrike">
+                <a:solidFill>
+                  <a:srgbClr val="5e6264"/>
+                </a:solidFill>
+                <a:latin typeface="Arial"/>
+                <a:ea typeface="DejaVu Sans"/>
+              </a:rPr>
+              <a:t>$capsule = new Illuminate\Database\Capsule\Manager;</a:t>
+            </a:r>
+            <a:endParaRPr b="0" lang="es-ES" sz="1600" spc="-1" strike="noStrike">
+              <a:latin typeface="Arial"/>
+            </a:endParaRPr>
+          </a:p>
+          <a:p>
+            <a:pPr>
+              <a:lnSpc>
+                <a:spcPct val="100000"/>
+              </a:lnSpc>
+              <a:spcBef>
+                <a:spcPts val="400"/>
+              </a:spcBef>
+            </a:pPr>
+            <a:r>
+              <a:rPr b="0" lang="es-ES" sz="1600" spc="-1" strike="noStrike">
+                <a:solidFill>
+                  <a:srgbClr val="5e6264"/>
+                </a:solidFill>
+                <a:latin typeface="Arial"/>
+                <a:ea typeface="DejaVu Sans"/>
+              </a:rPr>
+              <a:t>$capsule-&gt;addConnection($dbSettings);</a:t>
+            </a:r>
+            <a:endParaRPr b="0" lang="es-ES" sz="1600" spc="-1" strike="noStrike">
+              <a:latin typeface="Arial"/>
+            </a:endParaRPr>
+          </a:p>
+          <a:p>
+            <a:pPr>
+              <a:lnSpc>
+                <a:spcPct val="100000"/>
+              </a:lnSpc>
+              <a:spcBef>
+                <a:spcPts val="400"/>
+              </a:spcBef>
+            </a:pPr>
+            <a:r>
+              <a:rPr b="0" lang="es-ES" sz="1600" spc="-1" strike="noStrike">
+                <a:solidFill>
+                  <a:srgbClr val="5e6264"/>
+                </a:solidFill>
+                <a:latin typeface="Arial"/>
+                <a:ea typeface="DejaVu Sans"/>
+              </a:rPr>
+              <a:t>$capsule-&gt;bootEloquent();</a:t>
+            </a:r>
+            <a:endParaRPr b="0" lang="es-ES" sz="1600" spc="-1" strike="noStrike">
+              <a:latin typeface="Arial"/>
+            </a:endParaRPr>
+          </a:p>
+          <a:p>
+            <a:pPr>
+              <a:lnSpc>
+                <a:spcPct val="100000"/>
+              </a:lnSpc>
+              <a:spcBef>
+                <a:spcPts val="400"/>
+              </a:spcBef>
+            </a:pPr>
+            <a:r>
+              <a:rPr b="0" lang="es-ES" sz="1600" spc="-1" strike="noStrike">
+                <a:solidFill>
+                  <a:srgbClr val="5e6264"/>
+                </a:solidFill>
+                <a:latin typeface="Arial"/>
+                <a:ea typeface="DejaVu Sans"/>
+              </a:rPr>
+              <a:t>$capsule-&gt;setAsGlobal();</a:t>
+            </a:r>
+            <a:endParaRPr b="0" lang="es-ES" sz="1600" spc="-1" strike="noStrike">
+              <a:latin typeface="Arial"/>
+            </a:endParaRPr>
+          </a:p>
+          <a:p>
+            <a:pPr>
+              <a:lnSpc>
+                <a:spcPct val="100000"/>
+              </a:lnSpc>
+              <a:spcBef>
+                <a:spcPts val="400"/>
+              </a:spcBef>
+            </a:pPr>
+            <a:r>
+              <a:rPr b="0" lang="es-ES" sz="1600" spc="-1" strike="noStrike">
+                <a:solidFill>
+                  <a:srgbClr val="5e6264"/>
+                </a:solidFill>
+                <a:latin typeface="Arial"/>
+                <a:ea typeface="DejaVu Sans"/>
+              </a:rPr>
+              <a:t>//hasta acá </a:t>
+            </a:r>
+            <a:endParaRPr b="0" lang="es-ES" sz="1600" spc="-1" strike="noStrike">
+              <a:latin typeface="Arial"/>
+            </a:endParaRPr>
+          </a:p>
+          <a:p>
+            <a:pPr>
+              <a:lnSpc>
+                <a:spcPct val="100000"/>
+              </a:lnSpc>
+              <a:spcBef>
+                <a:spcPts val="400"/>
+              </a:spcBef>
+            </a:pPr>
+            <a:r>
+              <a:rPr b="0" lang="es-ES" sz="1600" spc="-1" strike="noStrike">
+                <a:solidFill>
+                  <a:srgbClr val="5e6264"/>
+                </a:solidFill>
+                <a:latin typeface="Arial"/>
+                <a:ea typeface="DejaVu Sans"/>
+              </a:rPr>
+              <a:t>// Run app</a:t>
+            </a:r>
+            <a:endParaRPr b="0" lang="es-ES" sz="1600" spc="-1" strike="noStrike">
+              <a:latin typeface="Arial"/>
+            </a:endParaRPr>
+          </a:p>
+          <a:p>
+            <a:pPr>
+              <a:lnSpc>
+                <a:spcPct val="100000"/>
+              </a:lnSpc>
+              <a:spcBef>
+                <a:spcPts val="400"/>
+              </a:spcBef>
+            </a:pPr>
+            <a:r>
+              <a:rPr b="0" lang="es-ES" sz="1600" spc="-1" strike="noStrike">
+                <a:solidFill>
+                  <a:srgbClr val="5e6264"/>
+                </a:solidFill>
+                <a:latin typeface="Arial"/>
+                <a:ea typeface="DejaVu Sans"/>
+              </a:rPr>
+              <a:t>$app-&gt;run();</a:t>
+            </a:r>
+            <a:endParaRPr b="0" lang="es-ES" sz="1600" spc="-1" strike="noStrike">
+              <a:latin typeface="Arial"/>
+            </a:endParaRPr>
+          </a:p>
+        </p:txBody>
+      </p:sp>
+      <p:sp>
+        <p:nvSpPr>
+          <p:cNvPr id="239" name="CustomShape 2"/>
           <p:cNvSpPr/>
           <p:nvPr/>
         </p:nvSpPr>
         <p:spPr>
           <a:xfrm>
-            <a:off x="395640" y="6520320"/>
-            <a:ext cx="357480" cy="218520"/>
+            <a:off x="457200" y="192240"/>
+            <a:ext cx="7191720" cy="846360"/>
           </a:xfrm>
           <a:prstGeom prst="rect">
             <a:avLst/>
           </a:prstGeom>
           <a:noFill/>
-          <a:ln>
+          <a:ln w="9360">
             <a:noFill/>
           </a:ln>
         </p:spPr>
@@ -11842,39 +11751,39 @@
           <a:fontRef idx="minor"/>
         </p:style>
         <p:txBody>
-          <a:bodyPr lIns="90000" rIns="90000" tIns="45000" bIns="45000" anchor="ctr"/>
-          <a:p>
-            <a:pPr algn="r">
+          <a:bodyPr lIns="90000" rIns="90000" tIns="45000" bIns="45000" anchor="b"/>
+          <a:p>
+            <a:pPr>
               <a:lnSpc>
                 <a:spcPct val="100000"/>
               </a:lnSpc>
             </a:pPr>
-            <a:fld id="{6DEEA5F7-A6F4-4B03-A4A0-495F0E6CB1C0}" type="slidenum">
-              <a:rPr b="1" lang="es-ES" sz="800" spc="-1" strike="noStrike">
+            <a:r>
+              <a:rPr b="0" lang="es-ES" sz="3000" spc="-1" strike="noStrike">
                 <a:solidFill>
                   <a:srgbClr val="004569"/>
                 </a:solidFill>
                 <a:latin typeface="Arial"/>
                 <a:ea typeface="DejaVu Sans"/>
               </a:rPr>
-              <a:t>&lt;número&gt;</a:t>
-            </a:fld>
-            <a:endParaRPr b="0" lang="es-ES" sz="800" spc="-1" strike="noStrike">
-              <a:latin typeface="Arial"/>
-            </a:endParaRPr>
-          </a:p>
-        </p:txBody>
-      </p:sp>
-      <p:sp>
-        <p:nvSpPr>
-          <p:cNvPr id="247" name="CustomShape 3"/>
+              <a:t>Instalar Eloquent</a:t>
+            </a:r>
+            <a:endParaRPr b="0" lang="es-ES" sz="3000" spc="-1" strike="noStrike">
+              <a:latin typeface="Arial"/>
+            </a:endParaRPr>
+          </a:p>
+        </p:txBody>
+      </p:sp>
+      <p:sp>
+        <p:nvSpPr>
+          <p:cNvPr id="240" name="CustomShape 3"/>
           <p:cNvSpPr/>
           <p:nvPr/>
         </p:nvSpPr>
         <p:spPr>
           <a:xfrm>
-            <a:off x="1906560" y="5105520"/>
-            <a:ext cx="4997880" cy="1643400"/>
+            <a:off x="395640" y="6520320"/>
+            <a:ext cx="357120" cy="218160"/>
           </a:xfrm>
           <a:prstGeom prst="rect">
             <a:avLst/>
@@ -11891,74 +11800,24 @@
           <a:fontRef idx="minor"/>
         </p:style>
         <p:txBody>
-          <a:bodyPr lIns="90000" rIns="90000" tIns="45000" bIns="45000"/>
-          <a:p>
-            <a:pPr algn="ctr">
+          <a:bodyPr lIns="90000" rIns="90000" tIns="45000" bIns="45000" anchor="ctr"/>
+          <a:p>
+            <a:pPr algn="r">
               <a:lnSpc>
                 <a:spcPct val="100000"/>
               </a:lnSpc>
             </a:pPr>
-            <a:r>
-              <a:rPr b="1" lang="es-ES" sz="1800" spc="-1" strike="noStrike">
-                <a:solidFill>
-                  <a:srgbClr val="000000"/>
-                </a:solidFill>
-                <a:latin typeface="Arial"/>
-                <a:ea typeface="DejaVu Sans"/>
-              </a:rPr>
-              <a:t>Pablo E. Santiago Recagno| Desarrollador web </a:t>
-            </a:r>
-            <a:endParaRPr b="0" lang="es-ES" sz="1800" spc="-1" strike="noStrike">
-              <a:latin typeface="Arial"/>
-            </a:endParaRPr>
-          </a:p>
-          <a:p>
-            <a:pPr algn="ctr">
-              <a:lnSpc>
-                <a:spcPct val="100000"/>
-              </a:lnSpc>
-            </a:pPr>
-            <a:r>
-              <a:rPr b="0" lang="es-ES" sz="1800" spc="-1" strike="noStrike">
-                <a:solidFill>
-                  <a:srgbClr val="000000"/>
-                </a:solidFill>
-                <a:latin typeface="Arial"/>
-                <a:ea typeface="DejaVu Sans"/>
-              </a:rPr>
-              <a:t>Softtek | Maipú 942 Piso 5° | Ciudad Autonoma de Buenos Aires </a:t>
-            </a:r>
-            <a:endParaRPr b="0" lang="es-ES" sz="1800" spc="-1" strike="noStrike">
-              <a:latin typeface="Arial"/>
-            </a:endParaRPr>
-          </a:p>
-          <a:p>
-            <a:pPr algn="ctr">
-              <a:lnSpc>
-                <a:spcPct val="100000"/>
-              </a:lnSpc>
-            </a:pPr>
-            <a:r>
-              <a:rPr b="0" lang="es-ES" sz="2200" spc="-1" strike="noStrike">
-                <a:solidFill>
-                  <a:srgbClr val="000000"/>
-                </a:solidFill>
-                <a:latin typeface="Arial"/>
-                <a:ea typeface="DejaVu Sans"/>
-              </a:rPr>
-              <a:t>pablo.santiago@softtek.com</a:t>
-            </a:r>
-            <a:endParaRPr b="0" lang="es-ES" sz="2200" spc="-1" strike="noStrike">
-              <a:latin typeface="Arial"/>
-            </a:endParaRPr>
-          </a:p>
-          <a:p>
-            <a:pPr algn="ctr">
-              <a:lnSpc>
-                <a:spcPct val="100000"/>
-              </a:lnSpc>
-            </a:pPr>
-            <a:endParaRPr b="0" lang="es-ES" sz="2200" spc="-1" strike="noStrike">
+            <a:fld id="{8C5B320E-E86F-4DAA-9DA4-6859473305A7}" type="slidenum">
+              <a:rPr b="1" lang="es-ES" sz="800" spc="-1" strike="noStrike">
+                <a:solidFill>
+                  <a:srgbClr val="004569"/>
+                </a:solidFill>
+                <a:latin typeface="Arial"/>
+                <a:ea typeface="DejaVu Sans"/>
+              </a:rPr>
+              <a:t>&lt;número&gt;</a:t>
+            </a:fld>
+            <a:endParaRPr b="0" lang="es-ES" sz="800" spc="-1" strike="noStrike">
               <a:latin typeface="Arial"/>
             </a:endParaRPr>
           </a:p>
@@ -12013,6 +11872,182 @@
           <a:chExt cx="0" cy="0"/>
         </a:xfrm>
       </p:grpSpPr>
+      <p:sp>
+        <p:nvSpPr>
+          <p:cNvPr id="241" name="CustomShape 1"/>
+          <p:cNvSpPr/>
+          <p:nvPr/>
+        </p:nvSpPr>
+        <p:spPr>
+          <a:xfrm>
+            <a:off x="457200" y="1385640"/>
+            <a:ext cx="8207640" cy="4916160"/>
+          </a:xfrm>
+          <a:prstGeom prst="rect">
+            <a:avLst/>
+          </a:prstGeom>
+          <a:noFill/>
+          <a:ln>
+            <a:noFill/>
+          </a:ln>
+        </p:spPr>
+        <p:style>
+          <a:lnRef idx="0"/>
+          <a:fillRef idx="0"/>
+          <a:effectRef idx="0"/>
+          <a:fontRef idx="minor"/>
+        </p:style>
+        <p:txBody>
+          <a:bodyPr lIns="90000" rIns="90000" tIns="45000" bIns="45000"/>
+          <a:p>
+            <a:pPr>
+              <a:lnSpc>
+                <a:spcPct val="100000"/>
+              </a:lnSpc>
+              <a:spcBef>
+                <a:spcPts val="360"/>
+              </a:spcBef>
+            </a:pPr>
+            <a:endParaRPr b="0" lang="es-ES" sz="1800" spc="-1" strike="noStrike">
+              <a:latin typeface="Arial"/>
+            </a:endParaRPr>
+          </a:p>
+          <a:p>
+            <a:pPr>
+              <a:lnSpc>
+                <a:spcPct val="100000"/>
+              </a:lnSpc>
+              <a:spcBef>
+                <a:spcPts val="400"/>
+              </a:spcBef>
+            </a:pPr>
+            <a:r>
+              <a:rPr b="0" lang="es-ES" sz="2000" spc="-1" strike="noStrike">
+                <a:solidFill>
+                  <a:srgbClr val="5e6264"/>
+                </a:solidFill>
+                <a:latin typeface="Arial"/>
+                <a:ea typeface="DejaVu Sans"/>
+              </a:rPr>
+              <a:t>&gt;https://www.getpostman.com/docs/v6/postman/launching_postman/installation_and_updates</a:t>
+            </a:r>
+            <a:endParaRPr b="0" lang="es-ES" sz="2000" spc="-1" strike="noStrike">
+              <a:latin typeface="Arial"/>
+            </a:endParaRPr>
+          </a:p>
+          <a:p>
+            <a:pPr>
+              <a:lnSpc>
+                <a:spcPct val="100000"/>
+              </a:lnSpc>
+              <a:spcBef>
+                <a:spcPts val="400"/>
+              </a:spcBef>
+            </a:pPr>
+            <a:endParaRPr b="0" lang="es-ES" sz="2000" spc="-1" strike="noStrike">
+              <a:latin typeface="Arial"/>
+            </a:endParaRPr>
+          </a:p>
+        </p:txBody>
+      </p:sp>
+      <p:sp>
+        <p:nvSpPr>
+          <p:cNvPr id="242" name="CustomShape 2"/>
+          <p:cNvSpPr/>
+          <p:nvPr/>
+        </p:nvSpPr>
+        <p:spPr>
+          <a:xfrm>
+            <a:off x="457200" y="192240"/>
+            <a:ext cx="7191720" cy="846360"/>
+          </a:xfrm>
+          <a:prstGeom prst="rect">
+            <a:avLst/>
+          </a:prstGeom>
+          <a:noFill/>
+          <a:ln w="9360">
+            <a:noFill/>
+          </a:ln>
+        </p:spPr>
+        <p:style>
+          <a:lnRef idx="0"/>
+          <a:fillRef idx="0"/>
+          <a:effectRef idx="0"/>
+          <a:fontRef idx="minor"/>
+        </p:style>
+        <p:txBody>
+          <a:bodyPr lIns="90000" rIns="90000" tIns="45000" bIns="45000" anchor="b"/>
+          <a:p>
+            <a:pPr>
+              <a:lnSpc>
+                <a:spcPct val="100000"/>
+              </a:lnSpc>
+            </a:pPr>
+            <a:r>
+              <a:rPr b="0" lang="es-ES" sz="3000" spc="-1" strike="noStrike">
+                <a:solidFill>
+                  <a:srgbClr val="004569"/>
+                </a:solidFill>
+                <a:latin typeface="Arial"/>
+                <a:ea typeface="DejaVu Sans"/>
+              </a:rPr>
+              <a:t>Instalar Postman</a:t>
+            </a:r>
+            <a:endParaRPr b="0" lang="es-ES" sz="3000" spc="-1" strike="noStrike">
+              <a:latin typeface="Arial"/>
+            </a:endParaRPr>
+          </a:p>
+        </p:txBody>
+      </p:sp>
+      <p:sp>
+        <p:nvSpPr>
+          <p:cNvPr id="243" name="CustomShape 3"/>
+          <p:cNvSpPr/>
+          <p:nvPr/>
+        </p:nvSpPr>
+        <p:spPr>
+          <a:xfrm>
+            <a:off x="395640" y="6520320"/>
+            <a:ext cx="357120" cy="218160"/>
+          </a:xfrm>
+          <a:prstGeom prst="rect">
+            <a:avLst/>
+          </a:prstGeom>
+          <a:noFill/>
+          <a:ln>
+            <a:noFill/>
+          </a:ln>
+        </p:spPr>
+        <p:style>
+          <a:lnRef idx="0"/>
+          <a:fillRef idx="0"/>
+          <a:effectRef idx="0"/>
+          <a:fontRef idx="minor"/>
+        </p:style>
+        <p:txBody>
+          <a:bodyPr lIns="90000" rIns="90000" tIns="45000" bIns="45000" anchor="ctr"/>
+          <a:p>
+            <a:pPr algn="r">
+              <a:lnSpc>
+                <a:spcPct val="100000"/>
+              </a:lnSpc>
+            </a:pPr>
+            <a:fld id="{95A79AFE-A2B5-4DB6-B2BE-3AD9DD30F51F}" type="slidenum">
+              <a:rPr b="1" lang="es-ES" sz="800" spc="-1" strike="noStrike">
+                <a:solidFill>
+                  <a:srgbClr val="004569"/>
+                </a:solidFill>
+                <a:latin typeface="Arial"/>
+                <a:ea typeface="DejaVu Sans"/>
+              </a:rPr>
+              <a:t>&lt;número&gt;</a:t>
+            </a:fld>
+            <a:endParaRPr b="0" lang="es-ES" sz="800" spc="-1" strike="noStrike">
+              <a:latin typeface="Arial"/>
+            </a:endParaRPr>
+          </a:p>
+        </p:txBody>
+      </p:sp>
     </p:spTree>
   </p:cSld>
   <p:timing>
@@ -12071,7 +12106,7 @@
         <p:spPr>
           <a:xfrm>
             <a:off x="526320" y="1152000"/>
-            <a:ext cx="8400600" cy="3826800"/>
+            <a:ext cx="8400240" cy="3826440"/>
           </a:xfrm>
           <a:prstGeom prst="rect">
             <a:avLst/>
@@ -12219,20 +12254,20 @@
       </p:grpSpPr>
       <p:sp>
         <p:nvSpPr>
-          <p:cNvPr id="248" name="CustomShape 1"/>
+          <p:cNvPr id="244" name="CustomShape 1"/>
           <p:cNvSpPr/>
           <p:nvPr/>
         </p:nvSpPr>
         <p:spPr>
           <a:xfrm>
-            <a:off x="467640" y="620640"/>
-            <a:ext cx="4101840" cy="2949840"/>
+            <a:off x="457200" y="192240"/>
+            <a:ext cx="7191720" cy="846360"/>
           </a:xfrm>
           <a:prstGeom prst="rect">
             <a:avLst/>
           </a:prstGeom>
           <a:noFill/>
-          <a:ln>
+          <a:ln w="9360">
             <a:noFill/>
           </a:ln>
         </p:spPr>
@@ -12243,29 +12278,101 @@
           <a:fontRef idx="minor"/>
         </p:style>
         <p:txBody>
-          <a:bodyPr lIns="90000" rIns="90000" tIns="45000" bIns="45000"/>
+          <a:bodyPr lIns="90000" rIns="90000" tIns="45000" bIns="45000" anchor="b"/>
           <a:p>
             <a:pPr>
               <a:lnSpc>
-                <a:spcPct val="80000"/>
-              </a:lnSpc>
-            </a:pPr>
-            <a:r>
-              <a:rPr b="0" lang="es-ES" sz="4400" spc="-1" strike="noStrike">
-                <a:solidFill>
-                  <a:srgbClr val="ffffff"/>
-                </a:solidFill>
-                <a:latin typeface="Arial"/>
-                <a:ea typeface="DejaVu Sans"/>
-              </a:rPr>
-              <a:t>Examen</a:t>
-            </a:r>
-            <a:endParaRPr b="0" lang="es-ES" sz="4400" spc="-1" strike="noStrike">
-              <a:latin typeface="Arial"/>
-            </a:endParaRPr>
-          </a:p>
-        </p:txBody>
-      </p:sp>
+                <a:spcPct val="100000"/>
+              </a:lnSpc>
+            </a:pPr>
+            <a:r>
+              <a:rPr b="0" lang="es-ES" sz="3000" spc="-1" strike="noStrike">
+                <a:solidFill>
+                  <a:srgbClr val="004569"/>
+                </a:solidFill>
+                <a:latin typeface="Arial"/>
+                <a:ea typeface="DejaVu Sans"/>
+              </a:rPr>
+              <a:t>Directorios </a:t>
+            </a:r>
+            <a:endParaRPr b="0" lang="es-ES" sz="3000" spc="-1" strike="noStrike">
+              <a:latin typeface="Arial"/>
+            </a:endParaRPr>
+          </a:p>
+        </p:txBody>
+      </p:sp>
+      <p:sp>
+        <p:nvSpPr>
+          <p:cNvPr id="245" name="CustomShape 2"/>
+          <p:cNvSpPr/>
+          <p:nvPr/>
+        </p:nvSpPr>
+        <p:spPr>
+          <a:xfrm>
+            <a:off x="395640" y="6520320"/>
+            <a:ext cx="357120" cy="218160"/>
+          </a:xfrm>
+          <a:prstGeom prst="rect">
+            <a:avLst/>
+          </a:prstGeom>
+          <a:noFill/>
+          <a:ln>
+            <a:noFill/>
+          </a:ln>
+        </p:spPr>
+        <p:style>
+          <a:lnRef idx="0"/>
+          <a:fillRef idx="0"/>
+          <a:effectRef idx="0"/>
+          <a:fontRef idx="minor"/>
+        </p:style>
+        <p:txBody>
+          <a:bodyPr lIns="90000" rIns="90000" tIns="45000" bIns="45000" anchor="ctr"/>
+          <a:p>
+            <a:pPr algn="r">
+              <a:lnSpc>
+                <a:spcPct val="100000"/>
+              </a:lnSpc>
+            </a:pPr>
+            <a:fld id="{AC7022B8-7AFE-4715-834B-86E2DB08421E}" type="slidenum">
+              <a:rPr b="1" lang="es-ES" sz="800" spc="-1" strike="noStrike">
+                <a:solidFill>
+                  <a:srgbClr val="004569"/>
+                </a:solidFill>
+                <a:latin typeface="Arial"/>
+                <a:ea typeface="DejaVu Sans"/>
+              </a:rPr>
+              <a:t>&lt;número&gt;</a:t>
+            </a:fld>
+            <a:endParaRPr b="0" lang="es-ES" sz="800" spc="-1" strike="noStrike">
+              <a:latin typeface="Arial"/>
+            </a:endParaRPr>
+          </a:p>
+        </p:txBody>
+      </p:sp>
+      <p:pic>
+        <p:nvPicPr>
+          <p:cNvPr id="246" name="" descr=""/>
+          <p:cNvPicPr/>
+          <p:nvPr/>
+        </p:nvPicPr>
+        <p:blipFill>
+          <a:blip r:embed="rId1"/>
+          <a:stretch/>
+        </p:blipFill>
+        <p:spPr>
+          <a:xfrm>
+            <a:off x="2664000" y="1296000"/>
+            <a:ext cx="4127400" cy="4823640"/>
+          </a:xfrm>
+          <a:prstGeom prst="rect">
+            <a:avLst/>
+          </a:prstGeom>
+          <a:ln>
+            <a:noFill/>
+          </a:ln>
+        </p:spPr>
+      </p:pic>
     </p:spTree>
   </p:cSld>
   <p:timing>
@@ -12317,14 +12424,14 @@
       </p:grpSpPr>
       <p:sp>
         <p:nvSpPr>
-          <p:cNvPr id="249" name="CustomShape 1"/>
+          <p:cNvPr id="247" name="CustomShape 1"/>
           <p:cNvSpPr/>
           <p:nvPr/>
         </p:nvSpPr>
         <p:spPr>
           <a:xfrm>
-            <a:off x="311400" y="923040"/>
-            <a:ext cx="8504640" cy="5738760"/>
+            <a:off x="457200" y="1385640"/>
+            <a:ext cx="8207640" cy="4916160"/>
           </a:xfrm>
           <a:prstGeom prst="rect">
             <a:avLst/>
@@ -12351,17 +12458,42 @@
                 <a:spcPts val="360"/>
               </a:spcBef>
             </a:pPr>
-            <a:r>
-              <a:rPr b="0" lang="es-ES" sz="1800" spc="-1" strike="noStrike">
+            <a:endParaRPr b="0" lang="es-ES" sz="1800" spc="-1" strike="noStrike">
+              <a:latin typeface="Arial"/>
+            </a:endParaRPr>
+          </a:p>
+          <a:p>
+            <a:pPr>
+              <a:lnSpc>
+                <a:spcPct val="100000"/>
+              </a:lnSpc>
+              <a:spcBef>
+                <a:spcPts val="400"/>
+              </a:spcBef>
+            </a:pPr>
+            <a:r>
+              <a:rPr b="0" lang="es-ES" sz="2000" spc="-1" strike="noStrike">
                 <a:solidFill>
                   <a:srgbClr val="5e6264"/>
                 </a:solidFill>
                 <a:latin typeface="Arial"/>
                 <a:ea typeface="DejaVu Sans"/>
               </a:rPr>
-              <a:t>Elegir alguna de las siguientes opciones para realizar las preguntas, ejemplos:</a:t>
-            </a:r>
-            <a:endParaRPr b="0" lang="es-ES" sz="1800" spc="-1" strike="noStrike">
+              <a:t>&gt;Validación: </a:t>
+            </a:r>
+            <a:r>
+              <a:rPr b="0" lang="es-ES" sz="2000" spc="-1" strike="noStrike" u="sng">
+                <a:solidFill>
+                  <a:srgbClr val="0000ff"/>
+                </a:solidFill>
+                <a:uFillTx/>
+                <a:latin typeface="Arial"/>
+                <a:ea typeface="DejaVu Sans"/>
+                <a:hlinkClick r:id="rId1"/>
+              </a:rPr>
+              <a:t>https://github.com/DavidePastore/Slim-Validation</a:t>
+            </a:r>
+            <a:endParaRPr b="0" lang="es-ES" sz="2000" spc="-1" strike="noStrike">
               <a:latin typeface="Arial"/>
             </a:endParaRPr>
           </a:p>
@@ -12371,610 +12503,48 @@
                 <a:spcPct val="100000"/>
               </a:lnSpc>
               <a:spcBef>
-                <a:spcPts val="320"/>
+                <a:spcPts val="400"/>
               </a:spcBef>
             </a:pPr>
             <a:r>
-              <a:rPr b="0" lang="es-ES" sz="1600" spc="-1" strike="noStrike" u="sng">
+              <a:rPr b="0" lang="es-ES" sz="2000" spc="-1" strike="noStrike">
                 <a:solidFill>
                   <a:srgbClr val="5e6264"/>
                 </a:solidFill>
-                <a:uFillTx/>
-                <a:latin typeface="Arial"/>
-                <a:ea typeface="DejaVu Sans"/>
-              </a:rPr>
-              <a:t>Pregunta 1</a:t>
-            </a:r>
-            <a:r>
-              <a:rPr b="0" lang="es-ES" sz="1600" spc="-1" strike="noStrike">
-                <a:solidFill>
-                  <a:srgbClr val="5e6264"/>
-                </a:solidFill>
-                <a:latin typeface="Arial"/>
-                <a:ea typeface="DejaVu Sans"/>
-              </a:rPr>
-              <a:t>: ¿Qué es Artisan?, Seleccione la rta correcta</a:t>
-            </a:r>
-            <a:endParaRPr b="0" lang="es-ES" sz="1600" spc="-1" strike="noStrike">
-              <a:latin typeface="Arial"/>
-            </a:endParaRPr>
-          </a:p>
-          <a:p>
-            <a:pPr lvl="1" marL="539640" indent="-177120">
+                <a:latin typeface="Arial"/>
+                <a:ea typeface="DejaVu Sans"/>
+              </a:rPr>
+              <a:t>&gt;Eloquent cheat sheet: http://laragems.com/post/eloquent-cheat-sheet</a:t>
+            </a:r>
+            <a:endParaRPr b="0" lang="es-ES" sz="2000" spc="-1" strike="noStrike">
+              <a:latin typeface="Arial"/>
+            </a:endParaRPr>
+          </a:p>
+          <a:p>
+            <a:pPr>
               <a:lnSpc>
                 <a:spcPct val="100000"/>
               </a:lnSpc>
               <a:spcBef>
-                <a:spcPts val="320"/>
+                <a:spcPts val="400"/>
               </a:spcBef>
-              <a:buClr>
-                <a:srgbClr val="5e6264"/>
-              </a:buClr>
-              <a:buFont typeface="Arial Rounded MT Bold"/>
-              <a:buChar char="›"/>
-            </a:pPr>
-            <a:r>
-              <a:rPr b="0" lang="es-ES" sz="1600" spc="-1" strike="noStrike">
-                <a:solidFill>
-                  <a:srgbClr val="5e6264"/>
-                </a:solidFill>
-                <a:latin typeface="Arial"/>
-                <a:ea typeface="DejaVu Sans"/>
-              </a:rPr>
-              <a:t> </a:t>
-            </a:r>
-            <a:r>
-              <a:rPr b="0" lang="es-ES" sz="1600" spc="-1" strike="noStrike">
-                <a:solidFill>
-                  <a:srgbClr val="5e6264"/>
-                </a:solidFill>
-                <a:latin typeface="Arial"/>
-                <a:ea typeface="DejaVu Sans"/>
-              </a:rPr>
-              <a:t>A   -  un framework</a:t>
-            </a:r>
-            <a:endParaRPr b="0" lang="es-ES" sz="1600" spc="-1" strike="noStrike">
-              <a:latin typeface="Arial"/>
-            </a:endParaRPr>
-          </a:p>
-          <a:p>
-            <a:pPr lvl="1" marL="539640" indent="-177120">
-              <a:lnSpc>
-                <a:spcPct val="100000"/>
-              </a:lnSpc>
-              <a:spcBef>
-                <a:spcPts val="320"/>
-              </a:spcBef>
-              <a:buClr>
-                <a:srgbClr val="5e6264"/>
-              </a:buClr>
-              <a:buFont typeface="Arial Rounded MT Bold"/>
-              <a:buChar char="›"/>
-            </a:pPr>
-            <a:r>
-              <a:rPr b="0" lang="es-ES" sz="1600" spc="-1" strike="noStrike">
-                <a:solidFill>
-                  <a:srgbClr val="5e6264"/>
-                </a:solidFill>
-                <a:latin typeface="Arial"/>
-                <a:ea typeface="DejaVu Sans"/>
-              </a:rPr>
-              <a:t> </a:t>
-            </a:r>
-            <a:r>
-              <a:rPr b="0" lang="es-ES" sz="1600" spc="-1" strike="noStrike">
-                <a:solidFill>
-                  <a:srgbClr val="5e6264"/>
-                </a:solidFill>
-                <a:latin typeface="Arial"/>
-                <a:ea typeface="DejaVu Sans"/>
-              </a:rPr>
-              <a:t>B  - una Interfaz de Linea de Comandos (CLI)</a:t>
-            </a:r>
-            <a:endParaRPr b="0" lang="es-ES" sz="1600" spc="-1" strike="noStrike">
-              <a:latin typeface="Arial"/>
-            </a:endParaRPr>
-          </a:p>
-          <a:p>
-            <a:pPr lvl="1" marL="539640" indent="-177120">
-              <a:lnSpc>
-                <a:spcPct val="100000"/>
-              </a:lnSpc>
-              <a:spcBef>
-                <a:spcPts val="320"/>
-              </a:spcBef>
-              <a:buClr>
-                <a:srgbClr val="5e6264"/>
-              </a:buClr>
-              <a:buFont typeface="Arial Rounded MT Bold"/>
-              <a:buChar char="›"/>
-            </a:pPr>
-            <a:r>
-              <a:rPr b="0" lang="es-ES" sz="1600" spc="-1" strike="noStrike">
-                <a:solidFill>
-                  <a:srgbClr val="5e6264"/>
-                </a:solidFill>
-                <a:latin typeface="Arial"/>
-                <a:ea typeface="DejaVu Sans"/>
-              </a:rPr>
-              <a:t> </a:t>
-            </a:r>
-            <a:r>
-              <a:rPr b="0" lang="es-ES" sz="1600" spc="-1" strike="noStrike">
-                <a:solidFill>
-                  <a:srgbClr val="5e6264"/>
-                </a:solidFill>
-                <a:latin typeface="Arial"/>
-                <a:ea typeface="DejaVu Sans"/>
-              </a:rPr>
-              <a:t>C - un lenguaje de programacion</a:t>
-            </a:r>
-            <a:endParaRPr b="0" lang="es-ES" sz="1600" spc="-1" strike="noStrike">
-              <a:latin typeface="Arial"/>
-            </a:endParaRPr>
-          </a:p>
-          <a:p>
-            <a:pPr>
-              <a:lnSpc>
-                <a:spcPct val="100000"/>
-              </a:lnSpc>
-              <a:spcBef>
-                <a:spcPts val="320"/>
-              </a:spcBef>
-            </a:pPr>
-            <a:r>
-              <a:rPr b="0" lang="es-ES" sz="1600" spc="-1" strike="noStrike" u="sng">
-                <a:solidFill>
-                  <a:srgbClr val="5e6264"/>
-                </a:solidFill>
-                <a:uFillTx/>
-                <a:latin typeface="Arial"/>
-                <a:ea typeface="DejaVu Sans"/>
-              </a:rPr>
-              <a:t>Pregunta 2</a:t>
-            </a:r>
-            <a:r>
-              <a:rPr b="0" lang="es-ES" sz="1600" spc="-1" strike="noStrike">
-                <a:solidFill>
-                  <a:srgbClr val="5e6264"/>
-                </a:solidFill>
-                <a:latin typeface="Arial"/>
-                <a:ea typeface="DejaVu Sans"/>
-              </a:rPr>
-              <a:t>: , Verdadero o Falso</a:t>
-            </a:r>
-            <a:endParaRPr b="0" lang="es-ES" sz="1600" spc="-1" strike="noStrike">
-              <a:latin typeface="Arial"/>
-            </a:endParaRPr>
-          </a:p>
-          <a:p>
-            <a:pPr lvl="1" marL="539640" indent="-177120">
-              <a:lnSpc>
-                <a:spcPct val="100000"/>
-              </a:lnSpc>
-              <a:spcBef>
-                <a:spcPts val="320"/>
-              </a:spcBef>
-              <a:buClr>
-                <a:srgbClr val="5e6264"/>
-              </a:buClr>
-              <a:buFont typeface="Arial Rounded MT Bold"/>
-              <a:buChar char="›"/>
-            </a:pPr>
-            <a:r>
-              <a:rPr b="0" lang="es-ES" sz="1600" spc="-1" strike="noStrike">
-                <a:solidFill>
-                  <a:srgbClr val="5e6264"/>
-                </a:solidFill>
-                <a:latin typeface="Arial"/>
-                <a:ea typeface="DejaVu Sans"/>
-              </a:rPr>
-              <a:t> </a:t>
-            </a:r>
-            <a:r>
-              <a:rPr b="0" lang="es-ES" sz="1600" spc="-1" strike="noStrike">
-                <a:solidFill>
-                  <a:srgbClr val="5e6264"/>
-                </a:solidFill>
-                <a:latin typeface="Arial"/>
-                <a:ea typeface="DejaVu Sans"/>
-              </a:rPr>
-              <a:t>A - se puede correr laravel sin PHP instalado</a:t>
-            </a:r>
-            <a:endParaRPr b="0" lang="es-ES" sz="1600" spc="-1" strike="noStrike">
-              <a:latin typeface="Arial"/>
-            </a:endParaRPr>
-          </a:p>
-          <a:p>
-            <a:pPr lvl="1" marL="539640" indent="-177120">
-              <a:lnSpc>
-                <a:spcPct val="100000"/>
-              </a:lnSpc>
-              <a:spcBef>
-                <a:spcPts val="320"/>
-              </a:spcBef>
-              <a:buClr>
-                <a:srgbClr val="5e6264"/>
-              </a:buClr>
-              <a:buFont typeface="Arial Rounded MT Bold"/>
-              <a:buChar char="›"/>
-            </a:pPr>
-            <a:r>
-              <a:rPr b="0" lang="es-ES" sz="1600" spc="-1" strike="noStrike">
-                <a:solidFill>
-                  <a:srgbClr val="5e6264"/>
-                </a:solidFill>
-                <a:latin typeface="Arial"/>
-                <a:ea typeface="DejaVu Sans"/>
-              </a:rPr>
-              <a:t> </a:t>
-            </a:r>
-            <a:r>
-              <a:rPr b="0" lang="es-ES" sz="1600" spc="-1" strike="noStrike">
-                <a:solidFill>
-                  <a:srgbClr val="5e6264"/>
-                </a:solidFill>
-                <a:latin typeface="Arial"/>
-                <a:ea typeface="DejaVu Sans"/>
-              </a:rPr>
-              <a:t>B- Eloquent es un ORM active record</a:t>
-            </a:r>
-            <a:endParaRPr b="0" lang="es-ES" sz="1600" spc="-1" strike="noStrike">
-              <a:latin typeface="Arial"/>
-            </a:endParaRPr>
-          </a:p>
-          <a:p>
-            <a:pPr>
-              <a:lnSpc>
-                <a:spcPct val="100000"/>
-              </a:lnSpc>
-              <a:spcBef>
-                <a:spcPts val="320"/>
-              </a:spcBef>
-            </a:pPr>
-            <a:r>
-              <a:rPr b="0" lang="es-ES" sz="1600" spc="-1" strike="noStrike" u="sng">
-                <a:solidFill>
-                  <a:srgbClr val="5e6264"/>
-                </a:solidFill>
-                <a:uFillTx/>
-                <a:latin typeface="Arial"/>
-                <a:ea typeface="DejaVu Sans"/>
-              </a:rPr>
-              <a:t>Pregunta 3</a:t>
-            </a:r>
-            <a:r>
-              <a:rPr b="0" lang="es-ES" sz="1600" spc="-1" strike="noStrike">
-                <a:solidFill>
-                  <a:srgbClr val="5e6264"/>
-                </a:solidFill>
-                <a:latin typeface="Arial"/>
-                <a:ea typeface="DejaVu Sans"/>
-              </a:rPr>
-              <a:t>: ¿Puedo crear controladores usando composer?</a:t>
-            </a:r>
-            <a:endParaRPr b="0" lang="es-ES" sz="1600" spc="-1" strike="noStrike">
-              <a:latin typeface="Arial"/>
-            </a:endParaRPr>
-          </a:p>
-          <a:p>
-            <a:pPr lvl="1" marL="539640" indent="-177120">
-              <a:lnSpc>
-                <a:spcPct val="100000"/>
-              </a:lnSpc>
-              <a:spcBef>
-                <a:spcPts val="320"/>
-              </a:spcBef>
-              <a:buClr>
-                <a:srgbClr val="5e6264"/>
-              </a:buClr>
-              <a:buFont typeface="Arial Rounded MT Bold"/>
-              <a:buChar char="›"/>
-            </a:pPr>
-            <a:r>
-              <a:rPr b="0" lang="es-ES" sz="1600" spc="-1" strike="noStrike">
-                <a:solidFill>
-                  <a:srgbClr val="5e6264"/>
-                </a:solidFill>
-                <a:latin typeface="Arial"/>
-                <a:ea typeface="DejaVu Sans"/>
-              </a:rPr>
-              <a:t> </a:t>
-            </a:r>
-            <a:r>
-              <a:rPr b="0" lang="es-ES" sz="1600" spc="-1" strike="noStrike">
-                <a:solidFill>
-                  <a:srgbClr val="5e6264"/>
-                </a:solidFill>
-                <a:latin typeface="Arial"/>
-                <a:ea typeface="DejaVu Sans"/>
-              </a:rPr>
-              <a:t>SI</a:t>
-            </a:r>
-            <a:endParaRPr b="0" lang="es-ES" sz="1600" spc="-1" strike="noStrike">
-              <a:latin typeface="Arial"/>
-            </a:endParaRPr>
-          </a:p>
-          <a:p>
-            <a:pPr lvl="1" marL="539640" indent="-177120">
-              <a:lnSpc>
-                <a:spcPct val="100000"/>
-              </a:lnSpc>
-              <a:spcBef>
-                <a:spcPts val="320"/>
-              </a:spcBef>
-              <a:buClr>
-                <a:srgbClr val="5e6264"/>
-              </a:buClr>
-              <a:buFont typeface="Arial Rounded MT Bold"/>
-              <a:buChar char="›"/>
-            </a:pPr>
-            <a:r>
-              <a:rPr b="0" lang="es-ES" sz="1600" spc="-1" strike="noStrike">
-                <a:solidFill>
-                  <a:srgbClr val="5e6264"/>
-                </a:solidFill>
-                <a:latin typeface="Arial"/>
-                <a:ea typeface="DejaVu Sans"/>
-              </a:rPr>
-              <a:t> </a:t>
-            </a:r>
-            <a:r>
-              <a:rPr b="0" lang="es-ES" sz="1600" spc="-1" strike="noStrike">
-                <a:solidFill>
-                  <a:srgbClr val="5e6264"/>
-                </a:solidFill>
-                <a:latin typeface="Arial"/>
-                <a:ea typeface="DejaVu Sans"/>
-              </a:rPr>
-              <a:t>NO</a:t>
-            </a:r>
-            <a:endParaRPr b="0" lang="es-ES" sz="1600" spc="-1" strike="noStrike">
-              <a:latin typeface="Arial"/>
-            </a:endParaRPr>
-          </a:p>
-          <a:p>
-            <a:pPr>
-              <a:lnSpc>
-                <a:spcPct val="100000"/>
-              </a:lnSpc>
-              <a:spcBef>
-                <a:spcPts val="320"/>
-              </a:spcBef>
-            </a:pPr>
-            <a:r>
-              <a:rPr b="0" lang="es-ES" sz="1600" spc="-1" strike="noStrike" u="sng">
-                <a:solidFill>
-                  <a:srgbClr val="5e6264"/>
-                </a:solidFill>
-                <a:uFillTx/>
-                <a:latin typeface="Arial"/>
-                <a:ea typeface="DejaVu Sans"/>
-              </a:rPr>
-              <a:t>Pregunta 4</a:t>
-            </a:r>
-            <a:r>
-              <a:rPr b="0" lang="es-ES" sz="1600" spc="-1" strike="noStrike">
-                <a:solidFill>
-                  <a:srgbClr val="5e6264"/>
-                </a:solidFill>
-                <a:latin typeface="Arial"/>
-                <a:ea typeface="DejaVu Sans"/>
-              </a:rPr>
-              <a:t>: ¿Puedo crear controladores usando artisan?</a:t>
-            </a:r>
-            <a:endParaRPr b="0" lang="es-ES" sz="1600" spc="-1" strike="noStrike">
-              <a:latin typeface="Arial"/>
-            </a:endParaRPr>
-          </a:p>
-          <a:p>
-            <a:pPr lvl="1" marL="539640" indent="-177120">
-              <a:lnSpc>
-                <a:spcPct val="100000"/>
-              </a:lnSpc>
-              <a:spcBef>
-                <a:spcPts val="320"/>
-              </a:spcBef>
-              <a:buClr>
-                <a:srgbClr val="5e6264"/>
-              </a:buClr>
-              <a:buFont typeface="Arial Rounded MT Bold"/>
-              <a:buChar char="›"/>
-            </a:pPr>
-            <a:r>
-              <a:rPr b="0" lang="es-ES" sz="1600" spc="-1" strike="noStrike">
-                <a:solidFill>
-                  <a:srgbClr val="5e6264"/>
-                </a:solidFill>
-                <a:latin typeface="Arial"/>
-                <a:ea typeface="DejaVu Sans"/>
-              </a:rPr>
-              <a:t> </a:t>
-            </a:r>
-            <a:r>
-              <a:rPr b="0" lang="es-ES" sz="1600" spc="-1" strike="noStrike">
-                <a:solidFill>
-                  <a:srgbClr val="5e6264"/>
-                </a:solidFill>
-                <a:latin typeface="Arial"/>
-                <a:ea typeface="DejaVu Sans"/>
-              </a:rPr>
-              <a:t>SI</a:t>
-            </a:r>
-            <a:endParaRPr b="0" lang="es-ES" sz="1600" spc="-1" strike="noStrike">
-              <a:latin typeface="Arial"/>
-            </a:endParaRPr>
-          </a:p>
-          <a:p>
-            <a:pPr lvl="1" marL="539640" indent="-177120">
-              <a:lnSpc>
-                <a:spcPct val="100000"/>
-              </a:lnSpc>
-              <a:spcBef>
-                <a:spcPts val="320"/>
-              </a:spcBef>
-              <a:buClr>
-                <a:srgbClr val="5e6264"/>
-              </a:buClr>
-              <a:buFont typeface="Arial Rounded MT Bold"/>
-              <a:buChar char="›"/>
-            </a:pPr>
-            <a:r>
-              <a:rPr b="0" lang="es-ES" sz="1600" spc="-1" strike="noStrike">
-                <a:solidFill>
-                  <a:srgbClr val="5e6264"/>
-                </a:solidFill>
-                <a:latin typeface="Arial"/>
-                <a:ea typeface="DejaVu Sans"/>
-              </a:rPr>
-              <a:t> </a:t>
-            </a:r>
-            <a:r>
-              <a:rPr b="0" lang="es-ES" sz="1600" spc="-1" strike="noStrike">
-                <a:solidFill>
-                  <a:srgbClr val="5e6264"/>
-                </a:solidFill>
-                <a:latin typeface="Arial"/>
-                <a:ea typeface="DejaVu Sans"/>
-              </a:rPr>
-              <a:t>NO</a:t>
-            </a:r>
-            <a:endParaRPr b="0" lang="es-ES" sz="1600" spc="-1" strike="noStrike">
-              <a:latin typeface="Arial"/>
-            </a:endParaRPr>
-          </a:p>
-          <a:p>
-            <a:pPr>
-              <a:lnSpc>
-                <a:spcPct val="100000"/>
-              </a:lnSpc>
-              <a:spcBef>
-                <a:spcPts val="320"/>
-              </a:spcBef>
-            </a:pPr>
-            <a:r>
-              <a:rPr b="0" lang="es-ES" sz="1600" spc="-1" strike="noStrike" u="sng">
-                <a:solidFill>
-                  <a:srgbClr val="5e6264"/>
-                </a:solidFill>
-                <a:uFillTx/>
-                <a:latin typeface="Arial"/>
-                <a:ea typeface="DejaVu Sans"/>
-              </a:rPr>
-              <a:t>Pregunta 5</a:t>
-            </a:r>
-            <a:r>
-              <a:rPr b="0" lang="es-ES" sz="1600" spc="-1" strike="noStrike">
-                <a:solidFill>
-                  <a:srgbClr val="5e6264"/>
-                </a:solidFill>
-                <a:latin typeface="Arial"/>
-                <a:ea typeface="DejaVu Sans"/>
-              </a:rPr>
-              <a:t>: ¿Se pueden tener conexiones MySql, PosgreSql y Ms-SQL en una misma aplicacion? </a:t>
-            </a:r>
-            <a:endParaRPr b="0" lang="es-ES" sz="1600" spc="-1" strike="noStrike">
-              <a:latin typeface="Arial"/>
-            </a:endParaRPr>
-          </a:p>
-          <a:p>
-            <a:pPr lvl="1" marL="539640" indent="-177120">
-              <a:lnSpc>
-                <a:spcPct val="100000"/>
-              </a:lnSpc>
-              <a:spcBef>
-                <a:spcPts val="320"/>
-              </a:spcBef>
-              <a:buClr>
-                <a:srgbClr val="5e6264"/>
-              </a:buClr>
-              <a:buFont typeface="Arial Rounded MT Bold"/>
-              <a:buChar char="›"/>
-            </a:pPr>
-            <a:r>
-              <a:rPr b="0" lang="es-ES" sz="1600" spc="-1" strike="noStrike">
-                <a:solidFill>
-                  <a:srgbClr val="5e6264"/>
-                </a:solidFill>
-                <a:latin typeface="Arial"/>
-                <a:ea typeface="DejaVu Sans"/>
-              </a:rPr>
-              <a:t> </a:t>
-            </a:r>
-            <a:r>
-              <a:rPr b="0" lang="es-ES" sz="1600" spc="-1" strike="noStrike">
-                <a:solidFill>
-                  <a:srgbClr val="5e6264"/>
-                </a:solidFill>
-                <a:latin typeface="Arial"/>
-                <a:ea typeface="DejaVu Sans"/>
-              </a:rPr>
-              <a:t>SI</a:t>
-            </a:r>
-            <a:endParaRPr b="0" lang="es-ES" sz="1600" spc="-1" strike="noStrike">
-              <a:latin typeface="Arial"/>
-            </a:endParaRPr>
-          </a:p>
-          <a:p>
-            <a:pPr lvl="1" marL="539640" indent="-177120">
-              <a:lnSpc>
-                <a:spcPct val="100000"/>
-              </a:lnSpc>
-              <a:spcBef>
-                <a:spcPts val="320"/>
-              </a:spcBef>
-              <a:buClr>
-                <a:srgbClr val="5e6264"/>
-              </a:buClr>
-              <a:buFont typeface="Arial Rounded MT Bold"/>
-              <a:buChar char="›"/>
-            </a:pPr>
-            <a:r>
-              <a:rPr b="0" lang="es-ES" sz="1600" spc="-1" strike="noStrike">
-                <a:solidFill>
-                  <a:srgbClr val="5e6264"/>
-                </a:solidFill>
-                <a:latin typeface="Arial"/>
-                <a:ea typeface="DejaVu Sans"/>
-              </a:rPr>
-              <a:t> </a:t>
-            </a:r>
-            <a:r>
-              <a:rPr b="0" lang="es-ES" sz="1600" spc="-1" strike="noStrike">
-                <a:solidFill>
-                  <a:srgbClr val="5e6264"/>
-                </a:solidFill>
-                <a:latin typeface="Arial"/>
-                <a:ea typeface="DejaVu Sans"/>
-              </a:rPr>
-              <a:t>NO</a:t>
-            </a:r>
-            <a:endParaRPr b="0" lang="es-ES" sz="1600" spc="-1" strike="noStrike">
-              <a:latin typeface="Arial"/>
-            </a:endParaRPr>
-          </a:p>
-          <a:p>
-            <a:pPr>
-              <a:lnSpc>
-                <a:spcPct val="100000"/>
-              </a:lnSpc>
-            </a:pPr>
-            <a:endParaRPr b="0" lang="es-ES" sz="1600" spc="-1" strike="noStrike">
-              <a:latin typeface="Arial"/>
-            </a:endParaRPr>
-          </a:p>
-        </p:txBody>
-      </p:sp>
-      <p:sp>
-        <p:nvSpPr>
-          <p:cNvPr id="250" name="CustomShape 2"/>
+            </a:pPr>
+            <a:endParaRPr b="0" lang="es-ES" sz="2000" spc="-1" strike="noStrike">
+              <a:latin typeface="Arial"/>
+            </a:endParaRPr>
+          </a:p>
+        </p:txBody>
+      </p:sp>
+      <p:sp>
+        <p:nvSpPr>
+          <p:cNvPr id="248" name="CustomShape 2"/>
           <p:cNvSpPr/>
           <p:nvPr/>
         </p:nvSpPr>
         <p:spPr>
           <a:xfrm>
-            <a:off x="496080" y="199800"/>
-            <a:ext cx="4359600" cy="491040"/>
+            <a:off x="457200" y="192240"/>
+            <a:ext cx="7191720" cy="846360"/>
           </a:xfrm>
           <a:prstGeom prst="rect">
             <a:avLst/>
@@ -12999,51 +12569,31 @@
               </a:lnSpc>
             </a:pPr>
             <a:r>
-              <a:rPr b="0" lang="es-ES" sz="2800" spc="-1" strike="noStrike">
+              <a:rPr b="0" lang="es-ES" sz="3000" spc="-1" strike="noStrike">
                 <a:solidFill>
                   <a:srgbClr val="004569"/>
                 </a:solidFill>
                 <a:latin typeface="Arial"/>
                 <a:ea typeface="DejaVu Sans"/>
               </a:rPr>
-              <a:t>Multiple </a:t>
-            </a:r>
-            <a:r>
-              <a:rPr b="0" lang="es-ES" sz="2400" spc="-1" strike="noStrike">
-                <a:solidFill>
-                  <a:srgbClr val="004569"/>
-                </a:solidFill>
-                <a:latin typeface="Arial"/>
-                <a:ea typeface="DejaVu Sans"/>
-              </a:rPr>
-              <a:t>Choice</a:t>
-            </a:r>
-            <a:r>
-              <a:rPr b="0" lang="es-ES" sz="2800" spc="-1" strike="noStrike">
-                <a:solidFill>
-                  <a:srgbClr val="004569"/>
-                </a:solidFill>
-                <a:latin typeface="Arial"/>
-                <a:ea typeface="DejaVu Sans"/>
-              </a:rPr>
-              <a:t>:</a:t>
-            </a:r>
-            <a:endParaRPr b="0" lang="es-ES" sz="2800" spc="-1" strike="noStrike">
-              <a:latin typeface="Arial"/>
-            </a:endParaRPr>
-          </a:p>
-        </p:txBody>
-      </p:sp>
-      <p:sp>
-        <p:nvSpPr>
-          <p:cNvPr id="251" name="CustomShape 3"/>
+              <a:t>Más sobre Slim/Eloquent</a:t>
+            </a:r>
+            <a:endParaRPr b="0" lang="es-ES" sz="3000" spc="-1" strike="noStrike">
+              <a:latin typeface="Arial"/>
+            </a:endParaRPr>
+          </a:p>
+        </p:txBody>
+      </p:sp>
+      <p:sp>
+        <p:nvSpPr>
+          <p:cNvPr id="249" name="CustomShape 3"/>
           <p:cNvSpPr/>
           <p:nvPr/>
         </p:nvSpPr>
         <p:spPr>
           <a:xfrm>
             <a:off x="395640" y="6520320"/>
-            <a:ext cx="357480" cy="218520"/>
+            <a:ext cx="357120" cy="218160"/>
           </a:xfrm>
           <a:prstGeom prst="rect">
             <a:avLst/>
@@ -13067,7 +12617,7 @@
                 <a:spcPct val="100000"/>
               </a:lnSpc>
             </a:pPr>
-            <a:fld id="{5FC6636D-1986-4329-99B1-57F92F37E588}" type="slidenum">
+            <a:fld id="{4ED8C3CD-1777-4964-A39F-B79EA88E6E6C}" type="slidenum">
               <a:rPr b="1" lang="es-ES" sz="800" spc="-1" strike="noStrike">
                 <a:solidFill>
                   <a:srgbClr val="004569"/>
@@ -13092,6 +12642,1219 @@
           <p:childTnLst>
             <p:seq>
               <p:cTn id="42" nodeType="mainSeq"/>
+              <p:prevCondLst>
+                <p:cond delay="0" evt="onPrev">
+                  <p:tgtEl>
+                    <p:sldTgt/>
+                  </p:tgtEl>
+                </p:cond>
+              </p:prevCondLst>
+              <p:nextCondLst>
+                <p:cond delay="0" evt="onNext">
+                  <p:tgtEl>
+                    <p:sldTgt/>
+                  </p:tgtEl>
+                </p:cond>
+              </p:nextCondLst>
+            </p:seq>
+          </p:childTnLst>
+        </p:cTn>
+      </p:par>
+    </p:tnLst>
+  </p:timing>
+</p:sld>
+</file>
+
+<file path=ppt/slides/slide22.xml><?xml version="1.0" encoding="utf-8"?>
+<p:sld xmlns:a="http://schemas.openxmlformats.org/drawingml/2006/main" xmlns:p="http://schemas.openxmlformats.org/presentationml/2006/main" xmlns:r="http://schemas.openxmlformats.org/officeDocument/2006/relationships" xmlns:p14="http://schemas.microsoft.com/office/powerpoint/2010/main" xmlns:p15="http://schemas.microsoft.com/office/powerpoint/2012/main" xmlns:mc="http://schemas.openxmlformats.org/markup-compatibility/2006">
+  <p:cSld>
+    <p:spTree>
+      <p:nvGrpSpPr>
+        <p:cNvPr id="1" name=""/>
+        <p:cNvGrpSpPr/>
+        <p:nvPr/>
+      </p:nvGrpSpPr>
+      <p:grpSpPr>
+        <a:xfrm>
+          <a:off x="0" y="0"/>
+          <a:ext cx="0" cy="0"/>
+          <a:chOff x="0" y="0"/>
+          <a:chExt cx="0" cy="0"/>
+        </a:xfrm>
+      </p:grpSpPr>
+      <p:sp>
+        <p:nvSpPr>
+          <p:cNvPr id="250" name="CustomShape 1"/>
+          <p:cNvSpPr/>
+          <p:nvPr/>
+        </p:nvSpPr>
+        <p:spPr>
+          <a:xfrm>
+            <a:off x="463680" y="2349000"/>
+            <a:ext cx="8213400" cy="2508480"/>
+          </a:xfrm>
+          <a:prstGeom prst="rect">
+            <a:avLst/>
+          </a:prstGeom>
+          <a:noFill/>
+          <a:ln>
+            <a:noFill/>
+          </a:ln>
+        </p:spPr>
+        <p:style>
+          <a:lnRef idx="0"/>
+          <a:fillRef idx="0"/>
+          <a:effectRef idx="0"/>
+          <a:fontRef idx="minor"/>
+        </p:style>
+        <p:txBody>
+          <a:bodyPr lIns="90000" rIns="90000" tIns="45000" bIns="45000" anchor="ctr"/>
+          <a:p>
+            <a:pPr marL="125640" indent="-176760" algn="ctr">
+              <a:lnSpc>
+                <a:spcPct val="100000"/>
+              </a:lnSpc>
+              <a:spcBef>
+                <a:spcPts val="641"/>
+              </a:spcBef>
+            </a:pPr>
+            <a:r>
+              <a:rPr b="0" lang="es-ES" sz="3200" spc="-1" strike="noStrike">
+                <a:solidFill>
+                  <a:srgbClr val="ffffff"/>
+                </a:solidFill>
+                <a:latin typeface="Arial"/>
+                <a:ea typeface="DejaVu Sans"/>
+              </a:rPr>
+              <a:t>Muchas Gracias</a:t>
+            </a:r>
+            <a:endParaRPr b="0" lang="es-ES" sz="3200" spc="-1" strike="noStrike">
+              <a:latin typeface="Arial"/>
+            </a:endParaRPr>
+          </a:p>
+        </p:txBody>
+      </p:sp>
+      <p:sp>
+        <p:nvSpPr>
+          <p:cNvPr id="251" name="CustomShape 2"/>
+          <p:cNvSpPr/>
+          <p:nvPr/>
+        </p:nvSpPr>
+        <p:spPr>
+          <a:xfrm>
+            <a:off x="395640" y="6520320"/>
+            <a:ext cx="357120" cy="218160"/>
+          </a:xfrm>
+          <a:prstGeom prst="rect">
+            <a:avLst/>
+          </a:prstGeom>
+          <a:noFill/>
+          <a:ln>
+            <a:noFill/>
+          </a:ln>
+        </p:spPr>
+        <p:style>
+          <a:lnRef idx="0"/>
+          <a:fillRef idx="0"/>
+          <a:effectRef idx="0"/>
+          <a:fontRef idx="minor"/>
+        </p:style>
+        <p:txBody>
+          <a:bodyPr lIns="90000" rIns="90000" tIns="45000" bIns="45000" anchor="ctr"/>
+          <a:p>
+            <a:pPr algn="r">
+              <a:lnSpc>
+                <a:spcPct val="100000"/>
+              </a:lnSpc>
+            </a:pPr>
+            <a:fld id="{88A3637D-6309-4DB9-98F2-12C9E347BBDA}" type="slidenum">
+              <a:rPr b="1" lang="es-ES" sz="800" spc="-1" strike="noStrike">
+                <a:solidFill>
+                  <a:srgbClr val="004569"/>
+                </a:solidFill>
+                <a:latin typeface="Arial"/>
+                <a:ea typeface="DejaVu Sans"/>
+              </a:rPr>
+              <a:t>&lt;número&gt;</a:t>
+            </a:fld>
+            <a:endParaRPr b="0" lang="es-ES" sz="800" spc="-1" strike="noStrike">
+              <a:latin typeface="Arial"/>
+            </a:endParaRPr>
+          </a:p>
+        </p:txBody>
+      </p:sp>
+      <p:sp>
+        <p:nvSpPr>
+          <p:cNvPr id="252" name="CustomShape 3"/>
+          <p:cNvSpPr/>
+          <p:nvPr/>
+        </p:nvSpPr>
+        <p:spPr>
+          <a:xfrm>
+            <a:off x="1906560" y="5105520"/>
+            <a:ext cx="4997520" cy="1643040"/>
+          </a:xfrm>
+          <a:prstGeom prst="rect">
+            <a:avLst/>
+          </a:prstGeom>
+          <a:noFill/>
+          <a:ln>
+            <a:noFill/>
+          </a:ln>
+        </p:spPr>
+        <p:style>
+          <a:lnRef idx="0"/>
+          <a:fillRef idx="0"/>
+          <a:effectRef idx="0"/>
+          <a:fontRef idx="minor"/>
+        </p:style>
+        <p:txBody>
+          <a:bodyPr lIns="90000" rIns="90000" tIns="45000" bIns="45000"/>
+          <a:p>
+            <a:pPr algn="ctr">
+              <a:lnSpc>
+                <a:spcPct val="100000"/>
+              </a:lnSpc>
+            </a:pPr>
+            <a:r>
+              <a:rPr b="1" lang="es-ES" sz="1800" spc="-1" strike="noStrike">
+                <a:solidFill>
+                  <a:srgbClr val="000000"/>
+                </a:solidFill>
+                <a:latin typeface="Arial"/>
+                <a:ea typeface="DejaVu Sans"/>
+              </a:rPr>
+              <a:t>Pablo E. Santiago Recagno| Desarrollador web </a:t>
+            </a:r>
+            <a:endParaRPr b="0" lang="es-ES" sz="1800" spc="-1" strike="noStrike">
+              <a:latin typeface="Arial"/>
+            </a:endParaRPr>
+          </a:p>
+          <a:p>
+            <a:pPr algn="ctr">
+              <a:lnSpc>
+                <a:spcPct val="100000"/>
+              </a:lnSpc>
+            </a:pPr>
+            <a:r>
+              <a:rPr b="0" lang="es-ES" sz="1800" spc="-1" strike="noStrike">
+                <a:solidFill>
+                  <a:srgbClr val="000000"/>
+                </a:solidFill>
+                <a:latin typeface="Arial"/>
+                <a:ea typeface="DejaVu Sans"/>
+              </a:rPr>
+              <a:t>Softtek | Maipú 942 Piso 5° | Ciudad Autonoma de Buenos Aires </a:t>
+            </a:r>
+            <a:endParaRPr b="0" lang="es-ES" sz="1800" spc="-1" strike="noStrike">
+              <a:latin typeface="Arial"/>
+            </a:endParaRPr>
+          </a:p>
+          <a:p>
+            <a:pPr algn="ctr">
+              <a:lnSpc>
+                <a:spcPct val="100000"/>
+              </a:lnSpc>
+            </a:pPr>
+            <a:r>
+              <a:rPr b="0" lang="es-ES" sz="2200" spc="-1" strike="noStrike">
+                <a:solidFill>
+                  <a:srgbClr val="000000"/>
+                </a:solidFill>
+                <a:latin typeface="Arial"/>
+                <a:ea typeface="DejaVu Sans"/>
+              </a:rPr>
+              <a:t>pablo.santiago@softtek.com</a:t>
+            </a:r>
+            <a:endParaRPr b="0" lang="es-ES" sz="2200" spc="-1" strike="noStrike">
+              <a:latin typeface="Arial"/>
+            </a:endParaRPr>
+          </a:p>
+          <a:p>
+            <a:pPr algn="ctr">
+              <a:lnSpc>
+                <a:spcPct val="100000"/>
+              </a:lnSpc>
+            </a:pPr>
+            <a:endParaRPr b="0" lang="es-ES" sz="2200" spc="-1" strike="noStrike">
+              <a:latin typeface="Arial"/>
+            </a:endParaRPr>
+          </a:p>
+        </p:txBody>
+      </p:sp>
+    </p:spTree>
+  </p:cSld>
+  <p:timing>
+    <p:tnLst>
+      <p:par>
+        <p:cTn id="43" dur="indefinite" restart="never" nodeType="tmRoot">
+          <p:childTnLst>
+            <p:seq>
+              <p:cTn id="44" nodeType="mainSeq"/>
+              <p:prevCondLst>
+                <p:cond delay="0" evt="onPrev">
+                  <p:tgtEl>
+                    <p:sldTgt/>
+                  </p:tgtEl>
+                </p:cond>
+              </p:prevCondLst>
+              <p:nextCondLst>
+                <p:cond delay="0" evt="onNext">
+                  <p:tgtEl>
+                    <p:sldTgt/>
+                  </p:tgtEl>
+                </p:cond>
+              </p:nextCondLst>
+            </p:seq>
+          </p:childTnLst>
+        </p:cTn>
+      </p:par>
+    </p:tnLst>
+  </p:timing>
+</p:sld>
+</file>
+
+<file path=ppt/slides/slide23.xml><?xml version="1.0" encoding="utf-8"?>
+<p:sld xmlns:a="http://schemas.openxmlformats.org/drawingml/2006/main" xmlns:p="http://schemas.openxmlformats.org/presentationml/2006/main" xmlns:r="http://schemas.openxmlformats.org/officeDocument/2006/relationships" xmlns:p14="http://schemas.microsoft.com/office/powerpoint/2010/main" xmlns:p15="http://schemas.microsoft.com/office/powerpoint/2012/main" xmlns:mc="http://schemas.openxmlformats.org/markup-compatibility/2006">
+  <p:cSld>
+    <p:spTree>
+      <p:nvGrpSpPr>
+        <p:cNvPr id="1" name=""/>
+        <p:cNvGrpSpPr/>
+        <p:nvPr/>
+      </p:nvGrpSpPr>
+      <p:grpSpPr>
+        <a:xfrm>
+          <a:off x="0" y="0"/>
+          <a:ext cx="0" cy="0"/>
+          <a:chOff x="0" y="0"/>
+          <a:chExt cx="0" cy="0"/>
+        </a:xfrm>
+      </p:grpSpPr>
+    </p:spTree>
+  </p:cSld>
+  <p:timing>
+    <p:tnLst>
+      <p:par>
+        <p:cTn id="45" dur="indefinite" restart="never" nodeType="tmRoot">
+          <p:childTnLst>
+            <p:seq>
+              <p:cTn id="46" nodeType="mainSeq"/>
+              <p:prevCondLst>
+                <p:cond delay="0" evt="onPrev">
+                  <p:tgtEl>
+                    <p:sldTgt/>
+                  </p:tgtEl>
+                </p:cond>
+              </p:prevCondLst>
+              <p:nextCondLst>
+                <p:cond delay="0" evt="onNext">
+                  <p:tgtEl>
+                    <p:sldTgt/>
+                  </p:tgtEl>
+                </p:cond>
+              </p:nextCondLst>
+            </p:seq>
+          </p:childTnLst>
+        </p:cTn>
+      </p:par>
+    </p:tnLst>
+  </p:timing>
+</p:sld>
+</file>
+
+<file path=ppt/slides/slide24.xml><?xml version="1.0" encoding="utf-8"?>
+<p:sld xmlns:a="http://schemas.openxmlformats.org/drawingml/2006/main" xmlns:p="http://schemas.openxmlformats.org/presentationml/2006/main" xmlns:r="http://schemas.openxmlformats.org/officeDocument/2006/relationships" xmlns:p14="http://schemas.microsoft.com/office/powerpoint/2010/main" xmlns:p15="http://schemas.microsoft.com/office/powerpoint/2012/main" xmlns:mc="http://schemas.openxmlformats.org/markup-compatibility/2006">
+  <p:cSld>
+    <p:spTree>
+      <p:nvGrpSpPr>
+        <p:cNvPr id="1" name=""/>
+        <p:cNvGrpSpPr/>
+        <p:nvPr/>
+      </p:nvGrpSpPr>
+      <p:grpSpPr>
+        <a:xfrm>
+          <a:off x="0" y="0"/>
+          <a:ext cx="0" cy="0"/>
+          <a:chOff x="0" y="0"/>
+          <a:chExt cx="0" cy="0"/>
+        </a:xfrm>
+      </p:grpSpPr>
+      <p:sp>
+        <p:nvSpPr>
+          <p:cNvPr id="253" name="CustomShape 1"/>
+          <p:cNvSpPr/>
+          <p:nvPr/>
+        </p:nvSpPr>
+        <p:spPr>
+          <a:xfrm>
+            <a:off x="467640" y="620640"/>
+            <a:ext cx="4101480" cy="2949480"/>
+          </a:xfrm>
+          <a:prstGeom prst="rect">
+            <a:avLst/>
+          </a:prstGeom>
+          <a:noFill/>
+          <a:ln>
+            <a:noFill/>
+          </a:ln>
+        </p:spPr>
+        <p:style>
+          <a:lnRef idx="0"/>
+          <a:fillRef idx="0"/>
+          <a:effectRef idx="0"/>
+          <a:fontRef idx="minor"/>
+        </p:style>
+        <p:txBody>
+          <a:bodyPr lIns="90000" rIns="90000" tIns="45000" bIns="45000"/>
+          <a:p>
+            <a:pPr>
+              <a:lnSpc>
+                <a:spcPct val="80000"/>
+              </a:lnSpc>
+            </a:pPr>
+            <a:r>
+              <a:rPr b="0" lang="es-ES" sz="4400" spc="-1" strike="noStrike">
+                <a:solidFill>
+                  <a:srgbClr val="ffffff"/>
+                </a:solidFill>
+                <a:latin typeface="Arial"/>
+                <a:ea typeface="DejaVu Sans"/>
+              </a:rPr>
+              <a:t>Examen</a:t>
+            </a:r>
+            <a:endParaRPr b="0" lang="es-ES" sz="4400" spc="-1" strike="noStrike">
+              <a:latin typeface="Arial"/>
+            </a:endParaRPr>
+          </a:p>
+        </p:txBody>
+      </p:sp>
+    </p:spTree>
+  </p:cSld>
+  <p:timing>
+    <p:tnLst>
+      <p:par>
+        <p:cTn id="47" dur="indefinite" restart="never" nodeType="tmRoot">
+          <p:childTnLst>
+            <p:seq>
+              <p:cTn id="48" nodeType="mainSeq"/>
+              <p:prevCondLst>
+                <p:cond delay="0" evt="onPrev">
+                  <p:tgtEl>
+                    <p:sldTgt/>
+                  </p:tgtEl>
+                </p:cond>
+              </p:prevCondLst>
+              <p:nextCondLst>
+                <p:cond delay="0" evt="onNext">
+                  <p:tgtEl>
+                    <p:sldTgt/>
+                  </p:tgtEl>
+                </p:cond>
+              </p:nextCondLst>
+            </p:seq>
+          </p:childTnLst>
+        </p:cTn>
+      </p:par>
+    </p:tnLst>
+  </p:timing>
+</p:sld>
+</file>
+
+<file path=ppt/slides/slide25.xml><?xml version="1.0" encoding="utf-8"?>
+<p:sld xmlns:a="http://schemas.openxmlformats.org/drawingml/2006/main" xmlns:p="http://schemas.openxmlformats.org/presentationml/2006/main" xmlns:r="http://schemas.openxmlformats.org/officeDocument/2006/relationships" xmlns:p14="http://schemas.microsoft.com/office/powerpoint/2010/main" xmlns:p15="http://schemas.microsoft.com/office/powerpoint/2012/main" xmlns:mc="http://schemas.openxmlformats.org/markup-compatibility/2006">
+  <p:cSld>
+    <p:spTree>
+      <p:nvGrpSpPr>
+        <p:cNvPr id="1" name=""/>
+        <p:cNvGrpSpPr/>
+        <p:nvPr/>
+      </p:nvGrpSpPr>
+      <p:grpSpPr>
+        <a:xfrm>
+          <a:off x="0" y="0"/>
+          <a:ext cx="0" cy="0"/>
+          <a:chOff x="0" y="0"/>
+          <a:chExt cx="0" cy="0"/>
+        </a:xfrm>
+      </p:grpSpPr>
+      <p:sp>
+        <p:nvSpPr>
+          <p:cNvPr id="254" name="CustomShape 1"/>
+          <p:cNvSpPr/>
+          <p:nvPr/>
+        </p:nvSpPr>
+        <p:spPr>
+          <a:xfrm>
+            <a:off x="311400" y="923040"/>
+            <a:ext cx="8504280" cy="5738400"/>
+          </a:xfrm>
+          <a:prstGeom prst="rect">
+            <a:avLst/>
+          </a:prstGeom>
+          <a:noFill/>
+          <a:ln>
+            <a:noFill/>
+          </a:ln>
+        </p:spPr>
+        <p:style>
+          <a:lnRef idx="0"/>
+          <a:fillRef idx="0"/>
+          <a:effectRef idx="0"/>
+          <a:fontRef idx="minor"/>
+        </p:style>
+        <p:txBody>
+          <a:bodyPr lIns="90000" rIns="90000" tIns="45000" bIns="45000"/>
+          <a:p>
+            <a:pPr>
+              <a:lnSpc>
+                <a:spcPct val="100000"/>
+              </a:lnSpc>
+              <a:spcBef>
+                <a:spcPts val="360"/>
+              </a:spcBef>
+            </a:pPr>
+            <a:r>
+              <a:rPr b="0" lang="es-ES" sz="1800" spc="-1" strike="noStrike">
+                <a:solidFill>
+                  <a:srgbClr val="5e6264"/>
+                </a:solidFill>
+                <a:latin typeface="Arial"/>
+                <a:ea typeface="DejaVu Sans"/>
+              </a:rPr>
+              <a:t>Elegir alguna de las siguientes opciones para realizar las preguntas, ejemplos:</a:t>
+            </a:r>
+            <a:endParaRPr b="0" lang="es-ES" sz="1800" spc="-1" strike="noStrike">
+              <a:latin typeface="Arial"/>
+            </a:endParaRPr>
+          </a:p>
+          <a:p>
+            <a:pPr>
+              <a:lnSpc>
+                <a:spcPct val="100000"/>
+              </a:lnSpc>
+              <a:spcBef>
+                <a:spcPts val="320"/>
+              </a:spcBef>
+            </a:pPr>
+            <a:r>
+              <a:rPr b="0" lang="es-ES" sz="1600" spc="-1" strike="noStrike" u="sng">
+                <a:solidFill>
+                  <a:srgbClr val="5e6264"/>
+                </a:solidFill>
+                <a:uFillTx/>
+                <a:latin typeface="Arial"/>
+                <a:ea typeface="DejaVu Sans"/>
+              </a:rPr>
+              <a:t>Pregunta 1</a:t>
+            </a:r>
+            <a:r>
+              <a:rPr b="0" lang="es-ES" sz="1600" spc="-1" strike="noStrike">
+                <a:solidFill>
+                  <a:srgbClr val="5e6264"/>
+                </a:solidFill>
+                <a:latin typeface="Arial"/>
+                <a:ea typeface="DejaVu Sans"/>
+              </a:rPr>
+              <a:t>: ¿Qué es Artisan?, Seleccione la rta correcta</a:t>
+            </a:r>
+            <a:endParaRPr b="0" lang="es-ES" sz="1600" spc="-1" strike="noStrike">
+              <a:latin typeface="Arial"/>
+            </a:endParaRPr>
+          </a:p>
+          <a:p>
+            <a:pPr lvl="1" marL="539640" indent="-176760">
+              <a:lnSpc>
+                <a:spcPct val="100000"/>
+              </a:lnSpc>
+              <a:spcBef>
+                <a:spcPts val="320"/>
+              </a:spcBef>
+              <a:buClr>
+                <a:srgbClr val="5e6264"/>
+              </a:buClr>
+              <a:buFont typeface="Arial Rounded MT Bold"/>
+              <a:buChar char="›"/>
+            </a:pPr>
+            <a:r>
+              <a:rPr b="0" lang="es-ES" sz="1600" spc="-1" strike="noStrike">
+                <a:solidFill>
+                  <a:srgbClr val="5e6264"/>
+                </a:solidFill>
+                <a:latin typeface="Arial"/>
+                <a:ea typeface="DejaVu Sans"/>
+              </a:rPr>
+              <a:t> </a:t>
+            </a:r>
+            <a:r>
+              <a:rPr b="0" lang="es-ES" sz="1600" spc="-1" strike="noStrike">
+                <a:solidFill>
+                  <a:srgbClr val="5e6264"/>
+                </a:solidFill>
+                <a:latin typeface="Arial"/>
+                <a:ea typeface="DejaVu Sans"/>
+              </a:rPr>
+              <a:t>A   -  un framework</a:t>
+            </a:r>
+            <a:endParaRPr b="0" lang="es-ES" sz="1600" spc="-1" strike="noStrike">
+              <a:latin typeface="Arial"/>
+            </a:endParaRPr>
+          </a:p>
+          <a:p>
+            <a:pPr lvl="1" marL="539640" indent="-176760">
+              <a:lnSpc>
+                <a:spcPct val="100000"/>
+              </a:lnSpc>
+              <a:spcBef>
+                <a:spcPts val="320"/>
+              </a:spcBef>
+              <a:buClr>
+                <a:srgbClr val="5e6264"/>
+              </a:buClr>
+              <a:buFont typeface="Arial Rounded MT Bold"/>
+              <a:buChar char="›"/>
+            </a:pPr>
+            <a:r>
+              <a:rPr b="0" lang="es-ES" sz="1600" spc="-1" strike="noStrike">
+                <a:solidFill>
+                  <a:srgbClr val="5e6264"/>
+                </a:solidFill>
+                <a:latin typeface="Arial"/>
+                <a:ea typeface="DejaVu Sans"/>
+              </a:rPr>
+              <a:t> </a:t>
+            </a:r>
+            <a:r>
+              <a:rPr b="0" lang="es-ES" sz="1600" spc="-1" strike="noStrike">
+                <a:solidFill>
+                  <a:srgbClr val="5e6264"/>
+                </a:solidFill>
+                <a:latin typeface="Arial"/>
+                <a:ea typeface="DejaVu Sans"/>
+              </a:rPr>
+              <a:t>B  - una Interfaz de Linea de Comandos (CLI)</a:t>
+            </a:r>
+            <a:endParaRPr b="0" lang="es-ES" sz="1600" spc="-1" strike="noStrike">
+              <a:latin typeface="Arial"/>
+            </a:endParaRPr>
+          </a:p>
+          <a:p>
+            <a:pPr lvl="1" marL="539640" indent="-176760">
+              <a:lnSpc>
+                <a:spcPct val="100000"/>
+              </a:lnSpc>
+              <a:spcBef>
+                <a:spcPts val="320"/>
+              </a:spcBef>
+              <a:buClr>
+                <a:srgbClr val="5e6264"/>
+              </a:buClr>
+              <a:buFont typeface="Arial Rounded MT Bold"/>
+              <a:buChar char="›"/>
+            </a:pPr>
+            <a:r>
+              <a:rPr b="0" lang="es-ES" sz="1600" spc="-1" strike="noStrike">
+                <a:solidFill>
+                  <a:srgbClr val="5e6264"/>
+                </a:solidFill>
+                <a:latin typeface="Arial"/>
+                <a:ea typeface="DejaVu Sans"/>
+              </a:rPr>
+              <a:t> </a:t>
+            </a:r>
+            <a:r>
+              <a:rPr b="0" lang="es-ES" sz="1600" spc="-1" strike="noStrike">
+                <a:solidFill>
+                  <a:srgbClr val="5e6264"/>
+                </a:solidFill>
+                <a:latin typeface="Arial"/>
+                <a:ea typeface="DejaVu Sans"/>
+              </a:rPr>
+              <a:t>C - un lenguaje de programacion</a:t>
+            </a:r>
+            <a:endParaRPr b="0" lang="es-ES" sz="1600" spc="-1" strike="noStrike">
+              <a:latin typeface="Arial"/>
+            </a:endParaRPr>
+          </a:p>
+          <a:p>
+            <a:pPr>
+              <a:lnSpc>
+                <a:spcPct val="100000"/>
+              </a:lnSpc>
+              <a:spcBef>
+                <a:spcPts val="320"/>
+              </a:spcBef>
+            </a:pPr>
+            <a:r>
+              <a:rPr b="0" lang="es-ES" sz="1600" spc="-1" strike="noStrike" u="sng">
+                <a:solidFill>
+                  <a:srgbClr val="5e6264"/>
+                </a:solidFill>
+                <a:uFillTx/>
+                <a:latin typeface="Arial"/>
+                <a:ea typeface="DejaVu Sans"/>
+              </a:rPr>
+              <a:t>Pregunta 2</a:t>
+            </a:r>
+            <a:r>
+              <a:rPr b="0" lang="es-ES" sz="1600" spc="-1" strike="noStrike">
+                <a:solidFill>
+                  <a:srgbClr val="5e6264"/>
+                </a:solidFill>
+                <a:latin typeface="Arial"/>
+                <a:ea typeface="DejaVu Sans"/>
+              </a:rPr>
+              <a:t>: , Verdadero o Falso</a:t>
+            </a:r>
+            <a:endParaRPr b="0" lang="es-ES" sz="1600" spc="-1" strike="noStrike">
+              <a:latin typeface="Arial"/>
+            </a:endParaRPr>
+          </a:p>
+          <a:p>
+            <a:pPr lvl="1" marL="539640" indent="-176760">
+              <a:lnSpc>
+                <a:spcPct val="100000"/>
+              </a:lnSpc>
+              <a:spcBef>
+                <a:spcPts val="320"/>
+              </a:spcBef>
+              <a:buClr>
+                <a:srgbClr val="5e6264"/>
+              </a:buClr>
+              <a:buFont typeface="Arial Rounded MT Bold"/>
+              <a:buChar char="›"/>
+            </a:pPr>
+            <a:r>
+              <a:rPr b="0" lang="es-ES" sz="1600" spc="-1" strike="noStrike">
+                <a:solidFill>
+                  <a:srgbClr val="5e6264"/>
+                </a:solidFill>
+                <a:latin typeface="Arial"/>
+                <a:ea typeface="DejaVu Sans"/>
+              </a:rPr>
+              <a:t> </a:t>
+            </a:r>
+            <a:r>
+              <a:rPr b="0" lang="es-ES" sz="1600" spc="-1" strike="noStrike">
+                <a:solidFill>
+                  <a:srgbClr val="5e6264"/>
+                </a:solidFill>
+                <a:latin typeface="Arial"/>
+                <a:ea typeface="DejaVu Sans"/>
+              </a:rPr>
+              <a:t>A - se puede correr laravel sin PHP instalado</a:t>
+            </a:r>
+            <a:endParaRPr b="0" lang="es-ES" sz="1600" spc="-1" strike="noStrike">
+              <a:latin typeface="Arial"/>
+            </a:endParaRPr>
+          </a:p>
+          <a:p>
+            <a:pPr lvl="1" marL="539640" indent="-176760">
+              <a:lnSpc>
+                <a:spcPct val="100000"/>
+              </a:lnSpc>
+              <a:spcBef>
+                <a:spcPts val="320"/>
+              </a:spcBef>
+              <a:buClr>
+                <a:srgbClr val="5e6264"/>
+              </a:buClr>
+              <a:buFont typeface="Arial Rounded MT Bold"/>
+              <a:buChar char="›"/>
+            </a:pPr>
+            <a:r>
+              <a:rPr b="0" lang="es-ES" sz="1600" spc="-1" strike="noStrike">
+                <a:solidFill>
+                  <a:srgbClr val="5e6264"/>
+                </a:solidFill>
+                <a:latin typeface="Arial"/>
+                <a:ea typeface="DejaVu Sans"/>
+              </a:rPr>
+              <a:t> </a:t>
+            </a:r>
+            <a:r>
+              <a:rPr b="0" lang="es-ES" sz="1600" spc="-1" strike="noStrike">
+                <a:solidFill>
+                  <a:srgbClr val="5e6264"/>
+                </a:solidFill>
+                <a:latin typeface="Arial"/>
+                <a:ea typeface="DejaVu Sans"/>
+              </a:rPr>
+              <a:t>B- Eloquent es un ORM active record</a:t>
+            </a:r>
+            <a:endParaRPr b="0" lang="es-ES" sz="1600" spc="-1" strike="noStrike">
+              <a:latin typeface="Arial"/>
+            </a:endParaRPr>
+          </a:p>
+          <a:p>
+            <a:pPr>
+              <a:lnSpc>
+                <a:spcPct val="100000"/>
+              </a:lnSpc>
+              <a:spcBef>
+                <a:spcPts val="320"/>
+              </a:spcBef>
+            </a:pPr>
+            <a:r>
+              <a:rPr b="0" lang="es-ES" sz="1600" spc="-1" strike="noStrike" u="sng">
+                <a:solidFill>
+                  <a:srgbClr val="5e6264"/>
+                </a:solidFill>
+                <a:uFillTx/>
+                <a:latin typeface="Arial"/>
+                <a:ea typeface="DejaVu Sans"/>
+              </a:rPr>
+              <a:t>Pregunta 3</a:t>
+            </a:r>
+            <a:r>
+              <a:rPr b="0" lang="es-ES" sz="1600" spc="-1" strike="noStrike">
+                <a:solidFill>
+                  <a:srgbClr val="5e6264"/>
+                </a:solidFill>
+                <a:latin typeface="Arial"/>
+                <a:ea typeface="DejaVu Sans"/>
+              </a:rPr>
+              <a:t>: ¿Puedo crear controladores usando composer?</a:t>
+            </a:r>
+            <a:endParaRPr b="0" lang="es-ES" sz="1600" spc="-1" strike="noStrike">
+              <a:latin typeface="Arial"/>
+            </a:endParaRPr>
+          </a:p>
+          <a:p>
+            <a:pPr lvl="1" marL="539640" indent="-176760">
+              <a:lnSpc>
+                <a:spcPct val="100000"/>
+              </a:lnSpc>
+              <a:spcBef>
+                <a:spcPts val="320"/>
+              </a:spcBef>
+              <a:buClr>
+                <a:srgbClr val="5e6264"/>
+              </a:buClr>
+              <a:buFont typeface="Arial Rounded MT Bold"/>
+              <a:buChar char="›"/>
+            </a:pPr>
+            <a:r>
+              <a:rPr b="0" lang="es-ES" sz="1600" spc="-1" strike="noStrike">
+                <a:solidFill>
+                  <a:srgbClr val="5e6264"/>
+                </a:solidFill>
+                <a:latin typeface="Arial"/>
+                <a:ea typeface="DejaVu Sans"/>
+              </a:rPr>
+              <a:t> </a:t>
+            </a:r>
+            <a:r>
+              <a:rPr b="0" lang="es-ES" sz="1600" spc="-1" strike="noStrike">
+                <a:solidFill>
+                  <a:srgbClr val="5e6264"/>
+                </a:solidFill>
+                <a:latin typeface="Arial"/>
+                <a:ea typeface="DejaVu Sans"/>
+              </a:rPr>
+              <a:t>SI</a:t>
+            </a:r>
+            <a:endParaRPr b="0" lang="es-ES" sz="1600" spc="-1" strike="noStrike">
+              <a:latin typeface="Arial"/>
+            </a:endParaRPr>
+          </a:p>
+          <a:p>
+            <a:pPr lvl="1" marL="539640" indent="-176760">
+              <a:lnSpc>
+                <a:spcPct val="100000"/>
+              </a:lnSpc>
+              <a:spcBef>
+                <a:spcPts val="320"/>
+              </a:spcBef>
+              <a:buClr>
+                <a:srgbClr val="5e6264"/>
+              </a:buClr>
+              <a:buFont typeface="Arial Rounded MT Bold"/>
+              <a:buChar char="›"/>
+            </a:pPr>
+            <a:r>
+              <a:rPr b="0" lang="es-ES" sz="1600" spc="-1" strike="noStrike">
+                <a:solidFill>
+                  <a:srgbClr val="5e6264"/>
+                </a:solidFill>
+                <a:latin typeface="Arial"/>
+                <a:ea typeface="DejaVu Sans"/>
+              </a:rPr>
+              <a:t> </a:t>
+            </a:r>
+            <a:r>
+              <a:rPr b="0" lang="es-ES" sz="1600" spc="-1" strike="noStrike">
+                <a:solidFill>
+                  <a:srgbClr val="5e6264"/>
+                </a:solidFill>
+                <a:latin typeface="Arial"/>
+                <a:ea typeface="DejaVu Sans"/>
+              </a:rPr>
+              <a:t>NO</a:t>
+            </a:r>
+            <a:endParaRPr b="0" lang="es-ES" sz="1600" spc="-1" strike="noStrike">
+              <a:latin typeface="Arial"/>
+            </a:endParaRPr>
+          </a:p>
+          <a:p>
+            <a:pPr>
+              <a:lnSpc>
+                <a:spcPct val="100000"/>
+              </a:lnSpc>
+              <a:spcBef>
+                <a:spcPts val="320"/>
+              </a:spcBef>
+            </a:pPr>
+            <a:r>
+              <a:rPr b="0" lang="es-ES" sz="1600" spc="-1" strike="noStrike" u="sng">
+                <a:solidFill>
+                  <a:srgbClr val="5e6264"/>
+                </a:solidFill>
+                <a:uFillTx/>
+                <a:latin typeface="Arial"/>
+                <a:ea typeface="DejaVu Sans"/>
+              </a:rPr>
+              <a:t>Pregunta 4</a:t>
+            </a:r>
+            <a:r>
+              <a:rPr b="0" lang="es-ES" sz="1600" spc="-1" strike="noStrike">
+                <a:solidFill>
+                  <a:srgbClr val="5e6264"/>
+                </a:solidFill>
+                <a:latin typeface="Arial"/>
+                <a:ea typeface="DejaVu Sans"/>
+              </a:rPr>
+              <a:t>: ¿Puedo crear controladores usando artisan?</a:t>
+            </a:r>
+            <a:endParaRPr b="0" lang="es-ES" sz="1600" spc="-1" strike="noStrike">
+              <a:latin typeface="Arial"/>
+            </a:endParaRPr>
+          </a:p>
+          <a:p>
+            <a:pPr lvl="1" marL="539640" indent="-176760">
+              <a:lnSpc>
+                <a:spcPct val="100000"/>
+              </a:lnSpc>
+              <a:spcBef>
+                <a:spcPts val="320"/>
+              </a:spcBef>
+              <a:buClr>
+                <a:srgbClr val="5e6264"/>
+              </a:buClr>
+              <a:buFont typeface="Arial Rounded MT Bold"/>
+              <a:buChar char="›"/>
+            </a:pPr>
+            <a:r>
+              <a:rPr b="0" lang="es-ES" sz="1600" spc="-1" strike="noStrike">
+                <a:solidFill>
+                  <a:srgbClr val="5e6264"/>
+                </a:solidFill>
+                <a:latin typeface="Arial"/>
+                <a:ea typeface="DejaVu Sans"/>
+              </a:rPr>
+              <a:t> </a:t>
+            </a:r>
+            <a:r>
+              <a:rPr b="0" lang="es-ES" sz="1600" spc="-1" strike="noStrike">
+                <a:solidFill>
+                  <a:srgbClr val="5e6264"/>
+                </a:solidFill>
+                <a:latin typeface="Arial"/>
+                <a:ea typeface="DejaVu Sans"/>
+              </a:rPr>
+              <a:t>SI</a:t>
+            </a:r>
+            <a:endParaRPr b="0" lang="es-ES" sz="1600" spc="-1" strike="noStrike">
+              <a:latin typeface="Arial"/>
+            </a:endParaRPr>
+          </a:p>
+          <a:p>
+            <a:pPr lvl="1" marL="539640" indent="-176760">
+              <a:lnSpc>
+                <a:spcPct val="100000"/>
+              </a:lnSpc>
+              <a:spcBef>
+                <a:spcPts val="320"/>
+              </a:spcBef>
+              <a:buClr>
+                <a:srgbClr val="5e6264"/>
+              </a:buClr>
+              <a:buFont typeface="Arial Rounded MT Bold"/>
+              <a:buChar char="›"/>
+            </a:pPr>
+            <a:r>
+              <a:rPr b="0" lang="es-ES" sz="1600" spc="-1" strike="noStrike">
+                <a:solidFill>
+                  <a:srgbClr val="5e6264"/>
+                </a:solidFill>
+                <a:latin typeface="Arial"/>
+                <a:ea typeface="DejaVu Sans"/>
+              </a:rPr>
+              <a:t> </a:t>
+            </a:r>
+            <a:r>
+              <a:rPr b="0" lang="es-ES" sz="1600" spc="-1" strike="noStrike">
+                <a:solidFill>
+                  <a:srgbClr val="5e6264"/>
+                </a:solidFill>
+                <a:latin typeface="Arial"/>
+                <a:ea typeface="DejaVu Sans"/>
+              </a:rPr>
+              <a:t>NO</a:t>
+            </a:r>
+            <a:endParaRPr b="0" lang="es-ES" sz="1600" spc="-1" strike="noStrike">
+              <a:latin typeface="Arial"/>
+            </a:endParaRPr>
+          </a:p>
+          <a:p>
+            <a:pPr>
+              <a:lnSpc>
+                <a:spcPct val="100000"/>
+              </a:lnSpc>
+              <a:spcBef>
+                <a:spcPts val="320"/>
+              </a:spcBef>
+            </a:pPr>
+            <a:r>
+              <a:rPr b="0" lang="es-ES" sz="1600" spc="-1" strike="noStrike" u="sng">
+                <a:solidFill>
+                  <a:srgbClr val="5e6264"/>
+                </a:solidFill>
+                <a:uFillTx/>
+                <a:latin typeface="Arial"/>
+                <a:ea typeface="DejaVu Sans"/>
+              </a:rPr>
+              <a:t>Pregunta 5</a:t>
+            </a:r>
+            <a:r>
+              <a:rPr b="0" lang="es-ES" sz="1600" spc="-1" strike="noStrike">
+                <a:solidFill>
+                  <a:srgbClr val="5e6264"/>
+                </a:solidFill>
+                <a:latin typeface="Arial"/>
+                <a:ea typeface="DejaVu Sans"/>
+              </a:rPr>
+              <a:t>: ¿Se pueden tener conexiones MySql, PosgreSql y Ms-SQL en una misma aplicacion? </a:t>
+            </a:r>
+            <a:endParaRPr b="0" lang="es-ES" sz="1600" spc="-1" strike="noStrike">
+              <a:latin typeface="Arial"/>
+            </a:endParaRPr>
+          </a:p>
+          <a:p>
+            <a:pPr lvl="1" marL="539640" indent="-176760">
+              <a:lnSpc>
+                <a:spcPct val="100000"/>
+              </a:lnSpc>
+              <a:spcBef>
+                <a:spcPts val="320"/>
+              </a:spcBef>
+              <a:buClr>
+                <a:srgbClr val="5e6264"/>
+              </a:buClr>
+              <a:buFont typeface="Arial Rounded MT Bold"/>
+              <a:buChar char="›"/>
+            </a:pPr>
+            <a:r>
+              <a:rPr b="0" lang="es-ES" sz="1600" spc="-1" strike="noStrike">
+                <a:solidFill>
+                  <a:srgbClr val="5e6264"/>
+                </a:solidFill>
+                <a:latin typeface="Arial"/>
+                <a:ea typeface="DejaVu Sans"/>
+              </a:rPr>
+              <a:t> </a:t>
+            </a:r>
+            <a:r>
+              <a:rPr b="0" lang="es-ES" sz="1600" spc="-1" strike="noStrike">
+                <a:solidFill>
+                  <a:srgbClr val="5e6264"/>
+                </a:solidFill>
+                <a:latin typeface="Arial"/>
+                <a:ea typeface="DejaVu Sans"/>
+              </a:rPr>
+              <a:t>SI</a:t>
+            </a:r>
+            <a:endParaRPr b="0" lang="es-ES" sz="1600" spc="-1" strike="noStrike">
+              <a:latin typeface="Arial"/>
+            </a:endParaRPr>
+          </a:p>
+          <a:p>
+            <a:pPr lvl="1" marL="539640" indent="-176760">
+              <a:lnSpc>
+                <a:spcPct val="100000"/>
+              </a:lnSpc>
+              <a:spcBef>
+                <a:spcPts val="320"/>
+              </a:spcBef>
+              <a:buClr>
+                <a:srgbClr val="5e6264"/>
+              </a:buClr>
+              <a:buFont typeface="Arial Rounded MT Bold"/>
+              <a:buChar char="›"/>
+            </a:pPr>
+            <a:r>
+              <a:rPr b="0" lang="es-ES" sz="1600" spc="-1" strike="noStrike">
+                <a:solidFill>
+                  <a:srgbClr val="5e6264"/>
+                </a:solidFill>
+                <a:latin typeface="Arial"/>
+                <a:ea typeface="DejaVu Sans"/>
+              </a:rPr>
+              <a:t> </a:t>
+            </a:r>
+            <a:r>
+              <a:rPr b="0" lang="es-ES" sz="1600" spc="-1" strike="noStrike">
+                <a:solidFill>
+                  <a:srgbClr val="5e6264"/>
+                </a:solidFill>
+                <a:latin typeface="Arial"/>
+                <a:ea typeface="DejaVu Sans"/>
+              </a:rPr>
+              <a:t>NO</a:t>
+            </a:r>
+            <a:endParaRPr b="0" lang="es-ES" sz="1600" spc="-1" strike="noStrike">
+              <a:latin typeface="Arial"/>
+            </a:endParaRPr>
+          </a:p>
+          <a:p>
+            <a:pPr>
+              <a:lnSpc>
+                <a:spcPct val="100000"/>
+              </a:lnSpc>
+            </a:pPr>
+            <a:endParaRPr b="0" lang="es-ES" sz="1600" spc="-1" strike="noStrike">
+              <a:latin typeface="Arial"/>
+            </a:endParaRPr>
+          </a:p>
+        </p:txBody>
+      </p:sp>
+      <p:sp>
+        <p:nvSpPr>
+          <p:cNvPr id="255" name="CustomShape 2"/>
+          <p:cNvSpPr/>
+          <p:nvPr/>
+        </p:nvSpPr>
+        <p:spPr>
+          <a:xfrm>
+            <a:off x="496080" y="199800"/>
+            <a:ext cx="4359240" cy="490680"/>
+          </a:xfrm>
+          <a:prstGeom prst="rect">
+            <a:avLst/>
+          </a:prstGeom>
+          <a:noFill/>
+          <a:ln w="9360">
+            <a:noFill/>
+          </a:ln>
+        </p:spPr>
+        <p:style>
+          <a:lnRef idx="0"/>
+          <a:fillRef idx="0"/>
+          <a:effectRef idx="0"/>
+          <a:fontRef idx="minor"/>
+        </p:style>
+        <p:txBody>
+          <a:bodyPr lIns="90000" rIns="90000" tIns="45000" bIns="45000" anchor="b"/>
+          <a:p>
+            <a:pPr>
+              <a:lnSpc>
+                <a:spcPct val="100000"/>
+              </a:lnSpc>
+            </a:pPr>
+            <a:r>
+              <a:rPr b="0" lang="es-ES" sz="2800" spc="-1" strike="noStrike">
+                <a:solidFill>
+                  <a:srgbClr val="004569"/>
+                </a:solidFill>
+                <a:latin typeface="Arial"/>
+                <a:ea typeface="DejaVu Sans"/>
+              </a:rPr>
+              <a:t>Multiple </a:t>
+            </a:r>
+            <a:r>
+              <a:rPr b="0" lang="es-ES" sz="2400" spc="-1" strike="noStrike">
+                <a:solidFill>
+                  <a:srgbClr val="004569"/>
+                </a:solidFill>
+                <a:latin typeface="Arial"/>
+                <a:ea typeface="DejaVu Sans"/>
+              </a:rPr>
+              <a:t>Choice</a:t>
+            </a:r>
+            <a:r>
+              <a:rPr b="0" lang="es-ES" sz="2800" spc="-1" strike="noStrike">
+                <a:solidFill>
+                  <a:srgbClr val="004569"/>
+                </a:solidFill>
+                <a:latin typeface="Arial"/>
+                <a:ea typeface="DejaVu Sans"/>
+              </a:rPr>
+              <a:t>:</a:t>
+            </a:r>
+            <a:endParaRPr b="0" lang="es-ES" sz="2800" spc="-1" strike="noStrike">
+              <a:latin typeface="Arial"/>
+            </a:endParaRPr>
+          </a:p>
+        </p:txBody>
+      </p:sp>
+      <p:sp>
+        <p:nvSpPr>
+          <p:cNvPr id="256" name="CustomShape 3"/>
+          <p:cNvSpPr/>
+          <p:nvPr/>
+        </p:nvSpPr>
+        <p:spPr>
+          <a:xfrm>
+            <a:off x="395640" y="6520320"/>
+            <a:ext cx="357120" cy="218160"/>
+          </a:xfrm>
+          <a:prstGeom prst="rect">
+            <a:avLst/>
+          </a:prstGeom>
+          <a:noFill/>
+          <a:ln>
+            <a:noFill/>
+          </a:ln>
+        </p:spPr>
+        <p:style>
+          <a:lnRef idx="0"/>
+          <a:fillRef idx="0"/>
+          <a:effectRef idx="0"/>
+          <a:fontRef idx="minor"/>
+        </p:style>
+        <p:txBody>
+          <a:bodyPr lIns="90000" rIns="90000" tIns="45000" bIns="45000" anchor="ctr"/>
+          <a:p>
+            <a:pPr algn="r">
+              <a:lnSpc>
+                <a:spcPct val="100000"/>
+              </a:lnSpc>
+            </a:pPr>
+            <a:fld id="{5DC58D06-D6FB-4DE0-98C6-548E2239DC6E}" type="slidenum">
+              <a:rPr b="1" lang="es-ES" sz="800" spc="-1" strike="noStrike">
+                <a:solidFill>
+                  <a:srgbClr val="004569"/>
+                </a:solidFill>
+                <a:latin typeface="Arial"/>
+                <a:ea typeface="DejaVu Sans"/>
+              </a:rPr>
+              <a:t>&lt;número&gt;</a:t>
+            </a:fld>
+            <a:endParaRPr b="0" lang="es-ES" sz="800" spc="-1" strike="noStrike">
+              <a:latin typeface="Arial"/>
+            </a:endParaRPr>
+          </a:p>
+        </p:txBody>
+      </p:sp>
+    </p:spTree>
+  </p:cSld>
+  <p:timing>
+    <p:tnLst>
+      <p:par>
+        <p:cTn id="49" dur="indefinite" restart="never" nodeType="tmRoot">
+          <p:childTnLst>
+            <p:seq>
+              <p:cTn id="50" nodeType="mainSeq"/>
               <p:prevCondLst>
                 <p:cond delay="0" evt="onPrev">
                   <p:tgtEl>
@@ -13141,7 +13904,7 @@
         <p:spPr>
           <a:xfrm>
             <a:off x="371160" y="994680"/>
-            <a:ext cx="8400600" cy="5569560"/>
+            <a:ext cx="8400240" cy="5569200"/>
           </a:xfrm>
           <a:prstGeom prst="rect">
             <a:avLst/>
@@ -13286,7 +14049,7 @@
         <p:spPr>
           <a:xfrm>
             <a:off x="216000" y="1008000"/>
-            <a:ext cx="8206920" cy="5110920"/>
+            <a:ext cx="8206560" cy="5110560"/>
           </a:xfrm>
           <a:prstGeom prst="rect">
             <a:avLst/>
@@ -13360,7 +14123,7 @@
                 <a:latin typeface="Arial"/>
                 <a:ea typeface="DejaVu Sans"/>
               </a:rPr>
-              <a:t>REST (Representational State Transfer) es un tipo de arquitectura definida por ciertas reglas.REST se usa para crear/consumir servicios web.</a:t>
+              <a:t>REST (Representational State Transfer) es un tipo de arquitectura definida por ciertas reglas. REST se usa para crear/consumir servicios web.</a:t>
             </a:r>
             <a:endParaRPr b="0" lang="es-ES" sz="3200" spc="-1" strike="noStrike">
               <a:latin typeface="Arial"/>
@@ -13441,7 +14204,7 @@
         <p:spPr>
           <a:xfrm>
             <a:off x="467640" y="620640"/>
-            <a:ext cx="8400600" cy="5569560"/>
+            <a:ext cx="8400240" cy="5569200"/>
           </a:xfrm>
           <a:prstGeom prst="rect">
             <a:avLst/>
@@ -13698,7 +14461,7 @@
         <p:spPr>
           <a:xfrm>
             <a:off x="443160" y="913680"/>
-            <a:ext cx="8339760" cy="5421240"/>
+            <a:ext cx="8339400" cy="5420880"/>
           </a:xfrm>
           <a:prstGeom prst="rect">
             <a:avLst/>
@@ -14033,7 +14796,7 @@
         <p:spPr>
           <a:xfrm>
             <a:off x="443160" y="913680"/>
-            <a:ext cx="8339760" cy="5421240"/>
+            <a:ext cx="8339400" cy="5420880"/>
           </a:xfrm>
           <a:prstGeom prst="rect">
             <a:avLst/>
@@ -14428,7 +15191,7 @@
         <p:spPr>
           <a:xfrm>
             <a:off x="360000" y="864000"/>
-            <a:ext cx="8339760" cy="5421240"/>
+            <a:ext cx="8339400" cy="5420880"/>
           </a:xfrm>
           <a:prstGeom prst="rect">
             <a:avLst/>
@@ -14519,11 +15282,41 @@
             </a:endParaRPr>
           </a:p>
           <a:p>
+            <a:pPr algn="just">
+              <a:lnSpc>
+                <a:spcPct val="80000"/>
+              </a:lnSpc>
+            </a:pPr>
+            <a:r>
+              <a:rPr b="0" lang="es-ES" sz="2400" spc="-1" strike="noStrike">
+                <a:solidFill>
+                  <a:srgbClr val="2b2d2e"/>
+                </a:solidFill>
+                <a:latin typeface="Arial"/>
+                <a:ea typeface="DejaVu Sans"/>
+              </a:rPr>
+              <a:t>&gt;Es “stateless”.Lo que significa que ninguno de los 2 sistemas que se comunican guardan información.Le permite ser escalable.</a:t>
+            </a:r>
+            <a:endParaRPr b="0" lang="es-ES" sz="2400" spc="-1" strike="noStrike">
+              <a:latin typeface="Arial"/>
+            </a:endParaRPr>
+          </a:p>
+          <a:p>
             <a:pPr>
               <a:lnSpc>
                 <a:spcPct val="80000"/>
               </a:lnSpc>
             </a:pPr>
+            <a:endParaRPr b="0" lang="es-ES" sz="2400" spc="-1" strike="noStrike">
+              <a:latin typeface="Arial"/>
+            </a:endParaRPr>
+          </a:p>
+          <a:p>
+            <a:pPr>
+              <a:lnSpc>
+                <a:spcPct val="80000"/>
+              </a:lnSpc>
+            </a:pPr>
             <a:r>
               <a:rPr b="0" lang="es-ES" sz="2400" spc="-1" strike="noStrike">
                 <a:solidFill>
@@ -14532,39 +15325,19 @@
                 <a:latin typeface="Arial"/>
                 <a:ea typeface="DejaVu Sans"/>
               </a:rPr>
-              <a:t>&gt; Es “stateless”.Lo que significa que ninguno de los 2 sistemas que se comunican guardan información.</a:t>
-            </a:r>
-            <a:endParaRPr b="0" lang="es-ES" sz="2400" spc="-1" strike="noStrike">
-              <a:latin typeface="Arial"/>
-            </a:endParaRPr>
-          </a:p>
-          <a:p>
-            <a:pPr>
-              <a:lnSpc>
-                <a:spcPct val="80000"/>
-              </a:lnSpc>
-            </a:pPr>
-            <a:endParaRPr b="0" lang="es-ES" sz="2400" spc="-1" strike="noStrike">
-              <a:latin typeface="Arial"/>
-            </a:endParaRPr>
-          </a:p>
-          <a:p>
-            <a:pPr>
-              <a:lnSpc>
-                <a:spcPct val="80000"/>
-              </a:lnSpc>
-            </a:pPr>
-            <a:r>
-              <a:rPr b="0" lang="es-ES" sz="2400" spc="-1" strike="noStrike">
+              <a:t>&gt;</a:t>
+            </a:r>
+            <a:r>
+              <a:rPr b="0" lang="es-ES" sz="2200" spc="-1" strike="noStrike">
                 <a:solidFill>
                   <a:srgbClr val="2b2d2e"/>
                 </a:solidFill>
                 <a:latin typeface="Arial"/>
                 <a:ea typeface="DejaVu Sans"/>
               </a:rPr>
-              <a:t>&gt; No nos importa en que lenguaje está programada programada la API con la que nos queremos comunicar.</a:t>
-            </a:r>
-            <a:endParaRPr b="0" lang="es-ES" sz="2400" spc="-1" strike="noStrike">
+              <a:t>No nos importa en que lenguaje está programada programada la API con la que nos queremos comunicar.</a:t>
+            </a:r>
+            <a:endParaRPr b="0" lang="es-ES" sz="2200" spc="-1" strike="noStrike">
               <a:latin typeface="Arial"/>
             </a:endParaRPr>
           </a:p>
@@ -14579,7 +15352,7 @@
             <a:br/>
             <a:br/>
             <a:br/>
-            <a:endParaRPr b="0" lang="es-ES" sz="2400" spc="-1" strike="noStrike">
+            <a:endParaRPr b="0" lang="es-ES" sz="2200" spc="-1" strike="noStrike">
               <a:latin typeface="Arial"/>
             </a:endParaRPr>
           </a:p>
@@ -14642,8 +15415,8 @@
         </p:nvSpPr>
         <p:spPr>
           <a:xfrm>
-            <a:off x="371160" y="994680"/>
-            <a:ext cx="8400600" cy="5569560"/>
+            <a:off x="360000" y="864000"/>
+            <a:ext cx="8339400" cy="5420880"/>
           </a:xfrm>
           <a:prstGeom prst="rect">
             <a:avLst/>
@@ -14660,7 +15433,7 @@
           <a:fontRef idx="minor"/>
         </p:style>
         <p:txBody>
-          <a:bodyPr lIns="90000" rIns="90000" tIns="45000" bIns="45000" anchor="ctr">
+          <a:bodyPr lIns="90000" rIns="90000" tIns="45000" bIns="45000">
             <a:normAutofit/>
           </a:bodyPr>
           <a:p>
@@ -14669,6 +15442,16 @@
                 <a:spcPct val="80000"/>
               </a:lnSpc>
             </a:pPr>
+            <a:endParaRPr b="0" lang="es-ES" sz="1800" spc="-1" strike="noStrike">
+              <a:latin typeface="Arial"/>
+            </a:endParaRPr>
+          </a:p>
+          <a:p>
+            <a:pPr>
+              <a:lnSpc>
+                <a:spcPct val="80000"/>
+              </a:lnSpc>
+            </a:pPr>
             <a:r>
               <a:rPr b="0" lang="es-ES" sz="3600" spc="-1" strike="noStrike">
                 <a:solidFill>
@@ -14677,76 +15460,46 @@
                 <a:latin typeface="Arial"/>
                 <a:ea typeface="DejaVu Sans"/>
               </a:rPr>
-              <a:t>Qué es Slim Framework</a:t>
-            </a:r>
-            <a:r>
-              <a:rPr b="0" lang="es-ES" sz="4000" spc="-1" strike="noStrike">
+              <a:t>HTTP</a:t>
+            </a:r>
+            <a:r>
+              <a:rPr b="0" lang="es-ES" sz="3600" spc="-1" strike="noStrike">
                 <a:solidFill>
                   <a:srgbClr val="ffffff"/>
                 </a:solidFill>
                 <a:latin typeface="Arial"/>
                 <a:ea typeface="DejaVu Sans"/>
               </a:rPr>
-              <a:t>?</a:t>
-            </a:r>
-            <a:r>
-              <a:rPr b="0" lang="es-ES" sz="4400" spc="-1" strike="noStrike">
-                <a:solidFill>
-                  <a:srgbClr val="ffffff"/>
-                </a:solidFill>
-                <a:latin typeface="Arial"/>
-                <a:ea typeface="DejaVu Sans"/>
-              </a:rPr>
               <a:t> </a:t>
             </a:r>
-            <a:endParaRPr b="0" lang="es-ES" sz="4400" spc="-1" strike="noStrike">
+            <a:endParaRPr b="0" lang="es-ES" sz="3600" spc="-1" strike="noStrike">
               <a:latin typeface="Arial"/>
             </a:endParaRPr>
           </a:p>
           <a:p>
             <a:pPr>
               <a:lnSpc>
-                <a:spcPct val="100000"/>
-              </a:lnSpc>
-            </a:pPr>
-            <a:endParaRPr b="0" lang="es-ES" sz="4400" spc="-1" strike="noStrike">
+                <a:spcPct val="80000"/>
+              </a:lnSpc>
+            </a:pPr>
+            <a:endParaRPr b="0" lang="es-ES" sz="3600" spc="-1" strike="noStrike">
+              <a:latin typeface="Arial"/>
+            </a:endParaRPr>
+          </a:p>
+          <a:p>
+            <a:pPr algn="just">
+              <a:lnSpc>
+                <a:spcPct val="80000"/>
+              </a:lnSpc>
+            </a:pPr>
+            <a:endParaRPr b="0" lang="es-ES" sz="3600" spc="-1" strike="noStrike">
               <a:latin typeface="Arial"/>
             </a:endParaRPr>
           </a:p>
           <a:p>
             <a:pPr>
               <a:lnSpc>
-                <a:spcPct val="100000"/>
-              </a:lnSpc>
-            </a:pPr>
-            <a:r>
-              <a:rPr b="0" lang="es-ES" sz="3200" spc="-1" strike="noStrike">
-                <a:solidFill>
-                  <a:srgbClr val="2b2d2e"/>
-                </a:solidFill>
-                <a:latin typeface="Arial"/>
-                <a:ea typeface="DejaVu Sans"/>
-              </a:rPr>
-              <a:t>Slim es un micro framework que permite la creación tanto de aplicaciones web como de API REST. </a:t>
-            </a:r>
-            <a:endParaRPr b="0" lang="es-ES" sz="3200" spc="-1" strike="noStrike">
-              <a:latin typeface="Arial"/>
-            </a:endParaRPr>
-          </a:p>
-          <a:p>
-            <a:pPr>
-              <a:lnSpc>
-                <a:spcPct val="100000"/>
-              </a:lnSpc>
-            </a:pPr>
-            <a:endParaRPr b="0" lang="es-ES" sz="3200" spc="-1" strike="noStrike">
-              <a:latin typeface="Arial"/>
-            </a:endParaRPr>
-          </a:p>
-          <a:p>
-            <a:pPr>
-              <a:lnSpc>
-                <a:spcPct val="100000"/>
+                <a:spcPct val="80000"/>
               </a:lnSpc>
             </a:pPr>
             <a:br/>
@@ -14754,12 +15507,35 @@
             <a:br/>
             <a:br/>
             <a:br/>
-            <a:endParaRPr b="0" lang="es-ES" sz="3200" spc="-1" strike="noStrike">
-              <a:latin typeface="Arial"/>
-            </a:endParaRPr>
-          </a:p>
-        </p:txBody>
-      </p:sp>
+            <a:endParaRPr b="0" lang="es-ES" sz="3600" spc="-1" strike="noStrike">
+              <a:latin typeface="Arial"/>
+            </a:endParaRPr>
+          </a:p>
+        </p:txBody>
+      </p:sp>
+      <p:pic>
+        <p:nvPicPr>
+          <p:cNvPr id="218" name="" descr=""/>
+          <p:cNvPicPr/>
+          <p:nvPr/>
+        </p:nvPicPr>
+        <p:blipFill>
+          <a:blip r:embed="rId1"/>
+          <a:stretch/>
+        </p:blipFill>
+        <p:spPr>
+          <a:xfrm>
+            <a:off x="1296000" y="1728000"/>
+            <a:ext cx="6984000" cy="4094640"/>
+          </a:xfrm>
+          <a:prstGeom prst="rect">
+            <a:avLst/>
+          </a:prstGeom>
+          <a:ln>
+            <a:noFill/>
+          </a:ln>
+        </p:spPr>
+      </p:pic>
     </p:spTree>
   </p:cSld>
   <p:timing>
